--- a/doc/Patterns.pptx
+++ b/doc/Patterns.pptx
@@ -5,10 +5,10 @@
     <p:sldMasterId id="2147483648" r:id="rId4"/>
   </p:sldMasterIdLst>
   <p:notesMasterIdLst>
-    <p:notesMasterId r:id="rId21"/>
+    <p:notesMasterId r:id="rId18"/>
   </p:notesMasterIdLst>
   <p:handoutMasterIdLst>
-    <p:handoutMasterId r:id="rId22"/>
+    <p:handoutMasterId r:id="rId19"/>
   </p:handoutMasterIdLst>
   <p:sldIdLst>
     <p:sldId id="256" r:id="rId5"/>
@@ -20,13 +20,10 @@
     <p:sldId id="275" r:id="rId11"/>
     <p:sldId id="276" r:id="rId12"/>
     <p:sldId id="277" r:id="rId13"/>
-    <p:sldId id="271" r:id="rId14"/>
-    <p:sldId id="259" r:id="rId15"/>
-    <p:sldId id="260" r:id="rId16"/>
-    <p:sldId id="261" r:id="rId17"/>
-    <p:sldId id="262" r:id="rId18"/>
-    <p:sldId id="263" r:id="rId19"/>
-    <p:sldId id="267" r:id="rId20"/>
+    <p:sldId id="278" r:id="rId14"/>
+    <p:sldId id="279" r:id="rId15"/>
+    <p:sldId id="280" r:id="rId16"/>
+    <p:sldId id="281" r:id="rId17"/>
   </p:sldIdLst>
   <p:sldSz cx="12188825" cy="6858000"/>
   <p:notesSz cx="6858000" cy="9144000"/>
@@ -158,3072 +155,6 @@
 </p:presentation>
 </file>
 
-<file path=ppt/diagrams/colors1.xml><?xml version="1.0" encoding="utf-8"?>
-<dgm:colorsDef xmlns:dgm="http://schemas.openxmlformats.org/drawingml/2006/diagram" xmlns:a="http://schemas.openxmlformats.org/drawingml/2006/main" uniqueId="urn:microsoft.com/office/officeart/2005/8/colors/accent4_1">
-  <dgm:title val=""/>
-  <dgm:desc val=""/>
-  <dgm:catLst>
-    <dgm:cat type="accent4" pri="11100"/>
-  </dgm:catLst>
-  <dgm:styleLbl name="node0">
-    <dgm:fillClrLst meth="repeat">
-      <a:schemeClr val="lt1"/>
-    </dgm:fillClrLst>
-    <dgm:linClrLst meth="repeat">
-      <a:schemeClr val="accent4">
-        <a:shade val="80000"/>
-      </a:schemeClr>
-    </dgm:linClrLst>
-    <dgm:effectClrLst/>
-    <dgm:txLinClrLst/>
-    <dgm:txFillClrLst meth="repeat">
-      <a:schemeClr val="dk1"/>
-    </dgm:txFillClrLst>
-    <dgm:txEffectClrLst/>
-  </dgm:styleLbl>
-  <dgm:styleLbl name="node1">
-    <dgm:fillClrLst meth="repeat">
-      <a:schemeClr val="lt1"/>
-    </dgm:fillClrLst>
-    <dgm:linClrLst meth="repeat">
-      <a:schemeClr val="accent4">
-        <a:shade val="80000"/>
-      </a:schemeClr>
-    </dgm:linClrLst>
-    <dgm:effectClrLst/>
-    <dgm:txLinClrLst/>
-    <dgm:txFillClrLst meth="repeat">
-      <a:schemeClr val="dk1"/>
-    </dgm:txFillClrLst>
-    <dgm:txEffectClrLst/>
-  </dgm:styleLbl>
-  <dgm:styleLbl name="alignNode1">
-    <dgm:fillClrLst meth="repeat">
-      <a:schemeClr val="lt1"/>
-    </dgm:fillClrLst>
-    <dgm:linClrLst meth="repeat">
-      <a:schemeClr val="accent4">
-        <a:shade val="80000"/>
-      </a:schemeClr>
-    </dgm:linClrLst>
-    <dgm:effectClrLst/>
-    <dgm:txLinClrLst/>
-    <dgm:txFillClrLst meth="repeat">
-      <a:schemeClr val="dk1"/>
-    </dgm:txFillClrLst>
-    <dgm:txEffectClrLst/>
-  </dgm:styleLbl>
-  <dgm:styleLbl name="lnNode1">
-    <dgm:fillClrLst meth="repeat">
-      <a:schemeClr val="lt1"/>
-    </dgm:fillClrLst>
-    <dgm:linClrLst meth="repeat">
-      <a:schemeClr val="accent4">
-        <a:shade val="80000"/>
-      </a:schemeClr>
-    </dgm:linClrLst>
-    <dgm:effectClrLst/>
-    <dgm:txLinClrLst/>
-    <dgm:txFillClrLst meth="repeat">
-      <a:schemeClr val="dk1"/>
-    </dgm:txFillClrLst>
-    <dgm:txEffectClrLst/>
-  </dgm:styleLbl>
-  <dgm:styleLbl name="vennNode1">
-    <dgm:fillClrLst meth="repeat">
-      <a:schemeClr val="lt1">
-        <a:alpha val="50000"/>
-      </a:schemeClr>
-    </dgm:fillClrLst>
-    <dgm:linClrLst meth="repeat">
-      <a:schemeClr val="accent4">
-        <a:shade val="80000"/>
-      </a:schemeClr>
-    </dgm:linClrLst>
-    <dgm:effectClrLst/>
-    <dgm:txLinClrLst/>
-    <dgm:txFillClrLst/>
-    <dgm:txEffectClrLst/>
-  </dgm:styleLbl>
-  <dgm:styleLbl name="node2">
-    <dgm:fillClrLst meth="repeat">
-      <a:schemeClr val="lt1"/>
-    </dgm:fillClrLst>
-    <dgm:linClrLst meth="repeat">
-      <a:schemeClr val="accent4">
-        <a:shade val="80000"/>
-      </a:schemeClr>
-    </dgm:linClrLst>
-    <dgm:effectClrLst/>
-    <dgm:txLinClrLst/>
-    <dgm:txFillClrLst meth="repeat">
-      <a:schemeClr val="dk1"/>
-    </dgm:txFillClrLst>
-    <dgm:txEffectClrLst/>
-  </dgm:styleLbl>
-  <dgm:styleLbl name="node3">
-    <dgm:fillClrLst meth="repeat">
-      <a:schemeClr val="lt1"/>
-    </dgm:fillClrLst>
-    <dgm:linClrLst meth="repeat">
-      <a:schemeClr val="accent4">
-        <a:shade val="80000"/>
-      </a:schemeClr>
-    </dgm:linClrLst>
-    <dgm:effectClrLst/>
-    <dgm:txLinClrLst/>
-    <dgm:txFillClrLst meth="repeat">
-      <a:schemeClr val="dk1"/>
-    </dgm:txFillClrLst>
-    <dgm:txEffectClrLst/>
-  </dgm:styleLbl>
-  <dgm:styleLbl name="node4">
-    <dgm:fillClrLst meth="repeat">
-      <a:schemeClr val="lt1"/>
-    </dgm:fillClrLst>
-    <dgm:linClrLst meth="repeat">
-      <a:schemeClr val="accent4">
-        <a:shade val="80000"/>
-      </a:schemeClr>
-    </dgm:linClrLst>
-    <dgm:effectClrLst/>
-    <dgm:txLinClrLst/>
-    <dgm:txFillClrLst meth="repeat">
-      <a:schemeClr val="dk1"/>
-    </dgm:txFillClrLst>
-    <dgm:txEffectClrLst/>
-  </dgm:styleLbl>
-  <dgm:styleLbl name="fgImgPlace1">
-    <dgm:fillClrLst meth="repeat">
-      <a:schemeClr val="accent4">
-        <a:tint val="40000"/>
-      </a:schemeClr>
-    </dgm:fillClrLst>
-    <dgm:linClrLst meth="repeat">
-      <a:schemeClr val="accent4">
-        <a:shade val="80000"/>
-      </a:schemeClr>
-    </dgm:linClrLst>
-    <dgm:effectClrLst/>
-    <dgm:txLinClrLst/>
-    <dgm:txFillClrLst meth="repeat">
-      <a:schemeClr val="lt1"/>
-    </dgm:txFillClrLst>
-    <dgm:txEffectClrLst/>
-  </dgm:styleLbl>
-  <dgm:styleLbl name="alignImgPlace1">
-    <dgm:fillClrLst meth="repeat">
-      <a:schemeClr val="accent4">
-        <a:tint val="40000"/>
-      </a:schemeClr>
-    </dgm:fillClrLst>
-    <dgm:linClrLst meth="repeat">
-      <a:schemeClr val="accent4">
-        <a:shade val="80000"/>
-      </a:schemeClr>
-    </dgm:linClrLst>
-    <dgm:effectClrLst/>
-    <dgm:txLinClrLst/>
-    <dgm:txFillClrLst meth="repeat">
-      <a:schemeClr val="lt1"/>
-    </dgm:txFillClrLst>
-    <dgm:txEffectClrLst/>
-  </dgm:styleLbl>
-  <dgm:styleLbl name="bgImgPlace1">
-    <dgm:fillClrLst meth="repeat">
-      <a:schemeClr val="accent4">
-        <a:tint val="40000"/>
-      </a:schemeClr>
-    </dgm:fillClrLst>
-    <dgm:linClrLst meth="repeat">
-      <a:schemeClr val="accent4">
-        <a:shade val="80000"/>
-      </a:schemeClr>
-    </dgm:linClrLst>
-    <dgm:effectClrLst/>
-    <dgm:txLinClrLst/>
-    <dgm:txFillClrLst meth="repeat">
-      <a:schemeClr val="lt1"/>
-    </dgm:txFillClrLst>
-    <dgm:txEffectClrLst/>
-  </dgm:styleLbl>
-  <dgm:styleLbl name="sibTrans2D1">
-    <dgm:fillClrLst meth="repeat">
-      <a:schemeClr val="accent4">
-        <a:tint val="60000"/>
-      </a:schemeClr>
-    </dgm:fillClrLst>
-    <dgm:linClrLst meth="repeat">
-      <a:schemeClr val="accent4">
-        <a:tint val="60000"/>
-      </a:schemeClr>
-    </dgm:linClrLst>
-    <dgm:effectClrLst/>
-    <dgm:txLinClrLst/>
-    <dgm:txFillClrLst meth="repeat">
-      <a:schemeClr val="dk1"/>
-    </dgm:txFillClrLst>
-    <dgm:txEffectClrLst/>
-  </dgm:styleLbl>
-  <dgm:styleLbl name="fgSibTrans2D1">
-    <dgm:fillClrLst meth="repeat">
-      <a:schemeClr val="accent4">
-        <a:tint val="60000"/>
-      </a:schemeClr>
-    </dgm:fillClrLst>
-    <dgm:linClrLst meth="repeat">
-      <a:schemeClr val="accent4">
-        <a:tint val="60000"/>
-      </a:schemeClr>
-    </dgm:linClrLst>
-    <dgm:effectClrLst/>
-    <dgm:txLinClrLst/>
-    <dgm:txFillClrLst meth="repeat">
-      <a:schemeClr val="dk1"/>
-    </dgm:txFillClrLst>
-    <dgm:txEffectClrLst/>
-  </dgm:styleLbl>
-  <dgm:styleLbl name="bgSibTrans2D1">
-    <dgm:fillClrLst meth="repeat">
-      <a:schemeClr val="accent4">
-        <a:tint val="60000"/>
-      </a:schemeClr>
-    </dgm:fillClrLst>
-    <dgm:linClrLst meth="repeat">
-      <a:schemeClr val="accent4">
-        <a:tint val="60000"/>
-      </a:schemeClr>
-    </dgm:linClrLst>
-    <dgm:effectClrLst/>
-    <dgm:txLinClrLst/>
-    <dgm:txFillClrLst meth="repeat">
-      <a:schemeClr val="dk1"/>
-    </dgm:txFillClrLst>
-    <dgm:txEffectClrLst/>
-  </dgm:styleLbl>
-  <dgm:styleLbl name="sibTrans1D1">
-    <dgm:fillClrLst meth="repeat">
-      <a:schemeClr val="accent4"/>
-    </dgm:fillClrLst>
-    <dgm:linClrLst meth="repeat">
-      <a:schemeClr val="accent4"/>
-    </dgm:linClrLst>
-    <dgm:effectClrLst/>
-    <dgm:txLinClrLst/>
-    <dgm:txFillClrLst meth="repeat">
-      <a:schemeClr val="tx1"/>
-    </dgm:txFillClrLst>
-    <dgm:txEffectClrLst/>
-  </dgm:styleLbl>
-  <dgm:styleLbl name="callout">
-    <dgm:fillClrLst meth="repeat">
-      <a:schemeClr val="accent4"/>
-    </dgm:fillClrLst>
-    <dgm:linClrLst meth="repeat">
-      <a:schemeClr val="accent4"/>
-    </dgm:linClrLst>
-    <dgm:effectClrLst/>
-    <dgm:txLinClrLst/>
-    <dgm:txFillClrLst meth="repeat">
-      <a:schemeClr val="tx1"/>
-    </dgm:txFillClrLst>
-    <dgm:txEffectClrLst/>
-  </dgm:styleLbl>
-  <dgm:styleLbl name="asst0">
-    <dgm:fillClrLst meth="repeat">
-      <a:schemeClr val="lt1"/>
-    </dgm:fillClrLst>
-    <dgm:linClrLst meth="repeat">
-      <a:schemeClr val="accent4">
-        <a:shade val="80000"/>
-      </a:schemeClr>
-    </dgm:linClrLst>
-    <dgm:effectClrLst/>
-    <dgm:txLinClrLst/>
-    <dgm:txFillClrLst meth="repeat">
-      <a:schemeClr val="dk1"/>
-    </dgm:txFillClrLst>
-    <dgm:txEffectClrLst/>
-  </dgm:styleLbl>
-  <dgm:styleLbl name="asst1">
-    <dgm:fillClrLst meth="repeat">
-      <a:schemeClr val="lt1"/>
-    </dgm:fillClrLst>
-    <dgm:linClrLst meth="repeat">
-      <a:schemeClr val="accent4">
-        <a:shade val="80000"/>
-      </a:schemeClr>
-    </dgm:linClrLst>
-    <dgm:effectClrLst/>
-    <dgm:txLinClrLst/>
-    <dgm:txFillClrLst meth="repeat">
-      <a:schemeClr val="dk1"/>
-    </dgm:txFillClrLst>
-    <dgm:txEffectClrLst/>
-  </dgm:styleLbl>
-  <dgm:styleLbl name="asst2">
-    <dgm:fillClrLst meth="repeat">
-      <a:schemeClr val="lt1"/>
-    </dgm:fillClrLst>
-    <dgm:linClrLst meth="repeat">
-      <a:schemeClr val="accent4">
-        <a:shade val="80000"/>
-      </a:schemeClr>
-    </dgm:linClrLst>
-    <dgm:effectClrLst/>
-    <dgm:txLinClrLst/>
-    <dgm:txFillClrLst meth="repeat">
-      <a:schemeClr val="dk1"/>
-    </dgm:txFillClrLst>
-    <dgm:txEffectClrLst/>
-  </dgm:styleLbl>
-  <dgm:styleLbl name="asst3">
-    <dgm:fillClrLst meth="repeat">
-      <a:schemeClr val="lt1"/>
-    </dgm:fillClrLst>
-    <dgm:linClrLst meth="repeat">
-      <a:schemeClr val="accent4">
-        <a:shade val="80000"/>
-      </a:schemeClr>
-    </dgm:linClrLst>
-    <dgm:effectClrLst/>
-    <dgm:txLinClrLst/>
-    <dgm:txFillClrLst meth="repeat">
-      <a:schemeClr val="dk1"/>
-    </dgm:txFillClrLst>
-    <dgm:txEffectClrLst/>
-  </dgm:styleLbl>
-  <dgm:styleLbl name="asst4">
-    <dgm:fillClrLst meth="repeat">
-      <a:schemeClr val="lt1"/>
-    </dgm:fillClrLst>
-    <dgm:linClrLst meth="repeat">
-      <a:schemeClr val="accent4">
-        <a:shade val="80000"/>
-      </a:schemeClr>
-    </dgm:linClrLst>
-    <dgm:effectClrLst/>
-    <dgm:txLinClrLst/>
-    <dgm:txFillClrLst meth="repeat">
-      <a:schemeClr val="dk1"/>
-    </dgm:txFillClrLst>
-    <dgm:txEffectClrLst/>
-  </dgm:styleLbl>
-  <dgm:styleLbl name="parChTrans2D1">
-    <dgm:fillClrLst meth="repeat">
-      <a:schemeClr val="accent4">
-        <a:tint val="60000"/>
-      </a:schemeClr>
-    </dgm:fillClrLst>
-    <dgm:linClrLst meth="repeat">
-      <a:schemeClr val="accent4">
-        <a:tint val="60000"/>
-      </a:schemeClr>
-    </dgm:linClrLst>
-    <dgm:effectClrLst/>
-    <dgm:txLinClrLst/>
-    <dgm:txFillClrLst/>
-    <dgm:txEffectClrLst/>
-  </dgm:styleLbl>
-  <dgm:styleLbl name="parChTrans2D2">
-    <dgm:fillClrLst meth="repeat">
-      <a:schemeClr val="accent4"/>
-    </dgm:fillClrLst>
-    <dgm:linClrLst meth="repeat">
-      <a:schemeClr val="accent4"/>
-    </dgm:linClrLst>
-    <dgm:effectClrLst/>
-    <dgm:txLinClrLst/>
-    <dgm:txFillClrLst/>
-    <dgm:txEffectClrLst/>
-  </dgm:styleLbl>
-  <dgm:styleLbl name="parChTrans2D3">
-    <dgm:fillClrLst meth="repeat">
-      <a:schemeClr val="accent4"/>
-    </dgm:fillClrLst>
-    <dgm:linClrLst meth="repeat">
-      <a:schemeClr val="accent4"/>
-    </dgm:linClrLst>
-    <dgm:effectClrLst/>
-    <dgm:txLinClrLst/>
-    <dgm:txFillClrLst/>
-    <dgm:txEffectClrLst/>
-  </dgm:styleLbl>
-  <dgm:styleLbl name="parChTrans2D4">
-    <dgm:fillClrLst meth="repeat">
-      <a:schemeClr val="accent4"/>
-    </dgm:fillClrLst>
-    <dgm:linClrLst meth="repeat">
-      <a:schemeClr val="accent4"/>
-    </dgm:linClrLst>
-    <dgm:effectClrLst/>
-    <dgm:txLinClrLst/>
-    <dgm:txFillClrLst meth="repeat">
-      <a:schemeClr val="lt1"/>
-    </dgm:txFillClrLst>
-    <dgm:txEffectClrLst/>
-  </dgm:styleLbl>
-  <dgm:styleLbl name="parChTrans1D1">
-    <dgm:fillClrLst meth="repeat">
-      <a:schemeClr val="accent4"/>
-    </dgm:fillClrLst>
-    <dgm:linClrLst meth="repeat">
-      <a:schemeClr val="accent4">
-        <a:shade val="60000"/>
-      </a:schemeClr>
-    </dgm:linClrLst>
-    <dgm:effectClrLst/>
-    <dgm:txLinClrLst/>
-    <dgm:txFillClrLst meth="repeat">
-      <a:schemeClr val="tx1"/>
-    </dgm:txFillClrLst>
-    <dgm:txEffectClrLst/>
-  </dgm:styleLbl>
-  <dgm:styleLbl name="parChTrans1D2">
-    <dgm:fillClrLst meth="repeat">
-      <a:schemeClr val="accent4"/>
-    </dgm:fillClrLst>
-    <dgm:linClrLst meth="repeat">
-      <a:schemeClr val="accent4">
-        <a:shade val="60000"/>
-      </a:schemeClr>
-    </dgm:linClrLst>
-    <dgm:effectClrLst/>
-    <dgm:txLinClrLst/>
-    <dgm:txFillClrLst meth="repeat">
-      <a:schemeClr val="tx1"/>
-    </dgm:txFillClrLst>
-    <dgm:txEffectClrLst/>
-  </dgm:styleLbl>
-  <dgm:styleLbl name="parChTrans1D3">
-    <dgm:fillClrLst meth="repeat">
-      <a:schemeClr val="accent4"/>
-    </dgm:fillClrLst>
-    <dgm:linClrLst meth="repeat">
-      <a:schemeClr val="accent4">
-        <a:shade val="80000"/>
-      </a:schemeClr>
-    </dgm:linClrLst>
-    <dgm:effectClrLst/>
-    <dgm:txLinClrLst/>
-    <dgm:txFillClrLst meth="repeat">
-      <a:schemeClr val="tx1"/>
-    </dgm:txFillClrLst>
-    <dgm:txEffectClrLst/>
-  </dgm:styleLbl>
-  <dgm:styleLbl name="parChTrans1D4">
-    <dgm:fillClrLst meth="repeat">
-      <a:schemeClr val="accent4"/>
-    </dgm:fillClrLst>
-    <dgm:linClrLst meth="repeat">
-      <a:schemeClr val="accent4">
-        <a:shade val="80000"/>
-      </a:schemeClr>
-    </dgm:linClrLst>
-    <dgm:effectClrLst/>
-    <dgm:txLinClrLst/>
-    <dgm:txFillClrLst meth="repeat">
-      <a:schemeClr val="tx1"/>
-    </dgm:txFillClrLst>
-    <dgm:txEffectClrLst/>
-  </dgm:styleLbl>
-  <dgm:styleLbl name="fgAcc1">
-    <dgm:fillClrLst meth="repeat">
-      <a:schemeClr val="accent4">
-        <a:alpha val="90000"/>
-        <a:tint val="40000"/>
-      </a:schemeClr>
-    </dgm:fillClrLst>
-    <dgm:linClrLst meth="repeat">
-      <a:schemeClr val="accent4"/>
-    </dgm:linClrLst>
-    <dgm:effectClrLst/>
-    <dgm:txLinClrLst/>
-    <dgm:txFillClrLst meth="repeat">
-      <a:schemeClr val="dk1"/>
-    </dgm:txFillClrLst>
-    <dgm:txEffectClrLst/>
-  </dgm:styleLbl>
-  <dgm:styleLbl name="conFgAcc1">
-    <dgm:fillClrLst meth="repeat">
-      <a:schemeClr val="accent4">
-        <a:alpha val="90000"/>
-        <a:tint val="40000"/>
-      </a:schemeClr>
-    </dgm:fillClrLst>
-    <dgm:linClrLst meth="repeat">
-      <a:schemeClr val="accent4"/>
-    </dgm:linClrLst>
-    <dgm:effectClrLst/>
-    <dgm:txLinClrLst/>
-    <dgm:txFillClrLst meth="repeat">
-      <a:schemeClr val="dk1"/>
-    </dgm:txFillClrLst>
-    <dgm:txEffectClrLst/>
-  </dgm:styleLbl>
-  <dgm:styleLbl name="alignAcc1">
-    <dgm:fillClrLst meth="repeat">
-      <a:schemeClr val="accent4">
-        <a:alpha val="90000"/>
-        <a:tint val="40000"/>
-      </a:schemeClr>
-    </dgm:fillClrLst>
-    <dgm:linClrLst meth="repeat">
-      <a:schemeClr val="accent4"/>
-    </dgm:linClrLst>
-    <dgm:effectClrLst/>
-    <dgm:txLinClrLst/>
-    <dgm:txFillClrLst meth="repeat">
-      <a:schemeClr val="dk1"/>
-    </dgm:txFillClrLst>
-    <dgm:txEffectClrLst/>
-  </dgm:styleLbl>
-  <dgm:styleLbl name="trAlignAcc1">
-    <dgm:fillClrLst meth="repeat">
-      <a:schemeClr val="accent4">
-        <a:alpha val="40000"/>
-        <a:tint val="40000"/>
-      </a:schemeClr>
-    </dgm:fillClrLst>
-    <dgm:linClrLst meth="repeat">
-      <a:schemeClr val="accent4"/>
-    </dgm:linClrLst>
-    <dgm:effectClrLst/>
-    <dgm:txLinClrLst/>
-    <dgm:txFillClrLst meth="repeat">
-      <a:schemeClr val="dk1"/>
-    </dgm:txFillClrLst>
-    <dgm:txEffectClrLst/>
-  </dgm:styleLbl>
-  <dgm:styleLbl name="bgAcc1">
-    <dgm:fillClrLst meth="repeat">
-      <a:schemeClr val="accent4">
-        <a:alpha val="90000"/>
-        <a:tint val="40000"/>
-      </a:schemeClr>
-    </dgm:fillClrLst>
-    <dgm:linClrLst meth="repeat">
-      <a:schemeClr val="accent4"/>
-    </dgm:linClrLst>
-    <dgm:effectClrLst/>
-    <dgm:txLinClrLst/>
-    <dgm:txFillClrLst meth="repeat">
-      <a:schemeClr val="dk1"/>
-    </dgm:txFillClrLst>
-    <dgm:txEffectClrLst/>
-  </dgm:styleLbl>
-  <dgm:styleLbl name="solidFgAcc1">
-    <dgm:fillClrLst meth="repeat">
-      <a:schemeClr val="lt1"/>
-    </dgm:fillClrLst>
-    <dgm:linClrLst meth="repeat">
-      <a:schemeClr val="accent4"/>
-    </dgm:linClrLst>
-    <dgm:effectClrLst/>
-    <dgm:txLinClrLst/>
-    <dgm:txFillClrLst meth="repeat">
-      <a:schemeClr val="dk1"/>
-    </dgm:txFillClrLst>
-    <dgm:txEffectClrLst/>
-  </dgm:styleLbl>
-  <dgm:styleLbl name="solidAlignAcc1">
-    <dgm:fillClrLst meth="repeat">
-      <a:schemeClr val="lt1"/>
-    </dgm:fillClrLst>
-    <dgm:linClrLst meth="repeat">
-      <a:schemeClr val="accent4"/>
-    </dgm:linClrLst>
-    <dgm:effectClrLst/>
-    <dgm:txLinClrLst/>
-    <dgm:txFillClrLst meth="repeat">
-      <a:schemeClr val="dk1"/>
-    </dgm:txFillClrLst>
-    <dgm:txEffectClrLst/>
-  </dgm:styleLbl>
-  <dgm:styleLbl name="solidBgAcc1">
-    <dgm:fillClrLst meth="repeat">
-      <a:schemeClr val="lt1"/>
-    </dgm:fillClrLst>
-    <dgm:linClrLst meth="repeat">
-      <a:schemeClr val="accent4"/>
-    </dgm:linClrLst>
-    <dgm:effectClrLst/>
-    <dgm:txLinClrLst/>
-    <dgm:txFillClrLst meth="repeat">
-      <a:schemeClr val="dk1"/>
-    </dgm:txFillClrLst>
-    <dgm:txEffectClrLst/>
-  </dgm:styleLbl>
-  <dgm:styleLbl name="fgAccFollowNode1">
-    <dgm:fillClrLst meth="repeat">
-      <a:schemeClr val="lt1">
-        <a:alpha val="90000"/>
-        <a:tint val="40000"/>
-      </a:schemeClr>
-    </dgm:fillClrLst>
-    <dgm:linClrLst meth="repeat">
-      <a:schemeClr val="accent4">
-        <a:alpha val="90000"/>
-      </a:schemeClr>
-    </dgm:linClrLst>
-    <dgm:effectClrLst/>
-    <dgm:txLinClrLst/>
-    <dgm:txFillClrLst meth="repeat">
-      <a:schemeClr val="dk1"/>
-    </dgm:txFillClrLst>
-    <dgm:txEffectClrLst/>
-  </dgm:styleLbl>
-  <dgm:styleLbl name="alignAccFollowNode1">
-    <dgm:fillClrLst meth="repeat">
-      <a:schemeClr val="lt1">
-        <a:alpha val="90000"/>
-        <a:tint val="40000"/>
-      </a:schemeClr>
-    </dgm:fillClrLst>
-    <dgm:linClrLst meth="repeat">
-      <a:schemeClr val="accent4">
-        <a:alpha val="90000"/>
-      </a:schemeClr>
-    </dgm:linClrLst>
-    <dgm:effectClrLst/>
-    <dgm:txLinClrLst/>
-    <dgm:txFillClrLst meth="repeat">
-      <a:schemeClr val="dk1"/>
-    </dgm:txFillClrLst>
-    <dgm:txEffectClrLst/>
-  </dgm:styleLbl>
-  <dgm:styleLbl name="bgAccFollowNode1">
-    <dgm:fillClrLst meth="repeat">
-      <a:schemeClr val="lt1">
-        <a:alpha val="90000"/>
-        <a:tint val="40000"/>
-      </a:schemeClr>
-    </dgm:fillClrLst>
-    <dgm:linClrLst meth="repeat">
-      <a:schemeClr val="accent4">
-        <a:alpha val="90000"/>
-      </a:schemeClr>
-    </dgm:linClrLst>
-    <dgm:effectClrLst/>
-    <dgm:txLinClrLst/>
-    <dgm:txFillClrLst meth="repeat">
-      <a:schemeClr val="dk1"/>
-    </dgm:txFillClrLst>
-    <dgm:txEffectClrLst/>
-  </dgm:styleLbl>
-  <dgm:styleLbl name="fgAcc0">
-    <dgm:fillClrLst meth="repeat">
-      <a:schemeClr val="accent4">
-        <a:alpha val="90000"/>
-        <a:tint val="40000"/>
-      </a:schemeClr>
-    </dgm:fillClrLst>
-    <dgm:linClrLst meth="repeat">
-      <a:schemeClr val="accent4"/>
-    </dgm:linClrLst>
-    <dgm:effectClrLst/>
-    <dgm:txLinClrLst/>
-    <dgm:txFillClrLst meth="repeat">
-      <a:schemeClr val="dk1"/>
-    </dgm:txFillClrLst>
-    <dgm:txEffectClrLst/>
-  </dgm:styleLbl>
-  <dgm:styleLbl name="fgAcc2">
-    <dgm:fillClrLst meth="repeat">
-      <a:schemeClr val="accent4">
-        <a:alpha val="90000"/>
-        <a:tint val="40000"/>
-      </a:schemeClr>
-    </dgm:fillClrLst>
-    <dgm:linClrLst meth="repeat">
-      <a:schemeClr val="accent4"/>
-    </dgm:linClrLst>
-    <dgm:effectClrLst/>
-    <dgm:txLinClrLst/>
-    <dgm:txFillClrLst meth="repeat">
-      <a:schemeClr val="dk1"/>
-    </dgm:txFillClrLst>
-    <dgm:txEffectClrLst/>
-  </dgm:styleLbl>
-  <dgm:styleLbl name="fgAcc3">
-    <dgm:fillClrLst meth="repeat">
-      <a:schemeClr val="accent4">
-        <a:alpha val="90000"/>
-        <a:tint val="40000"/>
-      </a:schemeClr>
-    </dgm:fillClrLst>
-    <dgm:linClrLst meth="repeat">
-      <a:schemeClr val="accent4"/>
-    </dgm:linClrLst>
-    <dgm:effectClrLst/>
-    <dgm:txLinClrLst/>
-    <dgm:txFillClrLst meth="repeat">
-      <a:schemeClr val="dk1"/>
-    </dgm:txFillClrLst>
-    <dgm:txEffectClrLst/>
-  </dgm:styleLbl>
-  <dgm:styleLbl name="fgAcc4">
-    <dgm:fillClrLst meth="repeat">
-      <a:schemeClr val="accent4">
-        <a:alpha val="90000"/>
-        <a:tint val="40000"/>
-      </a:schemeClr>
-    </dgm:fillClrLst>
-    <dgm:linClrLst meth="repeat">
-      <a:schemeClr val="accent4"/>
-    </dgm:linClrLst>
-    <dgm:effectClrLst/>
-    <dgm:txLinClrLst/>
-    <dgm:txFillClrLst meth="repeat">
-      <a:schemeClr val="dk1"/>
-    </dgm:txFillClrLst>
-    <dgm:txEffectClrLst/>
-  </dgm:styleLbl>
-  <dgm:styleLbl name="bgShp">
-    <dgm:fillClrLst meth="repeat">
-      <a:schemeClr val="accent4">
-        <a:tint val="40000"/>
-      </a:schemeClr>
-    </dgm:fillClrLst>
-    <dgm:linClrLst meth="repeat">
-      <a:schemeClr val="accent4"/>
-    </dgm:linClrLst>
-    <dgm:effectClrLst/>
-    <dgm:txLinClrLst/>
-    <dgm:txFillClrLst meth="repeat">
-      <a:schemeClr val="dk1"/>
-    </dgm:txFillClrLst>
-    <dgm:txEffectClrLst/>
-  </dgm:styleLbl>
-  <dgm:styleLbl name="dkBgShp">
-    <dgm:fillClrLst meth="repeat">
-      <a:schemeClr val="accent4">
-        <a:shade val="80000"/>
-      </a:schemeClr>
-    </dgm:fillClrLst>
-    <dgm:linClrLst meth="repeat">
-      <a:schemeClr val="accent4"/>
-    </dgm:linClrLst>
-    <dgm:effectClrLst/>
-    <dgm:txLinClrLst/>
-    <dgm:txFillClrLst meth="repeat">
-      <a:schemeClr val="lt1"/>
-    </dgm:txFillClrLst>
-    <dgm:txEffectClrLst/>
-  </dgm:styleLbl>
-  <dgm:styleLbl name="trBgShp">
-    <dgm:fillClrLst meth="repeat">
-      <a:schemeClr val="accent4">
-        <a:tint val="50000"/>
-        <a:alpha val="40000"/>
-      </a:schemeClr>
-    </dgm:fillClrLst>
-    <dgm:linClrLst meth="repeat">
-      <a:schemeClr val="accent4"/>
-    </dgm:linClrLst>
-    <dgm:effectClrLst/>
-    <dgm:txLinClrLst/>
-    <dgm:txFillClrLst meth="repeat">
-      <a:schemeClr val="lt1"/>
-    </dgm:txFillClrLst>
-    <dgm:txEffectClrLst/>
-  </dgm:styleLbl>
-  <dgm:styleLbl name="fgShp">
-    <dgm:fillClrLst meth="repeat">
-      <a:schemeClr val="accent4">
-        <a:tint val="60000"/>
-      </a:schemeClr>
-    </dgm:fillClrLst>
-    <dgm:linClrLst meth="repeat">
-      <a:schemeClr val="lt1"/>
-    </dgm:linClrLst>
-    <dgm:effectClrLst/>
-    <dgm:txLinClrLst/>
-    <dgm:txFillClrLst meth="repeat">
-      <a:schemeClr val="dk1"/>
-    </dgm:txFillClrLst>
-    <dgm:txEffectClrLst/>
-  </dgm:styleLbl>
-  <dgm:styleLbl name="revTx">
-    <dgm:fillClrLst meth="repeat">
-      <a:schemeClr val="lt1">
-        <a:alpha val="0"/>
-      </a:schemeClr>
-    </dgm:fillClrLst>
-    <dgm:linClrLst meth="repeat">
-      <a:schemeClr val="dk1">
-        <a:alpha val="0"/>
-      </a:schemeClr>
-    </dgm:linClrLst>
-    <dgm:effectClrLst/>
-    <dgm:txLinClrLst/>
-    <dgm:txFillClrLst meth="repeat">
-      <a:schemeClr val="tx1"/>
-    </dgm:txFillClrLst>
-    <dgm:txEffectClrLst/>
-  </dgm:styleLbl>
-</dgm:colorsDef>
-</file>
-
-<file path=ppt/diagrams/data1.xml><?xml version="1.0" encoding="utf-8"?>
-<dgm:dataModel xmlns:dgm="http://schemas.openxmlformats.org/drawingml/2006/diagram" xmlns:a="http://schemas.openxmlformats.org/drawingml/2006/main">
-  <dgm:ptLst>
-    <dgm:pt modelId="{D44E9E87-B9B9-4324-8110-FB781FB2AAAE}" type="doc">
-      <dgm:prSet loTypeId="urn:microsoft.com/office/officeart/2005/8/layout/radial6" loCatId="cycle" qsTypeId="urn:microsoft.com/office/officeart/2005/8/quickstyle/simple1" qsCatId="simple" csTypeId="urn:microsoft.com/office/officeart/2005/8/colors/accent4_1" csCatId="accent4" phldr="1"/>
-      <dgm:spPr/>
-      <dgm:t>
-        <a:bodyPr rtlCol="0"/>
-        <a:lstStyle/>
-        <a:p>
-          <a:pPr rtl="0"/>
-          <a:endParaRPr lang="en-US"/>
-        </a:p>
-      </dgm:t>
-    </dgm:pt>
-    <dgm:pt modelId="{170C0135-3A94-4623-AA81-735573228628}">
-      <dgm:prSet phldrT="[Text]"/>
-      <dgm:spPr/>
-      <dgm:t>
-        <a:bodyPr rtlCol="0"/>
-        <a:lstStyle/>
-        <a:p>
-          <a:pPr rtl="0"/>
-          <a:r>
-            <a:rPr lang="fr-FR" noProof="0" dirty="0"/>
-            <a:t>Groupe A</a:t>
-          </a:r>
-        </a:p>
-      </dgm:t>
-      <dgm:extLst>
-        <a:ext uri="{E40237B7-FDA0-4F09-8148-C483321AD2D9}">
-          <dgm14:cNvPr xmlns:dgm14="http://schemas.microsoft.com/office/drawing/2010/diagram" id="0" name="" title="Group A"/>
-        </a:ext>
-      </dgm:extLst>
-    </dgm:pt>
-    <dgm:pt modelId="{7EDBC624-DFE3-497D-829C-08721ACED330}" type="parTrans" cxnId="{22A430BA-B6E0-4052-AE0E-A81596E2528E}">
-      <dgm:prSet/>
-      <dgm:spPr/>
-      <dgm:t>
-        <a:bodyPr rtlCol="0"/>
-        <a:lstStyle/>
-        <a:p>
-          <a:pPr rtl="0"/>
-          <a:endParaRPr lang="en-US"/>
-        </a:p>
-      </dgm:t>
-    </dgm:pt>
-    <dgm:pt modelId="{D38474F5-0992-4D39-B19C-1F963AEBACD2}" type="sibTrans" cxnId="{22A430BA-B6E0-4052-AE0E-A81596E2528E}">
-      <dgm:prSet/>
-      <dgm:spPr/>
-      <dgm:t>
-        <a:bodyPr rtlCol="0"/>
-        <a:lstStyle/>
-        <a:p>
-          <a:pPr rtl="0"/>
-          <a:endParaRPr lang="en-US"/>
-        </a:p>
-      </dgm:t>
-    </dgm:pt>
-    <dgm:pt modelId="{B8E35523-DEC4-40C5-AD71-C446E3CF02A7}">
-      <dgm:prSet phldrT="[Text]"/>
-      <dgm:spPr/>
-      <dgm:t>
-        <a:bodyPr rtlCol="0"/>
-        <a:lstStyle/>
-        <a:p>
-          <a:pPr rtl="0"/>
-          <a:r>
-            <a:rPr lang="fr-FR" noProof="0" dirty="0"/>
-            <a:t>Tâche 1</a:t>
-          </a:r>
-        </a:p>
-      </dgm:t>
-      <dgm:extLst>
-        <a:ext uri="{E40237B7-FDA0-4F09-8148-C483321AD2D9}">
-          <dgm14:cNvPr xmlns:dgm14="http://schemas.microsoft.com/office/drawing/2010/diagram" id="0" name="" title="Task 1"/>
-        </a:ext>
-      </dgm:extLst>
-    </dgm:pt>
-    <dgm:pt modelId="{E38275A8-6585-473D-8CD2-46E571691CE8}" type="parTrans" cxnId="{74BF261D-E0A3-43A7-83EB-85FEEF0798DA}">
-      <dgm:prSet/>
-      <dgm:spPr/>
-      <dgm:t>
-        <a:bodyPr rtlCol="0"/>
-        <a:lstStyle/>
-        <a:p>
-          <a:pPr rtl="0"/>
-          <a:endParaRPr lang="en-US"/>
-        </a:p>
-      </dgm:t>
-    </dgm:pt>
-    <dgm:pt modelId="{2EEF7558-FF6A-4D97-B16B-E787F09F42D0}" type="sibTrans" cxnId="{74BF261D-E0A3-43A7-83EB-85FEEF0798DA}">
-      <dgm:prSet/>
-      <dgm:spPr/>
-      <dgm:t>
-        <a:bodyPr rtlCol="0"/>
-        <a:lstStyle/>
-        <a:p>
-          <a:pPr rtl="0"/>
-          <a:endParaRPr lang="fr-FR" noProof="0" dirty="0"/>
-        </a:p>
-      </dgm:t>
-      <dgm:extLst>
-        <a:ext uri="{E40237B7-FDA0-4F09-8148-C483321AD2D9}">
-          <dgm14:cNvPr xmlns:dgm14="http://schemas.microsoft.com/office/drawing/2010/diagram" id="0" name="" title="Colored circle connected to tasks"/>
-        </a:ext>
-      </dgm:extLst>
-    </dgm:pt>
-    <dgm:pt modelId="{2551E4CB-EB09-450C-9132-37387398D945}">
-      <dgm:prSet phldrT="[Text]"/>
-      <dgm:spPr/>
-      <dgm:t>
-        <a:bodyPr rtlCol="0"/>
-        <a:lstStyle/>
-        <a:p>
-          <a:pPr rtl="0"/>
-          <a:r>
-            <a:rPr lang="fr-FR" noProof="0" dirty="0"/>
-            <a:t>Tâche 2</a:t>
-          </a:r>
-        </a:p>
-      </dgm:t>
-      <dgm:extLst>
-        <a:ext uri="{E40237B7-FDA0-4F09-8148-C483321AD2D9}">
-          <dgm14:cNvPr xmlns:dgm14="http://schemas.microsoft.com/office/drawing/2010/diagram" id="0" name="" title="Task 2"/>
-        </a:ext>
-      </dgm:extLst>
-    </dgm:pt>
-    <dgm:pt modelId="{FDDC1A66-5C2F-4161-9EE0-50E6AE6B3566}" type="parTrans" cxnId="{1C13D7DA-244F-475B-A626-FFEF1E3983D1}">
-      <dgm:prSet/>
-      <dgm:spPr/>
-      <dgm:t>
-        <a:bodyPr rtlCol="0"/>
-        <a:lstStyle/>
-        <a:p>
-          <a:pPr rtl="0"/>
-          <a:endParaRPr lang="en-US"/>
-        </a:p>
-      </dgm:t>
-    </dgm:pt>
-    <dgm:pt modelId="{B47B7453-52D0-4E8E-A0EE-5E0C42B9531D}" type="sibTrans" cxnId="{1C13D7DA-244F-475B-A626-FFEF1E3983D1}">
-      <dgm:prSet/>
-      <dgm:spPr/>
-      <dgm:t>
-        <a:bodyPr rtlCol="0"/>
-        <a:lstStyle/>
-        <a:p>
-          <a:pPr rtl="0"/>
-          <a:endParaRPr lang="fr-FR" noProof="0" dirty="0"/>
-        </a:p>
-      </dgm:t>
-      <dgm:extLst>
-        <a:ext uri="{E40237B7-FDA0-4F09-8148-C483321AD2D9}">
-          <dgm14:cNvPr xmlns:dgm14="http://schemas.microsoft.com/office/drawing/2010/diagram" id="0" name="" title="Colored circle connected to tasks"/>
-        </a:ext>
-      </dgm:extLst>
-    </dgm:pt>
-    <dgm:pt modelId="{57FC35C8-C6CB-4C82-BE0F-B92E4ECAE64D}">
-      <dgm:prSet phldrT="[Text]"/>
-      <dgm:spPr/>
-      <dgm:t>
-        <a:bodyPr rtlCol="0"/>
-        <a:lstStyle/>
-        <a:p>
-          <a:pPr rtl="0"/>
-          <a:r>
-            <a:rPr lang="fr-FR" noProof="0" dirty="0"/>
-            <a:t>Tâche 3</a:t>
-          </a:r>
-        </a:p>
-      </dgm:t>
-      <dgm:extLst>
-        <a:ext uri="{E40237B7-FDA0-4F09-8148-C483321AD2D9}">
-          <dgm14:cNvPr xmlns:dgm14="http://schemas.microsoft.com/office/drawing/2010/diagram" id="0" name="" title="Task 3"/>
-        </a:ext>
-      </dgm:extLst>
-    </dgm:pt>
-    <dgm:pt modelId="{DCE6D27B-E846-4331-8F79-CDC1E8DDD09A}" type="parTrans" cxnId="{B410F203-BF34-4790-B774-CBB246AFFDF3}">
-      <dgm:prSet/>
-      <dgm:spPr/>
-      <dgm:t>
-        <a:bodyPr rtlCol="0"/>
-        <a:lstStyle/>
-        <a:p>
-          <a:pPr rtl="0"/>
-          <a:endParaRPr lang="en-US"/>
-        </a:p>
-      </dgm:t>
-    </dgm:pt>
-    <dgm:pt modelId="{E3DD98F3-578A-483D-B82A-920BD328FE4E}" type="sibTrans" cxnId="{B410F203-BF34-4790-B774-CBB246AFFDF3}">
-      <dgm:prSet/>
-      <dgm:spPr/>
-      <dgm:t>
-        <a:bodyPr rtlCol="0"/>
-        <a:lstStyle/>
-        <a:p>
-          <a:pPr rtl="0"/>
-          <a:endParaRPr lang="fr-FR" noProof="0" dirty="0"/>
-        </a:p>
-      </dgm:t>
-      <dgm:extLst>
-        <a:ext uri="{E40237B7-FDA0-4F09-8148-C483321AD2D9}">
-          <dgm14:cNvPr xmlns:dgm14="http://schemas.microsoft.com/office/drawing/2010/diagram" id="0" name="" title="Colored circle connected to tasks"/>
-        </a:ext>
-      </dgm:extLst>
-    </dgm:pt>
-    <dgm:pt modelId="{061D020E-2B5D-4C0D-9DFD-684837CC0BCE}" type="pres">
-      <dgm:prSet presAssocID="{D44E9E87-B9B9-4324-8110-FB781FB2AAAE}" presName="Name0" presStyleCnt="0">
-        <dgm:presLayoutVars>
-          <dgm:chMax val="1"/>
-          <dgm:dir/>
-          <dgm:animLvl val="ctr"/>
-          <dgm:resizeHandles val="exact"/>
-        </dgm:presLayoutVars>
-      </dgm:prSet>
-      <dgm:spPr/>
-      <dgm:t>
-        <a:bodyPr/>
-        <a:lstStyle/>
-        <a:p>
-          <a:endParaRPr lang="fr-FR"/>
-        </a:p>
-      </dgm:t>
-    </dgm:pt>
-    <dgm:pt modelId="{698F6F3C-42F1-48FA-9425-25042679391F}" type="pres">
-      <dgm:prSet presAssocID="{170C0135-3A94-4623-AA81-735573228628}" presName="centerShape" presStyleLbl="node0" presStyleIdx="0" presStyleCnt="1"/>
-      <dgm:spPr/>
-      <dgm:t>
-        <a:bodyPr/>
-        <a:lstStyle/>
-        <a:p>
-          <a:endParaRPr lang="fr-FR"/>
-        </a:p>
-      </dgm:t>
-    </dgm:pt>
-    <dgm:pt modelId="{5E4B35E6-EA27-424E-89EC-46D0A40F2772}" type="pres">
-      <dgm:prSet presAssocID="{B8E35523-DEC4-40C5-AD71-C446E3CF02A7}" presName="node" presStyleLbl="node1" presStyleIdx="0" presStyleCnt="3">
-        <dgm:presLayoutVars>
-          <dgm:bulletEnabled val="1"/>
-        </dgm:presLayoutVars>
-      </dgm:prSet>
-      <dgm:spPr/>
-      <dgm:t>
-        <a:bodyPr/>
-        <a:lstStyle/>
-        <a:p>
-          <a:endParaRPr lang="fr-FR"/>
-        </a:p>
-      </dgm:t>
-    </dgm:pt>
-    <dgm:pt modelId="{8B180F40-4EFD-493D-838A-C88D7BCC1034}" type="pres">
-      <dgm:prSet presAssocID="{B8E35523-DEC4-40C5-AD71-C446E3CF02A7}" presName="dummy" presStyleCnt="0"/>
-      <dgm:spPr/>
-    </dgm:pt>
-    <dgm:pt modelId="{98E28826-978E-4A6B-8422-B9CC30E49F37}" type="pres">
-      <dgm:prSet presAssocID="{2EEF7558-FF6A-4D97-B16B-E787F09F42D0}" presName="sibTrans" presStyleLbl="sibTrans2D1" presStyleIdx="0" presStyleCnt="3"/>
-      <dgm:spPr/>
-      <dgm:t>
-        <a:bodyPr/>
-        <a:lstStyle/>
-        <a:p>
-          <a:endParaRPr lang="fr-FR"/>
-        </a:p>
-      </dgm:t>
-    </dgm:pt>
-    <dgm:pt modelId="{8FAC1D8D-CE9C-45FC-86D2-26F007C6DD34}" type="pres">
-      <dgm:prSet presAssocID="{2551E4CB-EB09-450C-9132-37387398D945}" presName="node" presStyleLbl="node1" presStyleIdx="1" presStyleCnt="3">
-        <dgm:presLayoutVars>
-          <dgm:bulletEnabled val="1"/>
-        </dgm:presLayoutVars>
-      </dgm:prSet>
-      <dgm:spPr/>
-      <dgm:t>
-        <a:bodyPr/>
-        <a:lstStyle/>
-        <a:p>
-          <a:endParaRPr lang="fr-FR"/>
-        </a:p>
-      </dgm:t>
-    </dgm:pt>
-    <dgm:pt modelId="{582D627C-FAD1-4F2D-897E-C08848385BAA}" type="pres">
-      <dgm:prSet presAssocID="{2551E4CB-EB09-450C-9132-37387398D945}" presName="dummy" presStyleCnt="0"/>
-      <dgm:spPr/>
-    </dgm:pt>
-    <dgm:pt modelId="{7BB1C934-CD6E-4389-AB60-D55326BC8302}" type="pres">
-      <dgm:prSet presAssocID="{B47B7453-52D0-4E8E-A0EE-5E0C42B9531D}" presName="sibTrans" presStyleLbl="sibTrans2D1" presStyleIdx="1" presStyleCnt="3"/>
-      <dgm:spPr/>
-      <dgm:t>
-        <a:bodyPr/>
-        <a:lstStyle/>
-        <a:p>
-          <a:endParaRPr lang="fr-FR"/>
-        </a:p>
-      </dgm:t>
-    </dgm:pt>
-    <dgm:pt modelId="{5D851138-FE51-4A19-A149-11A0DEA29AF5}" type="pres">
-      <dgm:prSet presAssocID="{57FC35C8-C6CB-4C82-BE0F-B92E4ECAE64D}" presName="node" presStyleLbl="node1" presStyleIdx="2" presStyleCnt="3">
-        <dgm:presLayoutVars>
-          <dgm:bulletEnabled val="1"/>
-        </dgm:presLayoutVars>
-      </dgm:prSet>
-      <dgm:spPr/>
-      <dgm:t>
-        <a:bodyPr/>
-        <a:lstStyle/>
-        <a:p>
-          <a:endParaRPr lang="fr-FR"/>
-        </a:p>
-      </dgm:t>
-    </dgm:pt>
-    <dgm:pt modelId="{87F2D62F-9758-428E-A82A-F136F721FE64}" type="pres">
-      <dgm:prSet presAssocID="{57FC35C8-C6CB-4C82-BE0F-B92E4ECAE64D}" presName="dummy" presStyleCnt="0"/>
-      <dgm:spPr/>
-    </dgm:pt>
-    <dgm:pt modelId="{0162A7CA-7E03-4A22-95EF-970E5873DB72}" type="pres">
-      <dgm:prSet presAssocID="{E3DD98F3-578A-483D-B82A-920BD328FE4E}" presName="sibTrans" presStyleLbl="sibTrans2D1" presStyleIdx="2" presStyleCnt="3"/>
-      <dgm:spPr/>
-      <dgm:t>
-        <a:bodyPr/>
-        <a:lstStyle/>
-        <a:p>
-          <a:endParaRPr lang="fr-FR"/>
-        </a:p>
-      </dgm:t>
-    </dgm:pt>
-  </dgm:ptLst>
-  <dgm:cxnLst>
-    <dgm:cxn modelId="{22A430BA-B6E0-4052-AE0E-A81596E2528E}" srcId="{D44E9E87-B9B9-4324-8110-FB781FB2AAAE}" destId="{170C0135-3A94-4623-AA81-735573228628}" srcOrd="0" destOrd="0" parTransId="{7EDBC624-DFE3-497D-829C-08721ACED330}" sibTransId="{D38474F5-0992-4D39-B19C-1F963AEBACD2}"/>
-    <dgm:cxn modelId="{74BF261D-E0A3-43A7-83EB-85FEEF0798DA}" srcId="{170C0135-3A94-4623-AA81-735573228628}" destId="{B8E35523-DEC4-40C5-AD71-C446E3CF02A7}" srcOrd="0" destOrd="0" parTransId="{E38275A8-6585-473D-8CD2-46E571691CE8}" sibTransId="{2EEF7558-FF6A-4D97-B16B-E787F09F42D0}"/>
-    <dgm:cxn modelId="{B3242627-1817-4128-948A-586A1D28CAEC}" type="presOf" srcId="{B8E35523-DEC4-40C5-AD71-C446E3CF02A7}" destId="{5E4B35E6-EA27-424E-89EC-46D0A40F2772}" srcOrd="0" destOrd="0" presId="urn:microsoft.com/office/officeart/2005/8/layout/radial6"/>
-    <dgm:cxn modelId="{8854DE2B-B2DC-403D-BBB5-9DAEAD86C05D}" type="presOf" srcId="{2551E4CB-EB09-450C-9132-37387398D945}" destId="{8FAC1D8D-CE9C-45FC-86D2-26F007C6DD34}" srcOrd="0" destOrd="0" presId="urn:microsoft.com/office/officeart/2005/8/layout/radial6"/>
-    <dgm:cxn modelId="{6CDC671E-280C-428C-8CDE-020C21062DCD}" type="presOf" srcId="{B47B7453-52D0-4E8E-A0EE-5E0C42B9531D}" destId="{7BB1C934-CD6E-4389-AB60-D55326BC8302}" srcOrd="0" destOrd="0" presId="urn:microsoft.com/office/officeart/2005/8/layout/radial6"/>
-    <dgm:cxn modelId="{AC35BE37-19DB-4CD7-BE2E-6D0C18095769}" type="presOf" srcId="{2EEF7558-FF6A-4D97-B16B-E787F09F42D0}" destId="{98E28826-978E-4A6B-8422-B9CC30E49F37}" srcOrd="0" destOrd="0" presId="urn:microsoft.com/office/officeart/2005/8/layout/radial6"/>
-    <dgm:cxn modelId="{6659EF34-3EF6-4AEC-872C-F63DB702B33C}" type="presOf" srcId="{170C0135-3A94-4623-AA81-735573228628}" destId="{698F6F3C-42F1-48FA-9425-25042679391F}" srcOrd="0" destOrd="0" presId="urn:microsoft.com/office/officeart/2005/8/layout/radial6"/>
-    <dgm:cxn modelId="{61768550-6FA2-421B-BF53-22E629655CE4}" type="presOf" srcId="{D44E9E87-B9B9-4324-8110-FB781FB2AAAE}" destId="{061D020E-2B5D-4C0D-9DFD-684837CC0BCE}" srcOrd="0" destOrd="0" presId="urn:microsoft.com/office/officeart/2005/8/layout/radial6"/>
-    <dgm:cxn modelId="{12D27D35-EFB9-4862-B45A-F4ECD3DD2B5A}" type="presOf" srcId="{57FC35C8-C6CB-4C82-BE0F-B92E4ECAE64D}" destId="{5D851138-FE51-4A19-A149-11A0DEA29AF5}" srcOrd="0" destOrd="0" presId="urn:microsoft.com/office/officeart/2005/8/layout/radial6"/>
-    <dgm:cxn modelId="{1C13D7DA-244F-475B-A626-FFEF1E3983D1}" srcId="{170C0135-3A94-4623-AA81-735573228628}" destId="{2551E4CB-EB09-450C-9132-37387398D945}" srcOrd="1" destOrd="0" parTransId="{FDDC1A66-5C2F-4161-9EE0-50E6AE6B3566}" sibTransId="{B47B7453-52D0-4E8E-A0EE-5E0C42B9531D}"/>
-    <dgm:cxn modelId="{B410F203-BF34-4790-B774-CBB246AFFDF3}" srcId="{170C0135-3A94-4623-AA81-735573228628}" destId="{57FC35C8-C6CB-4C82-BE0F-B92E4ECAE64D}" srcOrd="2" destOrd="0" parTransId="{DCE6D27B-E846-4331-8F79-CDC1E8DDD09A}" sibTransId="{E3DD98F3-578A-483D-B82A-920BD328FE4E}"/>
-    <dgm:cxn modelId="{51173CC8-36DE-4780-A234-53464D5D6F33}" type="presOf" srcId="{E3DD98F3-578A-483D-B82A-920BD328FE4E}" destId="{0162A7CA-7E03-4A22-95EF-970E5873DB72}" srcOrd="0" destOrd="0" presId="urn:microsoft.com/office/officeart/2005/8/layout/radial6"/>
-    <dgm:cxn modelId="{2006E8EE-D69C-49C4-9C1A-63E4C2D2FE70}" type="presParOf" srcId="{061D020E-2B5D-4C0D-9DFD-684837CC0BCE}" destId="{698F6F3C-42F1-48FA-9425-25042679391F}" srcOrd="0" destOrd="0" presId="urn:microsoft.com/office/officeart/2005/8/layout/radial6"/>
-    <dgm:cxn modelId="{EE444B99-244F-42E7-AA40-8FD32874A39D}" type="presParOf" srcId="{061D020E-2B5D-4C0D-9DFD-684837CC0BCE}" destId="{5E4B35E6-EA27-424E-89EC-46D0A40F2772}" srcOrd="1" destOrd="0" presId="urn:microsoft.com/office/officeart/2005/8/layout/radial6"/>
-    <dgm:cxn modelId="{99419F13-53BB-4729-8707-844D77FAB6C9}" type="presParOf" srcId="{061D020E-2B5D-4C0D-9DFD-684837CC0BCE}" destId="{8B180F40-4EFD-493D-838A-C88D7BCC1034}" srcOrd="2" destOrd="0" presId="urn:microsoft.com/office/officeart/2005/8/layout/radial6"/>
-    <dgm:cxn modelId="{72F9C11E-349E-41A4-8872-970B174ACBCC}" type="presParOf" srcId="{061D020E-2B5D-4C0D-9DFD-684837CC0BCE}" destId="{98E28826-978E-4A6B-8422-B9CC30E49F37}" srcOrd="3" destOrd="0" presId="urn:microsoft.com/office/officeart/2005/8/layout/radial6"/>
-    <dgm:cxn modelId="{C371A4E7-D97D-4C5F-A2DA-7F6E5149F6DF}" type="presParOf" srcId="{061D020E-2B5D-4C0D-9DFD-684837CC0BCE}" destId="{8FAC1D8D-CE9C-45FC-86D2-26F007C6DD34}" srcOrd="4" destOrd="0" presId="urn:microsoft.com/office/officeart/2005/8/layout/radial6"/>
-    <dgm:cxn modelId="{B5A8D312-8F6F-4318-93AB-0CB2020E478A}" type="presParOf" srcId="{061D020E-2B5D-4C0D-9DFD-684837CC0BCE}" destId="{582D627C-FAD1-4F2D-897E-C08848385BAA}" srcOrd="5" destOrd="0" presId="urn:microsoft.com/office/officeart/2005/8/layout/radial6"/>
-    <dgm:cxn modelId="{7E8E1789-B60B-4405-8CD8-D17C409DA86A}" type="presParOf" srcId="{061D020E-2B5D-4C0D-9DFD-684837CC0BCE}" destId="{7BB1C934-CD6E-4389-AB60-D55326BC8302}" srcOrd="6" destOrd="0" presId="urn:microsoft.com/office/officeart/2005/8/layout/radial6"/>
-    <dgm:cxn modelId="{A0E89A57-7782-4D03-A9CB-2788C16E7736}" type="presParOf" srcId="{061D020E-2B5D-4C0D-9DFD-684837CC0BCE}" destId="{5D851138-FE51-4A19-A149-11A0DEA29AF5}" srcOrd="7" destOrd="0" presId="urn:microsoft.com/office/officeart/2005/8/layout/radial6"/>
-    <dgm:cxn modelId="{AD4ADAE1-D633-4009-8B9D-2CEF29E3F76C}" type="presParOf" srcId="{061D020E-2B5D-4C0D-9DFD-684837CC0BCE}" destId="{87F2D62F-9758-428E-A82A-F136F721FE64}" srcOrd="8" destOrd="0" presId="urn:microsoft.com/office/officeart/2005/8/layout/radial6"/>
-    <dgm:cxn modelId="{6143C6D3-B1F0-4A53-B4E2-F06938629FAC}" type="presParOf" srcId="{061D020E-2B5D-4C0D-9DFD-684837CC0BCE}" destId="{0162A7CA-7E03-4A22-95EF-970E5873DB72}" srcOrd="9" destOrd="0" presId="urn:microsoft.com/office/officeart/2005/8/layout/radial6"/>
-  </dgm:cxnLst>
-  <dgm:bg/>
-  <dgm:whole/>
-  <dgm:extLst>
-    <a:ext uri="http://schemas.microsoft.com/office/drawing/2008/diagram">
-      <dsp:dataModelExt xmlns:dsp="http://schemas.microsoft.com/office/drawing/2008/diagram" relId="rId7" minVer="http://schemas.openxmlformats.org/drawingml/2006/diagram"/>
-    </a:ext>
-  </dgm:extLst>
-</dgm:dataModel>
-</file>
-
-<file path=ppt/diagrams/drawing1.xml><?xml version="1.0" encoding="utf-8"?>
-<dsp:drawing xmlns:dgm="http://schemas.openxmlformats.org/drawingml/2006/diagram" xmlns:dsp="http://schemas.microsoft.com/office/drawing/2008/diagram" xmlns:a="http://schemas.openxmlformats.org/drawingml/2006/main">
-  <dsp:spTree>
-    <dsp:nvGrpSpPr>
-      <dsp:cNvPr id="0" name=""/>
-      <dsp:cNvGrpSpPr/>
-    </dsp:nvGrpSpPr>
-    <dsp:grpSpPr/>
-    <dsp:sp modelId="{0162A7CA-7E03-4A22-95EF-970E5873DB72}">
-      <dsp:nvSpPr>
-        <dsp:cNvPr id="0" name=""/>
-        <dsp:cNvSpPr/>
-      </dsp:nvSpPr>
-      <dsp:spPr>
-        <a:xfrm>
-          <a:off x="554893" y="564188"/>
-          <a:ext cx="3765425" cy="3765425"/>
-        </a:xfrm>
-        <a:prstGeom prst="blockArc">
-          <a:avLst>
-            <a:gd name="adj1" fmla="val 9000000"/>
-            <a:gd name="adj2" fmla="val 16200000"/>
-            <a:gd name="adj3" fmla="val 4639"/>
-          </a:avLst>
-        </a:prstGeom>
-        <a:solidFill>
-          <a:schemeClr val="accent4">
-            <a:tint val="60000"/>
-            <a:hueOff val="0"/>
-            <a:satOff val="0"/>
-            <a:lumOff val="0"/>
-            <a:alphaOff val="0"/>
-          </a:schemeClr>
-        </a:solidFill>
-        <a:ln>
-          <a:noFill/>
-        </a:ln>
-        <a:effectLst/>
-      </dsp:spPr>
-      <dsp:style>
-        <a:lnRef idx="0">
-          <a:scrgbClr r="0" g="0" b="0"/>
-        </a:lnRef>
-        <a:fillRef idx="1">
-          <a:scrgbClr r="0" g="0" b="0"/>
-        </a:fillRef>
-        <a:effectRef idx="0">
-          <a:scrgbClr r="0" g="0" b="0"/>
-        </a:effectRef>
-        <a:fontRef idx="minor">
-          <a:schemeClr val="lt1"/>
-        </a:fontRef>
-      </dsp:style>
-    </dsp:sp>
-    <dsp:sp modelId="{7BB1C934-CD6E-4389-AB60-D55326BC8302}">
-      <dsp:nvSpPr>
-        <dsp:cNvPr id="0" name=""/>
-        <dsp:cNvSpPr/>
-      </dsp:nvSpPr>
-      <dsp:spPr>
-        <a:xfrm>
-          <a:off x="554893" y="564188"/>
-          <a:ext cx="3765425" cy="3765425"/>
-        </a:xfrm>
-        <a:prstGeom prst="blockArc">
-          <a:avLst>
-            <a:gd name="adj1" fmla="val 1800000"/>
-            <a:gd name="adj2" fmla="val 9000000"/>
-            <a:gd name="adj3" fmla="val 4639"/>
-          </a:avLst>
-        </a:prstGeom>
-        <a:solidFill>
-          <a:schemeClr val="accent4">
-            <a:tint val="60000"/>
-            <a:hueOff val="0"/>
-            <a:satOff val="0"/>
-            <a:lumOff val="0"/>
-            <a:alphaOff val="0"/>
-          </a:schemeClr>
-        </a:solidFill>
-        <a:ln>
-          <a:noFill/>
-        </a:ln>
-        <a:effectLst/>
-      </dsp:spPr>
-      <dsp:style>
-        <a:lnRef idx="0">
-          <a:scrgbClr r="0" g="0" b="0"/>
-        </a:lnRef>
-        <a:fillRef idx="1">
-          <a:scrgbClr r="0" g="0" b="0"/>
-        </a:fillRef>
-        <a:effectRef idx="0">
-          <a:scrgbClr r="0" g="0" b="0"/>
-        </a:effectRef>
-        <a:fontRef idx="minor">
-          <a:schemeClr val="lt1"/>
-        </a:fontRef>
-      </dsp:style>
-    </dsp:sp>
-    <dsp:sp modelId="{98E28826-978E-4A6B-8422-B9CC30E49F37}">
-      <dsp:nvSpPr>
-        <dsp:cNvPr id="0" name=""/>
-        <dsp:cNvSpPr/>
-      </dsp:nvSpPr>
-      <dsp:spPr>
-        <a:xfrm>
-          <a:off x="554893" y="564188"/>
-          <a:ext cx="3765425" cy="3765425"/>
-        </a:xfrm>
-        <a:prstGeom prst="blockArc">
-          <a:avLst>
-            <a:gd name="adj1" fmla="val 16200000"/>
-            <a:gd name="adj2" fmla="val 1800000"/>
-            <a:gd name="adj3" fmla="val 4639"/>
-          </a:avLst>
-        </a:prstGeom>
-        <a:solidFill>
-          <a:schemeClr val="accent4">
-            <a:tint val="60000"/>
-            <a:hueOff val="0"/>
-            <a:satOff val="0"/>
-            <a:lumOff val="0"/>
-            <a:alphaOff val="0"/>
-          </a:schemeClr>
-        </a:solidFill>
-        <a:ln>
-          <a:noFill/>
-        </a:ln>
-        <a:effectLst/>
-      </dsp:spPr>
-      <dsp:style>
-        <a:lnRef idx="0">
-          <a:scrgbClr r="0" g="0" b="0"/>
-        </a:lnRef>
-        <a:fillRef idx="1">
-          <a:scrgbClr r="0" g="0" b="0"/>
-        </a:fillRef>
-        <a:effectRef idx="0">
-          <a:scrgbClr r="0" g="0" b="0"/>
-        </a:effectRef>
-        <a:fontRef idx="minor">
-          <a:schemeClr val="lt1"/>
-        </a:fontRef>
-      </dsp:style>
-    </dsp:sp>
-    <dsp:sp modelId="{698F6F3C-42F1-48FA-9425-25042679391F}">
-      <dsp:nvSpPr>
-        <dsp:cNvPr id="0" name=""/>
-        <dsp:cNvSpPr/>
-      </dsp:nvSpPr>
-      <dsp:spPr>
-        <a:xfrm>
-          <a:off x="1571113" y="1580408"/>
-          <a:ext cx="1732985" cy="1732985"/>
-        </a:xfrm>
-        <a:prstGeom prst="ellipse">
-          <a:avLst/>
-        </a:prstGeom>
-        <a:solidFill>
-          <a:schemeClr val="lt1">
-            <a:hueOff val="0"/>
-            <a:satOff val="0"/>
-            <a:lumOff val="0"/>
-            <a:alphaOff val="0"/>
-          </a:schemeClr>
-        </a:solidFill>
-        <a:ln w="10795" cap="flat" cmpd="sng" algn="ctr">
-          <a:solidFill>
-            <a:schemeClr val="accent4">
-              <a:shade val="80000"/>
-              <a:hueOff val="0"/>
-              <a:satOff val="0"/>
-              <a:lumOff val="0"/>
-              <a:alphaOff val="0"/>
-            </a:schemeClr>
-          </a:solidFill>
-          <a:prstDash val="solid"/>
-        </a:ln>
-        <a:effectLst/>
-      </dsp:spPr>
-      <dsp:style>
-        <a:lnRef idx="2">
-          <a:scrgbClr r="0" g="0" b="0"/>
-        </a:lnRef>
-        <a:fillRef idx="1">
-          <a:scrgbClr r="0" g="0" b="0"/>
-        </a:fillRef>
-        <a:effectRef idx="0">
-          <a:scrgbClr r="0" g="0" b="0"/>
-        </a:effectRef>
-        <a:fontRef idx="minor">
-          <a:schemeClr val="lt1"/>
-        </a:fontRef>
-      </dsp:style>
-      <dsp:txBody>
-        <a:bodyPr spcFirstLastPara="0" vert="horz" wrap="square" lIns="35560" tIns="35560" rIns="35560" bIns="35560" numCol="1" spcCol="1270" rtlCol="0" anchor="ctr" anchorCtr="0">
-          <a:noAutofit/>
-        </a:bodyPr>
-        <a:lstStyle/>
-        <a:p>
-          <a:pPr lvl="0" algn="ctr" defTabSz="1244600" rtl="0">
-            <a:lnSpc>
-              <a:spcPct val="90000"/>
-            </a:lnSpc>
-            <a:spcBef>
-              <a:spcPct val="0"/>
-            </a:spcBef>
-            <a:spcAft>
-              <a:spcPct val="35000"/>
-            </a:spcAft>
-          </a:pPr>
-          <a:r>
-            <a:rPr lang="fr-FR" sz="2800" kern="1200" noProof="0" dirty="0"/>
-            <a:t>Groupe A</a:t>
-          </a:r>
-        </a:p>
-      </dsp:txBody>
-      <dsp:txXfrm>
-        <a:off x="1824903" y="1834198"/>
-        <a:ext cx="1225405" cy="1225405"/>
-      </dsp:txXfrm>
-    </dsp:sp>
-    <dsp:sp modelId="{5E4B35E6-EA27-424E-89EC-46D0A40F2772}">
-      <dsp:nvSpPr>
-        <dsp:cNvPr id="0" name=""/>
-        <dsp:cNvSpPr/>
-      </dsp:nvSpPr>
-      <dsp:spPr>
-        <a:xfrm>
-          <a:off x="1831061" y="1314"/>
-          <a:ext cx="1213089" cy="1213089"/>
-        </a:xfrm>
-        <a:prstGeom prst="ellipse">
-          <a:avLst/>
-        </a:prstGeom>
-        <a:solidFill>
-          <a:schemeClr val="lt1">
-            <a:hueOff val="0"/>
-            <a:satOff val="0"/>
-            <a:lumOff val="0"/>
-            <a:alphaOff val="0"/>
-          </a:schemeClr>
-        </a:solidFill>
-        <a:ln w="10795" cap="flat" cmpd="sng" algn="ctr">
-          <a:solidFill>
-            <a:schemeClr val="accent4">
-              <a:shade val="80000"/>
-              <a:hueOff val="0"/>
-              <a:satOff val="0"/>
-              <a:lumOff val="0"/>
-              <a:alphaOff val="0"/>
-            </a:schemeClr>
-          </a:solidFill>
-          <a:prstDash val="solid"/>
-        </a:ln>
-        <a:effectLst/>
-      </dsp:spPr>
-      <dsp:style>
-        <a:lnRef idx="2">
-          <a:scrgbClr r="0" g="0" b="0"/>
-        </a:lnRef>
-        <a:fillRef idx="1">
-          <a:scrgbClr r="0" g="0" b="0"/>
-        </a:fillRef>
-        <a:effectRef idx="0">
-          <a:scrgbClr r="0" g="0" b="0"/>
-        </a:effectRef>
-        <a:fontRef idx="minor">
-          <a:schemeClr val="lt1"/>
-        </a:fontRef>
-      </dsp:style>
-      <dsp:txBody>
-        <a:bodyPr spcFirstLastPara="0" vert="horz" wrap="square" lIns="24130" tIns="24130" rIns="24130" bIns="24130" numCol="1" spcCol="1270" rtlCol="0" anchor="ctr" anchorCtr="0">
-          <a:noAutofit/>
-        </a:bodyPr>
-        <a:lstStyle/>
-        <a:p>
-          <a:pPr lvl="0" algn="ctr" defTabSz="844550" rtl="0">
-            <a:lnSpc>
-              <a:spcPct val="90000"/>
-            </a:lnSpc>
-            <a:spcBef>
-              <a:spcPct val="0"/>
-            </a:spcBef>
-            <a:spcAft>
-              <a:spcPct val="35000"/>
-            </a:spcAft>
-          </a:pPr>
-          <a:r>
-            <a:rPr lang="fr-FR" sz="1900" kern="1200" noProof="0" dirty="0"/>
-            <a:t>Tâche 1</a:t>
-          </a:r>
-        </a:p>
-      </dsp:txBody>
-      <dsp:txXfrm>
-        <a:off x="2008714" y="178967"/>
-        <a:ext cx="857783" cy="857783"/>
-      </dsp:txXfrm>
-    </dsp:sp>
-    <dsp:sp modelId="{8FAC1D8D-CE9C-45FC-86D2-26F007C6DD34}">
-      <dsp:nvSpPr>
-        <dsp:cNvPr id="0" name=""/>
-        <dsp:cNvSpPr/>
-      </dsp:nvSpPr>
-      <dsp:spPr>
-        <a:xfrm>
-          <a:off x="3423717" y="2759876"/>
-          <a:ext cx="1213089" cy="1213089"/>
-        </a:xfrm>
-        <a:prstGeom prst="ellipse">
-          <a:avLst/>
-        </a:prstGeom>
-        <a:solidFill>
-          <a:schemeClr val="lt1">
-            <a:hueOff val="0"/>
-            <a:satOff val="0"/>
-            <a:lumOff val="0"/>
-            <a:alphaOff val="0"/>
-          </a:schemeClr>
-        </a:solidFill>
-        <a:ln w="10795" cap="flat" cmpd="sng" algn="ctr">
-          <a:solidFill>
-            <a:schemeClr val="accent4">
-              <a:shade val="80000"/>
-              <a:hueOff val="0"/>
-              <a:satOff val="0"/>
-              <a:lumOff val="0"/>
-              <a:alphaOff val="0"/>
-            </a:schemeClr>
-          </a:solidFill>
-          <a:prstDash val="solid"/>
-        </a:ln>
-        <a:effectLst/>
-      </dsp:spPr>
-      <dsp:style>
-        <a:lnRef idx="2">
-          <a:scrgbClr r="0" g="0" b="0"/>
-        </a:lnRef>
-        <a:fillRef idx="1">
-          <a:scrgbClr r="0" g="0" b="0"/>
-        </a:fillRef>
-        <a:effectRef idx="0">
-          <a:scrgbClr r="0" g="0" b="0"/>
-        </a:effectRef>
-        <a:fontRef idx="minor">
-          <a:schemeClr val="lt1"/>
-        </a:fontRef>
-      </dsp:style>
-      <dsp:txBody>
-        <a:bodyPr spcFirstLastPara="0" vert="horz" wrap="square" lIns="24130" tIns="24130" rIns="24130" bIns="24130" numCol="1" spcCol="1270" rtlCol="0" anchor="ctr" anchorCtr="0">
-          <a:noAutofit/>
-        </a:bodyPr>
-        <a:lstStyle/>
-        <a:p>
-          <a:pPr lvl="0" algn="ctr" defTabSz="844550" rtl="0">
-            <a:lnSpc>
-              <a:spcPct val="90000"/>
-            </a:lnSpc>
-            <a:spcBef>
-              <a:spcPct val="0"/>
-            </a:spcBef>
-            <a:spcAft>
-              <a:spcPct val="35000"/>
-            </a:spcAft>
-          </a:pPr>
-          <a:r>
-            <a:rPr lang="fr-FR" sz="1900" kern="1200" noProof="0" dirty="0"/>
-            <a:t>Tâche 2</a:t>
-          </a:r>
-        </a:p>
-      </dsp:txBody>
-      <dsp:txXfrm>
-        <a:off x="3601370" y="2937529"/>
-        <a:ext cx="857783" cy="857783"/>
-      </dsp:txXfrm>
-    </dsp:sp>
-    <dsp:sp modelId="{5D851138-FE51-4A19-A149-11A0DEA29AF5}">
-      <dsp:nvSpPr>
-        <dsp:cNvPr id="0" name=""/>
-        <dsp:cNvSpPr/>
-      </dsp:nvSpPr>
-      <dsp:spPr>
-        <a:xfrm>
-          <a:off x="238404" y="2759876"/>
-          <a:ext cx="1213089" cy="1213089"/>
-        </a:xfrm>
-        <a:prstGeom prst="ellipse">
-          <a:avLst/>
-        </a:prstGeom>
-        <a:solidFill>
-          <a:schemeClr val="lt1">
-            <a:hueOff val="0"/>
-            <a:satOff val="0"/>
-            <a:lumOff val="0"/>
-            <a:alphaOff val="0"/>
-          </a:schemeClr>
-        </a:solidFill>
-        <a:ln w="10795" cap="flat" cmpd="sng" algn="ctr">
-          <a:solidFill>
-            <a:schemeClr val="accent4">
-              <a:shade val="80000"/>
-              <a:hueOff val="0"/>
-              <a:satOff val="0"/>
-              <a:lumOff val="0"/>
-              <a:alphaOff val="0"/>
-            </a:schemeClr>
-          </a:solidFill>
-          <a:prstDash val="solid"/>
-        </a:ln>
-        <a:effectLst/>
-      </dsp:spPr>
-      <dsp:style>
-        <a:lnRef idx="2">
-          <a:scrgbClr r="0" g="0" b="0"/>
-        </a:lnRef>
-        <a:fillRef idx="1">
-          <a:scrgbClr r="0" g="0" b="0"/>
-        </a:fillRef>
-        <a:effectRef idx="0">
-          <a:scrgbClr r="0" g="0" b="0"/>
-        </a:effectRef>
-        <a:fontRef idx="minor">
-          <a:schemeClr val="lt1"/>
-        </a:fontRef>
-      </dsp:style>
-      <dsp:txBody>
-        <a:bodyPr spcFirstLastPara="0" vert="horz" wrap="square" lIns="24130" tIns="24130" rIns="24130" bIns="24130" numCol="1" spcCol="1270" rtlCol="0" anchor="ctr" anchorCtr="0">
-          <a:noAutofit/>
-        </a:bodyPr>
-        <a:lstStyle/>
-        <a:p>
-          <a:pPr lvl="0" algn="ctr" defTabSz="844550" rtl="0">
-            <a:lnSpc>
-              <a:spcPct val="90000"/>
-            </a:lnSpc>
-            <a:spcBef>
-              <a:spcPct val="0"/>
-            </a:spcBef>
-            <a:spcAft>
-              <a:spcPct val="35000"/>
-            </a:spcAft>
-          </a:pPr>
-          <a:r>
-            <a:rPr lang="fr-FR" sz="1900" kern="1200" noProof="0" dirty="0"/>
-            <a:t>Tâche 3</a:t>
-          </a:r>
-        </a:p>
-      </dsp:txBody>
-      <dsp:txXfrm>
-        <a:off x="416057" y="2937529"/>
-        <a:ext cx="857783" cy="857783"/>
-      </dsp:txXfrm>
-    </dsp:sp>
-  </dsp:spTree>
-</dsp:drawing>
-</file>
-
-<file path=ppt/diagrams/layout1.xml><?xml version="1.0" encoding="utf-8"?>
-<dgm:layoutDef xmlns:dgm="http://schemas.openxmlformats.org/drawingml/2006/diagram" xmlns:a="http://schemas.openxmlformats.org/drawingml/2006/main" uniqueId="urn:microsoft.com/office/officeart/2005/8/layout/radial6">
-  <dgm:title val=""/>
-  <dgm:desc val=""/>
-  <dgm:catLst>
-    <dgm:cat type="cycle" pri="9000"/>
-    <dgm:cat type="relationship" pri="21000"/>
-  </dgm:catLst>
-  <dgm:sampData>
-    <dgm:dataModel>
-      <dgm:ptLst>
-        <dgm:pt modelId="0" type="doc"/>
-        <dgm:pt modelId="1">
-          <dgm:prSet phldr="1"/>
-        </dgm:pt>
-        <dgm:pt modelId="11">
-          <dgm:prSet phldr="1"/>
-        </dgm:pt>
-        <dgm:pt modelId="12">
-          <dgm:prSet phldr="1"/>
-        </dgm:pt>
-        <dgm:pt modelId="13">
-          <dgm:prSet phldr="1"/>
-        </dgm:pt>
-        <dgm:pt modelId="14">
-          <dgm:prSet phldr="1"/>
-        </dgm:pt>
-      </dgm:ptLst>
-      <dgm:cxnLst>
-        <dgm:cxn modelId="2" srcId="0" destId="1" srcOrd="0" destOrd="0"/>
-        <dgm:cxn modelId="3" srcId="1" destId="11" srcOrd="0" destOrd="0"/>
-        <dgm:cxn modelId="4" srcId="1" destId="12" srcOrd="1" destOrd="0"/>
-        <dgm:cxn modelId="5" srcId="1" destId="13" srcOrd="2" destOrd="0"/>
-        <dgm:cxn modelId="6" srcId="1" destId="14" srcOrd="3" destOrd="0"/>
-      </dgm:cxnLst>
-      <dgm:bg/>
-      <dgm:whole/>
-    </dgm:dataModel>
-  </dgm:sampData>
-  <dgm:styleData>
-    <dgm:dataModel>
-      <dgm:ptLst>
-        <dgm:pt modelId="0" type="doc"/>
-        <dgm:pt modelId="1"/>
-        <dgm:pt modelId="11"/>
-        <dgm:pt modelId="12"/>
-        <dgm:pt modelId="13"/>
-      </dgm:ptLst>
-      <dgm:cxnLst>
-        <dgm:cxn modelId="2" srcId="0" destId="1" srcOrd="0" destOrd="0"/>
-        <dgm:cxn modelId="15" srcId="1" destId="11" srcOrd="0" destOrd="0"/>
-        <dgm:cxn modelId="16" srcId="1" destId="12" srcOrd="1" destOrd="0"/>
-        <dgm:cxn modelId="17" srcId="1" destId="13" srcOrd="2" destOrd="0"/>
-      </dgm:cxnLst>
-      <dgm:bg/>
-      <dgm:whole/>
-    </dgm:dataModel>
-  </dgm:styleData>
-  <dgm:clrData>
-    <dgm:dataModel>
-      <dgm:ptLst>
-        <dgm:pt modelId="0" type="doc"/>
-        <dgm:pt modelId="1"/>
-        <dgm:pt modelId="11"/>
-        <dgm:pt modelId="12"/>
-        <dgm:pt modelId="13"/>
-        <dgm:pt modelId="14"/>
-        <dgm:pt modelId="15"/>
-        <dgm:pt modelId="16"/>
-      </dgm:ptLst>
-      <dgm:cxnLst>
-        <dgm:cxn modelId="2" srcId="0" destId="1" srcOrd="0" destOrd="0"/>
-        <dgm:cxn modelId="16" srcId="1" destId="11" srcOrd="0" destOrd="0"/>
-        <dgm:cxn modelId="17" srcId="1" destId="12" srcOrd="1" destOrd="0"/>
-        <dgm:cxn modelId="18" srcId="1" destId="13" srcOrd="2" destOrd="0"/>
-        <dgm:cxn modelId="19" srcId="1" destId="14" srcOrd="3" destOrd="0"/>
-        <dgm:cxn modelId="20" srcId="1" destId="15" srcOrd="4" destOrd="0"/>
-        <dgm:cxn modelId="21" srcId="1" destId="16" srcOrd="5" destOrd="0"/>
-      </dgm:cxnLst>
-      <dgm:bg/>
-      <dgm:whole/>
-    </dgm:dataModel>
-  </dgm:clrData>
-  <dgm:layoutNode name="Name0">
-    <dgm:varLst>
-      <dgm:chMax val="1"/>
-      <dgm:dir/>
-      <dgm:animLvl val="ctr"/>
-      <dgm:resizeHandles val="exact"/>
-    </dgm:varLst>
-    <dgm:choose name="Name1">
-      <dgm:if name="Name2" func="var" arg="dir" op="equ" val="norm">
-        <dgm:choose name="Name3">
-          <dgm:if name="Name4" axis="ch ch" ptType="node node" st="1 1" cnt="1 0" func="cnt" op="lte" val="1">
-            <dgm:alg type="cycle">
-              <dgm:param type="stAng" val="90"/>
-              <dgm:param type="spanAng" val="360"/>
-              <dgm:param type="ctrShpMap" val="fNode"/>
-            </dgm:alg>
-          </dgm:if>
-          <dgm:else name="Name5">
-            <dgm:alg type="cycle">
-              <dgm:param type="stAng" val="0"/>
-              <dgm:param type="spanAng" val="360"/>
-              <dgm:param type="ctrShpMap" val="fNode"/>
-            </dgm:alg>
-          </dgm:else>
-        </dgm:choose>
-      </dgm:if>
-      <dgm:else name="Name6">
-        <dgm:choose name="Name7">
-          <dgm:if name="Name8" axis="ch ch" ptType="node node" st="1 1" cnt="1 0" func="cnt" op="lte" val="1">
-            <dgm:alg type="cycle">
-              <dgm:param type="stAng" val="-90"/>
-              <dgm:param type="spanAng" val="360"/>
-              <dgm:param type="ctrShpMap" val="fNode"/>
-            </dgm:alg>
-          </dgm:if>
-          <dgm:else name="Name9">
-            <dgm:alg type="cycle">
-              <dgm:param type="stAng" val="0"/>
-              <dgm:param type="spanAng" val="-360"/>
-              <dgm:param type="ctrShpMap" val="fNode"/>
-            </dgm:alg>
-          </dgm:else>
-        </dgm:choose>
-      </dgm:else>
-    </dgm:choose>
-    <dgm:shape xmlns:r="http://schemas.openxmlformats.org/officeDocument/2006/relationships" r:blip="">
-      <dgm:adjLst/>
-    </dgm:shape>
-    <dgm:presOf/>
-    <dgm:choose name="Name10">
-      <dgm:if name="Name11" func="var" arg="dir" op="equ" val="norm">
-        <dgm:choose name="Name12">
-          <dgm:if name="Name13" axis="ch ch" ptType="node node" st="1 1" cnt="1 0" func="cnt" op="equ" val="1">
-            <dgm:constrLst>
-              <dgm:constr type="diam" val="170"/>
-              <dgm:constr type="w" for="ch" forName="centerShape" refType="w"/>
-              <dgm:constr type="w" for="ch" forName="oneComp" refType="w" refFor="ch" refForName="centerShape" op="equ" fact="0.7"/>
-              <dgm:constr type="sp" refType="w" refFor="ch" refForName="oneComp" fact="0.3"/>
-              <dgm:constr type="sibSp" refType="w" refFor="ch" refForName="oneComp" fact="0.3"/>
-              <dgm:constr type="primFontSz" for="ch" forName="centerShape" val="65"/>
-              <dgm:constr type="primFontSz" for="des" forName="oneNode" refType="primFontSz" refFor="ch" refForName="centerShape" fact="0.95"/>
-              <dgm:constr type="primFontSz" for="des" forName="oneNode" refType="primFontSz" refFor="ch" refForName="centerShape" op="lte" fact="0.95"/>
-              <dgm:constr type="diam" for="ch" forName="singleconn" refType="diam" op="equ" fact="-1"/>
-              <dgm:constr type="h" for="ch" forName="singleconn" refType="w" refFor="ch" refForName="oneComp" fact="0.24"/>
-              <dgm:constr type="w" for="ch" forName="dummya" refType="w" refFor="ch" refForName="oneComp" op="equ"/>
-              <dgm:constr type="w" for="ch" forName="dummyb" refType="w" refFor="ch" refForName="oneComp" op="equ"/>
-              <dgm:constr type="w" for="ch" forName="dummyc" refType="w" refFor="ch" refForName="oneComp" op="equ"/>
-            </dgm:constrLst>
-          </dgm:if>
-          <dgm:else name="Name14">
-            <dgm:constrLst>
-              <dgm:constr type="diam" val="170"/>
-              <dgm:constr type="w" for="ch" forName="centerShape" refType="w"/>
-              <dgm:constr type="w" for="ch" forName="node" refType="w" refFor="ch" refForName="centerShape" op="equ" fact="0.7"/>
-              <dgm:constr type="sp" refType="w" refFor="ch" refForName="node" fact="0.3"/>
-              <dgm:constr type="sibSp" refType="w" refFor="ch" refForName="node" fact="0.3"/>
-              <dgm:constr type="primFontSz" for="ch" forName="centerShape" val="65"/>
-              <dgm:constr type="primFontSz" for="des" forName="node" refType="primFontSz" refFor="ch" refForName="centerShape" fact="0.78"/>
-              <dgm:constr type="primFontSz" for="ch" forName="node" refType="primFontSz" refFor="ch" refForName="centerShape" op="lte" fact="0.95"/>
-              <dgm:constr type="diam" for="ch" forName="sibTrans" refType="diam" op="equ"/>
-              <dgm:constr type="h" for="ch" forName="sibTrans" refType="w" refFor="ch" refForName="node" fact="0.24"/>
-              <dgm:constr type="w" for="ch" forName="dummy" val="1"/>
-            </dgm:constrLst>
-          </dgm:else>
-        </dgm:choose>
-      </dgm:if>
-      <dgm:else name="Name15">
-        <dgm:choose name="Name16">
-          <dgm:if name="Name17" axis="ch ch" ptType="node node" st="1 1" cnt="1 0" func="cnt" op="equ" val="1">
-            <dgm:constrLst>
-              <dgm:constr type="diam" val="170"/>
-              <dgm:constr type="w" for="ch" forName="centerShape" refType="w"/>
-              <dgm:constr type="w" for="ch" forName="oneComp" refType="w" refFor="ch" refForName="centerShape" op="equ" fact="0.7"/>
-              <dgm:constr type="sp" refType="w" refFor="ch" refForName="oneComp" fact="0.3"/>
-              <dgm:constr type="sibSp" refType="w" refFor="ch" refForName="oneComp" fact="0.3"/>
-              <dgm:constr type="primFontSz" for="ch" forName="centerShape" val="65"/>
-              <dgm:constr type="primFontSz" for="des" forName="oneNode" refType="primFontSz" refFor="ch" refForName="centerShape" fact="0.95"/>
-              <dgm:constr type="primFontSz" for="ch" forName="oneNode" refType="primFontSz" refFor="ch" refForName="centerShape" op="lte" fact="0.95"/>
-              <dgm:constr type="diam" for="ch" forName="singleconn" refType="diam"/>
-              <dgm:constr type="h" for="ch" forName="singleconn" refType="w" refFor="ch" refForName="oneComp" fact="0.24"/>
-              <dgm:constr type="diam" for="ch" refType="diam" op="equ"/>
-              <dgm:constr type="w" for="ch" forName="dummya" refType="w" refFor="ch" refForName="oneComp" op="equ"/>
-              <dgm:constr type="w" for="ch" forName="dummyb" refType="w" refFor="ch" refForName="oneComp" op="equ"/>
-              <dgm:constr type="w" for="ch" forName="dummyc" refType="w" refFor="ch" refForName="oneComp" op="equ"/>
-            </dgm:constrLst>
-          </dgm:if>
-          <dgm:else name="Name18">
-            <dgm:constrLst>
-              <dgm:constr type="diam" val="170"/>
-              <dgm:constr type="w" for="ch" forName="centerShape" refType="w"/>
-              <dgm:constr type="w" for="ch" forName="node" refType="w" refFor="ch" refForName="centerShape" op="equ" fact="0.7"/>
-              <dgm:constr type="sp" refType="w" refFor="ch" refForName="node" fact="0.3"/>
-              <dgm:constr type="sibSp" refType="w" refFor="ch" refForName="node" fact="0.3"/>
-              <dgm:constr type="primFontSz" for="ch" forName="centerShape" val="65"/>
-              <dgm:constr type="primFontSz" for="des" forName="node" refType="primFontSz" refFor="ch" refForName="centerShape" fact="0.78"/>
-              <dgm:constr type="primFontSz" for="ch" forName="node" refType="primFontSz" refFor="ch" refForName="centerShape" op="lte" fact="0.95"/>
-              <dgm:constr type="diam" for="ch" ptType="sibTrans" refType="diam" fact="-1"/>
-              <dgm:constr type="h" for="ch" forName="sibTrans" refType="w" refFor="ch" refForName="node" fact="0.24"/>
-              <dgm:constr type="diam" for="ch" refType="diam" op="equ" fact="-1"/>
-              <dgm:constr type="w" for="ch" forName="dummy" val="1"/>
-            </dgm:constrLst>
-          </dgm:else>
-        </dgm:choose>
-      </dgm:else>
-    </dgm:choose>
-    <dgm:ruleLst>
-      <dgm:rule type="diam" val="INF" fact="NaN" max="NaN"/>
-    </dgm:ruleLst>
-    <dgm:forEach name="Name19" axis="ch" ptType="node" cnt="1">
-      <dgm:layoutNode name="centerShape" styleLbl="node0">
-        <dgm:alg type="tx"/>
-        <dgm:shape xmlns:r="http://schemas.openxmlformats.org/officeDocument/2006/relationships" type="ellipse" r:blip="">
-          <dgm:adjLst/>
-        </dgm:shape>
-        <dgm:presOf axis="self"/>
-        <dgm:constrLst>
-          <dgm:constr type="h" refType="w"/>
-          <dgm:constr type="tMarg" refType="primFontSz" fact="0.1"/>
-          <dgm:constr type="bMarg" refType="primFontSz" fact="0.1"/>
-          <dgm:constr type="lMarg" refType="primFontSz" fact="0.1"/>
-          <dgm:constr type="rMarg" refType="primFontSz" fact="0.1"/>
-        </dgm:constrLst>
-        <dgm:ruleLst>
-          <dgm:rule type="primFontSz" val="5" fact="NaN" max="NaN"/>
-        </dgm:ruleLst>
-      </dgm:layoutNode>
-      <dgm:forEach name="Name20" axis="ch">
-        <dgm:forEach name="Name21" axis="self" ptType="node">
-          <dgm:choose name="Name22">
-            <dgm:if name="Name23" axis="par ch" ptType="node node" func="cnt" op="gt" val="1">
-              <dgm:layoutNode name="node" styleLbl="node1">
-                <dgm:varLst>
-                  <dgm:bulletEnabled val="1"/>
-                </dgm:varLst>
-                <dgm:alg type="tx">
-                  <dgm:param type="txAnchorVertCh" val="mid"/>
-                </dgm:alg>
-                <dgm:shape xmlns:r="http://schemas.openxmlformats.org/officeDocument/2006/relationships" type="ellipse" r:blip="">
-                  <dgm:adjLst/>
-                </dgm:shape>
-                <dgm:presOf axis="desOrSelf" ptType="node"/>
-                <dgm:constrLst>
-                  <dgm:constr type="h" refType="w"/>
-                  <dgm:constr type="tMarg" refType="primFontSz" fact="0.1"/>
-                  <dgm:constr type="bMarg" refType="primFontSz" fact="0.1"/>
-                  <dgm:constr type="lMarg" refType="primFontSz" fact="0.1"/>
-                  <dgm:constr type="rMarg" refType="primFontSz" fact="0.1"/>
-                </dgm:constrLst>
-                <dgm:ruleLst>
-                  <dgm:rule type="primFontSz" val="5" fact="NaN" max="NaN"/>
-                </dgm:ruleLst>
-              </dgm:layoutNode>
-              <dgm:layoutNode name="dummy">
-                <dgm:alg type="sp"/>
-                <dgm:shape xmlns:r="http://schemas.openxmlformats.org/officeDocument/2006/relationships" r:blip="">
-                  <dgm:adjLst/>
-                </dgm:shape>
-                <dgm:presOf/>
-                <dgm:constrLst>
-                  <dgm:constr type="h" refType="w"/>
-                </dgm:constrLst>
-                <dgm:ruleLst/>
-              </dgm:layoutNode>
-              <dgm:forEach name="sibTransForEach" axis="followSib" ptType="sibTrans" hideLastTrans="0" cnt="1">
-                <dgm:layoutNode name="sibTrans" styleLbl="sibTrans2D1">
-                  <dgm:alg type="conn">
-                    <dgm:param type="connRout" val="curve"/>
-                    <dgm:param type="begPts" val="ctr"/>
-                    <dgm:param type="endPts" val="ctr"/>
-                    <dgm:param type="begSty" val="noArr"/>
-                    <dgm:param type="endSty" val="noArr"/>
-                    <dgm:param type="dstNode" val="node"/>
-                  </dgm:alg>
-                  <dgm:shape xmlns:r="http://schemas.openxmlformats.org/officeDocument/2006/relationships" type="conn" r:blip="" zOrderOff="-999">
-                    <dgm:adjLst/>
-                  </dgm:shape>
-                  <dgm:presOf axis="self"/>
-                  <dgm:constrLst>
-                    <dgm:constr type="begPad"/>
-                    <dgm:constr type="endPad"/>
-                  </dgm:constrLst>
-                  <dgm:ruleLst/>
-                </dgm:layoutNode>
-              </dgm:forEach>
-            </dgm:if>
-            <dgm:if name="Name24" axis="par ch" ptType="node node" func="cnt" op="equ" val="1">
-              <dgm:layoutNode name="oneComp">
-                <dgm:alg type="composite">
-                  <dgm:param type="ar" val="1"/>
-                </dgm:alg>
-                <dgm:shape xmlns:r="http://schemas.openxmlformats.org/officeDocument/2006/relationships" r:blip="">
-                  <dgm:adjLst/>
-                </dgm:shape>
-                <dgm:presOf/>
-                <dgm:constrLst>
-                  <dgm:constr type="h" refType="w"/>
-                  <dgm:constr type="l" for="ch" forName="dummyConnPt" refType="w" fact="0.5"/>
-                  <dgm:constr type="t" for="ch" forName="dummyConnPt" refType="w" fact="0.5"/>
-                  <dgm:constr type="l" for="ch" forName="oneNode"/>
-                  <dgm:constr type="t" for="ch" forName="oneNode"/>
-                  <dgm:constr type="h" for="ch" forName="oneNode" refType="h"/>
-                  <dgm:constr type="w" for="ch" forName="oneNode" refType="w"/>
-                </dgm:constrLst>
-                <dgm:ruleLst/>
-                <dgm:layoutNode name="dummyConnPt" styleLbl="node1">
-                  <dgm:alg type="sp"/>
-                  <dgm:shape xmlns:r="http://schemas.openxmlformats.org/officeDocument/2006/relationships" r:blip="">
-                    <dgm:adjLst/>
-                  </dgm:shape>
-                  <dgm:presOf/>
-                  <dgm:constrLst>
-                    <dgm:constr type="w" val="1"/>
-                    <dgm:constr type="h" val="1"/>
-                  </dgm:constrLst>
-                  <dgm:ruleLst/>
-                </dgm:layoutNode>
-                <dgm:layoutNode name="oneNode" styleLbl="node1">
-                  <dgm:varLst>
-                    <dgm:bulletEnabled val="1"/>
-                  </dgm:varLst>
-                  <dgm:alg type="tx">
-                    <dgm:param type="txAnchorVertCh" val="mid"/>
-                  </dgm:alg>
-                  <dgm:shape xmlns:r="http://schemas.openxmlformats.org/officeDocument/2006/relationships" type="ellipse" r:blip="">
-                    <dgm:adjLst/>
-                  </dgm:shape>
-                  <dgm:presOf axis="desOrSelf" ptType="node"/>
-                  <dgm:constrLst>
-                    <dgm:constr type="h" refType="w"/>
-                    <dgm:constr type="tMarg" refType="primFontSz" fact="0.1"/>
-                    <dgm:constr type="bMarg" refType="primFontSz" fact="0.1"/>
-                    <dgm:constr type="lMarg" refType="primFontSz" fact="0.1"/>
-                    <dgm:constr type="rMarg" refType="primFontSz" fact="0.1"/>
-                  </dgm:constrLst>
-                  <dgm:ruleLst>
-                    <dgm:rule type="primFontSz" val="5" fact="NaN" max="NaN"/>
-                  </dgm:ruleLst>
-                </dgm:layoutNode>
-              </dgm:layoutNode>
-              <dgm:layoutNode name="dummya">
-                <dgm:alg type="sp"/>
-                <dgm:shape xmlns:r="http://schemas.openxmlformats.org/officeDocument/2006/relationships" r:blip="">
-                  <dgm:adjLst/>
-                </dgm:shape>
-                <dgm:presOf/>
-                <dgm:constrLst>
-                  <dgm:constr type="h" refType="w"/>
-                </dgm:constrLst>
-                <dgm:ruleLst/>
-              </dgm:layoutNode>
-              <dgm:layoutNode name="dummyb">
-                <dgm:alg type="sp"/>
-                <dgm:shape xmlns:r="http://schemas.openxmlformats.org/officeDocument/2006/relationships" r:blip="">
-                  <dgm:adjLst/>
-                </dgm:shape>
-                <dgm:presOf/>
-                <dgm:constrLst>
-                  <dgm:constr type="h" refType="w"/>
-                </dgm:constrLst>
-                <dgm:ruleLst/>
-              </dgm:layoutNode>
-              <dgm:layoutNode name="dummyc">
-                <dgm:alg type="sp"/>
-                <dgm:shape xmlns:r="http://schemas.openxmlformats.org/officeDocument/2006/relationships" r:blip="">
-                  <dgm:adjLst/>
-                </dgm:shape>
-                <dgm:presOf/>
-                <dgm:constrLst>
-                  <dgm:constr type="h" refType="w"/>
-                </dgm:constrLst>
-                <dgm:ruleLst/>
-              </dgm:layoutNode>
-              <dgm:forEach name="sibTransForEach1" axis="followSib" ptType="sibTrans" hideLastTrans="0" cnt="1">
-                <dgm:layoutNode name="singleconn" styleLbl="sibTrans2D1">
-                  <dgm:alg type="conn">
-                    <dgm:param type="connRout" val="longCurve"/>
-                    <dgm:param type="begPts" val="bCtr"/>
-                    <dgm:param type="endPts" val="tCtr"/>
-                    <dgm:param type="begSty" val="noArr"/>
-                    <dgm:param type="endSty" val="noArr"/>
-                    <dgm:param type="srcNode" val="dummyConnPt"/>
-                    <dgm:param type="dstNode" val="dummyConnPt"/>
-                  </dgm:alg>
-                  <dgm:shape xmlns:r="http://schemas.openxmlformats.org/officeDocument/2006/relationships" type="conn" r:blip="" zOrderOff="-999">
-                    <dgm:adjLst/>
-                  </dgm:shape>
-                  <dgm:presOf axis="self"/>
-                  <dgm:constrLst>
-                    <dgm:constr type="begPad"/>
-                    <dgm:constr type="endPad"/>
-                  </dgm:constrLst>
-                  <dgm:ruleLst/>
-                </dgm:layoutNode>
-              </dgm:forEach>
-            </dgm:if>
-            <dgm:else name="Name25"/>
-          </dgm:choose>
-        </dgm:forEach>
-      </dgm:forEach>
-    </dgm:forEach>
-  </dgm:layoutNode>
-</dgm:layoutDef>
-</file>
-
-<file path=ppt/diagrams/quickStyle1.xml><?xml version="1.0" encoding="utf-8"?>
-<dgm:styleDef xmlns:dgm="http://schemas.openxmlformats.org/drawingml/2006/diagram" xmlns:a="http://schemas.openxmlformats.org/drawingml/2006/main" uniqueId="urn:microsoft.com/office/officeart/2005/8/quickstyle/simple1">
-  <dgm:title val=""/>
-  <dgm:desc val=""/>
-  <dgm:catLst>
-    <dgm:cat type="simple" pri="10100"/>
-  </dgm:catLst>
-  <dgm:scene3d>
-    <a:camera prst="orthographicFront"/>
-    <a:lightRig rig="threePt" dir="t"/>
-  </dgm:scene3d>
-  <dgm:styleLbl name="node0">
-    <dgm:scene3d>
-      <a:camera prst="orthographicFront"/>
-      <a:lightRig rig="threePt" dir="t"/>
-    </dgm:scene3d>
-    <dgm:sp3d/>
-    <dgm:txPr/>
-    <dgm:style>
-      <a:lnRef idx="2">
-        <a:scrgbClr r="0" g="0" b="0"/>
-      </a:lnRef>
-      <a:fillRef idx="1">
-        <a:scrgbClr r="0" g="0" b="0"/>
-      </a:fillRef>
-      <a:effectRef idx="0">
-        <a:scrgbClr r="0" g="0" b="0"/>
-      </a:effectRef>
-      <a:fontRef idx="minor">
-        <a:schemeClr val="lt1"/>
-      </a:fontRef>
-    </dgm:style>
-  </dgm:styleLbl>
-  <dgm:styleLbl name="lnNode1">
-    <dgm:scene3d>
-      <a:camera prst="orthographicFront"/>
-      <a:lightRig rig="threePt" dir="t"/>
-    </dgm:scene3d>
-    <dgm:sp3d/>
-    <dgm:txPr/>
-    <dgm:style>
-      <a:lnRef idx="2">
-        <a:scrgbClr r="0" g="0" b="0"/>
-      </a:lnRef>
-      <a:fillRef idx="1">
-        <a:scrgbClr r="0" g="0" b="0"/>
-      </a:fillRef>
-      <a:effectRef idx="0">
-        <a:scrgbClr r="0" g="0" b="0"/>
-      </a:effectRef>
-      <a:fontRef idx="minor">
-        <a:schemeClr val="lt1"/>
-      </a:fontRef>
-    </dgm:style>
-  </dgm:styleLbl>
-  <dgm:styleLbl name="vennNode1">
-    <dgm:scene3d>
-      <a:camera prst="orthographicFront"/>
-      <a:lightRig rig="threePt" dir="t"/>
-    </dgm:scene3d>
-    <dgm:sp3d/>
-    <dgm:txPr/>
-    <dgm:style>
-      <a:lnRef idx="2">
-        <a:scrgbClr r="0" g="0" b="0"/>
-      </a:lnRef>
-      <a:fillRef idx="1">
-        <a:scrgbClr r="0" g="0" b="0"/>
-      </a:fillRef>
-      <a:effectRef idx="0">
-        <a:scrgbClr r="0" g="0" b="0"/>
-      </a:effectRef>
-      <a:fontRef idx="minor">
-        <a:schemeClr val="tx1"/>
-      </a:fontRef>
-    </dgm:style>
-  </dgm:styleLbl>
-  <dgm:styleLbl name="alignNode1">
-    <dgm:scene3d>
-      <a:camera prst="orthographicFront"/>
-      <a:lightRig rig="threePt" dir="t"/>
-    </dgm:scene3d>
-    <dgm:sp3d/>
-    <dgm:txPr/>
-    <dgm:style>
-      <a:lnRef idx="2">
-        <a:scrgbClr r="0" g="0" b="0"/>
-      </a:lnRef>
-      <a:fillRef idx="1">
-        <a:scrgbClr r="0" g="0" b="0"/>
-      </a:fillRef>
-      <a:effectRef idx="0">
-        <a:scrgbClr r="0" g="0" b="0"/>
-      </a:effectRef>
-      <a:fontRef idx="minor">
-        <a:schemeClr val="lt1"/>
-      </a:fontRef>
-    </dgm:style>
-  </dgm:styleLbl>
-  <dgm:styleLbl name="node1">
-    <dgm:scene3d>
-      <a:camera prst="orthographicFront"/>
-      <a:lightRig rig="threePt" dir="t"/>
-    </dgm:scene3d>
-    <dgm:sp3d/>
-    <dgm:txPr/>
-    <dgm:style>
-      <a:lnRef idx="2">
-        <a:scrgbClr r="0" g="0" b="0"/>
-      </a:lnRef>
-      <a:fillRef idx="1">
-        <a:scrgbClr r="0" g="0" b="0"/>
-      </a:fillRef>
-      <a:effectRef idx="0">
-        <a:scrgbClr r="0" g="0" b="0"/>
-      </a:effectRef>
-      <a:fontRef idx="minor">
-        <a:schemeClr val="lt1"/>
-      </a:fontRef>
-    </dgm:style>
-  </dgm:styleLbl>
-  <dgm:styleLbl name="node2">
-    <dgm:scene3d>
-      <a:camera prst="orthographicFront"/>
-      <a:lightRig rig="threePt" dir="t"/>
-    </dgm:scene3d>
-    <dgm:sp3d/>
-    <dgm:txPr/>
-    <dgm:style>
-      <a:lnRef idx="2">
-        <a:scrgbClr r="0" g="0" b="0"/>
-      </a:lnRef>
-      <a:fillRef idx="1">
-        <a:scrgbClr r="0" g="0" b="0"/>
-      </a:fillRef>
-      <a:effectRef idx="0">
-        <a:scrgbClr r="0" g="0" b="0"/>
-      </a:effectRef>
-      <a:fontRef idx="minor">
-        <a:schemeClr val="lt1"/>
-      </a:fontRef>
-    </dgm:style>
-  </dgm:styleLbl>
-  <dgm:styleLbl name="node3">
-    <dgm:scene3d>
-      <a:camera prst="orthographicFront"/>
-      <a:lightRig rig="threePt" dir="t"/>
-    </dgm:scene3d>
-    <dgm:sp3d/>
-    <dgm:txPr/>
-    <dgm:style>
-      <a:lnRef idx="2">
-        <a:scrgbClr r="0" g="0" b="0"/>
-      </a:lnRef>
-      <a:fillRef idx="1">
-        <a:scrgbClr r="0" g="0" b="0"/>
-      </a:fillRef>
-      <a:effectRef idx="0">
-        <a:scrgbClr r="0" g="0" b="0"/>
-      </a:effectRef>
-      <a:fontRef idx="minor">
-        <a:schemeClr val="lt1"/>
-      </a:fontRef>
-    </dgm:style>
-  </dgm:styleLbl>
-  <dgm:styleLbl name="node4">
-    <dgm:scene3d>
-      <a:camera prst="orthographicFront"/>
-      <a:lightRig rig="threePt" dir="t"/>
-    </dgm:scene3d>
-    <dgm:sp3d/>
-    <dgm:txPr/>
-    <dgm:style>
-      <a:lnRef idx="2">
-        <a:scrgbClr r="0" g="0" b="0"/>
-      </a:lnRef>
-      <a:fillRef idx="1">
-        <a:scrgbClr r="0" g="0" b="0"/>
-      </a:fillRef>
-      <a:effectRef idx="0">
-        <a:scrgbClr r="0" g="0" b="0"/>
-      </a:effectRef>
-      <a:fontRef idx="minor">
-        <a:schemeClr val="lt1"/>
-      </a:fontRef>
-    </dgm:style>
-  </dgm:styleLbl>
-  <dgm:styleLbl name="fgImgPlace1">
-    <dgm:scene3d>
-      <a:camera prst="orthographicFront"/>
-      <a:lightRig rig="threePt" dir="t"/>
-    </dgm:scene3d>
-    <dgm:sp3d/>
-    <dgm:txPr/>
-    <dgm:style>
-      <a:lnRef idx="2">
-        <a:scrgbClr r="0" g="0" b="0"/>
-      </a:lnRef>
-      <a:fillRef idx="1">
-        <a:scrgbClr r="0" g="0" b="0"/>
-      </a:fillRef>
-      <a:effectRef idx="0">
-        <a:scrgbClr r="0" g="0" b="0"/>
-      </a:effectRef>
-      <a:fontRef idx="minor"/>
-    </dgm:style>
-  </dgm:styleLbl>
-  <dgm:styleLbl name="alignImgPlace1">
-    <dgm:scene3d>
-      <a:camera prst="orthographicFront"/>
-      <a:lightRig rig="threePt" dir="t"/>
-    </dgm:scene3d>
-    <dgm:sp3d/>
-    <dgm:txPr/>
-    <dgm:style>
-      <a:lnRef idx="2">
-        <a:scrgbClr r="0" g="0" b="0"/>
-      </a:lnRef>
-      <a:fillRef idx="1">
-        <a:scrgbClr r="0" g="0" b="0"/>
-      </a:fillRef>
-      <a:effectRef idx="0">
-        <a:scrgbClr r="0" g="0" b="0"/>
-      </a:effectRef>
-      <a:fontRef idx="minor"/>
-    </dgm:style>
-  </dgm:styleLbl>
-  <dgm:styleLbl name="bgImgPlace1">
-    <dgm:scene3d>
-      <a:camera prst="orthographicFront"/>
-      <a:lightRig rig="threePt" dir="t"/>
-    </dgm:scene3d>
-    <dgm:sp3d/>
-    <dgm:txPr/>
-    <dgm:style>
-      <a:lnRef idx="2">
-        <a:scrgbClr r="0" g="0" b="0"/>
-      </a:lnRef>
-      <a:fillRef idx="1">
-        <a:scrgbClr r="0" g="0" b="0"/>
-      </a:fillRef>
-      <a:effectRef idx="0">
-        <a:scrgbClr r="0" g="0" b="0"/>
-      </a:effectRef>
-      <a:fontRef idx="minor"/>
-    </dgm:style>
-  </dgm:styleLbl>
-  <dgm:styleLbl name="sibTrans2D1">
-    <dgm:scene3d>
-      <a:camera prst="orthographicFront"/>
-      <a:lightRig rig="threePt" dir="t"/>
-    </dgm:scene3d>
-    <dgm:sp3d/>
-    <dgm:txPr/>
-    <dgm:style>
-      <a:lnRef idx="0">
-        <a:scrgbClr r="0" g="0" b="0"/>
-      </a:lnRef>
-      <a:fillRef idx="1">
-        <a:scrgbClr r="0" g="0" b="0"/>
-      </a:fillRef>
-      <a:effectRef idx="0">
-        <a:scrgbClr r="0" g="0" b="0"/>
-      </a:effectRef>
-      <a:fontRef idx="minor">
-        <a:schemeClr val="lt1"/>
-      </a:fontRef>
-    </dgm:style>
-  </dgm:styleLbl>
-  <dgm:styleLbl name="fgSibTrans2D1">
-    <dgm:scene3d>
-      <a:camera prst="orthographicFront"/>
-      <a:lightRig rig="threePt" dir="t"/>
-    </dgm:scene3d>
-    <dgm:sp3d/>
-    <dgm:txPr/>
-    <dgm:style>
-      <a:lnRef idx="0">
-        <a:scrgbClr r="0" g="0" b="0"/>
-      </a:lnRef>
-      <a:fillRef idx="1">
-        <a:scrgbClr r="0" g="0" b="0"/>
-      </a:fillRef>
-      <a:effectRef idx="0">
-        <a:scrgbClr r="0" g="0" b="0"/>
-      </a:effectRef>
-      <a:fontRef idx="minor">
-        <a:schemeClr val="lt1"/>
-      </a:fontRef>
-    </dgm:style>
-  </dgm:styleLbl>
-  <dgm:styleLbl name="bgSibTrans2D1">
-    <dgm:scene3d>
-      <a:camera prst="orthographicFront"/>
-      <a:lightRig rig="threePt" dir="t"/>
-    </dgm:scene3d>
-    <dgm:sp3d/>
-    <dgm:txPr/>
-    <dgm:style>
-      <a:lnRef idx="0">
-        <a:scrgbClr r="0" g="0" b="0"/>
-      </a:lnRef>
-      <a:fillRef idx="1">
-        <a:scrgbClr r="0" g="0" b="0"/>
-      </a:fillRef>
-      <a:effectRef idx="0">
-        <a:scrgbClr r="0" g="0" b="0"/>
-      </a:effectRef>
-      <a:fontRef idx="minor">
-        <a:schemeClr val="lt1"/>
-      </a:fontRef>
-    </dgm:style>
-  </dgm:styleLbl>
-  <dgm:styleLbl name="sibTrans1D1">
-    <dgm:scene3d>
-      <a:camera prst="orthographicFront"/>
-      <a:lightRig rig="threePt" dir="t"/>
-    </dgm:scene3d>
-    <dgm:sp3d/>
-    <dgm:txPr/>
-    <dgm:style>
-      <a:lnRef idx="1">
-        <a:scrgbClr r="0" g="0" b="0"/>
-      </a:lnRef>
-      <a:fillRef idx="0">
-        <a:scrgbClr r="0" g="0" b="0"/>
-      </a:fillRef>
-      <a:effectRef idx="0">
-        <a:scrgbClr r="0" g="0" b="0"/>
-      </a:effectRef>
-      <a:fontRef idx="minor"/>
-    </dgm:style>
-  </dgm:styleLbl>
-  <dgm:styleLbl name="callout">
-    <dgm:scene3d>
-      <a:camera prst="orthographicFront"/>
-      <a:lightRig rig="threePt" dir="t"/>
-    </dgm:scene3d>
-    <dgm:sp3d/>
-    <dgm:txPr/>
-    <dgm:style>
-      <a:lnRef idx="2">
-        <a:scrgbClr r="0" g="0" b="0"/>
-      </a:lnRef>
-      <a:fillRef idx="1">
-        <a:scrgbClr r="0" g="0" b="0"/>
-      </a:fillRef>
-      <a:effectRef idx="0">
-        <a:scrgbClr r="0" g="0" b="0"/>
-      </a:effectRef>
-      <a:fontRef idx="minor"/>
-    </dgm:style>
-  </dgm:styleLbl>
-  <dgm:styleLbl name="asst0">
-    <dgm:scene3d>
-      <a:camera prst="orthographicFront"/>
-      <a:lightRig rig="threePt" dir="t"/>
-    </dgm:scene3d>
-    <dgm:sp3d/>
-    <dgm:txPr/>
-    <dgm:style>
-      <a:lnRef idx="2">
-        <a:scrgbClr r="0" g="0" b="0"/>
-      </a:lnRef>
-      <a:fillRef idx="1">
-        <a:scrgbClr r="0" g="0" b="0"/>
-      </a:fillRef>
-      <a:effectRef idx="0">
-        <a:scrgbClr r="0" g="0" b="0"/>
-      </a:effectRef>
-      <a:fontRef idx="minor">
-        <a:schemeClr val="lt1"/>
-      </a:fontRef>
-    </dgm:style>
-  </dgm:styleLbl>
-  <dgm:styleLbl name="asst1">
-    <dgm:scene3d>
-      <a:camera prst="orthographicFront"/>
-      <a:lightRig rig="threePt" dir="t"/>
-    </dgm:scene3d>
-    <dgm:sp3d/>
-    <dgm:txPr/>
-    <dgm:style>
-      <a:lnRef idx="2">
-        <a:scrgbClr r="0" g="0" b="0"/>
-      </a:lnRef>
-      <a:fillRef idx="1">
-        <a:scrgbClr r="0" g="0" b="0"/>
-      </a:fillRef>
-      <a:effectRef idx="0">
-        <a:scrgbClr r="0" g="0" b="0"/>
-      </a:effectRef>
-      <a:fontRef idx="minor">
-        <a:schemeClr val="lt1"/>
-      </a:fontRef>
-    </dgm:style>
-  </dgm:styleLbl>
-  <dgm:styleLbl name="asst2">
-    <dgm:scene3d>
-      <a:camera prst="orthographicFront"/>
-      <a:lightRig rig="threePt" dir="t"/>
-    </dgm:scene3d>
-    <dgm:sp3d/>
-    <dgm:txPr/>
-    <dgm:style>
-      <a:lnRef idx="2">
-        <a:scrgbClr r="0" g="0" b="0"/>
-      </a:lnRef>
-      <a:fillRef idx="1">
-        <a:scrgbClr r="0" g="0" b="0"/>
-      </a:fillRef>
-      <a:effectRef idx="0">
-        <a:scrgbClr r="0" g="0" b="0"/>
-      </a:effectRef>
-      <a:fontRef idx="minor">
-        <a:schemeClr val="lt1"/>
-      </a:fontRef>
-    </dgm:style>
-  </dgm:styleLbl>
-  <dgm:styleLbl name="asst3">
-    <dgm:scene3d>
-      <a:camera prst="orthographicFront"/>
-      <a:lightRig rig="threePt" dir="t"/>
-    </dgm:scene3d>
-    <dgm:sp3d/>
-    <dgm:txPr/>
-    <dgm:style>
-      <a:lnRef idx="2">
-        <a:scrgbClr r="0" g="0" b="0"/>
-      </a:lnRef>
-      <a:fillRef idx="1">
-        <a:scrgbClr r="0" g="0" b="0"/>
-      </a:fillRef>
-      <a:effectRef idx="0">
-        <a:scrgbClr r="0" g="0" b="0"/>
-      </a:effectRef>
-      <a:fontRef idx="minor">
-        <a:schemeClr val="lt1"/>
-      </a:fontRef>
-    </dgm:style>
-  </dgm:styleLbl>
-  <dgm:styleLbl name="asst4">
-    <dgm:scene3d>
-      <a:camera prst="orthographicFront"/>
-      <a:lightRig rig="threePt" dir="t"/>
-    </dgm:scene3d>
-    <dgm:sp3d/>
-    <dgm:txPr/>
-    <dgm:style>
-      <a:lnRef idx="2">
-        <a:scrgbClr r="0" g="0" b="0"/>
-      </a:lnRef>
-      <a:fillRef idx="1">
-        <a:scrgbClr r="0" g="0" b="0"/>
-      </a:fillRef>
-      <a:effectRef idx="0">
-        <a:scrgbClr r="0" g="0" b="0"/>
-      </a:effectRef>
-      <a:fontRef idx="minor">
-        <a:schemeClr val="lt1"/>
-      </a:fontRef>
-    </dgm:style>
-  </dgm:styleLbl>
-  <dgm:styleLbl name="parChTrans2D1">
-    <dgm:scene3d>
-      <a:camera prst="orthographicFront"/>
-      <a:lightRig rig="threePt" dir="t"/>
-    </dgm:scene3d>
-    <dgm:sp3d/>
-    <dgm:txPr/>
-    <dgm:style>
-      <a:lnRef idx="2">
-        <a:scrgbClr r="0" g="0" b="0"/>
-      </a:lnRef>
-      <a:fillRef idx="1">
-        <a:scrgbClr r="0" g="0" b="0"/>
-      </a:fillRef>
-      <a:effectRef idx="0">
-        <a:scrgbClr r="0" g="0" b="0"/>
-      </a:effectRef>
-      <a:fontRef idx="minor">
-        <a:schemeClr val="lt1"/>
-      </a:fontRef>
-    </dgm:style>
-  </dgm:styleLbl>
-  <dgm:styleLbl name="parChTrans2D2">
-    <dgm:scene3d>
-      <a:camera prst="orthographicFront"/>
-      <a:lightRig rig="threePt" dir="t"/>
-    </dgm:scene3d>
-    <dgm:sp3d/>
-    <dgm:txPr/>
-    <dgm:style>
-      <a:lnRef idx="2">
-        <a:scrgbClr r="0" g="0" b="0"/>
-      </a:lnRef>
-      <a:fillRef idx="1">
-        <a:scrgbClr r="0" g="0" b="0"/>
-      </a:fillRef>
-      <a:effectRef idx="0">
-        <a:scrgbClr r="0" g="0" b="0"/>
-      </a:effectRef>
-      <a:fontRef idx="minor">
-        <a:schemeClr val="lt1"/>
-      </a:fontRef>
-    </dgm:style>
-  </dgm:styleLbl>
-  <dgm:styleLbl name="parChTrans2D3">
-    <dgm:scene3d>
-      <a:camera prst="orthographicFront"/>
-      <a:lightRig rig="threePt" dir="t"/>
-    </dgm:scene3d>
-    <dgm:sp3d/>
-    <dgm:txPr/>
-    <dgm:style>
-      <a:lnRef idx="2">
-        <a:scrgbClr r="0" g="0" b="0"/>
-      </a:lnRef>
-      <a:fillRef idx="1">
-        <a:scrgbClr r="0" g="0" b="0"/>
-      </a:fillRef>
-      <a:effectRef idx="0">
-        <a:scrgbClr r="0" g="0" b="0"/>
-      </a:effectRef>
-      <a:fontRef idx="minor">
-        <a:schemeClr val="lt1"/>
-      </a:fontRef>
-    </dgm:style>
-  </dgm:styleLbl>
-  <dgm:styleLbl name="parChTrans2D4">
-    <dgm:scene3d>
-      <a:camera prst="orthographicFront"/>
-      <a:lightRig rig="threePt" dir="t"/>
-    </dgm:scene3d>
-    <dgm:sp3d/>
-    <dgm:txPr/>
-    <dgm:style>
-      <a:lnRef idx="2">
-        <a:scrgbClr r="0" g="0" b="0"/>
-      </a:lnRef>
-      <a:fillRef idx="1">
-        <a:scrgbClr r="0" g="0" b="0"/>
-      </a:fillRef>
-      <a:effectRef idx="0">
-        <a:scrgbClr r="0" g="0" b="0"/>
-      </a:effectRef>
-      <a:fontRef idx="minor">
-        <a:schemeClr val="lt1"/>
-      </a:fontRef>
-    </dgm:style>
-  </dgm:styleLbl>
-  <dgm:styleLbl name="parChTrans1D1">
-    <dgm:scene3d>
-      <a:camera prst="orthographicFront"/>
-      <a:lightRig rig="threePt" dir="t"/>
-    </dgm:scene3d>
-    <dgm:sp3d/>
-    <dgm:txPr/>
-    <dgm:style>
-      <a:lnRef idx="2">
-        <a:scrgbClr r="0" g="0" b="0"/>
-      </a:lnRef>
-      <a:fillRef idx="0">
-        <a:scrgbClr r="0" g="0" b="0"/>
-      </a:fillRef>
-      <a:effectRef idx="0">
-        <a:scrgbClr r="0" g="0" b="0"/>
-      </a:effectRef>
-      <a:fontRef idx="minor"/>
-    </dgm:style>
-  </dgm:styleLbl>
-  <dgm:styleLbl name="parChTrans1D2">
-    <dgm:scene3d>
-      <a:camera prst="orthographicFront"/>
-      <a:lightRig rig="threePt" dir="t"/>
-    </dgm:scene3d>
-    <dgm:sp3d/>
-    <dgm:txPr/>
-    <dgm:style>
-      <a:lnRef idx="2">
-        <a:scrgbClr r="0" g="0" b="0"/>
-      </a:lnRef>
-      <a:fillRef idx="0">
-        <a:scrgbClr r="0" g="0" b="0"/>
-      </a:fillRef>
-      <a:effectRef idx="0">
-        <a:scrgbClr r="0" g="0" b="0"/>
-      </a:effectRef>
-      <a:fontRef idx="minor"/>
-    </dgm:style>
-  </dgm:styleLbl>
-  <dgm:styleLbl name="parChTrans1D3">
-    <dgm:scene3d>
-      <a:camera prst="orthographicFront"/>
-      <a:lightRig rig="threePt" dir="t"/>
-    </dgm:scene3d>
-    <dgm:sp3d/>
-    <dgm:txPr/>
-    <dgm:style>
-      <a:lnRef idx="2">
-        <a:scrgbClr r="0" g="0" b="0"/>
-      </a:lnRef>
-      <a:fillRef idx="0">
-        <a:scrgbClr r="0" g="0" b="0"/>
-      </a:fillRef>
-      <a:effectRef idx="0">
-        <a:scrgbClr r="0" g="0" b="0"/>
-      </a:effectRef>
-      <a:fontRef idx="minor"/>
-    </dgm:style>
-  </dgm:styleLbl>
-  <dgm:styleLbl name="parChTrans1D4">
-    <dgm:scene3d>
-      <a:camera prst="orthographicFront"/>
-      <a:lightRig rig="threePt" dir="t"/>
-    </dgm:scene3d>
-    <dgm:sp3d/>
-    <dgm:txPr/>
-    <dgm:style>
-      <a:lnRef idx="2">
-        <a:scrgbClr r="0" g="0" b="0"/>
-      </a:lnRef>
-      <a:fillRef idx="0">
-        <a:scrgbClr r="0" g="0" b="0"/>
-      </a:fillRef>
-      <a:effectRef idx="0">
-        <a:scrgbClr r="0" g="0" b="0"/>
-      </a:effectRef>
-      <a:fontRef idx="minor"/>
-    </dgm:style>
-  </dgm:styleLbl>
-  <dgm:styleLbl name="fgAcc1">
-    <dgm:scene3d>
-      <a:camera prst="orthographicFront"/>
-      <a:lightRig rig="threePt" dir="t"/>
-    </dgm:scene3d>
-    <dgm:sp3d/>
-    <dgm:txPr/>
-    <dgm:style>
-      <a:lnRef idx="2">
-        <a:scrgbClr r="0" g="0" b="0"/>
-      </a:lnRef>
-      <a:fillRef idx="1">
-        <a:scrgbClr r="0" g="0" b="0"/>
-      </a:fillRef>
-      <a:effectRef idx="0">
-        <a:scrgbClr r="0" g="0" b="0"/>
-      </a:effectRef>
-      <a:fontRef idx="minor"/>
-    </dgm:style>
-  </dgm:styleLbl>
-  <dgm:styleLbl name="conFgAcc1">
-    <dgm:scene3d>
-      <a:camera prst="orthographicFront"/>
-      <a:lightRig rig="threePt" dir="t"/>
-    </dgm:scene3d>
-    <dgm:sp3d/>
-    <dgm:txPr/>
-    <dgm:style>
-      <a:lnRef idx="2">
-        <a:scrgbClr r="0" g="0" b="0"/>
-      </a:lnRef>
-      <a:fillRef idx="1">
-        <a:scrgbClr r="0" g="0" b="0"/>
-      </a:fillRef>
-      <a:effectRef idx="0">
-        <a:scrgbClr r="0" g="0" b="0"/>
-      </a:effectRef>
-      <a:fontRef idx="minor"/>
-    </dgm:style>
-  </dgm:styleLbl>
-  <dgm:styleLbl name="alignAcc1">
-    <dgm:scene3d>
-      <a:camera prst="orthographicFront"/>
-      <a:lightRig rig="threePt" dir="t"/>
-    </dgm:scene3d>
-    <dgm:sp3d/>
-    <dgm:txPr/>
-    <dgm:style>
-      <a:lnRef idx="2">
-        <a:scrgbClr r="0" g="0" b="0"/>
-      </a:lnRef>
-      <a:fillRef idx="1">
-        <a:scrgbClr r="0" g="0" b="0"/>
-      </a:fillRef>
-      <a:effectRef idx="0">
-        <a:scrgbClr r="0" g="0" b="0"/>
-      </a:effectRef>
-      <a:fontRef idx="minor"/>
-    </dgm:style>
-  </dgm:styleLbl>
-  <dgm:styleLbl name="trAlignAcc1">
-    <dgm:scene3d>
-      <a:camera prst="orthographicFront"/>
-      <a:lightRig rig="threePt" dir="t"/>
-    </dgm:scene3d>
-    <dgm:sp3d/>
-    <dgm:txPr/>
-    <dgm:style>
-      <a:lnRef idx="1">
-        <a:scrgbClr r="0" g="0" b="0"/>
-      </a:lnRef>
-      <a:fillRef idx="1">
-        <a:scrgbClr r="0" g="0" b="0"/>
-      </a:fillRef>
-      <a:effectRef idx="0">
-        <a:scrgbClr r="0" g="0" b="0"/>
-      </a:effectRef>
-      <a:fontRef idx="minor"/>
-    </dgm:style>
-  </dgm:styleLbl>
-  <dgm:styleLbl name="bgAcc1">
-    <dgm:scene3d>
-      <a:camera prst="orthographicFront"/>
-      <a:lightRig rig="threePt" dir="t"/>
-    </dgm:scene3d>
-    <dgm:sp3d/>
-    <dgm:txPr/>
-    <dgm:style>
-      <a:lnRef idx="2">
-        <a:scrgbClr r="0" g="0" b="0"/>
-      </a:lnRef>
-      <a:fillRef idx="1">
-        <a:scrgbClr r="0" g="0" b="0"/>
-      </a:fillRef>
-      <a:effectRef idx="0">
-        <a:scrgbClr r="0" g="0" b="0"/>
-      </a:effectRef>
-      <a:fontRef idx="minor"/>
-    </dgm:style>
-  </dgm:styleLbl>
-  <dgm:styleLbl name="solidFgAcc1">
-    <dgm:scene3d>
-      <a:camera prst="orthographicFront"/>
-      <a:lightRig rig="threePt" dir="t"/>
-    </dgm:scene3d>
-    <dgm:sp3d/>
-    <dgm:txPr/>
-    <dgm:style>
-      <a:lnRef idx="2">
-        <a:scrgbClr r="0" g="0" b="0"/>
-      </a:lnRef>
-      <a:fillRef idx="1">
-        <a:scrgbClr r="0" g="0" b="0"/>
-      </a:fillRef>
-      <a:effectRef idx="0">
-        <a:scrgbClr r="0" g="0" b="0"/>
-      </a:effectRef>
-      <a:fontRef idx="minor"/>
-    </dgm:style>
-  </dgm:styleLbl>
-  <dgm:styleLbl name="solidAlignAcc1">
-    <dgm:scene3d>
-      <a:camera prst="orthographicFront"/>
-      <a:lightRig rig="threePt" dir="t"/>
-    </dgm:scene3d>
-    <dgm:sp3d/>
-    <dgm:txPr/>
-    <dgm:style>
-      <a:lnRef idx="2">
-        <a:scrgbClr r="0" g="0" b="0"/>
-      </a:lnRef>
-      <a:fillRef idx="1">
-        <a:scrgbClr r="0" g="0" b="0"/>
-      </a:fillRef>
-      <a:effectRef idx="0">
-        <a:scrgbClr r="0" g="0" b="0"/>
-      </a:effectRef>
-      <a:fontRef idx="minor"/>
-    </dgm:style>
-  </dgm:styleLbl>
-  <dgm:styleLbl name="solidBgAcc1">
-    <dgm:scene3d>
-      <a:camera prst="orthographicFront"/>
-      <a:lightRig rig="threePt" dir="t"/>
-    </dgm:scene3d>
-    <dgm:sp3d/>
-    <dgm:txPr/>
-    <dgm:style>
-      <a:lnRef idx="2">
-        <a:scrgbClr r="0" g="0" b="0"/>
-      </a:lnRef>
-      <a:fillRef idx="1">
-        <a:scrgbClr r="0" g="0" b="0"/>
-      </a:fillRef>
-      <a:effectRef idx="0">
-        <a:scrgbClr r="0" g="0" b="0"/>
-      </a:effectRef>
-      <a:fontRef idx="minor"/>
-    </dgm:style>
-  </dgm:styleLbl>
-  <dgm:styleLbl name="fgAccFollowNode1">
-    <dgm:scene3d>
-      <a:camera prst="orthographicFront"/>
-      <a:lightRig rig="threePt" dir="t"/>
-    </dgm:scene3d>
-    <dgm:sp3d/>
-    <dgm:txPr/>
-    <dgm:style>
-      <a:lnRef idx="2">
-        <a:scrgbClr r="0" g="0" b="0"/>
-      </a:lnRef>
-      <a:fillRef idx="1">
-        <a:scrgbClr r="0" g="0" b="0"/>
-      </a:fillRef>
-      <a:effectRef idx="0">
-        <a:scrgbClr r="0" g="0" b="0"/>
-      </a:effectRef>
-      <a:fontRef idx="minor"/>
-    </dgm:style>
-  </dgm:styleLbl>
-  <dgm:styleLbl name="alignAccFollowNode1">
-    <dgm:scene3d>
-      <a:camera prst="orthographicFront"/>
-      <a:lightRig rig="threePt" dir="t"/>
-    </dgm:scene3d>
-    <dgm:sp3d/>
-    <dgm:txPr/>
-    <dgm:style>
-      <a:lnRef idx="2">
-        <a:scrgbClr r="0" g="0" b="0"/>
-      </a:lnRef>
-      <a:fillRef idx="1">
-        <a:scrgbClr r="0" g="0" b="0"/>
-      </a:fillRef>
-      <a:effectRef idx="0">
-        <a:scrgbClr r="0" g="0" b="0"/>
-      </a:effectRef>
-      <a:fontRef idx="minor"/>
-    </dgm:style>
-  </dgm:styleLbl>
-  <dgm:styleLbl name="bgAccFollowNode1">
-    <dgm:scene3d>
-      <a:camera prst="orthographicFront"/>
-      <a:lightRig rig="threePt" dir="t"/>
-    </dgm:scene3d>
-    <dgm:sp3d/>
-    <dgm:txPr/>
-    <dgm:style>
-      <a:lnRef idx="2">
-        <a:scrgbClr r="0" g="0" b="0"/>
-      </a:lnRef>
-      <a:fillRef idx="1">
-        <a:scrgbClr r="0" g="0" b="0"/>
-      </a:fillRef>
-      <a:effectRef idx="0">
-        <a:scrgbClr r="0" g="0" b="0"/>
-      </a:effectRef>
-      <a:fontRef idx="minor"/>
-    </dgm:style>
-  </dgm:styleLbl>
-  <dgm:styleLbl name="fgAcc0">
-    <dgm:scene3d>
-      <a:camera prst="orthographicFront"/>
-      <a:lightRig rig="threePt" dir="t"/>
-    </dgm:scene3d>
-    <dgm:sp3d/>
-    <dgm:txPr/>
-    <dgm:style>
-      <a:lnRef idx="2">
-        <a:scrgbClr r="0" g="0" b="0"/>
-      </a:lnRef>
-      <a:fillRef idx="1">
-        <a:scrgbClr r="0" g="0" b="0"/>
-      </a:fillRef>
-      <a:effectRef idx="0">
-        <a:scrgbClr r="0" g="0" b="0"/>
-      </a:effectRef>
-      <a:fontRef idx="minor"/>
-    </dgm:style>
-  </dgm:styleLbl>
-  <dgm:styleLbl name="fgAcc2">
-    <dgm:scene3d>
-      <a:camera prst="orthographicFront"/>
-      <a:lightRig rig="threePt" dir="t"/>
-    </dgm:scene3d>
-    <dgm:sp3d/>
-    <dgm:txPr/>
-    <dgm:style>
-      <a:lnRef idx="2">
-        <a:scrgbClr r="0" g="0" b="0"/>
-      </a:lnRef>
-      <a:fillRef idx="1">
-        <a:scrgbClr r="0" g="0" b="0"/>
-      </a:fillRef>
-      <a:effectRef idx="0">
-        <a:scrgbClr r="0" g="0" b="0"/>
-      </a:effectRef>
-      <a:fontRef idx="minor"/>
-    </dgm:style>
-  </dgm:styleLbl>
-  <dgm:styleLbl name="fgAcc3">
-    <dgm:scene3d>
-      <a:camera prst="orthographicFront"/>
-      <a:lightRig rig="threePt" dir="t"/>
-    </dgm:scene3d>
-    <dgm:sp3d/>
-    <dgm:txPr/>
-    <dgm:style>
-      <a:lnRef idx="2">
-        <a:scrgbClr r="0" g="0" b="0"/>
-      </a:lnRef>
-      <a:fillRef idx="1">
-        <a:scrgbClr r="0" g="0" b="0"/>
-      </a:fillRef>
-      <a:effectRef idx="0">
-        <a:scrgbClr r="0" g="0" b="0"/>
-      </a:effectRef>
-      <a:fontRef idx="minor"/>
-    </dgm:style>
-  </dgm:styleLbl>
-  <dgm:styleLbl name="fgAcc4">
-    <dgm:scene3d>
-      <a:camera prst="orthographicFront"/>
-      <a:lightRig rig="threePt" dir="t"/>
-    </dgm:scene3d>
-    <dgm:sp3d/>
-    <dgm:txPr/>
-    <dgm:style>
-      <a:lnRef idx="2">
-        <a:scrgbClr r="0" g="0" b="0"/>
-      </a:lnRef>
-      <a:fillRef idx="1">
-        <a:scrgbClr r="0" g="0" b="0"/>
-      </a:fillRef>
-      <a:effectRef idx="0">
-        <a:scrgbClr r="0" g="0" b="0"/>
-      </a:effectRef>
-      <a:fontRef idx="minor"/>
-    </dgm:style>
-  </dgm:styleLbl>
-  <dgm:styleLbl name="bgShp">
-    <dgm:scene3d>
-      <a:camera prst="orthographicFront"/>
-      <a:lightRig rig="threePt" dir="t"/>
-    </dgm:scene3d>
-    <dgm:sp3d/>
-    <dgm:txPr/>
-    <dgm:style>
-      <a:lnRef idx="0">
-        <a:scrgbClr r="0" g="0" b="0"/>
-      </a:lnRef>
-      <a:fillRef idx="1">
-        <a:scrgbClr r="0" g="0" b="0"/>
-      </a:fillRef>
-      <a:effectRef idx="0">
-        <a:scrgbClr r="0" g="0" b="0"/>
-      </a:effectRef>
-      <a:fontRef idx="minor"/>
-    </dgm:style>
-  </dgm:styleLbl>
-  <dgm:styleLbl name="dkBgShp">
-    <dgm:scene3d>
-      <a:camera prst="orthographicFront"/>
-      <a:lightRig rig="threePt" dir="t"/>
-    </dgm:scene3d>
-    <dgm:sp3d/>
-    <dgm:txPr/>
-    <dgm:style>
-      <a:lnRef idx="0">
-        <a:scrgbClr r="0" g="0" b="0"/>
-      </a:lnRef>
-      <a:fillRef idx="1">
-        <a:scrgbClr r="0" g="0" b="0"/>
-      </a:fillRef>
-      <a:effectRef idx="0">
-        <a:scrgbClr r="0" g="0" b="0"/>
-      </a:effectRef>
-      <a:fontRef idx="minor"/>
-    </dgm:style>
-  </dgm:styleLbl>
-  <dgm:styleLbl name="trBgShp">
-    <dgm:scene3d>
-      <a:camera prst="orthographicFront"/>
-      <a:lightRig rig="threePt" dir="t"/>
-    </dgm:scene3d>
-    <dgm:sp3d/>
-    <dgm:txPr/>
-    <dgm:style>
-      <a:lnRef idx="0">
-        <a:scrgbClr r="0" g="0" b="0"/>
-      </a:lnRef>
-      <a:fillRef idx="1">
-        <a:scrgbClr r="0" g="0" b="0"/>
-      </a:fillRef>
-      <a:effectRef idx="0">
-        <a:scrgbClr r="0" g="0" b="0"/>
-      </a:effectRef>
-      <a:fontRef idx="minor"/>
-    </dgm:style>
-  </dgm:styleLbl>
-  <dgm:styleLbl name="fgShp">
-    <dgm:scene3d>
-      <a:camera prst="orthographicFront"/>
-      <a:lightRig rig="threePt" dir="t"/>
-    </dgm:scene3d>
-    <dgm:sp3d/>
-    <dgm:txPr/>
-    <dgm:style>
-      <a:lnRef idx="2">
-        <a:scrgbClr r="0" g="0" b="0"/>
-      </a:lnRef>
-      <a:fillRef idx="1">
-        <a:scrgbClr r="0" g="0" b="0"/>
-      </a:fillRef>
-      <a:effectRef idx="0">
-        <a:scrgbClr r="0" g="0" b="0"/>
-      </a:effectRef>
-      <a:fontRef idx="minor"/>
-    </dgm:style>
-  </dgm:styleLbl>
-  <dgm:styleLbl name="revTx">
-    <dgm:scene3d>
-      <a:camera prst="orthographicFront"/>
-      <a:lightRig rig="threePt" dir="t"/>
-    </dgm:scene3d>
-    <dgm:sp3d/>
-    <dgm:txPr/>
-    <dgm:style>
-      <a:lnRef idx="0">
-        <a:scrgbClr r="0" g="0" b="0"/>
-      </a:lnRef>
-      <a:fillRef idx="0">
-        <a:scrgbClr r="0" g="0" b="0"/>
-      </a:fillRef>
-      <a:effectRef idx="0">
-        <a:scrgbClr r="0" g="0" b="0"/>
-      </a:effectRef>
-      <a:fontRef idx="minor"/>
-    </dgm:style>
-  </dgm:styleLbl>
-</dgm:styleDef>
-</file>
-
 <file path=ppt/handoutMasters/handoutMaster1.xml><?xml version="1.0" encoding="utf-8"?>
 <p:handoutMaster xmlns:a="http://schemas.openxmlformats.org/drawingml/2006/main" xmlns:r="http://schemas.openxmlformats.org/officeDocument/2006/relationships" xmlns:p="http://schemas.openxmlformats.org/presentationml/2006/main">
   <p:cSld>
@@ -3909,7 +840,7 @@
     </p:spTree>
     <p:extLst>
       <p:ext uri="{BB962C8B-B14F-4D97-AF65-F5344CB8AC3E}">
-        <p14:creationId xmlns:p14="http://schemas.microsoft.com/office/powerpoint/2010/main" val="2134718859"/>
+        <p14:creationId xmlns:p14="http://schemas.microsoft.com/office/powerpoint/2010/main" val="2542099817"/>
       </p:ext>
     </p:extLst>
   </p:cSld>
@@ -3994,7 +925,7 @@
     </p:spTree>
     <p:extLst>
       <p:ext uri="{BB962C8B-B14F-4D97-AF65-F5344CB8AC3E}">
-        <p14:creationId xmlns:p14="http://schemas.microsoft.com/office/powerpoint/2010/main" val="2164188574"/>
+        <p14:creationId xmlns:p14="http://schemas.microsoft.com/office/powerpoint/2010/main" val="3778223721"/>
       </p:ext>
     </p:extLst>
   </p:cSld>
@@ -4079,7 +1010,7 @@
     </p:spTree>
     <p:extLst>
       <p:ext uri="{BB962C8B-B14F-4D97-AF65-F5344CB8AC3E}">
-        <p14:creationId xmlns:p14="http://schemas.microsoft.com/office/powerpoint/2010/main" val="960277416"/>
+        <p14:creationId xmlns:p14="http://schemas.microsoft.com/office/powerpoint/2010/main" val="2807355218"/>
       </p:ext>
     </p:extLst>
   </p:cSld>
@@ -4164,263 +1095,7 @@
     </p:spTree>
     <p:extLst>
       <p:ext uri="{BB962C8B-B14F-4D97-AF65-F5344CB8AC3E}">
-        <p14:creationId xmlns:p14="http://schemas.microsoft.com/office/powerpoint/2010/main" val="4074674935"/>
-      </p:ext>
-    </p:extLst>
-  </p:cSld>
-  <p:clrMapOvr>
-    <a:masterClrMapping/>
-  </p:clrMapOvr>
-</p:notes>
-</file>
-
-<file path=ppt/notesSlides/notesSlide14.xml><?xml version="1.0" encoding="utf-8"?>
-<p:notes xmlns:a="http://schemas.openxmlformats.org/drawingml/2006/main" xmlns:r="http://schemas.openxmlformats.org/officeDocument/2006/relationships" xmlns:p="http://schemas.openxmlformats.org/presentationml/2006/main">
-  <p:cSld>
-    <p:spTree>
-      <p:nvGrpSpPr>
-        <p:cNvPr id="1" name=""/>
-        <p:cNvGrpSpPr/>
-        <p:nvPr/>
-      </p:nvGrpSpPr>
-      <p:grpSpPr>
-        <a:xfrm>
-          <a:off x="0" y="0"/>
-          <a:ext cx="0" cy="0"/>
-          <a:chOff x="0" y="0"/>
-          <a:chExt cx="0" cy="0"/>
-        </a:xfrm>
-      </p:grpSpPr>
-      <p:sp>
-        <p:nvSpPr>
-          <p:cNvPr id="2" name="Espace réservé de l'image des diapositives 1"/>
-          <p:cNvSpPr>
-            <a:spLocks noGrp="1" noRot="1" noChangeAspect="1"/>
-          </p:cNvSpPr>
-          <p:nvPr>
-            <p:ph type="sldImg"/>
-          </p:nvPr>
-        </p:nvSpPr>
-        <p:spPr/>
-      </p:sp>
-      <p:sp>
-        <p:nvSpPr>
-          <p:cNvPr id="3" name="Espace réservé des notes 2"/>
-          <p:cNvSpPr>
-            <a:spLocks noGrp="1"/>
-          </p:cNvSpPr>
-          <p:nvPr>
-            <p:ph type="body" idx="1"/>
-          </p:nvPr>
-        </p:nvSpPr>
-        <p:spPr/>
-        <p:txBody>
-          <a:bodyPr/>
-          <a:lstStyle/>
-          <a:p>
-            <a:endParaRPr lang="fr-FR" dirty="0"/>
-          </a:p>
-        </p:txBody>
-      </p:sp>
-      <p:sp>
-        <p:nvSpPr>
-          <p:cNvPr id="4" name="Espace réservé du numéro de diapositive 3"/>
-          <p:cNvSpPr>
-            <a:spLocks noGrp="1"/>
-          </p:cNvSpPr>
-          <p:nvPr>
-            <p:ph type="sldNum" sz="quarter" idx="10"/>
-          </p:nvPr>
-        </p:nvSpPr>
-        <p:spPr/>
-        <p:txBody>
-          <a:bodyPr/>
-          <a:lstStyle/>
-          <a:p>
-            <a:pPr rtl="0"/>
-            <a:fld id="{B045B7DE-1198-4F2F-B574-CA8CAE341642}" type="slidenum">
-              <a:rPr lang="fr-FR" smtClean="0"/>
-              <a:t>14</a:t>
-            </a:fld>
-            <a:endParaRPr lang="fr-FR" dirty="0"/>
-          </a:p>
-        </p:txBody>
-      </p:sp>
-    </p:spTree>
-    <p:extLst>
-      <p:ext uri="{BB962C8B-B14F-4D97-AF65-F5344CB8AC3E}">
-        <p14:creationId xmlns:p14="http://schemas.microsoft.com/office/powerpoint/2010/main" val="97069965"/>
-      </p:ext>
-    </p:extLst>
-  </p:cSld>
-  <p:clrMapOvr>
-    <a:masterClrMapping/>
-  </p:clrMapOvr>
-</p:notes>
-</file>
-
-<file path=ppt/notesSlides/notesSlide15.xml><?xml version="1.0" encoding="utf-8"?>
-<p:notes xmlns:a="http://schemas.openxmlformats.org/drawingml/2006/main" xmlns:r="http://schemas.openxmlformats.org/officeDocument/2006/relationships" xmlns:p="http://schemas.openxmlformats.org/presentationml/2006/main">
-  <p:cSld>
-    <p:spTree>
-      <p:nvGrpSpPr>
-        <p:cNvPr id="1" name=""/>
-        <p:cNvGrpSpPr/>
-        <p:nvPr/>
-      </p:nvGrpSpPr>
-      <p:grpSpPr>
-        <a:xfrm>
-          <a:off x="0" y="0"/>
-          <a:ext cx="0" cy="0"/>
-          <a:chOff x="0" y="0"/>
-          <a:chExt cx="0" cy="0"/>
-        </a:xfrm>
-      </p:grpSpPr>
-      <p:sp>
-        <p:nvSpPr>
-          <p:cNvPr id="2" name="Espace réservé de l'image des diapositives 1"/>
-          <p:cNvSpPr>
-            <a:spLocks noGrp="1" noRot="1" noChangeAspect="1"/>
-          </p:cNvSpPr>
-          <p:nvPr>
-            <p:ph type="sldImg"/>
-          </p:nvPr>
-        </p:nvSpPr>
-        <p:spPr/>
-      </p:sp>
-      <p:sp>
-        <p:nvSpPr>
-          <p:cNvPr id="3" name="Espace réservé des notes 2"/>
-          <p:cNvSpPr>
-            <a:spLocks noGrp="1"/>
-          </p:cNvSpPr>
-          <p:nvPr>
-            <p:ph type="body" idx="1"/>
-          </p:nvPr>
-        </p:nvSpPr>
-        <p:spPr/>
-        <p:txBody>
-          <a:bodyPr/>
-          <a:lstStyle/>
-          <a:p>
-            <a:endParaRPr lang="fr-FR" dirty="0"/>
-          </a:p>
-        </p:txBody>
-      </p:sp>
-      <p:sp>
-        <p:nvSpPr>
-          <p:cNvPr id="4" name="Espace réservé du numéro de diapositive 3"/>
-          <p:cNvSpPr>
-            <a:spLocks noGrp="1"/>
-          </p:cNvSpPr>
-          <p:nvPr>
-            <p:ph type="sldNum" sz="quarter" idx="10"/>
-          </p:nvPr>
-        </p:nvSpPr>
-        <p:spPr/>
-        <p:txBody>
-          <a:bodyPr/>
-          <a:lstStyle/>
-          <a:p>
-            <a:pPr rtl="0"/>
-            <a:fld id="{B045B7DE-1198-4F2F-B574-CA8CAE341642}" type="slidenum">
-              <a:rPr lang="fr-FR" smtClean="0"/>
-              <a:t>15</a:t>
-            </a:fld>
-            <a:endParaRPr lang="fr-FR" dirty="0"/>
-          </a:p>
-        </p:txBody>
-      </p:sp>
-    </p:spTree>
-    <p:extLst>
-      <p:ext uri="{BB962C8B-B14F-4D97-AF65-F5344CB8AC3E}">
-        <p14:creationId xmlns:p14="http://schemas.microsoft.com/office/powerpoint/2010/main" val="2360795839"/>
-      </p:ext>
-    </p:extLst>
-  </p:cSld>
-  <p:clrMapOvr>
-    <a:masterClrMapping/>
-  </p:clrMapOvr>
-</p:notes>
-</file>
-
-<file path=ppt/notesSlides/notesSlide16.xml><?xml version="1.0" encoding="utf-8"?>
-<p:notes xmlns:a="http://schemas.openxmlformats.org/drawingml/2006/main" xmlns:r="http://schemas.openxmlformats.org/officeDocument/2006/relationships" xmlns:p="http://schemas.openxmlformats.org/presentationml/2006/main">
-  <p:cSld>
-    <p:spTree>
-      <p:nvGrpSpPr>
-        <p:cNvPr id="1" name=""/>
-        <p:cNvGrpSpPr/>
-        <p:nvPr/>
-      </p:nvGrpSpPr>
-      <p:grpSpPr>
-        <a:xfrm>
-          <a:off x="0" y="0"/>
-          <a:ext cx="0" cy="0"/>
-          <a:chOff x="0" y="0"/>
-          <a:chExt cx="0" cy="0"/>
-        </a:xfrm>
-      </p:grpSpPr>
-      <p:sp>
-        <p:nvSpPr>
-          <p:cNvPr id="2" name="Espace réservé de l’image des diapositives 1"/>
-          <p:cNvSpPr>
-            <a:spLocks noGrp="1" noRot="1" noChangeAspect="1"/>
-          </p:cNvSpPr>
-          <p:nvPr>
-            <p:ph type="sldImg"/>
-          </p:nvPr>
-        </p:nvSpPr>
-        <p:spPr/>
-      </p:sp>
-      <p:sp>
-        <p:nvSpPr>
-          <p:cNvPr id="3" name="Espace réservé des commentaires 2"/>
-          <p:cNvSpPr>
-            <a:spLocks noGrp="1"/>
-          </p:cNvSpPr>
-          <p:nvPr>
-            <p:ph type="body" idx="1"/>
-          </p:nvPr>
-        </p:nvSpPr>
-        <p:spPr/>
-        <p:txBody>
-          <a:bodyPr rtlCol="0"/>
-          <a:lstStyle/>
-          <a:p>
-            <a:pPr rtl="0"/>
-            <a:endParaRPr lang="fr-FR" dirty="0"/>
-          </a:p>
-        </p:txBody>
-      </p:sp>
-      <p:sp>
-        <p:nvSpPr>
-          <p:cNvPr id="4" name="Espace réservé du numéro de diapositive 3"/>
-          <p:cNvSpPr>
-            <a:spLocks noGrp="1"/>
-          </p:cNvSpPr>
-          <p:nvPr>
-            <p:ph type="sldNum" sz="quarter" idx="10"/>
-          </p:nvPr>
-        </p:nvSpPr>
-        <p:spPr/>
-        <p:txBody>
-          <a:bodyPr rtlCol="0"/>
-          <a:lstStyle/>
-          <a:p>
-            <a:pPr rtl="0"/>
-            <a:fld id="{B045B7DE-1198-4F2F-B574-CA8CAE341642}" type="slidenum">
-              <a:rPr lang="fr-FR" smtClean="0"/>
-              <a:t>16</a:t>
-            </a:fld>
-            <a:endParaRPr lang="fr-FR" dirty="0"/>
-          </a:p>
-        </p:txBody>
-      </p:sp>
-    </p:spTree>
-    <p:extLst>
-      <p:ext uri="{BB962C8B-B14F-4D97-AF65-F5344CB8AC3E}">
-        <p14:creationId xmlns:p14="http://schemas.microsoft.com/office/powerpoint/2010/main" val="2959738056"/>
+        <p14:creationId xmlns:p14="http://schemas.microsoft.com/office/powerpoint/2010/main" val="458188093"/>
       </p:ext>
     </p:extLst>
   </p:cSld>
@@ -10008,45 +6683,12 @@
       </p:grpSpPr>
       <p:sp>
         <p:nvSpPr>
-          <p:cNvPr id="2" name="Titre 1"/>
+          <p:cNvPr id="5" name="Titre 4"/>
           <p:cNvSpPr>
             <a:spLocks noGrp="1"/>
           </p:cNvSpPr>
           <p:nvPr>
             <p:ph type="title"/>
-          </p:nvPr>
-        </p:nvSpPr>
-        <p:spPr>
-          <a:xfrm>
-            <a:off x="1141411" y="152400"/>
-            <a:ext cx="11047413" cy="1295400"/>
-          </a:xfrm>
-        </p:spPr>
-        <p:txBody>
-          <a:bodyPr rtlCol="0"/>
-          <a:lstStyle/>
-          <a:p>
-            <a:pPr rtl="0"/>
-            <a:r>
-              <a:rPr lang="fr-FR" spc="-50" dirty="0"/>
-              <a:t>Disposition de deux contenus avec graphique </a:t>
-            </a:r>
-            <a:r>
-              <a:rPr lang="fr-FR" spc="-50" dirty="0" err="1"/>
-              <a:t>SmartArt</a:t>
-            </a:r>
-            <a:endParaRPr lang="fr-FR" spc="-50" dirty="0"/>
-          </a:p>
-        </p:txBody>
-      </p:sp>
-      <p:sp>
-        <p:nvSpPr>
-          <p:cNvPr id="3" name="Espace réservé du contenu 2"/>
-          <p:cNvSpPr>
-            <a:spLocks noGrp="1"/>
-          </p:cNvSpPr>
-          <p:nvPr>
-            <p:ph sz="half" idx="1"/>
           </p:nvPr>
         </p:nvSpPr>
         <p:spPr/>
@@ -10054,57 +6696,82 @@
           <a:bodyPr rtlCol="0"/>
           <a:lstStyle/>
           <a:p>
+            <a:pPr marL="857250" indent="-857250" rtl="0">
+              <a:buFont typeface="+mj-lt"/>
+              <a:buAutoNum type="romanUcPeriod" startAt="2"/>
+            </a:pPr>
+            <a:r>
+              <a:rPr lang="fr-FR" dirty="0" smtClean="0"/>
+              <a:t>Pattern </a:t>
+            </a:r>
+            <a:r>
+              <a:rPr lang="fr-FR" dirty="0" err="1" smtClean="0"/>
+              <a:t>Visitor</a:t>
+            </a:r>
+            <a:endParaRPr lang="fr-FR" dirty="0"/>
+          </a:p>
+        </p:txBody>
+      </p:sp>
+      <p:sp>
+        <p:nvSpPr>
+          <p:cNvPr id="6" name="Espace réservé du contenu 5"/>
+          <p:cNvSpPr>
+            <a:spLocks noGrp="1"/>
+          </p:cNvSpPr>
+          <p:nvPr>
+            <p:ph idx="1"/>
+          </p:nvPr>
+        </p:nvSpPr>
+        <p:spPr/>
+        <p:txBody>
+          <a:bodyPr rtlCol="0"/>
+          <a:lstStyle/>
+          <a:p>
+            <a:pPr marL="0" indent="0" rtl="0">
+              <a:buNone/>
+            </a:pPr>
+            <a:endParaRPr lang="fr-FR" dirty="0"/>
+          </a:p>
+          <a:p>
             <a:pPr rtl="0"/>
-            <a:r>
-              <a:rPr lang="fr-FR" dirty="0"/>
-              <a:t>Premier point ici</a:t>
-            </a:r>
-          </a:p>
-          <a:p>
-            <a:pPr rtl="0"/>
-            <a:r>
-              <a:rPr lang="fr-FR" dirty="0"/>
-              <a:t>Deuxième point ici</a:t>
-            </a:r>
-          </a:p>
-          <a:p>
-            <a:pPr rtl="0"/>
-            <a:r>
-              <a:rPr lang="fr-FR" dirty="0"/>
-              <a:t>Troisième point ici</a:t>
-            </a:r>
+            <a:endParaRPr lang="fr-FR" dirty="0"/>
           </a:p>
         </p:txBody>
       </p:sp>
-      <p:graphicFrame>
-        <p:nvGraphicFramePr>
-          <p:cNvPr id="5" name="Espace réservé du contenu 4" descr="Un cycle radial montre la relation entre 3 tâches et un groupe"/>
-          <p:cNvGraphicFramePr>
-            <a:graphicFrameLocks noGrp="1"/>
-          </p:cNvGraphicFramePr>
-          <p:nvPr>
-            <p:ph sz="half" idx="2"/>
-            <p:extLst>
-              <p:ext uri="{D42A27DB-BD31-4B8C-83A1-F6EECF244321}">
-                <p14:modId xmlns:p14="http://schemas.microsoft.com/office/powerpoint/2010/main" val="2870628993"/>
-              </p:ext>
-            </p:extLst>
-          </p:nvPr>
-        </p:nvGraphicFramePr>
-        <p:xfrm>
-          <a:off x="6094413" y="1600200"/>
-          <a:ext cx="4875212" cy="4572000"/>
-        </p:xfrm>
-        <a:graphic>
-          <a:graphicData uri="http://schemas.openxmlformats.org/drawingml/2006/diagram">
-            <dgm:relIds xmlns:dgm="http://schemas.openxmlformats.org/drawingml/2006/diagram" xmlns:r="http://schemas.openxmlformats.org/officeDocument/2006/relationships" r:dm="rId3" r:lo="rId4" r:qs="rId5" r:cs="rId6"/>
-          </a:graphicData>
-        </a:graphic>
-      </p:graphicFrame>
+      <p:pic>
+        <p:nvPicPr>
+          <p:cNvPr id="2" name="Image 1"/>
+          <p:cNvPicPr>
+            <a:picLocks noChangeAspect="1"/>
+          </p:cNvPicPr>
+          <p:nvPr/>
+        </p:nvPicPr>
+        <p:blipFill>
+          <a:blip r:embed="rId3">
+            <a:extLst>
+              <a:ext uri="{28A0092B-C50C-407E-A947-70E740481C1C}">
+                <a14:useLocalDpi xmlns:a14="http://schemas.microsoft.com/office/drawing/2010/main" val="0"/>
+              </a:ext>
+            </a:extLst>
+          </a:blip>
+          <a:stretch>
+            <a:fillRect/>
+          </a:stretch>
+        </p:blipFill>
+        <p:spPr>
+          <a:xfrm>
+            <a:off x="3656013" y="990600"/>
+            <a:ext cx="4876800" cy="4876800"/>
+          </a:xfrm>
+          <a:prstGeom prst="rect">
+            <a:avLst/>
+          </a:prstGeom>
+        </p:spPr>
+      </p:pic>
     </p:spTree>
     <p:extLst>
       <p:ext uri="{BB962C8B-B14F-4D97-AF65-F5344CB8AC3E}">
-        <p14:creationId xmlns:p14="http://schemas.microsoft.com/office/powerpoint/2010/main" val="2490618232"/>
+        <p14:creationId xmlns:p14="http://schemas.microsoft.com/office/powerpoint/2010/main" val="2499577758"/>
       </p:ext>
     </p:extLst>
   </p:cSld>
@@ -10150,9 +6817,39 @@
           <a:chExt cx="0" cy="0"/>
         </a:xfrm>
       </p:grpSpPr>
-      <p:sp>
-        <p:nvSpPr>
-          <p:cNvPr id="2" name="Titre 1"/>
+      <p:pic>
+        <p:nvPicPr>
+          <p:cNvPr id="15" name="Image 14"/>
+          <p:cNvPicPr>
+            <a:picLocks noChangeAspect="1"/>
+          </p:cNvPicPr>
+          <p:nvPr/>
+        </p:nvPicPr>
+        <p:blipFill>
+          <a:blip r:embed="rId3">
+            <a:extLst>
+              <a:ext uri="{28A0092B-C50C-407E-A947-70E740481C1C}">
+                <a14:useLocalDpi xmlns:a14="http://schemas.microsoft.com/office/drawing/2010/main" val="0"/>
+              </a:ext>
+            </a:extLst>
+          </a:blip>
+          <a:stretch>
+            <a:fillRect/>
+          </a:stretch>
+        </p:blipFill>
+        <p:spPr>
+          <a:xfrm>
+            <a:off x="4597400" y="0"/>
+            <a:ext cx="7591425" cy="4333875"/>
+          </a:xfrm>
+          <a:prstGeom prst="rect">
+            <a:avLst/>
+          </a:prstGeom>
+        </p:spPr>
+      </p:pic>
+      <p:sp>
+        <p:nvSpPr>
+          <p:cNvPr id="5" name="Titre 4"/>
           <p:cNvSpPr>
             <a:spLocks noGrp="1"/>
           </p:cNvSpPr>
@@ -10167,20 +6864,21 @@
           <a:p>
             <a:pPr rtl="0"/>
             <a:r>
-              <a:rPr lang="fr-FR" dirty="0"/>
-              <a:t>Ajouter un titre de diapositive - 1</a:t>
-            </a:r>
+              <a:rPr lang="fr-FR" dirty="0" smtClean="0"/>
+              <a:t>Problème</a:t>
+            </a:r>
+            <a:endParaRPr lang="fr-FR" dirty="0"/>
           </a:p>
         </p:txBody>
       </p:sp>
       <p:sp>
         <p:nvSpPr>
-          <p:cNvPr id="3" name="Espace réservé du texte 2"/>
+          <p:cNvPr id="6" name="Espace réservé du contenu 5"/>
           <p:cNvSpPr>
             <a:spLocks noGrp="1"/>
           </p:cNvSpPr>
           <p:nvPr>
-            <p:ph type="body" idx="1"/>
+            <p:ph idx="1"/>
           </p:nvPr>
         </p:nvSpPr>
         <p:spPr/>
@@ -10191,12 +6889,1487 @@
             <a:pPr rtl="0"/>
             <a:endParaRPr lang="fr-FR" dirty="0"/>
           </a:p>
+          <a:p>
+            <a:pPr rtl="0"/>
+            <a:endParaRPr lang="fr-FR" dirty="0"/>
+          </a:p>
+        </p:txBody>
+      </p:sp>
+      <p:sp>
+        <p:nvSpPr>
+          <p:cNvPr id="12" name="Rectangle 1"/>
+          <p:cNvSpPr>
+            <a:spLocks noChangeArrowheads="1"/>
+          </p:cNvSpPr>
+          <p:nvPr/>
+        </p:nvSpPr>
+        <p:spPr bwMode="auto">
+          <a:xfrm>
+            <a:off x="468311" y="3613666"/>
+            <a:ext cx="11493501" cy="2492990"/>
+          </a:xfrm>
+          <a:prstGeom prst="rect">
+            <a:avLst/>
+          </a:prstGeom>
+          <a:solidFill>
+            <a:srgbClr val="2B2B2B"/>
+          </a:solidFill>
+          <a:ln>
+            <a:noFill/>
+          </a:ln>
+          <a:effectLst/>
+          <a:extLst>
+            <a:ext uri="{91240B29-F687-4F45-9708-019B960494DF}">
+              <a14:hiddenLine xmlns:a14="http://schemas.microsoft.com/office/drawing/2010/main" w="9525">
+                <a:solidFill>
+                  <a:schemeClr val="tx1"/>
+                </a:solidFill>
+                <a:miter lim="800000"/>
+                <a:headEnd/>
+                <a:tailEnd/>
+              </a14:hiddenLine>
+            </a:ext>
+            <a:ext uri="{AF507438-7753-43E0-B8FC-AC1667EBCBE1}">
+              <a14:hiddenEffects xmlns:a14="http://schemas.microsoft.com/office/drawing/2010/main">
+                <a:effectLst>
+                  <a:outerShdw dist="35921" dir="2700000" algn="ctr" rotWithShape="0">
+                    <a:schemeClr val="bg2"/>
+                  </a:outerShdw>
+                </a:effectLst>
+              </a14:hiddenEffects>
+            </a:ext>
+          </a:extLst>
+        </p:spPr>
+        <p:txBody>
+          <a:bodyPr vert="horz" wrap="square" lIns="91440" tIns="45720" rIns="91440" bIns="45720" numCol="1" anchor="ctr" anchorCtr="0" compatLnSpc="1">
+            <a:prstTxWarp prst="textNoShape">
+              <a:avLst/>
+            </a:prstTxWarp>
+            <a:spAutoFit/>
+          </a:bodyPr>
+          <a:lstStyle/>
+          <a:p>
+            <a:pPr marL="0" marR="0" lvl="0" indent="0" algn="l" defTabSz="914400" rtl="0" eaLnBrk="0" fontAlgn="base" latinLnBrk="0" hangingPunct="0">
+              <a:lnSpc>
+                <a:spcPct val="100000"/>
+              </a:lnSpc>
+              <a:spcBef>
+                <a:spcPct val="0"/>
+              </a:spcBef>
+              <a:spcAft>
+                <a:spcPct val="0"/>
+              </a:spcAft>
+              <a:buClrTx/>
+              <a:buSzTx/>
+              <a:buFontTx/>
+              <a:buNone/>
+              <a:tabLst/>
+            </a:pPr>
+            <a:r>
+              <a:rPr kumimoji="0" lang="fr-FR" altLang="fr-FR" sz="1200" b="0" i="0" u="none" strike="noStrike" cap="none" normalizeH="0" baseline="0" dirty="0" smtClean="0">
+                <a:ln>
+                  <a:noFill/>
+                </a:ln>
+                <a:solidFill>
+                  <a:srgbClr val="CC7832"/>
+                </a:solidFill>
+                <a:effectLst/>
+                <a:latin typeface="Courier New" panose="02070309020205020404" pitchFamily="49" charset="0"/>
+                <a:cs typeface="Courier New" panose="02070309020205020404" pitchFamily="49" charset="0"/>
+              </a:rPr>
+              <a:t>public class </a:t>
+            </a:r>
+            <a:r>
+              <a:rPr kumimoji="0" lang="fr-FR" altLang="fr-FR" sz="1200" b="0" i="0" u="none" strike="noStrike" cap="none" normalizeH="0" baseline="0" dirty="0" smtClean="0">
+                <a:ln>
+                  <a:noFill/>
+                </a:ln>
+                <a:solidFill>
+                  <a:srgbClr val="A9B7C6"/>
+                </a:solidFill>
+                <a:effectLst/>
+                <a:latin typeface="Courier New" panose="02070309020205020404" pitchFamily="49" charset="0"/>
+                <a:cs typeface="Courier New" panose="02070309020205020404" pitchFamily="49" charset="0"/>
+              </a:rPr>
+              <a:t>Printer {</a:t>
+            </a:r>
+            <a:br>
+              <a:rPr kumimoji="0" lang="fr-FR" altLang="fr-FR" sz="1200" b="0" i="0" u="none" strike="noStrike" cap="none" normalizeH="0" baseline="0" dirty="0" smtClean="0">
+                <a:ln>
+                  <a:noFill/>
+                </a:ln>
+                <a:solidFill>
+                  <a:srgbClr val="A9B7C6"/>
+                </a:solidFill>
+                <a:effectLst/>
+                <a:latin typeface="Courier New" panose="02070309020205020404" pitchFamily="49" charset="0"/>
+                <a:cs typeface="Courier New" panose="02070309020205020404" pitchFamily="49" charset="0"/>
+              </a:rPr>
+            </a:br>
+            <a:r>
+              <a:rPr kumimoji="0" lang="fr-FR" altLang="fr-FR" sz="1200" b="0" i="0" u="none" strike="noStrike" cap="none" normalizeH="0" baseline="0" dirty="0" smtClean="0">
+                <a:ln>
+                  <a:noFill/>
+                </a:ln>
+                <a:solidFill>
+                  <a:srgbClr val="A9B7C6"/>
+                </a:solidFill>
+                <a:effectLst/>
+                <a:latin typeface="Courier New" panose="02070309020205020404" pitchFamily="49" charset="0"/>
+                <a:cs typeface="Courier New" panose="02070309020205020404" pitchFamily="49" charset="0"/>
+              </a:rPr>
+              <a:t>    </a:t>
+            </a:r>
+            <a:r>
+              <a:rPr kumimoji="0" lang="fr-FR" altLang="fr-FR" sz="1200" b="0" i="0" u="none" strike="noStrike" cap="none" normalizeH="0" baseline="0" dirty="0" smtClean="0">
+                <a:ln>
+                  <a:noFill/>
+                </a:ln>
+                <a:solidFill>
+                  <a:srgbClr val="CC7832"/>
+                </a:solidFill>
+                <a:effectLst/>
+                <a:latin typeface="Courier New" panose="02070309020205020404" pitchFamily="49" charset="0"/>
+                <a:cs typeface="Courier New" panose="02070309020205020404" pitchFamily="49" charset="0"/>
+              </a:rPr>
+              <a:t>public </a:t>
+            </a:r>
+            <a:r>
+              <a:rPr kumimoji="0" lang="fr-FR" altLang="fr-FR" sz="1200" b="0" i="0" u="none" strike="noStrike" cap="none" normalizeH="0" baseline="0" dirty="0" err="1" smtClean="0">
+                <a:ln>
+                  <a:noFill/>
+                </a:ln>
+                <a:solidFill>
+                  <a:srgbClr val="CC7832"/>
+                </a:solidFill>
+                <a:effectLst/>
+                <a:latin typeface="Courier New" panose="02070309020205020404" pitchFamily="49" charset="0"/>
+                <a:cs typeface="Courier New" panose="02070309020205020404" pitchFamily="49" charset="0"/>
+              </a:rPr>
+              <a:t>void</a:t>
+            </a:r>
+            <a:r>
+              <a:rPr kumimoji="0" lang="fr-FR" altLang="fr-FR" sz="1200" b="0" i="0" u="none" strike="noStrike" cap="none" normalizeH="0" baseline="0" dirty="0" smtClean="0">
+                <a:ln>
+                  <a:noFill/>
+                </a:ln>
+                <a:solidFill>
+                  <a:srgbClr val="CC7832"/>
+                </a:solidFill>
+                <a:effectLst/>
+                <a:latin typeface="Courier New" panose="02070309020205020404" pitchFamily="49" charset="0"/>
+                <a:cs typeface="Courier New" panose="02070309020205020404" pitchFamily="49" charset="0"/>
+              </a:rPr>
+              <a:t> </a:t>
+            </a:r>
+            <a:r>
+              <a:rPr kumimoji="0" lang="fr-FR" altLang="fr-FR" sz="1200" b="0" i="0" u="none" strike="noStrike" cap="none" normalizeH="0" baseline="0" dirty="0" err="1" smtClean="0">
+                <a:ln>
+                  <a:noFill/>
+                </a:ln>
+                <a:solidFill>
+                  <a:srgbClr val="FFC66D"/>
+                </a:solidFill>
+                <a:effectLst/>
+                <a:latin typeface="Courier New" panose="02070309020205020404" pitchFamily="49" charset="0"/>
+                <a:cs typeface="Courier New" panose="02070309020205020404" pitchFamily="49" charset="0"/>
+              </a:rPr>
+              <a:t>print</a:t>
+            </a:r>
+            <a:r>
+              <a:rPr kumimoji="0" lang="fr-FR" altLang="fr-FR" sz="1200" b="0" i="0" u="none" strike="noStrike" cap="none" normalizeH="0" baseline="0" dirty="0" smtClean="0">
+                <a:ln>
+                  <a:noFill/>
+                </a:ln>
+                <a:solidFill>
+                  <a:srgbClr val="A9B7C6"/>
+                </a:solidFill>
+                <a:effectLst/>
+                <a:latin typeface="Courier New" panose="02070309020205020404" pitchFamily="49" charset="0"/>
+                <a:cs typeface="Courier New" panose="02070309020205020404" pitchFamily="49" charset="0"/>
+              </a:rPr>
+              <a:t>(File </a:t>
+            </a:r>
+            <a:r>
+              <a:rPr kumimoji="0" lang="fr-FR" altLang="fr-FR" sz="1200" b="0" i="0" u="none" strike="noStrike" cap="none" normalizeH="0" baseline="0" dirty="0" err="1" smtClean="0">
+                <a:ln>
+                  <a:noFill/>
+                </a:ln>
+                <a:solidFill>
+                  <a:srgbClr val="A9B7C6"/>
+                </a:solidFill>
+                <a:effectLst/>
+                <a:latin typeface="Courier New" panose="02070309020205020404" pitchFamily="49" charset="0"/>
+                <a:cs typeface="Courier New" panose="02070309020205020404" pitchFamily="49" charset="0"/>
+              </a:rPr>
+              <a:t>file</a:t>
+            </a:r>
+            <a:r>
+              <a:rPr kumimoji="0" lang="fr-FR" altLang="fr-FR" sz="1200" b="0" i="0" u="none" strike="noStrike" cap="none" normalizeH="0" baseline="0" dirty="0" smtClean="0">
+                <a:ln>
+                  <a:noFill/>
+                </a:ln>
+                <a:solidFill>
+                  <a:srgbClr val="A9B7C6"/>
+                </a:solidFill>
+                <a:effectLst/>
+                <a:latin typeface="Courier New" panose="02070309020205020404" pitchFamily="49" charset="0"/>
+                <a:cs typeface="Courier New" panose="02070309020205020404" pitchFamily="49" charset="0"/>
+              </a:rPr>
+              <a:t>) {</a:t>
+            </a:r>
+            <a:br>
+              <a:rPr kumimoji="0" lang="fr-FR" altLang="fr-FR" sz="1200" b="0" i="0" u="none" strike="noStrike" cap="none" normalizeH="0" baseline="0" dirty="0" smtClean="0">
+                <a:ln>
+                  <a:noFill/>
+                </a:ln>
+                <a:solidFill>
+                  <a:srgbClr val="A9B7C6"/>
+                </a:solidFill>
+                <a:effectLst/>
+                <a:latin typeface="Courier New" panose="02070309020205020404" pitchFamily="49" charset="0"/>
+                <a:cs typeface="Courier New" panose="02070309020205020404" pitchFamily="49" charset="0"/>
+              </a:rPr>
+            </a:br>
+            <a:r>
+              <a:rPr kumimoji="0" lang="fr-FR" altLang="fr-FR" sz="1200" b="0" i="0" u="none" strike="noStrike" cap="none" normalizeH="0" baseline="0" dirty="0" smtClean="0">
+                <a:ln>
+                  <a:noFill/>
+                </a:ln>
+                <a:solidFill>
+                  <a:srgbClr val="A9B7C6"/>
+                </a:solidFill>
+                <a:effectLst/>
+                <a:latin typeface="Courier New" panose="02070309020205020404" pitchFamily="49" charset="0"/>
+                <a:cs typeface="Courier New" panose="02070309020205020404" pitchFamily="49" charset="0"/>
+              </a:rPr>
+              <a:t>        </a:t>
+            </a:r>
+            <a:r>
+              <a:rPr kumimoji="0" lang="fr-FR" altLang="fr-FR" sz="1200" b="0" i="0" u="none" strike="noStrike" cap="none" normalizeH="0" baseline="0" dirty="0" err="1" smtClean="0">
+                <a:ln>
+                  <a:noFill/>
+                </a:ln>
+                <a:solidFill>
+                  <a:srgbClr val="A9B7C6"/>
+                </a:solidFill>
+                <a:effectLst/>
+                <a:latin typeface="Courier New" panose="02070309020205020404" pitchFamily="49" charset="0"/>
+                <a:cs typeface="Courier New" panose="02070309020205020404" pitchFamily="49" charset="0"/>
+              </a:rPr>
+              <a:t>System.</a:t>
+            </a:r>
+            <a:r>
+              <a:rPr kumimoji="0" lang="fr-FR" altLang="fr-FR" sz="1200" b="0" i="1" u="none" strike="noStrike" cap="none" normalizeH="0" baseline="0" dirty="0" err="1" smtClean="0">
+                <a:ln>
+                  <a:noFill/>
+                </a:ln>
+                <a:solidFill>
+                  <a:srgbClr val="9876AA"/>
+                </a:solidFill>
+                <a:effectLst/>
+                <a:latin typeface="Courier New" panose="02070309020205020404" pitchFamily="49" charset="0"/>
+                <a:cs typeface="Courier New" panose="02070309020205020404" pitchFamily="49" charset="0"/>
+              </a:rPr>
+              <a:t>out</a:t>
+            </a:r>
+            <a:r>
+              <a:rPr kumimoji="0" lang="fr-FR" altLang="fr-FR" sz="1200" b="0" i="0" u="none" strike="noStrike" cap="none" normalizeH="0" baseline="0" dirty="0" err="1" smtClean="0">
+                <a:ln>
+                  <a:noFill/>
+                </a:ln>
+                <a:solidFill>
+                  <a:srgbClr val="A9B7C6"/>
+                </a:solidFill>
+                <a:effectLst/>
+                <a:latin typeface="Courier New" panose="02070309020205020404" pitchFamily="49" charset="0"/>
+                <a:cs typeface="Courier New" panose="02070309020205020404" pitchFamily="49" charset="0"/>
+              </a:rPr>
+              <a:t>.printf</a:t>
+            </a:r>
+            <a:r>
+              <a:rPr kumimoji="0" lang="fr-FR" altLang="fr-FR" sz="1200" b="0" i="0" u="none" strike="noStrike" cap="none" normalizeH="0" baseline="0" dirty="0" smtClean="0">
+                <a:ln>
+                  <a:noFill/>
+                </a:ln>
+                <a:solidFill>
+                  <a:srgbClr val="A9B7C6"/>
+                </a:solidFill>
+                <a:effectLst/>
+                <a:latin typeface="Courier New" panose="02070309020205020404" pitchFamily="49" charset="0"/>
+                <a:cs typeface="Courier New" panose="02070309020205020404" pitchFamily="49" charset="0"/>
+              </a:rPr>
+              <a:t>(</a:t>
+            </a:r>
+            <a:r>
+              <a:rPr kumimoji="0" lang="fr-FR" altLang="fr-FR" sz="1200" b="0" i="0" u="none" strike="noStrike" cap="none" normalizeH="0" baseline="0" dirty="0" smtClean="0">
+                <a:ln>
+                  <a:noFill/>
+                </a:ln>
+                <a:solidFill>
+                  <a:srgbClr val="6A8759"/>
+                </a:solidFill>
+                <a:effectLst/>
+                <a:latin typeface="Courier New" panose="02070309020205020404" pitchFamily="49" charset="0"/>
+                <a:cs typeface="Courier New" panose="02070309020205020404" pitchFamily="49" charset="0"/>
+              </a:rPr>
+              <a:t>"File: %S</a:t>
+            </a:r>
+            <a:r>
+              <a:rPr kumimoji="0" lang="fr-FR" altLang="fr-FR" sz="1200" b="0" i="0" u="none" strike="noStrike" cap="none" normalizeH="0" baseline="0" dirty="0" smtClean="0">
+                <a:ln>
+                  <a:noFill/>
+                </a:ln>
+                <a:solidFill>
+                  <a:srgbClr val="CC7832"/>
+                </a:solidFill>
+                <a:effectLst/>
+                <a:latin typeface="Courier New" panose="02070309020205020404" pitchFamily="49" charset="0"/>
+                <a:cs typeface="Courier New" panose="02070309020205020404" pitchFamily="49" charset="0"/>
+              </a:rPr>
+              <a:t>\n</a:t>
+            </a:r>
+            <a:r>
+              <a:rPr kumimoji="0" lang="fr-FR" altLang="fr-FR" sz="1200" b="0" i="0" u="none" strike="noStrike" cap="none" normalizeH="0" baseline="0" dirty="0" smtClean="0">
+                <a:ln>
+                  <a:noFill/>
+                </a:ln>
+                <a:solidFill>
+                  <a:srgbClr val="6A8759"/>
+                </a:solidFill>
+                <a:effectLst/>
+                <a:latin typeface="Courier New" panose="02070309020205020404" pitchFamily="49" charset="0"/>
+                <a:cs typeface="Courier New" panose="02070309020205020404" pitchFamily="49" charset="0"/>
+              </a:rPr>
+              <a:t>"</a:t>
+            </a:r>
+            <a:r>
+              <a:rPr kumimoji="0" lang="fr-FR" altLang="fr-FR" sz="1200" b="0" i="0" u="none" strike="noStrike" cap="none" normalizeH="0" baseline="0" dirty="0" smtClean="0">
+                <a:ln>
+                  <a:noFill/>
+                </a:ln>
+                <a:solidFill>
+                  <a:srgbClr val="CC7832"/>
+                </a:solidFill>
+                <a:effectLst/>
+                <a:latin typeface="Courier New" panose="02070309020205020404" pitchFamily="49" charset="0"/>
+                <a:cs typeface="Courier New" panose="02070309020205020404" pitchFamily="49" charset="0"/>
+              </a:rPr>
+              <a:t>, </a:t>
+            </a:r>
+            <a:r>
+              <a:rPr kumimoji="0" lang="fr-FR" altLang="fr-FR" sz="1200" b="0" i="0" u="none" strike="noStrike" cap="none" normalizeH="0" baseline="0" dirty="0" err="1" smtClean="0">
+                <a:ln>
+                  <a:noFill/>
+                </a:ln>
+                <a:solidFill>
+                  <a:srgbClr val="A9B7C6"/>
+                </a:solidFill>
+                <a:effectLst/>
+                <a:latin typeface="Courier New" panose="02070309020205020404" pitchFamily="49" charset="0"/>
+                <a:cs typeface="Courier New" panose="02070309020205020404" pitchFamily="49" charset="0"/>
+              </a:rPr>
+              <a:t>file.getName</a:t>
+            </a:r>
+            <a:r>
+              <a:rPr kumimoji="0" lang="fr-FR" altLang="fr-FR" sz="1200" b="0" i="0" u="none" strike="noStrike" cap="none" normalizeH="0" baseline="0" dirty="0" smtClean="0">
+                <a:ln>
+                  <a:noFill/>
+                </a:ln>
+                <a:solidFill>
+                  <a:srgbClr val="A9B7C6"/>
+                </a:solidFill>
+                <a:effectLst/>
+                <a:latin typeface="Courier New" panose="02070309020205020404" pitchFamily="49" charset="0"/>
+                <a:cs typeface="Courier New" panose="02070309020205020404" pitchFamily="49" charset="0"/>
+              </a:rPr>
+              <a:t>())</a:t>
+            </a:r>
+            <a:r>
+              <a:rPr kumimoji="0" lang="fr-FR" altLang="fr-FR" sz="1200" b="0" i="0" u="none" strike="noStrike" cap="none" normalizeH="0" baseline="0" dirty="0" smtClean="0">
+                <a:ln>
+                  <a:noFill/>
+                </a:ln>
+                <a:solidFill>
+                  <a:srgbClr val="CC7832"/>
+                </a:solidFill>
+                <a:effectLst/>
+                <a:latin typeface="Courier New" panose="02070309020205020404" pitchFamily="49" charset="0"/>
+                <a:cs typeface="Courier New" panose="02070309020205020404" pitchFamily="49" charset="0"/>
+              </a:rPr>
+              <a:t>;</a:t>
+            </a:r>
+            <a:br>
+              <a:rPr kumimoji="0" lang="fr-FR" altLang="fr-FR" sz="1200" b="0" i="0" u="none" strike="noStrike" cap="none" normalizeH="0" baseline="0" dirty="0" smtClean="0">
+                <a:ln>
+                  <a:noFill/>
+                </a:ln>
+                <a:solidFill>
+                  <a:srgbClr val="CC7832"/>
+                </a:solidFill>
+                <a:effectLst/>
+                <a:latin typeface="Courier New" panose="02070309020205020404" pitchFamily="49" charset="0"/>
+                <a:cs typeface="Courier New" panose="02070309020205020404" pitchFamily="49" charset="0"/>
+              </a:rPr>
+            </a:br>
+            <a:r>
+              <a:rPr kumimoji="0" lang="fr-FR" altLang="fr-FR" sz="1200" b="0" i="0" u="none" strike="noStrike" cap="none" normalizeH="0" baseline="0" dirty="0" smtClean="0">
+                <a:ln>
+                  <a:noFill/>
+                </a:ln>
+                <a:solidFill>
+                  <a:srgbClr val="CC7832"/>
+                </a:solidFill>
+                <a:effectLst/>
+                <a:latin typeface="Courier New" panose="02070309020205020404" pitchFamily="49" charset="0"/>
+                <a:cs typeface="Courier New" panose="02070309020205020404" pitchFamily="49" charset="0"/>
+              </a:rPr>
+              <a:t>    </a:t>
+            </a:r>
+            <a:r>
+              <a:rPr kumimoji="0" lang="fr-FR" altLang="fr-FR" sz="1200" b="0" i="0" u="none" strike="noStrike" cap="none" normalizeH="0" baseline="0" dirty="0" smtClean="0">
+                <a:ln>
+                  <a:noFill/>
+                </a:ln>
+                <a:solidFill>
+                  <a:srgbClr val="A9B7C6"/>
+                </a:solidFill>
+                <a:effectLst/>
+                <a:latin typeface="Courier New" panose="02070309020205020404" pitchFamily="49" charset="0"/>
+                <a:cs typeface="Courier New" panose="02070309020205020404" pitchFamily="49" charset="0"/>
+              </a:rPr>
+              <a:t>}</a:t>
+            </a:r>
+            <a:br>
+              <a:rPr kumimoji="0" lang="fr-FR" altLang="fr-FR" sz="1200" b="0" i="0" u="none" strike="noStrike" cap="none" normalizeH="0" baseline="0" dirty="0" smtClean="0">
+                <a:ln>
+                  <a:noFill/>
+                </a:ln>
+                <a:solidFill>
+                  <a:srgbClr val="A9B7C6"/>
+                </a:solidFill>
+                <a:effectLst/>
+                <a:latin typeface="Courier New" panose="02070309020205020404" pitchFamily="49" charset="0"/>
+                <a:cs typeface="Courier New" panose="02070309020205020404" pitchFamily="49" charset="0"/>
+              </a:rPr>
+            </a:br>
+            <a:r>
+              <a:rPr kumimoji="0" lang="fr-FR" altLang="fr-FR" sz="1200" b="0" i="0" u="none" strike="noStrike" cap="none" normalizeH="0" baseline="0" dirty="0" smtClean="0">
+                <a:ln>
+                  <a:noFill/>
+                </a:ln>
+                <a:solidFill>
+                  <a:srgbClr val="A9B7C6"/>
+                </a:solidFill>
+                <a:effectLst/>
+                <a:latin typeface="Courier New" panose="02070309020205020404" pitchFamily="49" charset="0"/>
+                <a:cs typeface="Courier New" panose="02070309020205020404" pitchFamily="49" charset="0"/>
+              </a:rPr>
+              <a:t/>
+            </a:r>
+            <a:br>
+              <a:rPr kumimoji="0" lang="fr-FR" altLang="fr-FR" sz="1200" b="0" i="0" u="none" strike="noStrike" cap="none" normalizeH="0" baseline="0" dirty="0" smtClean="0">
+                <a:ln>
+                  <a:noFill/>
+                </a:ln>
+                <a:solidFill>
+                  <a:srgbClr val="A9B7C6"/>
+                </a:solidFill>
+                <a:effectLst/>
+                <a:latin typeface="Courier New" panose="02070309020205020404" pitchFamily="49" charset="0"/>
+                <a:cs typeface="Courier New" panose="02070309020205020404" pitchFamily="49" charset="0"/>
+              </a:rPr>
+            </a:br>
+            <a:r>
+              <a:rPr kumimoji="0" lang="fr-FR" altLang="fr-FR" sz="1200" b="0" i="0" u="none" strike="noStrike" cap="none" normalizeH="0" baseline="0" dirty="0" smtClean="0">
+                <a:ln>
+                  <a:noFill/>
+                </a:ln>
+                <a:solidFill>
+                  <a:srgbClr val="A9B7C6"/>
+                </a:solidFill>
+                <a:effectLst/>
+                <a:latin typeface="Courier New" panose="02070309020205020404" pitchFamily="49" charset="0"/>
+                <a:cs typeface="Courier New" panose="02070309020205020404" pitchFamily="49" charset="0"/>
+              </a:rPr>
+              <a:t>    </a:t>
+            </a:r>
+            <a:r>
+              <a:rPr kumimoji="0" lang="fr-FR" altLang="fr-FR" sz="1200" b="0" i="0" u="none" strike="noStrike" cap="none" normalizeH="0" baseline="0" dirty="0" smtClean="0">
+                <a:ln>
+                  <a:noFill/>
+                </a:ln>
+                <a:solidFill>
+                  <a:srgbClr val="CC7832"/>
+                </a:solidFill>
+                <a:effectLst/>
+                <a:latin typeface="Courier New" panose="02070309020205020404" pitchFamily="49" charset="0"/>
+                <a:cs typeface="Courier New" panose="02070309020205020404" pitchFamily="49" charset="0"/>
+              </a:rPr>
+              <a:t>public </a:t>
+            </a:r>
+            <a:r>
+              <a:rPr kumimoji="0" lang="fr-FR" altLang="fr-FR" sz="1200" b="0" i="0" u="none" strike="noStrike" cap="none" normalizeH="0" baseline="0" dirty="0" err="1" smtClean="0">
+                <a:ln>
+                  <a:noFill/>
+                </a:ln>
+                <a:solidFill>
+                  <a:srgbClr val="CC7832"/>
+                </a:solidFill>
+                <a:effectLst/>
+                <a:latin typeface="Courier New" panose="02070309020205020404" pitchFamily="49" charset="0"/>
+                <a:cs typeface="Courier New" panose="02070309020205020404" pitchFamily="49" charset="0"/>
+              </a:rPr>
+              <a:t>void</a:t>
+            </a:r>
+            <a:r>
+              <a:rPr kumimoji="0" lang="fr-FR" altLang="fr-FR" sz="1200" b="0" i="0" u="none" strike="noStrike" cap="none" normalizeH="0" baseline="0" dirty="0" smtClean="0">
+                <a:ln>
+                  <a:noFill/>
+                </a:ln>
+                <a:solidFill>
+                  <a:srgbClr val="CC7832"/>
+                </a:solidFill>
+                <a:effectLst/>
+                <a:latin typeface="Courier New" panose="02070309020205020404" pitchFamily="49" charset="0"/>
+                <a:cs typeface="Courier New" panose="02070309020205020404" pitchFamily="49" charset="0"/>
+              </a:rPr>
+              <a:t> </a:t>
+            </a:r>
+            <a:r>
+              <a:rPr kumimoji="0" lang="fr-FR" altLang="fr-FR" sz="1200" b="0" i="0" u="none" strike="noStrike" cap="none" normalizeH="0" baseline="0" dirty="0" err="1" smtClean="0">
+                <a:ln>
+                  <a:noFill/>
+                </a:ln>
+                <a:solidFill>
+                  <a:srgbClr val="FFC66D"/>
+                </a:solidFill>
+                <a:effectLst/>
+                <a:latin typeface="Courier New" panose="02070309020205020404" pitchFamily="49" charset="0"/>
+                <a:cs typeface="Courier New" panose="02070309020205020404" pitchFamily="49" charset="0"/>
+              </a:rPr>
+              <a:t>print</a:t>
+            </a:r>
+            <a:r>
+              <a:rPr kumimoji="0" lang="fr-FR" altLang="fr-FR" sz="1200" b="0" i="0" u="none" strike="noStrike" cap="none" normalizeH="0" baseline="0" dirty="0" smtClean="0">
+                <a:ln>
+                  <a:noFill/>
+                </a:ln>
+                <a:solidFill>
+                  <a:srgbClr val="A9B7C6"/>
+                </a:solidFill>
+                <a:effectLst/>
+                <a:latin typeface="Courier New" panose="02070309020205020404" pitchFamily="49" charset="0"/>
+                <a:cs typeface="Courier New" panose="02070309020205020404" pitchFamily="49" charset="0"/>
+              </a:rPr>
+              <a:t>(</a:t>
+            </a:r>
+            <a:r>
+              <a:rPr kumimoji="0" lang="fr-FR" altLang="fr-FR" sz="1200" b="0" i="0" u="none" strike="noStrike" cap="none" normalizeH="0" baseline="0" dirty="0" err="1" smtClean="0">
+                <a:ln>
+                  <a:noFill/>
+                </a:ln>
+                <a:solidFill>
+                  <a:srgbClr val="A9B7C6"/>
+                </a:solidFill>
+                <a:effectLst/>
+                <a:latin typeface="Courier New" panose="02070309020205020404" pitchFamily="49" charset="0"/>
+                <a:cs typeface="Courier New" panose="02070309020205020404" pitchFamily="49" charset="0"/>
+              </a:rPr>
+              <a:t>SymLink</a:t>
+            </a:r>
+            <a:r>
+              <a:rPr kumimoji="0" lang="fr-FR" altLang="fr-FR" sz="1200" b="0" i="0" u="none" strike="noStrike" cap="none" normalizeH="0" baseline="0" dirty="0" smtClean="0">
+                <a:ln>
+                  <a:noFill/>
+                </a:ln>
+                <a:solidFill>
+                  <a:srgbClr val="A9B7C6"/>
+                </a:solidFill>
+                <a:effectLst/>
+                <a:latin typeface="Courier New" panose="02070309020205020404" pitchFamily="49" charset="0"/>
+                <a:cs typeface="Courier New" panose="02070309020205020404" pitchFamily="49" charset="0"/>
+              </a:rPr>
+              <a:t> </a:t>
+            </a:r>
+            <a:r>
+              <a:rPr kumimoji="0" lang="fr-FR" altLang="fr-FR" sz="1200" b="0" i="0" u="none" strike="noStrike" cap="none" normalizeH="0" baseline="0" dirty="0" err="1" smtClean="0">
+                <a:ln>
+                  <a:noFill/>
+                </a:ln>
+                <a:solidFill>
+                  <a:srgbClr val="A9B7C6"/>
+                </a:solidFill>
+                <a:effectLst/>
+                <a:latin typeface="Courier New" panose="02070309020205020404" pitchFamily="49" charset="0"/>
+                <a:cs typeface="Courier New" panose="02070309020205020404" pitchFamily="49" charset="0"/>
+              </a:rPr>
+              <a:t>symLink</a:t>
+            </a:r>
+            <a:r>
+              <a:rPr kumimoji="0" lang="fr-FR" altLang="fr-FR" sz="1200" b="0" i="0" u="none" strike="noStrike" cap="none" normalizeH="0" baseline="0" dirty="0" smtClean="0">
+                <a:ln>
+                  <a:noFill/>
+                </a:ln>
+                <a:solidFill>
+                  <a:srgbClr val="A9B7C6"/>
+                </a:solidFill>
+                <a:effectLst/>
+                <a:latin typeface="Courier New" panose="02070309020205020404" pitchFamily="49" charset="0"/>
+                <a:cs typeface="Courier New" panose="02070309020205020404" pitchFamily="49" charset="0"/>
+              </a:rPr>
+              <a:t>) {</a:t>
+            </a:r>
+            <a:br>
+              <a:rPr kumimoji="0" lang="fr-FR" altLang="fr-FR" sz="1200" b="0" i="0" u="none" strike="noStrike" cap="none" normalizeH="0" baseline="0" dirty="0" smtClean="0">
+                <a:ln>
+                  <a:noFill/>
+                </a:ln>
+                <a:solidFill>
+                  <a:srgbClr val="A9B7C6"/>
+                </a:solidFill>
+                <a:effectLst/>
+                <a:latin typeface="Courier New" panose="02070309020205020404" pitchFamily="49" charset="0"/>
+                <a:cs typeface="Courier New" panose="02070309020205020404" pitchFamily="49" charset="0"/>
+              </a:rPr>
+            </a:br>
+            <a:r>
+              <a:rPr kumimoji="0" lang="fr-FR" altLang="fr-FR" sz="1200" b="0" i="0" u="none" strike="noStrike" cap="none" normalizeH="0" baseline="0" dirty="0" smtClean="0">
+                <a:ln>
+                  <a:noFill/>
+                </a:ln>
+                <a:solidFill>
+                  <a:srgbClr val="A9B7C6"/>
+                </a:solidFill>
+                <a:effectLst/>
+                <a:latin typeface="Courier New" panose="02070309020205020404" pitchFamily="49" charset="0"/>
+                <a:cs typeface="Courier New" panose="02070309020205020404" pitchFamily="49" charset="0"/>
+              </a:rPr>
+              <a:t>        </a:t>
+            </a:r>
+            <a:r>
+              <a:rPr kumimoji="0" lang="fr-FR" altLang="fr-FR" sz="1200" b="0" i="0" u="none" strike="noStrike" cap="none" normalizeH="0" baseline="0" dirty="0" err="1" smtClean="0">
+                <a:ln>
+                  <a:noFill/>
+                </a:ln>
+                <a:solidFill>
+                  <a:srgbClr val="A9B7C6"/>
+                </a:solidFill>
+                <a:effectLst/>
+                <a:latin typeface="Courier New" panose="02070309020205020404" pitchFamily="49" charset="0"/>
+                <a:cs typeface="Courier New" panose="02070309020205020404" pitchFamily="49" charset="0"/>
+              </a:rPr>
+              <a:t>System.</a:t>
+            </a:r>
+            <a:r>
+              <a:rPr kumimoji="0" lang="fr-FR" altLang="fr-FR" sz="1200" b="0" i="1" u="none" strike="noStrike" cap="none" normalizeH="0" baseline="0" dirty="0" err="1" smtClean="0">
+                <a:ln>
+                  <a:noFill/>
+                </a:ln>
+                <a:solidFill>
+                  <a:srgbClr val="9876AA"/>
+                </a:solidFill>
+                <a:effectLst/>
+                <a:latin typeface="Courier New" panose="02070309020205020404" pitchFamily="49" charset="0"/>
+                <a:cs typeface="Courier New" panose="02070309020205020404" pitchFamily="49" charset="0"/>
+              </a:rPr>
+              <a:t>out</a:t>
+            </a:r>
+            <a:r>
+              <a:rPr kumimoji="0" lang="fr-FR" altLang="fr-FR" sz="1200" b="0" i="0" u="none" strike="noStrike" cap="none" normalizeH="0" baseline="0" dirty="0" err="1" smtClean="0">
+                <a:ln>
+                  <a:noFill/>
+                </a:ln>
+                <a:solidFill>
+                  <a:srgbClr val="A9B7C6"/>
+                </a:solidFill>
+                <a:effectLst/>
+                <a:latin typeface="Courier New" panose="02070309020205020404" pitchFamily="49" charset="0"/>
+                <a:cs typeface="Courier New" panose="02070309020205020404" pitchFamily="49" charset="0"/>
+              </a:rPr>
+              <a:t>.printf</a:t>
+            </a:r>
+            <a:r>
+              <a:rPr kumimoji="0" lang="fr-FR" altLang="fr-FR" sz="1200" b="0" i="0" u="none" strike="noStrike" cap="none" normalizeH="0" baseline="0" dirty="0" smtClean="0">
+                <a:ln>
+                  <a:noFill/>
+                </a:ln>
+                <a:solidFill>
+                  <a:srgbClr val="A9B7C6"/>
+                </a:solidFill>
+                <a:effectLst/>
+                <a:latin typeface="Courier New" panose="02070309020205020404" pitchFamily="49" charset="0"/>
+                <a:cs typeface="Courier New" panose="02070309020205020404" pitchFamily="49" charset="0"/>
+              </a:rPr>
+              <a:t>(</a:t>
+            </a:r>
+            <a:r>
+              <a:rPr kumimoji="0" lang="fr-FR" altLang="fr-FR" sz="1200" b="0" i="0" u="none" strike="noStrike" cap="none" normalizeH="0" baseline="0" dirty="0" smtClean="0">
+                <a:ln>
+                  <a:noFill/>
+                </a:ln>
+                <a:solidFill>
+                  <a:srgbClr val="6A8759"/>
+                </a:solidFill>
+                <a:effectLst/>
+                <a:latin typeface="Courier New" panose="02070309020205020404" pitchFamily="49" charset="0"/>
+                <a:cs typeface="Courier New" panose="02070309020205020404" pitchFamily="49" charset="0"/>
+              </a:rPr>
+              <a:t>"</a:t>
+            </a:r>
+            <a:r>
+              <a:rPr kumimoji="0" lang="fr-FR" altLang="fr-FR" sz="1200" b="0" i="0" u="none" strike="noStrike" cap="none" normalizeH="0" baseline="0" dirty="0" err="1" smtClean="0">
+                <a:ln>
+                  <a:noFill/>
+                </a:ln>
+                <a:solidFill>
+                  <a:srgbClr val="6A8759"/>
+                </a:solidFill>
+                <a:effectLst/>
+                <a:latin typeface="Courier New" panose="02070309020205020404" pitchFamily="49" charset="0"/>
+                <a:cs typeface="Courier New" panose="02070309020205020404" pitchFamily="49" charset="0"/>
+              </a:rPr>
+              <a:t>SymLink</a:t>
+            </a:r>
+            <a:r>
+              <a:rPr kumimoji="0" lang="fr-FR" altLang="fr-FR" sz="1200" b="0" i="0" u="none" strike="noStrike" cap="none" normalizeH="0" baseline="0" dirty="0" smtClean="0">
+                <a:ln>
+                  <a:noFill/>
+                </a:ln>
+                <a:solidFill>
+                  <a:srgbClr val="6A8759"/>
+                </a:solidFill>
+                <a:effectLst/>
+                <a:latin typeface="Courier New" panose="02070309020205020404" pitchFamily="49" charset="0"/>
+                <a:cs typeface="Courier New" panose="02070309020205020404" pitchFamily="49" charset="0"/>
+              </a:rPr>
+              <a:t>: %S --&gt; %s</a:t>
+            </a:r>
+            <a:r>
+              <a:rPr kumimoji="0" lang="fr-FR" altLang="fr-FR" sz="1200" b="0" i="0" u="none" strike="noStrike" cap="none" normalizeH="0" baseline="0" dirty="0" smtClean="0">
+                <a:ln>
+                  <a:noFill/>
+                </a:ln>
+                <a:solidFill>
+                  <a:srgbClr val="CC7832"/>
+                </a:solidFill>
+                <a:effectLst/>
+                <a:latin typeface="Courier New" panose="02070309020205020404" pitchFamily="49" charset="0"/>
+                <a:cs typeface="Courier New" panose="02070309020205020404" pitchFamily="49" charset="0"/>
+              </a:rPr>
+              <a:t>\n</a:t>
+            </a:r>
+            <a:r>
+              <a:rPr kumimoji="0" lang="fr-FR" altLang="fr-FR" sz="1200" b="0" i="0" u="none" strike="noStrike" cap="none" normalizeH="0" baseline="0" dirty="0" smtClean="0">
+                <a:ln>
+                  <a:noFill/>
+                </a:ln>
+                <a:solidFill>
+                  <a:srgbClr val="6A8759"/>
+                </a:solidFill>
+                <a:effectLst/>
+                <a:latin typeface="Courier New" panose="02070309020205020404" pitchFamily="49" charset="0"/>
+                <a:cs typeface="Courier New" panose="02070309020205020404" pitchFamily="49" charset="0"/>
+              </a:rPr>
+              <a:t>"</a:t>
+            </a:r>
+            <a:r>
+              <a:rPr kumimoji="0" lang="fr-FR" altLang="fr-FR" sz="1200" b="0" i="0" u="none" strike="noStrike" cap="none" normalizeH="0" baseline="0" dirty="0" smtClean="0">
+                <a:ln>
+                  <a:noFill/>
+                </a:ln>
+                <a:solidFill>
+                  <a:srgbClr val="CC7832"/>
+                </a:solidFill>
+                <a:effectLst/>
+                <a:latin typeface="Courier New" panose="02070309020205020404" pitchFamily="49" charset="0"/>
+                <a:cs typeface="Courier New" panose="02070309020205020404" pitchFamily="49" charset="0"/>
+              </a:rPr>
+              <a:t>, </a:t>
+            </a:r>
+            <a:r>
+              <a:rPr kumimoji="0" lang="fr-FR" altLang="fr-FR" sz="1200" b="0" i="0" u="none" strike="noStrike" cap="none" normalizeH="0" baseline="0" dirty="0" err="1" smtClean="0">
+                <a:ln>
+                  <a:noFill/>
+                </a:ln>
+                <a:solidFill>
+                  <a:srgbClr val="A9B7C6"/>
+                </a:solidFill>
+                <a:effectLst/>
+                <a:latin typeface="Courier New" panose="02070309020205020404" pitchFamily="49" charset="0"/>
+                <a:cs typeface="Courier New" panose="02070309020205020404" pitchFamily="49" charset="0"/>
+              </a:rPr>
+              <a:t>symLink.getName</a:t>
+            </a:r>
+            <a:r>
+              <a:rPr kumimoji="0" lang="fr-FR" altLang="fr-FR" sz="1200" b="0" i="0" u="none" strike="noStrike" cap="none" normalizeH="0" baseline="0" dirty="0" smtClean="0">
+                <a:ln>
+                  <a:noFill/>
+                </a:ln>
+                <a:solidFill>
+                  <a:srgbClr val="A9B7C6"/>
+                </a:solidFill>
+                <a:effectLst/>
+                <a:latin typeface="Courier New" panose="02070309020205020404" pitchFamily="49" charset="0"/>
+                <a:cs typeface="Courier New" panose="02070309020205020404" pitchFamily="49" charset="0"/>
+              </a:rPr>
+              <a:t>()</a:t>
+            </a:r>
+            <a:r>
+              <a:rPr kumimoji="0" lang="fr-FR" altLang="fr-FR" sz="1200" b="0" i="0" u="none" strike="noStrike" cap="none" normalizeH="0" baseline="0" dirty="0" smtClean="0">
+                <a:ln>
+                  <a:noFill/>
+                </a:ln>
+                <a:solidFill>
+                  <a:srgbClr val="CC7832"/>
+                </a:solidFill>
+                <a:effectLst/>
+                <a:latin typeface="Courier New" panose="02070309020205020404" pitchFamily="49" charset="0"/>
+                <a:cs typeface="Courier New" panose="02070309020205020404" pitchFamily="49" charset="0"/>
+              </a:rPr>
+              <a:t>, </a:t>
+            </a:r>
+            <a:r>
+              <a:rPr kumimoji="0" lang="fr-FR" altLang="fr-FR" sz="1200" b="0" i="0" u="none" strike="noStrike" cap="none" normalizeH="0" baseline="0" dirty="0" err="1" smtClean="0">
+                <a:ln>
+                  <a:noFill/>
+                </a:ln>
+                <a:solidFill>
+                  <a:srgbClr val="A9B7C6"/>
+                </a:solidFill>
+                <a:effectLst/>
+                <a:latin typeface="Courier New" panose="02070309020205020404" pitchFamily="49" charset="0"/>
+                <a:cs typeface="Courier New" panose="02070309020205020404" pitchFamily="49" charset="0"/>
+              </a:rPr>
+              <a:t>symLink.getPath</a:t>
+            </a:r>
+            <a:r>
+              <a:rPr kumimoji="0" lang="fr-FR" altLang="fr-FR" sz="1200" b="0" i="0" u="none" strike="noStrike" cap="none" normalizeH="0" baseline="0" dirty="0" smtClean="0">
+                <a:ln>
+                  <a:noFill/>
+                </a:ln>
+                <a:solidFill>
+                  <a:srgbClr val="A9B7C6"/>
+                </a:solidFill>
+                <a:effectLst/>
+                <a:latin typeface="Courier New" panose="02070309020205020404" pitchFamily="49" charset="0"/>
+                <a:cs typeface="Courier New" panose="02070309020205020404" pitchFamily="49" charset="0"/>
+              </a:rPr>
+              <a:t>())</a:t>
+            </a:r>
+            <a:r>
+              <a:rPr kumimoji="0" lang="fr-FR" altLang="fr-FR" sz="1200" b="0" i="0" u="none" strike="noStrike" cap="none" normalizeH="0" baseline="0" dirty="0" smtClean="0">
+                <a:ln>
+                  <a:noFill/>
+                </a:ln>
+                <a:solidFill>
+                  <a:srgbClr val="CC7832"/>
+                </a:solidFill>
+                <a:effectLst/>
+                <a:latin typeface="Courier New" panose="02070309020205020404" pitchFamily="49" charset="0"/>
+                <a:cs typeface="Courier New" panose="02070309020205020404" pitchFamily="49" charset="0"/>
+              </a:rPr>
+              <a:t>;</a:t>
+            </a:r>
+            <a:br>
+              <a:rPr kumimoji="0" lang="fr-FR" altLang="fr-FR" sz="1200" b="0" i="0" u="none" strike="noStrike" cap="none" normalizeH="0" baseline="0" dirty="0" smtClean="0">
+                <a:ln>
+                  <a:noFill/>
+                </a:ln>
+                <a:solidFill>
+                  <a:srgbClr val="CC7832"/>
+                </a:solidFill>
+                <a:effectLst/>
+                <a:latin typeface="Courier New" panose="02070309020205020404" pitchFamily="49" charset="0"/>
+                <a:cs typeface="Courier New" panose="02070309020205020404" pitchFamily="49" charset="0"/>
+              </a:rPr>
+            </a:br>
+            <a:r>
+              <a:rPr kumimoji="0" lang="fr-FR" altLang="fr-FR" sz="1200" b="0" i="0" u="none" strike="noStrike" cap="none" normalizeH="0" baseline="0" dirty="0" smtClean="0">
+                <a:ln>
+                  <a:noFill/>
+                </a:ln>
+                <a:solidFill>
+                  <a:srgbClr val="CC7832"/>
+                </a:solidFill>
+                <a:effectLst/>
+                <a:latin typeface="Courier New" panose="02070309020205020404" pitchFamily="49" charset="0"/>
+                <a:cs typeface="Courier New" panose="02070309020205020404" pitchFamily="49" charset="0"/>
+              </a:rPr>
+              <a:t>    </a:t>
+            </a:r>
+            <a:r>
+              <a:rPr kumimoji="0" lang="fr-FR" altLang="fr-FR" sz="1200" b="0" i="0" u="none" strike="noStrike" cap="none" normalizeH="0" baseline="0" dirty="0" smtClean="0">
+                <a:ln>
+                  <a:noFill/>
+                </a:ln>
+                <a:solidFill>
+                  <a:srgbClr val="A9B7C6"/>
+                </a:solidFill>
+                <a:effectLst/>
+                <a:latin typeface="Courier New" panose="02070309020205020404" pitchFamily="49" charset="0"/>
+                <a:cs typeface="Courier New" panose="02070309020205020404" pitchFamily="49" charset="0"/>
+              </a:rPr>
+              <a:t>}</a:t>
+            </a:r>
+            <a:br>
+              <a:rPr kumimoji="0" lang="fr-FR" altLang="fr-FR" sz="1200" b="0" i="0" u="none" strike="noStrike" cap="none" normalizeH="0" baseline="0" dirty="0" smtClean="0">
+                <a:ln>
+                  <a:noFill/>
+                </a:ln>
+                <a:solidFill>
+                  <a:srgbClr val="A9B7C6"/>
+                </a:solidFill>
+                <a:effectLst/>
+                <a:latin typeface="Courier New" panose="02070309020205020404" pitchFamily="49" charset="0"/>
+                <a:cs typeface="Courier New" panose="02070309020205020404" pitchFamily="49" charset="0"/>
+              </a:rPr>
+            </a:br>
+            <a:r>
+              <a:rPr kumimoji="0" lang="fr-FR" altLang="fr-FR" sz="1200" b="0" i="0" u="none" strike="noStrike" cap="none" normalizeH="0" baseline="0" dirty="0" smtClean="0">
+                <a:ln>
+                  <a:noFill/>
+                </a:ln>
+                <a:solidFill>
+                  <a:srgbClr val="A9B7C6"/>
+                </a:solidFill>
+                <a:effectLst/>
+                <a:latin typeface="Courier New" panose="02070309020205020404" pitchFamily="49" charset="0"/>
+                <a:cs typeface="Courier New" panose="02070309020205020404" pitchFamily="49" charset="0"/>
+              </a:rPr>
+              <a:t/>
+            </a:r>
+            <a:br>
+              <a:rPr kumimoji="0" lang="fr-FR" altLang="fr-FR" sz="1200" b="0" i="0" u="none" strike="noStrike" cap="none" normalizeH="0" baseline="0" dirty="0" smtClean="0">
+                <a:ln>
+                  <a:noFill/>
+                </a:ln>
+                <a:solidFill>
+                  <a:srgbClr val="A9B7C6"/>
+                </a:solidFill>
+                <a:effectLst/>
+                <a:latin typeface="Courier New" panose="02070309020205020404" pitchFamily="49" charset="0"/>
+                <a:cs typeface="Courier New" panose="02070309020205020404" pitchFamily="49" charset="0"/>
+              </a:rPr>
+            </a:br>
+            <a:r>
+              <a:rPr kumimoji="0" lang="fr-FR" altLang="fr-FR" sz="1200" b="0" i="0" u="none" strike="noStrike" cap="none" normalizeH="0" baseline="0" dirty="0" smtClean="0">
+                <a:ln>
+                  <a:noFill/>
+                </a:ln>
+                <a:solidFill>
+                  <a:srgbClr val="A9B7C6"/>
+                </a:solidFill>
+                <a:effectLst/>
+                <a:latin typeface="Courier New" panose="02070309020205020404" pitchFamily="49" charset="0"/>
+                <a:cs typeface="Courier New" panose="02070309020205020404" pitchFamily="49" charset="0"/>
+              </a:rPr>
+              <a:t>    </a:t>
+            </a:r>
+            <a:r>
+              <a:rPr kumimoji="0" lang="fr-FR" altLang="fr-FR" sz="1200" b="0" i="0" u="none" strike="noStrike" cap="none" normalizeH="0" baseline="0" dirty="0" smtClean="0">
+                <a:ln>
+                  <a:noFill/>
+                </a:ln>
+                <a:solidFill>
+                  <a:srgbClr val="CC7832"/>
+                </a:solidFill>
+                <a:effectLst/>
+                <a:latin typeface="Courier New" panose="02070309020205020404" pitchFamily="49" charset="0"/>
+                <a:cs typeface="Courier New" panose="02070309020205020404" pitchFamily="49" charset="0"/>
+              </a:rPr>
+              <a:t>public </a:t>
+            </a:r>
+            <a:r>
+              <a:rPr kumimoji="0" lang="fr-FR" altLang="fr-FR" sz="1200" b="0" i="0" u="none" strike="noStrike" cap="none" normalizeH="0" baseline="0" dirty="0" err="1" smtClean="0">
+                <a:ln>
+                  <a:noFill/>
+                </a:ln>
+                <a:solidFill>
+                  <a:srgbClr val="CC7832"/>
+                </a:solidFill>
+                <a:effectLst/>
+                <a:latin typeface="Courier New" panose="02070309020205020404" pitchFamily="49" charset="0"/>
+                <a:cs typeface="Courier New" panose="02070309020205020404" pitchFamily="49" charset="0"/>
+              </a:rPr>
+              <a:t>void</a:t>
+            </a:r>
+            <a:r>
+              <a:rPr kumimoji="0" lang="fr-FR" altLang="fr-FR" sz="1200" b="0" i="0" u="none" strike="noStrike" cap="none" normalizeH="0" baseline="0" dirty="0" smtClean="0">
+                <a:ln>
+                  <a:noFill/>
+                </a:ln>
+                <a:solidFill>
+                  <a:srgbClr val="CC7832"/>
+                </a:solidFill>
+                <a:effectLst/>
+                <a:latin typeface="Courier New" panose="02070309020205020404" pitchFamily="49" charset="0"/>
+                <a:cs typeface="Courier New" panose="02070309020205020404" pitchFamily="49" charset="0"/>
+              </a:rPr>
+              <a:t> </a:t>
+            </a:r>
+            <a:r>
+              <a:rPr kumimoji="0" lang="fr-FR" altLang="fr-FR" sz="1200" b="0" i="0" u="none" strike="noStrike" cap="none" normalizeH="0" baseline="0" dirty="0" err="1" smtClean="0">
+                <a:ln>
+                  <a:noFill/>
+                </a:ln>
+                <a:solidFill>
+                  <a:srgbClr val="FFC66D"/>
+                </a:solidFill>
+                <a:effectLst/>
+                <a:latin typeface="Courier New" panose="02070309020205020404" pitchFamily="49" charset="0"/>
+                <a:cs typeface="Courier New" panose="02070309020205020404" pitchFamily="49" charset="0"/>
+              </a:rPr>
+              <a:t>print</a:t>
+            </a:r>
+            <a:r>
+              <a:rPr kumimoji="0" lang="fr-FR" altLang="fr-FR" sz="1200" b="0" i="0" u="none" strike="noStrike" cap="none" normalizeH="0" baseline="0" dirty="0" smtClean="0">
+                <a:ln>
+                  <a:noFill/>
+                </a:ln>
+                <a:solidFill>
+                  <a:srgbClr val="A9B7C6"/>
+                </a:solidFill>
+                <a:effectLst/>
+                <a:latin typeface="Courier New" panose="02070309020205020404" pitchFamily="49" charset="0"/>
+                <a:cs typeface="Courier New" panose="02070309020205020404" pitchFamily="49" charset="0"/>
+              </a:rPr>
+              <a:t>(</a:t>
+            </a:r>
+            <a:r>
+              <a:rPr kumimoji="0" lang="fr-FR" altLang="fr-FR" sz="1200" b="0" i="0" u="none" strike="noStrike" cap="none" normalizeH="0" baseline="0" dirty="0" err="1" smtClean="0">
+                <a:ln>
+                  <a:noFill/>
+                </a:ln>
+                <a:solidFill>
+                  <a:srgbClr val="A9B7C6"/>
+                </a:solidFill>
+                <a:effectLst/>
+                <a:latin typeface="Courier New" panose="02070309020205020404" pitchFamily="49" charset="0"/>
+                <a:cs typeface="Courier New" panose="02070309020205020404" pitchFamily="49" charset="0"/>
+              </a:rPr>
+              <a:t>HardLink</a:t>
+            </a:r>
+            <a:r>
+              <a:rPr kumimoji="0" lang="fr-FR" altLang="fr-FR" sz="1200" b="0" i="0" u="none" strike="noStrike" cap="none" normalizeH="0" baseline="0" dirty="0" smtClean="0">
+                <a:ln>
+                  <a:noFill/>
+                </a:ln>
+                <a:solidFill>
+                  <a:srgbClr val="A9B7C6"/>
+                </a:solidFill>
+                <a:effectLst/>
+                <a:latin typeface="Courier New" panose="02070309020205020404" pitchFamily="49" charset="0"/>
+                <a:cs typeface="Courier New" panose="02070309020205020404" pitchFamily="49" charset="0"/>
+              </a:rPr>
+              <a:t> </a:t>
+            </a:r>
+            <a:r>
+              <a:rPr kumimoji="0" lang="fr-FR" altLang="fr-FR" sz="1200" b="0" i="0" u="none" strike="noStrike" cap="none" normalizeH="0" baseline="0" dirty="0" err="1" smtClean="0">
+                <a:ln>
+                  <a:noFill/>
+                </a:ln>
+                <a:solidFill>
+                  <a:srgbClr val="A9B7C6"/>
+                </a:solidFill>
+                <a:effectLst/>
+                <a:latin typeface="Courier New" panose="02070309020205020404" pitchFamily="49" charset="0"/>
+                <a:cs typeface="Courier New" panose="02070309020205020404" pitchFamily="49" charset="0"/>
+              </a:rPr>
+              <a:t>hardLink</a:t>
+            </a:r>
+            <a:r>
+              <a:rPr kumimoji="0" lang="fr-FR" altLang="fr-FR" sz="1200" b="0" i="0" u="none" strike="noStrike" cap="none" normalizeH="0" baseline="0" dirty="0" smtClean="0">
+                <a:ln>
+                  <a:noFill/>
+                </a:ln>
+                <a:solidFill>
+                  <a:srgbClr val="A9B7C6"/>
+                </a:solidFill>
+                <a:effectLst/>
+                <a:latin typeface="Courier New" panose="02070309020205020404" pitchFamily="49" charset="0"/>
+                <a:cs typeface="Courier New" panose="02070309020205020404" pitchFamily="49" charset="0"/>
+              </a:rPr>
+              <a:t>) {</a:t>
+            </a:r>
+            <a:br>
+              <a:rPr kumimoji="0" lang="fr-FR" altLang="fr-FR" sz="1200" b="0" i="0" u="none" strike="noStrike" cap="none" normalizeH="0" baseline="0" dirty="0" smtClean="0">
+                <a:ln>
+                  <a:noFill/>
+                </a:ln>
+                <a:solidFill>
+                  <a:srgbClr val="A9B7C6"/>
+                </a:solidFill>
+                <a:effectLst/>
+                <a:latin typeface="Courier New" panose="02070309020205020404" pitchFamily="49" charset="0"/>
+                <a:cs typeface="Courier New" panose="02070309020205020404" pitchFamily="49" charset="0"/>
+              </a:rPr>
+            </a:br>
+            <a:r>
+              <a:rPr kumimoji="0" lang="fr-FR" altLang="fr-FR" sz="1200" b="0" i="0" u="none" strike="noStrike" cap="none" normalizeH="0" baseline="0" dirty="0" smtClean="0">
+                <a:ln>
+                  <a:noFill/>
+                </a:ln>
+                <a:solidFill>
+                  <a:srgbClr val="A9B7C6"/>
+                </a:solidFill>
+                <a:effectLst/>
+                <a:latin typeface="Courier New" panose="02070309020205020404" pitchFamily="49" charset="0"/>
+                <a:cs typeface="Courier New" panose="02070309020205020404" pitchFamily="49" charset="0"/>
+              </a:rPr>
+              <a:t>        </a:t>
+            </a:r>
+            <a:r>
+              <a:rPr kumimoji="0" lang="fr-FR" altLang="fr-FR" sz="1200" b="0" i="0" u="none" strike="noStrike" cap="none" normalizeH="0" baseline="0" dirty="0" err="1" smtClean="0">
+                <a:ln>
+                  <a:noFill/>
+                </a:ln>
+                <a:solidFill>
+                  <a:srgbClr val="A9B7C6"/>
+                </a:solidFill>
+                <a:effectLst/>
+                <a:latin typeface="Courier New" panose="02070309020205020404" pitchFamily="49" charset="0"/>
+                <a:cs typeface="Courier New" panose="02070309020205020404" pitchFamily="49" charset="0"/>
+              </a:rPr>
+              <a:t>System.</a:t>
+            </a:r>
+            <a:r>
+              <a:rPr kumimoji="0" lang="fr-FR" altLang="fr-FR" sz="1200" b="0" i="1" u="none" strike="noStrike" cap="none" normalizeH="0" baseline="0" dirty="0" err="1" smtClean="0">
+                <a:ln>
+                  <a:noFill/>
+                </a:ln>
+                <a:solidFill>
+                  <a:srgbClr val="9876AA"/>
+                </a:solidFill>
+                <a:effectLst/>
+                <a:latin typeface="Courier New" panose="02070309020205020404" pitchFamily="49" charset="0"/>
+                <a:cs typeface="Courier New" panose="02070309020205020404" pitchFamily="49" charset="0"/>
+              </a:rPr>
+              <a:t>out</a:t>
+            </a:r>
+            <a:r>
+              <a:rPr kumimoji="0" lang="fr-FR" altLang="fr-FR" sz="1200" b="0" i="0" u="none" strike="noStrike" cap="none" normalizeH="0" baseline="0" dirty="0" err="1" smtClean="0">
+                <a:ln>
+                  <a:noFill/>
+                </a:ln>
+                <a:solidFill>
+                  <a:srgbClr val="A9B7C6"/>
+                </a:solidFill>
+                <a:effectLst/>
+                <a:latin typeface="Courier New" panose="02070309020205020404" pitchFamily="49" charset="0"/>
+                <a:cs typeface="Courier New" panose="02070309020205020404" pitchFamily="49" charset="0"/>
+              </a:rPr>
+              <a:t>.printf</a:t>
+            </a:r>
+            <a:r>
+              <a:rPr kumimoji="0" lang="fr-FR" altLang="fr-FR" sz="1200" b="0" i="0" u="none" strike="noStrike" cap="none" normalizeH="0" baseline="0" dirty="0" smtClean="0">
+                <a:ln>
+                  <a:noFill/>
+                </a:ln>
+                <a:solidFill>
+                  <a:srgbClr val="A9B7C6"/>
+                </a:solidFill>
+                <a:effectLst/>
+                <a:latin typeface="Courier New" panose="02070309020205020404" pitchFamily="49" charset="0"/>
+                <a:cs typeface="Courier New" panose="02070309020205020404" pitchFamily="49" charset="0"/>
+              </a:rPr>
+              <a:t>(</a:t>
+            </a:r>
+            <a:r>
+              <a:rPr kumimoji="0" lang="fr-FR" altLang="fr-FR" sz="1200" b="0" i="0" u="none" strike="noStrike" cap="none" normalizeH="0" baseline="0" dirty="0" smtClean="0">
+                <a:ln>
+                  <a:noFill/>
+                </a:ln>
+                <a:solidFill>
+                  <a:srgbClr val="6A8759"/>
+                </a:solidFill>
+                <a:effectLst/>
+                <a:latin typeface="Courier New" panose="02070309020205020404" pitchFamily="49" charset="0"/>
+                <a:cs typeface="Courier New" panose="02070309020205020404" pitchFamily="49" charset="0"/>
+              </a:rPr>
+              <a:t>"</a:t>
+            </a:r>
+            <a:r>
+              <a:rPr kumimoji="0" lang="fr-FR" altLang="fr-FR" sz="1200" b="0" i="0" u="none" strike="noStrike" cap="none" normalizeH="0" baseline="0" dirty="0" err="1" smtClean="0">
+                <a:ln>
+                  <a:noFill/>
+                </a:ln>
+                <a:solidFill>
+                  <a:srgbClr val="6A8759"/>
+                </a:solidFill>
+                <a:effectLst/>
+                <a:latin typeface="Courier New" panose="02070309020205020404" pitchFamily="49" charset="0"/>
+                <a:cs typeface="Courier New" panose="02070309020205020404" pitchFamily="49" charset="0"/>
+              </a:rPr>
+              <a:t>HardLink</a:t>
+            </a:r>
+            <a:r>
+              <a:rPr kumimoji="0" lang="fr-FR" altLang="fr-FR" sz="1200" b="0" i="0" u="none" strike="noStrike" cap="none" normalizeH="0" baseline="0" dirty="0" smtClean="0">
+                <a:ln>
+                  <a:noFill/>
+                </a:ln>
+                <a:solidFill>
+                  <a:srgbClr val="6A8759"/>
+                </a:solidFill>
+                <a:effectLst/>
+                <a:latin typeface="Courier New" panose="02070309020205020404" pitchFamily="49" charset="0"/>
+                <a:cs typeface="Courier New" panose="02070309020205020404" pitchFamily="49" charset="0"/>
+              </a:rPr>
+              <a:t>: %S --&gt; %s (%d)</a:t>
+            </a:r>
+            <a:r>
+              <a:rPr kumimoji="0" lang="fr-FR" altLang="fr-FR" sz="1200" b="0" i="0" u="none" strike="noStrike" cap="none" normalizeH="0" baseline="0" dirty="0" smtClean="0">
+                <a:ln>
+                  <a:noFill/>
+                </a:ln>
+                <a:solidFill>
+                  <a:srgbClr val="CC7832"/>
+                </a:solidFill>
+                <a:effectLst/>
+                <a:latin typeface="Courier New" panose="02070309020205020404" pitchFamily="49" charset="0"/>
+                <a:cs typeface="Courier New" panose="02070309020205020404" pitchFamily="49" charset="0"/>
+              </a:rPr>
+              <a:t>\n</a:t>
+            </a:r>
+            <a:r>
+              <a:rPr kumimoji="0" lang="fr-FR" altLang="fr-FR" sz="1200" b="0" i="0" u="none" strike="noStrike" cap="none" normalizeH="0" baseline="0" dirty="0" smtClean="0">
+                <a:ln>
+                  <a:noFill/>
+                </a:ln>
+                <a:solidFill>
+                  <a:srgbClr val="6A8759"/>
+                </a:solidFill>
+                <a:effectLst/>
+                <a:latin typeface="Courier New" panose="02070309020205020404" pitchFamily="49" charset="0"/>
+                <a:cs typeface="Courier New" panose="02070309020205020404" pitchFamily="49" charset="0"/>
+              </a:rPr>
+              <a:t>"</a:t>
+            </a:r>
+            <a:r>
+              <a:rPr kumimoji="0" lang="fr-FR" altLang="fr-FR" sz="1200" b="0" i="0" u="none" strike="noStrike" cap="none" normalizeH="0" baseline="0" dirty="0" smtClean="0">
+                <a:ln>
+                  <a:noFill/>
+                </a:ln>
+                <a:solidFill>
+                  <a:srgbClr val="CC7832"/>
+                </a:solidFill>
+                <a:effectLst/>
+                <a:latin typeface="Courier New" panose="02070309020205020404" pitchFamily="49" charset="0"/>
+                <a:cs typeface="Courier New" panose="02070309020205020404" pitchFamily="49" charset="0"/>
+              </a:rPr>
+              <a:t>, </a:t>
+            </a:r>
+            <a:r>
+              <a:rPr kumimoji="0" lang="fr-FR" altLang="fr-FR" sz="1200" b="0" i="0" u="none" strike="noStrike" cap="none" normalizeH="0" baseline="0" dirty="0" err="1" smtClean="0">
+                <a:ln>
+                  <a:noFill/>
+                </a:ln>
+                <a:solidFill>
+                  <a:srgbClr val="A9B7C6"/>
+                </a:solidFill>
+                <a:effectLst/>
+                <a:latin typeface="Courier New" panose="02070309020205020404" pitchFamily="49" charset="0"/>
+                <a:cs typeface="Courier New" panose="02070309020205020404" pitchFamily="49" charset="0"/>
+              </a:rPr>
+              <a:t>hardLink.getName</a:t>
+            </a:r>
+            <a:r>
+              <a:rPr kumimoji="0" lang="fr-FR" altLang="fr-FR" sz="1200" b="0" i="0" u="none" strike="noStrike" cap="none" normalizeH="0" baseline="0" dirty="0" smtClean="0">
+                <a:ln>
+                  <a:noFill/>
+                </a:ln>
+                <a:solidFill>
+                  <a:srgbClr val="A9B7C6"/>
+                </a:solidFill>
+                <a:effectLst/>
+                <a:latin typeface="Courier New" panose="02070309020205020404" pitchFamily="49" charset="0"/>
+                <a:cs typeface="Courier New" panose="02070309020205020404" pitchFamily="49" charset="0"/>
+              </a:rPr>
+              <a:t>()</a:t>
+            </a:r>
+            <a:r>
+              <a:rPr kumimoji="0" lang="fr-FR" altLang="fr-FR" sz="1200" b="0" i="0" u="none" strike="noStrike" cap="none" normalizeH="0" baseline="0" dirty="0" smtClean="0">
+                <a:ln>
+                  <a:noFill/>
+                </a:ln>
+                <a:solidFill>
+                  <a:srgbClr val="CC7832"/>
+                </a:solidFill>
+                <a:effectLst/>
+                <a:latin typeface="Courier New" panose="02070309020205020404" pitchFamily="49" charset="0"/>
+                <a:cs typeface="Courier New" panose="02070309020205020404" pitchFamily="49" charset="0"/>
+              </a:rPr>
+              <a:t>, </a:t>
+            </a:r>
+            <a:r>
+              <a:rPr kumimoji="0" lang="fr-FR" altLang="fr-FR" sz="1200" b="0" i="0" u="none" strike="noStrike" cap="none" normalizeH="0" baseline="0" dirty="0" err="1" smtClean="0">
+                <a:ln>
+                  <a:noFill/>
+                </a:ln>
+                <a:solidFill>
+                  <a:srgbClr val="A9B7C6"/>
+                </a:solidFill>
+                <a:effectLst/>
+                <a:latin typeface="Courier New" panose="02070309020205020404" pitchFamily="49" charset="0"/>
+                <a:cs typeface="Courier New" panose="02070309020205020404" pitchFamily="49" charset="0"/>
+              </a:rPr>
+              <a:t>hardLink.getPath</a:t>
+            </a:r>
+            <a:r>
+              <a:rPr kumimoji="0" lang="fr-FR" altLang="fr-FR" sz="1200" b="0" i="0" u="none" strike="noStrike" cap="none" normalizeH="0" baseline="0" dirty="0" smtClean="0">
+                <a:ln>
+                  <a:noFill/>
+                </a:ln>
+                <a:solidFill>
+                  <a:srgbClr val="A9B7C6"/>
+                </a:solidFill>
+                <a:effectLst/>
+                <a:latin typeface="Courier New" panose="02070309020205020404" pitchFamily="49" charset="0"/>
+                <a:cs typeface="Courier New" panose="02070309020205020404" pitchFamily="49" charset="0"/>
+              </a:rPr>
+              <a:t>()</a:t>
+            </a:r>
+            <a:r>
+              <a:rPr kumimoji="0" lang="fr-FR" altLang="fr-FR" sz="1200" b="0" i="0" u="none" strike="noStrike" cap="none" normalizeH="0" baseline="0" dirty="0" smtClean="0">
+                <a:ln>
+                  <a:noFill/>
+                </a:ln>
+                <a:solidFill>
+                  <a:srgbClr val="CC7832"/>
+                </a:solidFill>
+                <a:effectLst/>
+                <a:latin typeface="Courier New" panose="02070309020205020404" pitchFamily="49" charset="0"/>
+                <a:cs typeface="Courier New" panose="02070309020205020404" pitchFamily="49" charset="0"/>
+              </a:rPr>
+              <a:t>, </a:t>
+            </a:r>
+            <a:r>
+              <a:rPr kumimoji="0" lang="fr-FR" altLang="fr-FR" sz="1200" b="0" i="0" u="none" strike="noStrike" cap="none" normalizeH="0" baseline="0" dirty="0" err="1" smtClean="0">
+                <a:ln>
+                  <a:noFill/>
+                </a:ln>
+                <a:solidFill>
+                  <a:srgbClr val="A9B7C6"/>
+                </a:solidFill>
+                <a:effectLst/>
+                <a:latin typeface="Courier New" panose="02070309020205020404" pitchFamily="49" charset="0"/>
+                <a:cs typeface="Courier New" panose="02070309020205020404" pitchFamily="49" charset="0"/>
+              </a:rPr>
+              <a:t>hardLink.getRefCounter</a:t>
+            </a:r>
+            <a:r>
+              <a:rPr kumimoji="0" lang="fr-FR" altLang="fr-FR" sz="1200" b="0" i="0" u="none" strike="noStrike" cap="none" normalizeH="0" baseline="0" dirty="0" smtClean="0">
+                <a:ln>
+                  <a:noFill/>
+                </a:ln>
+                <a:solidFill>
+                  <a:srgbClr val="A9B7C6"/>
+                </a:solidFill>
+                <a:effectLst/>
+                <a:latin typeface="Courier New" panose="02070309020205020404" pitchFamily="49" charset="0"/>
+                <a:cs typeface="Courier New" panose="02070309020205020404" pitchFamily="49" charset="0"/>
+              </a:rPr>
+              <a:t>())</a:t>
+            </a:r>
+            <a:r>
+              <a:rPr kumimoji="0" lang="fr-FR" altLang="fr-FR" sz="1200" b="0" i="0" u="none" strike="noStrike" cap="none" normalizeH="0" baseline="0" dirty="0" smtClean="0">
+                <a:ln>
+                  <a:noFill/>
+                </a:ln>
+                <a:solidFill>
+                  <a:srgbClr val="CC7832"/>
+                </a:solidFill>
+                <a:effectLst/>
+                <a:latin typeface="Courier New" panose="02070309020205020404" pitchFamily="49" charset="0"/>
+                <a:cs typeface="Courier New" panose="02070309020205020404" pitchFamily="49" charset="0"/>
+              </a:rPr>
+              <a:t>;</a:t>
+            </a:r>
+            <a:br>
+              <a:rPr kumimoji="0" lang="fr-FR" altLang="fr-FR" sz="1200" b="0" i="0" u="none" strike="noStrike" cap="none" normalizeH="0" baseline="0" dirty="0" smtClean="0">
+                <a:ln>
+                  <a:noFill/>
+                </a:ln>
+                <a:solidFill>
+                  <a:srgbClr val="CC7832"/>
+                </a:solidFill>
+                <a:effectLst/>
+                <a:latin typeface="Courier New" panose="02070309020205020404" pitchFamily="49" charset="0"/>
+                <a:cs typeface="Courier New" panose="02070309020205020404" pitchFamily="49" charset="0"/>
+              </a:rPr>
+            </a:br>
+            <a:r>
+              <a:rPr kumimoji="0" lang="fr-FR" altLang="fr-FR" sz="1200" b="0" i="0" u="none" strike="noStrike" cap="none" normalizeH="0" baseline="0" dirty="0" smtClean="0">
+                <a:ln>
+                  <a:noFill/>
+                </a:ln>
+                <a:solidFill>
+                  <a:srgbClr val="CC7832"/>
+                </a:solidFill>
+                <a:effectLst/>
+                <a:latin typeface="Courier New" panose="02070309020205020404" pitchFamily="49" charset="0"/>
+                <a:cs typeface="Courier New" panose="02070309020205020404" pitchFamily="49" charset="0"/>
+              </a:rPr>
+              <a:t>    </a:t>
+            </a:r>
+            <a:r>
+              <a:rPr kumimoji="0" lang="fr-FR" altLang="fr-FR" sz="1200" b="0" i="0" u="none" strike="noStrike" cap="none" normalizeH="0" baseline="0" dirty="0" smtClean="0">
+                <a:ln>
+                  <a:noFill/>
+                </a:ln>
+                <a:solidFill>
+                  <a:srgbClr val="A9B7C6"/>
+                </a:solidFill>
+                <a:effectLst/>
+                <a:latin typeface="Courier New" panose="02070309020205020404" pitchFamily="49" charset="0"/>
+                <a:cs typeface="Courier New" panose="02070309020205020404" pitchFamily="49" charset="0"/>
+              </a:rPr>
+              <a:t>}</a:t>
+            </a:r>
+            <a:br>
+              <a:rPr kumimoji="0" lang="fr-FR" altLang="fr-FR" sz="1200" b="0" i="0" u="none" strike="noStrike" cap="none" normalizeH="0" baseline="0" dirty="0" smtClean="0">
+                <a:ln>
+                  <a:noFill/>
+                </a:ln>
+                <a:solidFill>
+                  <a:srgbClr val="A9B7C6"/>
+                </a:solidFill>
+                <a:effectLst/>
+                <a:latin typeface="Courier New" panose="02070309020205020404" pitchFamily="49" charset="0"/>
+                <a:cs typeface="Courier New" panose="02070309020205020404" pitchFamily="49" charset="0"/>
+              </a:rPr>
+            </a:br>
+            <a:r>
+              <a:rPr kumimoji="0" lang="fr-FR" altLang="fr-FR" sz="1200" b="0" i="0" u="none" strike="noStrike" cap="none" normalizeH="0" baseline="0" dirty="0" smtClean="0">
+                <a:ln>
+                  <a:noFill/>
+                </a:ln>
+                <a:solidFill>
+                  <a:srgbClr val="A9B7C6"/>
+                </a:solidFill>
+                <a:effectLst/>
+                <a:latin typeface="Courier New" panose="02070309020205020404" pitchFamily="49" charset="0"/>
+                <a:cs typeface="Courier New" panose="02070309020205020404" pitchFamily="49" charset="0"/>
+              </a:rPr>
+              <a:t>}</a:t>
+            </a:r>
+            <a:endParaRPr kumimoji="0" lang="fr-FR" altLang="fr-FR" sz="1200" b="0" i="0" u="none" strike="noStrike" cap="none" normalizeH="0" baseline="0" dirty="0" smtClean="0">
+              <a:ln>
+                <a:noFill/>
+              </a:ln>
+              <a:solidFill>
+                <a:schemeClr val="tx1"/>
+              </a:solidFill>
+              <a:effectLst/>
+              <a:latin typeface="Arial" panose="020B0604020202020204" pitchFamily="34" charset="0"/>
+            </a:endParaRPr>
+          </a:p>
         </p:txBody>
       </p:sp>
     </p:spTree>
     <p:extLst>
       <p:ext uri="{BB962C8B-B14F-4D97-AF65-F5344CB8AC3E}">
-        <p14:creationId xmlns:p14="http://schemas.microsoft.com/office/powerpoint/2010/main" val="289063348"/>
+        <p14:creationId xmlns:p14="http://schemas.microsoft.com/office/powerpoint/2010/main" val="1680633525"/>
       </p:ext>
     </p:extLst>
   </p:cSld>
@@ -10242,9 +8415,39 @@
           <a:chExt cx="0" cy="0"/>
         </a:xfrm>
       </p:grpSpPr>
-      <p:sp>
-        <p:nvSpPr>
-          <p:cNvPr id="2" name="Titre 1"/>
+      <p:pic>
+        <p:nvPicPr>
+          <p:cNvPr id="7" name="Image 6"/>
+          <p:cNvPicPr>
+            <a:picLocks noChangeAspect="1"/>
+          </p:cNvPicPr>
+          <p:nvPr/>
+        </p:nvPicPr>
+        <p:blipFill>
+          <a:blip r:embed="rId3">
+            <a:extLst>
+              <a:ext uri="{28A0092B-C50C-407E-A947-70E740481C1C}">
+                <a14:useLocalDpi xmlns:a14="http://schemas.microsoft.com/office/drawing/2010/main" val="0"/>
+              </a:ext>
+            </a:extLst>
+          </a:blip>
+          <a:stretch>
+            <a:fillRect/>
+          </a:stretch>
+        </p:blipFill>
+        <p:spPr>
+          <a:xfrm>
+            <a:off x="4597400" y="0"/>
+            <a:ext cx="7591425" cy="4333875"/>
+          </a:xfrm>
+          <a:prstGeom prst="rect">
+            <a:avLst/>
+          </a:prstGeom>
+        </p:spPr>
+      </p:pic>
+      <p:sp>
+        <p:nvSpPr>
+          <p:cNvPr id="5" name="Titre 4"/>
           <p:cNvSpPr>
             <a:spLocks noGrp="1"/>
           </p:cNvSpPr>
@@ -10259,20 +8462,21 @@
           <a:p>
             <a:pPr rtl="0"/>
             <a:r>
-              <a:rPr lang="fr-FR" dirty="0"/>
-              <a:t>Ajouter un titre de diapositive - 2</a:t>
-            </a:r>
+              <a:rPr lang="fr-FR" dirty="0" smtClean="0"/>
+              <a:t>Qu’affiche-t-il ?</a:t>
+            </a:r>
+            <a:endParaRPr lang="fr-FR" dirty="0"/>
           </a:p>
         </p:txBody>
       </p:sp>
       <p:sp>
         <p:nvSpPr>
-          <p:cNvPr id="11" name="Espace réservé du texte 10"/>
+          <p:cNvPr id="6" name="Espace réservé du contenu 5"/>
           <p:cNvSpPr>
             <a:spLocks noGrp="1"/>
           </p:cNvSpPr>
           <p:nvPr>
-            <p:ph type="body" idx="1"/>
+            <p:ph idx="1"/>
           </p:nvPr>
         </p:nvSpPr>
         <p:spPr/>
@@ -10283,22 +8487,6 @@
             <a:pPr rtl="0"/>
             <a:endParaRPr lang="fr-FR" dirty="0"/>
           </a:p>
-        </p:txBody>
-      </p:sp>
-      <p:sp>
-        <p:nvSpPr>
-          <p:cNvPr id="12" name="Espace réservé du contenu 11"/>
-          <p:cNvSpPr>
-            <a:spLocks noGrp="1"/>
-          </p:cNvSpPr>
-          <p:nvPr>
-            <p:ph sz="half" idx="2"/>
-          </p:nvPr>
-        </p:nvSpPr>
-        <p:spPr/>
-        <p:txBody>
-          <a:bodyPr rtlCol="0"/>
-          <a:lstStyle/>
           <a:p>
             <a:pPr rtl="0"/>
             <a:endParaRPr lang="fr-FR" dirty="0"/>
@@ -10307,48 +8495,1331 @@
       </p:sp>
       <p:sp>
         <p:nvSpPr>
-          <p:cNvPr id="13" name="Espace réservé du texte 12"/>
-          <p:cNvSpPr>
-            <a:spLocks noGrp="1"/>
-          </p:cNvSpPr>
-          <p:nvPr>
-            <p:ph type="body" sz="quarter" idx="3"/>
-          </p:nvPr>
-        </p:nvSpPr>
-        <p:spPr/>
+          <p:cNvPr id="2" name="Rectangle 1"/>
+          <p:cNvSpPr>
+            <a:spLocks noChangeArrowheads="1"/>
+          </p:cNvSpPr>
+          <p:nvPr/>
+        </p:nvSpPr>
+        <p:spPr bwMode="auto">
+          <a:xfrm>
+            <a:off x="392113" y="3168134"/>
+            <a:ext cx="7759699" cy="2677656"/>
+          </a:xfrm>
+          <a:prstGeom prst="rect">
+            <a:avLst/>
+          </a:prstGeom>
+          <a:solidFill>
+            <a:srgbClr val="2B2B2B"/>
+          </a:solidFill>
+          <a:ln>
+            <a:noFill/>
+          </a:ln>
+          <a:effectLst/>
+          <a:extLst>
+            <a:ext uri="{91240B29-F687-4F45-9708-019B960494DF}">
+              <a14:hiddenLine xmlns:a14="http://schemas.microsoft.com/office/drawing/2010/main" w="9525">
+                <a:solidFill>
+                  <a:schemeClr val="tx1"/>
+                </a:solidFill>
+                <a:miter lim="800000"/>
+                <a:headEnd/>
+                <a:tailEnd/>
+              </a14:hiddenLine>
+            </a:ext>
+            <a:ext uri="{AF507438-7753-43E0-B8FC-AC1667EBCBE1}">
+              <a14:hiddenEffects xmlns:a14="http://schemas.microsoft.com/office/drawing/2010/main">
+                <a:effectLst>
+                  <a:outerShdw dist="35921" dir="2700000" algn="ctr" rotWithShape="0">
+                    <a:schemeClr val="bg2"/>
+                  </a:outerShdw>
+                </a:effectLst>
+              </a14:hiddenEffects>
+            </a:ext>
+          </a:extLst>
+        </p:spPr>
         <p:txBody>
-          <a:bodyPr rtlCol="0"/>
+          <a:bodyPr vert="horz" wrap="square" lIns="91440" tIns="45720" rIns="91440" bIns="45720" numCol="1" anchor="ctr" anchorCtr="0" compatLnSpc="1">
+            <a:prstTxWarp prst="textNoShape">
+              <a:avLst/>
+            </a:prstTxWarp>
+            <a:spAutoFit/>
+          </a:bodyPr>
           <a:lstStyle/>
           <a:p>
-            <a:pPr rtl="0"/>
-            <a:endParaRPr lang="fr-FR" dirty="0"/>
-          </a:p>
-        </p:txBody>
-      </p:sp>
-      <p:sp>
-        <p:nvSpPr>
-          <p:cNvPr id="14" name="Espace réservé du contenu 13"/>
-          <p:cNvSpPr>
-            <a:spLocks noGrp="1"/>
-          </p:cNvSpPr>
-          <p:nvPr>
-            <p:ph sz="quarter" idx="4"/>
-          </p:nvPr>
-        </p:nvSpPr>
-        <p:spPr/>
-        <p:txBody>
-          <a:bodyPr rtlCol="0"/>
-          <a:lstStyle/>
-          <a:p>
-            <a:pPr rtl="0"/>
-            <a:endParaRPr lang="fr-FR" dirty="0"/>
+            <a:pPr marL="0" marR="0" lvl="0" indent="0" algn="l" defTabSz="914400" rtl="0" eaLnBrk="0" fontAlgn="base" latinLnBrk="0" hangingPunct="0">
+              <a:lnSpc>
+                <a:spcPct val="100000"/>
+              </a:lnSpc>
+              <a:spcBef>
+                <a:spcPct val="0"/>
+              </a:spcBef>
+              <a:spcAft>
+                <a:spcPct val="0"/>
+              </a:spcAft>
+              <a:buClrTx/>
+              <a:buSzTx/>
+              <a:buFontTx/>
+              <a:buNone/>
+              <a:tabLst/>
+            </a:pPr>
+            <a:r>
+              <a:rPr kumimoji="0" lang="fr-FR" altLang="fr-FR" sz="1200" b="0" i="0" u="none" strike="noStrike" cap="none" normalizeH="0" baseline="0" dirty="0" smtClean="0">
+                <a:ln>
+                  <a:noFill/>
+                </a:ln>
+                <a:solidFill>
+                  <a:srgbClr val="CC7832"/>
+                </a:solidFill>
+                <a:effectLst/>
+                <a:latin typeface="Courier New" panose="02070309020205020404" pitchFamily="49" charset="0"/>
+                <a:cs typeface="Courier New" panose="02070309020205020404" pitchFamily="49" charset="0"/>
+              </a:rPr>
+              <a:t>public class </a:t>
+            </a:r>
+            <a:r>
+              <a:rPr kumimoji="0" lang="fr-FR" altLang="fr-FR" sz="1200" b="0" i="0" u="none" strike="noStrike" cap="none" normalizeH="0" baseline="0" dirty="0" err="1" smtClean="0">
+                <a:ln>
+                  <a:noFill/>
+                </a:ln>
+                <a:solidFill>
+                  <a:srgbClr val="A9B7C6"/>
+                </a:solidFill>
+                <a:effectLst/>
+                <a:latin typeface="Courier New" panose="02070309020205020404" pitchFamily="49" charset="0"/>
+                <a:cs typeface="Courier New" panose="02070309020205020404" pitchFamily="49" charset="0"/>
+              </a:rPr>
+              <a:t>MainPrinter</a:t>
+            </a:r>
+            <a:r>
+              <a:rPr kumimoji="0" lang="fr-FR" altLang="fr-FR" sz="1200" b="0" i="0" u="none" strike="noStrike" cap="none" normalizeH="0" baseline="0" dirty="0" smtClean="0">
+                <a:ln>
+                  <a:noFill/>
+                </a:ln>
+                <a:solidFill>
+                  <a:srgbClr val="A9B7C6"/>
+                </a:solidFill>
+                <a:effectLst/>
+                <a:latin typeface="Courier New" panose="02070309020205020404" pitchFamily="49" charset="0"/>
+                <a:cs typeface="Courier New" panose="02070309020205020404" pitchFamily="49" charset="0"/>
+              </a:rPr>
+              <a:t> {</a:t>
+            </a:r>
+            <a:br>
+              <a:rPr kumimoji="0" lang="fr-FR" altLang="fr-FR" sz="1200" b="0" i="0" u="none" strike="noStrike" cap="none" normalizeH="0" baseline="0" dirty="0" smtClean="0">
+                <a:ln>
+                  <a:noFill/>
+                </a:ln>
+                <a:solidFill>
+                  <a:srgbClr val="A9B7C6"/>
+                </a:solidFill>
+                <a:effectLst/>
+                <a:latin typeface="Courier New" panose="02070309020205020404" pitchFamily="49" charset="0"/>
+                <a:cs typeface="Courier New" panose="02070309020205020404" pitchFamily="49" charset="0"/>
+              </a:rPr>
+            </a:br>
+            <a:r>
+              <a:rPr kumimoji="0" lang="fr-FR" altLang="fr-FR" sz="1200" b="0" i="0" u="none" strike="noStrike" cap="none" normalizeH="0" baseline="0" dirty="0" smtClean="0">
+                <a:ln>
+                  <a:noFill/>
+                </a:ln>
+                <a:solidFill>
+                  <a:srgbClr val="A9B7C6"/>
+                </a:solidFill>
+                <a:effectLst/>
+                <a:latin typeface="Courier New" panose="02070309020205020404" pitchFamily="49" charset="0"/>
+                <a:cs typeface="Courier New" panose="02070309020205020404" pitchFamily="49" charset="0"/>
+              </a:rPr>
+              <a:t>    </a:t>
+            </a:r>
+            <a:r>
+              <a:rPr kumimoji="0" lang="fr-FR" altLang="fr-FR" sz="1200" b="0" i="0" u="none" strike="noStrike" cap="none" normalizeH="0" baseline="0" dirty="0" smtClean="0">
+                <a:ln>
+                  <a:noFill/>
+                </a:ln>
+                <a:solidFill>
+                  <a:srgbClr val="CC7832"/>
+                </a:solidFill>
+                <a:effectLst/>
+                <a:latin typeface="Courier New" panose="02070309020205020404" pitchFamily="49" charset="0"/>
+                <a:cs typeface="Courier New" panose="02070309020205020404" pitchFamily="49" charset="0"/>
+              </a:rPr>
+              <a:t>public </a:t>
+            </a:r>
+            <a:r>
+              <a:rPr kumimoji="0" lang="fr-FR" altLang="fr-FR" sz="1200" b="0" i="0" u="none" strike="noStrike" cap="none" normalizeH="0" baseline="0" dirty="0" err="1" smtClean="0">
+                <a:ln>
+                  <a:noFill/>
+                </a:ln>
+                <a:solidFill>
+                  <a:srgbClr val="CC7832"/>
+                </a:solidFill>
+                <a:effectLst/>
+                <a:latin typeface="Courier New" panose="02070309020205020404" pitchFamily="49" charset="0"/>
+                <a:cs typeface="Courier New" panose="02070309020205020404" pitchFamily="49" charset="0"/>
+              </a:rPr>
+              <a:t>static</a:t>
+            </a:r>
+            <a:r>
+              <a:rPr kumimoji="0" lang="fr-FR" altLang="fr-FR" sz="1200" b="0" i="0" u="none" strike="noStrike" cap="none" normalizeH="0" baseline="0" dirty="0" smtClean="0">
+                <a:ln>
+                  <a:noFill/>
+                </a:ln>
+                <a:solidFill>
+                  <a:srgbClr val="CC7832"/>
+                </a:solidFill>
+                <a:effectLst/>
+                <a:latin typeface="Courier New" panose="02070309020205020404" pitchFamily="49" charset="0"/>
+                <a:cs typeface="Courier New" panose="02070309020205020404" pitchFamily="49" charset="0"/>
+              </a:rPr>
+              <a:t> </a:t>
+            </a:r>
+            <a:r>
+              <a:rPr kumimoji="0" lang="fr-FR" altLang="fr-FR" sz="1200" b="0" i="0" u="none" strike="noStrike" cap="none" normalizeH="0" baseline="0" dirty="0" err="1" smtClean="0">
+                <a:ln>
+                  <a:noFill/>
+                </a:ln>
+                <a:solidFill>
+                  <a:srgbClr val="CC7832"/>
+                </a:solidFill>
+                <a:effectLst/>
+                <a:latin typeface="Courier New" panose="02070309020205020404" pitchFamily="49" charset="0"/>
+                <a:cs typeface="Courier New" panose="02070309020205020404" pitchFamily="49" charset="0"/>
+              </a:rPr>
+              <a:t>void</a:t>
+            </a:r>
+            <a:r>
+              <a:rPr kumimoji="0" lang="fr-FR" altLang="fr-FR" sz="1200" b="0" i="0" u="none" strike="noStrike" cap="none" normalizeH="0" baseline="0" dirty="0" smtClean="0">
+                <a:ln>
+                  <a:noFill/>
+                </a:ln>
+                <a:solidFill>
+                  <a:srgbClr val="CC7832"/>
+                </a:solidFill>
+                <a:effectLst/>
+                <a:latin typeface="Courier New" panose="02070309020205020404" pitchFamily="49" charset="0"/>
+                <a:cs typeface="Courier New" panose="02070309020205020404" pitchFamily="49" charset="0"/>
+              </a:rPr>
+              <a:t> </a:t>
+            </a:r>
+            <a:r>
+              <a:rPr kumimoji="0" lang="fr-FR" altLang="fr-FR" sz="1200" b="0" i="0" u="none" strike="noStrike" cap="none" normalizeH="0" baseline="0" dirty="0" smtClean="0">
+                <a:ln>
+                  <a:noFill/>
+                </a:ln>
+                <a:solidFill>
+                  <a:srgbClr val="FFC66D"/>
+                </a:solidFill>
+                <a:effectLst/>
+                <a:latin typeface="Courier New" panose="02070309020205020404" pitchFamily="49" charset="0"/>
+                <a:cs typeface="Courier New" panose="02070309020205020404" pitchFamily="49" charset="0"/>
+              </a:rPr>
+              <a:t>main</a:t>
+            </a:r>
+            <a:r>
+              <a:rPr kumimoji="0" lang="fr-FR" altLang="fr-FR" sz="1200" b="0" i="0" u="none" strike="noStrike" cap="none" normalizeH="0" baseline="0" dirty="0" smtClean="0">
+                <a:ln>
+                  <a:noFill/>
+                </a:ln>
+                <a:solidFill>
+                  <a:srgbClr val="A9B7C6"/>
+                </a:solidFill>
+                <a:effectLst/>
+                <a:latin typeface="Courier New" panose="02070309020205020404" pitchFamily="49" charset="0"/>
+                <a:cs typeface="Courier New" panose="02070309020205020404" pitchFamily="49" charset="0"/>
+              </a:rPr>
+              <a:t>(String[] </a:t>
+            </a:r>
+            <a:r>
+              <a:rPr kumimoji="0" lang="fr-FR" altLang="fr-FR" sz="1200" b="0" i="0" u="none" strike="noStrike" cap="none" normalizeH="0" baseline="0" dirty="0" err="1" smtClean="0">
+                <a:ln>
+                  <a:noFill/>
+                </a:ln>
+                <a:solidFill>
+                  <a:srgbClr val="A9B7C6"/>
+                </a:solidFill>
+                <a:effectLst/>
+                <a:latin typeface="Courier New" panose="02070309020205020404" pitchFamily="49" charset="0"/>
+                <a:cs typeface="Courier New" panose="02070309020205020404" pitchFamily="49" charset="0"/>
+              </a:rPr>
+              <a:t>args</a:t>
+            </a:r>
+            <a:r>
+              <a:rPr kumimoji="0" lang="fr-FR" altLang="fr-FR" sz="1200" b="0" i="0" u="none" strike="noStrike" cap="none" normalizeH="0" baseline="0" dirty="0" smtClean="0">
+                <a:ln>
+                  <a:noFill/>
+                </a:ln>
+                <a:solidFill>
+                  <a:srgbClr val="A9B7C6"/>
+                </a:solidFill>
+                <a:effectLst/>
+                <a:latin typeface="Courier New" panose="02070309020205020404" pitchFamily="49" charset="0"/>
+                <a:cs typeface="Courier New" panose="02070309020205020404" pitchFamily="49" charset="0"/>
+              </a:rPr>
+              <a:t>) {</a:t>
+            </a:r>
+          </a:p>
+          <a:p>
+            <a:pPr marL="0" marR="0" lvl="0" indent="0" algn="l" defTabSz="914400" rtl="0" eaLnBrk="0" fontAlgn="base" latinLnBrk="0" hangingPunct="0">
+              <a:lnSpc>
+                <a:spcPct val="100000"/>
+              </a:lnSpc>
+              <a:spcBef>
+                <a:spcPct val="0"/>
+              </a:spcBef>
+              <a:spcAft>
+                <a:spcPct val="0"/>
+              </a:spcAft>
+              <a:buClrTx/>
+              <a:buSzTx/>
+              <a:buFontTx/>
+              <a:buNone/>
+              <a:tabLst/>
+            </a:pPr>
+            <a:r>
+              <a:rPr kumimoji="0" lang="fr-FR" altLang="fr-FR" sz="1200" b="0" i="0" u="none" strike="noStrike" cap="none" normalizeH="0" baseline="0" dirty="0" smtClean="0">
+                <a:ln>
+                  <a:noFill/>
+                </a:ln>
+                <a:solidFill>
+                  <a:srgbClr val="A9B7C6"/>
+                </a:solidFill>
+                <a:effectLst/>
+                <a:latin typeface="Courier New" panose="02070309020205020404" pitchFamily="49" charset="0"/>
+                <a:cs typeface="Courier New" panose="02070309020205020404" pitchFamily="49" charset="0"/>
+              </a:rPr>
+              <a:t/>
+            </a:r>
+            <a:br>
+              <a:rPr kumimoji="0" lang="fr-FR" altLang="fr-FR" sz="1200" b="0" i="0" u="none" strike="noStrike" cap="none" normalizeH="0" baseline="0" dirty="0" smtClean="0">
+                <a:ln>
+                  <a:noFill/>
+                </a:ln>
+                <a:solidFill>
+                  <a:srgbClr val="A9B7C6"/>
+                </a:solidFill>
+                <a:effectLst/>
+                <a:latin typeface="Courier New" panose="02070309020205020404" pitchFamily="49" charset="0"/>
+                <a:cs typeface="Courier New" panose="02070309020205020404" pitchFamily="49" charset="0"/>
+              </a:rPr>
+            </a:br>
+            <a:r>
+              <a:rPr kumimoji="0" lang="fr-FR" altLang="fr-FR" sz="1200" b="0" i="0" u="none" strike="noStrike" cap="none" normalizeH="0" baseline="0" dirty="0" smtClean="0">
+                <a:ln>
+                  <a:noFill/>
+                </a:ln>
+                <a:solidFill>
+                  <a:srgbClr val="A9B7C6"/>
+                </a:solidFill>
+                <a:effectLst/>
+                <a:latin typeface="Courier New" panose="02070309020205020404" pitchFamily="49" charset="0"/>
+                <a:cs typeface="Courier New" panose="02070309020205020404" pitchFamily="49" charset="0"/>
+              </a:rPr>
+              <a:t>        File </a:t>
+            </a:r>
+            <a:r>
+              <a:rPr kumimoji="0" lang="fr-FR" altLang="fr-FR" sz="1200" b="0" i="0" u="none" strike="noStrike" cap="none" normalizeH="0" baseline="0" dirty="0" err="1" smtClean="0">
+                <a:ln>
+                  <a:noFill/>
+                </a:ln>
+                <a:solidFill>
+                  <a:srgbClr val="A9B7C6"/>
+                </a:solidFill>
+                <a:effectLst/>
+                <a:latin typeface="Courier New" panose="02070309020205020404" pitchFamily="49" charset="0"/>
+                <a:cs typeface="Courier New" panose="02070309020205020404" pitchFamily="49" charset="0"/>
+              </a:rPr>
+              <a:t>file</a:t>
+            </a:r>
+            <a:r>
+              <a:rPr kumimoji="0" lang="fr-FR" altLang="fr-FR" sz="1200" b="0" i="0" u="none" strike="noStrike" cap="none" normalizeH="0" baseline="0" dirty="0" smtClean="0">
+                <a:ln>
+                  <a:noFill/>
+                </a:ln>
+                <a:solidFill>
+                  <a:srgbClr val="A9B7C6"/>
+                </a:solidFill>
+                <a:effectLst/>
+                <a:latin typeface="Courier New" panose="02070309020205020404" pitchFamily="49" charset="0"/>
+                <a:cs typeface="Courier New" panose="02070309020205020404" pitchFamily="49" charset="0"/>
+              </a:rPr>
+              <a:t> = </a:t>
+            </a:r>
+            <a:r>
+              <a:rPr kumimoji="0" lang="fr-FR" altLang="fr-FR" sz="1200" b="0" i="0" u="none" strike="noStrike" cap="none" normalizeH="0" baseline="0" dirty="0" smtClean="0">
+                <a:ln>
+                  <a:noFill/>
+                </a:ln>
+                <a:solidFill>
+                  <a:srgbClr val="CC7832"/>
+                </a:solidFill>
+                <a:effectLst/>
+                <a:latin typeface="Courier New" panose="02070309020205020404" pitchFamily="49" charset="0"/>
+                <a:cs typeface="Courier New" panose="02070309020205020404" pitchFamily="49" charset="0"/>
+              </a:rPr>
+              <a:t>new </a:t>
+            </a:r>
+            <a:r>
+              <a:rPr kumimoji="0" lang="fr-FR" altLang="fr-FR" sz="1200" b="0" i="0" u="none" strike="noStrike" cap="none" normalizeH="0" baseline="0" dirty="0" smtClean="0">
+                <a:ln>
+                  <a:noFill/>
+                </a:ln>
+                <a:solidFill>
+                  <a:srgbClr val="A9B7C6"/>
+                </a:solidFill>
+                <a:effectLst/>
+                <a:latin typeface="Courier New" panose="02070309020205020404" pitchFamily="49" charset="0"/>
+                <a:cs typeface="Courier New" panose="02070309020205020404" pitchFamily="49" charset="0"/>
+              </a:rPr>
+              <a:t>File(</a:t>
+            </a:r>
+            <a:r>
+              <a:rPr kumimoji="0" lang="fr-FR" altLang="fr-FR" sz="1200" b="0" i="0" u="none" strike="noStrike" cap="none" normalizeH="0" baseline="0" dirty="0" smtClean="0">
+                <a:ln>
+                  <a:noFill/>
+                </a:ln>
+                <a:solidFill>
+                  <a:srgbClr val="6A8759"/>
+                </a:solidFill>
+                <a:effectLst/>
+                <a:latin typeface="Courier New" panose="02070309020205020404" pitchFamily="49" charset="0"/>
+                <a:cs typeface="Courier New" panose="02070309020205020404" pitchFamily="49" charset="0"/>
+              </a:rPr>
+              <a:t>"F1"</a:t>
+            </a:r>
+            <a:r>
+              <a:rPr kumimoji="0" lang="fr-FR" altLang="fr-FR" sz="1200" b="0" i="0" u="none" strike="noStrike" cap="none" normalizeH="0" baseline="0" dirty="0" smtClean="0">
+                <a:ln>
+                  <a:noFill/>
+                </a:ln>
+                <a:solidFill>
+                  <a:srgbClr val="A9B7C6"/>
+                </a:solidFill>
+                <a:effectLst/>
+                <a:latin typeface="Courier New" panose="02070309020205020404" pitchFamily="49" charset="0"/>
+                <a:cs typeface="Courier New" panose="02070309020205020404" pitchFamily="49" charset="0"/>
+              </a:rPr>
+              <a:t>)</a:t>
+            </a:r>
+            <a:r>
+              <a:rPr kumimoji="0" lang="fr-FR" altLang="fr-FR" sz="1200" b="0" i="0" u="none" strike="noStrike" cap="none" normalizeH="0" baseline="0" dirty="0" smtClean="0">
+                <a:ln>
+                  <a:noFill/>
+                </a:ln>
+                <a:solidFill>
+                  <a:srgbClr val="CC7832"/>
+                </a:solidFill>
+                <a:effectLst/>
+                <a:latin typeface="Courier New" panose="02070309020205020404" pitchFamily="49" charset="0"/>
+                <a:cs typeface="Courier New" panose="02070309020205020404" pitchFamily="49" charset="0"/>
+              </a:rPr>
+              <a:t>;</a:t>
+            </a:r>
+            <a:br>
+              <a:rPr kumimoji="0" lang="fr-FR" altLang="fr-FR" sz="1200" b="0" i="0" u="none" strike="noStrike" cap="none" normalizeH="0" baseline="0" dirty="0" smtClean="0">
+                <a:ln>
+                  <a:noFill/>
+                </a:ln>
+                <a:solidFill>
+                  <a:srgbClr val="CC7832"/>
+                </a:solidFill>
+                <a:effectLst/>
+                <a:latin typeface="Courier New" panose="02070309020205020404" pitchFamily="49" charset="0"/>
+                <a:cs typeface="Courier New" panose="02070309020205020404" pitchFamily="49" charset="0"/>
+              </a:rPr>
+            </a:br>
+            <a:r>
+              <a:rPr kumimoji="0" lang="fr-FR" altLang="fr-FR" sz="1200" b="0" i="0" u="none" strike="noStrike" cap="none" normalizeH="0" baseline="0" dirty="0" smtClean="0">
+                <a:ln>
+                  <a:noFill/>
+                </a:ln>
+                <a:solidFill>
+                  <a:srgbClr val="CC7832"/>
+                </a:solidFill>
+                <a:effectLst/>
+                <a:latin typeface="Courier New" panose="02070309020205020404" pitchFamily="49" charset="0"/>
+                <a:cs typeface="Courier New" panose="02070309020205020404" pitchFamily="49" charset="0"/>
+              </a:rPr>
+              <a:t>        </a:t>
+            </a:r>
+            <a:r>
+              <a:rPr kumimoji="0" lang="fr-FR" altLang="fr-FR" sz="1200" b="0" i="0" u="none" strike="noStrike" cap="none" normalizeH="0" baseline="0" dirty="0" smtClean="0">
+                <a:ln>
+                  <a:noFill/>
+                </a:ln>
+                <a:solidFill>
+                  <a:srgbClr val="A9B7C6"/>
+                </a:solidFill>
+                <a:effectLst/>
+                <a:latin typeface="Courier New" panose="02070309020205020404" pitchFamily="49" charset="0"/>
+                <a:cs typeface="Courier New" panose="02070309020205020404" pitchFamily="49" charset="0"/>
+              </a:rPr>
+              <a:t>File </a:t>
+            </a:r>
+            <a:r>
+              <a:rPr kumimoji="0" lang="fr-FR" altLang="fr-FR" sz="1200" b="0" i="0" u="none" strike="noStrike" cap="none" normalizeH="0" baseline="0" dirty="0" err="1" smtClean="0">
+                <a:ln>
+                  <a:noFill/>
+                </a:ln>
+                <a:solidFill>
+                  <a:srgbClr val="A9B7C6"/>
+                </a:solidFill>
+                <a:effectLst/>
+                <a:latin typeface="Courier New" panose="02070309020205020404" pitchFamily="49" charset="0"/>
+                <a:cs typeface="Courier New" panose="02070309020205020404" pitchFamily="49" charset="0"/>
+              </a:rPr>
+              <a:t>symLink</a:t>
+            </a:r>
+            <a:r>
+              <a:rPr kumimoji="0" lang="fr-FR" altLang="fr-FR" sz="1200" b="0" i="0" u="none" strike="noStrike" cap="none" normalizeH="0" baseline="0" dirty="0" smtClean="0">
+                <a:ln>
+                  <a:noFill/>
+                </a:ln>
+                <a:solidFill>
+                  <a:srgbClr val="A9B7C6"/>
+                </a:solidFill>
+                <a:effectLst/>
+                <a:latin typeface="Courier New" panose="02070309020205020404" pitchFamily="49" charset="0"/>
+                <a:cs typeface="Courier New" panose="02070309020205020404" pitchFamily="49" charset="0"/>
+              </a:rPr>
+              <a:t> = </a:t>
+            </a:r>
+            <a:r>
+              <a:rPr kumimoji="0" lang="fr-FR" altLang="fr-FR" sz="1200" b="0" i="0" u="none" strike="noStrike" cap="none" normalizeH="0" baseline="0" dirty="0" smtClean="0">
+                <a:ln>
+                  <a:noFill/>
+                </a:ln>
+                <a:solidFill>
+                  <a:srgbClr val="CC7832"/>
+                </a:solidFill>
+                <a:effectLst/>
+                <a:latin typeface="Courier New" panose="02070309020205020404" pitchFamily="49" charset="0"/>
+                <a:cs typeface="Courier New" panose="02070309020205020404" pitchFamily="49" charset="0"/>
+              </a:rPr>
+              <a:t>new </a:t>
+            </a:r>
+            <a:r>
+              <a:rPr kumimoji="0" lang="fr-FR" altLang="fr-FR" sz="1200" b="0" i="0" u="none" strike="noStrike" cap="none" normalizeH="0" baseline="0" dirty="0" err="1" smtClean="0">
+                <a:ln>
+                  <a:noFill/>
+                </a:ln>
+                <a:solidFill>
+                  <a:srgbClr val="A9B7C6"/>
+                </a:solidFill>
+                <a:effectLst/>
+                <a:latin typeface="Courier New" panose="02070309020205020404" pitchFamily="49" charset="0"/>
+                <a:cs typeface="Courier New" panose="02070309020205020404" pitchFamily="49" charset="0"/>
+              </a:rPr>
+              <a:t>SymLink</a:t>
+            </a:r>
+            <a:r>
+              <a:rPr kumimoji="0" lang="fr-FR" altLang="fr-FR" sz="1200" b="0" i="0" u="none" strike="noStrike" cap="none" normalizeH="0" baseline="0" dirty="0" smtClean="0">
+                <a:ln>
+                  <a:noFill/>
+                </a:ln>
+                <a:solidFill>
+                  <a:srgbClr val="A9B7C6"/>
+                </a:solidFill>
+                <a:effectLst/>
+                <a:latin typeface="Courier New" panose="02070309020205020404" pitchFamily="49" charset="0"/>
+                <a:cs typeface="Courier New" panose="02070309020205020404" pitchFamily="49" charset="0"/>
+              </a:rPr>
+              <a:t>(</a:t>
+            </a:r>
+            <a:r>
+              <a:rPr kumimoji="0" lang="fr-FR" altLang="fr-FR" sz="1200" b="0" i="0" u="none" strike="noStrike" cap="none" normalizeH="0" baseline="0" dirty="0" smtClean="0">
+                <a:ln>
+                  <a:noFill/>
+                </a:ln>
+                <a:solidFill>
+                  <a:srgbClr val="6A8759"/>
+                </a:solidFill>
+                <a:effectLst/>
+                <a:latin typeface="Courier New" panose="02070309020205020404" pitchFamily="49" charset="0"/>
+                <a:cs typeface="Courier New" panose="02070309020205020404" pitchFamily="49" charset="0"/>
+              </a:rPr>
+              <a:t>"S1"</a:t>
+            </a:r>
+            <a:r>
+              <a:rPr kumimoji="0" lang="fr-FR" altLang="fr-FR" sz="1200" b="0" i="0" u="none" strike="noStrike" cap="none" normalizeH="0" baseline="0" dirty="0" smtClean="0">
+                <a:ln>
+                  <a:noFill/>
+                </a:ln>
+                <a:solidFill>
+                  <a:srgbClr val="CC7832"/>
+                </a:solidFill>
+                <a:effectLst/>
+                <a:latin typeface="Courier New" panose="02070309020205020404" pitchFamily="49" charset="0"/>
+                <a:cs typeface="Courier New" panose="02070309020205020404" pitchFamily="49" charset="0"/>
+              </a:rPr>
+              <a:t>, </a:t>
+            </a:r>
+            <a:r>
+              <a:rPr kumimoji="0" lang="fr-FR" altLang="fr-FR" sz="1200" b="0" i="0" u="none" strike="noStrike" cap="none" normalizeH="0" baseline="0" dirty="0" smtClean="0">
+                <a:ln>
+                  <a:noFill/>
+                </a:ln>
+                <a:solidFill>
+                  <a:srgbClr val="6A8759"/>
+                </a:solidFill>
+                <a:effectLst/>
+                <a:latin typeface="Courier New" panose="02070309020205020404" pitchFamily="49" charset="0"/>
+                <a:cs typeface="Courier New" panose="02070309020205020404" pitchFamily="49" charset="0"/>
+              </a:rPr>
+              <a:t>"/home/F1"</a:t>
+            </a:r>
+            <a:r>
+              <a:rPr kumimoji="0" lang="fr-FR" altLang="fr-FR" sz="1200" b="0" i="0" u="none" strike="noStrike" cap="none" normalizeH="0" baseline="0" dirty="0" smtClean="0">
+                <a:ln>
+                  <a:noFill/>
+                </a:ln>
+                <a:solidFill>
+                  <a:srgbClr val="A9B7C6"/>
+                </a:solidFill>
+                <a:effectLst/>
+                <a:latin typeface="Courier New" panose="02070309020205020404" pitchFamily="49" charset="0"/>
+                <a:cs typeface="Courier New" panose="02070309020205020404" pitchFamily="49" charset="0"/>
+              </a:rPr>
+              <a:t>)</a:t>
+            </a:r>
+            <a:r>
+              <a:rPr kumimoji="0" lang="fr-FR" altLang="fr-FR" sz="1200" b="0" i="0" u="none" strike="noStrike" cap="none" normalizeH="0" baseline="0" dirty="0" smtClean="0">
+                <a:ln>
+                  <a:noFill/>
+                </a:ln>
+                <a:solidFill>
+                  <a:srgbClr val="CC7832"/>
+                </a:solidFill>
+                <a:effectLst/>
+                <a:latin typeface="Courier New" panose="02070309020205020404" pitchFamily="49" charset="0"/>
+                <a:cs typeface="Courier New" panose="02070309020205020404" pitchFamily="49" charset="0"/>
+              </a:rPr>
+              <a:t>;</a:t>
+            </a:r>
+            <a:br>
+              <a:rPr kumimoji="0" lang="fr-FR" altLang="fr-FR" sz="1200" b="0" i="0" u="none" strike="noStrike" cap="none" normalizeH="0" baseline="0" dirty="0" smtClean="0">
+                <a:ln>
+                  <a:noFill/>
+                </a:ln>
+                <a:solidFill>
+                  <a:srgbClr val="CC7832"/>
+                </a:solidFill>
+                <a:effectLst/>
+                <a:latin typeface="Courier New" panose="02070309020205020404" pitchFamily="49" charset="0"/>
+                <a:cs typeface="Courier New" panose="02070309020205020404" pitchFamily="49" charset="0"/>
+              </a:rPr>
+            </a:br>
+            <a:r>
+              <a:rPr kumimoji="0" lang="fr-FR" altLang="fr-FR" sz="1200" b="0" i="0" u="none" strike="noStrike" cap="none" normalizeH="0" baseline="0" dirty="0" smtClean="0">
+                <a:ln>
+                  <a:noFill/>
+                </a:ln>
+                <a:solidFill>
+                  <a:srgbClr val="CC7832"/>
+                </a:solidFill>
+                <a:effectLst/>
+                <a:latin typeface="Courier New" panose="02070309020205020404" pitchFamily="49" charset="0"/>
+                <a:cs typeface="Courier New" panose="02070309020205020404" pitchFamily="49" charset="0"/>
+              </a:rPr>
+              <a:t>        </a:t>
+            </a:r>
+            <a:r>
+              <a:rPr kumimoji="0" lang="fr-FR" altLang="fr-FR" sz="1200" b="0" i="0" u="none" strike="noStrike" cap="none" normalizeH="0" baseline="0" dirty="0" smtClean="0">
+                <a:ln>
+                  <a:noFill/>
+                </a:ln>
+                <a:solidFill>
+                  <a:srgbClr val="A9B7C6"/>
+                </a:solidFill>
+                <a:effectLst/>
+                <a:latin typeface="Courier New" panose="02070309020205020404" pitchFamily="49" charset="0"/>
+                <a:cs typeface="Courier New" panose="02070309020205020404" pitchFamily="49" charset="0"/>
+              </a:rPr>
+              <a:t>File </a:t>
+            </a:r>
+            <a:r>
+              <a:rPr kumimoji="0" lang="fr-FR" altLang="fr-FR" sz="1200" b="0" i="0" u="none" strike="noStrike" cap="none" normalizeH="0" baseline="0" dirty="0" err="1" smtClean="0">
+                <a:ln>
+                  <a:noFill/>
+                </a:ln>
+                <a:solidFill>
+                  <a:srgbClr val="A9B7C6"/>
+                </a:solidFill>
+                <a:effectLst/>
+                <a:latin typeface="Courier New" panose="02070309020205020404" pitchFamily="49" charset="0"/>
+                <a:cs typeface="Courier New" panose="02070309020205020404" pitchFamily="49" charset="0"/>
+              </a:rPr>
+              <a:t>hardLink</a:t>
+            </a:r>
+            <a:r>
+              <a:rPr kumimoji="0" lang="fr-FR" altLang="fr-FR" sz="1200" b="0" i="0" u="none" strike="noStrike" cap="none" normalizeH="0" baseline="0" dirty="0" smtClean="0">
+                <a:ln>
+                  <a:noFill/>
+                </a:ln>
+                <a:solidFill>
+                  <a:srgbClr val="A9B7C6"/>
+                </a:solidFill>
+                <a:effectLst/>
+                <a:latin typeface="Courier New" panose="02070309020205020404" pitchFamily="49" charset="0"/>
+                <a:cs typeface="Courier New" panose="02070309020205020404" pitchFamily="49" charset="0"/>
+              </a:rPr>
+              <a:t> = </a:t>
+            </a:r>
+            <a:r>
+              <a:rPr kumimoji="0" lang="fr-FR" altLang="fr-FR" sz="1200" b="0" i="0" u="none" strike="noStrike" cap="none" normalizeH="0" baseline="0" dirty="0" smtClean="0">
+                <a:ln>
+                  <a:noFill/>
+                </a:ln>
+                <a:solidFill>
+                  <a:srgbClr val="CC7832"/>
+                </a:solidFill>
+                <a:effectLst/>
+                <a:latin typeface="Courier New" panose="02070309020205020404" pitchFamily="49" charset="0"/>
+                <a:cs typeface="Courier New" panose="02070309020205020404" pitchFamily="49" charset="0"/>
+              </a:rPr>
+              <a:t>new </a:t>
+            </a:r>
+            <a:r>
+              <a:rPr kumimoji="0" lang="fr-FR" altLang="fr-FR" sz="1200" b="0" i="0" u="none" strike="noStrike" cap="none" normalizeH="0" baseline="0" dirty="0" err="1" smtClean="0">
+                <a:ln>
+                  <a:noFill/>
+                </a:ln>
+                <a:solidFill>
+                  <a:srgbClr val="A9B7C6"/>
+                </a:solidFill>
+                <a:effectLst/>
+                <a:latin typeface="Courier New" panose="02070309020205020404" pitchFamily="49" charset="0"/>
+                <a:cs typeface="Courier New" panose="02070309020205020404" pitchFamily="49" charset="0"/>
+              </a:rPr>
+              <a:t>HardLink</a:t>
+            </a:r>
+            <a:r>
+              <a:rPr kumimoji="0" lang="fr-FR" altLang="fr-FR" sz="1200" b="0" i="0" u="none" strike="noStrike" cap="none" normalizeH="0" baseline="0" dirty="0" smtClean="0">
+                <a:ln>
+                  <a:noFill/>
+                </a:ln>
+                <a:solidFill>
+                  <a:srgbClr val="A9B7C6"/>
+                </a:solidFill>
+                <a:effectLst/>
+                <a:latin typeface="Courier New" panose="02070309020205020404" pitchFamily="49" charset="0"/>
+                <a:cs typeface="Courier New" panose="02070309020205020404" pitchFamily="49" charset="0"/>
+              </a:rPr>
+              <a:t>(</a:t>
+            </a:r>
+            <a:r>
+              <a:rPr kumimoji="0" lang="fr-FR" altLang="fr-FR" sz="1200" b="0" i="0" u="none" strike="noStrike" cap="none" normalizeH="0" baseline="0" dirty="0" smtClean="0">
+                <a:ln>
+                  <a:noFill/>
+                </a:ln>
+                <a:solidFill>
+                  <a:srgbClr val="6A8759"/>
+                </a:solidFill>
+                <a:effectLst/>
+                <a:latin typeface="Courier New" panose="02070309020205020404" pitchFamily="49" charset="0"/>
+                <a:cs typeface="Courier New" panose="02070309020205020404" pitchFamily="49" charset="0"/>
+              </a:rPr>
+              <a:t>"H1"</a:t>
+            </a:r>
+            <a:r>
+              <a:rPr kumimoji="0" lang="fr-FR" altLang="fr-FR" sz="1200" b="0" i="0" u="none" strike="noStrike" cap="none" normalizeH="0" baseline="0" dirty="0" smtClean="0">
+                <a:ln>
+                  <a:noFill/>
+                </a:ln>
+                <a:solidFill>
+                  <a:srgbClr val="CC7832"/>
+                </a:solidFill>
+                <a:effectLst/>
+                <a:latin typeface="Courier New" panose="02070309020205020404" pitchFamily="49" charset="0"/>
+                <a:cs typeface="Courier New" panose="02070309020205020404" pitchFamily="49" charset="0"/>
+              </a:rPr>
+              <a:t>, </a:t>
+            </a:r>
+            <a:r>
+              <a:rPr kumimoji="0" lang="fr-FR" altLang="fr-FR" sz="1200" b="0" i="0" u="none" strike="noStrike" cap="none" normalizeH="0" baseline="0" dirty="0" smtClean="0">
+                <a:ln>
+                  <a:noFill/>
+                </a:ln>
+                <a:solidFill>
+                  <a:srgbClr val="6A8759"/>
+                </a:solidFill>
+                <a:effectLst/>
+                <a:latin typeface="Courier New" panose="02070309020205020404" pitchFamily="49" charset="0"/>
+                <a:cs typeface="Courier New" panose="02070309020205020404" pitchFamily="49" charset="0"/>
+              </a:rPr>
+              <a:t>"/home/S1"</a:t>
+            </a:r>
+            <a:r>
+              <a:rPr kumimoji="0" lang="fr-FR" altLang="fr-FR" sz="1200" b="0" i="0" u="none" strike="noStrike" cap="none" normalizeH="0" baseline="0" dirty="0" smtClean="0">
+                <a:ln>
+                  <a:noFill/>
+                </a:ln>
+                <a:solidFill>
+                  <a:srgbClr val="CC7832"/>
+                </a:solidFill>
+                <a:effectLst/>
+                <a:latin typeface="Courier New" panose="02070309020205020404" pitchFamily="49" charset="0"/>
+                <a:cs typeface="Courier New" panose="02070309020205020404" pitchFamily="49" charset="0"/>
+              </a:rPr>
+              <a:t>, </a:t>
+            </a:r>
+            <a:r>
+              <a:rPr kumimoji="0" lang="fr-FR" altLang="fr-FR" sz="1200" b="0" i="0" u="none" strike="noStrike" cap="none" normalizeH="0" baseline="0" dirty="0" smtClean="0">
+                <a:ln>
+                  <a:noFill/>
+                </a:ln>
+                <a:solidFill>
+                  <a:srgbClr val="6897BB"/>
+                </a:solidFill>
+                <a:effectLst/>
+                <a:latin typeface="Courier New" panose="02070309020205020404" pitchFamily="49" charset="0"/>
+                <a:cs typeface="Courier New" panose="02070309020205020404" pitchFamily="49" charset="0"/>
+              </a:rPr>
+              <a:t>1</a:t>
+            </a:r>
+            <a:r>
+              <a:rPr kumimoji="0" lang="fr-FR" altLang="fr-FR" sz="1200" b="0" i="0" u="none" strike="noStrike" cap="none" normalizeH="0" baseline="0" dirty="0" smtClean="0">
+                <a:ln>
+                  <a:noFill/>
+                </a:ln>
+                <a:solidFill>
+                  <a:srgbClr val="A9B7C6"/>
+                </a:solidFill>
+                <a:effectLst/>
+                <a:latin typeface="Courier New" panose="02070309020205020404" pitchFamily="49" charset="0"/>
+                <a:cs typeface="Courier New" panose="02070309020205020404" pitchFamily="49" charset="0"/>
+              </a:rPr>
+              <a:t>)</a:t>
+            </a:r>
+            <a:r>
+              <a:rPr kumimoji="0" lang="fr-FR" altLang="fr-FR" sz="1200" b="0" i="0" u="none" strike="noStrike" cap="none" normalizeH="0" baseline="0" dirty="0" smtClean="0">
+                <a:ln>
+                  <a:noFill/>
+                </a:ln>
+                <a:solidFill>
+                  <a:srgbClr val="CC7832"/>
+                </a:solidFill>
+                <a:effectLst/>
+                <a:latin typeface="Courier New" panose="02070309020205020404" pitchFamily="49" charset="0"/>
+                <a:cs typeface="Courier New" panose="02070309020205020404" pitchFamily="49" charset="0"/>
+              </a:rPr>
+              <a:t>;</a:t>
+            </a:r>
+            <a:br>
+              <a:rPr kumimoji="0" lang="fr-FR" altLang="fr-FR" sz="1200" b="0" i="0" u="none" strike="noStrike" cap="none" normalizeH="0" baseline="0" dirty="0" smtClean="0">
+                <a:ln>
+                  <a:noFill/>
+                </a:ln>
+                <a:solidFill>
+                  <a:srgbClr val="CC7832"/>
+                </a:solidFill>
+                <a:effectLst/>
+                <a:latin typeface="Courier New" panose="02070309020205020404" pitchFamily="49" charset="0"/>
+                <a:cs typeface="Courier New" panose="02070309020205020404" pitchFamily="49" charset="0"/>
+              </a:rPr>
+            </a:br>
+            <a:endParaRPr kumimoji="0" lang="fr-FR" altLang="fr-FR" sz="1200" b="0" i="0" u="none" strike="noStrike" cap="none" normalizeH="0" baseline="0" dirty="0" smtClean="0">
+              <a:ln>
+                <a:noFill/>
+              </a:ln>
+              <a:solidFill>
+                <a:srgbClr val="CC7832"/>
+              </a:solidFill>
+              <a:effectLst/>
+              <a:latin typeface="Courier New" panose="02070309020205020404" pitchFamily="49" charset="0"/>
+              <a:cs typeface="Courier New" panose="02070309020205020404" pitchFamily="49" charset="0"/>
+            </a:endParaRPr>
+          </a:p>
+          <a:p>
+            <a:pPr marL="0" marR="0" lvl="0" indent="0" algn="l" defTabSz="914400" rtl="0" eaLnBrk="0" fontAlgn="base" latinLnBrk="0" hangingPunct="0">
+              <a:lnSpc>
+                <a:spcPct val="100000"/>
+              </a:lnSpc>
+              <a:spcBef>
+                <a:spcPct val="0"/>
+              </a:spcBef>
+              <a:spcAft>
+                <a:spcPct val="0"/>
+              </a:spcAft>
+              <a:buClrTx/>
+              <a:buSzTx/>
+              <a:buFontTx/>
+              <a:buNone/>
+              <a:tabLst/>
+            </a:pPr>
+            <a:r>
+              <a:rPr kumimoji="0" lang="fr-FR" altLang="fr-FR" sz="1200" b="0" i="0" u="none" strike="noStrike" cap="none" normalizeH="0" baseline="0" dirty="0" smtClean="0">
+                <a:ln>
+                  <a:noFill/>
+                </a:ln>
+                <a:solidFill>
+                  <a:srgbClr val="CC7832"/>
+                </a:solidFill>
+                <a:effectLst/>
+                <a:latin typeface="Courier New" panose="02070309020205020404" pitchFamily="49" charset="0"/>
+                <a:cs typeface="Courier New" panose="02070309020205020404" pitchFamily="49" charset="0"/>
+              </a:rPr>
+              <a:t/>
+            </a:r>
+            <a:br>
+              <a:rPr kumimoji="0" lang="fr-FR" altLang="fr-FR" sz="1200" b="0" i="0" u="none" strike="noStrike" cap="none" normalizeH="0" baseline="0" dirty="0" smtClean="0">
+                <a:ln>
+                  <a:noFill/>
+                </a:ln>
+                <a:solidFill>
+                  <a:srgbClr val="CC7832"/>
+                </a:solidFill>
+                <a:effectLst/>
+                <a:latin typeface="Courier New" panose="02070309020205020404" pitchFamily="49" charset="0"/>
+                <a:cs typeface="Courier New" panose="02070309020205020404" pitchFamily="49" charset="0"/>
+              </a:rPr>
+            </a:br>
+            <a:r>
+              <a:rPr kumimoji="0" lang="fr-FR" altLang="fr-FR" sz="1200" b="0" i="0" u="none" strike="noStrike" cap="none" normalizeH="0" baseline="0" dirty="0" smtClean="0">
+                <a:ln>
+                  <a:noFill/>
+                </a:ln>
+                <a:solidFill>
+                  <a:srgbClr val="CC7832"/>
+                </a:solidFill>
+                <a:effectLst/>
+                <a:latin typeface="Courier New" panose="02070309020205020404" pitchFamily="49" charset="0"/>
+                <a:cs typeface="Courier New" panose="02070309020205020404" pitchFamily="49" charset="0"/>
+              </a:rPr>
+              <a:t>        </a:t>
+            </a:r>
+            <a:r>
+              <a:rPr kumimoji="0" lang="fr-FR" altLang="fr-FR" sz="1200" b="0" i="0" u="none" strike="noStrike" cap="none" normalizeH="0" baseline="0" dirty="0" smtClean="0">
+                <a:ln>
+                  <a:noFill/>
+                </a:ln>
+                <a:solidFill>
+                  <a:srgbClr val="A9B7C6"/>
+                </a:solidFill>
+                <a:effectLst/>
+                <a:latin typeface="Courier New" panose="02070309020205020404" pitchFamily="49" charset="0"/>
+                <a:cs typeface="Courier New" panose="02070309020205020404" pitchFamily="49" charset="0"/>
+              </a:rPr>
+              <a:t>Printer </a:t>
+            </a:r>
+            <a:r>
+              <a:rPr kumimoji="0" lang="fr-FR" altLang="fr-FR" sz="1200" b="0" i="0" u="none" strike="noStrike" cap="none" normalizeH="0" baseline="0" dirty="0" err="1" smtClean="0">
+                <a:ln>
+                  <a:noFill/>
+                </a:ln>
+                <a:solidFill>
+                  <a:srgbClr val="A9B7C6"/>
+                </a:solidFill>
+                <a:effectLst/>
+                <a:latin typeface="Courier New" panose="02070309020205020404" pitchFamily="49" charset="0"/>
+                <a:cs typeface="Courier New" panose="02070309020205020404" pitchFamily="49" charset="0"/>
+              </a:rPr>
+              <a:t>printer</a:t>
+            </a:r>
+            <a:r>
+              <a:rPr kumimoji="0" lang="fr-FR" altLang="fr-FR" sz="1200" b="0" i="0" u="none" strike="noStrike" cap="none" normalizeH="0" baseline="0" dirty="0" smtClean="0">
+                <a:ln>
+                  <a:noFill/>
+                </a:ln>
+                <a:solidFill>
+                  <a:srgbClr val="A9B7C6"/>
+                </a:solidFill>
+                <a:effectLst/>
+                <a:latin typeface="Courier New" panose="02070309020205020404" pitchFamily="49" charset="0"/>
+                <a:cs typeface="Courier New" panose="02070309020205020404" pitchFamily="49" charset="0"/>
+              </a:rPr>
+              <a:t> = </a:t>
+            </a:r>
+            <a:r>
+              <a:rPr kumimoji="0" lang="fr-FR" altLang="fr-FR" sz="1200" b="0" i="0" u="none" strike="noStrike" cap="none" normalizeH="0" baseline="0" dirty="0" smtClean="0">
+                <a:ln>
+                  <a:noFill/>
+                </a:ln>
+                <a:solidFill>
+                  <a:srgbClr val="CC7832"/>
+                </a:solidFill>
+                <a:effectLst/>
+                <a:latin typeface="Courier New" panose="02070309020205020404" pitchFamily="49" charset="0"/>
+                <a:cs typeface="Courier New" panose="02070309020205020404" pitchFamily="49" charset="0"/>
+              </a:rPr>
+              <a:t>new </a:t>
+            </a:r>
+            <a:r>
+              <a:rPr kumimoji="0" lang="fr-FR" altLang="fr-FR" sz="1200" b="0" i="0" u="none" strike="noStrike" cap="none" normalizeH="0" baseline="0" dirty="0" smtClean="0">
+                <a:ln>
+                  <a:noFill/>
+                </a:ln>
+                <a:solidFill>
+                  <a:srgbClr val="A9B7C6"/>
+                </a:solidFill>
+                <a:effectLst/>
+                <a:latin typeface="Courier New" panose="02070309020205020404" pitchFamily="49" charset="0"/>
+                <a:cs typeface="Courier New" panose="02070309020205020404" pitchFamily="49" charset="0"/>
+              </a:rPr>
+              <a:t>Printer()</a:t>
+            </a:r>
+            <a:r>
+              <a:rPr kumimoji="0" lang="fr-FR" altLang="fr-FR" sz="1200" b="0" i="0" u="none" strike="noStrike" cap="none" normalizeH="0" baseline="0" dirty="0" smtClean="0">
+                <a:ln>
+                  <a:noFill/>
+                </a:ln>
+                <a:solidFill>
+                  <a:srgbClr val="CC7832"/>
+                </a:solidFill>
+                <a:effectLst/>
+                <a:latin typeface="Courier New" panose="02070309020205020404" pitchFamily="49" charset="0"/>
+                <a:cs typeface="Courier New" panose="02070309020205020404" pitchFamily="49" charset="0"/>
+              </a:rPr>
+              <a:t>;</a:t>
+            </a:r>
+            <a:br>
+              <a:rPr kumimoji="0" lang="fr-FR" altLang="fr-FR" sz="1200" b="0" i="0" u="none" strike="noStrike" cap="none" normalizeH="0" baseline="0" dirty="0" smtClean="0">
+                <a:ln>
+                  <a:noFill/>
+                </a:ln>
+                <a:solidFill>
+                  <a:srgbClr val="CC7832"/>
+                </a:solidFill>
+                <a:effectLst/>
+                <a:latin typeface="Courier New" panose="02070309020205020404" pitchFamily="49" charset="0"/>
+                <a:cs typeface="Courier New" panose="02070309020205020404" pitchFamily="49" charset="0"/>
+              </a:rPr>
+            </a:br>
+            <a:r>
+              <a:rPr kumimoji="0" lang="fr-FR" altLang="fr-FR" sz="1200" b="0" i="0" u="none" strike="noStrike" cap="none" normalizeH="0" baseline="0" dirty="0" smtClean="0">
+                <a:ln>
+                  <a:noFill/>
+                </a:ln>
+                <a:solidFill>
+                  <a:srgbClr val="CC7832"/>
+                </a:solidFill>
+                <a:effectLst/>
+                <a:latin typeface="Courier New" panose="02070309020205020404" pitchFamily="49" charset="0"/>
+                <a:cs typeface="Courier New" panose="02070309020205020404" pitchFamily="49" charset="0"/>
+              </a:rPr>
+              <a:t>        </a:t>
+            </a:r>
+            <a:r>
+              <a:rPr kumimoji="0" lang="fr-FR" altLang="fr-FR" sz="1200" b="0" i="0" u="none" strike="noStrike" cap="none" normalizeH="0" baseline="0" dirty="0" err="1" smtClean="0">
+                <a:ln>
+                  <a:noFill/>
+                </a:ln>
+                <a:solidFill>
+                  <a:srgbClr val="A9B7C6"/>
+                </a:solidFill>
+                <a:effectLst/>
+                <a:latin typeface="Courier New" panose="02070309020205020404" pitchFamily="49" charset="0"/>
+                <a:cs typeface="Courier New" panose="02070309020205020404" pitchFamily="49" charset="0"/>
+              </a:rPr>
+              <a:t>printer.print</a:t>
+            </a:r>
+            <a:r>
+              <a:rPr kumimoji="0" lang="fr-FR" altLang="fr-FR" sz="1200" b="0" i="0" u="none" strike="noStrike" cap="none" normalizeH="0" baseline="0" dirty="0" smtClean="0">
+                <a:ln>
+                  <a:noFill/>
+                </a:ln>
+                <a:solidFill>
+                  <a:srgbClr val="A9B7C6"/>
+                </a:solidFill>
+                <a:effectLst/>
+                <a:latin typeface="Courier New" panose="02070309020205020404" pitchFamily="49" charset="0"/>
+                <a:cs typeface="Courier New" panose="02070309020205020404" pitchFamily="49" charset="0"/>
+              </a:rPr>
+              <a:t>(file)</a:t>
+            </a:r>
+            <a:r>
+              <a:rPr kumimoji="0" lang="fr-FR" altLang="fr-FR" sz="1200" b="0" i="0" u="none" strike="noStrike" cap="none" normalizeH="0" baseline="0" dirty="0" smtClean="0">
+                <a:ln>
+                  <a:noFill/>
+                </a:ln>
+                <a:solidFill>
+                  <a:srgbClr val="CC7832"/>
+                </a:solidFill>
+                <a:effectLst/>
+                <a:latin typeface="Courier New" panose="02070309020205020404" pitchFamily="49" charset="0"/>
+                <a:cs typeface="Courier New" panose="02070309020205020404" pitchFamily="49" charset="0"/>
+              </a:rPr>
+              <a:t>;</a:t>
+            </a:r>
+            <a:br>
+              <a:rPr kumimoji="0" lang="fr-FR" altLang="fr-FR" sz="1200" b="0" i="0" u="none" strike="noStrike" cap="none" normalizeH="0" baseline="0" dirty="0" smtClean="0">
+                <a:ln>
+                  <a:noFill/>
+                </a:ln>
+                <a:solidFill>
+                  <a:srgbClr val="CC7832"/>
+                </a:solidFill>
+                <a:effectLst/>
+                <a:latin typeface="Courier New" panose="02070309020205020404" pitchFamily="49" charset="0"/>
+                <a:cs typeface="Courier New" panose="02070309020205020404" pitchFamily="49" charset="0"/>
+              </a:rPr>
+            </a:br>
+            <a:r>
+              <a:rPr kumimoji="0" lang="fr-FR" altLang="fr-FR" sz="1200" b="0" i="0" u="none" strike="noStrike" cap="none" normalizeH="0" baseline="0" dirty="0" smtClean="0">
+                <a:ln>
+                  <a:noFill/>
+                </a:ln>
+                <a:solidFill>
+                  <a:srgbClr val="CC7832"/>
+                </a:solidFill>
+                <a:effectLst/>
+                <a:latin typeface="Courier New" panose="02070309020205020404" pitchFamily="49" charset="0"/>
+                <a:cs typeface="Courier New" panose="02070309020205020404" pitchFamily="49" charset="0"/>
+              </a:rPr>
+              <a:t>        </a:t>
+            </a:r>
+            <a:r>
+              <a:rPr kumimoji="0" lang="fr-FR" altLang="fr-FR" sz="1200" b="0" i="0" u="none" strike="noStrike" cap="none" normalizeH="0" baseline="0" dirty="0" err="1" smtClean="0">
+                <a:ln>
+                  <a:noFill/>
+                </a:ln>
+                <a:solidFill>
+                  <a:srgbClr val="A9B7C6"/>
+                </a:solidFill>
+                <a:effectLst/>
+                <a:latin typeface="Courier New" panose="02070309020205020404" pitchFamily="49" charset="0"/>
+                <a:cs typeface="Courier New" panose="02070309020205020404" pitchFamily="49" charset="0"/>
+              </a:rPr>
+              <a:t>printer.print</a:t>
+            </a:r>
+            <a:r>
+              <a:rPr kumimoji="0" lang="fr-FR" altLang="fr-FR" sz="1200" b="0" i="0" u="none" strike="noStrike" cap="none" normalizeH="0" baseline="0" dirty="0" smtClean="0">
+                <a:ln>
+                  <a:noFill/>
+                </a:ln>
+                <a:solidFill>
+                  <a:srgbClr val="A9B7C6"/>
+                </a:solidFill>
+                <a:effectLst/>
+                <a:latin typeface="Courier New" panose="02070309020205020404" pitchFamily="49" charset="0"/>
+                <a:cs typeface="Courier New" panose="02070309020205020404" pitchFamily="49" charset="0"/>
+              </a:rPr>
+              <a:t>(</a:t>
+            </a:r>
+            <a:r>
+              <a:rPr kumimoji="0" lang="fr-FR" altLang="fr-FR" sz="1200" b="0" i="0" u="none" strike="noStrike" cap="none" normalizeH="0" baseline="0" dirty="0" err="1" smtClean="0">
+                <a:ln>
+                  <a:noFill/>
+                </a:ln>
+                <a:solidFill>
+                  <a:srgbClr val="A9B7C6"/>
+                </a:solidFill>
+                <a:effectLst/>
+                <a:latin typeface="Courier New" panose="02070309020205020404" pitchFamily="49" charset="0"/>
+                <a:cs typeface="Courier New" panose="02070309020205020404" pitchFamily="49" charset="0"/>
+              </a:rPr>
+              <a:t>symLink</a:t>
+            </a:r>
+            <a:r>
+              <a:rPr kumimoji="0" lang="fr-FR" altLang="fr-FR" sz="1200" b="0" i="0" u="none" strike="noStrike" cap="none" normalizeH="0" baseline="0" dirty="0" smtClean="0">
+                <a:ln>
+                  <a:noFill/>
+                </a:ln>
+                <a:solidFill>
+                  <a:srgbClr val="A9B7C6"/>
+                </a:solidFill>
+                <a:effectLst/>
+                <a:latin typeface="Courier New" panose="02070309020205020404" pitchFamily="49" charset="0"/>
+                <a:cs typeface="Courier New" panose="02070309020205020404" pitchFamily="49" charset="0"/>
+              </a:rPr>
+              <a:t>)</a:t>
+            </a:r>
+            <a:r>
+              <a:rPr kumimoji="0" lang="fr-FR" altLang="fr-FR" sz="1200" b="0" i="0" u="none" strike="noStrike" cap="none" normalizeH="0" baseline="0" dirty="0" smtClean="0">
+                <a:ln>
+                  <a:noFill/>
+                </a:ln>
+                <a:solidFill>
+                  <a:srgbClr val="CC7832"/>
+                </a:solidFill>
+                <a:effectLst/>
+                <a:latin typeface="Courier New" panose="02070309020205020404" pitchFamily="49" charset="0"/>
+                <a:cs typeface="Courier New" panose="02070309020205020404" pitchFamily="49" charset="0"/>
+              </a:rPr>
+              <a:t>;</a:t>
+            </a:r>
+            <a:br>
+              <a:rPr kumimoji="0" lang="fr-FR" altLang="fr-FR" sz="1200" b="0" i="0" u="none" strike="noStrike" cap="none" normalizeH="0" baseline="0" dirty="0" smtClean="0">
+                <a:ln>
+                  <a:noFill/>
+                </a:ln>
+                <a:solidFill>
+                  <a:srgbClr val="CC7832"/>
+                </a:solidFill>
+                <a:effectLst/>
+                <a:latin typeface="Courier New" panose="02070309020205020404" pitchFamily="49" charset="0"/>
+                <a:cs typeface="Courier New" panose="02070309020205020404" pitchFamily="49" charset="0"/>
+              </a:rPr>
+            </a:br>
+            <a:r>
+              <a:rPr kumimoji="0" lang="fr-FR" altLang="fr-FR" sz="1200" b="0" i="0" u="none" strike="noStrike" cap="none" normalizeH="0" baseline="0" dirty="0" smtClean="0">
+                <a:ln>
+                  <a:noFill/>
+                </a:ln>
+                <a:solidFill>
+                  <a:srgbClr val="CC7832"/>
+                </a:solidFill>
+                <a:effectLst/>
+                <a:latin typeface="Courier New" panose="02070309020205020404" pitchFamily="49" charset="0"/>
+                <a:cs typeface="Courier New" panose="02070309020205020404" pitchFamily="49" charset="0"/>
+              </a:rPr>
+              <a:t>        </a:t>
+            </a:r>
+            <a:r>
+              <a:rPr kumimoji="0" lang="fr-FR" altLang="fr-FR" sz="1200" b="0" i="0" u="none" strike="noStrike" cap="none" normalizeH="0" baseline="0" dirty="0" err="1" smtClean="0">
+                <a:ln>
+                  <a:noFill/>
+                </a:ln>
+                <a:solidFill>
+                  <a:srgbClr val="A9B7C6"/>
+                </a:solidFill>
+                <a:effectLst/>
+                <a:latin typeface="Courier New" panose="02070309020205020404" pitchFamily="49" charset="0"/>
+                <a:cs typeface="Courier New" panose="02070309020205020404" pitchFamily="49" charset="0"/>
+              </a:rPr>
+              <a:t>printer.print</a:t>
+            </a:r>
+            <a:r>
+              <a:rPr kumimoji="0" lang="fr-FR" altLang="fr-FR" sz="1200" b="0" i="0" u="none" strike="noStrike" cap="none" normalizeH="0" baseline="0" dirty="0" smtClean="0">
+                <a:ln>
+                  <a:noFill/>
+                </a:ln>
+                <a:solidFill>
+                  <a:srgbClr val="A9B7C6"/>
+                </a:solidFill>
+                <a:effectLst/>
+                <a:latin typeface="Courier New" panose="02070309020205020404" pitchFamily="49" charset="0"/>
+                <a:cs typeface="Courier New" panose="02070309020205020404" pitchFamily="49" charset="0"/>
+              </a:rPr>
+              <a:t>(</a:t>
+            </a:r>
+            <a:r>
+              <a:rPr kumimoji="0" lang="fr-FR" altLang="fr-FR" sz="1200" b="0" i="0" u="none" strike="noStrike" cap="none" normalizeH="0" baseline="0" dirty="0" err="1" smtClean="0">
+                <a:ln>
+                  <a:noFill/>
+                </a:ln>
+                <a:solidFill>
+                  <a:srgbClr val="A9B7C6"/>
+                </a:solidFill>
+                <a:effectLst/>
+                <a:latin typeface="Courier New" panose="02070309020205020404" pitchFamily="49" charset="0"/>
+                <a:cs typeface="Courier New" panose="02070309020205020404" pitchFamily="49" charset="0"/>
+              </a:rPr>
+              <a:t>hardLink</a:t>
+            </a:r>
+            <a:r>
+              <a:rPr kumimoji="0" lang="fr-FR" altLang="fr-FR" sz="1200" b="0" i="0" u="none" strike="noStrike" cap="none" normalizeH="0" baseline="0" dirty="0" smtClean="0">
+                <a:ln>
+                  <a:noFill/>
+                </a:ln>
+                <a:solidFill>
+                  <a:srgbClr val="A9B7C6"/>
+                </a:solidFill>
+                <a:effectLst/>
+                <a:latin typeface="Courier New" panose="02070309020205020404" pitchFamily="49" charset="0"/>
+                <a:cs typeface="Courier New" panose="02070309020205020404" pitchFamily="49" charset="0"/>
+              </a:rPr>
+              <a:t>)</a:t>
+            </a:r>
+            <a:r>
+              <a:rPr kumimoji="0" lang="fr-FR" altLang="fr-FR" sz="1200" b="0" i="0" u="none" strike="noStrike" cap="none" normalizeH="0" baseline="0" dirty="0" smtClean="0">
+                <a:ln>
+                  <a:noFill/>
+                </a:ln>
+                <a:solidFill>
+                  <a:srgbClr val="CC7832"/>
+                </a:solidFill>
+                <a:effectLst/>
+                <a:latin typeface="Courier New" panose="02070309020205020404" pitchFamily="49" charset="0"/>
+                <a:cs typeface="Courier New" panose="02070309020205020404" pitchFamily="49" charset="0"/>
+              </a:rPr>
+              <a:t>;</a:t>
+            </a:r>
+            <a:br>
+              <a:rPr kumimoji="0" lang="fr-FR" altLang="fr-FR" sz="1200" b="0" i="0" u="none" strike="noStrike" cap="none" normalizeH="0" baseline="0" dirty="0" smtClean="0">
+                <a:ln>
+                  <a:noFill/>
+                </a:ln>
+                <a:solidFill>
+                  <a:srgbClr val="CC7832"/>
+                </a:solidFill>
+                <a:effectLst/>
+                <a:latin typeface="Courier New" panose="02070309020205020404" pitchFamily="49" charset="0"/>
+                <a:cs typeface="Courier New" panose="02070309020205020404" pitchFamily="49" charset="0"/>
+              </a:rPr>
+            </a:br>
+            <a:r>
+              <a:rPr kumimoji="0" lang="fr-FR" altLang="fr-FR" sz="1200" b="0" i="0" u="none" strike="noStrike" cap="none" normalizeH="0" baseline="0" dirty="0" smtClean="0">
+                <a:ln>
+                  <a:noFill/>
+                </a:ln>
+                <a:solidFill>
+                  <a:srgbClr val="CC7832"/>
+                </a:solidFill>
+                <a:effectLst/>
+                <a:latin typeface="Courier New" panose="02070309020205020404" pitchFamily="49" charset="0"/>
+                <a:cs typeface="Courier New" panose="02070309020205020404" pitchFamily="49" charset="0"/>
+              </a:rPr>
+              <a:t>    </a:t>
+            </a:r>
+            <a:r>
+              <a:rPr kumimoji="0" lang="fr-FR" altLang="fr-FR" sz="1200" b="0" i="0" u="none" strike="noStrike" cap="none" normalizeH="0" baseline="0" dirty="0" smtClean="0">
+                <a:ln>
+                  <a:noFill/>
+                </a:ln>
+                <a:solidFill>
+                  <a:srgbClr val="A9B7C6"/>
+                </a:solidFill>
+                <a:effectLst/>
+                <a:latin typeface="Courier New" panose="02070309020205020404" pitchFamily="49" charset="0"/>
+                <a:cs typeface="Courier New" panose="02070309020205020404" pitchFamily="49" charset="0"/>
+              </a:rPr>
+              <a:t>}</a:t>
+            </a:r>
+            <a:br>
+              <a:rPr kumimoji="0" lang="fr-FR" altLang="fr-FR" sz="1200" b="0" i="0" u="none" strike="noStrike" cap="none" normalizeH="0" baseline="0" dirty="0" smtClean="0">
+                <a:ln>
+                  <a:noFill/>
+                </a:ln>
+                <a:solidFill>
+                  <a:srgbClr val="A9B7C6"/>
+                </a:solidFill>
+                <a:effectLst/>
+                <a:latin typeface="Courier New" panose="02070309020205020404" pitchFamily="49" charset="0"/>
+                <a:cs typeface="Courier New" panose="02070309020205020404" pitchFamily="49" charset="0"/>
+              </a:rPr>
+            </a:br>
+            <a:r>
+              <a:rPr kumimoji="0" lang="fr-FR" altLang="fr-FR" sz="1200" b="0" i="0" u="none" strike="noStrike" cap="none" normalizeH="0" baseline="0" dirty="0" smtClean="0">
+                <a:ln>
+                  <a:noFill/>
+                </a:ln>
+                <a:solidFill>
+                  <a:srgbClr val="A9B7C6"/>
+                </a:solidFill>
+                <a:effectLst/>
+                <a:latin typeface="Courier New" panose="02070309020205020404" pitchFamily="49" charset="0"/>
+                <a:cs typeface="Courier New" panose="02070309020205020404" pitchFamily="49" charset="0"/>
+              </a:rPr>
+              <a:t>}</a:t>
+            </a:r>
+            <a:endParaRPr kumimoji="0" lang="fr-FR" altLang="fr-FR" sz="1200" b="0" i="0" u="none" strike="noStrike" cap="none" normalizeH="0" baseline="0" dirty="0" smtClean="0">
+              <a:ln>
+                <a:noFill/>
+              </a:ln>
+              <a:solidFill>
+                <a:schemeClr val="tx1"/>
+              </a:solidFill>
+              <a:effectLst/>
+              <a:latin typeface="Arial" panose="020B0604020202020204" pitchFamily="34" charset="0"/>
+            </a:endParaRPr>
           </a:p>
         </p:txBody>
       </p:sp>
     </p:spTree>
     <p:extLst>
       <p:ext uri="{BB962C8B-B14F-4D97-AF65-F5344CB8AC3E}">
-        <p14:creationId xmlns:p14="http://schemas.microsoft.com/office/powerpoint/2010/main" val="2891628767"/>
+        <p14:creationId xmlns:p14="http://schemas.microsoft.com/office/powerpoint/2010/main" val="2691102586"/>
       </p:ext>
     </p:extLst>
   </p:cSld>
@@ -10396,7 +9867,7 @@
       </p:grpSpPr>
       <p:sp>
         <p:nvSpPr>
-          <p:cNvPr id="2" name="Titre 1"/>
+          <p:cNvPr id="5" name="Titre 4"/>
           <p:cNvSpPr>
             <a:spLocks noGrp="1"/>
           </p:cNvSpPr>
@@ -10411,58 +9882,327 @@
           <a:p>
             <a:pPr rtl="0"/>
             <a:r>
-              <a:rPr lang="fr-FR" dirty="0"/>
-              <a:t>Ajouter un titre de diapositive - 3</a:t>
-            </a:r>
+              <a:rPr lang="fr-FR" dirty="0" smtClean="0"/>
+              <a:t>Résultat</a:t>
+            </a:r>
+            <a:endParaRPr lang="fr-FR" dirty="0"/>
+          </a:p>
+        </p:txBody>
+      </p:sp>
+      <p:sp>
+        <p:nvSpPr>
+          <p:cNvPr id="6" name="Espace réservé du contenu 5"/>
+          <p:cNvSpPr>
+            <a:spLocks noGrp="1"/>
+          </p:cNvSpPr>
+          <p:nvPr>
+            <p:ph idx="1"/>
+          </p:nvPr>
+        </p:nvSpPr>
+        <p:spPr/>
+        <p:txBody>
+          <a:bodyPr rtlCol="0">
+            <a:normAutofit/>
+          </a:bodyPr>
+          <a:lstStyle/>
+          <a:p>
+            <a:pPr marL="3157175" lvl="7" indent="0">
+              <a:buNone/>
+            </a:pPr>
+            <a:r>
+              <a:rPr lang="pt-BR" sz="4400" b="1" dirty="0">
+                <a:solidFill>
+                  <a:schemeClr val="accent1">
+                    <a:lumMod val="75000"/>
+                  </a:schemeClr>
+                </a:solidFill>
+              </a:rPr>
+              <a:t>File: F1</a:t>
+            </a:r>
+          </a:p>
+          <a:p>
+            <a:pPr marL="3157175" lvl="7" indent="0">
+              <a:buNone/>
+            </a:pPr>
+            <a:r>
+              <a:rPr lang="pt-BR" sz="4400" b="1" dirty="0">
+                <a:solidFill>
+                  <a:schemeClr val="accent1">
+                    <a:lumMod val="75000"/>
+                  </a:schemeClr>
+                </a:solidFill>
+              </a:rPr>
+              <a:t>File: S1</a:t>
+            </a:r>
+          </a:p>
+          <a:p>
+            <a:pPr marL="3157175" lvl="7" indent="0">
+              <a:buNone/>
+            </a:pPr>
+            <a:r>
+              <a:rPr lang="pt-BR" sz="4400" b="1" dirty="0">
+                <a:solidFill>
+                  <a:schemeClr val="accent1">
+                    <a:lumMod val="75000"/>
+                  </a:schemeClr>
+                </a:solidFill>
+              </a:rPr>
+              <a:t>File: H1</a:t>
+            </a:r>
+            <a:endParaRPr lang="fr-FR" sz="4400" b="1" dirty="0">
+              <a:solidFill>
+                <a:schemeClr val="accent1">
+                  <a:lumMod val="75000"/>
+                </a:schemeClr>
+              </a:solidFill>
+            </a:endParaRPr>
+          </a:p>
+        </p:txBody>
+      </p:sp>
+      <p:sp>
+        <p:nvSpPr>
+          <p:cNvPr id="8" name="Espace réservé du contenu 5"/>
+          <p:cNvSpPr txBox="1">
+            <a:spLocks/>
+          </p:cNvSpPr>
+          <p:nvPr/>
+        </p:nvSpPr>
+        <p:spPr>
+          <a:xfrm>
+            <a:off x="1273544" y="3676650"/>
+            <a:ext cx="9850068" cy="2571750"/>
+          </a:xfrm>
+          <a:prstGeom prst="rect">
+            <a:avLst/>
+          </a:prstGeom>
+        </p:spPr>
+        <p:txBody>
+          <a:bodyPr vert="horz" lIns="121899" tIns="60949" rIns="121899" bIns="60949" rtlCol="0">
+            <a:normAutofit/>
+          </a:bodyPr>
+          <a:lstStyle>
+            <a:lvl1pPr marL="304747" indent="-304747" algn="l" defTabSz="1218987" rtl="0" eaLnBrk="1" latinLnBrk="0" hangingPunct="1">
+              <a:lnSpc>
+                <a:spcPct val="90000"/>
+              </a:lnSpc>
+              <a:spcBef>
+                <a:spcPts val="1800"/>
+              </a:spcBef>
+              <a:buClr>
+                <a:schemeClr val="accent1">
+                  <a:lumMod val="75000"/>
+                </a:schemeClr>
+              </a:buClr>
+              <a:buFont typeface="Arial" pitchFamily="34" charset="0"/>
+              <a:buChar char="•"/>
+              <a:defRPr sz="2800" kern="1200">
+                <a:solidFill>
+                  <a:schemeClr val="tx1"/>
+                </a:solidFill>
+                <a:latin typeface="+mn-lt"/>
+                <a:ea typeface="+mn-ea"/>
+                <a:cs typeface="+mn-cs"/>
+              </a:defRPr>
+            </a:lvl1pPr>
+            <a:lvl2pPr marL="755772" indent="-304747" algn="l" defTabSz="1218987" rtl="0" eaLnBrk="1" latinLnBrk="0" hangingPunct="1">
+              <a:lnSpc>
+                <a:spcPct val="90000"/>
+              </a:lnSpc>
+              <a:spcBef>
+                <a:spcPts val="1200"/>
+              </a:spcBef>
+              <a:buClr>
+                <a:schemeClr val="accent1">
+                  <a:lumMod val="75000"/>
+                </a:schemeClr>
+              </a:buClr>
+              <a:buFont typeface="Arial" pitchFamily="34" charset="0"/>
+              <a:buChar char="–"/>
+              <a:defRPr sz="2400" kern="1200">
+                <a:solidFill>
+                  <a:schemeClr val="tx1"/>
+                </a:solidFill>
+                <a:latin typeface="+mn-lt"/>
+                <a:ea typeface="+mn-ea"/>
+                <a:cs typeface="+mn-cs"/>
+              </a:defRPr>
+            </a:lvl2pPr>
+            <a:lvl3pPr marL="1206797" indent="-304747" algn="l" defTabSz="1218987" rtl="0" eaLnBrk="1" latinLnBrk="0" hangingPunct="1">
+              <a:lnSpc>
+                <a:spcPct val="90000"/>
+              </a:lnSpc>
+              <a:spcBef>
+                <a:spcPts val="800"/>
+              </a:spcBef>
+              <a:buClr>
+                <a:schemeClr val="accent1">
+                  <a:lumMod val="75000"/>
+                </a:schemeClr>
+              </a:buClr>
+              <a:buFont typeface="Arial" pitchFamily="34" charset="0"/>
+              <a:buChar char="•"/>
+              <a:defRPr sz="2000" kern="1200">
+                <a:solidFill>
+                  <a:schemeClr val="tx1"/>
+                </a:solidFill>
+                <a:latin typeface="+mn-lt"/>
+                <a:ea typeface="+mn-ea"/>
+                <a:cs typeface="+mn-cs"/>
+              </a:defRPr>
+            </a:lvl3pPr>
+            <a:lvl4pPr marL="1657822" indent="-304747" algn="l" defTabSz="1218987" rtl="0" eaLnBrk="1" latinLnBrk="0" hangingPunct="1">
+              <a:lnSpc>
+                <a:spcPct val="90000"/>
+              </a:lnSpc>
+              <a:spcBef>
+                <a:spcPts val="800"/>
+              </a:spcBef>
+              <a:buClr>
+                <a:schemeClr val="accent1">
+                  <a:lumMod val="75000"/>
+                </a:schemeClr>
+              </a:buClr>
+              <a:buFont typeface="Arial" pitchFamily="34" charset="0"/>
+              <a:buChar char="•"/>
+              <a:defRPr sz="2000" kern="1200">
+                <a:solidFill>
+                  <a:schemeClr val="tx1"/>
+                </a:solidFill>
+                <a:latin typeface="+mn-lt"/>
+                <a:ea typeface="+mn-ea"/>
+                <a:cs typeface="+mn-cs"/>
+              </a:defRPr>
+            </a:lvl4pPr>
+            <a:lvl5pPr marL="2108847" indent="-304747" algn="l" defTabSz="1218987" rtl="0" eaLnBrk="1" latinLnBrk="0" hangingPunct="1">
+              <a:lnSpc>
+                <a:spcPct val="90000"/>
+              </a:lnSpc>
+              <a:spcBef>
+                <a:spcPts val="800"/>
+              </a:spcBef>
+              <a:buClr>
+                <a:schemeClr val="accent1">
+                  <a:lumMod val="75000"/>
+                </a:schemeClr>
+              </a:buClr>
+              <a:buFont typeface="Arial" pitchFamily="34" charset="0"/>
+              <a:buChar char="•"/>
+              <a:defRPr sz="2000" kern="1200">
+                <a:solidFill>
+                  <a:schemeClr val="tx1"/>
+                </a:solidFill>
+                <a:latin typeface="+mn-lt"/>
+                <a:ea typeface="+mn-ea"/>
+                <a:cs typeface="+mn-cs"/>
+              </a:defRPr>
+            </a:lvl5pPr>
+            <a:lvl6pPr marL="2559872" indent="-304747" algn="l" defTabSz="1218987" rtl="0" eaLnBrk="1" latinLnBrk="0" hangingPunct="1">
+              <a:lnSpc>
+                <a:spcPct val="90000"/>
+              </a:lnSpc>
+              <a:spcBef>
+                <a:spcPts val="800"/>
+              </a:spcBef>
+              <a:buClr>
+                <a:schemeClr val="accent1"/>
+              </a:buClr>
+              <a:buFont typeface="Arial" pitchFamily="34" charset="0"/>
+              <a:buChar char="•"/>
+              <a:defRPr sz="2000" kern="1200" baseline="0">
+                <a:solidFill>
+                  <a:schemeClr val="tx1"/>
+                </a:solidFill>
+                <a:latin typeface="+mn-lt"/>
+                <a:ea typeface="+mn-ea"/>
+                <a:cs typeface="+mn-cs"/>
+              </a:defRPr>
+            </a:lvl6pPr>
+            <a:lvl7pPr marL="3010897" indent="-304747" algn="l" defTabSz="1218987" rtl="0" eaLnBrk="1" latinLnBrk="0" hangingPunct="1">
+              <a:lnSpc>
+                <a:spcPct val="90000"/>
+              </a:lnSpc>
+              <a:spcBef>
+                <a:spcPts val="800"/>
+              </a:spcBef>
+              <a:buClr>
+                <a:schemeClr val="accent1"/>
+              </a:buClr>
+              <a:buFont typeface="Arial" pitchFamily="34" charset="0"/>
+              <a:buChar char="•"/>
+              <a:defRPr sz="2000" kern="1200" baseline="0">
+                <a:solidFill>
+                  <a:schemeClr val="tx1"/>
+                </a:solidFill>
+                <a:latin typeface="+mn-lt"/>
+                <a:ea typeface="+mn-ea"/>
+                <a:cs typeface="+mn-cs"/>
+              </a:defRPr>
+            </a:lvl7pPr>
+            <a:lvl8pPr marL="3461922" indent="-304747" algn="l" defTabSz="1218987" rtl="0" eaLnBrk="1" latinLnBrk="0" hangingPunct="1">
+              <a:lnSpc>
+                <a:spcPct val="90000"/>
+              </a:lnSpc>
+              <a:spcBef>
+                <a:spcPts val="800"/>
+              </a:spcBef>
+              <a:buClr>
+                <a:schemeClr val="accent1"/>
+              </a:buClr>
+              <a:buFont typeface="Arial" pitchFamily="34" charset="0"/>
+              <a:buChar char="•"/>
+              <a:defRPr sz="2000" kern="1200" baseline="0">
+                <a:solidFill>
+                  <a:schemeClr val="tx1"/>
+                </a:solidFill>
+                <a:latin typeface="+mn-lt"/>
+                <a:ea typeface="+mn-ea"/>
+                <a:cs typeface="+mn-cs"/>
+              </a:defRPr>
+            </a:lvl8pPr>
+            <a:lvl9pPr marL="3912947" indent="-304747" algn="l" defTabSz="1218987" rtl="0" eaLnBrk="1" latinLnBrk="0" hangingPunct="1">
+              <a:lnSpc>
+                <a:spcPct val="90000"/>
+              </a:lnSpc>
+              <a:spcBef>
+                <a:spcPts val="800"/>
+              </a:spcBef>
+              <a:buClr>
+                <a:schemeClr val="accent1"/>
+              </a:buClr>
+              <a:buFont typeface="Arial" pitchFamily="34" charset="0"/>
+              <a:buChar char="•"/>
+              <a:defRPr sz="2000" kern="1200" baseline="0">
+                <a:solidFill>
+                  <a:schemeClr val="tx1"/>
+                </a:solidFill>
+                <a:latin typeface="+mn-lt"/>
+                <a:ea typeface="+mn-ea"/>
+                <a:cs typeface="+mn-cs"/>
+              </a:defRPr>
+            </a:lvl9pPr>
+          </a:lstStyle>
+          <a:p>
+            <a:endParaRPr lang="fr-FR" dirty="0" smtClean="0"/>
+          </a:p>
+          <a:p>
+            <a:r>
+              <a:rPr lang="fr-FR" sz="4000" dirty="0" smtClean="0"/>
+              <a:t>Les paramètres sont résolus à la compilation</a:t>
+            </a:r>
+            <a:endParaRPr lang="fr-FR" sz="4000" b="1" dirty="0" smtClean="0"/>
+          </a:p>
+          <a:p>
+            <a:endParaRPr lang="fr-FR" b="1" dirty="0" smtClean="0"/>
+          </a:p>
+          <a:p>
+            <a:endParaRPr lang="fr-FR" b="1" dirty="0" smtClean="0"/>
           </a:p>
         </p:txBody>
       </p:sp>
     </p:spTree>
     <p:extLst>
       <p:ext uri="{BB962C8B-B14F-4D97-AF65-F5344CB8AC3E}">
-        <p14:creationId xmlns:p14="http://schemas.microsoft.com/office/powerpoint/2010/main" val="2833839151"/>
-      </p:ext>
-    </p:extLst>
-  </p:cSld>
-  <p:clrMapOvr>
-    <a:masterClrMapping/>
-  </p:clrMapOvr>
-  <mc:AlternateContent xmlns:mc="http://schemas.openxmlformats.org/markup-compatibility/2006" xmlns:p14="http://schemas.microsoft.com/office/powerpoint/2010/main">
-    <mc:Choice Requires="p14">
-      <p:transition spd="med" p14:dur="700">
-        <p:fade/>
-      </p:transition>
-    </mc:Choice>
-    <mc:Fallback xmlns="">
-      <p:transition spd="med">
-        <p:fade/>
-      </p:transition>
-    </mc:Fallback>
-  </mc:AlternateContent>
-</p:sld>
-</file>
-
-<file path=ppt/slides/slide14.xml><?xml version="1.0" encoding="utf-8"?>
-<p:sld xmlns:a="http://schemas.openxmlformats.org/drawingml/2006/main" xmlns:r="http://schemas.openxmlformats.org/officeDocument/2006/relationships" xmlns:p="http://schemas.openxmlformats.org/presentationml/2006/main">
-  <p:cSld>
-    <p:spTree>
-      <p:nvGrpSpPr>
-        <p:cNvPr id="1" name=""/>
-        <p:cNvGrpSpPr/>
-        <p:nvPr/>
-      </p:nvGrpSpPr>
-      <p:grpSpPr>
-        <a:xfrm>
-          <a:off x="0" y="0"/>
-          <a:ext cx="0" cy="0"/>
-          <a:chOff x="0" y="0"/>
-          <a:chExt cx="0" cy="0"/>
-        </a:xfrm>
-      </p:grpSpPr>
-    </p:spTree>
-    <p:extLst>
-      <p:ext uri="{BB962C8B-B14F-4D97-AF65-F5344CB8AC3E}">
-        <p14:creationId xmlns:p14="http://schemas.microsoft.com/office/powerpoint/2010/main" val="4106284169"/>
+        <p14:creationId xmlns:p14="http://schemas.microsoft.com/office/powerpoint/2010/main" val="3442940909"/>
       </p:ext>
     </p:extLst>
   </p:cSld>
@@ -10488,217 +10228,6 @@
       </p:par>
     </p:tnLst>
   </p:timing>
-</p:sld>
-</file>
-
-<file path=ppt/slides/slide15.xml><?xml version="1.0" encoding="utf-8"?>
-<p:sld xmlns:a="http://schemas.openxmlformats.org/drawingml/2006/main" xmlns:r="http://schemas.openxmlformats.org/officeDocument/2006/relationships" xmlns:p="http://schemas.openxmlformats.org/presentationml/2006/main">
-  <p:cSld>
-    <p:spTree>
-      <p:nvGrpSpPr>
-        <p:cNvPr id="1" name=""/>
-        <p:cNvGrpSpPr/>
-        <p:nvPr/>
-      </p:nvGrpSpPr>
-      <p:grpSpPr>
-        <a:xfrm>
-          <a:off x="0" y="0"/>
-          <a:ext cx="0" cy="0"/>
-          <a:chOff x="0" y="0"/>
-          <a:chExt cx="0" cy="0"/>
-        </a:xfrm>
-      </p:grpSpPr>
-      <p:sp>
-        <p:nvSpPr>
-          <p:cNvPr id="2" name="Titre 1"/>
-          <p:cNvSpPr>
-            <a:spLocks noGrp="1"/>
-          </p:cNvSpPr>
-          <p:nvPr>
-            <p:ph type="title"/>
-          </p:nvPr>
-        </p:nvSpPr>
-        <p:spPr/>
-        <p:txBody>
-          <a:bodyPr rtlCol="0"/>
-          <a:lstStyle/>
-          <a:p>
-            <a:pPr rtl="0"/>
-            <a:r>
-              <a:rPr lang="fr-FR" dirty="0"/>
-              <a:t>Ajouter un titre de diapositive - 4</a:t>
-            </a:r>
-          </a:p>
-        </p:txBody>
-      </p:sp>
-      <p:sp>
-        <p:nvSpPr>
-          <p:cNvPr id="3" name="Espace réservé du contenu 2"/>
-          <p:cNvSpPr>
-            <a:spLocks noGrp="1"/>
-          </p:cNvSpPr>
-          <p:nvPr>
-            <p:ph idx="1"/>
-          </p:nvPr>
-        </p:nvSpPr>
-        <p:spPr/>
-        <p:txBody>
-          <a:bodyPr rtlCol="0"/>
-          <a:lstStyle/>
-          <a:p>
-            <a:pPr rtl="0"/>
-            <a:endParaRPr lang="fr-FR" dirty="0"/>
-          </a:p>
-        </p:txBody>
-      </p:sp>
-      <p:sp>
-        <p:nvSpPr>
-          <p:cNvPr id="4" name="Espace réservé du texte 3"/>
-          <p:cNvSpPr>
-            <a:spLocks noGrp="1"/>
-          </p:cNvSpPr>
-          <p:nvPr>
-            <p:ph type="body" sz="half" idx="2"/>
-          </p:nvPr>
-        </p:nvSpPr>
-        <p:spPr/>
-        <p:txBody>
-          <a:bodyPr rtlCol="0"/>
-          <a:lstStyle/>
-          <a:p>
-            <a:pPr rtl="0"/>
-            <a:endParaRPr lang="fr-FR" dirty="0"/>
-          </a:p>
-        </p:txBody>
-      </p:sp>
-    </p:spTree>
-    <p:extLst>
-      <p:ext uri="{BB962C8B-B14F-4D97-AF65-F5344CB8AC3E}">
-        <p14:creationId xmlns:p14="http://schemas.microsoft.com/office/powerpoint/2010/main" val="182260020"/>
-      </p:ext>
-    </p:extLst>
-  </p:cSld>
-  <p:clrMapOvr>
-    <a:masterClrMapping/>
-  </p:clrMapOvr>
-  <mc:AlternateContent xmlns:mc="http://schemas.openxmlformats.org/markup-compatibility/2006" xmlns:p14="http://schemas.microsoft.com/office/powerpoint/2010/main">
-    <mc:Choice Requires="p14">
-      <p:transition spd="med" p14:dur="700">
-        <p:fade/>
-      </p:transition>
-    </mc:Choice>
-    <mc:Fallback xmlns="">
-      <p:transition spd="med">
-        <p:fade/>
-      </p:transition>
-    </mc:Fallback>
-  </mc:AlternateContent>
-  <p:timing>
-    <p:tnLst>
-      <p:par>
-        <p:cTn id="1" dur="indefinite" restart="never" nodeType="tmRoot"/>
-      </p:par>
-    </p:tnLst>
-  </p:timing>
-</p:sld>
-</file>
-
-<file path=ppt/slides/slide16.xml><?xml version="1.0" encoding="utf-8"?>
-<p:sld xmlns:a="http://schemas.openxmlformats.org/drawingml/2006/main" xmlns:r="http://schemas.openxmlformats.org/officeDocument/2006/relationships" xmlns:p="http://schemas.openxmlformats.org/presentationml/2006/main">
-  <p:cSld>
-    <p:spTree>
-      <p:nvGrpSpPr>
-        <p:cNvPr id="1" name=""/>
-        <p:cNvGrpSpPr/>
-        <p:nvPr/>
-      </p:nvGrpSpPr>
-      <p:grpSpPr>
-        <a:xfrm>
-          <a:off x="0" y="0"/>
-          <a:ext cx="0" cy="0"/>
-          <a:chOff x="0" y="0"/>
-          <a:chExt cx="0" cy="0"/>
-        </a:xfrm>
-      </p:grpSpPr>
-      <p:sp>
-        <p:nvSpPr>
-          <p:cNvPr id="2" name="Titre 1"/>
-          <p:cNvSpPr>
-            <a:spLocks noGrp="1"/>
-          </p:cNvSpPr>
-          <p:nvPr>
-            <p:ph type="title"/>
-          </p:nvPr>
-        </p:nvSpPr>
-        <p:spPr/>
-        <p:txBody>
-          <a:bodyPr rtlCol="0"/>
-          <a:lstStyle/>
-          <a:p>
-            <a:pPr rtl="0"/>
-            <a:r>
-              <a:rPr lang="fr-FR" dirty="0"/>
-              <a:t>Ajouter un titre de diapositive - 5</a:t>
-            </a:r>
-          </a:p>
-        </p:txBody>
-      </p:sp>
-      <p:sp>
-        <p:nvSpPr>
-          <p:cNvPr id="6" name="Espace réservé d’image 5" descr="Espace réservé vide pour ajouter une image. Cliquez sur l’espace réservé et sélectionnez l’image à ajouter"/>
-          <p:cNvSpPr>
-            <a:spLocks noGrp="1"/>
-          </p:cNvSpPr>
-          <p:nvPr>
-            <p:ph type="pic" idx="1"/>
-          </p:nvPr>
-        </p:nvSpPr>
-        <p:spPr/>
-      </p:sp>
-      <p:sp>
-        <p:nvSpPr>
-          <p:cNvPr id="4" name="Espace réservé du texte 3"/>
-          <p:cNvSpPr>
-            <a:spLocks noGrp="1"/>
-          </p:cNvSpPr>
-          <p:nvPr>
-            <p:ph type="body" sz="half" idx="2"/>
-          </p:nvPr>
-        </p:nvSpPr>
-        <p:spPr/>
-        <p:txBody>
-          <a:bodyPr rtlCol="0">
-            <a:normAutofit/>
-          </a:bodyPr>
-          <a:lstStyle/>
-          <a:p>
-            <a:pPr rtl="0"/>
-            <a:endParaRPr lang="fr-FR" dirty="0"/>
-          </a:p>
-        </p:txBody>
-      </p:sp>
-    </p:spTree>
-    <p:extLst>
-      <p:ext uri="{BB962C8B-B14F-4D97-AF65-F5344CB8AC3E}">
-        <p14:creationId xmlns:p14="http://schemas.microsoft.com/office/powerpoint/2010/main" val="1544840953"/>
-      </p:ext>
-    </p:extLst>
-  </p:cSld>
-  <p:clrMapOvr>
-    <a:masterClrMapping/>
-  </p:clrMapOvr>
-  <mc:AlternateContent xmlns:mc="http://schemas.openxmlformats.org/markup-compatibility/2006" xmlns:p14="http://schemas.microsoft.com/office/powerpoint/2010/main">
-    <mc:Choice Requires="p14">
-      <p:transition spd="med" p14:dur="700">
-        <p:fade/>
-      </p:transition>
-    </mc:Choice>
-    <mc:Fallback xmlns="">
-      <p:transition spd="med">
-        <p:fade/>
-      </p:transition>
-    </mc:Fallback>
-  </mc:AlternateContent>
 </p:sld>
 </file>
 
@@ -11097,10 +10626,7 @@
           <a:bodyPr rtlCol="0"/>
           <a:lstStyle/>
           <a:p>
-            <a:pPr marL="857250" indent="-857250" rtl="0">
-              <a:buFont typeface="+mj-lt"/>
-              <a:buAutoNum type="alphaUcPeriod"/>
-            </a:pPr>
+            <a:pPr rtl="0"/>
             <a:r>
               <a:rPr lang="fr-FR" dirty="0" smtClean="0"/>
               <a:t>Problème</a:t>
@@ -11479,7 +11005,7 @@
           <a:p>
             <a:pPr marL="742950" indent="-742950" rtl="0">
               <a:buFont typeface="+mj-lt"/>
-              <a:buAutoNum type="alphaLcParenR"/>
+              <a:buAutoNum type="arabicPeriod"/>
             </a:pPr>
             <a:r>
               <a:rPr lang="fr-FR" dirty="0" smtClean="0"/>
@@ -11657,7 +11183,7 @@
           <a:p>
             <a:pPr marL="742950" indent="-742950" rtl="0">
               <a:buFont typeface="+mj-lt"/>
-              <a:buAutoNum type="alphaLcParenR" startAt="2"/>
+              <a:buAutoNum type="arabicPeriod" startAt="2"/>
             </a:pPr>
             <a:r>
               <a:rPr lang="fr-FR" dirty="0" smtClean="0"/>
@@ -11840,11 +11366,11 @@
           <a:p>
             <a:pPr marL="742950" indent="-742950" rtl="0">
               <a:buFont typeface="+mj-lt"/>
-              <a:buAutoNum type="alphaLcParenR" startAt="3"/>
+              <a:buAutoNum type="arabicPeriod" startAt="3"/>
             </a:pPr>
             <a:r>
               <a:rPr lang="fr-FR" dirty="0" smtClean="0"/>
-              <a:t>Deuxième implémentation</a:t>
+              <a:t>Troisième implémentation</a:t>
             </a:r>
             <a:endParaRPr lang="fr-FR" dirty="0"/>
           </a:p>
@@ -13152,11 +12678,11 @@
           <a:p>
             <a:pPr marL="742950" indent="-742950" rtl="0">
               <a:buFont typeface="+mj-lt"/>
-              <a:buAutoNum type="alphaLcParenR" startAt="3"/>
+              <a:buAutoNum type="arabicPeriod" startAt="3"/>
             </a:pPr>
             <a:r>
               <a:rPr lang="fr-FR" dirty="0" smtClean="0"/>
-              <a:t>Deuxième implémentation</a:t>
+              <a:t>Troisième implémentation</a:t>
             </a:r>
             <a:endParaRPr lang="fr-FR" dirty="0"/>
           </a:p>
@@ -14010,6 +13536,17 @@
 </file>
 
 <file path=customXml/item1.xml><?xml version="1.0" encoding="utf-8"?>
+<p:properties xmlns:p="http://schemas.microsoft.com/office/2006/metadata/properties" xmlns:xsi="http://www.w3.org/2001/XMLSchema-instance" xmlns:pc="http://schemas.microsoft.com/office/infopath/2007/PartnerControls">
+  <documentManagement>
+    <VSO_x0020_item_x0020_id xmlns="40262f94-9f35-4ac3-9a90-690165a166b7" xsi:nil="true"/>
+    <Assetid_x0020_ xmlns="40262f94-9f35-4ac3-9a90-690165a166b7" xsi:nil="true"/>
+    <Item_x0020_Details xmlns="40262f94-9f35-4ac3-9a90-690165a166b7" xsi:nil="true"/>
+    <Template_x0020_details xmlns="40262f94-9f35-4ac3-9a90-690165a166b7" xsi:nil="true"/>
+  </documentManagement>
+</p:properties>
+</file>
+
+<file path=customXml/item2.xml><?xml version="1.0" encoding="utf-8"?>
 <ct:contentTypeSchema xmlns:ct="http://schemas.microsoft.com/office/2006/metadata/contentType" xmlns:ma="http://schemas.microsoft.com/office/2006/metadata/properties/metaAttributes" ct:_="" ma:_="" ma:contentTypeName="Document" ma:contentTypeID="0x010100AA3F7D94069FF64A86F7DFF56D60E3BE" ma:contentTypeVersion="6" ma:contentTypeDescription="Create a new document." ma:contentTypeScope="" ma:versionID="c32302c77d4085ecf495bdddb7f5e889">
   <xsd:schema xmlns:xsd="http://www.w3.org/2001/XMLSchema" xmlns:xs="http://www.w3.org/2001/XMLSchema" xmlns:p="http://schemas.microsoft.com/office/2006/metadata/properties" xmlns:ns2="a4f35948-e619-41b3-aa29-22878b09cfd2" xmlns:ns3="40262f94-9f35-4ac3-9a90-690165a166b7" targetNamespace="http://schemas.microsoft.com/office/2006/metadata/properties" ma:root="true" ma:fieldsID="4ab5ae46be95f9d0be6107e8200be7a2" ns2:_="" ns3:_="">
     <xsd:import namespace="a4f35948-e619-41b3-aa29-22878b09cfd2"/>
@@ -14190,17 +13727,6 @@
 </ct:contentTypeSchema>
 </file>
 
-<file path=customXml/item2.xml><?xml version="1.0" encoding="utf-8"?>
-<p:properties xmlns:p="http://schemas.microsoft.com/office/2006/metadata/properties" xmlns:xsi="http://www.w3.org/2001/XMLSchema-instance" xmlns:pc="http://schemas.microsoft.com/office/infopath/2007/PartnerControls">
-  <documentManagement>
-    <VSO_x0020_item_x0020_id xmlns="40262f94-9f35-4ac3-9a90-690165a166b7" xsi:nil="true"/>
-    <Assetid_x0020_ xmlns="40262f94-9f35-4ac3-9a90-690165a166b7" xsi:nil="true"/>
-    <Item_x0020_Details xmlns="40262f94-9f35-4ac3-9a90-690165a166b7" xsi:nil="true"/>
-    <Template_x0020_details xmlns="40262f94-9f35-4ac3-9a90-690165a166b7" xsi:nil="true"/>
-  </documentManagement>
-</p:properties>
-</file>
-
 <file path=customXml/item3.xml><?xml version="1.0" encoding="utf-8"?>
 <?mso-contentType ?>
 <FormTemplates xmlns="http://schemas.microsoft.com/sharepoint/v3/contenttype/forms">
@@ -14211,6 +13737,23 @@
 </file>
 
 <file path=customXml/itemProps1.xml><?xml version="1.0" encoding="utf-8"?>
+<ds:datastoreItem xmlns:ds="http://schemas.openxmlformats.org/officeDocument/2006/customXml" ds:itemID="{5E700CCB-20BA-4760-AB9F-AC3B63ED32E0}">
+  <ds:schemaRefs>
+    <ds:schemaRef ds:uri="http://schemas.microsoft.com/office/2006/metadata/properties"/>
+    <ds:schemaRef ds:uri="a4f35948-e619-41b3-aa29-22878b09cfd2"/>
+    <ds:schemaRef ds:uri="http://schemas.microsoft.com/office/2006/documentManagement/types"/>
+    <ds:schemaRef ds:uri="http://purl.org/dc/elements/1.1/"/>
+    <ds:schemaRef ds:uri="http://purl.org/dc/terms/"/>
+    <ds:schemaRef ds:uri="http://www.w3.org/XML/1998/namespace"/>
+    <ds:schemaRef ds:uri="http://purl.org/dc/dcmitype/"/>
+    <ds:schemaRef ds:uri="http://schemas.microsoft.com/office/infopath/2007/PartnerControls"/>
+    <ds:schemaRef ds:uri="http://schemas.openxmlformats.org/package/2006/metadata/core-properties"/>
+    <ds:schemaRef ds:uri="40262f94-9f35-4ac3-9a90-690165a166b7"/>
+  </ds:schemaRefs>
+</ds:datastoreItem>
+</file>
+
+<file path=customXml/itemProps2.xml><?xml version="1.0" encoding="utf-8"?>
 <ds:datastoreItem xmlns:ds="http://schemas.openxmlformats.org/officeDocument/2006/customXml" ds:itemID="{FB14945D-DABB-422F-9B28-D299995C9226}">
   <ds:schemaRefs>
     <ds:schemaRef ds:uri="http://schemas.microsoft.com/office/2006/metadata/contentType"/>
@@ -14229,23 +13772,6 @@
 </ds:datastoreItem>
 </file>
 
-<file path=customXml/itemProps2.xml><?xml version="1.0" encoding="utf-8"?>
-<ds:datastoreItem xmlns:ds="http://schemas.openxmlformats.org/officeDocument/2006/customXml" ds:itemID="{5E700CCB-20BA-4760-AB9F-AC3B63ED32E0}">
-  <ds:schemaRefs>
-    <ds:schemaRef ds:uri="http://schemas.microsoft.com/office/2006/metadata/properties"/>
-    <ds:schemaRef ds:uri="a4f35948-e619-41b3-aa29-22878b09cfd2"/>
-    <ds:schemaRef ds:uri="http://schemas.microsoft.com/office/2006/documentManagement/types"/>
-    <ds:schemaRef ds:uri="http://purl.org/dc/elements/1.1/"/>
-    <ds:schemaRef ds:uri="http://purl.org/dc/terms/"/>
-    <ds:schemaRef ds:uri="http://www.w3.org/XML/1998/namespace"/>
-    <ds:schemaRef ds:uri="http://purl.org/dc/dcmitype/"/>
-    <ds:schemaRef ds:uri="http://schemas.microsoft.com/office/infopath/2007/PartnerControls"/>
-    <ds:schemaRef ds:uri="http://schemas.openxmlformats.org/package/2006/metadata/core-properties"/>
-    <ds:schemaRef ds:uri="40262f94-9f35-4ac3-9a90-690165a166b7"/>
-  </ds:schemaRefs>
-</ds:datastoreItem>
-</file>
-
 <file path=customXml/itemProps3.xml><?xml version="1.0" encoding="utf-8"?>
 <ds:datastoreItem xmlns:ds="http://schemas.openxmlformats.org/officeDocument/2006/customXml" ds:itemID="{308942AA-0721-4324-BC2C-A3CB43F24E71}">
   <ds:schemaRefs>

--- a/doc/Patterns.pptx
+++ b/doc/Patterns.pptx
@@ -5,10 +5,10 @@
     <p:sldMasterId id="2147483648" r:id="rId4"/>
   </p:sldMasterIdLst>
   <p:notesMasterIdLst>
-    <p:notesMasterId r:id="rId18"/>
+    <p:notesMasterId r:id="rId20"/>
   </p:notesMasterIdLst>
   <p:handoutMasterIdLst>
-    <p:handoutMasterId r:id="rId19"/>
+    <p:handoutMasterId r:id="rId21"/>
   </p:handoutMasterIdLst>
   <p:sldIdLst>
     <p:sldId id="256" r:id="rId5"/>
@@ -24,6 +24,8 @@
     <p:sldId id="279" r:id="rId15"/>
     <p:sldId id="280" r:id="rId16"/>
     <p:sldId id="281" r:id="rId17"/>
+    <p:sldId id="282" r:id="rId18"/>
+    <p:sldId id="283" r:id="rId19"/>
   </p:sldIdLst>
   <p:sldSz cx="12188825" cy="6858000"/>
   <p:notesSz cx="6858000" cy="9144000"/>
@@ -239,7 +241,7 @@
             <a:pPr rtl="0"/>
             <a:fld id="{439A2291-0035-4D64-A7A5-F36AC1AF399D}" type="datetime1">
               <a:rPr lang="fr-FR" smtClean="0"/>
-              <a:t>18/03/2018</a:t>
+              <a:t>19/03/2018</a:t>
             </a:fld>
             <a:endParaRPr lang="fr-FR" dirty="0"/>
           </a:p>
@@ -409,7 +411,7 @@
             <a:pPr rtl="0"/>
             <a:fld id="{4419B5CD-CE9D-4F17-8DE3-0045DF2A06F1}" type="datetime1">
               <a:rPr lang="fr-FR" noProof="0" smtClean="0"/>
-              <a:t>18/03/2018</a:t>
+              <a:t>19/03/2018</a:t>
             </a:fld>
             <a:endParaRPr lang="fr-FR" noProof="0" dirty="0"/>
           </a:p>
@@ -1096,6 +1098,176 @@
     <p:extLst>
       <p:ext uri="{BB962C8B-B14F-4D97-AF65-F5344CB8AC3E}">
         <p14:creationId xmlns:p14="http://schemas.microsoft.com/office/powerpoint/2010/main" val="458188093"/>
+      </p:ext>
+    </p:extLst>
+  </p:cSld>
+  <p:clrMapOvr>
+    <a:masterClrMapping/>
+  </p:clrMapOvr>
+</p:notes>
+</file>
+
+<file path=ppt/notesSlides/notesSlide14.xml><?xml version="1.0" encoding="utf-8"?>
+<p:notes xmlns:a="http://schemas.openxmlformats.org/drawingml/2006/main" xmlns:r="http://schemas.openxmlformats.org/officeDocument/2006/relationships" xmlns:p="http://schemas.openxmlformats.org/presentationml/2006/main">
+  <p:cSld>
+    <p:spTree>
+      <p:nvGrpSpPr>
+        <p:cNvPr id="1" name=""/>
+        <p:cNvGrpSpPr/>
+        <p:nvPr/>
+      </p:nvGrpSpPr>
+      <p:grpSpPr>
+        <a:xfrm>
+          <a:off x="0" y="0"/>
+          <a:ext cx="0" cy="0"/>
+          <a:chOff x="0" y="0"/>
+          <a:chExt cx="0" cy="0"/>
+        </a:xfrm>
+      </p:grpSpPr>
+      <p:sp>
+        <p:nvSpPr>
+          <p:cNvPr id="2" name="Espace réservé de l'image des diapositives 1"/>
+          <p:cNvSpPr>
+            <a:spLocks noGrp="1" noRot="1" noChangeAspect="1"/>
+          </p:cNvSpPr>
+          <p:nvPr>
+            <p:ph type="sldImg"/>
+          </p:nvPr>
+        </p:nvSpPr>
+        <p:spPr/>
+      </p:sp>
+      <p:sp>
+        <p:nvSpPr>
+          <p:cNvPr id="3" name="Espace réservé des notes 2"/>
+          <p:cNvSpPr>
+            <a:spLocks noGrp="1"/>
+          </p:cNvSpPr>
+          <p:nvPr>
+            <p:ph type="body" idx="1"/>
+          </p:nvPr>
+        </p:nvSpPr>
+        <p:spPr/>
+        <p:txBody>
+          <a:bodyPr/>
+          <a:lstStyle/>
+          <a:p>
+            <a:endParaRPr lang="fr-FR" dirty="0"/>
+          </a:p>
+        </p:txBody>
+      </p:sp>
+      <p:sp>
+        <p:nvSpPr>
+          <p:cNvPr id="4" name="Espace réservé du numéro de diapositive 3"/>
+          <p:cNvSpPr>
+            <a:spLocks noGrp="1"/>
+          </p:cNvSpPr>
+          <p:nvPr>
+            <p:ph type="sldNum" sz="quarter" idx="10"/>
+          </p:nvPr>
+        </p:nvSpPr>
+        <p:spPr/>
+        <p:txBody>
+          <a:bodyPr/>
+          <a:lstStyle/>
+          <a:p>
+            <a:pPr rtl="0"/>
+            <a:fld id="{B045B7DE-1198-4F2F-B574-CA8CAE341642}" type="slidenum">
+              <a:rPr lang="fr-FR" smtClean="0"/>
+              <a:t>14</a:t>
+            </a:fld>
+            <a:endParaRPr lang="fr-FR" dirty="0"/>
+          </a:p>
+        </p:txBody>
+      </p:sp>
+    </p:spTree>
+    <p:extLst>
+      <p:ext uri="{BB962C8B-B14F-4D97-AF65-F5344CB8AC3E}">
+        <p14:creationId xmlns:p14="http://schemas.microsoft.com/office/powerpoint/2010/main" val="3498094191"/>
+      </p:ext>
+    </p:extLst>
+  </p:cSld>
+  <p:clrMapOvr>
+    <a:masterClrMapping/>
+  </p:clrMapOvr>
+</p:notes>
+</file>
+
+<file path=ppt/notesSlides/notesSlide15.xml><?xml version="1.0" encoding="utf-8"?>
+<p:notes xmlns:a="http://schemas.openxmlformats.org/drawingml/2006/main" xmlns:r="http://schemas.openxmlformats.org/officeDocument/2006/relationships" xmlns:p="http://schemas.openxmlformats.org/presentationml/2006/main">
+  <p:cSld>
+    <p:spTree>
+      <p:nvGrpSpPr>
+        <p:cNvPr id="1" name=""/>
+        <p:cNvGrpSpPr/>
+        <p:nvPr/>
+      </p:nvGrpSpPr>
+      <p:grpSpPr>
+        <a:xfrm>
+          <a:off x="0" y="0"/>
+          <a:ext cx="0" cy="0"/>
+          <a:chOff x="0" y="0"/>
+          <a:chExt cx="0" cy="0"/>
+        </a:xfrm>
+      </p:grpSpPr>
+      <p:sp>
+        <p:nvSpPr>
+          <p:cNvPr id="2" name="Espace réservé de l'image des diapositives 1"/>
+          <p:cNvSpPr>
+            <a:spLocks noGrp="1" noRot="1" noChangeAspect="1"/>
+          </p:cNvSpPr>
+          <p:nvPr>
+            <p:ph type="sldImg"/>
+          </p:nvPr>
+        </p:nvSpPr>
+        <p:spPr/>
+      </p:sp>
+      <p:sp>
+        <p:nvSpPr>
+          <p:cNvPr id="3" name="Espace réservé des notes 2"/>
+          <p:cNvSpPr>
+            <a:spLocks noGrp="1"/>
+          </p:cNvSpPr>
+          <p:nvPr>
+            <p:ph type="body" idx="1"/>
+          </p:nvPr>
+        </p:nvSpPr>
+        <p:spPr/>
+        <p:txBody>
+          <a:bodyPr/>
+          <a:lstStyle/>
+          <a:p>
+            <a:endParaRPr lang="fr-FR" dirty="0"/>
+          </a:p>
+        </p:txBody>
+      </p:sp>
+      <p:sp>
+        <p:nvSpPr>
+          <p:cNvPr id="4" name="Espace réservé du numéro de diapositive 3"/>
+          <p:cNvSpPr>
+            <a:spLocks noGrp="1"/>
+          </p:cNvSpPr>
+          <p:nvPr>
+            <p:ph type="sldNum" sz="quarter" idx="10"/>
+          </p:nvPr>
+        </p:nvSpPr>
+        <p:spPr/>
+        <p:txBody>
+          <a:bodyPr/>
+          <a:lstStyle/>
+          <a:p>
+            <a:pPr rtl="0"/>
+            <a:fld id="{B045B7DE-1198-4F2F-B574-CA8CAE341642}" type="slidenum">
+              <a:rPr lang="fr-FR" smtClean="0"/>
+              <a:t>15</a:t>
+            </a:fld>
+            <a:endParaRPr lang="fr-FR" dirty="0"/>
+          </a:p>
+        </p:txBody>
+      </p:sp>
+    </p:spTree>
+    <p:extLst>
+      <p:ext uri="{BB962C8B-B14F-4D97-AF65-F5344CB8AC3E}">
+        <p14:creationId xmlns:p14="http://schemas.microsoft.com/office/powerpoint/2010/main" val="104769776"/>
       </p:ext>
     </p:extLst>
   </p:cSld>
@@ -2173,7 +2345,7 @@
             <a:pPr rtl="0"/>
             <a:fld id="{FFED7672-6A17-4383-8E11-B703B2F244DD}" type="datetime1">
               <a:rPr lang="fr-FR" noProof="0" smtClean="0"/>
-              <a:t>18/03/2018</a:t>
+              <a:t>19/03/2018</a:t>
             </a:fld>
             <a:endParaRPr lang="fr-FR" noProof="0" dirty="0"/>
           </a:p>
@@ -2378,7 +2550,7 @@
             <a:pPr rtl="0"/>
             <a:fld id="{E1450B91-7D53-40A4-B2F5-AA5E0059FF2C}" type="datetime1">
               <a:rPr lang="fr-FR" noProof="0" smtClean="0"/>
-              <a:t>18/03/2018</a:t>
+              <a:t>19/03/2018</a:t>
             </a:fld>
             <a:endParaRPr lang="fr-FR" noProof="0" dirty="0"/>
           </a:p>
@@ -2932,7 +3104,7 @@
             <a:pPr rtl="0"/>
             <a:fld id="{3B681A6B-7357-4D25-8FC7-B90E847B95A8}" type="datetime1">
               <a:rPr lang="fr-FR" noProof="0" smtClean="0"/>
-              <a:t>18/03/2018</a:t>
+              <a:t>19/03/2018</a:t>
             </a:fld>
             <a:endParaRPr lang="fr-FR" noProof="0" dirty="0"/>
           </a:p>
@@ -3137,7 +3309,7 @@
             <a:pPr rtl="0"/>
             <a:fld id="{80C5A66A-4BD8-442B-B2CE-4DDC3F185A34}" type="datetime1">
               <a:rPr lang="fr-FR" noProof="0" smtClean="0"/>
-              <a:t>18/03/2018</a:t>
+              <a:t>19/03/2018</a:t>
             </a:fld>
             <a:endParaRPr lang="fr-FR" noProof="0" dirty="0"/>
           </a:p>
@@ -3745,7 +3917,7 @@
             <a:pPr rtl="0"/>
             <a:fld id="{70B7FDAA-B5D3-4E22-A82E-02191A2150B9}" type="datetime1">
               <a:rPr lang="fr-FR" noProof="0" smtClean="0"/>
-              <a:t>18/03/2018</a:t>
+              <a:t>19/03/2018</a:t>
             </a:fld>
             <a:endParaRPr lang="fr-FR" noProof="0" dirty="0"/>
           </a:p>
@@ -4061,7 +4233,7 @@
             <a:pPr rtl="0"/>
             <a:fld id="{BADF8559-33F4-416D-A710-49A46B99982C}" type="datetime1">
               <a:rPr lang="fr-FR" noProof="0" smtClean="0"/>
-              <a:t>18/03/2018</a:t>
+              <a:t>19/03/2018</a:t>
             </a:fld>
             <a:endParaRPr lang="fr-FR" noProof="0" dirty="0"/>
           </a:p>
@@ -4527,7 +4699,7 @@
             <a:pPr rtl="0"/>
             <a:fld id="{CF92E5DF-51C7-4012-82D0-A6F20F8A1C3B}" type="datetime1">
               <a:rPr lang="fr-FR" noProof="0" smtClean="0"/>
-              <a:t>18/03/2018</a:t>
+              <a:t>19/03/2018</a:t>
             </a:fld>
             <a:endParaRPr lang="fr-FR" noProof="0" dirty="0"/>
           </a:p>
@@ -4664,7 +4836,7 @@
             <a:pPr rtl="0"/>
             <a:fld id="{A66353DA-E3F6-4188-A918-D5978D2DC352}" type="datetime1">
               <a:rPr lang="fr-FR" noProof="0" smtClean="0"/>
-              <a:t>18/03/2018</a:t>
+              <a:t>19/03/2018</a:t>
             </a:fld>
             <a:endParaRPr lang="fr-FR" noProof="0" dirty="0"/>
           </a:p>
@@ -4960,7 +5132,7 @@
             <a:pPr rtl="0"/>
             <a:fld id="{227CDB5E-87EB-400A-AF0C-7B4E7074CB2E}" type="datetime1">
               <a:rPr lang="fr-FR" noProof="0" smtClean="0"/>
-              <a:t>18/03/2018</a:t>
+              <a:t>19/03/2018</a:t>
             </a:fld>
             <a:endParaRPr lang="fr-FR" noProof="0" dirty="0"/>
           </a:p>
@@ -5263,7 +5435,7 @@
             <a:pPr rtl="0"/>
             <a:fld id="{9B92CBFA-02BE-4A2B-B3DF-CE42DCACD8FF}" type="datetime1">
               <a:rPr lang="fr-FR" noProof="0" smtClean="0"/>
-              <a:t>18/03/2018</a:t>
+              <a:t>19/03/2018</a:t>
             </a:fld>
             <a:endParaRPr lang="fr-FR" noProof="0" dirty="0"/>
           </a:p>
@@ -5552,7 +5724,7 @@
             <a:pPr rtl="0"/>
             <a:fld id="{5B8044B4-8DC2-481B-A751-5605C20AC4B9}" type="datetime1">
               <a:rPr lang="fr-FR" noProof="0" smtClean="0"/>
-              <a:t>18/03/2018</a:t>
+              <a:t>19/03/2018</a:t>
             </a:fld>
             <a:endParaRPr lang="fr-FR" noProof="0" dirty="0"/>
           </a:p>
@@ -6135,7 +6307,7 @@
             <a:pPr rtl="0"/>
             <a:fld id="{01DFB95D-D541-4088-8BCE-2FF8F06A12B2}" type="datetime1">
               <a:rPr lang="fr-FR" noProof="0" smtClean="0"/>
-              <a:t>18/03/2018</a:t>
+              <a:t>19/03/2018</a:t>
             </a:fld>
             <a:endParaRPr lang="fr-FR" noProof="0" dirty="0"/>
           </a:p>
@@ -10203,6 +10375,2395 @@
     <p:extLst>
       <p:ext uri="{BB962C8B-B14F-4D97-AF65-F5344CB8AC3E}">
         <p14:creationId xmlns:p14="http://schemas.microsoft.com/office/powerpoint/2010/main" val="3442940909"/>
+      </p:ext>
+    </p:extLst>
+  </p:cSld>
+  <p:clrMapOvr>
+    <a:masterClrMapping/>
+  </p:clrMapOvr>
+  <mc:AlternateContent xmlns:mc="http://schemas.openxmlformats.org/markup-compatibility/2006" xmlns:p14="http://schemas.microsoft.com/office/powerpoint/2010/main">
+    <mc:Choice Requires="p14">
+      <p:transition spd="med" p14:dur="700">
+        <p:fade/>
+      </p:transition>
+    </mc:Choice>
+    <mc:Fallback xmlns="">
+      <p:transition spd="med">
+        <p:fade/>
+      </p:transition>
+    </mc:Fallback>
+  </mc:AlternateContent>
+  <p:timing>
+    <p:tnLst>
+      <p:par>
+        <p:cTn id="1" dur="indefinite" restart="never" nodeType="tmRoot"/>
+      </p:par>
+    </p:tnLst>
+  </p:timing>
+</p:sld>
+</file>
+
+<file path=ppt/slides/slide14.xml><?xml version="1.0" encoding="utf-8"?>
+<p:sld xmlns:a="http://schemas.openxmlformats.org/drawingml/2006/main" xmlns:r="http://schemas.openxmlformats.org/officeDocument/2006/relationships" xmlns:p="http://schemas.openxmlformats.org/presentationml/2006/main">
+  <p:cSld>
+    <p:spTree>
+      <p:nvGrpSpPr>
+        <p:cNvPr id="1" name=""/>
+        <p:cNvGrpSpPr/>
+        <p:nvPr/>
+      </p:nvGrpSpPr>
+      <p:grpSpPr>
+        <a:xfrm>
+          <a:off x="0" y="0"/>
+          <a:ext cx="0" cy="0"/>
+          <a:chOff x="0" y="0"/>
+          <a:chExt cx="0" cy="0"/>
+        </a:xfrm>
+      </p:grpSpPr>
+      <p:pic>
+        <p:nvPicPr>
+          <p:cNvPr id="3" name="Image 2"/>
+          <p:cNvPicPr>
+            <a:picLocks noChangeAspect="1"/>
+          </p:cNvPicPr>
+          <p:nvPr/>
+        </p:nvPicPr>
+        <p:blipFill>
+          <a:blip r:embed="rId3">
+            <a:extLst>
+              <a:ext uri="{28A0092B-C50C-407E-A947-70E740481C1C}">
+                <a14:useLocalDpi xmlns:a14="http://schemas.microsoft.com/office/drawing/2010/main" val="0"/>
+              </a:ext>
+            </a:extLst>
+          </a:blip>
+          <a:stretch>
+            <a:fillRect/>
+          </a:stretch>
+        </p:blipFill>
+        <p:spPr>
+          <a:xfrm>
+            <a:off x="4113212" y="685800"/>
+            <a:ext cx="7591425" cy="4438650"/>
+          </a:xfrm>
+          <a:prstGeom prst="rect">
+            <a:avLst/>
+          </a:prstGeom>
+        </p:spPr>
+      </p:pic>
+      <p:sp>
+        <p:nvSpPr>
+          <p:cNvPr id="2" name="Titre 1"/>
+          <p:cNvSpPr>
+            <a:spLocks noGrp="1"/>
+          </p:cNvSpPr>
+          <p:nvPr>
+            <p:ph type="title"/>
+          </p:nvPr>
+        </p:nvSpPr>
+        <p:spPr/>
+        <p:txBody>
+          <a:bodyPr rtlCol="0"/>
+          <a:lstStyle/>
+          <a:p>
+            <a:pPr marL="742950" indent="-742950" rtl="0">
+              <a:buFont typeface="+mj-lt"/>
+              <a:buAutoNum type="arabicPeriod"/>
+            </a:pPr>
+            <a:r>
+              <a:rPr lang="fr-FR" dirty="0" smtClean="0"/>
+              <a:t>Première </a:t>
+            </a:r>
+            <a:r>
+              <a:rPr lang="fr-FR" dirty="0" smtClean="0"/>
+              <a:t>solution</a:t>
+            </a:r>
+            <a:endParaRPr lang="fr-FR" dirty="0"/>
+          </a:p>
+        </p:txBody>
+      </p:sp>
+      <p:sp>
+        <p:nvSpPr>
+          <p:cNvPr id="4" name="Rectangle 1"/>
+          <p:cNvSpPr>
+            <a:spLocks noGrp="1" noChangeArrowheads="1"/>
+          </p:cNvSpPr>
+          <p:nvPr>
+            <p:ph sz="half" idx="1"/>
+          </p:nvPr>
+        </p:nvSpPr>
+        <p:spPr bwMode="auto">
+          <a:xfrm>
+            <a:off x="836612" y="2751046"/>
+            <a:ext cx="4876800" cy="2446824"/>
+          </a:xfrm>
+          <a:prstGeom prst="rect">
+            <a:avLst/>
+          </a:prstGeom>
+          <a:solidFill>
+            <a:srgbClr val="2B2B2B"/>
+          </a:solidFill>
+          <a:ln>
+            <a:noFill/>
+          </a:ln>
+          <a:effectLst/>
+          <a:extLst>
+            <a:ext uri="{91240B29-F687-4F45-9708-019B960494DF}">
+              <a14:hiddenLine xmlns:a14="http://schemas.microsoft.com/office/drawing/2010/main" w="9525">
+                <a:solidFill>
+                  <a:schemeClr val="tx1"/>
+                </a:solidFill>
+                <a:miter lim="800000"/>
+                <a:headEnd/>
+                <a:tailEnd/>
+              </a14:hiddenLine>
+            </a:ext>
+            <a:ext uri="{AF507438-7753-43E0-B8FC-AC1667EBCBE1}">
+              <a14:hiddenEffects xmlns:a14="http://schemas.microsoft.com/office/drawing/2010/main">
+                <a:effectLst>
+                  <a:outerShdw dist="35921" dir="2700000" algn="ctr" rotWithShape="0">
+                    <a:schemeClr val="bg2"/>
+                  </a:outerShdw>
+                </a:effectLst>
+              </a14:hiddenEffects>
+            </a:ext>
+          </a:extLst>
+        </p:spPr>
+        <p:txBody>
+          <a:bodyPr vert="horz" wrap="square" lIns="91440" tIns="45720" rIns="91440" bIns="45720" numCol="1" anchor="ctr" anchorCtr="0" compatLnSpc="1">
+            <a:prstTxWarp prst="textNoShape">
+              <a:avLst/>
+            </a:prstTxWarp>
+            <a:spAutoFit/>
+          </a:bodyPr>
+          <a:lstStyle/>
+          <a:p>
+            <a:pPr marL="0" marR="0" lvl="0" indent="0" algn="l" defTabSz="914400" rtl="0" eaLnBrk="0" fontAlgn="base" latinLnBrk="0" hangingPunct="0">
+              <a:lnSpc>
+                <a:spcPct val="100000"/>
+              </a:lnSpc>
+              <a:spcBef>
+                <a:spcPct val="0"/>
+              </a:spcBef>
+              <a:spcAft>
+                <a:spcPct val="0"/>
+              </a:spcAft>
+              <a:buClrTx/>
+              <a:buSzTx/>
+              <a:buFontTx/>
+              <a:buNone/>
+              <a:tabLst/>
+            </a:pPr>
+            <a:r>
+              <a:rPr kumimoji="0" lang="fr-FR" altLang="fr-FR" sz="900" b="0" i="0" u="none" strike="noStrike" cap="none" normalizeH="0" baseline="0" smtClean="0">
+                <a:ln>
+                  <a:noFill/>
+                </a:ln>
+                <a:solidFill>
+                  <a:srgbClr val="CC7832"/>
+                </a:solidFill>
+                <a:effectLst/>
+                <a:latin typeface="Courier New" panose="02070309020205020404" pitchFamily="49" charset="0"/>
+                <a:cs typeface="Courier New" panose="02070309020205020404" pitchFamily="49" charset="0"/>
+              </a:rPr>
+              <a:t>public class </a:t>
+            </a:r>
+            <a:r>
+              <a:rPr kumimoji="0" lang="fr-FR" altLang="fr-FR" sz="900" b="0" i="0" u="none" strike="noStrike" cap="none" normalizeH="0" baseline="0" smtClean="0">
+                <a:ln>
+                  <a:noFill/>
+                </a:ln>
+                <a:solidFill>
+                  <a:srgbClr val="A9B7C6"/>
+                </a:solidFill>
+                <a:effectLst/>
+                <a:latin typeface="Courier New" panose="02070309020205020404" pitchFamily="49" charset="0"/>
+                <a:cs typeface="Courier New" panose="02070309020205020404" pitchFamily="49" charset="0"/>
+              </a:rPr>
+              <a:t>SymLink </a:t>
+            </a:r>
+            <a:r>
+              <a:rPr kumimoji="0" lang="fr-FR" altLang="fr-FR" sz="900" b="0" i="0" u="none" strike="noStrike" cap="none" normalizeH="0" baseline="0" smtClean="0">
+                <a:ln>
+                  <a:noFill/>
+                </a:ln>
+                <a:solidFill>
+                  <a:srgbClr val="CC7832"/>
+                </a:solidFill>
+                <a:effectLst/>
+                <a:latin typeface="Courier New" panose="02070309020205020404" pitchFamily="49" charset="0"/>
+                <a:cs typeface="Courier New" panose="02070309020205020404" pitchFamily="49" charset="0"/>
+              </a:rPr>
+              <a:t>extends </a:t>
+            </a:r>
+            <a:r>
+              <a:rPr kumimoji="0" lang="fr-FR" altLang="fr-FR" sz="900" b="0" i="0" u="none" strike="noStrike" cap="none" normalizeH="0" baseline="0" smtClean="0">
+                <a:ln>
+                  <a:noFill/>
+                </a:ln>
+                <a:solidFill>
+                  <a:srgbClr val="A9B7C6"/>
+                </a:solidFill>
+                <a:effectLst/>
+                <a:latin typeface="Courier New" panose="02070309020205020404" pitchFamily="49" charset="0"/>
+                <a:cs typeface="Courier New" panose="02070309020205020404" pitchFamily="49" charset="0"/>
+              </a:rPr>
+              <a:t>File {</a:t>
+            </a:r>
+            <a:br>
+              <a:rPr kumimoji="0" lang="fr-FR" altLang="fr-FR" sz="900" b="0" i="0" u="none" strike="noStrike" cap="none" normalizeH="0" baseline="0" smtClean="0">
+                <a:ln>
+                  <a:noFill/>
+                </a:ln>
+                <a:solidFill>
+                  <a:srgbClr val="A9B7C6"/>
+                </a:solidFill>
+                <a:effectLst/>
+                <a:latin typeface="Courier New" panose="02070309020205020404" pitchFamily="49" charset="0"/>
+                <a:cs typeface="Courier New" panose="02070309020205020404" pitchFamily="49" charset="0"/>
+              </a:rPr>
+            </a:br>
+            <a:r>
+              <a:rPr kumimoji="0" lang="fr-FR" altLang="fr-FR" sz="900" b="0" i="0" u="none" strike="noStrike" cap="none" normalizeH="0" baseline="0" smtClean="0">
+                <a:ln>
+                  <a:noFill/>
+                </a:ln>
+                <a:solidFill>
+                  <a:srgbClr val="A9B7C6"/>
+                </a:solidFill>
+                <a:effectLst/>
+                <a:latin typeface="Courier New" panose="02070309020205020404" pitchFamily="49" charset="0"/>
+                <a:cs typeface="Courier New" panose="02070309020205020404" pitchFamily="49" charset="0"/>
+              </a:rPr>
+              <a:t>    </a:t>
+            </a:r>
+            <a:r>
+              <a:rPr kumimoji="0" lang="fr-FR" altLang="fr-FR" sz="900" b="0" i="0" u="none" strike="noStrike" cap="none" normalizeH="0" baseline="0" smtClean="0">
+                <a:ln>
+                  <a:noFill/>
+                </a:ln>
+                <a:solidFill>
+                  <a:srgbClr val="CC7832"/>
+                </a:solidFill>
+                <a:effectLst/>
+                <a:latin typeface="Courier New" panose="02070309020205020404" pitchFamily="49" charset="0"/>
+                <a:cs typeface="Courier New" panose="02070309020205020404" pitchFamily="49" charset="0"/>
+              </a:rPr>
+              <a:t>private </a:t>
+            </a:r>
+            <a:r>
+              <a:rPr kumimoji="0" lang="fr-FR" altLang="fr-FR" sz="900" b="0" i="0" u="none" strike="noStrike" cap="none" normalizeH="0" baseline="0" smtClean="0">
+                <a:ln>
+                  <a:noFill/>
+                </a:ln>
+                <a:solidFill>
+                  <a:srgbClr val="A9B7C6"/>
+                </a:solidFill>
+                <a:effectLst/>
+                <a:latin typeface="Courier New" panose="02070309020205020404" pitchFamily="49" charset="0"/>
+                <a:cs typeface="Courier New" panose="02070309020205020404" pitchFamily="49" charset="0"/>
+              </a:rPr>
+              <a:t>String </a:t>
+            </a:r>
+            <a:r>
+              <a:rPr kumimoji="0" lang="fr-FR" altLang="fr-FR" sz="900" b="0" i="0" u="none" strike="noStrike" cap="none" normalizeH="0" baseline="0" smtClean="0">
+                <a:ln>
+                  <a:noFill/>
+                </a:ln>
+                <a:solidFill>
+                  <a:srgbClr val="9876AA"/>
+                </a:solidFill>
+                <a:effectLst/>
+                <a:latin typeface="Courier New" panose="02070309020205020404" pitchFamily="49" charset="0"/>
+                <a:cs typeface="Courier New" panose="02070309020205020404" pitchFamily="49" charset="0"/>
+              </a:rPr>
+              <a:t>path</a:t>
+            </a:r>
+            <a:r>
+              <a:rPr kumimoji="0" lang="fr-FR" altLang="fr-FR" sz="900" b="0" i="0" u="none" strike="noStrike" cap="none" normalizeH="0" baseline="0" smtClean="0">
+                <a:ln>
+                  <a:noFill/>
+                </a:ln>
+                <a:solidFill>
+                  <a:srgbClr val="CC7832"/>
+                </a:solidFill>
+                <a:effectLst/>
+                <a:latin typeface="Courier New" panose="02070309020205020404" pitchFamily="49" charset="0"/>
+                <a:cs typeface="Courier New" panose="02070309020205020404" pitchFamily="49" charset="0"/>
+              </a:rPr>
+              <a:t>;</a:t>
+            </a:r>
+            <a:br>
+              <a:rPr kumimoji="0" lang="fr-FR" altLang="fr-FR" sz="900" b="0" i="0" u="none" strike="noStrike" cap="none" normalizeH="0" baseline="0" smtClean="0">
+                <a:ln>
+                  <a:noFill/>
+                </a:ln>
+                <a:solidFill>
+                  <a:srgbClr val="CC7832"/>
+                </a:solidFill>
+                <a:effectLst/>
+                <a:latin typeface="Courier New" panose="02070309020205020404" pitchFamily="49" charset="0"/>
+                <a:cs typeface="Courier New" panose="02070309020205020404" pitchFamily="49" charset="0"/>
+              </a:rPr>
+            </a:br>
+            <a:r>
+              <a:rPr kumimoji="0" lang="fr-FR" altLang="fr-FR" sz="900" b="0" i="0" u="none" strike="noStrike" cap="none" normalizeH="0" baseline="0" smtClean="0">
+                <a:ln>
+                  <a:noFill/>
+                </a:ln>
+                <a:solidFill>
+                  <a:srgbClr val="CC7832"/>
+                </a:solidFill>
+                <a:effectLst/>
+                <a:latin typeface="Courier New" panose="02070309020205020404" pitchFamily="49" charset="0"/>
+                <a:cs typeface="Courier New" panose="02070309020205020404" pitchFamily="49" charset="0"/>
+              </a:rPr>
+              <a:t/>
+            </a:r>
+            <a:br>
+              <a:rPr kumimoji="0" lang="fr-FR" altLang="fr-FR" sz="900" b="0" i="0" u="none" strike="noStrike" cap="none" normalizeH="0" baseline="0" smtClean="0">
+                <a:ln>
+                  <a:noFill/>
+                </a:ln>
+                <a:solidFill>
+                  <a:srgbClr val="CC7832"/>
+                </a:solidFill>
+                <a:effectLst/>
+                <a:latin typeface="Courier New" panose="02070309020205020404" pitchFamily="49" charset="0"/>
+                <a:cs typeface="Courier New" panose="02070309020205020404" pitchFamily="49" charset="0"/>
+              </a:rPr>
+            </a:br>
+            <a:r>
+              <a:rPr kumimoji="0" lang="fr-FR" altLang="fr-FR" sz="900" b="0" i="0" u="none" strike="noStrike" cap="none" normalizeH="0" baseline="0" smtClean="0">
+                <a:ln>
+                  <a:noFill/>
+                </a:ln>
+                <a:solidFill>
+                  <a:srgbClr val="CC7832"/>
+                </a:solidFill>
+                <a:effectLst/>
+                <a:latin typeface="Courier New" panose="02070309020205020404" pitchFamily="49" charset="0"/>
+                <a:cs typeface="Courier New" panose="02070309020205020404" pitchFamily="49" charset="0"/>
+              </a:rPr>
+              <a:t>    public </a:t>
+            </a:r>
+            <a:r>
+              <a:rPr kumimoji="0" lang="fr-FR" altLang="fr-FR" sz="900" b="0" i="0" u="none" strike="noStrike" cap="none" normalizeH="0" baseline="0" smtClean="0">
+                <a:ln>
+                  <a:noFill/>
+                </a:ln>
+                <a:solidFill>
+                  <a:srgbClr val="FFC66D"/>
+                </a:solidFill>
+                <a:effectLst/>
+                <a:latin typeface="Courier New" panose="02070309020205020404" pitchFamily="49" charset="0"/>
+                <a:cs typeface="Courier New" panose="02070309020205020404" pitchFamily="49" charset="0"/>
+              </a:rPr>
+              <a:t>SymLink</a:t>
+            </a:r>
+            <a:r>
+              <a:rPr kumimoji="0" lang="fr-FR" altLang="fr-FR" sz="900" b="0" i="0" u="none" strike="noStrike" cap="none" normalizeH="0" baseline="0" smtClean="0">
+                <a:ln>
+                  <a:noFill/>
+                </a:ln>
+                <a:solidFill>
+                  <a:srgbClr val="A9B7C6"/>
+                </a:solidFill>
+                <a:effectLst/>
+                <a:latin typeface="Courier New" panose="02070309020205020404" pitchFamily="49" charset="0"/>
+                <a:cs typeface="Courier New" panose="02070309020205020404" pitchFamily="49" charset="0"/>
+              </a:rPr>
+              <a:t>(String name</a:t>
+            </a:r>
+            <a:r>
+              <a:rPr kumimoji="0" lang="fr-FR" altLang="fr-FR" sz="900" b="0" i="0" u="none" strike="noStrike" cap="none" normalizeH="0" baseline="0" smtClean="0">
+                <a:ln>
+                  <a:noFill/>
+                </a:ln>
+                <a:solidFill>
+                  <a:srgbClr val="CC7832"/>
+                </a:solidFill>
+                <a:effectLst/>
+                <a:latin typeface="Courier New" panose="02070309020205020404" pitchFamily="49" charset="0"/>
+                <a:cs typeface="Courier New" panose="02070309020205020404" pitchFamily="49" charset="0"/>
+              </a:rPr>
+              <a:t>, </a:t>
+            </a:r>
+            <a:r>
+              <a:rPr kumimoji="0" lang="fr-FR" altLang="fr-FR" sz="900" b="0" i="0" u="none" strike="noStrike" cap="none" normalizeH="0" baseline="0" smtClean="0">
+                <a:ln>
+                  <a:noFill/>
+                </a:ln>
+                <a:solidFill>
+                  <a:srgbClr val="A9B7C6"/>
+                </a:solidFill>
+                <a:effectLst/>
+                <a:latin typeface="Courier New" panose="02070309020205020404" pitchFamily="49" charset="0"/>
+                <a:cs typeface="Courier New" panose="02070309020205020404" pitchFamily="49" charset="0"/>
+              </a:rPr>
+              <a:t>String path</a:t>
+            </a:r>
+            <a:r>
+              <a:rPr kumimoji="0" lang="fr-FR" altLang="fr-FR" sz="900" b="0" i="0" u="none" strike="noStrike" cap="none" normalizeH="0" baseline="0" smtClean="0">
+                <a:ln>
+                  <a:noFill/>
+                </a:ln>
+                <a:solidFill>
+                  <a:srgbClr val="CC7832"/>
+                </a:solidFill>
+                <a:effectLst/>
+                <a:latin typeface="Courier New" panose="02070309020205020404" pitchFamily="49" charset="0"/>
+                <a:cs typeface="Courier New" panose="02070309020205020404" pitchFamily="49" charset="0"/>
+              </a:rPr>
+              <a:t>, </a:t>
+            </a:r>
+            <a:r>
+              <a:rPr kumimoji="0" lang="fr-FR" altLang="fr-FR" sz="900" b="0" i="0" u="none" strike="noStrike" cap="none" normalizeH="0" baseline="0" smtClean="0">
+                <a:ln>
+                  <a:noFill/>
+                </a:ln>
+                <a:solidFill>
+                  <a:srgbClr val="A9B7C6"/>
+                </a:solidFill>
+                <a:effectLst/>
+                <a:latin typeface="Courier New" panose="02070309020205020404" pitchFamily="49" charset="0"/>
+                <a:cs typeface="Courier New" panose="02070309020205020404" pitchFamily="49" charset="0"/>
+              </a:rPr>
+              <a:t>Printer printer) {</a:t>
+            </a:r>
+            <a:br>
+              <a:rPr kumimoji="0" lang="fr-FR" altLang="fr-FR" sz="900" b="0" i="0" u="none" strike="noStrike" cap="none" normalizeH="0" baseline="0" smtClean="0">
+                <a:ln>
+                  <a:noFill/>
+                </a:ln>
+                <a:solidFill>
+                  <a:srgbClr val="A9B7C6"/>
+                </a:solidFill>
+                <a:effectLst/>
+                <a:latin typeface="Courier New" panose="02070309020205020404" pitchFamily="49" charset="0"/>
+                <a:cs typeface="Courier New" panose="02070309020205020404" pitchFamily="49" charset="0"/>
+              </a:rPr>
+            </a:br>
+            <a:r>
+              <a:rPr kumimoji="0" lang="fr-FR" altLang="fr-FR" sz="900" b="0" i="0" u="none" strike="noStrike" cap="none" normalizeH="0" baseline="0" smtClean="0">
+                <a:ln>
+                  <a:noFill/>
+                </a:ln>
+                <a:solidFill>
+                  <a:srgbClr val="A9B7C6"/>
+                </a:solidFill>
+                <a:effectLst/>
+                <a:latin typeface="Courier New" panose="02070309020205020404" pitchFamily="49" charset="0"/>
+                <a:cs typeface="Courier New" panose="02070309020205020404" pitchFamily="49" charset="0"/>
+              </a:rPr>
+              <a:t>        </a:t>
+            </a:r>
+            <a:r>
+              <a:rPr kumimoji="0" lang="fr-FR" altLang="fr-FR" sz="900" b="0" i="0" u="none" strike="noStrike" cap="none" normalizeH="0" baseline="0" smtClean="0">
+                <a:ln>
+                  <a:noFill/>
+                </a:ln>
+                <a:solidFill>
+                  <a:srgbClr val="CC7832"/>
+                </a:solidFill>
+                <a:effectLst/>
+                <a:latin typeface="Courier New" panose="02070309020205020404" pitchFamily="49" charset="0"/>
+                <a:cs typeface="Courier New" panose="02070309020205020404" pitchFamily="49" charset="0"/>
+              </a:rPr>
+              <a:t>super</a:t>
+            </a:r>
+            <a:r>
+              <a:rPr kumimoji="0" lang="fr-FR" altLang="fr-FR" sz="900" b="0" i="0" u="none" strike="noStrike" cap="none" normalizeH="0" baseline="0" smtClean="0">
+                <a:ln>
+                  <a:noFill/>
+                </a:ln>
+                <a:solidFill>
+                  <a:srgbClr val="A9B7C6"/>
+                </a:solidFill>
+                <a:effectLst/>
+                <a:latin typeface="Courier New" panose="02070309020205020404" pitchFamily="49" charset="0"/>
+                <a:cs typeface="Courier New" panose="02070309020205020404" pitchFamily="49" charset="0"/>
+              </a:rPr>
+              <a:t>(name</a:t>
+            </a:r>
+            <a:r>
+              <a:rPr kumimoji="0" lang="fr-FR" altLang="fr-FR" sz="900" b="0" i="0" u="none" strike="noStrike" cap="none" normalizeH="0" baseline="0" smtClean="0">
+                <a:ln>
+                  <a:noFill/>
+                </a:ln>
+                <a:solidFill>
+                  <a:srgbClr val="CC7832"/>
+                </a:solidFill>
+                <a:effectLst/>
+                <a:latin typeface="Courier New" panose="02070309020205020404" pitchFamily="49" charset="0"/>
+                <a:cs typeface="Courier New" panose="02070309020205020404" pitchFamily="49" charset="0"/>
+              </a:rPr>
+              <a:t>, </a:t>
+            </a:r>
+            <a:r>
+              <a:rPr kumimoji="0" lang="fr-FR" altLang="fr-FR" sz="900" b="0" i="0" u="none" strike="noStrike" cap="none" normalizeH="0" baseline="0" smtClean="0">
+                <a:ln>
+                  <a:noFill/>
+                </a:ln>
+                <a:solidFill>
+                  <a:srgbClr val="A9B7C6"/>
+                </a:solidFill>
+                <a:effectLst/>
+                <a:latin typeface="Courier New" panose="02070309020205020404" pitchFamily="49" charset="0"/>
+                <a:cs typeface="Courier New" panose="02070309020205020404" pitchFamily="49" charset="0"/>
+              </a:rPr>
+              <a:t>printer)</a:t>
+            </a:r>
+            <a:r>
+              <a:rPr kumimoji="0" lang="fr-FR" altLang="fr-FR" sz="900" b="0" i="0" u="none" strike="noStrike" cap="none" normalizeH="0" baseline="0" smtClean="0">
+                <a:ln>
+                  <a:noFill/>
+                </a:ln>
+                <a:solidFill>
+                  <a:srgbClr val="CC7832"/>
+                </a:solidFill>
+                <a:effectLst/>
+                <a:latin typeface="Courier New" panose="02070309020205020404" pitchFamily="49" charset="0"/>
+                <a:cs typeface="Courier New" panose="02070309020205020404" pitchFamily="49" charset="0"/>
+              </a:rPr>
+              <a:t>;</a:t>
+            </a:r>
+            <a:br>
+              <a:rPr kumimoji="0" lang="fr-FR" altLang="fr-FR" sz="900" b="0" i="0" u="none" strike="noStrike" cap="none" normalizeH="0" baseline="0" smtClean="0">
+                <a:ln>
+                  <a:noFill/>
+                </a:ln>
+                <a:solidFill>
+                  <a:srgbClr val="CC7832"/>
+                </a:solidFill>
+                <a:effectLst/>
+                <a:latin typeface="Courier New" panose="02070309020205020404" pitchFamily="49" charset="0"/>
+                <a:cs typeface="Courier New" panose="02070309020205020404" pitchFamily="49" charset="0"/>
+              </a:rPr>
+            </a:br>
+            <a:r>
+              <a:rPr kumimoji="0" lang="fr-FR" altLang="fr-FR" sz="900" b="0" i="0" u="none" strike="noStrike" cap="none" normalizeH="0" baseline="0" smtClean="0">
+                <a:ln>
+                  <a:noFill/>
+                </a:ln>
+                <a:solidFill>
+                  <a:srgbClr val="CC7832"/>
+                </a:solidFill>
+                <a:effectLst/>
+                <a:latin typeface="Courier New" panose="02070309020205020404" pitchFamily="49" charset="0"/>
+                <a:cs typeface="Courier New" panose="02070309020205020404" pitchFamily="49" charset="0"/>
+              </a:rPr>
+              <a:t>        this</a:t>
+            </a:r>
+            <a:r>
+              <a:rPr kumimoji="0" lang="fr-FR" altLang="fr-FR" sz="900" b="0" i="0" u="none" strike="noStrike" cap="none" normalizeH="0" baseline="0" smtClean="0">
+                <a:ln>
+                  <a:noFill/>
+                </a:ln>
+                <a:solidFill>
+                  <a:srgbClr val="A9B7C6"/>
+                </a:solidFill>
+                <a:effectLst/>
+                <a:latin typeface="Courier New" panose="02070309020205020404" pitchFamily="49" charset="0"/>
+                <a:cs typeface="Courier New" panose="02070309020205020404" pitchFamily="49" charset="0"/>
+              </a:rPr>
+              <a:t>.</a:t>
+            </a:r>
+            <a:r>
+              <a:rPr kumimoji="0" lang="fr-FR" altLang="fr-FR" sz="900" b="0" i="0" u="none" strike="noStrike" cap="none" normalizeH="0" baseline="0" smtClean="0">
+                <a:ln>
+                  <a:noFill/>
+                </a:ln>
+                <a:solidFill>
+                  <a:srgbClr val="9876AA"/>
+                </a:solidFill>
+                <a:effectLst/>
+                <a:latin typeface="Courier New" panose="02070309020205020404" pitchFamily="49" charset="0"/>
+                <a:cs typeface="Courier New" panose="02070309020205020404" pitchFamily="49" charset="0"/>
+              </a:rPr>
+              <a:t>path </a:t>
+            </a:r>
+            <a:r>
+              <a:rPr kumimoji="0" lang="fr-FR" altLang="fr-FR" sz="900" b="0" i="0" u="none" strike="noStrike" cap="none" normalizeH="0" baseline="0" smtClean="0">
+                <a:ln>
+                  <a:noFill/>
+                </a:ln>
+                <a:solidFill>
+                  <a:srgbClr val="A9B7C6"/>
+                </a:solidFill>
+                <a:effectLst/>
+                <a:latin typeface="Courier New" panose="02070309020205020404" pitchFamily="49" charset="0"/>
+                <a:cs typeface="Courier New" panose="02070309020205020404" pitchFamily="49" charset="0"/>
+              </a:rPr>
+              <a:t>= path</a:t>
+            </a:r>
+            <a:r>
+              <a:rPr kumimoji="0" lang="fr-FR" altLang="fr-FR" sz="900" b="0" i="0" u="none" strike="noStrike" cap="none" normalizeH="0" baseline="0" smtClean="0">
+                <a:ln>
+                  <a:noFill/>
+                </a:ln>
+                <a:solidFill>
+                  <a:srgbClr val="CC7832"/>
+                </a:solidFill>
+                <a:effectLst/>
+                <a:latin typeface="Courier New" panose="02070309020205020404" pitchFamily="49" charset="0"/>
+                <a:cs typeface="Courier New" panose="02070309020205020404" pitchFamily="49" charset="0"/>
+              </a:rPr>
+              <a:t>;</a:t>
+            </a:r>
+            <a:br>
+              <a:rPr kumimoji="0" lang="fr-FR" altLang="fr-FR" sz="900" b="0" i="0" u="none" strike="noStrike" cap="none" normalizeH="0" baseline="0" smtClean="0">
+                <a:ln>
+                  <a:noFill/>
+                </a:ln>
+                <a:solidFill>
+                  <a:srgbClr val="CC7832"/>
+                </a:solidFill>
+                <a:effectLst/>
+                <a:latin typeface="Courier New" panose="02070309020205020404" pitchFamily="49" charset="0"/>
+                <a:cs typeface="Courier New" panose="02070309020205020404" pitchFamily="49" charset="0"/>
+              </a:rPr>
+            </a:br>
+            <a:r>
+              <a:rPr kumimoji="0" lang="fr-FR" altLang="fr-FR" sz="900" b="0" i="0" u="none" strike="noStrike" cap="none" normalizeH="0" baseline="0" smtClean="0">
+                <a:ln>
+                  <a:noFill/>
+                </a:ln>
+                <a:solidFill>
+                  <a:srgbClr val="CC7832"/>
+                </a:solidFill>
+                <a:effectLst/>
+                <a:latin typeface="Courier New" panose="02070309020205020404" pitchFamily="49" charset="0"/>
+                <a:cs typeface="Courier New" panose="02070309020205020404" pitchFamily="49" charset="0"/>
+              </a:rPr>
+              <a:t>    </a:t>
+            </a:r>
+            <a:r>
+              <a:rPr kumimoji="0" lang="fr-FR" altLang="fr-FR" sz="900" b="0" i="0" u="none" strike="noStrike" cap="none" normalizeH="0" baseline="0" smtClean="0">
+                <a:ln>
+                  <a:noFill/>
+                </a:ln>
+                <a:solidFill>
+                  <a:srgbClr val="A9B7C6"/>
+                </a:solidFill>
+                <a:effectLst/>
+                <a:latin typeface="Courier New" panose="02070309020205020404" pitchFamily="49" charset="0"/>
+                <a:cs typeface="Courier New" panose="02070309020205020404" pitchFamily="49" charset="0"/>
+              </a:rPr>
+              <a:t>}</a:t>
+            </a:r>
+            <a:br>
+              <a:rPr kumimoji="0" lang="fr-FR" altLang="fr-FR" sz="900" b="0" i="0" u="none" strike="noStrike" cap="none" normalizeH="0" baseline="0" smtClean="0">
+                <a:ln>
+                  <a:noFill/>
+                </a:ln>
+                <a:solidFill>
+                  <a:srgbClr val="A9B7C6"/>
+                </a:solidFill>
+                <a:effectLst/>
+                <a:latin typeface="Courier New" panose="02070309020205020404" pitchFamily="49" charset="0"/>
+                <a:cs typeface="Courier New" panose="02070309020205020404" pitchFamily="49" charset="0"/>
+              </a:rPr>
+            </a:br>
+            <a:r>
+              <a:rPr kumimoji="0" lang="fr-FR" altLang="fr-FR" sz="900" b="0" i="0" u="none" strike="noStrike" cap="none" normalizeH="0" baseline="0" smtClean="0">
+                <a:ln>
+                  <a:noFill/>
+                </a:ln>
+                <a:solidFill>
+                  <a:srgbClr val="A9B7C6"/>
+                </a:solidFill>
+                <a:effectLst/>
+                <a:latin typeface="Courier New" panose="02070309020205020404" pitchFamily="49" charset="0"/>
+                <a:cs typeface="Courier New" panose="02070309020205020404" pitchFamily="49" charset="0"/>
+              </a:rPr>
+              <a:t/>
+            </a:r>
+            <a:br>
+              <a:rPr kumimoji="0" lang="fr-FR" altLang="fr-FR" sz="900" b="0" i="0" u="none" strike="noStrike" cap="none" normalizeH="0" baseline="0" smtClean="0">
+                <a:ln>
+                  <a:noFill/>
+                </a:ln>
+                <a:solidFill>
+                  <a:srgbClr val="A9B7C6"/>
+                </a:solidFill>
+                <a:effectLst/>
+                <a:latin typeface="Courier New" panose="02070309020205020404" pitchFamily="49" charset="0"/>
+                <a:cs typeface="Courier New" panose="02070309020205020404" pitchFamily="49" charset="0"/>
+              </a:rPr>
+            </a:br>
+            <a:r>
+              <a:rPr kumimoji="0" lang="fr-FR" altLang="fr-FR" sz="900" b="0" i="0" u="none" strike="noStrike" cap="none" normalizeH="0" baseline="0" smtClean="0">
+                <a:ln>
+                  <a:noFill/>
+                </a:ln>
+                <a:solidFill>
+                  <a:srgbClr val="A9B7C6"/>
+                </a:solidFill>
+                <a:effectLst/>
+                <a:latin typeface="Courier New" panose="02070309020205020404" pitchFamily="49" charset="0"/>
+                <a:cs typeface="Courier New" panose="02070309020205020404" pitchFamily="49" charset="0"/>
+              </a:rPr>
+              <a:t>    </a:t>
+            </a:r>
+            <a:r>
+              <a:rPr kumimoji="0" lang="fr-FR" altLang="fr-FR" sz="900" b="0" i="0" u="none" strike="noStrike" cap="none" normalizeH="0" baseline="0" smtClean="0">
+                <a:ln>
+                  <a:noFill/>
+                </a:ln>
+                <a:solidFill>
+                  <a:srgbClr val="CC7832"/>
+                </a:solidFill>
+                <a:effectLst/>
+                <a:latin typeface="Courier New" panose="02070309020205020404" pitchFamily="49" charset="0"/>
+                <a:cs typeface="Courier New" panose="02070309020205020404" pitchFamily="49" charset="0"/>
+              </a:rPr>
+              <a:t>public </a:t>
+            </a:r>
+            <a:r>
+              <a:rPr kumimoji="0" lang="fr-FR" altLang="fr-FR" sz="900" b="0" i="0" u="none" strike="noStrike" cap="none" normalizeH="0" baseline="0" smtClean="0">
+                <a:ln>
+                  <a:noFill/>
+                </a:ln>
+                <a:solidFill>
+                  <a:srgbClr val="A9B7C6"/>
+                </a:solidFill>
+                <a:effectLst/>
+                <a:latin typeface="Courier New" panose="02070309020205020404" pitchFamily="49" charset="0"/>
+                <a:cs typeface="Courier New" panose="02070309020205020404" pitchFamily="49" charset="0"/>
+              </a:rPr>
+              <a:t>String </a:t>
+            </a:r>
+            <a:r>
+              <a:rPr kumimoji="0" lang="fr-FR" altLang="fr-FR" sz="900" b="0" i="0" u="none" strike="noStrike" cap="none" normalizeH="0" baseline="0" smtClean="0">
+                <a:ln>
+                  <a:noFill/>
+                </a:ln>
+                <a:solidFill>
+                  <a:srgbClr val="FFC66D"/>
+                </a:solidFill>
+                <a:effectLst/>
+                <a:latin typeface="Courier New" panose="02070309020205020404" pitchFamily="49" charset="0"/>
+                <a:cs typeface="Courier New" panose="02070309020205020404" pitchFamily="49" charset="0"/>
+              </a:rPr>
+              <a:t>getPath</a:t>
+            </a:r>
+            <a:r>
+              <a:rPr kumimoji="0" lang="fr-FR" altLang="fr-FR" sz="900" b="0" i="0" u="none" strike="noStrike" cap="none" normalizeH="0" baseline="0" smtClean="0">
+                <a:ln>
+                  <a:noFill/>
+                </a:ln>
+                <a:solidFill>
+                  <a:srgbClr val="A9B7C6"/>
+                </a:solidFill>
+                <a:effectLst/>
+                <a:latin typeface="Courier New" panose="02070309020205020404" pitchFamily="49" charset="0"/>
+                <a:cs typeface="Courier New" panose="02070309020205020404" pitchFamily="49" charset="0"/>
+              </a:rPr>
+              <a:t>() {</a:t>
+            </a:r>
+            <a:br>
+              <a:rPr kumimoji="0" lang="fr-FR" altLang="fr-FR" sz="900" b="0" i="0" u="none" strike="noStrike" cap="none" normalizeH="0" baseline="0" smtClean="0">
+                <a:ln>
+                  <a:noFill/>
+                </a:ln>
+                <a:solidFill>
+                  <a:srgbClr val="A9B7C6"/>
+                </a:solidFill>
+                <a:effectLst/>
+                <a:latin typeface="Courier New" panose="02070309020205020404" pitchFamily="49" charset="0"/>
+                <a:cs typeface="Courier New" panose="02070309020205020404" pitchFamily="49" charset="0"/>
+              </a:rPr>
+            </a:br>
+            <a:r>
+              <a:rPr kumimoji="0" lang="fr-FR" altLang="fr-FR" sz="900" b="0" i="0" u="none" strike="noStrike" cap="none" normalizeH="0" baseline="0" smtClean="0">
+                <a:ln>
+                  <a:noFill/>
+                </a:ln>
+                <a:solidFill>
+                  <a:srgbClr val="A9B7C6"/>
+                </a:solidFill>
+                <a:effectLst/>
+                <a:latin typeface="Courier New" panose="02070309020205020404" pitchFamily="49" charset="0"/>
+                <a:cs typeface="Courier New" panose="02070309020205020404" pitchFamily="49" charset="0"/>
+              </a:rPr>
+              <a:t>        </a:t>
+            </a:r>
+            <a:r>
+              <a:rPr kumimoji="0" lang="fr-FR" altLang="fr-FR" sz="900" b="0" i="0" u="none" strike="noStrike" cap="none" normalizeH="0" baseline="0" smtClean="0">
+                <a:ln>
+                  <a:noFill/>
+                </a:ln>
+                <a:solidFill>
+                  <a:srgbClr val="CC7832"/>
+                </a:solidFill>
+                <a:effectLst/>
+                <a:latin typeface="Courier New" panose="02070309020205020404" pitchFamily="49" charset="0"/>
+                <a:cs typeface="Courier New" panose="02070309020205020404" pitchFamily="49" charset="0"/>
+              </a:rPr>
+              <a:t>return </a:t>
+            </a:r>
+            <a:r>
+              <a:rPr kumimoji="0" lang="fr-FR" altLang="fr-FR" sz="900" b="0" i="0" u="none" strike="noStrike" cap="none" normalizeH="0" baseline="0" smtClean="0">
+                <a:ln>
+                  <a:noFill/>
+                </a:ln>
+                <a:solidFill>
+                  <a:srgbClr val="9876AA"/>
+                </a:solidFill>
+                <a:effectLst/>
+                <a:latin typeface="Courier New" panose="02070309020205020404" pitchFamily="49" charset="0"/>
+                <a:cs typeface="Courier New" panose="02070309020205020404" pitchFamily="49" charset="0"/>
+              </a:rPr>
+              <a:t>path</a:t>
+            </a:r>
+            <a:r>
+              <a:rPr kumimoji="0" lang="fr-FR" altLang="fr-FR" sz="900" b="0" i="0" u="none" strike="noStrike" cap="none" normalizeH="0" baseline="0" smtClean="0">
+                <a:ln>
+                  <a:noFill/>
+                </a:ln>
+                <a:solidFill>
+                  <a:srgbClr val="CC7832"/>
+                </a:solidFill>
+                <a:effectLst/>
+                <a:latin typeface="Courier New" panose="02070309020205020404" pitchFamily="49" charset="0"/>
+                <a:cs typeface="Courier New" panose="02070309020205020404" pitchFamily="49" charset="0"/>
+              </a:rPr>
+              <a:t>;</a:t>
+            </a:r>
+            <a:br>
+              <a:rPr kumimoji="0" lang="fr-FR" altLang="fr-FR" sz="900" b="0" i="0" u="none" strike="noStrike" cap="none" normalizeH="0" baseline="0" smtClean="0">
+                <a:ln>
+                  <a:noFill/>
+                </a:ln>
+                <a:solidFill>
+                  <a:srgbClr val="CC7832"/>
+                </a:solidFill>
+                <a:effectLst/>
+                <a:latin typeface="Courier New" panose="02070309020205020404" pitchFamily="49" charset="0"/>
+                <a:cs typeface="Courier New" panose="02070309020205020404" pitchFamily="49" charset="0"/>
+              </a:rPr>
+            </a:br>
+            <a:r>
+              <a:rPr kumimoji="0" lang="fr-FR" altLang="fr-FR" sz="900" b="0" i="0" u="none" strike="noStrike" cap="none" normalizeH="0" baseline="0" smtClean="0">
+                <a:ln>
+                  <a:noFill/>
+                </a:ln>
+                <a:solidFill>
+                  <a:srgbClr val="CC7832"/>
+                </a:solidFill>
+                <a:effectLst/>
+                <a:latin typeface="Courier New" panose="02070309020205020404" pitchFamily="49" charset="0"/>
+                <a:cs typeface="Courier New" panose="02070309020205020404" pitchFamily="49" charset="0"/>
+              </a:rPr>
+              <a:t>    </a:t>
+            </a:r>
+            <a:r>
+              <a:rPr kumimoji="0" lang="fr-FR" altLang="fr-FR" sz="900" b="0" i="0" u="none" strike="noStrike" cap="none" normalizeH="0" baseline="0" smtClean="0">
+                <a:ln>
+                  <a:noFill/>
+                </a:ln>
+                <a:solidFill>
+                  <a:srgbClr val="A9B7C6"/>
+                </a:solidFill>
+                <a:effectLst/>
+                <a:latin typeface="Courier New" panose="02070309020205020404" pitchFamily="49" charset="0"/>
+                <a:cs typeface="Courier New" panose="02070309020205020404" pitchFamily="49" charset="0"/>
+              </a:rPr>
+              <a:t>}</a:t>
+            </a:r>
+            <a:br>
+              <a:rPr kumimoji="0" lang="fr-FR" altLang="fr-FR" sz="900" b="0" i="0" u="none" strike="noStrike" cap="none" normalizeH="0" baseline="0" smtClean="0">
+                <a:ln>
+                  <a:noFill/>
+                </a:ln>
+                <a:solidFill>
+                  <a:srgbClr val="A9B7C6"/>
+                </a:solidFill>
+                <a:effectLst/>
+                <a:latin typeface="Courier New" panose="02070309020205020404" pitchFamily="49" charset="0"/>
+                <a:cs typeface="Courier New" panose="02070309020205020404" pitchFamily="49" charset="0"/>
+              </a:rPr>
+            </a:br>
+            <a:r>
+              <a:rPr kumimoji="0" lang="fr-FR" altLang="fr-FR" sz="900" b="0" i="0" u="none" strike="noStrike" cap="none" normalizeH="0" baseline="0" smtClean="0">
+                <a:ln>
+                  <a:noFill/>
+                </a:ln>
+                <a:solidFill>
+                  <a:srgbClr val="A9B7C6"/>
+                </a:solidFill>
+                <a:effectLst/>
+                <a:latin typeface="Courier New" panose="02070309020205020404" pitchFamily="49" charset="0"/>
+                <a:cs typeface="Courier New" panose="02070309020205020404" pitchFamily="49" charset="0"/>
+              </a:rPr>
+              <a:t/>
+            </a:r>
+            <a:br>
+              <a:rPr kumimoji="0" lang="fr-FR" altLang="fr-FR" sz="900" b="0" i="0" u="none" strike="noStrike" cap="none" normalizeH="0" baseline="0" smtClean="0">
+                <a:ln>
+                  <a:noFill/>
+                </a:ln>
+                <a:solidFill>
+                  <a:srgbClr val="A9B7C6"/>
+                </a:solidFill>
+                <a:effectLst/>
+                <a:latin typeface="Courier New" panose="02070309020205020404" pitchFamily="49" charset="0"/>
+                <a:cs typeface="Courier New" panose="02070309020205020404" pitchFamily="49" charset="0"/>
+              </a:rPr>
+            </a:br>
+            <a:r>
+              <a:rPr kumimoji="0" lang="fr-FR" altLang="fr-FR" sz="900" b="0" i="0" u="none" strike="noStrike" cap="none" normalizeH="0" baseline="0" smtClean="0">
+                <a:ln>
+                  <a:noFill/>
+                </a:ln>
+                <a:solidFill>
+                  <a:srgbClr val="A9B7C6"/>
+                </a:solidFill>
+                <a:effectLst/>
+                <a:latin typeface="Courier New" panose="02070309020205020404" pitchFamily="49" charset="0"/>
+                <a:cs typeface="Courier New" panose="02070309020205020404" pitchFamily="49" charset="0"/>
+              </a:rPr>
+              <a:t>    </a:t>
+            </a:r>
+            <a:r>
+              <a:rPr kumimoji="0" lang="fr-FR" altLang="fr-FR" sz="900" b="0" i="0" u="none" strike="noStrike" cap="none" normalizeH="0" baseline="0" smtClean="0">
+                <a:ln>
+                  <a:noFill/>
+                </a:ln>
+                <a:solidFill>
+                  <a:srgbClr val="BBB529"/>
+                </a:solidFill>
+                <a:effectLst/>
+                <a:latin typeface="Courier New" panose="02070309020205020404" pitchFamily="49" charset="0"/>
+                <a:cs typeface="Courier New" panose="02070309020205020404" pitchFamily="49" charset="0"/>
+              </a:rPr>
+              <a:t>@Override</a:t>
+            </a:r>
+            <a:br>
+              <a:rPr kumimoji="0" lang="fr-FR" altLang="fr-FR" sz="900" b="0" i="0" u="none" strike="noStrike" cap="none" normalizeH="0" baseline="0" smtClean="0">
+                <a:ln>
+                  <a:noFill/>
+                </a:ln>
+                <a:solidFill>
+                  <a:srgbClr val="BBB529"/>
+                </a:solidFill>
+                <a:effectLst/>
+                <a:latin typeface="Courier New" panose="02070309020205020404" pitchFamily="49" charset="0"/>
+                <a:cs typeface="Courier New" panose="02070309020205020404" pitchFamily="49" charset="0"/>
+              </a:rPr>
+            </a:br>
+            <a:r>
+              <a:rPr kumimoji="0" lang="fr-FR" altLang="fr-FR" sz="900" b="0" i="0" u="none" strike="noStrike" cap="none" normalizeH="0" baseline="0" smtClean="0">
+                <a:ln>
+                  <a:noFill/>
+                </a:ln>
+                <a:solidFill>
+                  <a:srgbClr val="BBB529"/>
+                </a:solidFill>
+                <a:effectLst/>
+                <a:latin typeface="Courier New" panose="02070309020205020404" pitchFamily="49" charset="0"/>
+                <a:cs typeface="Courier New" panose="02070309020205020404" pitchFamily="49" charset="0"/>
+              </a:rPr>
+              <a:t>    </a:t>
+            </a:r>
+            <a:r>
+              <a:rPr kumimoji="0" lang="fr-FR" altLang="fr-FR" sz="900" b="0" i="0" u="none" strike="noStrike" cap="none" normalizeH="0" baseline="0" smtClean="0">
+                <a:ln>
+                  <a:noFill/>
+                </a:ln>
+                <a:solidFill>
+                  <a:srgbClr val="CC7832"/>
+                </a:solidFill>
+                <a:effectLst/>
+                <a:latin typeface="Courier New" panose="02070309020205020404" pitchFamily="49" charset="0"/>
+                <a:cs typeface="Courier New" panose="02070309020205020404" pitchFamily="49" charset="0"/>
+              </a:rPr>
+              <a:t>public void </a:t>
+            </a:r>
+            <a:r>
+              <a:rPr kumimoji="0" lang="fr-FR" altLang="fr-FR" sz="900" b="0" i="0" u="none" strike="noStrike" cap="none" normalizeH="0" baseline="0" smtClean="0">
+                <a:ln>
+                  <a:noFill/>
+                </a:ln>
+                <a:solidFill>
+                  <a:srgbClr val="FFC66D"/>
+                </a:solidFill>
+                <a:effectLst/>
+                <a:latin typeface="Courier New" panose="02070309020205020404" pitchFamily="49" charset="0"/>
+                <a:cs typeface="Courier New" panose="02070309020205020404" pitchFamily="49" charset="0"/>
+              </a:rPr>
+              <a:t>print</a:t>
+            </a:r>
+            <a:r>
+              <a:rPr kumimoji="0" lang="fr-FR" altLang="fr-FR" sz="900" b="0" i="0" u="none" strike="noStrike" cap="none" normalizeH="0" baseline="0" smtClean="0">
+                <a:ln>
+                  <a:noFill/>
+                </a:ln>
+                <a:solidFill>
+                  <a:srgbClr val="A9B7C6"/>
+                </a:solidFill>
+                <a:effectLst/>
+                <a:latin typeface="Courier New" panose="02070309020205020404" pitchFamily="49" charset="0"/>
+                <a:cs typeface="Courier New" panose="02070309020205020404" pitchFamily="49" charset="0"/>
+              </a:rPr>
+              <a:t>() {</a:t>
+            </a:r>
+            <a:br>
+              <a:rPr kumimoji="0" lang="fr-FR" altLang="fr-FR" sz="900" b="0" i="0" u="none" strike="noStrike" cap="none" normalizeH="0" baseline="0" smtClean="0">
+                <a:ln>
+                  <a:noFill/>
+                </a:ln>
+                <a:solidFill>
+                  <a:srgbClr val="A9B7C6"/>
+                </a:solidFill>
+                <a:effectLst/>
+                <a:latin typeface="Courier New" panose="02070309020205020404" pitchFamily="49" charset="0"/>
+                <a:cs typeface="Courier New" panose="02070309020205020404" pitchFamily="49" charset="0"/>
+              </a:rPr>
+            </a:br>
+            <a:r>
+              <a:rPr kumimoji="0" lang="fr-FR" altLang="fr-FR" sz="900" b="0" i="0" u="none" strike="noStrike" cap="none" normalizeH="0" baseline="0" smtClean="0">
+                <a:ln>
+                  <a:noFill/>
+                </a:ln>
+                <a:solidFill>
+                  <a:srgbClr val="A9B7C6"/>
+                </a:solidFill>
+                <a:effectLst/>
+                <a:latin typeface="Courier New" panose="02070309020205020404" pitchFamily="49" charset="0"/>
+                <a:cs typeface="Courier New" panose="02070309020205020404" pitchFamily="49" charset="0"/>
+              </a:rPr>
+              <a:t>        </a:t>
+            </a:r>
+            <a:r>
+              <a:rPr kumimoji="0" lang="fr-FR" altLang="fr-FR" sz="900" b="0" i="0" u="none" strike="noStrike" cap="none" normalizeH="0" baseline="0" smtClean="0">
+                <a:ln>
+                  <a:noFill/>
+                </a:ln>
+                <a:solidFill>
+                  <a:srgbClr val="9876AA"/>
+                </a:solidFill>
+                <a:effectLst/>
+                <a:latin typeface="Courier New" panose="02070309020205020404" pitchFamily="49" charset="0"/>
+                <a:cs typeface="Courier New" panose="02070309020205020404" pitchFamily="49" charset="0"/>
+              </a:rPr>
+              <a:t>printer</a:t>
+            </a:r>
+            <a:r>
+              <a:rPr kumimoji="0" lang="fr-FR" altLang="fr-FR" sz="900" b="0" i="0" u="none" strike="noStrike" cap="none" normalizeH="0" baseline="0" smtClean="0">
+                <a:ln>
+                  <a:noFill/>
+                </a:ln>
+                <a:solidFill>
+                  <a:srgbClr val="A9B7C6"/>
+                </a:solidFill>
+                <a:effectLst/>
+                <a:latin typeface="Courier New" panose="02070309020205020404" pitchFamily="49" charset="0"/>
+                <a:cs typeface="Courier New" panose="02070309020205020404" pitchFamily="49" charset="0"/>
+              </a:rPr>
+              <a:t>.print(</a:t>
+            </a:r>
+            <a:r>
+              <a:rPr kumimoji="0" lang="fr-FR" altLang="fr-FR" sz="900" b="0" i="0" u="none" strike="noStrike" cap="none" normalizeH="0" baseline="0" smtClean="0">
+                <a:ln>
+                  <a:noFill/>
+                </a:ln>
+                <a:solidFill>
+                  <a:srgbClr val="CC7832"/>
+                </a:solidFill>
+                <a:effectLst/>
+                <a:latin typeface="Courier New" panose="02070309020205020404" pitchFamily="49" charset="0"/>
+                <a:cs typeface="Courier New" panose="02070309020205020404" pitchFamily="49" charset="0"/>
+              </a:rPr>
+              <a:t>this</a:t>
+            </a:r>
+            <a:r>
+              <a:rPr kumimoji="0" lang="fr-FR" altLang="fr-FR" sz="900" b="0" i="0" u="none" strike="noStrike" cap="none" normalizeH="0" baseline="0" smtClean="0">
+                <a:ln>
+                  <a:noFill/>
+                </a:ln>
+                <a:solidFill>
+                  <a:srgbClr val="A9B7C6"/>
+                </a:solidFill>
+                <a:effectLst/>
+                <a:latin typeface="Courier New" panose="02070309020205020404" pitchFamily="49" charset="0"/>
+                <a:cs typeface="Courier New" panose="02070309020205020404" pitchFamily="49" charset="0"/>
+              </a:rPr>
+              <a:t>)</a:t>
+            </a:r>
+            <a:r>
+              <a:rPr kumimoji="0" lang="fr-FR" altLang="fr-FR" sz="900" b="0" i="0" u="none" strike="noStrike" cap="none" normalizeH="0" baseline="0" smtClean="0">
+                <a:ln>
+                  <a:noFill/>
+                </a:ln>
+                <a:solidFill>
+                  <a:srgbClr val="CC7832"/>
+                </a:solidFill>
+                <a:effectLst/>
+                <a:latin typeface="Courier New" panose="02070309020205020404" pitchFamily="49" charset="0"/>
+                <a:cs typeface="Courier New" panose="02070309020205020404" pitchFamily="49" charset="0"/>
+              </a:rPr>
+              <a:t>;</a:t>
+            </a:r>
+            <a:br>
+              <a:rPr kumimoji="0" lang="fr-FR" altLang="fr-FR" sz="900" b="0" i="0" u="none" strike="noStrike" cap="none" normalizeH="0" baseline="0" smtClean="0">
+                <a:ln>
+                  <a:noFill/>
+                </a:ln>
+                <a:solidFill>
+                  <a:srgbClr val="CC7832"/>
+                </a:solidFill>
+                <a:effectLst/>
+                <a:latin typeface="Courier New" panose="02070309020205020404" pitchFamily="49" charset="0"/>
+                <a:cs typeface="Courier New" panose="02070309020205020404" pitchFamily="49" charset="0"/>
+              </a:rPr>
+            </a:br>
+            <a:r>
+              <a:rPr kumimoji="0" lang="fr-FR" altLang="fr-FR" sz="900" b="0" i="0" u="none" strike="noStrike" cap="none" normalizeH="0" baseline="0" smtClean="0">
+                <a:ln>
+                  <a:noFill/>
+                </a:ln>
+                <a:solidFill>
+                  <a:srgbClr val="CC7832"/>
+                </a:solidFill>
+                <a:effectLst/>
+                <a:latin typeface="Courier New" panose="02070309020205020404" pitchFamily="49" charset="0"/>
+                <a:cs typeface="Courier New" panose="02070309020205020404" pitchFamily="49" charset="0"/>
+              </a:rPr>
+              <a:t>    </a:t>
+            </a:r>
+            <a:r>
+              <a:rPr kumimoji="0" lang="fr-FR" altLang="fr-FR" sz="900" b="0" i="0" u="none" strike="noStrike" cap="none" normalizeH="0" baseline="0" smtClean="0">
+                <a:ln>
+                  <a:noFill/>
+                </a:ln>
+                <a:solidFill>
+                  <a:srgbClr val="A9B7C6"/>
+                </a:solidFill>
+                <a:effectLst/>
+                <a:latin typeface="Courier New" panose="02070309020205020404" pitchFamily="49" charset="0"/>
+                <a:cs typeface="Courier New" panose="02070309020205020404" pitchFamily="49" charset="0"/>
+              </a:rPr>
+              <a:t>}</a:t>
+            </a:r>
+            <a:br>
+              <a:rPr kumimoji="0" lang="fr-FR" altLang="fr-FR" sz="900" b="0" i="0" u="none" strike="noStrike" cap="none" normalizeH="0" baseline="0" smtClean="0">
+                <a:ln>
+                  <a:noFill/>
+                </a:ln>
+                <a:solidFill>
+                  <a:srgbClr val="A9B7C6"/>
+                </a:solidFill>
+                <a:effectLst/>
+                <a:latin typeface="Courier New" panose="02070309020205020404" pitchFamily="49" charset="0"/>
+                <a:cs typeface="Courier New" panose="02070309020205020404" pitchFamily="49" charset="0"/>
+              </a:rPr>
+            </a:br>
+            <a:r>
+              <a:rPr kumimoji="0" lang="fr-FR" altLang="fr-FR" sz="900" b="0" i="0" u="none" strike="noStrike" cap="none" normalizeH="0" baseline="0" smtClean="0">
+                <a:ln>
+                  <a:noFill/>
+                </a:ln>
+                <a:solidFill>
+                  <a:srgbClr val="A9B7C6"/>
+                </a:solidFill>
+                <a:effectLst/>
+                <a:latin typeface="Courier New" panose="02070309020205020404" pitchFamily="49" charset="0"/>
+                <a:cs typeface="Courier New" panose="02070309020205020404" pitchFamily="49" charset="0"/>
+              </a:rPr>
+              <a:t>}</a:t>
+            </a:r>
+            <a:endParaRPr kumimoji="0" lang="fr-FR" altLang="fr-FR" sz="1800" b="0" i="0" u="none" strike="noStrike" cap="none" normalizeH="0" baseline="0" smtClean="0">
+              <a:ln>
+                <a:noFill/>
+              </a:ln>
+              <a:solidFill>
+                <a:schemeClr val="tx1"/>
+              </a:solidFill>
+              <a:effectLst/>
+              <a:latin typeface="Arial" panose="020B0604020202020204" pitchFamily="34" charset="0"/>
+            </a:endParaRPr>
+          </a:p>
+        </p:txBody>
+      </p:sp>
+      <p:sp>
+        <p:nvSpPr>
+          <p:cNvPr id="7" name="Rectangle 2"/>
+          <p:cNvSpPr>
+            <a:spLocks noChangeArrowheads="1"/>
+          </p:cNvSpPr>
+          <p:nvPr/>
+        </p:nvSpPr>
+        <p:spPr bwMode="auto">
+          <a:xfrm>
+            <a:off x="6094413" y="4343400"/>
+            <a:ext cx="5257800" cy="2031325"/>
+          </a:xfrm>
+          <a:prstGeom prst="rect">
+            <a:avLst/>
+          </a:prstGeom>
+          <a:solidFill>
+            <a:srgbClr val="2B2B2B"/>
+          </a:solidFill>
+          <a:ln>
+            <a:noFill/>
+          </a:ln>
+          <a:effectLst/>
+          <a:extLst>
+            <a:ext uri="{91240B29-F687-4F45-9708-019B960494DF}">
+              <a14:hiddenLine xmlns:a14="http://schemas.microsoft.com/office/drawing/2010/main" w="9525">
+                <a:solidFill>
+                  <a:schemeClr val="tx1"/>
+                </a:solidFill>
+                <a:miter lim="800000"/>
+                <a:headEnd/>
+                <a:tailEnd/>
+              </a14:hiddenLine>
+            </a:ext>
+            <a:ext uri="{AF507438-7753-43E0-B8FC-AC1667EBCBE1}">
+              <a14:hiddenEffects xmlns:a14="http://schemas.microsoft.com/office/drawing/2010/main">
+                <a:effectLst>
+                  <a:outerShdw dist="35921" dir="2700000" algn="ctr" rotWithShape="0">
+                    <a:schemeClr val="bg2"/>
+                  </a:outerShdw>
+                </a:effectLst>
+              </a14:hiddenEffects>
+            </a:ext>
+          </a:extLst>
+        </p:spPr>
+        <p:txBody>
+          <a:bodyPr vert="horz" wrap="square" lIns="91440" tIns="45720" rIns="91440" bIns="45720" numCol="1" anchor="ctr" anchorCtr="0" compatLnSpc="1">
+            <a:prstTxWarp prst="textNoShape">
+              <a:avLst/>
+            </a:prstTxWarp>
+            <a:spAutoFit/>
+          </a:bodyPr>
+          <a:lstStyle/>
+          <a:p>
+            <a:pPr marL="0" marR="0" lvl="0" indent="0" algn="l" defTabSz="914400" rtl="0" eaLnBrk="0" fontAlgn="base" latinLnBrk="0" hangingPunct="0">
+              <a:lnSpc>
+                <a:spcPct val="100000"/>
+              </a:lnSpc>
+              <a:spcBef>
+                <a:spcPct val="0"/>
+              </a:spcBef>
+              <a:spcAft>
+                <a:spcPct val="0"/>
+              </a:spcAft>
+              <a:buClrTx/>
+              <a:buSzTx/>
+              <a:buFontTx/>
+              <a:buNone/>
+              <a:tabLst/>
+            </a:pPr>
+            <a:r>
+              <a:rPr kumimoji="0" lang="fr-FR" altLang="fr-FR" sz="900" b="0" i="0" u="none" strike="noStrike" cap="none" normalizeH="0" baseline="0" smtClean="0">
+                <a:ln>
+                  <a:noFill/>
+                </a:ln>
+                <a:solidFill>
+                  <a:srgbClr val="CC7832"/>
+                </a:solidFill>
+                <a:effectLst/>
+                <a:latin typeface="Courier New" panose="02070309020205020404" pitchFamily="49" charset="0"/>
+                <a:cs typeface="Courier New" panose="02070309020205020404" pitchFamily="49" charset="0"/>
+              </a:rPr>
+              <a:t>public class </a:t>
+            </a:r>
+            <a:r>
+              <a:rPr kumimoji="0" lang="fr-FR" altLang="fr-FR" sz="900" b="0" i="0" u="none" strike="noStrike" cap="none" normalizeH="0" baseline="0" smtClean="0">
+                <a:ln>
+                  <a:noFill/>
+                </a:ln>
+                <a:solidFill>
+                  <a:srgbClr val="A9B7C6"/>
+                </a:solidFill>
+                <a:effectLst/>
+                <a:latin typeface="Courier New" panose="02070309020205020404" pitchFamily="49" charset="0"/>
+                <a:cs typeface="Courier New" panose="02070309020205020404" pitchFamily="49" charset="0"/>
+              </a:rPr>
+              <a:t>MainPrinter2 {</a:t>
+            </a:r>
+            <a:br>
+              <a:rPr kumimoji="0" lang="fr-FR" altLang="fr-FR" sz="900" b="0" i="0" u="none" strike="noStrike" cap="none" normalizeH="0" baseline="0" smtClean="0">
+                <a:ln>
+                  <a:noFill/>
+                </a:ln>
+                <a:solidFill>
+                  <a:srgbClr val="A9B7C6"/>
+                </a:solidFill>
+                <a:effectLst/>
+                <a:latin typeface="Courier New" panose="02070309020205020404" pitchFamily="49" charset="0"/>
+                <a:cs typeface="Courier New" panose="02070309020205020404" pitchFamily="49" charset="0"/>
+              </a:rPr>
+            </a:br>
+            <a:r>
+              <a:rPr kumimoji="0" lang="fr-FR" altLang="fr-FR" sz="900" b="0" i="0" u="none" strike="noStrike" cap="none" normalizeH="0" baseline="0" smtClean="0">
+                <a:ln>
+                  <a:noFill/>
+                </a:ln>
+                <a:solidFill>
+                  <a:srgbClr val="A9B7C6"/>
+                </a:solidFill>
+                <a:effectLst/>
+                <a:latin typeface="Courier New" panose="02070309020205020404" pitchFamily="49" charset="0"/>
+                <a:cs typeface="Courier New" panose="02070309020205020404" pitchFamily="49" charset="0"/>
+              </a:rPr>
+              <a:t>    </a:t>
+            </a:r>
+            <a:r>
+              <a:rPr kumimoji="0" lang="fr-FR" altLang="fr-FR" sz="900" b="0" i="0" u="none" strike="noStrike" cap="none" normalizeH="0" baseline="0" smtClean="0">
+                <a:ln>
+                  <a:noFill/>
+                </a:ln>
+                <a:solidFill>
+                  <a:srgbClr val="CC7832"/>
+                </a:solidFill>
+                <a:effectLst/>
+                <a:latin typeface="Courier New" panose="02070309020205020404" pitchFamily="49" charset="0"/>
+                <a:cs typeface="Courier New" panose="02070309020205020404" pitchFamily="49" charset="0"/>
+              </a:rPr>
+              <a:t>public static void </a:t>
+            </a:r>
+            <a:r>
+              <a:rPr kumimoji="0" lang="fr-FR" altLang="fr-FR" sz="900" b="0" i="0" u="none" strike="noStrike" cap="none" normalizeH="0" baseline="0" smtClean="0">
+                <a:ln>
+                  <a:noFill/>
+                </a:ln>
+                <a:solidFill>
+                  <a:srgbClr val="FFC66D"/>
+                </a:solidFill>
+                <a:effectLst/>
+                <a:latin typeface="Courier New" panose="02070309020205020404" pitchFamily="49" charset="0"/>
+                <a:cs typeface="Courier New" panose="02070309020205020404" pitchFamily="49" charset="0"/>
+              </a:rPr>
+              <a:t>main</a:t>
+            </a:r>
+            <a:r>
+              <a:rPr kumimoji="0" lang="fr-FR" altLang="fr-FR" sz="900" b="0" i="0" u="none" strike="noStrike" cap="none" normalizeH="0" baseline="0" smtClean="0">
+                <a:ln>
+                  <a:noFill/>
+                </a:ln>
+                <a:solidFill>
+                  <a:srgbClr val="A9B7C6"/>
+                </a:solidFill>
+                <a:effectLst/>
+                <a:latin typeface="Courier New" panose="02070309020205020404" pitchFamily="49" charset="0"/>
+                <a:cs typeface="Courier New" panose="02070309020205020404" pitchFamily="49" charset="0"/>
+              </a:rPr>
+              <a:t>(String[] args) {</a:t>
+            </a:r>
+            <a:br>
+              <a:rPr kumimoji="0" lang="fr-FR" altLang="fr-FR" sz="900" b="0" i="0" u="none" strike="noStrike" cap="none" normalizeH="0" baseline="0" smtClean="0">
+                <a:ln>
+                  <a:noFill/>
+                </a:ln>
+                <a:solidFill>
+                  <a:srgbClr val="A9B7C6"/>
+                </a:solidFill>
+                <a:effectLst/>
+                <a:latin typeface="Courier New" panose="02070309020205020404" pitchFamily="49" charset="0"/>
+                <a:cs typeface="Courier New" panose="02070309020205020404" pitchFamily="49" charset="0"/>
+              </a:rPr>
+            </a:br>
+            <a:r>
+              <a:rPr kumimoji="0" lang="fr-FR" altLang="fr-FR" sz="900" b="0" i="0" u="none" strike="noStrike" cap="none" normalizeH="0" baseline="0" smtClean="0">
+                <a:ln>
+                  <a:noFill/>
+                </a:ln>
+                <a:solidFill>
+                  <a:srgbClr val="A9B7C6"/>
+                </a:solidFill>
+                <a:effectLst/>
+                <a:latin typeface="Courier New" panose="02070309020205020404" pitchFamily="49" charset="0"/>
+                <a:cs typeface="Courier New" panose="02070309020205020404" pitchFamily="49" charset="0"/>
+              </a:rPr>
+              <a:t>        Printer printer = </a:t>
+            </a:r>
+            <a:r>
+              <a:rPr kumimoji="0" lang="fr-FR" altLang="fr-FR" sz="900" b="0" i="0" u="none" strike="noStrike" cap="none" normalizeH="0" baseline="0" smtClean="0">
+                <a:ln>
+                  <a:noFill/>
+                </a:ln>
+                <a:solidFill>
+                  <a:srgbClr val="CC7832"/>
+                </a:solidFill>
+                <a:effectLst/>
+                <a:latin typeface="Courier New" panose="02070309020205020404" pitchFamily="49" charset="0"/>
+                <a:cs typeface="Courier New" panose="02070309020205020404" pitchFamily="49" charset="0"/>
+              </a:rPr>
+              <a:t>new </a:t>
+            </a:r>
+            <a:r>
+              <a:rPr kumimoji="0" lang="fr-FR" altLang="fr-FR" sz="900" b="0" i="0" u="none" strike="noStrike" cap="none" normalizeH="0" baseline="0" smtClean="0">
+                <a:ln>
+                  <a:noFill/>
+                </a:ln>
+                <a:solidFill>
+                  <a:srgbClr val="A9B7C6"/>
+                </a:solidFill>
+                <a:effectLst/>
+                <a:latin typeface="Courier New" panose="02070309020205020404" pitchFamily="49" charset="0"/>
+                <a:cs typeface="Courier New" panose="02070309020205020404" pitchFamily="49" charset="0"/>
+              </a:rPr>
+              <a:t>Printer()</a:t>
+            </a:r>
+            <a:r>
+              <a:rPr kumimoji="0" lang="fr-FR" altLang="fr-FR" sz="900" b="0" i="0" u="none" strike="noStrike" cap="none" normalizeH="0" baseline="0" smtClean="0">
+                <a:ln>
+                  <a:noFill/>
+                </a:ln>
+                <a:solidFill>
+                  <a:srgbClr val="CC7832"/>
+                </a:solidFill>
+                <a:effectLst/>
+                <a:latin typeface="Courier New" panose="02070309020205020404" pitchFamily="49" charset="0"/>
+                <a:cs typeface="Courier New" panose="02070309020205020404" pitchFamily="49" charset="0"/>
+              </a:rPr>
+              <a:t>;</a:t>
+            </a:r>
+            <a:br>
+              <a:rPr kumimoji="0" lang="fr-FR" altLang="fr-FR" sz="900" b="0" i="0" u="none" strike="noStrike" cap="none" normalizeH="0" baseline="0" smtClean="0">
+                <a:ln>
+                  <a:noFill/>
+                </a:ln>
+                <a:solidFill>
+                  <a:srgbClr val="CC7832"/>
+                </a:solidFill>
+                <a:effectLst/>
+                <a:latin typeface="Courier New" panose="02070309020205020404" pitchFamily="49" charset="0"/>
+                <a:cs typeface="Courier New" panose="02070309020205020404" pitchFamily="49" charset="0"/>
+              </a:rPr>
+            </a:br>
+            <a:r>
+              <a:rPr kumimoji="0" lang="fr-FR" altLang="fr-FR" sz="900" b="0" i="0" u="none" strike="noStrike" cap="none" normalizeH="0" baseline="0" smtClean="0">
+                <a:ln>
+                  <a:noFill/>
+                </a:ln>
+                <a:solidFill>
+                  <a:srgbClr val="CC7832"/>
+                </a:solidFill>
+                <a:effectLst/>
+                <a:latin typeface="Courier New" panose="02070309020205020404" pitchFamily="49" charset="0"/>
+                <a:cs typeface="Courier New" panose="02070309020205020404" pitchFamily="49" charset="0"/>
+              </a:rPr>
+              <a:t/>
+            </a:r>
+            <a:br>
+              <a:rPr kumimoji="0" lang="fr-FR" altLang="fr-FR" sz="900" b="0" i="0" u="none" strike="noStrike" cap="none" normalizeH="0" baseline="0" smtClean="0">
+                <a:ln>
+                  <a:noFill/>
+                </a:ln>
+                <a:solidFill>
+                  <a:srgbClr val="CC7832"/>
+                </a:solidFill>
+                <a:effectLst/>
+                <a:latin typeface="Courier New" panose="02070309020205020404" pitchFamily="49" charset="0"/>
+                <a:cs typeface="Courier New" panose="02070309020205020404" pitchFamily="49" charset="0"/>
+              </a:rPr>
+            </a:br>
+            <a:r>
+              <a:rPr kumimoji="0" lang="fr-FR" altLang="fr-FR" sz="900" b="0" i="0" u="none" strike="noStrike" cap="none" normalizeH="0" baseline="0" smtClean="0">
+                <a:ln>
+                  <a:noFill/>
+                </a:ln>
+                <a:solidFill>
+                  <a:srgbClr val="CC7832"/>
+                </a:solidFill>
+                <a:effectLst/>
+                <a:latin typeface="Courier New" panose="02070309020205020404" pitchFamily="49" charset="0"/>
+                <a:cs typeface="Courier New" panose="02070309020205020404" pitchFamily="49" charset="0"/>
+              </a:rPr>
+              <a:t>        </a:t>
+            </a:r>
+            <a:r>
+              <a:rPr kumimoji="0" lang="fr-FR" altLang="fr-FR" sz="900" b="0" i="0" u="none" strike="noStrike" cap="none" normalizeH="0" baseline="0" smtClean="0">
+                <a:ln>
+                  <a:noFill/>
+                </a:ln>
+                <a:solidFill>
+                  <a:srgbClr val="A9B7C6"/>
+                </a:solidFill>
+                <a:effectLst/>
+                <a:latin typeface="Courier New" panose="02070309020205020404" pitchFamily="49" charset="0"/>
+                <a:cs typeface="Courier New" panose="02070309020205020404" pitchFamily="49" charset="0"/>
+              </a:rPr>
+              <a:t>File file = </a:t>
+            </a:r>
+            <a:r>
+              <a:rPr kumimoji="0" lang="fr-FR" altLang="fr-FR" sz="900" b="0" i="0" u="none" strike="noStrike" cap="none" normalizeH="0" baseline="0" smtClean="0">
+                <a:ln>
+                  <a:noFill/>
+                </a:ln>
+                <a:solidFill>
+                  <a:srgbClr val="CC7832"/>
+                </a:solidFill>
+                <a:effectLst/>
+                <a:latin typeface="Courier New" panose="02070309020205020404" pitchFamily="49" charset="0"/>
+                <a:cs typeface="Courier New" panose="02070309020205020404" pitchFamily="49" charset="0"/>
+              </a:rPr>
+              <a:t>new </a:t>
+            </a:r>
+            <a:r>
+              <a:rPr kumimoji="0" lang="fr-FR" altLang="fr-FR" sz="900" b="0" i="0" u="none" strike="noStrike" cap="none" normalizeH="0" baseline="0" smtClean="0">
+                <a:ln>
+                  <a:noFill/>
+                </a:ln>
+                <a:solidFill>
+                  <a:srgbClr val="A9B7C6"/>
+                </a:solidFill>
+                <a:effectLst/>
+                <a:latin typeface="Courier New" panose="02070309020205020404" pitchFamily="49" charset="0"/>
+                <a:cs typeface="Courier New" panose="02070309020205020404" pitchFamily="49" charset="0"/>
+              </a:rPr>
+              <a:t>File(</a:t>
+            </a:r>
+            <a:r>
+              <a:rPr kumimoji="0" lang="fr-FR" altLang="fr-FR" sz="900" b="0" i="0" u="none" strike="noStrike" cap="none" normalizeH="0" baseline="0" smtClean="0">
+                <a:ln>
+                  <a:noFill/>
+                </a:ln>
+                <a:solidFill>
+                  <a:srgbClr val="6A8759"/>
+                </a:solidFill>
+                <a:effectLst/>
+                <a:latin typeface="Courier New" panose="02070309020205020404" pitchFamily="49" charset="0"/>
+                <a:cs typeface="Courier New" panose="02070309020205020404" pitchFamily="49" charset="0"/>
+              </a:rPr>
+              <a:t>"F1"</a:t>
+            </a:r>
+            <a:r>
+              <a:rPr kumimoji="0" lang="fr-FR" altLang="fr-FR" sz="900" b="0" i="0" u="none" strike="noStrike" cap="none" normalizeH="0" baseline="0" smtClean="0">
+                <a:ln>
+                  <a:noFill/>
+                </a:ln>
+                <a:solidFill>
+                  <a:srgbClr val="CC7832"/>
+                </a:solidFill>
+                <a:effectLst/>
+                <a:latin typeface="Courier New" panose="02070309020205020404" pitchFamily="49" charset="0"/>
+                <a:cs typeface="Courier New" panose="02070309020205020404" pitchFamily="49" charset="0"/>
+              </a:rPr>
+              <a:t>, </a:t>
+            </a:r>
+            <a:r>
+              <a:rPr kumimoji="0" lang="fr-FR" altLang="fr-FR" sz="900" b="0" i="0" u="none" strike="noStrike" cap="none" normalizeH="0" baseline="0" smtClean="0">
+                <a:ln>
+                  <a:noFill/>
+                </a:ln>
+                <a:solidFill>
+                  <a:srgbClr val="A9B7C6"/>
+                </a:solidFill>
+                <a:effectLst/>
+                <a:latin typeface="Courier New" panose="02070309020205020404" pitchFamily="49" charset="0"/>
+                <a:cs typeface="Courier New" panose="02070309020205020404" pitchFamily="49" charset="0"/>
+              </a:rPr>
+              <a:t>printer)</a:t>
+            </a:r>
+            <a:r>
+              <a:rPr kumimoji="0" lang="fr-FR" altLang="fr-FR" sz="900" b="0" i="0" u="none" strike="noStrike" cap="none" normalizeH="0" baseline="0" smtClean="0">
+                <a:ln>
+                  <a:noFill/>
+                </a:ln>
+                <a:solidFill>
+                  <a:srgbClr val="CC7832"/>
+                </a:solidFill>
+                <a:effectLst/>
+                <a:latin typeface="Courier New" panose="02070309020205020404" pitchFamily="49" charset="0"/>
+                <a:cs typeface="Courier New" panose="02070309020205020404" pitchFamily="49" charset="0"/>
+              </a:rPr>
+              <a:t>;</a:t>
+            </a:r>
+            <a:br>
+              <a:rPr kumimoji="0" lang="fr-FR" altLang="fr-FR" sz="900" b="0" i="0" u="none" strike="noStrike" cap="none" normalizeH="0" baseline="0" smtClean="0">
+                <a:ln>
+                  <a:noFill/>
+                </a:ln>
+                <a:solidFill>
+                  <a:srgbClr val="CC7832"/>
+                </a:solidFill>
+                <a:effectLst/>
+                <a:latin typeface="Courier New" panose="02070309020205020404" pitchFamily="49" charset="0"/>
+                <a:cs typeface="Courier New" panose="02070309020205020404" pitchFamily="49" charset="0"/>
+              </a:rPr>
+            </a:br>
+            <a:r>
+              <a:rPr kumimoji="0" lang="fr-FR" altLang="fr-FR" sz="900" b="0" i="0" u="none" strike="noStrike" cap="none" normalizeH="0" baseline="0" smtClean="0">
+                <a:ln>
+                  <a:noFill/>
+                </a:ln>
+                <a:solidFill>
+                  <a:srgbClr val="CC7832"/>
+                </a:solidFill>
+                <a:effectLst/>
+                <a:latin typeface="Courier New" panose="02070309020205020404" pitchFamily="49" charset="0"/>
+                <a:cs typeface="Courier New" panose="02070309020205020404" pitchFamily="49" charset="0"/>
+              </a:rPr>
+              <a:t>        </a:t>
+            </a:r>
+            <a:r>
+              <a:rPr kumimoji="0" lang="fr-FR" altLang="fr-FR" sz="900" b="0" i="0" u="none" strike="noStrike" cap="none" normalizeH="0" baseline="0" smtClean="0">
+                <a:ln>
+                  <a:noFill/>
+                </a:ln>
+                <a:solidFill>
+                  <a:srgbClr val="A9B7C6"/>
+                </a:solidFill>
+                <a:effectLst/>
+                <a:latin typeface="Courier New" panose="02070309020205020404" pitchFamily="49" charset="0"/>
+                <a:cs typeface="Courier New" panose="02070309020205020404" pitchFamily="49" charset="0"/>
+              </a:rPr>
+              <a:t>File symLink = </a:t>
+            </a:r>
+            <a:r>
+              <a:rPr kumimoji="0" lang="fr-FR" altLang="fr-FR" sz="900" b="0" i="0" u="none" strike="noStrike" cap="none" normalizeH="0" baseline="0" smtClean="0">
+                <a:ln>
+                  <a:noFill/>
+                </a:ln>
+                <a:solidFill>
+                  <a:srgbClr val="CC7832"/>
+                </a:solidFill>
+                <a:effectLst/>
+                <a:latin typeface="Courier New" panose="02070309020205020404" pitchFamily="49" charset="0"/>
+                <a:cs typeface="Courier New" panose="02070309020205020404" pitchFamily="49" charset="0"/>
+              </a:rPr>
+              <a:t>new </a:t>
+            </a:r>
+            <a:r>
+              <a:rPr kumimoji="0" lang="fr-FR" altLang="fr-FR" sz="900" b="0" i="0" u="none" strike="noStrike" cap="none" normalizeH="0" baseline="0" smtClean="0">
+                <a:ln>
+                  <a:noFill/>
+                </a:ln>
+                <a:solidFill>
+                  <a:srgbClr val="A9B7C6"/>
+                </a:solidFill>
+                <a:effectLst/>
+                <a:latin typeface="Courier New" panose="02070309020205020404" pitchFamily="49" charset="0"/>
+                <a:cs typeface="Courier New" panose="02070309020205020404" pitchFamily="49" charset="0"/>
+              </a:rPr>
+              <a:t>SymLink(</a:t>
+            </a:r>
+            <a:r>
+              <a:rPr kumimoji="0" lang="fr-FR" altLang="fr-FR" sz="900" b="0" i="0" u="none" strike="noStrike" cap="none" normalizeH="0" baseline="0" smtClean="0">
+                <a:ln>
+                  <a:noFill/>
+                </a:ln>
+                <a:solidFill>
+                  <a:srgbClr val="6A8759"/>
+                </a:solidFill>
+                <a:effectLst/>
+                <a:latin typeface="Courier New" panose="02070309020205020404" pitchFamily="49" charset="0"/>
+                <a:cs typeface="Courier New" panose="02070309020205020404" pitchFamily="49" charset="0"/>
+              </a:rPr>
+              <a:t>"S1"</a:t>
+            </a:r>
+            <a:r>
+              <a:rPr kumimoji="0" lang="fr-FR" altLang="fr-FR" sz="900" b="0" i="0" u="none" strike="noStrike" cap="none" normalizeH="0" baseline="0" smtClean="0">
+                <a:ln>
+                  <a:noFill/>
+                </a:ln>
+                <a:solidFill>
+                  <a:srgbClr val="CC7832"/>
+                </a:solidFill>
+                <a:effectLst/>
+                <a:latin typeface="Courier New" panose="02070309020205020404" pitchFamily="49" charset="0"/>
+                <a:cs typeface="Courier New" panose="02070309020205020404" pitchFamily="49" charset="0"/>
+              </a:rPr>
+              <a:t>, </a:t>
+            </a:r>
+            <a:r>
+              <a:rPr kumimoji="0" lang="fr-FR" altLang="fr-FR" sz="900" b="0" i="0" u="none" strike="noStrike" cap="none" normalizeH="0" baseline="0" smtClean="0">
+                <a:ln>
+                  <a:noFill/>
+                </a:ln>
+                <a:solidFill>
+                  <a:srgbClr val="6A8759"/>
+                </a:solidFill>
+                <a:effectLst/>
+                <a:latin typeface="Courier New" panose="02070309020205020404" pitchFamily="49" charset="0"/>
+                <a:cs typeface="Courier New" panose="02070309020205020404" pitchFamily="49" charset="0"/>
+              </a:rPr>
+              <a:t>"/home/F1"</a:t>
+            </a:r>
+            <a:r>
+              <a:rPr kumimoji="0" lang="fr-FR" altLang="fr-FR" sz="900" b="0" i="0" u="none" strike="noStrike" cap="none" normalizeH="0" baseline="0" smtClean="0">
+                <a:ln>
+                  <a:noFill/>
+                </a:ln>
+                <a:solidFill>
+                  <a:srgbClr val="CC7832"/>
+                </a:solidFill>
+                <a:effectLst/>
+                <a:latin typeface="Courier New" panose="02070309020205020404" pitchFamily="49" charset="0"/>
+                <a:cs typeface="Courier New" panose="02070309020205020404" pitchFamily="49" charset="0"/>
+              </a:rPr>
+              <a:t>, </a:t>
+            </a:r>
+            <a:r>
+              <a:rPr kumimoji="0" lang="fr-FR" altLang="fr-FR" sz="900" b="0" i="0" u="none" strike="noStrike" cap="none" normalizeH="0" baseline="0" smtClean="0">
+                <a:ln>
+                  <a:noFill/>
+                </a:ln>
+                <a:solidFill>
+                  <a:srgbClr val="A9B7C6"/>
+                </a:solidFill>
+                <a:effectLst/>
+                <a:latin typeface="Courier New" panose="02070309020205020404" pitchFamily="49" charset="0"/>
+                <a:cs typeface="Courier New" panose="02070309020205020404" pitchFamily="49" charset="0"/>
+              </a:rPr>
+              <a:t>printer)</a:t>
+            </a:r>
+            <a:r>
+              <a:rPr kumimoji="0" lang="fr-FR" altLang="fr-FR" sz="900" b="0" i="0" u="none" strike="noStrike" cap="none" normalizeH="0" baseline="0" smtClean="0">
+                <a:ln>
+                  <a:noFill/>
+                </a:ln>
+                <a:solidFill>
+                  <a:srgbClr val="CC7832"/>
+                </a:solidFill>
+                <a:effectLst/>
+                <a:latin typeface="Courier New" panose="02070309020205020404" pitchFamily="49" charset="0"/>
+                <a:cs typeface="Courier New" panose="02070309020205020404" pitchFamily="49" charset="0"/>
+              </a:rPr>
+              <a:t>;</a:t>
+            </a:r>
+            <a:br>
+              <a:rPr kumimoji="0" lang="fr-FR" altLang="fr-FR" sz="900" b="0" i="0" u="none" strike="noStrike" cap="none" normalizeH="0" baseline="0" smtClean="0">
+                <a:ln>
+                  <a:noFill/>
+                </a:ln>
+                <a:solidFill>
+                  <a:srgbClr val="CC7832"/>
+                </a:solidFill>
+                <a:effectLst/>
+                <a:latin typeface="Courier New" panose="02070309020205020404" pitchFamily="49" charset="0"/>
+                <a:cs typeface="Courier New" panose="02070309020205020404" pitchFamily="49" charset="0"/>
+              </a:rPr>
+            </a:br>
+            <a:r>
+              <a:rPr kumimoji="0" lang="fr-FR" altLang="fr-FR" sz="900" b="0" i="0" u="none" strike="noStrike" cap="none" normalizeH="0" baseline="0" smtClean="0">
+                <a:ln>
+                  <a:noFill/>
+                </a:ln>
+                <a:solidFill>
+                  <a:srgbClr val="CC7832"/>
+                </a:solidFill>
+                <a:effectLst/>
+                <a:latin typeface="Courier New" panose="02070309020205020404" pitchFamily="49" charset="0"/>
+                <a:cs typeface="Courier New" panose="02070309020205020404" pitchFamily="49" charset="0"/>
+              </a:rPr>
+              <a:t>        </a:t>
+            </a:r>
+            <a:r>
+              <a:rPr kumimoji="0" lang="fr-FR" altLang="fr-FR" sz="900" b="0" i="0" u="none" strike="noStrike" cap="none" normalizeH="0" baseline="0" smtClean="0">
+                <a:ln>
+                  <a:noFill/>
+                </a:ln>
+                <a:solidFill>
+                  <a:srgbClr val="A9B7C6"/>
+                </a:solidFill>
+                <a:effectLst/>
+                <a:latin typeface="Courier New" panose="02070309020205020404" pitchFamily="49" charset="0"/>
+                <a:cs typeface="Courier New" panose="02070309020205020404" pitchFamily="49" charset="0"/>
+              </a:rPr>
+              <a:t>File hardLink = </a:t>
+            </a:r>
+            <a:r>
+              <a:rPr kumimoji="0" lang="fr-FR" altLang="fr-FR" sz="900" b="0" i="0" u="none" strike="noStrike" cap="none" normalizeH="0" baseline="0" smtClean="0">
+                <a:ln>
+                  <a:noFill/>
+                </a:ln>
+                <a:solidFill>
+                  <a:srgbClr val="CC7832"/>
+                </a:solidFill>
+                <a:effectLst/>
+                <a:latin typeface="Courier New" panose="02070309020205020404" pitchFamily="49" charset="0"/>
+                <a:cs typeface="Courier New" panose="02070309020205020404" pitchFamily="49" charset="0"/>
+              </a:rPr>
+              <a:t>new </a:t>
+            </a:r>
+            <a:r>
+              <a:rPr kumimoji="0" lang="fr-FR" altLang="fr-FR" sz="900" b="0" i="0" u="none" strike="noStrike" cap="none" normalizeH="0" baseline="0" smtClean="0">
+                <a:ln>
+                  <a:noFill/>
+                </a:ln>
+                <a:solidFill>
+                  <a:srgbClr val="A9B7C6"/>
+                </a:solidFill>
+                <a:effectLst/>
+                <a:latin typeface="Courier New" panose="02070309020205020404" pitchFamily="49" charset="0"/>
+                <a:cs typeface="Courier New" panose="02070309020205020404" pitchFamily="49" charset="0"/>
+              </a:rPr>
+              <a:t>HardLink(</a:t>
+            </a:r>
+            <a:r>
+              <a:rPr kumimoji="0" lang="fr-FR" altLang="fr-FR" sz="900" b="0" i="0" u="none" strike="noStrike" cap="none" normalizeH="0" baseline="0" smtClean="0">
+                <a:ln>
+                  <a:noFill/>
+                </a:ln>
+                <a:solidFill>
+                  <a:srgbClr val="6A8759"/>
+                </a:solidFill>
+                <a:effectLst/>
+                <a:latin typeface="Courier New" panose="02070309020205020404" pitchFamily="49" charset="0"/>
+                <a:cs typeface="Courier New" panose="02070309020205020404" pitchFamily="49" charset="0"/>
+              </a:rPr>
+              <a:t>"H1"</a:t>
+            </a:r>
+            <a:r>
+              <a:rPr kumimoji="0" lang="fr-FR" altLang="fr-FR" sz="900" b="0" i="0" u="none" strike="noStrike" cap="none" normalizeH="0" baseline="0" smtClean="0">
+                <a:ln>
+                  <a:noFill/>
+                </a:ln>
+                <a:solidFill>
+                  <a:srgbClr val="CC7832"/>
+                </a:solidFill>
+                <a:effectLst/>
+                <a:latin typeface="Courier New" panose="02070309020205020404" pitchFamily="49" charset="0"/>
+                <a:cs typeface="Courier New" panose="02070309020205020404" pitchFamily="49" charset="0"/>
+              </a:rPr>
+              <a:t>, </a:t>
+            </a:r>
+            <a:r>
+              <a:rPr kumimoji="0" lang="fr-FR" altLang="fr-FR" sz="900" b="0" i="0" u="none" strike="noStrike" cap="none" normalizeH="0" baseline="0" smtClean="0">
+                <a:ln>
+                  <a:noFill/>
+                </a:ln>
+                <a:solidFill>
+                  <a:srgbClr val="6A8759"/>
+                </a:solidFill>
+                <a:effectLst/>
+                <a:latin typeface="Courier New" panose="02070309020205020404" pitchFamily="49" charset="0"/>
+                <a:cs typeface="Courier New" panose="02070309020205020404" pitchFamily="49" charset="0"/>
+              </a:rPr>
+              <a:t>"/home/S1"</a:t>
+            </a:r>
+            <a:r>
+              <a:rPr kumimoji="0" lang="fr-FR" altLang="fr-FR" sz="900" b="0" i="0" u="none" strike="noStrike" cap="none" normalizeH="0" baseline="0" smtClean="0">
+                <a:ln>
+                  <a:noFill/>
+                </a:ln>
+                <a:solidFill>
+                  <a:srgbClr val="CC7832"/>
+                </a:solidFill>
+                <a:effectLst/>
+                <a:latin typeface="Courier New" panose="02070309020205020404" pitchFamily="49" charset="0"/>
+                <a:cs typeface="Courier New" panose="02070309020205020404" pitchFamily="49" charset="0"/>
+              </a:rPr>
+              <a:t>, </a:t>
+            </a:r>
+            <a:r>
+              <a:rPr kumimoji="0" lang="fr-FR" altLang="fr-FR" sz="900" b="0" i="0" u="none" strike="noStrike" cap="none" normalizeH="0" baseline="0" smtClean="0">
+                <a:ln>
+                  <a:noFill/>
+                </a:ln>
+                <a:solidFill>
+                  <a:srgbClr val="6897BB"/>
+                </a:solidFill>
+                <a:effectLst/>
+                <a:latin typeface="Courier New" panose="02070309020205020404" pitchFamily="49" charset="0"/>
+                <a:cs typeface="Courier New" panose="02070309020205020404" pitchFamily="49" charset="0"/>
+              </a:rPr>
+              <a:t>1</a:t>
+            </a:r>
+            <a:r>
+              <a:rPr kumimoji="0" lang="fr-FR" altLang="fr-FR" sz="900" b="0" i="0" u="none" strike="noStrike" cap="none" normalizeH="0" baseline="0" smtClean="0">
+                <a:ln>
+                  <a:noFill/>
+                </a:ln>
+                <a:solidFill>
+                  <a:srgbClr val="CC7832"/>
+                </a:solidFill>
+                <a:effectLst/>
+                <a:latin typeface="Courier New" panose="02070309020205020404" pitchFamily="49" charset="0"/>
+                <a:cs typeface="Courier New" panose="02070309020205020404" pitchFamily="49" charset="0"/>
+              </a:rPr>
+              <a:t>, </a:t>
+            </a:r>
+            <a:r>
+              <a:rPr kumimoji="0" lang="fr-FR" altLang="fr-FR" sz="900" b="0" i="0" u="none" strike="noStrike" cap="none" normalizeH="0" baseline="0" smtClean="0">
+                <a:ln>
+                  <a:noFill/>
+                </a:ln>
+                <a:solidFill>
+                  <a:srgbClr val="A9B7C6"/>
+                </a:solidFill>
+                <a:effectLst/>
+                <a:latin typeface="Courier New" panose="02070309020205020404" pitchFamily="49" charset="0"/>
+                <a:cs typeface="Courier New" panose="02070309020205020404" pitchFamily="49" charset="0"/>
+              </a:rPr>
+              <a:t>printer)</a:t>
+            </a:r>
+            <a:r>
+              <a:rPr kumimoji="0" lang="fr-FR" altLang="fr-FR" sz="900" b="0" i="0" u="none" strike="noStrike" cap="none" normalizeH="0" baseline="0" smtClean="0">
+                <a:ln>
+                  <a:noFill/>
+                </a:ln>
+                <a:solidFill>
+                  <a:srgbClr val="CC7832"/>
+                </a:solidFill>
+                <a:effectLst/>
+                <a:latin typeface="Courier New" panose="02070309020205020404" pitchFamily="49" charset="0"/>
+                <a:cs typeface="Courier New" panose="02070309020205020404" pitchFamily="49" charset="0"/>
+              </a:rPr>
+              <a:t>;</a:t>
+            </a:r>
+            <a:br>
+              <a:rPr kumimoji="0" lang="fr-FR" altLang="fr-FR" sz="900" b="0" i="0" u="none" strike="noStrike" cap="none" normalizeH="0" baseline="0" smtClean="0">
+                <a:ln>
+                  <a:noFill/>
+                </a:ln>
+                <a:solidFill>
+                  <a:srgbClr val="CC7832"/>
+                </a:solidFill>
+                <a:effectLst/>
+                <a:latin typeface="Courier New" panose="02070309020205020404" pitchFamily="49" charset="0"/>
+                <a:cs typeface="Courier New" panose="02070309020205020404" pitchFamily="49" charset="0"/>
+              </a:rPr>
+            </a:br>
+            <a:r>
+              <a:rPr kumimoji="0" lang="fr-FR" altLang="fr-FR" sz="900" b="0" i="0" u="none" strike="noStrike" cap="none" normalizeH="0" baseline="0" smtClean="0">
+                <a:ln>
+                  <a:noFill/>
+                </a:ln>
+                <a:solidFill>
+                  <a:srgbClr val="CC7832"/>
+                </a:solidFill>
+                <a:effectLst/>
+                <a:latin typeface="Courier New" panose="02070309020205020404" pitchFamily="49" charset="0"/>
+                <a:cs typeface="Courier New" panose="02070309020205020404" pitchFamily="49" charset="0"/>
+              </a:rPr>
+              <a:t/>
+            </a:r>
+            <a:br>
+              <a:rPr kumimoji="0" lang="fr-FR" altLang="fr-FR" sz="900" b="0" i="0" u="none" strike="noStrike" cap="none" normalizeH="0" baseline="0" smtClean="0">
+                <a:ln>
+                  <a:noFill/>
+                </a:ln>
+                <a:solidFill>
+                  <a:srgbClr val="CC7832"/>
+                </a:solidFill>
+                <a:effectLst/>
+                <a:latin typeface="Courier New" panose="02070309020205020404" pitchFamily="49" charset="0"/>
+                <a:cs typeface="Courier New" panose="02070309020205020404" pitchFamily="49" charset="0"/>
+              </a:rPr>
+            </a:br>
+            <a:r>
+              <a:rPr kumimoji="0" lang="fr-FR" altLang="fr-FR" sz="900" b="0" i="0" u="none" strike="noStrike" cap="none" normalizeH="0" baseline="0" smtClean="0">
+                <a:ln>
+                  <a:noFill/>
+                </a:ln>
+                <a:solidFill>
+                  <a:srgbClr val="CC7832"/>
+                </a:solidFill>
+                <a:effectLst/>
+                <a:latin typeface="Courier New" panose="02070309020205020404" pitchFamily="49" charset="0"/>
+                <a:cs typeface="Courier New" panose="02070309020205020404" pitchFamily="49" charset="0"/>
+              </a:rPr>
+              <a:t/>
+            </a:r>
+            <a:br>
+              <a:rPr kumimoji="0" lang="fr-FR" altLang="fr-FR" sz="900" b="0" i="0" u="none" strike="noStrike" cap="none" normalizeH="0" baseline="0" smtClean="0">
+                <a:ln>
+                  <a:noFill/>
+                </a:ln>
+                <a:solidFill>
+                  <a:srgbClr val="CC7832"/>
+                </a:solidFill>
+                <a:effectLst/>
+                <a:latin typeface="Courier New" panose="02070309020205020404" pitchFamily="49" charset="0"/>
+                <a:cs typeface="Courier New" panose="02070309020205020404" pitchFamily="49" charset="0"/>
+              </a:rPr>
+            </a:br>
+            <a:r>
+              <a:rPr kumimoji="0" lang="fr-FR" altLang="fr-FR" sz="900" b="0" i="0" u="none" strike="noStrike" cap="none" normalizeH="0" baseline="0" smtClean="0">
+                <a:ln>
+                  <a:noFill/>
+                </a:ln>
+                <a:solidFill>
+                  <a:srgbClr val="CC7832"/>
+                </a:solidFill>
+                <a:effectLst/>
+                <a:latin typeface="Courier New" panose="02070309020205020404" pitchFamily="49" charset="0"/>
+                <a:cs typeface="Courier New" panose="02070309020205020404" pitchFamily="49" charset="0"/>
+              </a:rPr>
+              <a:t>       </a:t>
+            </a:r>
+            <a:r>
+              <a:rPr kumimoji="0" lang="fr-FR" altLang="fr-FR" sz="900" b="0" i="0" u="none" strike="noStrike" cap="none" normalizeH="0" baseline="0" smtClean="0">
+                <a:ln>
+                  <a:noFill/>
+                </a:ln>
+                <a:solidFill>
+                  <a:srgbClr val="A9B7C6"/>
+                </a:solidFill>
+                <a:effectLst/>
+                <a:latin typeface="Courier New" panose="02070309020205020404" pitchFamily="49" charset="0"/>
+                <a:cs typeface="Courier New" panose="02070309020205020404" pitchFamily="49" charset="0"/>
+              </a:rPr>
+              <a:t>file.print()</a:t>
+            </a:r>
+            <a:r>
+              <a:rPr kumimoji="0" lang="fr-FR" altLang="fr-FR" sz="900" b="0" i="0" u="none" strike="noStrike" cap="none" normalizeH="0" baseline="0" smtClean="0">
+                <a:ln>
+                  <a:noFill/>
+                </a:ln>
+                <a:solidFill>
+                  <a:srgbClr val="CC7832"/>
+                </a:solidFill>
+                <a:effectLst/>
+                <a:latin typeface="Courier New" panose="02070309020205020404" pitchFamily="49" charset="0"/>
+                <a:cs typeface="Courier New" panose="02070309020205020404" pitchFamily="49" charset="0"/>
+              </a:rPr>
+              <a:t>;</a:t>
+            </a:r>
+            <a:br>
+              <a:rPr kumimoji="0" lang="fr-FR" altLang="fr-FR" sz="900" b="0" i="0" u="none" strike="noStrike" cap="none" normalizeH="0" baseline="0" smtClean="0">
+                <a:ln>
+                  <a:noFill/>
+                </a:ln>
+                <a:solidFill>
+                  <a:srgbClr val="CC7832"/>
+                </a:solidFill>
+                <a:effectLst/>
+                <a:latin typeface="Courier New" panose="02070309020205020404" pitchFamily="49" charset="0"/>
+                <a:cs typeface="Courier New" panose="02070309020205020404" pitchFamily="49" charset="0"/>
+              </a:rPr>
+            </a:br>
+            <a:r>
+              <a:rPr kumimoji="0" lang="fr-FR" altLang="fr-FR" sz="900" b="0" i="0" u="none" strike="noStrike" cap="none" normalizeH="0" baseline="0" smtClean="0">
+                <a:ln>
+                  <a:noFill/>
+                </a:ln>
+                <a:solidFill>
+                  <a:srgbClr val="CC7832"/>
+                </a:solidFill>
+                <a:effectLst/>
+                <a:latin typeface="Courier New" panose="02070309020205020404" pitchFamily="49" charset="0"/>
+                <a:cs typeface="Courier New" panose="02070309020205020404" pitchFamily="49" charset="0"/>
+              </a:rPr>
+              <a:t>       </a:t>
+            </a:r>
+            <a:r>
+              <a:rPr kumimoji="0" lang="fr-FR" altLang="fr-FR" sz="900" b="0" i="0" u="none" strike="noStrike" cap="none" normalizeH="0" baseline="0" smtClean="0">
+                <a:ln>
+                  <a:noFill/>
+                </a:ln>
+                <a:solidFill>
+                  <a:srgbClr val="A9B7C6"/>
+                </a:solidFill>
+                <a:effectLst/>
+                <a:latin typeface="Courier New" panose="02070309020205020404" pitchFamily="49" charset="0"/>
+                <a:cs typeface="Courier New" panose="02070309020205020404" pitchFamily="49" charset="0"/>
+              </a:rPr>
+              <a:t>symLink.print()</a:t>
+            </a:r>
+            <a:r>
+              <a:rPr kumimoji="0" lang="fr-FR" altLang="fr-FR" sz="900" b="0" i="0" u="none" strike="noStrike" cap="none" normalizeH="0" baseline="0" smtClean="0">
+                <a:ln>
+                  <a:noFill/>
+                </a:ln>
+                <a:solidFill>
+                  <a:srgbClr val="CC7832"/>
+                </a:solidFill>
+                <a:effectLst/>
+                <a:latin typeface="Courier New" panose="02070309020205020404" pitchFamily="49" charset="0"/>
+                <a:cs typeface="Courier New" panose="02070309020205020404" pitchFamily="49" charset="0"/>
+              </a:rPr>
+              <a:t>;</a:t>
+            </a:r>
+            <a:br>
+              <a:rPr kumimoji="0" lang="fr-FR" altLang="fr-FR" sz="900" b="0" i="0" u="none" strike="noStrike" cap="none" normalizeH="0" baseline="0" smtClean="0">
+                <a:ln>
+                  <a:noFill/>
+                </a:ln>
+                <a:solidFill>
+                  <a:srgbClr val="CC7832"/>
+                </a:solidFill>
+                <a:effectLst/>
+                <a:latin typeface="Courier New" panose="02070309020205020404" pitchFamily="49" charset="0"/>
+                <a:cs typeface="Courier New" panose="02070309020205020404" pitchFamily="49" charset="0"/>
+              </a:rPr>
+            </a:br>
+            <a:r>
+              <a:rPr kumimoji="0" lang="fr-FR" altLang="fr-FR" sz="900" b="0" i="0" u="none" strike="noStrike" cap="none" normalizeH="0" baseline="0" smtClean="0">
+                <a:ln>
+                  <a:noFill/>
+                </a:ln>
+                <a:solidFill>
+                  <a:srgbClr val="CC7832"/>
+                </a:solidFill>
+                <a:effectLst/>
+                <a:latin typeface="Courier New" panose="02070309020205020404" pitchFamily="49" charset="0"/>
+                <a:cs typeface="Courier New" panose="02070309020205020404" pitchFamily="49" charset="0"/>
+              </a:rPr>
+              <a:t>       </a:t>
+            </a:r>
+            <a:r>
+              <a:rPr kumimoji="0" lang="fr-FR" altLang="fr-FR" sz="900" b="0" i="0" u="none" strike="noStrike" cap="none" normalizeH="0" baseline="0" smtClean="0">
+                <a:ln>
+                  <a:noFill/>
+                </a:ln>
+                <a:solidFill>
+                  <a:srgbClr val="A9B7C6"/>
+                </a:solidFill>
+                <a:effectLst/>
+                <a:latin typeface="Courier New" panose="02070309020205020404" pitchFamily="49" charset="0"/>
+                <a:cs typeface="Courier New" panose="02070309020205020404" pitchFamily="49" charset="0"/>
+              </a:rPr>
+              <a:t>hardLink.print()</a:t>
+            </a:r>
+            <a:r>
+              <a:rPr kumimoji="0" lang="fr-FR" altLang="fr-FR" sz="900" b="0" i="0" u="none" strike="noStrike" cap="none" normalizeH="0" baseline="0" smtClean="0">
+                <a:ln>
+                  <a:noFill/>
+                </a:ln>
+                <a:solidFill>
+                  <a:srgbClr val="CC7832"/>
+                </a:solidFill>
+                <a:effectLst/>
+                <a:latin typeface="Courier New" panose="02070309020205020404" pitchFamily="49" charset="0"/>
+                <a:cs typeface="Courier New" panose="02070309020205020404" pitchFamily="49" charset="0"/>
+              </a:rPr>
+              <a:t>;</a:t>
+            </a:r>
+            <a:br>
+              <a:rPr kumimoji="0" lang="fr-FR" altLang="fr-FR" sz="900" b="0" i="0" u="none" strike="noStrike" cap="none" normalizeH="0" baseline="0" smtClean="0">
+                <a:ln>
+                  <a:noFill/>
+                </a:ln>
+                <a:solidFill>
+                  <a:srgbClr val="CC7832"/>
+                </a:solidFill>
+                <a:effectLst/>
+                <a:latin typeface="Courier New" panose="02070309020205020404" pitchFamily="49" charset="0"/>
+                <a:cs typeface="Courier New" panose="02070309020205020404" pitchFamily="49" charset="0"/>
+              </a:rPr>
+            </a:br>
+            <a:r>
+              <a:rPr kumimoji="0" lang="fr-FR" altLang="fr-FR" sz="900" b="0" i="0" u="none" strike="noStrike" cap="none" normalizeH="0" baseline="0" smtClean="0">
+                <a:ln>
+                  <a:noFill/>
+                </a:ln>
+                <a:solidFill>
+                  <a:srgbClr val="CC7832"/>
+                </a:solidFill>
+                <a:effectLst/>
+                <a:latin typeface="Courier New" panose="02070309020205020404" pitchFamily="49" charset="0"/>
+                <a:cs typeface="Courier New" panose="02070309020205020404" pitchFamily="49" charset="0"/>
+              </a:rPr>
+              <a:t>    </a:t>
+            </a:r>
+            <a:r>
+              <a:rPr kumimoji="0" lang="fr-FR" altLang="fr-FR" sz="900" b="0" i="0" u="none" strike="noStrike" cap="none" normalizeH="0" baseline="0" smtClean="0">
+                <a:ln>
+                  <a:noFill/>
+                </a:ln>
+                <a:solidFill>
+                  <a:srgbClr val="A9B7C6"/>
+                </a:solidFill>
+                <a:effectLst/>
+                <a:latin typeface="Courier New" panose="02070309020205020404" pitchFamily="49" charset="0"/>
+                <a:cs typeface="Courier New" panose="02070309020205020404" pitchFamily="49" charset="0"/>
+              </a:rPr>
+              <a:t>}</a:t>
+            </a:r>
+            <a:br>
+              <a:rPr kumimoji="0" lang="fr-FR" altLang="fr-FR" sz="900" b="0" i="0" u="none" strike="noStrike" cap="none" normalizeH="0" baseline="0" smtClean="0">
+                <a:ln>
+                  <a:noFill/>
+                </a:ln>
+                <a:solidFill>
+                  <a:srgbClr val="A9B7C6"/>
+                </a:solidFill>
+                <a:effectLst/>
+                <a:latin typeface="Courier New" panose="02070309020205020404" pitchFamily="49" charset="0"/>
+                <a:cs typeface="Courier New" panose="02070309020205020404" pitchFamily="49" charset="0"/>
+              </a:rPr>
+            </a:br>
+            <a:r>
+              <a:rPr kumimoji="0" lang="fr-FR" altLang="fr-FR" sz="900" b="0" i="0" u="none" strike="noStrike" cap="none" normalizeH="0" baseline="0" smtClean="0">
+                <a:ln>
+                  <a:noFill/>
+                </a:ln>
+                <a:solidFill>
+                  <a:srgbClr val="A9B7C6"/>
+                </a:solidFill>
+                <a:effectLst/>
+                <a:latin typeface="Courier New" panose="02070309020205020404" pitchFamily="49" charset="0"/>
+                <a:cs typeface="Courier New" panose="02070309020205020404" pitchFamily="49" charset="0"/>
+              </a:rPr>
+              <a:t>}</a:t>
+            </a:r>
+            <a:endParaRPr kumimoji="0" lang="fr-FR" altLang="fr-FR" sz="1800" b="0" i="0" u="none" strike="noStrike" cap="none" normalizeH="0" baseline="0" smtClean="0">
+              <a:ln>
+                <a:noFill/>
+              </a:ln>
+              <a:solidFill>
+                <a:schemeClr val="tx1"/>
+              </a:solidFill>
+              <a:effectLst/>
+              <a:latin typeface="Arial" panose="020B0604020202020204" pitchFamily="34" charset="0"/>
+            </a:endParaRPr>
+          </a:p>
+        </p:txBody>
+      </p:sp>
+    </p:spTree>
+    <p:extLst>
+      <p:ext uri="{BB962C8B-B14F-4D97-AF65-F5344CB8AC3E}">
+        <p14:creationId xmlns:p14="http://schemas.microsoft.com/office/powerpoint/2010/main" val="2437094407"/>
+      </p:ext>
+    </p:extLst>
+  </p:cSld>
+  <p:clrMapOvr>
+    <a:masterClrMapping/>
+  </p:clrMapOvr>
+  <mc:AlternateContent xmlns:mc="http://schemas.openxmlformats.org/markup-compatibility/2006" xmlns:p14="http://schemas.microsoft.com/office/powerpoint/2010/main">
+    <mc:Choice Requires="p14">
+      <p:transition spd="med" p14:dur="700">
+        <p:fade/>
+      </p:transition>
+    </mc:Choice>
+    <mc:Fallback xmlns="">
+      <p:transition spd="med">
+        <p:fade/>
+      </p:transition>
+    </mc:Fallback>
+  </mc:AlternateContent>
+  <p:timing>
+    <p:tnLst>
+      <p:par>
+        <p:cTn id="1" dur="indefinite" restart="never" nodeType="tmRoot"/>
+      </p:par>
+    </p:tnLst>
+  </p:timing>
+</p:sld>
+</file>
+
+<file path=ppt/slides/slide15.xml><?xml version="1.0" encoding="utf-8"?>
+<p:sld xmlns:a="http://schemas.openxmlformats.org/drawingml/2006/main" xmlns:r="http://schemas.openxmlformats.org/officeDocument/2006/relationships" xmlns:p="http://schemas.openxmlformats.org/presentationml/2006/main">
+  <p:cSld>
+    <p:spTree>
+      <p:nvGrpSpPr>
+        <p:cNvPr id="1" name=""/>
+        <p:cNvGrpSpPr/>
+        <p:nvPr/>
+      </p:nvGrpSpPr>
+      <p:grpSpPr>
+        <a:xfrm>
+          <a:off x="0" y="0"/>
+          <a:ext cx="0" cy="0"/>
+          <a:chOff x="0" y="0"/>
+          <a:chExt cx="0" cy="0"/>
+        </a:xfrm>
+      </p:grpSpPr>
+      <p:sp>
+        <p:nvSpPr>
+          <p:cNvPr id="2" name="Titre 1"/>
+          <p:cNvSpPr>
+            <a:spLocks noGrp="1"/>
+          </p:cNvSpPr>
+          <p:nvPr>
+            <p:ph type="title"/>
+          </p:nvPr>
+        </p:nvSpPr>
+        <p:spPr/>
+        <p:txBody>
+          <a:bodyPr rtlCol="0"/>
+          <a:lstStyle/>
+          <a:p>
+            <a:pPr marL="742950" indent="-742950" rtl="0">
+              <a:buFont typeface="+mj-lt"/>
+              <a:buAutoNum type="arabicPeriod"/>
+            </a:pPr>
+            <a:r>
+              <a:rPr lang="fr-FR" dirty="0" smtClean="0"/>
+              <a:t>Première </a:t>
+            </a:r>
+            <a:r>
+              <a:rPr lang="fr-FR" dirty="0" smtClean="0"/>
+              <a:t>solution</a:t>
+            </a:r>
+            <a:endParaRPr lang="fr-FR" dirty="0"/>
+          </a:p>
+        </p:txBody>
+      </p:sp>
+      <p:pic>
+        <p:nvPicPr>
+          <p:cNvPr id="5" name="Image 4"/>
+          <p:cNvPicPr>
+            <a:picLocks noChangeAspect="1"/>
+          </p:cNvPicPr>
+          <p:nvPr/>
+        </p:nvPicPr>
+        <p:blipFill>
+          <a:blip r:embed="rId3">
+            <a:extLst>
+              <a:ext uri="{28A0092B-C50C-407E-A947-70E740481C1C}">
+                <a14:useLocalDpi xmlns:a14="http://schemas.microsoft.com/office/drawing/2010/main" val="0"/>
+              </a:ext>
+            </a:extLst>
+          </a:blip>
+          <a:stretch>
+            <a:fillRect/>
+          </a:stretch>
+        </p:blipFill>
+        <p:spPr>
+          <a:xfrm>
+            <a:off x="1979612" y="1800225"/>
+            <a:ext cx="3795129" cy="2085975"/>
+          </a:xfrm>
+          <a:prstGeom prst="rect">
+            <a:avLst/>
+          </a:prstGeom>
+        </p:spPr>
+      </p:pic>
+      <p:sp>
+        <p:nvSpPr>
+          <p:cNvPr id="6" name="Espace réservé du contenu 5"/>
+          <p:cNvSpPr>
+            <a:spLocks noGrp="1"/>
+          </p:cNvSpPr>
+          <p:nvPr>
+            <p:ph sz="half" idx="1"/>
+          </p:nvPr>
+        </p:nvSpPr>
+        <p:spPr/>
+        <p:txBody>
+          <a:bodyPr/>
+          <a:lstStyle/>
+          <a:p>
+            <a:endParaRPr lang="fr-FR" dirty="0" smtClean="0"/>
+          </a:p>
+          <a:p>
+            <a:endParaRPr lang="fr-FR" dirty="0"/>
+          </a:p>
+          <a:p>
+            <a:endParaRPr lang="fr-FR" dirty="0" smtClean="0"/>
+          </a:p>
+          <a:p>
+            <a:endParaRPr lang="fr-FR" dirty="0"/>
+          </a:p>
+          <a:p>
+            <a:endParaRPr lang="fr-FR" dirty="0" smtClean="0"/>
+          </a:p>
+          <a:p>
+            <a:r>
+              <a:rPr lang="fr-FR" dirty="0" smtClean="0"/>
+              <a:t>Cette technique est le double </a:t>
+            </a:r>
+            <a:r>
+              <a:rPr lang="fr-FR" dirty="0" err="1" smtClean="0"/>
+              <a:t>dispatch</a:t>
+            </a:r>
+            <a:endParaRPr lang="fr-FR" dirty="0"/>
+          </a:p>
+        </p:txBody>
+      </p:sp>
+    </p:spTree>
+    <p:extLst>
+      <p:ext uri="{BB962C8B-B14F-4D97-AF65-F5344CB8AC3E}">
+        <p14:creationId xmlns:p14="http://schemas.microsoft.com/office/powerpoint/2010/main" val="4223528004"/>
       </p:ext>
     </p:extLst>
   </p:cSld>
@@ -13547,6 +16108,15 @@
 </file>
 
 <file path=customXml/item2.xml><?xml version="1.0" encoding="utf-8"?>
+<?mso-contentType ?>
+<FormTemplates xmlns="http://schemas.microsoft.com/sharepoint/v3/contenttype/forms">
+  <Display>DocumentLibraryForm</Display>
+  <Edit>DocumentLibraryForm</Edit>
+  <New>DocumentLibraryForm</New>
+</FormTemplates>
+</file>
+
+<file path=customXml/item3.xml><?xml version="1.0" encoding="utf-8"?>
 <ct:contentTypeSchema xmlns:ct="http://schemas.microsoft.com/office/2006/metadata/contentType" xmlns:ma="http://schemas.microsoft.com/office/2006/metadata/properties/metaAttributes" ct:_="" ma:_="" ma:contentTypeName="Document" ma:contentTypeID="0x010100AA3F7D94069FF64A86F7DFF56D60E3BE" ma:contentTypeVersion="6" ma:contentTypeDescription="Create a new document." ma:contentTypeScope="" ma:versionID="c32302c77d4085ecf495bdddb7f5e889">
   <xsd:schema xmlns:xsd="http://www.w3.org/2001/XMLSchema" xmlns:xs="http://www.w3.org/2001/XMLSchema" xmlns:p="http://schemas.microsoft.com/office/2006/metadata/properties" xmlns:ns2="a4f35948-e619-41b3-aa29-22878b09cfd2" xmlns:ns3="40262f94-9f35-4ac3-9a90-690165a166b7" targetNamespace="http://schemas.microsoft.com/office/2006/metadata/properties" ma:root="true" ma:fieldsID="4ab5ae46be95f9d0be6107e8200be7a2" ns2:_="" ns3:_="">
     <xsd:import namespace="a4f35948-e619-41b3-aa29-22878b09cfd2"/>
@@ -13727,15 +16297,6 @@
 </ct:contentTypeSchema>
 </file>
 
-<file path=customXml/item3.xml><?xml version="1.0" encoding="utf-8"?>
-<?mso-contentType ?>
-<FormTemplates xmlns="http://schemas.microsoft.com/sharepoint/v3/contenttype/forms">
-  <Display>DocumentLibraryForm</Display>
-  <Edit>DocumentLibraryForm</Edit>
-  <New>DocumentLibraryForm</New>
-</FormTemplates>
-</file>
-
 <file path=customXml/itemProps1.xml><?xml version="1.0" encoding="utf-8"?>
 <ds:datastoreItem xmlns:ds="http://schemas.openxmlformats.org/officeDocument/2006/customXml" ds:itemID="{5E700CCB-20BA-4760-AB9F-AC3B63ED32E0}">
   <ds:schemaRefs>
@@ -13754,6 +16315,14 @@
 </file>
 
 <file path=customXml/itemProps2.xml><?xml version="1.0" encoding="utf-8"?>
+<ds:datastoreItem xmlns:ds="http://schemas.openxmlformats.org/officeDocument/2006/customXml" ds:itemID="{308942AA-0721-4324-BC2C-A3CB43F24E71}">
+  <ds:schemaRefs>
+    <ds:schemaRef ds:uri="http://schemas.microsoft.com/sharepoint/v3/contenttype/forms"/>
+  </ds:schemaRefs>
+</ds:datastoreItem>
+</file>
+
+<file path=customXml/itemProps3.xml><?xml version="1.0" encoding="utf-8"?>
 <ds:datastoreItem xmlns:ds="http://schemas.openxmlformats.org/officeDocument/2006/customXml" ds:itemID="{FB14945D-DABB-422F-9B28-D299995C9226}">
   <ds:schemaRefs>
     <ds:schemaRef ds:uri="http://schemas.microsoft.com/office/2006/metadata/contentType"/>
@@ -13770,12 +16339,4 @@
     <ds:schemaRef ds:uri="http://schemas.microsoft.com/internal/obd"/>
   </ds:schemaRefs>
 </ds:datastoreItem>
-</file>
-
-<file path=customXml/itemProps3.xml><?xml version="1.0" encoding="utf-8"?>
-<ds:datastoreItem xmlns:ds="http://schemas.openxmlformats.org/officeDocument/2006/customXml" ds:itemID="{308942AA-0721-4324-BC2C-A3CB43F24E71}">
-  <ds:schemaRefs>
-    <ds:schemaRef ds:uri="http://schemas.microsoft.com/sharepoint/v3/contenttype/forms"/>
-  </ds:schemaRefs>
-</ds:datastoreItem>
 </file>
--- a/doc/Patterns.pptx
+++ b/doc/Patterns.pptx
@@ -5,10 +5,10 @@
     <p:sldMasterId id="2147483648" r:id="rId4"/>
   </p:sldMasterIdLst>
   <p:notesMasterIdLst>
-    <p:notesMasterId r:id="rId20"/>
+    <p:notesMasterId r:id="rId21"/>
   </p:notesMasterIdLst>
   <p:handoutMasterIdLst>
-    <p:handoutMasterId r:id="rId21"/>
+    <p:handoutMasterId r:id="rId22"/>
   </p:handoutMasterIdLst>
   <p:sldIdLst>
     <p:sldId id="256" r:id="rId5"/>
@@ -26,6 +26,7 @@
     <p:sldId id="281" r:id="rId17"/>
     <p:sldId id="282" r:id="rId18"/>
     <p:sldId id="283" r:id="rId19"/>
+    <p:sldId id="284" r:id="rId20"/>
   </p:sldIdLst>
   <p:sldSz cx="12188825" cy="6858000"/>
   <p:notesSz cx="6858000" cy="9144000"/>
@@ -241,7 +242,7 @@
             <a:pPr rtl="0"/>
             <a:fld id="{439A2291-0035-4D64-A7A5-F36AC1AF399D}" type="datetime1">
               <a:rPr lang="fr-FR" smtClean="0"/>
-              <a:t>19/03/2018</a:t>
+              <a:t>22/03/2018</a:t>
             </a:fld>
             <a:endParaRPr lang="fr-FR" dirty="0"/>
           </a:p>
@@ -309,7 +310,7 @@
             <a:pPr rtl="0"/>
             <a:fld id="{A8E322BB-75AD-4A1E-9661-2724167329F0}" type="slidenum">
               <a:rPr lang="fr-FR" smtClean="0"/>
-              <a:t>‹N°›</a:t>
+              <a:t>‹#›</a:t>
             </a:fld>
             <a:endParaRPr lang="fr-FR" dirty="0"/>
           </a:p>
@@ -411,7 +412,7 @@
             <a:pPr rtl="0"/>
             <a:fld id="{4419B5CD-CE9D-4F17-8DE3-0045DF2A06F1}" type="datetime1">
               <a:rPr lang="fr-FR" noProof="0" smtClean="0"/>
-              <a:t>19/03/2018</a:t>
+              <a:t>22/03/2018</a:t>
             </a:fld>
             <a:endParaRPr lang="fr-FR" noProof="0" dirty="0"/>
           </a:p>
@@ -572,7 +573,7 @@
             <a:pPr rtl="0"/>
             <a:fld id="{B045B7DE-1198-4F2F-B574-CA8CAE341642}" type="slidenum">
               <a:rPr lang="fr-FR" noProof="0" smtClean="0"/>
-              <a:t>‹N°›</a:t>
+              <a:t>‹#›</a:t>
             </a:fld>
             <a:endParaRPr lang="fr-FR" noProof="0" dirty="0"/>
           </a:p>
@@ -1268,6 +1269,91 @@
     <p:extLst>
       <p:ext uri="{BB962C8B-B14F-4D97-AF65-F5344CB8AC3E}">
         <p14:creationId xmlns:p14="http://schemas.microsoft.com/office/powerpoint/2010/main" val="104769776"/>
+      </p:ext>
+    </p:extLst>
+  </p:cSld>
+  <p:clrMapOvr>
+    <a:masterClrMapping/>
+  </p:clrMapOvr>
+</p:notes>
+</file>
+
+<file path=ppt/notesSlides/notesSlide16.xml><?xml version="1.0" encoding="utf-8"?>
+<p:notes xmlns:a="http://schemas.openxmlformats.org/drawingml/2006/main" xmlns:r="http://schemas.openxmlformats.org/officeDocument/2006/relationships" xmlns:p="http://schemas.openxmlformats.org/presentationml/2006/main">
+  <p:cSld>
+    <p:spTree>
+      <p:nvGrpSpPr>
+        <p:cNvPr id="1" name=""/>
+        <p:cNvGrpSpPr/>
+        <p:nvPr/>
+      </p:nvGrpSpPr>
+      <p:grpSpPr>
+        <a:xfrm>
+          <a:off x="0" y="0"/>
+          <a:ext cx="0" cy="0"/>
+          <a:chOff x="0" y="0"/>
+          <a:chExt cx="0" cy="0"/>
+        </a:xfrm>
+      </p:grpSpPr>
+      <p:sp>
+        <p:nvSpPr>
+          <p:cNvPr id="2" name="Espace réservé de l'image des diapositives 1"/>
+          <p:cNvSpPr>
+            <a:spLocks noGrp="1" noRot="1" noChangeAspect="1"/>
+          </p:cNvSpPr>
+          <p:nvPr>
+            <p:ph type="sldImg"/>
+          </p:nvPr>
+        </p:nvSpPr>
+        <p:spPr/>
+      </p:sp>
+      <p:sp>
+        <p:nvSpPr>
+          <p:cNvPr id="3" name="Espace réservé des notes 2"/>
+          <p:cNvSpPr>
+            <a:spLocks noGrp="1"/>
+          </p:cNvSpPr>
+          <p:nvPr>
+            <p:ph type="body" idx="1"/>
+          </p:nvPr>
+        </p:nvSpPr>
+        <p:spPr/>
+        <p:txBody>
+          <a:bodyPr/>
+          <a:lstStyle/>
+          <a:p>
+            <a:endParaRPr lang="fr-FR" dirty="0"/>
+          </a:p>
+        </p:txBody>
+      </p:sp>
+      <p:sp>
+        <p:nvSpPr>
+          <p:cNvPr id="4" name="Espace réservé du numéro de diapositive 3"/>
+          <p:cNvSpPr>
+            <a:spLocks noGrp="1"/>
+          </p:cNvSpPr>
+          <p:nvPr>
+            <p:ph type="sldNum" sz="quarter" idx="10"/>
+          </p:nvPr>
+        </p:nvSpPr>
+        <p:spPr/>
+        <p:txBody>
+          <a:bodyPr/>
+          <a:lstStyle/>
+          <a:p>
+            <a:pPr rtl="0"/>
+            <a:fld id="{B045B7DE-1198-4F2F-B574-CA8CAE341642}" type="slidenum">
+              <a:rPr lang="fr-FR" smtClean="0"/>
+              <a:t>16</a:t>
+            </a:fld>
+            <a:endParaRPr lang="fr-FR" dirty="0"/>
+          </a:p>
+        </p:txBody>
+      </p:sp>
+    </p:spTree>
+    <p:extLst>
+      <p:ext uri="{BB962C8B-B14F-4D97-AF65-F5344CB8AC3E}">
+        <p14:creationId xmlns:p14="http://schemas.microsoft.com/office/powerpoint/2010/main" val="675668268"/>
       </p:ext>
     </p:extLst>
   </p:cSld>
@@ -2345,7 +2431,7 @@
             <a:pPr rtl="0"/>
             <a:fld id="{FFED7672-6A17-4383-8E11-B703B2F244DD}" type="datetime1">
               <a:rPr lang="fr-FR" noProof="0" smtClean="0"/>
-              <a:t>19/03/2018</a:t>
+              <a:t>22/03/2018</a:t>
             </a:fld>
             <a:endParaRPr lang="fr-FR" noProof="0" dirty="0"/>
           </a:p>
@@ -2369,7 +2455,7 @@
             <a:pPr rtl="0"/>
             <a:fld id="{34C99D79-8A4B-4031-B1E0-AF26F8EDF2BC}" type="slidenum">
               <a:rPr lang="fr-FR" noProof="0" smtClean="0"/>
-              <a:t>‹N°›</a:t>
+              <a:t>‹#›</a:t>
             </a:fld>
             <a:endParaRPr lang="fr-FR" noProof="0" dirty="0"/>
           </a:p>
@@ -2550,7 +2636,7 @@
             <a:pPr rtl="0"/>
             <a:fld id="{E1450B91-7D53-40A4-B2F5-AA5E0059FF2C}" type="datetime1">
               <a:rPr lang="fr-FR" noProof="0" smtClean="0"/>
-              <a:t>19/03/2018</a:t>
+              <a:t>22/03/2018</a:t>
             </a:fld>
             <a:endParaRPr lang="fr-FR" noProof="0" dirty="0"/>
           </a:p>
@@ -2574,7 +2660,7 @@
             <a:pPr rtl="0"/>
             <a:fld id="{34C99D79-8A4B-4031-B1E0-AF26F8EDF2BC}" type="slidenum">
               <a:rPr lang="fr-FR" noProof="0" smtClean="0"/>
-              <a:t>‹N°›</a:t>
+              <a:t>‹#›</a:t>
             </a:fld>
             <a:endParaRPr lang="fr-FR" noProof="0" dirty="0"/>
           </a:p>
@@ -3104,7 +3190,7 @@
             <a:pPr rtl="0"/>
             <a:fld id="{3B681A6B-7357-4D25-8FC7-B90E847B95A8}" type="datetime1">
               <a:rPr lang="fr-FR" noProof="0" smtClean="0"/>
-              <a:t>19/03/2018</a:t>
+              <a:t>22/03/2018</a:t>
             </a:fld>
             <a:endParaRPr lang="fr-FR" noProof="0" dirty="0"/>
           </a:p>
@@ -3128,7 +3214,7 @@
             <a:pPr rtl="0"/>
             <a:fld id="{34C99D79-8A4B-4031-B1E0-AF26F8EDF2BC}" type="slidenum">
               <a:rPr lang="fr-FR" noProof="0" smtClean="0"/>
-              <a:t>‹N°›</a:t>
+              <a:t>‹#›</a:t>
             </a:fld>
             <a:endParaRPr lang="fr-FR" noProof="0" dirty="0"/>
           </a:p>
@@ -3309,7 +3395,7 @@
             <a:pPr rtl="0"/>
             <a:fld id="{80C5A66A-4BD8-442B-B2CE-4DDC3F185A34}" type="datetime1">
               <a:rPr lang="fr-FR" noProof="0" smtClean="0"/>
-              <a:t>19/03/2018</a:t>
+              <a:t>22/03/2018</a:t>
             </a:fld>
             <a:endParaRPr lang="fr-FR" noProof="0" dirty="0"/>
           </a:p>
@@ -3333,7 +3419,7 @@
             <a:pPr rtl="0"/>
             <a:fld id="{34C99D79-8A4B-4031-B1E0-AF26F8EDF2BC}" type="slidenum">
               <a:rPr lang="fr-FR" noProof="0" smtClean="0"/>
-              <a:t>‹N°›</a:t>
+              <a:t>‹#›</a:t>
             </a:fld>
             <a:endParaRPr lang="fr-FR" noProof="0" dirty="0"/>
           </a:p>
@@ -3917,7 +4003,7 @@
             <a:pPr rtl="0"/>
             <a:fld id="{70B7FDAA-B5D3-4E22-A82E-02191A2150B9}" type="datetime1">
               <a:rPr lang="fr-FR" noProof="0" smtClean="0"/>
-              <a:t>19/03/2018</a:t>
+              <a:t>22/03/2018</a:t>
             </a:fld>
             <a:endParaRPr lang="fr-FR" noProof="0" dirty="0"/>
           </a:p>
@@ -3941,7 +4027,7 @@
             <a:pPr rtl="0"/>
             <a:fld id="{34C99D79-8A4B-4031-B1E0-AF26F8EDF2BC}" type="slidenum">
               <a:rPr lang="fr-FR" noProof="0" smtClean="0"/>
-              <a:t>‹N°›</a:t>
+              <a:t>‹#›</a:t>
             </a:fld>
             <a:endParaRPr lang="fr-FR" noProof="0" dirty="0"/>
           </a:p>
@@ -4233,7 +4319,7 @@
             <a:pPr rtl="0"/>
             <a:fld id="{BADF8559-33F4-416D-A710-49A46B99982C}" type="datetime1">
               <a:rPr lang="fr-FR" noProof="0" smtClean="0"/>
-              <a:t>19/03/2018</a:t>
+              <a:t>22/03/2018</a:t>
             </a:fld>
             <a:endParaRPr lang="fr-FR" noProof="0" dirty="0"/>
           </a:p>
@@ -4257,7 +4343,7 @@
             <a:pPr rtl="0"/>
             <a:fld id="{34C99D79-8A4B-4031-B1E0-AF26F8EDF2BC}" type="slidenum">
               <a:rPr lang="fr-FR" noProof="0" smtClean="0"/>
-              <a:t>‹N°›</a:t>
+              <a:t>‹#›</a:t>
             </a:fld>
             <a:endParaRPr lang="fr-FR" noProof="0" dirty="0"/>
           </a:p>
@@ -4699,7 +4785,7 @@
             <a:pPr rtl="0"/>
             <a:fld id="{CF92E5DF-51C7-4012-82D0-A6F20F8A1C3B}" type="datetime1">
               <a:rPr lang="fr-FR" noProof="0" smtClean="0"/>
-              <a:t>19/03/2018</a:t>
+              <a:t>22/03/2018</a:t>
             </a:fld>
             <a:endParaRPr lang="fr-FR" noProof="0" dirty="0"/>
           </a:p>
@@ -4723,7 +4809,7 @@
             <a:pPr rtl="0"/>
             <a:fld id="{34C99D79-8A4B-4031-B1E0-AF26F8EDF2BC}" type="slidenum">
               <a:rPr lang="fr-FR" noProof="0" smtClean="0"/>
-              <a:t>‹N°›</a:t>
+              <a:t>‹#›</a:t>
             </a:fld>
             <a:endParaRPr lang="fr-FR" noProof="0" dirty="0"/>
           </a:p>
@@ -4836,7 +4922,7 @@
             <a:pPr rtl="0"/>
             <a:fld id="{A66353DA-E3F6-4188-A918-D5978D2DC352}" type="datetime1">
               <a:rPr lang="fr-FR" noProof="0" smtClean="0"/>
-              <a:t>19/03/2018</a:t>
+              <a:t>22/03/2018</a:t>
             </a:fld>
             <a:endParaRPr lang="fr-FR" noProof="0" dirty="0"/>
           </a:p>
@@ -4860,7 +4946,7 @@
             <a:pPr rtl="0"/>
             <a:fld id="{34C99D79-8A4B-4031-B1E0-AF26F8EDF2BC}" type="slidenum">
               <a:rPr lang="fr-FR" noProof="0" smtClean="0"/>
-              <a:t>‹N°›</a:t>
+              <a:t>‹#›</a:t>
             </a:fld>
             <a:endParaRPr lang="fr-FR" noProof="0" dirty="0"/>
           </a:p>
@@ -5132,7 +5218,7 @@
             <a:pPr rtl="0"/>
             <a:fld id="{227CDB5E-87EB-400A-AF0C-7B4E7074CB2E}" type="datetime1">
               <a:rPr lang="fr-FR" noProof="0" smtClean="0"/>
-              <a:t>19/03/2018</a:t>
+              <a:t>22/03/2018</a:t>
             </a:fld>
             <a:endParaRPr lang="fr-FR" noProof="0" dirty="0"/>
           </a:p>
@@ -5156,7 +5242,7 @@
             <a:pPr rtl="0"/>
             <a:fld id="{34C99D79-8A4B-4031-B1E0-AF26F8EDF2BC}" type="slidenum">
               <a:rPr lang="fr-FR" noProof="0" smtClean="0"/>
-              <a:t>‹N°›</a:t>
+              <a:t>‹#›</a:t>
             </a:fld>
             <a:endParaRPr lang="fr-FR" noProof="0" dirty="0"/>
           </a:p>
@@ -5435,7 +5521,7 @@
             <a:pPr rtl="0"/>
             <a:fld id="{9B92CBFA-02BE-4A2B-B3DF-CE42DCACD8FF}" type="datetime1">
               <a:rPr lang="fr-FR" noProof="0" smtClean="0"/>
-              <a:t>19/03/2018</a:t>
+              <a:t>22/03/2018</a:t>
             </a:fld>
             <a:endParaRPr lang="fr-FR" noProof="0" dirty="0"/>
           </a:p>
@@ -5459,7 +5545,7 @@
             <a:pPr rtl="0"/>
             <a:fld id="{34C99D79-8A4B-4031-B1E0-AF26F8EDF2BC}" type="slidenum">
               <a:rPr lang="fr-FR" noProof="0" smtClean="0"/>
-              <a:t>‹N°›</a:t>
+              <a:t>‹#›</a:t>
             </a:fld>
             <a:endParaRPr lang="fr-FR" noProof="0" dirty="0"/>
           </a:p>
@@ -5724,7 +5810,7 @@
             <a:pPr rtl="0"/>
             <a:fld id="{5B8044B4-8DC2-481B-A751-5605C20AC4B9}" type="datetime1">
               <a:rPr lang="fr-FR" noProof="0" smtClean="0"/>
-              <a:t>19/03/2018</a:t>
+              <a:t>22/03/2018</a:t>
             </a:fld>
             <a:endParaRPr lang="fr-FR" noProof="0" dirty="0"/>
           </a:p>
@@ -5748,7 +5834,7 @@
             <a:pPr rtl="0"/>
             <a:fld id="{34C99D79-8A4B-4031-B1E0-AF26F8EDF2BC}" type="slidenum">
               <a:rPr lang="fr-FR" noProof="0" smtClean="0"/>
-              <a:t>‹N°›</a:t>
+              <a:t>‹#›</a:t>
             </a:fld>
             <a:endParaRPr lang="fr-FR" noProof="0" dirty="0"/>
           </a:p>
@@ -6307,7 +6393,7 @@
             <a:pPr rtl="0"/>
             <a:fld id="{01DFB95D-D541-4088-8BCE-2FF8F06A12B2}" type="datetime1">
               <a:rPr lang="fr-FR" noProof="0" smtClean="0"/>
-              <a:t>19/03/2018</a:t>
+              <a:t>22/03/2018</a:t>
             </a:fld>
             <a:endParaRPr lang="fr-FR" noProof="0" dirty="0"/>
           </a:p>
@@ -6348,7 +6434,7 @@
             <a:fld id="{34C99D79-8A4B-4031-B1E0-AF26F8EDF2BC}" type="slidenum">
               <a:rPr lang="fr-FR" noProof="0" smtClean="0"/>
               <a:pPr rtl="0"/>
-              <a:t>‹N°›</a:t>
+              <a:t>‹#›</a:t>
             </a:fld>
             <a:endParaRPr lang="fr-FR" noProof="0" dirty="0"/>
           </a:p>
@@ -10471,11 +10557,7 @@
             </a:pPr>
             <a:r>
               <a:rPr lang="fr-FR" dirty="0" smtClean="0"/>
-              <a:t>Première </a:t>
-            </a:r>
-            <a:r>
-              <a:rPr lang="fr-FR" dirty="0" smtClean="0"/>
-              <a:t>solution</a:t>
+              <a:t>Première solution</a:t>
             </a:r>
             <a:endParaRPr lang="fr-FR" dirty="0"/>
           </a:p>
@@ -12678,11 +12760,7 @@
             </a:pPr>
             <a:r>
               <a:rPr lang="fr-FR" dirty="0" smtClean="0"/>
-              <a:t>Première </a:t>
-            </a:r>
-            <a:r>
-              <a:rPr lang="fr-FR" dirty="0" smtClean="0"/>
-              <a:t>solution</a:t>
+              <a:t>Première solution</a:t>
             </a:r>
             <a:endParaRPr lang="fr-FR" dirty="0"/>
           </a:p>
@@ -12750,13 +12828,29 @@
           <a:p>
             <a:r>
               <a:rPr lang="fr-FR" dirty="0" smtClean="0"/>
-              <a:t>Cette technique est le double </a:t>
-            </a:r>
-            <a:r>
-              <a:rPr lang="fr-FR" dirty="0" err="1" smtClean="0"/>
+              <a:t>Cette technique est le </a:t>
+            </a:r>
+            <a:r>
+              <a:rPr lang="fr-FR" dirty="0" smtClean="0">
+                <a:solidFill>
+                  <a:schemeClr val="accent6"/>
+                </a:solidFill>
+              </a:rPr>
+              <a:t>double </a:t>
+            </a:r>
+            <a:r>
+              <a:rPr lang="fr-FR" dirty="0" err="1" smtClean="0">
+                <a:solidFill>
+                  <a:schemeClr val="accent6"/>
+                </a:solidFill>
+              </a:rPr>
               <a:t>dispatch</a:t>
             </a:r>
-            <a:endParaRPr lang="fr-FR" dirty="0"/>
+            <a:endParaRPr lang="fr-FR" dirty="0">
+              <a:solidFill>
+                <a:schemeClr val="accent6"/>
+              </a:solidFill>
+            </a:endParaRPr>
           </a:p>
         </p:txBody>
       </p:sp>
@@ -12764,6 +12858,227 @@
     <p:extLst>
       <p:ext uri="{BB962C8B-B14F-4D97-AF65-F5344CB8AC3E}">
         <p14:creationId xmlns:p14="http://schemas.microsoft.com/office/powerpoint/2010/main" val="4223528004"/>
+      </p:ext>
+    </p:extLst>
+  </p:cSld>
+  <p:clrMapOvr>
+    <a:masterClrMapping/>
+  </p:clrMapOvr>
+  <mc:AlternateContent xmlns:mc="http://schemas.openxmlformats.org/markup-compatibility/2006" xmlns:p14="http://schemas.microsoft.com/office/powerpoint/2010/main">
+    <mc:Choice Requires="p14">
+      <p:transition spd="med" p14:dur="700">
+        <p:fade/>
+      </p:transition>
+    </mc:Choice>
+    <mc:Fallback xmlns="">
+      <p:transition spd="med">
+        <p:fade/>
+      </p:transition>
+    </mc:Fallback>
+  </mc:AlternateContent>
+  <p:timing>
+    <p:tnLst>
+      <p:par>
+        <p:cTn id="1" dur="indefinite" restart="never" nodeType="tmRoot"/>
+      </p:par>
+    </p:tnLst>
+  </p:timing>
+</p:sld>
+</file>
+
+<file path=ppt/slides/slide16.xml><?xml version="1.0" encoding="utf-8"?>
+<p:sld xmlns:a="http://schemas.openxmlformats.org/drawingml/2006/main" xmlns:r="http://schemas.openxmlformats.org/officeDocument/2006/relationships" xmlns:p="http://schemas.openxmlformats.org/presentationml/2006/main">
+  <p:cSld>
+    <p:spTree>
+      <p:nvGrpSpPr>
+        <p:cNvPr id="1" name=""/>
+        <p:cNvGrpSpPr/>
+        <p:nvPr/>
+      </p:nvGrpSpPr>
+      <p:grpSpPr>
+        <a:xfrm>
+          <a:off x="0" y="0"/>
+          <a:ext cx="0" cy="0"/>
+          <a:chOff x="0" y="0"/>
+          <a:chExt cx="0" cy="0"/>
+        </a:xfrm>
+      </p:grpSpPr>
+      <p:sp>
+        <p:nvSpPr>
+          <p:cNvPr id="2" name="Titre 1"/>
+          <p:cNvSpPr>
+            <a:spLocks noGrp="1"/>
+          </p:cNvSpPr>
+          <p:nvPr>
+            <p:ph type="title"/>
+          </p:nvPr>
+        </p:nvSpPr>
+        <p:spPr/>
+        <p:txBody>
+          <a:bodyPr rtlCol="0"/>
+          <a:lstStyle/>
+          <a:p>
+            <a:pPr marL="742950" indent="-742950" rtl="0">
+              <a:buFont typeface="+mj-lt"/>
+              <a:buAutoNum type="arabicPeriod" startAt="2"/>
+            </a:pPr>
+            <a:r>
+              <a:rPr lang="fr-FR" dirty="0" smtClean="0"/>
+              <a:t>Généralisation de la solution</a:t>
+            </a:r>
+            <a:endParaRPr lang="fr-FR" dirty="0"/>
+          </a:p>
+        </p:txBody>
+      </p:sp>
+      <p:pic>
+        <p:nvPicPr>
+          <p:cNvPr id="6" name="Content Placeholder 5"/>
+          <p:cNvPicPr>
+            <a:picLocks noGrp="1" noChangeAspect="1"/>
+          </p:cNvPicPr>
+          <p:nvPr>
+            <p:ph sz="half" idx="1"/>
+          </p:nvPr>
+        </p:nvPicPr>
+        <p:blipFill>
+          <a:blip r:embed="rId3">
+            <a:extLst>
+              <a:ext uri="{28A0092B-C50C-407E-A947-70E740481C1C}">
+                <a14:useLocalDpi xmlns:a14="http://schemas.microsoft.com/office/drawing/2010/main" val="0"/>
+              </a:ext>
+            </a:extLst>
+          </a:blip>
+          <a:stretch>
+            <a:fillRect/>
+          </a:stretch>
+        </p:blipFill>
+        <p:spPr>
+          <a:xfrm>
+            <a:off x="5865812" y="1600199"/>
+            <a:ext cx="5943600" cy="4166509"/>
+          </a:xfrm>
+        </p:spPr>
+      </p:pic>
+      <p:pic>
+        <p:nvPicPr>
+          <p:cNvPr id="8" name="Image 2"/>
+          <p:cNvPicPr>
+            <a:picLocks noChangeAspect="1"/>
+          </p:cNvPicPr>
+          <p:nvPr/>
+        </p:nvPicPr>
+        <p:blipFill>
+          <a:blip r:embed="rId4">
+            <a:extLst>
+              <a:ext uri="{28A0092B-C50C-407E-A947-70E740481C1C}">
+                <a14:useLocalDpi xmlns:a14="http://schemas.microsoft.com/office/drawing/2010/main" val="0"/>
+              </a:ext>
+            </a:extLst>
+          </a:blip>
+          <a:stretch>
+            <a:fillRect/>
+          </a:stretch>
+        </p:blipFill>
+        <p:spPr>
+          <a:xfrm>
+            <a:off x="150812" y="1981200"/>
+            <a:ext cx="5323757" cy="3112761"/>
+          </a:xfrm>
+          <a:prstGeom prst="rect">
+            <a:avLst/>
+          </a:prstGeom>
+        </p:spPr>
+      </p:pic>
+      <p:sp>
+        <p:nvSpPr>
+          <p:cNvPr id="9" name="Right Arrow 8"/>
+          <p:cNvSpPr/>
+          <p:nvPr/>
+        </p:nvSpPr>
+        <p:spPr>
+          <a:xfrm>
+            <a:off x="4722812" y="2590800"/>
+            <a:ext cx="1143000" cy="685800"/>
+          </a:xfrm>
+          <a:prstGeom prst="rightArrow">
+            <a:avLst/>
+          </a:prstGeom>
+        </p:spPr>
+        <p:style>
+          <a:lnRef idx="2">
+            <a:schemeClr val="accent1">
+              <a:shade val="50000"/>
+            </a:schemeClr>
+          </a:lnRef>
+          <a:fillRef idx="1">
+            <a:schemeClr val="accent1"/>
+          </a:fillRef>
+          <a:effectRef idx="0">
+            <a:schemeClr val="accent1"/>
+          </a:effectRef>
+          <a:fontRef idx="minor">
+            <a:schemeClr val="lt1"/>
+          </a:fontRef>
+        </p:style>
+        <p:txBody>
+          <a:bodyPr rtlCol="0" anchor="ctr"/>
+          <a:lstStyle/>
+          <a:p>
+            <a:pPr algn="ctr"/>
+            <a:endParaRPr lang="en-US"/>
+          </a:p>
+        </p:txBody>
+      </p:sp>
+      <p:sp>
+        <p:nvSpPr>
+          <p:cNvPr id="10" name="TextBox 9"/>
+          <p:cNvSpPr txBox="1"/>
+          <p:nvPr/>
+        </p:nvSpPr>
+        <p:spPr>
+          <a:xfrm>
+            <a:off x="3839442" y="5267437"/>
+            <a:ext cx="3270254" cy="461665"/>
+          </a:xfrm>
+          <a:prstGeom prst="rect">
+            <a:avLst/>
+          </a:prstGeom>
+          <a:noFill/>
+        </p:spPr>
+        <p:txBody>
+          <a:bodyPr wrap="none" rtlCol="0">
+            <a:spAutoFit/>
+          </a:bodyPr>
+          <a:lstStyle/>
+          <a:p>
+            <a:r>
+              <a:rPr lang="en-US" dirty="0" err="1" smtClean="0"/>
+              <a:t>C’est</a:t>
+            </a:r>
+            <a:r>
+              <a:rPr lang="en-US" dirty="0" smtClean="0"/>
+              <a:t> le pattern </a:t>
+            </a:r>
+            <a:r>
+              <a:rPr lang="en-US" dirty="0" smtClean="0">
+                <a:solidFill>
+                  <a:schemeClr val="accent6"/>
+                </a:solidFill>
+              </a:rPr>
+              <a:t>Visitor </a:t>
+            </a:r>
+            <a:r>
+              <a:rPr lang="en-US" dirty="0" smtClean="0"/>
+              <a:t>!</a:t>
+            </a:r>
+            <a:endParaRPr lang="en-US" dirty="0"/>
+          </a:p>
+        </p:txBody>
+      </p:sp>
+    </p:spTree>
+    <p:extLst>
+      <p:ext uri="{BB962C8B-B14F-4D97-AF65-F5344CB8AC3E}">
+        <p14:creationId xmlns:p14="http://schemas.microsoft.com/office/powerpoint/2010/main" val="2131168883"/>
       </p:ext>
     </p:extLst>
   </p:cSld>

--- a/doc/Patterns.pptx
+++ b/doc/Patterns.pptx
@@ -156,6 +156,10 @@
     </p:ext>
   </p:extLst>
 </p:presentation>
+</file>
+
+<file path=ppt/revisionInfo.xml><?xml version="1.0" encoding="utf-8"?>
+<p1510:revInfo xmlns:a="http://schemas.openxmlformats.org/drawingml/2006/main" xmlns:r="http://schemas.openxmlformats.org/officeDocument/2006/relationships" xmlns:p1510="http://schemas.microsoft.com/office/powerpoint/2015/10/main"/>
 </file>
 
 <file path=ppt/handoutMasters/handoutMaster1.xml><?xml version="1.0" encoding="utf-8"?>
@@ -2261,7 +2265,7 @@
           <a:p>
             <a:pPr rtl="0"/>
             <a:r>
-              <a:rPr lang="fr-FR" noProof="0" smtClean="0"/>
+              <a:rPr lang="fr-FR" noProof="0"/>
               <a:t>Modifiez le style du titre</a:t>
             </a:r>
             <a:endParaRPr lang="fr-FR" noProof="0" dirty="0"/>
@@ -2383,7 +2387,7 @@
           <a:p>
             <a:pPr rtl="0"/>
             <a:r>
-              <a:rPr lang="fr-FR" noProof="0" smtClean="0"/>
+              <a:rPr lang="fr-FR" noProof="0"/>
               <a:t>Modifiez le style des sous-titres du masque</a:t>
             </a:r>
             <a:endParaRPr lang="fr-FR" noProof="0" dirty="0"/>
@@ -2520,7 +2524,7 @@
           <a:p>
             <a:pPr rtl="0"/>
             <a:r>
-              <a:rPr lang="fr-FR" noProof="0" smtClean="0"/>
+              <a:rPr lang="fr-FR" noProof="0"/>
               <a:t>Modifiez le style du titre</a:t>
             </a:r>
             <a:endParaRPr lang="fr-FR" noProof="0" dirty="0"/>
@@ -2560,35 +2564,35 @@
           <a:p>
             <a:pPr lvl="0" rtl="0"/>
             <a:r>
-              <a:rPr lang="fr-FR" noProof="0" smtClean="0"/>
+              <a:rPr lang="fr-FR" noProof="0"/>
               <a:t>Modifiez les styles du texte du masque</a:t>
             </a:r>
           </a:p>
           <a:p>
             <a:pPr lvl="1" rtl="0"/>
             <a:r>
-              <a:rPr lang="fr-FR" noProof="0" smtClean="0"/>
+              <a:rPr lang="fr-FR" noProof="0"/>
               <a:t>Deuxième niveau</a:t>
             </a:r>
           </a:p>
           <a:p>
             <a:pPr lvl="2" rtl="0"/>
             <a:r>
-              <a:rPr lang="fr-FR" noProof="0" smtClean="0"/>
+              <a:rPr lang="fr-FR" noProof="0"/>
               <a:t>Troisième niveau</a:t>
             </a:r>
           </a:p>
           <a:p>
             <a:pPr lvl="3" rtl="0"/>
             <a:r>
-              <a:rPr lang="fr-FR" noProof="0" smtClean="0"/>
+              <a:rPr lang="fr-FR" noProof="0"/>
               <a:t>Quatrième niveau</a:t>
             </a:r>
           </a:p>
           <a:p>
             <a:pPr lvl="4" rtl="0"/>
             <a:r>
-              <a:rPr lang="fr-FR" noProof="0" smtClean="0"/>
+              <a:rPr lang="fr-FR" noProof="0"/>
               <a:t>Cinquième niveau</a:t>
             </a:r>
             <a:endParaRPr lang="fr-FR" noProof="0" dirty="0"/>
@@ -3069,7 +3073,7 @@
           <a:p>
             <a:pPr rtl="0"/>
             <a:r>
-              <a:rPr lang="fr-FR" noProof="0" smtClean="0"/>
+              <a:rPr lang="fr-FR" noProof="0"/>
               <a:t>Modifiez le style du titre</a:t>
             </a:r>
             <a:endParaRPr lang="fr-FR" noProof="0" dirty="0"/>
@@ -3114,35 +3118,35 @@
           <a:p>
             <a:pPr lvl="0" rtl="0"/>
             <a:r>
-              <a:rPr lang="fr-FR" noProof="0" smtClean="0"/>
+              <a:rPr lang="fr-FR" noProof="0"/>
               <a:t>Modifiez les styles du texte du masque</a:t>
             </a:r>
           </a:p>
           <a:p>
             <a:pPr lvl="1" rtl="0"/>
             <a:r>
-              <a:rPr lang="fr-FR" noProof="0" smtClean="0"/>
+              <a:rPr lang="fr-FR" noProof="0"/>
               <a:t>Deuxième niveau</a:t>
             </a:r>
           </a:p>
           <a:p>
             <a:pPr lvl="2" rtl="0"/>
             <a:r>
-              <a:rPr lang="fr-FR" noProof="0" smtClean="0"/>
+              <a:rPr lang="fr-FR" noProof="0"/>
               <a:t>Troisième niveau</a:t>
             </a:r>
           </a:p>
           <a:p>
             <a:pPr lvl="3" rtl="0"/>
             <a:r>
-              <a:rPr lang="fr-FR" noProof="0" smtClean="0"/>
+              <a:rPr lang="fr-FR" noProof="0"/>
               <a:t>Quatrième niveau</a:t>
             </a:r>
           </a:p>
           <a:p>
             <a:pPr lvl="4" rtl="0"/>
             <a:r>
-              <a:rPr lang="fr-FR" noProof="0" smtClean="0"/>
+              <a:rPr lang="fr-FR" noProof="0"/>
               <a:t>Cinquième niveau</a:t>
             </a:r>
             <a:endParaRPr lang="fr-FR" noProof="0" dirty="0"/>
@@ -3279,7 +3283,7 @@
           <a:p>
             <a:pPr rtl="0"/>
             <a:r>
-              <a:rPr lang="fr-FR" noProof="0" smtClean="0"/>
+              <a:rPr lang="fr-FR" noProof="0"/>
               <a:t>Modifiez le style du titre</a:t>
             </a:r>
             <a:endParaRPr lang="fr-FR" noProof="0" dirty="0"/>
@@ -3319,35 +3323,35 @@
           <a:p>
             <a:pPr lvl="0" rtl="0"/>
             <a:r>
-              <a:rPr lang="fr-FR" noProof="0" smtClean="0"/>
+              <a:rPr lang="fr-FR" noProof="0"/>
               <a:t>Modifiez les styles du texte du masque</a:t>
             </a:r>
           </a:p>
           <a:p>
             <a:pPr lvl="1" rtl="0"/>
             <a:r>
-              <a:rPr lang="fr-FR" noProof="0" smtClean="0"/>
+              <a:rPr lang="fr-FR" noProof="0"/>
               <a:t>Deuxième niveau</a:t>
             </a:r>
           </a:p>
           <a:p>
             <a:pPr lvl="2" rtl="0"/>
             <a:r>
-              <a:rPr lang="fr-FR" noProof="0" smtClean="0"/>
+              <a:rPr lang="fr-FR" noProof="0"/>
               <a:t>Troisième niveau</a:t>
             </a:r>
           </a:p>
           <a:p>
             <a:pPr lvl="3" rtl="0"/>
             <a:r>
-              <a:rPr lang="fr-FR" noProof="0" smtClean="0"/>
+              <a:rPr lang="fr-FR" noProof="0"/>
               <a:t>Quatrième niveau</a:t>
             </a:r>
           </a:p>
           <a:p>
             <a:pPr lvl="4" rtl="0"/>
             <a:r>
-              <a:rPr lang="fr-FR" noProof="0" smtClean="0"/>
+              <a:rPr lang="fr-FR" noProof="0"/>
               <a:t>Cinquième niveau</a:t>
             </a:r>
             <a:endParaRPr lang="fr-FR" noProof="0" dirty="0"/>
@@ -3834,7 +3838,7 @@
           <a:p>
             <a:pPr rtl="0"/>
             <a:r>
-              <a:rPr lang="fr-FR" noProof="0" smtClean="0"/>
+              <a:rPr lang="fr-FR" noProof="0"/>
               <a:t>Modifiez le style du titre</a:t>
             </a:r>
             <a:endParaRPr lang="fr-FR" noProof="0" dirty="0"/>
@@ -3956,7 +3960,7 @@
           <a:p>
             <a:pPr lvl="0" rtl="0"/>
             <a:r>
-              <a:rPr lang="fr-FR" noProof="0" smtClean="0"/>
+              <a:rPr lang="fr-FR" noProof="0"/>
               <a:t>Modifiez les styles du texte du masque</a:t>
             </a:r>
           </a:p>
@@ -4097,7 +4101,7 @@
           <a:p>
             <a:pPr rtl="0"/>
             <a:r>
-              <a:rPr lang="fr-FR" noProof="0" smtClean="0"/>
+              <a:rPr lang="fr-FR" noProof="0"/>
               <a:t>Modifiez le style du titre</a:t>
             </a:r>
             <a:endParaRPr lang="fr-FR" noProof="0" dirty="0"/>
@@ -4156,35 +4160,35 @@
           <a:p>
             <a:pPr lvl="0" rtl="0"/>
             <a:r>
-              <a:rPr lang="fr-FR" noProof="0" smtClean="0"/>
+              <a:rPr lang="fr-FR" noProof="0"/>
               <a:t>Modifiez les styles du texte du masque</a:t>
             </a:r>
           </a:p>
           <a:p>
             <a:pPr lvl="1" rtl="0"/>
             <a:r>
-              <a:rPr lang="fr-FR" noProof="0" smtClean="0"/>
+              <a:rPr lang="fr-FR" noProof="0"/>
               <a:t>Deuxième niveau</a:t>
             </a:r>
           </a:p>
           <a:p>
             <a:pPr lvl="2" rtl="0"/>
             <a:r>
-              <a:rPr lang="fr-FR" noProof="0" smtClean="0"/>
+              <a:rPr lang="fr-FR" noProof="0"/>
               <a:t>Troisième niveau</a:t>
             </a:r>
           </a:p>
           <a:p>
             <a:pPr lvl="3" rtl="0"/>
             <a:r>
-              <a:rPr lang="fr-FR" noProof="0" smtClean="0"/>
+              <a:rPr lang="fr-FR" noProof="0"/>
               <a:t>Quatrième niveau</a:t>
             </a:r>
           </a:p>
           <a:p>
             <a:pPr lvl="4" rtl="0"/>
             <a:r>
-              <a:rPr lang="fr-FR" noProof="0" smtClean="0"/>
+              <a:rPr lang="fr-FR" noProof="0"/>
               <a:t>Cinquième niveau</a:t>
             </a:r>
             <a:endParaRPr lang="fr-FR" noProof="0" dirty="0"/>
@@ -4243,35 +4247,35 @@
           <a:p>
             <a:pPr lvl="0" rtl="0"/>
             <a:r>
-              <a:rPr lang="fr-FR" noProof="0" smtClean="0"/>
+              <a:rPr lang="fr-FR" noProof="0"/>
               <a:t>Modifiez les styles du texte du masque</a:t>
             </a:r>
           </a:p>
           <a:p>
             <a:pPr lvl="1" rtl="0"/>
             <a:r>
-              <a:rPr lang="fr-FR" noProof="0" smtClean="0"/>
+              <a:rPr lang="fr-FR" noProof="0"/>
               <a:t>Deuxième niveau</a:t>
             </a:r>
           </a:p>
           <a:p>
             <a:pPr lvl="2" rtl="0"/>
             <a:r>
-              <a:rPr lang="fr-FR" noProof="0" smtClean="0"/>
+              <a:rPr lang="fr-FR" noProof="0"/>
               <a:t>Troisième niveau</a:t>
             </a:r>
           </a:p>
           <a:p>
             <a:pPr lvl="3" rtl="0"/>
             <a:r>
-              <a:rPr lang="fr-FR" noProof="0" smtClean="0"/>
+              <a:rPr lang="fr-FR" noProof="0"/>
               <a:t>Quatrième niveau</a:t>
             </a:r>
           </a:p>
           <a:p>
             <a:pPr lvl="4" rtl="0"/>
             <a:r>
-              <a:rPr lang="fr-FR" noProof="0" smtClean="0"/>
+              <a:rPr lang="fr-FR" noProof="0"/>
               <a:t>Cinquième niveau</a:t>
             </a:r>
             <a:endParaRPr lang="fr-FR" noProof="0" dirty="0"/>
@@ -4417,7 +4421,7 @@
           <a:p>
             <a:pPr rtl="0"/>
             <a:r>
-              <a:rPr lang="fr-FR" noProof="0" smtClean="0"/>
+              <a:rPr lang="fr-FR" noProof="0"/>
               <a:t>Modifiez le style du titre</a:t>
             </a:r>
             <a:endParaRPr lang="fr-FR" noProof="0" dirty="0"/>
@@ -4491,7 +4495,7 @@
           <a:p>
             <a:pPr lvl="0" rtl="0"/>
             <a:r>
-              <a:rPr lang="fr-FR" noProof="0" smtClean="0"/>
+              <a:rPr lang="fr-FR" noProof="0"/>
               <a:t>Modifiez les styles du texte du masque</a:t>
             </a:r>
           </a:p>
@@ -4549,35 +4553,35 @@
           <a:p>
             <a:pPr lvl="0" rtl="0"/>
             <a:r>
-              <a:rPr lang="fr-FR" noProof="0" smtClean="0"/>
+              <a:rPr lang="fr-FR" noProof="0"/>
               <a:t>Modifiez les styles du texte du masque</a:t>
             </a:r>
           </a:p>
           <a:p>
             <a:pPr lvl="1" rtl="0"/>
             <a:r>
-              <a:rPr lang="fr-FR" noProof="0" smtClean="0"/>
+              <a:rPr lang="fr-FR" noProof="0"/>
               <a:t>Deuxième niveau</a:t>
             </a:r>
           </a:p>
           <a:p>
             <a:pPr lvl="2" rtl="0"/>
             <a:r>
-              <a:rPr lang="fr-FR" noProof="0" smtClean="0"/>
+              <a:rPr lang="fr-FR" noProof="0"/>
               <a:t>Troisième niveau</a:t>
             </a:r>
           </a:p>
           <a:p>
             <a:pPr lvl="3" rtl="0"/>
             <a:r>
-              <a:rPr lang="fr-FR" noProof="0" smtClean="0"/>
+              <a:rPr lang="fr-FR" noProof="0"/>
               <a:t>Quatrième niveau</a:t>
             </a:r>
           </a:p>
           <a:p>
             <a:pPr lvl="4" rtl="0"/>
             <a:r>
-              <a:rPr lang="fr-FR" noProof="0" smtClean="0"/>
+              <a:rPr lang="fr-FR" noProof="0"/>
               <a:t>Cinquième niveau</a:t>
             </a:r>
             <a:endParaRPr lang="fr-FR" noProof="0" dirty="0"/>
@@ -4651,7 +4655,7 @@
           <a:p>
             <a:pPr lvl="0" rtl="0"/>
             <a:r>
-              <a:rPr lang="fr-FR" noProof="0" smtClean="0"/>
+              <a:rPr lang="fr-FR" noProof="0"/>
               <a:t>Modifiez les styles du texte du masque</a:t>
             </a:r>
           </a:p>
@@ -4709,35 +4713,35 @@
           <a:p>
             <a:pPr lvl="0" rtl="0"/>
             <a:r>
-              <a:rPr lang="fr-FR" noProof="0" smtClean="0"/>
+              <a:rPr lang="fr-FR" noProof="0"/>
               <a:t>Modifiez les styles du texte du masque</a:t>
             </a:r>
           </a:p>
           <a:p>
             <a:pPr lvl="1" rtl="0"/>
             <a:r>
-              <a:rPr lang="fr-FR" noProof="0" smtClean="0"/>
+              <a:rPr lang="fr-FR" noProof="0"/>
               <a:t>Deuxième niveau</a:t>
             </a:r>
           </a:p>
           <a:p>
             <a:pPr lvl="2" rtl="0"/>
             <a:r>
-              <a:rPr lang="fr-FR" noProof="0" smtClean="0"/>
+              <a:rPr lang="fr-FR" noProof="0"/>
               <a:t>Troisième niveau</a:t>
             </a:r>
           </a:p>
           <a:p>
             <a:pPr lvl="3" rtl="0"/>
             <a:r>
-              <a:rPr lang="fr-FR" noProof="0" smtClean="0"/>
+              <a:rPr lang="fr-FR" noProof="0"/>
               <a:t>Quatrième niveau</a:t>
             </a:r>
           </a:p>
           <a:p>
             <a:pPr lvl="4" rtl="0"/>
             <a:r>
-              <a:rPr lang="fr-FR" noProof="0" smtClean="0"/>
+              <a:rPr lang="fr-FR" noProof="0"/>
               <a:t>Cinquième niveau</a:t>
             </a:r>
             <a:endParaRPr lang="fr-FR" noProof="0" dirty="0"/>
@@ -4874,7 +4878,7 @@
           <a:p>
             <a:pPr rtl="0"/>
             <a:r>
-              <a:rPr lang="fr-FR" noProof="0" smtClean="0"/>
+              <a:rPr lang="fr-FR" noProof="0"/>
               <a:t>Modifiez le style du titre</a:t>
             </a:r>
             <a:endParaRPr lang="fr-FR" noProof="0" dirty="0"/>
@@ -5313,7 +5317,7 @@
           <a:p>
             <a:pPr rtl="0"/>
             <a:r>
-              <a:rPr lang="fr-FR" noProof="0" smtClean="0"/>
+              <a:rPr lang="fr-FR" noProof="0"/>
               <a:t>Modifiez le style du titre</a:t>
             </a:r>
             <a:endParaRPr lang="fr-FR" noProof="0" dirty="0"/>
@@ -5372,35 +5376,35 @@
           <a:p>
             <a:pPr lvl="0" rtl="0"/>
             <a:r>
-              <a:rPr lang="fr-FR" noProof="0" smtClean="0"/>
+              <a:rPr lang="fr-FR" noProof="0"/>
               <a:t>Modifiez les styles du texte du masque</a:t>
             </a:r>
           </a:p>
           <a:p>
             <a:pPr lvl="1" rtl="0"/>
             <a:r>
-              <a:rPr lang="fr-FR" noProof="0" smtClean="0"/>
+              <a:rPr lang="fr-FR" noProof="0"/>
               <a:t>Deuxième niveau</a:t>
             </a:r>
           </a:p>
           <a:p>
             <a:pPr lvl="2" rtl="0"/>
             <a:r>
-              <a:rPr lang="fr-FR" noProof="0" smtClean="0"/>
+              <a:rPr lang="fr-FR" noProof="0"/>
               <a:t>Troisième niveau</a:t>
             </a:r>
           </a:p>
           <a:p>
             <a:pPr lvl="3" rtl="0"/>
             <a:r>
-              <a:rPr lang="fr-FR" noProof="0" smtClean="0"/>
+              <a:rPr lang="fr-FR" noProof="0"/>
               <a:t>Quatrième niveau</a:t>
             </a:r>
           </a:p>
           <a:p>
             <a:pPr lvl="4" rtl="0"/>
             <a:r>
-              <a:rPr lang="fr-FR" noProof="0" smtClean="0"/>
+              <a:rPr lang="fr-FR" noProof="0"/>
               <a:t>Cinquième niveau</a:t>
             </a:r>
             <a:endParaRPr lang="fr-FR" noProof="0" dirty="0"/>
@@ -5474,7 +5478,7 @@
           <a:p>
             <a:pPr lvl="0" rtl="0"/>
             <a:r>
-              <a:rPr lang="fr-FR" noProof="0" smtClean="0"/>
+              <a:rPr lang="fr-FR" noProof="0"/>
               <a:t>Modifiez les styles du texte du masque</a:t>
             </a:r>
           </a:p>
@@ -5616,7 +5620,7 @@
           <a:p>
             <a:pPr rtl="0"/>
             <a:r>
-              <a:rPr lang="fr-FR" noProof="0" smtClean="0"/>
+              <a:rPr lang="fr-FR" noProof="0"/>
               <a:t>Modifiez le style du titre</a:t>
             </a:r>
             <a:endParaRPr lang="fr-FR" noProof="0" dirty="0"/>
@@ -5689,7 +5693,7 @@
           <a:p>
             <a:pPr rtl="0"/>
             <a:r>
-              <a:rPr lang="fr-FR" noProof="0" smtClean="0"/>
+              <a:rPr lang="fr-FR" noProof="0"/>
               <a:t>Cliquez sur l'icône pour ajouter une image</a:t>
             </a:r>
             <a:endParaRPr lang="fr-FR" noProof="0" dirty="0"/>
@@ -5763,7 +5767,7 @@
           <a:p>
             <a:pPr lvl="0" rtl="0"/>
             <a:r>
-              <a:rPr lang="fr-FR" noProof="0" smtClean="0"/>
+              <a:rPr lang="fr-FR" noProof="0"/>
               <a:t>Modifiez les styles du texte du masque</a:t>
             </a:r>
           </a:p>
@@ -6855,11 +6859,11 @@
           <a:p>
             <a:pPr rtl="0"/>
             <a:r>
-              <a:rPr lang="fr-FR" dirty="0" smtClean="0"/>
+              <a:rPr lang="fr-FR" dirty="0"/>
               <a:t>The Bridge &amp;</a:t>
             </a:r>
             <a:r>
-              <a:rPr lang="fr-FR" dirty="0" err="1" smtClean="0"/>
+              <a:rPr lang="fr-FR" dirty="0" err="1"/>
               <a:t>Visitor</a:t>
             </a:r>
             <a:endParaRPr lang="fr-FR" dirty="0"/>
@@ -6883,10 +6887,9 @@
           <a:p>
             <a:pPr rtl="0"/>
             <a:r>
-              <a:rPr lang="fr-FR" dirty="0" smtClean="0"/>
+              <a:rPr lang="fr-FR" dirty="0"/>
               <a:t>Design patterns</a:t>
             </a:r>
-            <a:endParaRPr lang="fr-FR" dirty="0"/>
           </a:p>
         </p:txBody>
       </p:sp>
@@ -6912,13 +6915,6 @@
       </p:transition>
     </mc:Fallback>
   </mc:AlternateContent>
-  <p:timing>
-    <p:tnLst>
-      <p:par>
-        <p:cTn id="1" dur="indefinite" restart="never" nodeType="tmRoot"/>
-      </p:par>
-    </p:tnLst>
-  </p:timing>
 </p:sld>
 </file>
 
@@ -6959,11 +6955,11 @@
               <a:buAutoNum type="romanUcPeriod" startAt="2"/>
             </a:pPr>
             <a:r>
-              <a:rPr lang="fr-FR" dirty="0" smtClean="0"/>
+              <a:rPr lang="fr-FR" dirty="0"/>
               <a:t>Pattern </a:t>
             </a:r>
             <a:r>
-              <a:rPr lang="fr-FR" dirty="0" err="1" smtClean="0"/>
+              <a:rPr lang="fr-FR" dirty="0" err="1"/>
               <a:t>Visitor</a:t>
             </a:r>
             <a:endParaRPr lang="fr-FR" dirty="0"/>
@@ -7048,13 +7044,6 @@
       </p:transition>
     </mc:Fallback>
   </mc:AlternateContent>
-  <p:timing>
-    <p:tnLst>
-      <p:par>
-        <p:cTn id="1" dur="indefinite" restart="never" nodeType="tmRoot"/>
-      </p:par>
-    </p:tnLst>
-  </p:timing>
 </p:sld>
 </file>
 
@@ -7075,36 +7064,6 @@
           <a:chExt cx="0" cy="0"/>
         </a:xfrm>
       </p:grpSpPr>
-      <p:pic>
-        <p:nvPicPr>
-          <p:cNvPr id="15" name="Image 14"/>
-          <p:cNvPicPr>
-            <a:picLocks noChangeAspect="1"/>
-          </p:cNvPicPr>
-          <p:nvPr/>
-        </p:nvPicPr>
-        <p:blipFill>
-          <a:blip r:embed="rId3">
-            <a:extLst>
-              <a:ext uri="{28A0092B-C50C-407E-A947-70E740481C1C}">
-                <a14:useLocalDpi xmlns:a14="http://schemas.microsoft.com/office/drawing/2010/main" val="0"/>
-              </a:ext>
-            </a:extLst>
-          </a:blip>
-          <a:stretch>
-            <a:fillRect/>
-          </a:stretch>
-        </p:blipFill>
-        <p:spPr>
-          <a:xfrm>
-            <a:off x="4597400" y="0"/>
-            <a:ext cx="7591425" cy="4333875"/>
-          </a:xfrm>
-          <a:prstGeom prst="rect">
-            <a:avLst/>
-          </a:prstGeom>
-        </p:spPr>
-      </p:pic>
       <p:sp>
         <p:nvSpPr>
           <p:cNvPr id="5" name="Titre 4"/>
@@ -7122,10 +7081,9 @@
           <a:p>
             <a:pPr rtl="0"/>
             <a:r>
-              <a:rPr lang="fr-FR" dirty="0" smtClean="0"/>
+              <a:rPr lang="fr-FR" dirty="0"/>
               <a:t>Problème</a:t>
             </a:r>
-            <a:endParaRPr lang="fr-FR" dirty="0"/>
           </a:p>
         </p:txBody>
       </p:sp>
@@ -7224,7 +7182,7 @@
               <a:tabLst/>
             </a:pPr>
             <a:r>
-              <a:rPr kumimoji="0" lang="fr-FR" altLang="fr-FR" sz="1200" b="0" i="0" u="none" strike="noStrike" cap="none" normalizeH="0" baseline="0" dirty="0" smtClean="0">
+              <a:rPr kumimoji="0" lang="fr-FR" altLang="fr-FR" sz="1200" b="0" i="0" u="none" strike="noStrike" cap="none" normalizeH="0" baseline="0" dirty="0">
                 <a:ln>
                   <a:noFill/>
                 </a:ln>
@@ -7238,7 +7196,7 @@
               <a:t>public class </a:t>
             </a:r>
             <a:r>
-              <a:rPr kumimoji="0" lang="fr-FR" altLang="fr-FR" sz="1200" b="0" i="0" u="none" strike="noStrike" cap="none" normalizeH="0" baseline="0" dirty="0" smtClean="0">
+              <a:rPr kumimoji="0" lang="fr-FR" altLang="fr-FR" sz="1200" b="0" i="0" u="none" strike="noStrike" cap="none" normalizeH="0" baseline="0" dirty="0">
                 <a:ln>
                   <a:noFill/>
                 </a:ln>
@@ -7252,7 +7210,7 @@
               <a:t>Printer {</a:t>
             </a:r>
             <a:br>
-              <a:rPr kumimoji="0" lang="fr-FR" altLang="fr-FR" sz="1200" b="0" i="0" u="none" strike="noStrike" cap="none" normalizeH="0" baseline="0" dirty="0" smtClean="0">
+              <a:rPr kumimoji="0" lang="fr-FR" altLang="fr-FR" sz="1200" b="0" i="0" u="none" strike="noStrike" cap="none" normalizeH="0" baseline="0" dirty="0">
                 <a:ln>
                   <a:noFill/>
                 </a:ln>
@@ -7265,7 +7223,7 @@
               </a:rPr>
             </a:br>
             <a:r>
-              <a:rPr kumimoji="0" lang="fr-FR" altLang="fr-FR" sz="1200" b="0" i="0" u="none" strike="noStrike" cap="none" normalizeH="0" baseline="0" dirty="0" smtClean="0">
+              <a:rPr kumimoji="0" lang="fr-FR" altLang="fr-FR" sz="1200" b="0" i="0" u="none" strike="noStrike" cap="none" normalizeH="0" baseline="0" dirty="0">
                 <a:ln>
                   <a:noFill/>
                 </a:ln>
@@ -7279,7 +7237,7 @@
               <a:t>    </a:t>
             </a:r>
             <a:r>
-              <a:rPr kumimoji="0" lang="fr-FR" altLang="fr-FR" sz="1200" b="0" i="0" u="none" strike="noStrike" cap="none" normalizeH="0" baseline="0" dirty="0" smtClean="0">
+              <a:rPr kumimoji="0" lang="fr-FR" altLang="fr-FR" sz="1200" b="0" i="0" u="none" strike="noStrike" cap="none" normalizeH="0" baseline="0" dirty="0">
                 <a:ln>
                   <a:noFill/>
                 </a:ln>
@@ -7293,7 +7251,7 @@
               <a:t>public </a:t>
             </a:r>
             <a:r>
-              <a:rPr kumimoji="0" lang="fr-FR" altLang="fr-FR" sz="1200" b="0" i="0" u="none" strike="noStrike" cap="none" normalizeH="0" baseline="0" dirty="0" err="1" smtClean="0">
+              <a:rPr kumimoji="0" lang="fr-FR" altLang="fr-FR" sz="1200" b="0" i="0" u="none" strike="noStrike" cap="none" normalizeH="0" baseline="0" dirty="0" err="1">
                 <a:ln>
                   <a:noFill/>
                 </a:ln>
@@ -7307,7 +7265,7 @@
               <a:t>void</a:t>
             </a:r>
             <a:r>
-              <a:rPr kumimoji="0" lang="fr-FR" altLang="fr-FR" sz="1200" b="0" i="0" u="none" strike="noStrike" cap="none" normalizeH="0" baseline="0" dirty="0" smtClean="0">
+              <a:rPr kumimoji="0" lang="fr-FR" altLang="fr-FR" sz="1200" b="0" i="0" u="none" strike="noStrike" cap="none" normalizeH="0" baseline="0" dirty="0">
                 <a:ln>
                   <a:noFill/>
                 </a:ln>
@@ -7321,7 +7279,7 @@
               <a:t> </a:t>
             </a:r>
             <a:r>
-              <a:rPr kumimoji="0" lang="fr-FR" altLang="fr-FR" sz="1200" b="0" i="0" u="none" strike="noStrike" cap="none" normalizeH="0" baseline="0" dirty="0" err="1" smtClean="0">
+              <a:rPr kumimoji="0" lang="fr-FR" altLang="fr-FR" sz="1200" b="0" i="0" u="none" strike="noStrike" cap="none" normalizeH="0" baseline="0" dirty="0" err="1">
                 <a:ln>
                   <a:noFill/>
                 </a:ln>
@@ -7335,7 +7293,7 @@
               <a:t>print</a:t>
             </a:r>
             <a:r>
-              <a:rPr kumimoji="0" lang="fr-FR" altLang="fr-FR" sz="1200" b="0" i="0" u="none" strike="noStrike" cap="none" normalizeH="0" baseline="0" dirty="0" smtClean="0">
+              <a:rPr kumimoji="0" lang="fr-FR" altLang="fr-FR" sz="1200" b="0" i="0" u="none" strike="noStrike" cap="none" normalizeH="0" baseline="0" dirty="0">
                 <a:ln>
                   <a:noFill/>
                 </a:ln>
@@ -7349,7 +7307,7 @@
               <a:t>(File </a:t>
             </a:r>
             <a:r>
-              <a:rPr kumimoji="0" lang="fr-FR" altLang="fr-FR" sz="1200" b="0" i="0" u="none" strike="noStrike" cap="none" normalizeH="0" baseline="0" dirty="0" err="1" smtClean="0">
+              <a:rPr kumimoji="0" lang="fr-FR" altLang="fr-FR" sz="1200" b="0" i="0" u="none" strike="noStrike" cap="none" normalizeH="0" baseline="0" dirty="0" err="1">
                 <a:ln>
                   <a:noFill/>
                 </a:ln>
@@ -7363,7 +7321,7 @@
               <a:t>file</a:t>
             </a:r>
             <a:r>
-              <a:rPr kumimoji="0" lang="fr-FR" altLang="fr-FR" sz="1200" b="0" i="0" u="none" strike="noStrike" cap="none" normalizeH="0" baseline="0" dirty="0" smtClean="0">
+              <a:rPr kumimoji="0" lang="fr-FR" altLang="fr-FR" sz="1200" b="0" i="0" u="none" strike="noStrike" cap="none" normalizeH="0" baseline="0" dirty="0">
                 <a:ln>
                   <a:noFill/>
                 </a:ln>
@@ -7377,7 +7335,7 @@
               <a:t>) {</a:t>
             </a:r>
             <a:br>
-              <a:rPr kumimoji="0" lang="fr-FR" altLang="fr-FR" sz="1200" b="0" i="0" u="none" strike="noStrike" cap="none" normalizeH="0" baseline="0" dirty="0" smtClean="0">
+              <a:rPr kumimoji="0" lang="fr-FR" altLang="fr-FR" sz="1200" b="0" i="0" u="none" strike="noStrike" cap="none" normalizeH="0" baseline="0" dirty="0">
                 <a:ln>
                   <a:noFill/>
                 </a:ln>
@@ -7390,7 +7348,7 @@
               </a:rPr>
             </a:br>
             <a:r>
-              <a:rPr kumimoji="0" lang="fr-FR" altLang="fr-FR" sz="1200" b="0" i="0" u="none" strike="noStrike" cap="none" normalizeH="0" baseline="0" dirty="0" smtClean="0">
+              <a:rPr kumimoji="0" lang="fr-FR" altLang="fr-FR" sz="1200" b="0" i="0" u="none" strike="noStrike" cap="none" normalizeH="0" baseline="0" dirty="0">
                 <a:ln>
                   <a:noFill/>
                 </a:ln>
@@ -7404,7 +7362,7 @@
               <a:t>        </a:t>
             </a:r>
             <a:r>
-              <a:rPr kumimoji="0" lang="fr-FR" altLang="fr-FR" sz="1200" b="0" i="0" u="none" strike="noStrike" cap="none" normalizeH="0" baseline="0" dirty="0" err="1" smtClean="0">
+              <a:rPr kumimoji="0" lang="fr-FR" altLang="fr-FR" sz="1200" b="0" i="0" u="none" strike="noStrike" cap="none" normalizeH="0" baseline="0" dirty="0" err="1">
                 <a:ln>
                   <a:noFill/>
                 </a:ln>
@@ -7418,7 +7376,7 @@
               <a:t>System.</a:t>
             </a:r>
             <a:r>
-              <a:rPr kumimoji="0" lang="fr-FR" altLang="fr-FR" sz="1200" b="0" i="1" u="none" strike="noStrike" cap="none" normalizeH="0" baseline="0" dirty="0" err="1" smtClean="0">
+              <a:rPr kumimoji="0" lang="fr-FR" altLang="fr-FR" sz="1200" b="0" i="1" u="none" strike="noStrike" cap="none" normalizeH="0" baseline="0" dirty="0" err="1">
                 <a:ln>
                   <a:noFill/>
                 </a:ln>
@@ -7432,7 +7390,7 @@
               <a:t>out</a:t>
             </a:r>
             <a:r>
-              <a:rPr kumimoji="0" lang="fr-FR" altLang="fr-FR" sz="1200" b="0" i="0" u="none" strike="noStrike" cap="none" normalizeH="0" baseline="0" dirty="0" err="1" smtClean="0">
+              <a:rPr kumimoji="0" lang="fr-FR" altLang="fr-FR" sz="1200" b="0" i="0" u="none" strike="noStrike" cap="none" normalizeH="0" baseline="0" dirty="0" err="1">
                 <a:ln>
                   <a:noFill/>
                 </a:ln>
@@ -7446,7 +7404,7 @@
               <a:t>.printf</a:t>
             </a:r>
             <a:r>
-              <a:rPr kumimoji="0" lang="fr-FR" altLang="fr-FR" sz="1200" b="0" i="0" u="none" strike="noStrike" cap="none" normalizeH="0" baseline="0" dirty="0" smtClean="0">
+              <a:rPr kumimoji="0" lang="fr-FR" altLang="fr-FR" sz="1200" b="0" i="0" u="none" strike="noStrike" cap="none" normalizeH="0" baseline="0" dirty="0">
                 <a:ln>
                   <a:noFill/>
                 </a:ln>
@@ -7460,7 +7418,7 @@
               <a:t>(</a:t>
             </a:r>
             <a:r>
-              <a:rPr kumimoji="0" lang="fr-FR" altLang="fr-FR" sz="1200" b="0" i="0" u="none" strike="noStrike" cap="none" normalizeH="0" baseline="0" dirty="0" smtClean="0">
+              <a:rPr kumimoji="0" lang="fr-FR" altLang="fr-FR" sz="1200" b="0" i="0" u="none" strike="noStrike" cap="none" normalizeH="0" baseline="0" dirty="0">
                 <a:ln>
                   <a:noFill/>
                 </a:ln>
@@ -7474,7 +7432,7 @@
               <a:t>"File: %S</a:t>
             </a:r>
             <a:r>
-              <a:rPr kumimoji="0" lang="fr-FR" altLang="fr-FR" sz="1200" b="0" i="0" u="none" strike="noStrike" cap="none" normalizeH="0" baseline="0" dirty="0" smtClean="0">
+              <a:rPr kumimoji="0" lang="fr-FR" altLang="fr-FR" sz="1200" b="0" i="0" u="none" strike="noStrike" cap="none" normalizeH="0" baseline="0" dirty="0">
                 <a:ln>
                   <a:noFill/>
                 </a:ln>
@@ -7488,7 +7446,7 @@
               <a:t>\n</a:t>
             </a:r>
             <a:r>
-              <a:rPr kumimoji="0" lang="fr-FR" altLang="fr-FR" sz="1200" b="0" i="0" u="none" strike="noStrike" cap="none" normalizeH="0" baseline="0" dirty="0" smtClean="0">
+              <a:rPr kumimoji="0" lang="fr-FR" altLang="fr-FR" sz="1200" b="0" i="0" u="none" strike="noStrike" cap="none" normalizeH="0" baseline="0" dirty="0">
                 <a:ln>
                   <a:noFill/>
                 </a:ln>
@@ -7502,7 +7460,7 @@
               <a:t>"</a:t>
             </a:r>
             <a:r>
-              <a:rPr kumimoji="0" lang="fr-FR" altLang="fr-FR" sz="1200" b="0" i="0" u="none" strike="noStrike" cap="none" normalizeH="0" baseline="0" dirty="0" smtClean="0">
+              <a:rPr kumimoji="0" lang="fr-FR" altLang="fr-FR" sz="1200" b="0" i="0" u="none" strike="noStrike" cap="none" normalizeH="0" baseline="0" dirty="0">
                 <a:ln>
                   <a:noFill/>
                 </a:ln>
@@ -7516,7 +7474,7 @@
               <a:t>, </a:t>
             </a:r>
             <a:r>
-              <a:rPr kumimoji="0" lang="fr-FR" altLang="fr-FR" sz="1200" b="0" i="0" u="none" strike="noStrike" cap="none" normalizeH="0" baseline="0" dirty="0" err="1" smtClean="0">
+              <a:rPr kumimoji="0" lang="fr-FR" altLang="fr-FR" sz="1200" b="0" i="0" u="none" strike="noStrike" cap="none" normalizeH="0" baseline="0" dirty="0" err="1">
                 <a:ln>
                   <a:noFill/>
                 </a:ln>
@@ -7530,7 +7488,7 @@
               <a:t>file.getName</a:t>
             </a:r>
             <a:r>
-              <a:rPr kumimoji="0" lang="fr-FR" altLang="fr-FR" sz="1200" b="0" i="0" u="none" strike="noStrike" cap="none" normalizeH="0" baseline="0" dirty="0" smtClean="0">
+              <a:rPr kumimoji="0" lang="fr-FR" altLang="fr-FR" sz="1200" b="0" i="0" u="none" strike="noStrike" cap="none" normalizeH="0" baseline="0" dirty="0">
                 <a:ln>
                   <a:noFill/>
                 </a:ln>
@@ -7544,7 +7502,7 @@
               <a:t>())</a:t>
             </a:r>
             <a:r>
-              <a:rPr kumimoji="0" lang="fr-FR" altLang="fr-FR" sz="1200" b="0" i="0" u="none" strike="noStrike" cap="none" normalizeH="0" baseline="0" dirty="0" smtClean="0">
+              <a:rPr kumimoji="0" lang="fr-FR" altLang="fr-FR" sz="1200" b="0" i="0" u="none" strike="noStrike" cap="none" normalizeH="0" baseline="0" dirty="0">
                 <a:ln>
                   <a:noFill/>
                 </a:ln>
@@ -7558,7 +7516,7 @@
               <a:t>;</a:t>
             </a:r>
             <a:br>
-              <a:rPr kumimoji="0" lang="fr-FR" altLang="fr-FR" sz="1200" b="0" i="0" u="none" strike="noStrike" cap="none" normalizeH="0" baseline="0" dirty="0" smtClean="0">
+              <a:rPr kumimoji="0" lang="fr-FR" altLang="fr-FR" sz="1200" b="0" i="0" u="none" strike="noStrike" cap="none" normalizeH="0" baseline="0" dirty="0">
                 <a:ln>
                   <a:noFill/>
                 </a:ln>
@@ -7571,7 +7529,7 @@
               </a:rPr>
             </a:br>
             <a:r>
-              <a:rPr kumimoji="0" lang="fr-FR" altLang="fr-FR" sz="1200" b="0" i="0" u="none" strike="noStrike" cap="none" normalizeH="0" baseline="0" dirty="0" smtClean="0">
+              <a:rPr kumimoji="0" lang="fr-FR" altLang="fr-FR" sz="1200" b="0" i="0" u="none" strike="noStrike" cap="none" normalizeH="0" baseline="0" dirty="0">
                 <a:ln>
                   <a:noFill/>
                 </a:ln>
@@ -7585,7 +7543,7 @@
               <a:t>    </a:t>
             </a:r>
             <a:r>
-              <a:rPr kumimoji="0" lang="fr-FR" altLang="fr-FR" sz="1200" b="0" i="0" u="none" strike="noStrike" cap="none" normalizeH="0" baseline="0" dirty="0" smtClean="0">
+              <a:rPr kumimoji="0" lang="fr-FR" altLang="fr-FR" sz="1200" b="0" i="0" u="none" strike="noStrike" cap="none" normalizeH="0" baseline="0" dirty="0">
                 <a:ln>
                   <a:noFill/>
                 </a:ln>
@@ -7599,7 +7557,7 @@
               <a:t>}</a:t>
             </a:r>
             <a:br>
-              <a:rPr kumimoji="0" lang="fr-FR" altLang="fr-FR" sz="1200" b="0" i="0" u="none" strike="noStrike" cap="none" normalizeH="0" baseline="0" dirty="0" smtClean="0">
+              <a:rPr kumimoji="0" lang="fr-FR" altLang="fr-FR" sz="1200" b="0" i="0" u="none" strike="noStrike" cap="none" normalizeH="0" baseline="0" dirty="0">
                 <a:ln>
                   <a:noFill/>
                 </a:ln>
@@ -7611,22 +7569,8 @@
                 <a:cs typeface="Courier New" panose="02070309020205020404" pitchFamily="49" charset="0"/>
               </a:rPr>
             </a:br>
-            <a:r>
-              <a:rPr kumimoji="0" lang="fr-FR" altLang="fr-FR" sz="1200" b="0" i="0" u="none" strike="noStrike" cap="none" normalizeH="0" baseline="0" dirty="0" smtClean="0">
-                <a:ln>
-                  <a:noFill/>
-                </a:ln>
-                <a:solidFill>
-                  <a:srgbClr val="A9B7C6"/>
-                </a:solidFill>
-                <a:effectLst/>
-                <a:latin typeface="Courier New" panose="02070309020205020404" pitchFamily="49" charset="0"/>
-                <a:cs typeface="Courier New" panose="02070309020205020404" pitchFamily="49" charset="0"/>
-              </a:rPr>
-              <a:t/>
-            </a:r>
             <a:br>
-              <a:rPr kumimoji="0" lang="fr-FR" altLang="fr-FR" sz="1200" b="0" i="0" u="none" strike="noStrike" cap="none" normalizeH="0" baseline="0" dirty="0" smtClean="0">
+              <a:rPr kumimoji="0" lang="fr-FR" altLang="fr-FR" sz="1200" b="0" i="0" u="none" strike="noStrike" cap="none" normalizeH="0" baseline="0" dirty="0">
                 <a:ln>
                   <a:noFill/>
                 </a:ln>
@@ -7639,7 +7583,7 @@
               </a:rPr>
             </a:br>
             <a:r>
-              <a:rPr kumimoji="0" lang="fr-FR" altLang="fr-FR" sz="1200" b="0" i="0" u="none" strike="noStrike" cap="none" normalizeH="0" baseline="0" dirty="0" smtClean="0">
+              <a:rPr kumimoji="0" lang="fr-FR" altLang="fr-FR" sz="1200" b="0" i="0" u="none" strike="noStrike" cap="none" normalizeH="0" baseline="0" dirty="0">
                 <a:ln>
                   <a:noFill/>
                 </a:ln>
@@ -7653,7 +7597,7 @@
               <a:t>    </a:t>
             </a:r>
             <a:r>
-              <a:rPr kumimoji="0" lang="fr-FR" altLang="fr-FR" sz="1200" b="0" i="0" u="none" strike="noStrike" cap="none" normalizeH="0" baseline="0" dirty="0" smtClean="0">
+              <a:rPr kumimoji="0" lang="fr-FR" altLang="fr-FR" sz="1200" b="0" i="0" u="none" strike="noStrike" cap="none" normalizeH="0" baseline="0" dirty="0">
                 <a:ln>
                   <a:noFill/>
                 </a:ln>
@@ -7667,7 +7611,7 @@
               <a:t>public </a:t>
             </a:r>
             <a:r>
-              <a:rPr kumimoji="0" lang="fr-FR" altLang="fr-FR" sz="1200" b="0" i="0" u="none" strike="noStrike" cap="none" normalizeH="0" baseline="0" dirty="0" err="1" smtClean="0">
+              <a:rPr kumimoji="0" lang="fr-FR" altLang="fr-FR" sz="1200" b="0" i="0" u="none" strike="noStrike" cap="none" normalizeH="0" baseline="0" dirty="0" err="1">
                 <a:ln>
                   <a:noFill/>
                 </a:ln>
@@ -7681,7 +7625,7 @@
               <a:t>void</a:t>
             </a:r>
             <a:r>
-              <a:rPr kumimoji="0" lang="fr-FR" altLang="fr-FR" sz="1200" b="0" i="0" u="none" strike="noStrike" cap="none" normalizeH="0" baseline="0" dirty="0" smtClean="0">
+              <a:rPr kumimoji="0" lang="fr-FR" altLang="fr-FR" sz="1200" b="0" i="0" u="none" strike="noStrike" cap="none" normalizeH="0" baseline="0" dirty="0">
                 <a:ln>
                   <a:noFill/>
                 </a:ln>
@@ -7695,7 +7639,7 @@
               <a:t> </a:t>
             </a:r>
             <a:r>
-              <a:rPr kumimoji="0" lang="fr-FR" altLang="fr-FR" sz="1200" b="0" i="0" u="none" strike="noStrike" cap="none" normalizeH="0" baseline="0" dirty="0" err="1" smtClean="0">
+              <a:rPr kumimoji="0" lang="fr-FR" altLang="fr-FR" sz="1200" b="0" i="0" u="none" strike="noStrike" cap="none" normalizeH="0" baseline="0" dirty="0" err="1">
                 <a:ln>
                   <a:noFill/>
                 </a:ln>
@@ -7709,7 +7653,7 @@
               <a:t>print</a:t>
             </a:r>
             <a:r>
-              <a:rPr kumimoji="0" lang="fr-FR" altLang="fr-FR" sz="1200" b="0" i="0" u="none" strike="noStrike" cap="none" normalizeH="0" baseline="0" dirty="0" smtClean="0">
+              <a:rPr kumimoji="0" lang="fr-FR" altLang="fr-FR" sz="1200" b="0" i="0" u="none" strike="noStrike" cap="none" normalizeH="0" baseline="0" dirty="0">
                 <a:ln>
                   <a:noFill/>
                 </a:ln>
@@ -7723,7 +7667,7 @@
               <a:t>(</a:t>
             </a:r>
             <a:r>
-              <a:rPr kumimoji="0" lang="fr-FR" altLang="fr-FR" sz="1200" b="0" i="0" u="none" strike="noStrike" cap="none" normalizeH="0" baseline="0" dirty="0" err="1" smtClean="0">
+              <a:rPr kumimoji="0" lang="fr-FR" altLang="fr-FR" sz="1200" b="0" i="0" u="none" strike="noStrike" cap="none" normalizeH="0" baseline="0" dirty="0" err="1">
                 <a:ln>
                   <a:noFill/>
                 </a:ln>
@@ -7737,7 +7681,7 @@
               <a:t>SymLink</a:t>
             </a:r>
             <a:r>
-              <a:rPr kumimoji="0" lang="fr-FR" altLang="fr-FR" sz="1200" b="0" i="0" u="none" strike="noStrike" cap="none" normalizeH="0" baseline="0" dirty="0" smtClean="0">
+              <a:rPr kumimoji="0" lang="fr-FR" altLang="fr-FR" sz="1200" b="0" i="0" u="none" strike="noStrike" cap="none" normalizeH="0" baseline="0" dirty="0">
                 <a:ln>
                   <a:noFill/>
                 </a:ln>
@@ -7751,7 +7695,7 @@
               <a:t> </a:t>
             </a:r>
             <a:r>
-              <a:rPr kumimoji="0" lang="fr-FR" altLang="fr-FR" sz="1200" b="0" i="0" u="none" strike="noStrike" cap="none" normalizeH="0" baseline="0" dirty="0" err="1" smtClean="0">
+              <a:rPr kumimoji="0" lang="fr-FR" altLang="fr-FR" sz="1200" b="0" i="0" u="none" strike="noStrike" cap="none" normalizeH="0" baseline="0" dirty="0" err="1">
                 <a:ln>
                   <a:noFill/>
                 </a:ln>
@@ -7765,7 +7709,7 @@
               <a:t>symLink</a:t>
             </a:r>
             <a:r>
-              <a:rPr kumimoji="0" lang="fr-FR" altLang="fr-FR" sz="1200" b="0" i="0" u="none" strike="noStrike" cap="none" normalizeH="0" baseline="0" dirty="0" smtClean="0">
+              <a:rPr kumimoji="0" lang="fr-FR" altLang="fr-FR" sz="1200" b="0" i="0" u="none" strike="noStrike" cap="none" normalizeH="0" baseline="0" dirty="0">
                 <a:ln>
                   <a:noFill/>
                 </a:ln>
@@ -7779,7 +7723,7 @@
               <a:t>) {</a:t>
             </a:r>
             <a:br>
-              <a:rPr kumimoji="0" lang="fr-FR" altLang="fr-FR" sz="1200" b="0" i="0" u="none" strike="noStrike" cap="none" normalizeH="0" baseline="0" dirty="0" smtClean="0">
+              <a:rPr kumimoji="0" lang="fr-FR" altLang="fr-FR" sz="1200" b="0" i="0" u="none" strike="noStrike" cap="none" normalizeH="0" baseline="0" dirty="0">
                 <a:ln>
                   <a:noFill/>
                 </a:ln>
@@ -7792,7 +7736,7 @@
               </a:rPr>
             </a:br>
             <a:r>
-              <a:rPr kumimoji="0" lang="fr-FR" altLang="fr-FR" sz="1200" b="0" i="0" u="none" strike="noStrike" cap="none" normalizeH="0" baseline="0" dirty="0" smtClean="0">
+              <a:rPr kumimoji="0" lang="fr-FR" altLang="fr-FR" sz="1200" b="0" i="0" u="none" strike="noStrike" cap="none" normalizeH="0" baseline="0" dirty="0">
                 <a:ln>
                   <a:noFill/>
                 </a:ln>
@@ -7806,7 +7750,7 @@
               <a:t>        </a:t>
             </a:r>
             <a:r>
-              <a:rPr kumimoji="0" lang="fr-FR" altLang="fr-FR" sz="1200" b="0" i="0" u="none" strike="noStrike" cap="none" normalizeH="0" baseline="0" dirty="0" err="1" smtClean="0">
+              <a:rPr kumimoji="0" lang="fr-FR" altLang="fr-FR" sz="1200" b="0" i="0" u="none" strike="noStrike" cap="none" normalizeH="0" baseline="0" dirty="0" err="1">
                 <a:ln>
                   <a:noFill/>
                 </a:ln>
@@ -7820,7 +7764,7 @@
               <a:t>System.</a:t>
             </a:r>
             <a:r>
-              <a:rPr kumimoji="0" lang="fr-FR" altLang="fr-FR" sz="1200" b="0" i="1" u="none" strike="noStrike" cap="none" normalizeH="0" baseline="0" dirty="0" err="1" smtClean="0">
+              <a:rPr kumimoji="0" lang="fr-FR" altLang="fr-FR" sz="1200" b="0" i="1" u="none" strike="noStrike" cap="none" normalizeH="0" baseline="0" dirty="0" err="1">
                 <a:ln>
                   <a:noFill/>
                 </a:ln>
@@ -7834,7 +7778,7 @@
               <a:t>out</a:t>
             </a:r>
             <a:r>
-              <a:rPr kumimoji="0" lang="fr-FR" altLang="fr-FR" sz="1200" b="0" i="0" u="none" strike="noStrike" cap="none" normalizeH="0" baseline="0" dirty="0" err="1" smtClean="0">
+              <a:rPr kumimoji="0" lang="fr-FR" altLang="fr-FR" sz="1200" b="0" i="0" u="none" strike="noStrike" cap="none" normalizeH="0" baseline="0" dirty="0" err="1">
                 <a:ln>
                   <a:noFill/>
                 </a:ln>
@@ -7848,7 +7792,7 @@
               <a:t>.printf</a:t>
             </a:r>
             <a:r>
-              <a:rPr kumimoji="0" lang="fr-FR" altLang="fr-FR" sz="1200" b="0" i="0" u="none" strike="noStrike" cap="none" normalizeH="0" baseline="0" dirty="0" smtClean="0">
+              <a:rPr kumimoji="0" lang="fr-FR" altLang="fr-FR" sz="1200" b="0" i="0" u="none" strike="noStrike" cap="none" normalizeH="0" baseline="0" dirty="0">
                 <a:ln>
                   <a:noFill/>
                 </a:ln>
@@ -7862,7 +7806,7 @@
               <a:t>(</a:t>
             </a:r>
             <a:r>
-              <a:rPr kumimoji="0" lang="fr-FR" altLang="fr-FR" sz="1200" b="0" i="0" u="none" strike="noStrike" cap="none" normalizeH="0" baseline="0" dirty="0" smtClean="0">
+              <a:rPr kumimoji="0" lang="fr-FR" altLang="fr-FR" sz="1200" b="0" i="0" u="none" strike="noStrike" cap="none" normalizeH="0" baseline="0" dirty="0">
                 <a:ln>
                   <a:noFill/>
                 </a:ln>
@@ -7876,7 +7820,7 @@
               <a:t>"</a:t>
             </a:r>
             <a:r>
-              <a:rPr kumimoji="0" lang="fr-FR" altLang="fr-FR" sz="1200" b="0" i="0" u="none" strike="noStrike" cap="none" normalizeH="0" baseline="0" dirty="0" err="1" smtClean="0">
+              <a:rPr kumimoji="0" lang="fr-FR" altLang="fr-FR" sz="1200" b="0" i="0" u="none" strike="noStrike" cap="none" normalizeH="0" baseline="0" dirty="0" err="1">
                 <a:ln>
                   <a:noFill/>
                 </a:ln>
@@ -7890,7 +7834,7 @@
               <a:t>SymLink</a:t>
             </a:r>
             <a:r>
-              <a:rPr kumimoji="0" lang="fr-FR" altLang="fr-FR" sz="1200" b="0" i="0" u="none" strike="noStrike" cap="none" normalizeH="0" baseline="0" dirty="0" smtClean="0">
+              <a:rPr kumimoji="0" lang="fr-FR" altLang="fr-FR" sz="1200" b="0" i="0" u="none" strike="noStrike" cap="none" normalizeH="0" baseline="0" dirty="0">
                 <a:ln>
                   <a:noFill/>
                 </a:ln>
@@ -7904,7 +7848,7 @@
               <a:t>: %S --&gt; %s</a:t>
             </a:r>
             <a:r>
-              <a:rPr kumimoji="0" lang="fr-FR" altLang="fr-FR" sz="1200" b="0" i="0" u="none" strike="noStrike" cap="none" normalizeH="0" baseline="0" dirty="0" smtClean="0">
+              <a:rPr kumimoji="0" lang="fr-FR" altLang="fr-FR" sz="1200" b="0" i="0" u="none" strike="noStrike" cap="none" normalizeH="0" baseline="0" dirty="0">
                 <a:ln>
                   <a:noFill/>
                 </a:ln>
@@ -7918,7 +7862,7 @@
               <a:t>\n</a:t>
             </a:r>
             <a:r>
-              <a:rPr kumimoji="0" lang="fr-FR" altLang="fr-FR" sz="1200" b="0" i="0" u="none" strike="noStrike" cap="none" normalizeH="0" baseline="0" dirty="0" smtClean="0">
+              <a:rPr kumimoji="0" lang="fr-FR" altLang="fr-FR" sz="1200" b="0" i="0" u="none" strike="noStrike" cap="none" normalizeH="0" baseline="0" dirty="0">
                 <a:ln>
                   <a:noFill/>
                 </a:ln>
@@ -7932,7 +7876,7 @@
               <a:t>"</a:t>
             </a:r>
             <a:r>
-              <a:rPr kumimoji="0" lang="fr-FR" altLang="fr-FR" sz="1200" b="0" i="0" u="none" strike="noStrike" cap="none" normalizeH="0" baseline="0" dirty="0" smtClean="0">
+              <a:rPr kumimoji="0" lang="fr-FR" altLang="fr-FR" sz="1200" b="0" i="0" u="none" strike="noStrike" cap="none" normalizeH="0" baseline="0" dirty="0">
                 <a:ln>
                   <a:noFill/>
                 </a:ln>
@@ -7946,7 +7890,7 @@
               <a:t>, </a:t>
             </a:r>
             <a:r>
-              <a:rPr kumimoji="0" lang="fr-FR" altLang="fr-FR" sz="1200" b="0" i="0" u="none" strike="noStrike" cap="none" normalizeH="0" baseline="0" dirty="0" err="1" smtClean="0">
+              <a:rPr kumimoji="0" lang="fr-FR" altLang="fr-FR" sz="1200" b="0" i="0" u="none" strike="noStrike" cap="none" normalizeH="0" baseline="0" dirty="0" err="1">
                 <a:ln>
                   <a:noFill/>
                 </a:ln>
@@ -7960,7 +7904,7 @@
               <a:t>symLink.getName</a:t>
             </a:r>
             <a:r>
-              <a:rPr kumimoji="0" lang="fr-FR" altLang="fr-FR" sz="1200" b="0" i="0" u="none" strike="noStrike" cap="none" normalizeH="0" baseline="0" dirty="0" smtClean="0">
+              <a:rPr kumimoji="0" lang="fr-FR" altLang="fr-FR" sz="1200" b="0" i="0" u="none" strike="noStrike" cap="none" normalizeH="0" baseline="0" dirty="0">
                 <a:ln>
                   <a:noFill/>
                 </a:ln>
@@ -7974,7 +7918,7 @@
               <a:t>()</a:t>
             </a:r>
             <a:r>
-              <a:rPr kumimoji="0" lang="fr-FR" altLang="fr-FR" sz="1200" b="0" i="0" u="none" strike="noStrike" cap="none" normalizeH="0" baseline="0" dirty="0" smtClean="0">
+              <a:rPr kumimoji="0" lang="fr-FR" altLang="fr-FR" sz="1200" b="0" i="0" u="none" strike="noStrike" cap="none" normalizeH="0" baseline="0" dirty="0">
                 <a:ln>
                   <a:noFill/>
                 </a:ln>
@@ -7988,7 +7932,7 @@
               <a:t>, </a:t>
             </a:r>
             <a:r>
-              <a:rPr kumimoji="0" lang="fr-FR" altLang="fr-FR" sz="1200" b="0" i="0" u="none" strike="noStrike" cap="none" normalizeH="0" baseline="0" dirty="0" err="1" smtClean="0">
+              <a:rPr kumimoji="0" lang="fr-FR" altLang="fr-FR" sz="1200" b="0" i="0" u="none" strike="noStrike" cap="none" normalizeH="0" baseline="0" dirty="0" err="1">
                 <a:ln>
                   <a:noFill/>
                 </a:ln>
@@ -8002,7 +7946,7 @@
               <a:t>symLink.getPath</a:t>
             </a:r>
             <a:r>
-              <a:rPr kumimoji="0" lang="fr-FR" altLang="fr-FR" sz="1200" b="0" i="0" u="none" strike="noStrike" cap="none" normalizeH="0" baseline="0" dirty="0" smtClean="0">
+              <a:rPr kumimoji="0" lang="fr-FR" altLang="fr-FR" sz="1200" b="0" i="0" u="none" strike="noStrike" cap="none" normalizeH="0" baseline="0" dirty="0">
                 <a:ln>
                   <a:noFill/>
                 </a:ln>
@@ -8016,7 +7960,7 @@
               <a:t>())</a:t>
             </a:r>
             <a:r>
-              <a:rPr kumimoji="0" lang="fr-FR" altLang="fr-FR" sz="1200" b="0" i="0" u="none" strike="noStrike" cap="none" normalizeH="0" baseline="0" dirty="0" smtClean="0">
+              <a:rPr kumimoji="0" lang="fr-FR" altLang="fr-FR" sz="1200" b="0" i="0" u="none" strike="noStrike" cap="none" normalizeH="0" baseline="0" dirty="0">
                 <a:ln>
                   <a:noFill/>
                 </a:ln>
@@ -8030,7 +7974,7 @@
               <a:t>;</a:t>
             </a:r>
             <a:br>
-              <a:rPr kumimoji="0" lang="fr-FR" altLang="fr-FR" sz="1200" b="0" i="0" u="none" strike="noStrike" cap="none" normalizeH="0" baseline="0" dirty="0" smtClean="0">
+              <a:rPr kumimoji="0" lang="fr-FR" altLang="fr-FR" sz="1200" b="0" i="0" u="none" strike="noStrike" cap="none" normalizeH="0" baseline="0" dirty="0">
                 <a:ln>
                   <a:noFill/>
                 </a:ln>
@@ -8043,7 +7987,7 @@
               </a:rPr>
             </a:br>
             <a:r>
-              <a:rPr kumimoji="0" lang="fr-FR" altLang="fr-FR" sz="1200" b="0" i="0" u="none" strike="noStrike" cap="none" normalizeH="0" baseline="0" dirty="0" smtClean="0">
+              <a:rPr kumimoji="0" lang="fr-FR" altLang="fr-FR" sz="1200" b="0" i="0" u="none" strike="noStrike" cap="none" normalizeH="0" baseline="0" dirty="0">
                 <a:ln>
                   <a:noFill/>
                 </a:ln>
@@ -8057,7 +8001,7 @@
               <a:t>    </a:t>
             </a:r>
             <a:r>
-              <a:rPr kumimoji="0" lang="fr-FR" altLang="fr-FR" sz="1200" b="0" i="0" u="none" strike="noStrike" cap="none" normalizeH="0" baseline="0" dirty="0" smtClean="0">
+              <a:rPr kumimoji="0" lang="fr-FR" altLang="fr-FR" sz="1200" b="0" i="0" u="none" strike="noStrike" cap="none" normalizeH="0" baseline="0" dirty="0">
                 <a:ln>
                   <a:noFill/>
                 </a:ln>
@@ -8071,7 +8015,7 @@
               <a:t>}</a:t>
             </a:r>
             <a:br>
-              <a:rPr kumimoji="0" lang="fr-FR" altLang="fr-FR" sz="1200" b="0" i="0" u="none" strike="noStrike" cap="none" normalizeH="0" baseline="0" dirty="0" smtClean="0">
+              <a:rPr kumimoji="0" lang="fr-FR" altLang="fr-FR" sz="1200" b="0" i="0" u="none" strike="noStrike" cap="none" normalizeH="0" baseline="0" dirty="0">
                 <a:ln>
                   <a:noFill/>
                 </a:ln>
@@ -8083,22 +8027,8 @@
                 <a:cs typeface="Courier New" panose="02070309020205020404" pitchFamily="49" charset="0"/>
               </a:rPr>
             </a:br>
-            <a:r>
-              <a:rPr kumimoji="0" lang="fr-FR" altLang="fr-FR" sz="1200" b="0" i="0" u="none" strike="noStrike" cap="none" normalizeH="0" baseline="0" dirty="0" smtClean="0">
-                <a:ln>
-                  <a:noFill/>
-                </a:ln>
-                <a:solidFill>
-                  <a:srgbClr val="A9B7C6"/>
-                </a:solidFill>
-                <a:effectLst/>
-                <a:latin typeface="Courier New" panose="02070309020205020404" pitchFamily="49" charset="0"/>
-                <a:cs typeface="Courier New" panose="02070309020205020404" pitchFamily="49" charset="0"/>
-              </a:rPr>
-              <a:t/>
-            </a:r>
             <a:br>
-              <a:rPr kumimoji="0" lang="fr-FR" altLang="fr-FR" sz="1200" b="0" i="0" u="none" strike="noStrike" cap="none" normalizeH="0" baseline="0" dirty="0" smtClean="0">
+              <a:rPr kumimoji="0" lang="fr-FR" altLang="fr-FR" sz="1200" b="0" i="0" u="none" strike="noStrike" cap="none" normalizeH="0" baseline="0" dirty="0">
                 <a:ln>
                   <a:noFill/>
                 </a:ln>
@@ -8111,7 +8041,7 @@
               </a:rPr>
             </a:br>
             <a:r>
-              <a:rPr kumimoji="0" lang="fr-FR" altLang="fr-FR" sz="1200" b="0" i="0" u="none" strike="noStrike" cap="none" normalizeH="0" baseline="0" dirty="0" smtClean="0">
+              <a:rPr kumimoji="0" lang="fr-FR" altLang="fr-FR" sz="1200" b="0" i="0" u="none" strike="noStrike" cap="none" normalizeH="0" baseline="0" dirty="0">
                 <a:ln>
                   <a:noFill/>
                 </a:ln>
@@ -8125,7 +8055,7 @@
               <a:t>    </a:t>
             </a:r>
             <a:r>
-              <a:rPr kumimoji="0" lang="fr-FR" altLang="fr-FR" sz="1200" b="0" i="0" u="none" strike="noStrike" cap="none" normalizeH="0" baseline="0" dirty="0" smtClean="0">
+              <a:rPr kumimoji="0" lang="fr-FR" altLang="fr-FR" sz="1200" b="0" i="0" u="none" strike="noStrike" cap="none" normalizeH="0" baseline="0" dirty="0">
                 <a:ln>
                   <a:noFill/>
                 </a:ln>
@@ -8139,7 +8069,7 @@
               <a:t>public </a:t>
             </a:r>
             <a:r>
-              <a:rPr kumimoji="0" lang="fr-FR" altLang="fr-FR" sz="1200" b="0" i="0" u="none" strike="noStrike" cap="none" normalizeH="0" baseline="0" dirty="0" err="1" smtClean="0">
+              <a:rPr kumimoji="0" lang="fr-FR" altLang="fr-FR" sz="1200" b="0" i="0" u="none" strike="noStrike" cap="none" normalizeH="0" baseline="0" dirty="0" err="1">
                 <a:ln>
                   <a:noFill/>
                 </a:ln>
@@ -8153,7 +8083,7 @@
               <a:t>void</a:t>
             </a:r>
             <a:r>
-              <a:rPr kumimoji="0" lang="fr-FR" altLang="fr-FR" sz="1200" b="0" i="0" u="none" strike="noStrike" cap="none" normalizeH="0" baseline="0" dirty="0" smtClean="0">
+              <a:rPr kumimoji="0" lang="fr-FR" altLang="fr-FR" sz="1200" b="0" i="0" u="none" strike="noStrike" cap="none" normalizeH="0" baseline="0" dirty="0">
                 <a:ln>
                   <a:noFill/>
                 </a:ln>
@@ -8167,7 +8097,7 @@
               <a:t> </a:t>
             </a:r>
             <a:r>
-              <a:rPr kumimoji="0" lang="fr-FR" altLang="fr-FR" sz="1200" b="0" i="0" u="none" strike="noStrike" cap="none" normalizeH="0" baseline="0" dirty="0" err="1" smtClean="0">
+              <a:rPr kumimoji="0" lang="fr-FR" altLang="fr-FR" sz="1200" b="0" i="0" u="none" strike="noStrike" cap="none" normalizeH="0" baseline="0" dirty="0" err="1">
                 <a:ln>
                   <a:noFill/>
                 </a:ln>
@@ -8181,7 +8111,7 @@
               <a:t>print</a:t>
             </a:r>
             <a:r>
-              <a:rPr kumimoji="0" lang="fr-FR" altLang="fr-FR" sz="1200" b="0" i="0" u="none" strike="noStrike" cap="none" normalizeH="0" baseline="0" dirty="0" smtClean="0">
+              <a:rPr kumimoji="0" lang="fr-FR" altLang="fr-FR" sz="1200" b="0" i="0" u="none" strike="noStrike" cap="none" normalizeH="0" baseline="0" dirty="0">
                 <a:ln>
                   <a:noFill/>
                 </a:ln>
@@ -8195,7 +8125,7 @@
               <a:t>(</a:t>
             </a:r>
             <a:r>
-              <a:rPr kumimoji="0" lang="fr-FR" altLang="fr-FR" sz="1200" b="0" i="0" u="none" strike="noStrike" cap="none" normalizeH="0" baseline="0" dirty="0" err="1" smtClean="0">
+              <a:rPr kumimoji="0" lang="fr-FR" altLang="fr-FR" sz="1200" b="0" i="0" u="none" strike="noStrike" cap="none" normalizeH="0" baseline="0" dirty="0" err="1">
                 <a:ln>
                   <a:noFill/>
                 </a:ln>
@@ -8209,7 +8139,7 @@
               <a:t>HardLink</a:t>
             </a:r>
             <a:r>
-              <a:rPr kumimoji="0" lang="fr-FR" altLang="fr-FR" sz="1200" b="0" i="0" u="none" strike="noStrike" cap="none" normalizeH="0" baseline="0" dirty="0" smtClean="0">
+              <a:rPr kumimoji="0" lang="fr-FR" altLang="fr-FR" sz="1200" b="0" i="0" u="none" strike="noStrike" cap="none" normalizeH="0" baseline="0" dirty="0">
                 <a:ln>
                   <a:noFill/>
                 </a:ln>
@@ -8223,7 +8153,7 @@
               <a:t> </a:t>
             </a:r>
             <a:r>
-              <a:rPr kumimoji="0" lang="fr-FR" altLang="fr-FR" sz="1200" b="0" i="0" u="none" strike="noStrike" cap="none" normalizeH="0" baseline="0" dirty="0" err="1" smtClean="0">
+              <a:rPr kumimoji="0" lang="fr-FR" altLang="fr-FR" sz="1200" b="0" i="0" u="none" strike="noStrike" cap="none" normalizeH="0" baseline="0" dirty="0" err="1">
                 <a:ln>
                   <a:noFill/>
                 </a:ln>
@@ -8237,7 +8167,7 @@
               <a:t>hardLink</a:t>
             </a:r>
             <a:r>
-              <a:rPr kumimoji="0" lang="fr-FR" altLang="fr-FR" sz="1200" b="0" i="0" u="none" strike="noStrike" cap="none" normalizeH="0" baseline="0" dirty="0" smtClean="0">
+              <a:rPr kumimoji="0" lang="fr-FR" altLang="fr-FR" sz="1200" b="0" i="0" u="none" strike="noStrike" cap="none" normalizeH="0" baseline="0" dirty="0">
                 <a:ln>
                   <a:noFill/>
                 </a:ln>
@@ -8251,7 +8181,7 @@
               <a:t>) {</a:t>
             </a:r>
             <a:br>
-              <a:rPr kumimoji="0" lang="fr-FR" altLang="fr-FR" sz="1200" b="0" i="0" u="none" strike="noStrike" cap="none" normalizeH="0" baseline="0" dirty="0" smtClean="0">
+              <a:rPr kumimoji="0" lang="fr-FR" altLang="fr-FR" sz="1200" b="0" i="0" u="none" strike="noStrike" cap="none" normalizeH="0" baseline="0" dirty="0">
                 <a:ln>
                   <a:noFill/>
                 </a:ln>
@@ -8264,7 +8194,7 @@
               </a:rPr>
             </a:br>
             <a:r>
-              <a:rPr kumimoji="0" lang="fr-FR" altLang="fr-FR" sz="1200" b="0" i="0" u="none" strike="noStrike" cap="none" normalizeH="0" baseline="0" dirty="0" smtClean="0">
+              <a:rPr kumimoji="0" lang="fr-FR" altLang="fr-FR" sz="1200" b="0" i="0" u="none" strike="noStrike" cap="none" normalizeH="0" baseline="0" dirty="0">
                 <a:ln>
                   <a:noFill/>
                 </a:ln>
@@ -8278,7 +8208,7 @@
               <a:t>        </a:t>
             </a:r>
             <a:r>
-              <a:rPr kumimoji="0" lang="fr-FR" altLang="fr-FR" sz="1200" b="0" i="0" u="none" strike="noStrike" cap="none" normalizeH="0" baseline="0" dirty="0" err="1" smtClean="0">
+              <a:rPr kumimoji="0" lang="fr-FR" altLang="fr-FR" sz="1200" b="0" i="0" u="none" strike="noStrike" cap="none" normalizeH="0" baseline="0" dirty="0" err="1">
                 <a:ln>
                   <a:noFill/>
                 </a:ln>
@@ -8292,7 +8222,7 @@
               <a:t>System.</a:t>
             </a:r>
             <a:r>
-              <a:rPr kumimoji="0" lang="fr-FR" altLang="fr-FR" sz="1200" b="0" i="1" u="none" strike="noStrike" cap="none" normalizeH="0" baseline="0" dirty="0" err="1" smtClean="0">
+              <a:rPr kumimoji="0" lang="fr-FR" altLang="fr-FR" sz="1200" b="0" i="1" u="none" strike="noStrike" cap="none" normalizeH="0" baseline="0" dirty="0" err="1">
                 <a:ln>
                   <a:noFill/>
                 </a:ln>
@@ -8306,7 +8236,7 @@
               <a:t>out</a:t>
             </a:r>
             <a:r>
-              <a:rPr kumimoji="0" lang="fr-FR" altLang="fr-FR" sz="1200" b="0" i="0" u="none" strike="noStrike" cap="none" normalizeH="0" baseline="0" dirty="0" err="1" smtClean="0">
+              <a:rPr kumimoji="0" lang="fr-FR" altLang="fr-FR" sz="1200" b="0" i="0" u="none" strike="noStrike" cap="none" normalizeH="0" baseline="0" dirty="0" err="1">
                 <a:ln>
                   <a:noFill/>
                 </a:ln>
@@ -8320,7 +8250,7 @@
               <a:t>.printf</a:t>
             </a:r>
             <a:r>
-              <a:rPr kumimoji="0" lang="fr-FR" altLang="fr-FR" sz="1200" b="0" i="0" u="none" strike="noStrike" cap="none" normalizeH="0" baseline="0" dirty="0" smtClean="0">
+              <a:rPr kumimoji="0" lang="fr-FR" altLang="fr-FR" sz="1200" b="0" i="0" u="none" strike="noStrike" cap="none" normalizeH="0" baseline="0" dirty="0">
                 <a:ln>
                   <a:noFill/>
                 </a:ln>
@@ -8334,7 +8264,7 @@
               <a:t>(</a:t>
             </a:r>
             <a:r>
-              <a:rPr kumimoji="0" lang="fr-FR" altLang="fr-FR" sz="1200" b="0" i="0" u="none" strike="noStrike" cap="none" normalizeH="0" baseline="0" dirty="0" smtClean="0">
+              <a:rPr kumimoji="0" lang="fr-FR" altLang="fr-FR" sz="1200" b="0" i="0" u="none" strike="noStrike" cap="none" normalizeH="0" baseline="0" dirty="0">
                 <a:ln>
                   <a:noFill/>
                 </a:ln>
@@ -8348,7 +8278,7 @@
               <a:t>"</a:t>
             </a:r>
             <a:r>
-              <a:rPr kumimoji="0" lang="fr-FR" altLang="fr-FR" sz="1200" b="0" i="0" u="none" strike="noStrike" cap="none" normalizeH="0" baseline="0" dirty="0" err="1" smtClean="0">
+              <a:rPr kumimoji="0" lang="fr-FR" altLang="fr-FR" sz="1200" b="0" i="0" u="none" strike="noStrike" cap="none" normalizeH="0" baseline="0" dirty="0" err="1">
                 <a:ln>
                   <a:noFill/>
                 </a:ln>
@@ -8362,7 +8292,7 @@
               <a:t>HardLink</a:t>
             </a:r>
             <a:r>
-              <a:rPr kumimoji="0" lang="fr-FR" altLang="fr-FR" sz="1200" b="0" i="0" u="none" strike="noStrike" cap="none" normalizeH="0" baseline="0" dirty="0" smtClean="0">
+              <a:rPr kumimoji="0" lang="fr-FR" altLang="fr-FR" sz="1200" b="0" i="0" u="none" strike="noStrike" cap="none" normalizeH="0" baseline="0" dirty="0">
                 <a:ln>
                   <a:noFill/>
                 </a:ln>
@@ -8376,7 +8306,7 @@
               <a:t>: %S --&gt; %s (%d)</a:t>
             </a:r>
             <a:r>
-              <a:rPr kumimoji="0" lang="fr-FR" altLang="fr-FR" sz="1200" b="0" i="0" u="none" strike="noStrike" cap="none" normalizeH="0" baseline="0" dirty="0" smtClean="0">
+              <a:rPr kumimoji="0" lang="fr-FR" altLang="fr-FR" sz="1200" b="0" i="0" u="none" strike="noStrike" cap="none" normalizeH="0" baseline="0" dirty="0">
                 <a:ln>
                   <a:noFill/>
                 </a:ln>
@@ -8390,7 +8320,7 @@
               <a:t>\n</a:t>
             </a:r>
             <a:r>
-              <a:rPr kumimoji="0" lang="fr-FR" altLang="fr-FR" sz="1200" b="0" i="0" u="none" strike="noStrike" cap="none" normalizeH="0" baseline="0" dirty="0" smtClean="0">
+              <a:rPr kumimoji="0" lang="fr-FR" altLang="fr-FR" sz="1200" b="0" i="0" u="none" strike="noStrike" cap="none" normalizeH="0" baseline="0" dirty="0">
                 <a:ln>
                   <a:noFill/>
                 </a:ln>
@@ -8404,7 +8334,7 @@
               <a:t>"</a:t>
             </a:r>
             <a:r>
-              <a:rPr kumimoji="0" lang="fr-FR" altLang="fr-FR" sz="1200" b="0" i="0" u="none" strike="noStrike" cap="none" normalizeH="0" baseline="0" dirty="0" smtClean="0">
+              <a:rPr kumimoji="0" lang="fr-FR" altLang="fr-FR" sz="1200" b="0" i="0" u="none" strike="noStrike" cap="none" normalizeH="0" baseline="0" dirty="0">
                 <a:ln>
                   <a:noFill/>
                 </a:ln>
@@ -8418,7 +8348,7 @@
               <a:t>, </a:t>
             </a:r>
             <a:r>
-              <a:rPr kumimoji="0" lang="fr-FR" altLang="fr-FR" sz="1200" b="0" i="0" u="none" strike="noStrike" cap="none" normalizeH="0" baseline="0" dirty="0" err="1" smtClean="0">
+              <a:rPr kumimoji="0" lang="fr-FR" altLang="fr-FR" sz="1200" b="0" i="0" u="none" strike="noStrike" cap="none" normalizeH="0" baseline="0" dirty="0" err="1">
                 <a:ln>
                   <a:noFill/>
                 </a:ln>
@@ -8432,7 +8362,7 @@
               <a:t>hardLink.getName</a:t>
             </a:r>
             <a:r>
-              <a:rPr kumimoji="0" lang="fr-FR" altLang="fr-FR" sz="1200" b="0" i="0" u="none" strike="noStrike" cap="none" normalizeH="0" baseline="0" dirty="0" smtClean="0">
+              <a:rPr kumimoji="0" lang="fr-FR" altLang="fr-FR" sz="1200" b="0" i="0" u="none" strike="noStrike" cap="none" normalizeH="0" baseline="0" dirty="0">
                 <a:ln>
                   <a:noFill/>
                 </a:ln>
@@ -8446,7 +8376,7 @@
               <a:t>()</a:t>
             </a:r>
             <a:r>
-              <a:rPr kumimoji="0" lang="fr-FR" altLang="fr-FR" sz="1200" b="0" i="0" u="none" strike="noStrike" cap="none" normalizeH="0" baseline="0" dirty="0" smtClean="0">
+              <a:rPr kumimoji="0" lang="fr-FR" altLang="fr-FR" sz="1200" b="0" i="0" u="none" strike="noStrike" cap="none" normalizeH="0" baseline="0" dirty="0">
                 <a:ln>
                   <a:noFill/>
                 </a:ln>
@@ -8460,7 +8390,7 @@
               <a:t>, </a:t>
             </a:r>
             <a:r>
-              <a:rPr kumimoji="0" lang="fr-FR" altLang="fr-FR" sz="1200" b="0" i="0" u="none" strike="noStrike" cap="none" normalizeH="0" baseline="0" dirty="0" err="1" smtClean="0">
+              <a:rPr kumimoji="0" lang="fr-FR" altLang="fr-FR" sz="1200" b="0" i="0" u="none" strike="noStrike" cap="none" normalizeH="0" baseline="0" dirty="0" err="1">
                 <a:ln>
                   <a:noFill/>
                 </a:ln>
@@ -8474,7 +8404,7 @@
               <a:t>hardLink.getPath</a:t>
             </a:r>
             <a:r>
-              <a:rPr kumimoji="0" lang="fr-FR" altLang="fr-FR" sz="1200" b="0" i="0" u="none" strike="noStrike" cap="none" normalizeH="0" baseline="0" dirty="0" smtClean="0">
+              <a:rPr kumimoji="0" lang="fr-FR" altLang="fr-FR" sz="1200" b="0" i="0" u="none" strike="noStrike" cap="none" normalizeH="0" baseline="0" dirty="0">
                 <a:ln>
                   <a:noFill/>
                 </a:ln>
@@ -8488,7 +8418,7 @@
               <a:t>()</a:t>
             </a:r>
             <a:r>
-              <a:rPr kumimoji="0" lang="fr-FR" altLang="fr-FR" sz="1200" b="0" i="0" u="none" strike="noStrike" cap="none" normalizeH="0" baseline="0" dirty="0" smtClean="0">
+              <a:rPr kumimoji="0" lang="fr-FR" altLang="fr-FR" sz="1200" b="0" i="0" u="none" strike="noStrike" cap="none" normalizeH="0" baseline="0" dirty="0">
                 <a:ln>
                   <a:noFill/>
                 </a:ln>
@@ -8502,7 +8432,7 @@
               <a:t>, </a:t>
             </a:r>
             <a:r>
-              <a:rPr kumimoji="0" lang="fr-FR" altLang="fr-FR" sz="1200" b="0" i="0" u="none" strike="noStrike" cap="none" normalizeH="0" baseline="0" dirty="0" err="1" smtClean="0">
+              <a:rPr kumimoji="0" lang="fr-FR" altLang="fr-FR" sz="1200" b="0" i="0" u="none" strike="noStrike" cap="none" normalizeH="0" baseline="0" dirty="0" err="1">
                 <a:ln>
                   <a:noFill/>
                 </a:ln>
@@ -8516,7 +8446,7 @@
               <a:t>hardLink.getRefCounter</a:t>
             </a:r>
             <a:r>
-              <a:rPr kumimoji="0" lang="fr-FR" altLang="fr-FR" sz="1200" b="0" i="0" u="none" strike="noStrike" cap="none" normalizeH="0" baseline="0" dirty="0" smtClean="0">
+              <a:rPr kumimoji="0" lang="fr-FR" altLang="fr-FR" sz="1200" b="0" i="0" u="none" strike="noStrike" cap="none" normalizeH="0" baseline="0" dirty="0">
                 <a:ln>
                   <a:noFill/>
                 </a:ln>
@@ -8530,7 +8460,7 @@
               <a:t>())</a:t>
             </a:r>
             <a:r>
-              <a:rPr kumimoji="0" lang="fr-FR" altLang="fr-FR" sz="1200" b="0" i="0" u="none" strike="noStrike" cap="none" normalizeH="0" baseline="0" dirty="0" smtClean="0">
+              <a:rPr kumimoji="0" lang="fr-FR" altLang="fr-FR" sz="1200" b="0" i="0" u="none" strike="noStrike" cap="none" normalizeH="0" baseline="0" dirty="0">
                 <a:ln>
                   <a:noFill/>
                 </a:ln>
@@ -8544,7 +8474,7 @@
               <a:t>;</a:t>
             </a:r>
             <a:br>
-              <a:rPr kumimoji="0" lang="fr-FR" altLang="fr-FR" sz="1200" b="0" i="0" u="none" strike="noStrike" cap="none" normalizeH="0" baseline="0" dirty="0" smtClean="0">
+              <a:rPr kumimoji="0" lang="fr-FR" altLang="fr-FR" sz="1200" b="0" i="0" u="none" strike="noStrike" cap="none" normalizeH="0" baseline="0" dirty="0">
                 <a:ln>
                   <a:noFill/>
                 </a:ln>
@@ -8557,7 +8487,7 @@
               </a:rPr>
             </a:br>
             <a:r>
-              <a:rPr kumimoji="0" lang="fr-FR" altLang="fr-FR" sz="1200" b="0" i="0" u="none" strike="noStrike" cap="none" normalizeH="0" baseline="0" dirty="0" smtClean="0">
+              <a:rPr kumimoji="0" lang="fr-FR" altLang="fr-FR" sz="1200" b="0" i="0" u="none" strike="noStrike" cap="none" normalizeH="0" baseline="0" dirty="0">
                 <a:ln>
                   <a:noFill/>
                 </a:ln>
@@ -8571,7 +8501,7 @@
               <a:t>    </a:t>
             </a:r>
             <a:r>
-              <a:rPr kumimoji="0" lang="fr-FR" altLang="fr-FR" sz="1200" b="0" i="0" u="none" strike="noStrike" cap="none" normalizeH="0" baseline="0" dirty="0" smtClean="0">
+              <a:rPr kumimoji="0" lang="fr-FR" altLang="fr-FR" sz="1200" b="0" i="0" u="none" strike="noStrike" cap="none" normalizeH="0" baseline="0" dirty="0">
                 <a:ln>
                   <a:noFill/>
                 </a:ln>
@@ -8585,7 +8515,7 @@
               <a:t>}</a:t>
             </a:r>
             <a:br>
-              <a:rPr kumimoji="0" lang="fr-FR" altLang="fr-FR" sz="1200" b="0" i="0" u="none" strike="noStrike" cap="none" normalizeH="0" baseline="0" dirty="0" smtClean="0">
+              <a:rPr kumimoji="0" lang="fr-FR" altLang="fr-FR" sz="1200" b="0" i="0" u="none" strike="noStrike" cap="none" normalizeH="0" baseline="0" dirty="0">
                 <a:ln>
                   <a:noFill/>
                 </a:ln>
@@ -8598,7 +8528,7 @@
               </a:rPr>
             </a:br>
             <a:r>
-              <a:rPr kumimoji="0" lang="fr-FR" altLang="fr-FR" sz="1200" b="0" i="0" u="none" strike="noStrike" cap="none" normalizeH="0" baseline="0" dirty="0" smtClean="0">
+              <a:rPr kumimoji="0" lang="fr-FR" altLang="fr-FR" sz="1200" b="0" i="0" u="none" strike="noStrike" cap="none" normalizeH="0" baseline="0" dirty="0">
                 <a:ln>
                   <a:noFill/>
                 </a:ln>
@@ -8611,7 +8541,7 @@
               </a:rPr>
               <a:t>}</a:t>
             </a:r>
-            <a:endParaRPr kumimoji="0" lang="fr-FR" altLang="fr-FR" sz="1200" b="0" i="0" u="none" strike="noStrike" cap="none" normalizeH="0" baseline="0" dirty="0" smtClean="0">
+            <a:endParaRPr kumimoji="0" lang="fr-FR" altLang="fr-FR" sz="1200" b="0" i="0" u="none" strike="noStrike" cap="none" normalizeH="0" baseline="0" dirty="0">
               <a:ln>
                 <a:noFill/>
               </a:ln>
@@ -8624,6 +8554,53 @@
           </a:p>
         </p:txBody>
       </p:sp>
+      <p:pic>
+        <p:nvPicPr>
+          <p:cNvPr id="4098" name="Picture 2" descr="PlantUML Diagram">
+            <a:extLst>
+              <a:ext uri="{FF2B5EF4-FFF2-40B4-BE49-F238E27FC236}">
+                <a16:creationId xmlns:a16="http://schemas.microsoft.com/office/drawing/2014/main" id="{B6AA6EBE-11BE-493A-ADEF-74D5D5AAB76D}"/>
+              </a:ext>
+            </a:extLst>
+          </p:cNvPr>
+          <p:cNvPicPr>
+            <a:picLocks noChangeAspect="1" noChangeArrowheads="1"/>
+          </p:cNvPicPr>
+          <p:nvPr/>
+        </p:nvPicPr>
+        <p:blipFill>
+          <a:blip r:embed="rId3">
+            <a:extLst>
+              <a:ext uri="{28A0092B-C50C-407E-A947-70E740481C1C}">
+                <a14:useLocalDpi xmlns:a14="http://schemas.microsoft.com/office/drawing/2010/main" val="0"/>
+              </a:ext>
+            </a:extLst>
+          </a:blip>
+          <a:srcRect/>
+          <a:stretch>
+            <a:fillRect/>
+          </a:stretch>
+        </p:blipFill>
+        <p:spPr bwMode="auto">
+          <a:xfrm>
+            <a:off x="5256212" y="152400"/>
+            <a:ext cx="4724400" cy="3233083"/>
+          </a:xfrm>
+          <a:prstGeom prst="rect">
+            <a:avLst/>
+          </a:prstGeom>
+          <a:noFill/>
+          <a:extLst>
+            <a:ext uri="{909E8E84-426E-40DD-AFC4-6F175D3DCCD1}">
+              <a14:hiddenFill xmlns:a14="http://schemas.microsoft.com/office/drawing/2010/main">
+                <a:solidFill>
+                  <a:srgbClr val="FFFFFF"/>
+                </a:solidFill>
+              </a14:hiddenFill>
+            </a:ext>
+          </a:extLst>
+        </p:spPr>
+      </p:pic>
     </p:spTree>
     <p:extLst>
       <p:ext uri="{BB962C8B-B14F-4D97-AF65-F5344CB8AC3E}">
@@ -8646,13 +8623,6 @@
       </p:transition>
     </mc:Fallback>
   </mc:AlternateContent>
-  <p:timing>
-    <p:tnLst>
-      <p:par>
-        <p:cTn id="1" dur="indefinite" restart="never" nodeType="tmRoot"/>
-      </p:par>
-    </p:tnLst>
-  </p:timing>
 </p:sld>
 </file>
 
@@ -8673,36 +8643,6 @@
           <a:chExt cx="0" cy="0"/>
         </a:xfrm>
       </p:grpSpPr>
-      <p:pic>
-        <p:nvPicPr>
-          <p:cNvPr id="7" name="Image 6"/>
-          <p:cNvPicPr>
-            <a:picLocks noChangeAspect="1"/>
-          </p:cNvPicPr>
-          <p:nvPr/>
-        </p:nvPicPr>
-        <p:blipFill>
-          <a:blip r:embed="rId3">
-            <a:extLst>
-              <a:ext uri="{28A0092B-C50C-407E-A947-70E740481C1C}">
-                <a14:useLocalDpi xmlns:a14="http://schemas.microsoft.com/office/drawing/2010/main" val="0"/>
-              </a:ext>
-            </a:extLst>
-          </a:blip>
-          <a:stretch>
-            <a:fillRect/>
-          </a:stretch>
-        </p:blipFill>
-        <p:spPr>
-          <a:xfrm>
-            <a:off x="4597400" y="0"/>
-            <a:ext cx="7591425" cy="4333875"/>
-          </a:xfrm>
-          <a:prstGeom prst="rect">
-            <a:avLst/>
-          </a:prstGeom>
-        </p:spPr>
-      </p:pic>
       <p:sp>
         <p:nvSpPr>
           <p:cNvPr id="5" name="Titre 4"/>
@@ -8720,10 +8660,9 @@
           <a:p>
             <a:pPr rtl="0"/>
             <a:r>
-              <a:rPr lang="fr-FR" dirty="0" smtClean="0"/>
+              <a:rPr lang="fr-FR" dirty="0"/>
               <a:t>Qu’affiche-t-il ?</a:t>
             </a:r>
-            <a:endParaRPr lang="fr-FR" dirty="0"/>
           </a:p>
         </p:txBody>
       </p:sp>
@@ -8822,7 +8761,7 @@
               <a:tabLst/>
             </a:pPr>
             <a:r>
-              <a:rPr kumimoji="0" lang="fr-FR" altLang="fr-FR" sz="1200" b="0" i="0" u="none" strike="noStrike" cap="none" normalizeH="0" baseline="0" dirty="0" smtClean="0">
+              <a:rPr kumimoji="0" lang="fr-FR" altLang="fr-FR" sz="1200" b="0" i="0" u="none" strike="noStrike" cap="none" normalizeH="0" baseline="0" dirty="0">
                 <a:ln>
                   <a:noFill/>
                 </a:ln>
@@ -8836,7 +8775,7 @@
               <a:t>public class </a:t>
             </a:r>
             <a:r>
-              <a:rPr kumimoji="0" lang="fr-FR" altLang="fr-FR" sz="1200" b="0" i="0" u="none" strike="noStrike" cap="none" normalizeH="0" baseline="0" dirty="0" err="1" smtClean="0">
+              <a:rPr kumimoji="0" lang="fr-FR" altLang="fr-FR" sz="1200" b="0" i="0" u="none" strike="noStrike" cap="none" normalizeH="0" baseline="0" dirty="0" err="1">
                 <a:ln>
                   <a:noFill/>
                 </a:ln>
@@ -8850,7 +8789,7 @@
               <a:t>MainPrinter</a:t>
             </a:r>
             <a:r>
-              <a:rPr kumimoji="0" lang="fr-FR" altLang="fr-FR" sz="1200" b="0" i="0" u="none" strike="noStrike" cap="none" normalizeH="0" baseline="0" dirty="0" smtClean="0">
+              <a:rPr kumimoji="0" lang="fr-FR" altLang="fr-FR" sz="1200" b="0" i="0" u="none" strike="noStrike" cap="none" normalizeH="0" baseline="0" dirty="0">
                 <a:ln>
                   <a:noFill/>
                 </a:ln>
@@ -8864,7 +8803,7 @@
               <a:t> {</a:t>
             </a:r>
             <a:br>
-              <a:rPr kumimoji="0" lang="fr-FR" altLang="fr-FR" sz="1200" b="0" i="0" u="none" strike="noStrike" cap="none" normalizeH="0" baseline="0" dirty="0" smtClean="0">
+              <a:rPr kumimoji="0" lang="fr-FR" altLang="fr-FR" sz="1200" b="0" i="0" u="none" strike="noStrike" cap="none" normalizeH="0" baseline="0" dirty="0">
                 <a:ln>
                   <a:noFill/>
                 </a:ln>
@@ -8877,7 +8816,7 @@
               </a:rPr>
             </a:br>
             <a:r>
-              <a:rPr kumimoji="0" lang="fr-FR" altLang="fr-FR" sz="1200" b="0" i="0" u="none" strike="noStrike" cap="none" normalizeH="0" baseline="0" dirty="0" smtClean="0">
+              <a:rPr kumimoji="0" lang="fr-FR" altLang="fr-FR" sz="1200" b="0" i="0" u="none" strike="noStrike" cap="none" normalizeH="0" baseline="0" dirty="0">
                 <a:ln>
                   <a:noFill/>
                 </a:ln>
@@ -8891,7 +8830,7 @@
               <a:t>    </a:t>
             </a:r>
             <a:r>
-              <a:rPr kumimoji="0" lang="fr-FR" altLang="fr-FR" sz="1200" b="0" i="0" u="none" strike="noStrike" cap="none" normalizeH="0" baseline="0" dirty="0" smtClean="0">
+              <a:rPr kumimoji="0" lang="fr-FR" altLang="fr-FR" sz="1200" b="0" i="0" u="none" strike="noStrike" cap="none" normalizeH="0" baseline="0" dirty="0">
                 <a:ln>
                   <a:noFill/>
                 </a:ln>
@@ -8905,7 +8844,7 @@
               <a:t>public </a:t>
             </a:r>
             <a:r>
-              <a:rPr kumimoji="0" lang="fr-FR" altLang="fr-FR" sz="1200" b="0" i="0" u="none" strike="noStrike" cap="none" normalizeH="0" baseline="0" dirty="0" err="1" smtClean="0">
+              <a:rPr kumimoji="0" lang="fr-FR" altLang="fr-FR" sz="1200" b="0" i="0" u="none" strike="noStrike" cap="none" normalizeH="0" baseline="0" dirty="0" err="1">
                 <a:ln>
                   <a:noFill/>
                 </a:ln>
@@ -8919,7 +8858,7 @@
               <a:t>static</a:t>
             </a:r>
             <a:r>
-              <a:rPr kumimoji="0" lang="fr-FR" altLang="fr-FR" sz="1200" b="0" i="0" u="none" strike="noStrike" cap="none" normalizeH="0" baseline="0" dirty="0" smtClean="0">
+              <a:rPr kumimoji="0" lang="fr-FR" altLang="fr-FR" sz="1200" b="0" i="0" u="none" strike="noStrike" cap="none" normalizeH="0" baseline="0" dirty="0">
                 <a:ln>
                   <a:noFill/>
                 </a:ln>
@@ -8933,7 +8872,7 @@
               <a:t> </a:t>
             </a:r>
             <a:r>
-              <a:rPr kumimoji="0" lang="fr-FR" altLang="fr-FR" sz="1200" b="0" i="0" u="none" strike="noStrike" cap="none" normalizeH="0" baseline="0" dirty="0" err="1" smtClean="0">
+              <a:rPr kumimoji="0" lang="fr-FR" altLang="fr-FR" sz="1200" b="0" i="0" u="none" strike="noStrike" cap="none" normalizeH="0" baseline="0" dirty="0" err="1">
                 <a:ln>
                   <a:noFill/>
                 </a:ln>
@@ -8947,7 +8886,7 @@
               <a:t>void</a:t>
             </a:r>
             <a:r>
-              <a:rPr kumimoji="0" lang="fr-FR" altLang="fr-FR" sz="1200" b="0" i="0" u="none" strike="noStrike" cap="none" normalizeH="0" baseline="0" dirty="0" smtClean="0">
+              <a:rPr kumimoji="0" lang="fr-FR" altLang="fr-FR" sz="1200" b="0" i="0" u="none" strike="noStrike" cap="none" normalizeH="0" baseline="0" dirty="0">
                 <a:ln>
                   <a:noFill/>
                 </a:ln>
@@ -8961,7 +8900,7 @@
               <a:t> </a:t>
             </a:r>
             <a:r>
-              <a:rPr kumimoji="0" lang="fr-FR" altLang="fr-FR" sz="1200" b="0" i="0" u="none" strike="noStrike" cap="none" normalizeH="0" baseline="0" dirty="0" smtClean="0">
+              <a:rPr kumimoji="0" lang="fr-FR" altLang="fr-FR" sz="1200" b="0" i="0" u="none" strike="noStrike" cap="none" normalizeH="0" baseline="0" dirty="0">
                 <a:ln>
                   <a:noFill/>
                 </a:ln>
@@ -8975,7 +8914,7 @@
               <a:t>main</a:t>
             </a:r>
             <a:r>
-              <a:rPr kumimoji="0" lang="fr-FR" altLang="fr-FR" sz="1200" b="0" i="0" u="none" strike="noStrike" cap="none" normalizeH="0" baseline="0" dirty="0" smtClean="0">
+              <a:rPr kumimoji="0" lang="fr-FR" altLang="fr-FR" sz="1200" b="0" i="0" u="none" strike="noStrike" cap="none" normalizeH="0" baseline="0" dirty="0">
                 <a:ln>
                   <a:noFill/>
                 </a:ln>
@@ -8989,7 +8928,7 @@
               <a:t>(String[] </a:t>
             </a:r>
             <a:r>
-              <a:rPr kumimoji="0" lang="fr-FR" altLang="fr-FR" sz="1200" b="0" i="0" u="none" strike="noStrike" cap="none" normalizeH="0" baseline="0" dirty="0" err="1" smtClean="0">
+              <a:rPr kumimoji="0" lang="fr-FR" altLang="fr-FR" sz="1200" b="0" i="0" u="none" strike="noStrike" cap="none" normalizeH="0" baseline="0" dirty="0" err="1">
                 <a:ln>
                   <a:noFill/>
                 </a:ln>
@@ -9003,7 +8942,7 @@
               <a:t>args</a:t>
             </a:r>
             <a:r>
-              <a:rPr kumimoji="0" lang="fr-FR" altLang="fr-FR" sz="1200" b="0" i="0" u="none" strike="noStrike" cap="none" normalizeH="0" baseline="0" dirty="0" smtClean="0">
+              <a:rPr kumimoji="0" lang="fr-FR" altLang="fr-FR" sz="1200" b="0" i="0" u="none" strike="noStrike" cap="none" normalizeH="0" baseline="0" dirty="0">
                 <a:ln>
                   <a:noFill/>
                 </a:ln>
@@ -9034,22 +8973,8 @@
               <a:buNone/>
               <a:tabLst/>
             </a:pPr>
-            <a:r>
-              <a:rPr kumimoji="0" lang="fr-FR" altLang="fr-FR" sz="1200" b="0" i="0" u="none" strike="noStrike" cap="none" normalizeH="0" baseline="0" dirty="0" smtClean="0">
-                <a:ln>
-                  <a:noFill/>
-                </a:ln>
-                <a:solidFill>
-                  <a:srgbClr val="A9B7C6"/>
-                </a:solidFill>
-                <a:effectLst/>
-                <a:latin typeface="Courier New" panose="02070309020205020404" pitchFamily="49" charset="0"/>
-                <a:cs typeface="Courier New" panose="02070309020205020404" pitchFamily="49" charset="0"/>
-              </a:rPr>
-              <a:t/>
-            </a:r>
             <a:br>
-              <a:rPr kumimoji="0" lang="fr-FR" altLang="fr-FR" sz="1200" b="0" i="0" u="none" strike="noStrike" cap="none" normalizeH="0" baseline="0" dirty="0" smtClean="0">
+              <a:rPr kumimoji="0" lang="fr-FR" altLang="fr-FR" sz="1200" b="0" i="0" u="none" strike="noStrike" cap="none" normalizeH="0" baseline="0" dirty="0">
                 <a:ln>
                   <a:noFill/>
                 </a:ln>
@@ -9062,7 +8987,7 @@
               </a:rPr>
             </a:br>
             <a:r>
-              <a:rPr kumimoji="0" lang="fr-FR" altLang="fr-FR" sz="1200" b="0" i="0" u="none" strike="noStrike" cap="none" normalizeH="0" baseline="0" dirty="0" smtClean="0">
+              <a:rPr kumimoji="0" lang="fr-FR" altLang="fr-FR" sz="1200" b="0" i="0" u="none" strike="noStrike" cap="none" normalizeH="0" baseline="0" dirty="0">
                 <a:ln>
                   <a:noFill/>
                 </a:ln>
@@ -9076,7 +9001,7 @@
               <a:t>        File </a:t>
             </a:r>
             <a:r>
-              <a:rPr kumimoji="0" lang="fr-FR" altLang="fr-FR" sz="1200" b="0" i="0" u="none" strike="noStrike" cap="none" normalizeH="0" baseline="0" dirty="0" err="1" smtClean="0">
+              <a:rPr kumimoji="0" lang="fr-FR" altLang="fr-FR" sz="1200" b="0" i="0" u="none" strike="noStrike" cap="none" normalizeH="0" baseline="0" dirty="0" err="1">
                 <a:ln>
                   <a:noFill/>
                 </a:ln>
@@ -9090,7 +9015,7 @@
               <a:t>file</a:t>
             </a:r>
             <a:r>
-              <a:rPr kumimoji="0" lang="fr-FR" altLang="fr-FR" sz="1200" b="0" i="0" u="none" strike="noStrike" cap="none" normalizeH="0" baseline="0" dirty="0" smtClean="0">
+              <a:rPr kumimoji="0" lang="fr-FR" altLang="fr-FR" sz="1200" b="0" i="0" u="none" strike="noStrike" cap="none" normalizeH="0" baseline="0" dirty="0">
                 <a:ln>
                   <a:noFill/>
                 </a:ln>
@@ -9104,7 +9029,7 @@
               <a:t> = </a:t>
             </a:r>
             <a:r>
-              <a:rPr kumimoji="0" lang="fr-FR" altLang="fr-FR" sz="1200" b="0" i="0" u="none" strike="noStrike" cap="none" normalizeH="0" baseline="0" dirty="0" smtClean="0">
+              <a:rPr kumimoji="0" lang="fr-FR" altLang="fr-FR" sz="1200" b="0" i="0" u="none" strike="noStrike" cap="none" normalizeH="0" baseline="0" dirty="0">
                 <a:ln>
                   <a:noFill/>
                 </a:ln>
@@ -9118,7 +9043,7 @@
               <a:t>new </a:t>
             </a:r>
             <a:r>
-              <a:rPr kumimoji="0" lang="fr-FR" altLang="fr-FR" sz="1200" b="0" i="0" u="none" strike="noStrike" cap="none" normalizeH="0" baseline="0" dirty="0" smtClean="0">
+              <a:rPr kumimoji="0" lang="fr-FR" altLang="fr-FR" sz="1200" b="0" i="0" u="none" strike="noStrike" cap="none" normalizeH="0" baseline="0" dirty="0">
                 <a:ln>
                   <a:noFill/>
                 </a:ln>
@@ -9132,7 +9057,7 @@
               <a:t>File(</a:t>
             </a:r>
             <a:r>
-              <a:rPr kumimoji="0" lang="fr-FR" altLang="fr-FR" sz="1200" b="0" i="0" u="none" strike="noStrike" cap="none" normalizeH="0" baseline="0" dirty="0" smtClean="0">
+              <a:rPr kumimoji="0" lang="fr-FR" altLang="fr-FR" sz="1200" b="0" i="0" u="none" strike="noStrike" cap="none" normalizeH="0" baseline="0" dirty="0">
                 <a:ln>
                   <a:noFill/>
                 </a:ln>
@@ -9146,7 +9071,7 @@
               <a:t>"F1"</a:t>
             </a:r>
             <a:r>
-              <a:rPr kumimoji="0" lang="fr-FR" altLang="fr-FR" sz="1200" b="0" i="0" u="none" strike="noStrike" cap="none" normalizeH="0" baseline="0" dirty="0" smtClean="0">
+              <a:rPr kumimoji="0" lang="fr-FR" altLang="fr-FR" sz="1200" b="0" i="0" u="none" strike="noStrike" cap="none" normalizeH="0" baseline="0" dirty="0">
                 <a:ln>
                   <a:noFill/>
                 </a:ln>
@@ -9160,7 +9085,7 @@
               <a:t>)</a:t>
             </a:r>
             <a:r>
-              <a:rPr kumimoji="0" lang="fr-FR" altLang="fr-FR" sz="1200" b="0" i="0" u="none" strike="noStrike" cap="none" normalizeH="0" baseline="0" dirty="0" smtClean="0">
+              <a:rPr kumimoji="0" lang="fr-FR" altLang="fr-FR" sz="1200" b="0" i="0" u="none" strike="noStrike" cap="none" normalizeH="0" baseline="0" dirty="0">
                 <a:ln>
                   <a:noFill/>
                 </a:ln>
@@ -9174,7 +9099,7 @@
               <a:t>;</a:t>
             </a:r>
             <a:br>
-              <a:rPr kumimoji="0" lang="fr-FR" altLang="fr-FR" sz="1200" b="0" i="0" u="none" strike="noStrike" cap="none" normalizeH="0" baseline="0" dirty="0" smtClean="0">
+              <a:rPr kumimoji="0" lang="fr-FR" altLang="fr-FR" sz="1200" b="0" i="0" u="none" strike="noStrike" cap="none" normalizeH="0" baseline="0" dirty="0">
                 <a:ln>
                   <a:noFill/>
                 </a:ln>
@@ -9187,7 +9112,7 @@
               </a:rPr>
             </a:br>
             <a:r>
-              <a:rPr kumimoji="0" lang="fr-FR" altLang="fr-FR" sz="1200" b="0" i="0" u="none" strike="noStrike" cap="none" normalizeH="0" baseline="0" dirty="0" smtClean="0">
+              <a:rPr kumimoji="0" lang="fr-FR" altLang="fr-FR" sz="1200" b="0" i="0" u="none" strike="noStrike" cap="none" normalizeH="0" baseline="0" dirty="0">
                 <a:ln>
                   <a:noFill/>
                 </a:ln>
@@ -9201,7 +9126,7 @@
               <a:t>        </a:t>
             </a:r>
             <a:r>
-              <a:rPr kumimoji="0" lang="fr-FR" altLang="fr-FR" sz="1200" b="0" i="0" u="none" strike="noStrike" cap="none" normalizeH="0" baseline="0" dirty="0" smtClean="0">
+              <a:rPr kumimoji="0" lang="fr-FR" altLang="fr-FR" sz="1200" b="0" i="0" u="none" strike="noStrike" cap="none" normalizeH="0" baseline="0" dirty="0">
                 <a:ln>
                   <a:noFill/>
                 </a:ln>
@@ -9215,7 +9140,7 @@
               <a:t>File </a:t>
             </a:r>
             <a:r>
-              <a:rPr kumimoji="0" lang="fr-FR" altLang="fr-FR" sz="1200" b="0" i="0" u="none" strike="noStrike" cap="none" normalizeH="0" baseline="0" dirty="0" err="1" smtClean="0">
+              <a:rPr kumimoji="0" lang="fr-FR" altLang="fr-FR" sz="1200" b="0" i="0" u="none" strike="noStrike" cap="none" normalizeH="0" baseline="0" dirty="0" err="1">
                 <a:ln>
                   <a:noFill/>
                 </a:ln>
@@ -9229,7 +9154,7 @@
               <a:t>symLink</a:t>
             </a:r>
             <a:r>
-              <a:rPr kumimoji="0" lang="fr-FR" altLang="fr-FR" sz="1200" b="0" i="0" u="none" strike="noStrike" cap="none" normalizeH="0" baseline="0" dirty="0" smtClean="0">
+              <a:rPr kumimoji="0" lang="fr-FR" altLang="fr-FR" sz="1200" b="0" i="0" u="none" strike="noStrike" cap="none" normalizeH="0" baseline="0" dirty="0">
                 <a:ln>
                   <a:noFill/>
                 </a:ln>
@@ -9243,7 +9168,7 @@
               <a:t> = </a:t>
             </a:r>
             <a:r>
-              <a:rPr kumimoji="0" lang="fr-FR" altLang="fr-FR" sz="1200" b="0" i="0" u="none" strike="noStrike" cap="none" normalizeH="0" baseline="0" dirty="0" smtClean="0">
+              <a:rPr kumimoji="0" lang="fr-FR" altLang="fr-FR" sz="1200" b="0" i="0" u="none" strike="noStrike" cap="none" normalizeH="0" baseline="0" dirty="0">
                 <a:ln>
                   <a:noFill/>
                 </a:ln>
@@ -9257,7 +9182,7 @@
               <a:t>new </a:t>
             </a:r>
             <a:r>
-              <a:rPr kumimoji="0" lang="fr-FR" altLang="fr-FR" sz="1200" b="0" i="0" u="none" strike="noStrike" cap="none" normalizeH="0" baseline="0" dirty="0" err="1" smtClean="0">
+              <a:rPr kumimoji="0" lang="fr-FR" altLang="fr-FR" sz="1200" b="0" i="0" u="none" strike="noStrike" cap="none" normalizeH="0" baseline="0" dirty="0" err="1">
                 <a:ln>
                   <a:noFill/>
                 </a:ln>
@@ -9271,7 +9196,7 @@
               <a:t>SymLink</a:t>
             </a:r>
             <a:r>
-              <a:rPr kumimoji="0" lang="fr-FR" altLang="fr-FR" sz="1200" b="0" i="0" u="none" strike="noStrike" cap="none" normalizeH="0" baseline="0" dirty="0" smtClean="0">
+              <a:rPr kumimoji="0" lang="fr-FR" altLang="fr-FR" sz="1200" b="0" i="0" u="none" strike="noStrike" cap="none" normalizeH="0" baseline="0" dirty="0">
                 <a:ln>
                   <a:noFill/>
                 </a:ln>
@@ -9285,7 +9210,7 @@
               <a:t>(</a:t>
             </a:r>
             <a:r>
-              <a:rPr kumimoji="0" lang="fr-FR" altLang="fr-FR" sz="1200" b="0" i="0" u="none" strike="noStrike" cap="none" normalizeH="0" baseline="0" dirty="0" smtClean="0">
+              <a:rPr kumimoji="0" lang="fr-FR" altLang="fr-FR" sz="1200" b="0" i="0" u="none" strike="noStrike" cap="none" normalizeH="0" baseline="0" dirty="0">
                 <a:ln>
                   <a:noFill/>
                 </a:ln>
@@ -9299,7 +9224,7 @@
               <a:t>"S1"</a:t>
             </a:r>
             <a:r>
-              <a:rPr kumimoji="0" lang="fr-FR" altLang="fr-FR" sz="1200" b="0" i="0" u="none" strike="noStrike" cap="none" normalizeH="0" baseline="0" dirty="0" smtClean="0">
+              <a:rPr kumimoji="0" lang="fr-FR" altLang="fr-FR" sz="1200" b="0" i="0" u="none" strike="noStrike" cap="none" normalizeH="0" baseline="0" dirty="0">
                 <a:ln>
                   <a:noFill/>
                 </a:ln>
@@ -9313,7 +9238,7 @@
               <a:t>, </a:t>
             </a:r>
             <a:r>
-              <a:rPr kumimoji="0" lang="fr-FR" altLang="fr-FR" sz="1200" b="0" i="0" u="none" strike="noStrike" cap="none" normalizeH="0" baseline="0" dirty="0" smtClean="0">
+              <a:rPr kumimoji="0" lang="fr-FR" altLang="fr-FR" sz="1200" b="0" i="0" u="none" strike="noStrike" cap="none" normalizeH="0" baseline="0" dirty="0">
                 <a:ln>
                   <a:noFill/>
                 </a:ln>
@@ -9327,7 +9252,7 @@
               <a:t>"/home/F1"</a:t>
             </a:r>
             <a:r>
-              <a:rPr kumimoji="0" lang="fr-FR" altLang="fr-FR" sz="1200" b="0" i="0" u="none" strike="noStrike" cap="none" normalizeH="0" baseline="0" dirty="0" smtClean="0">
+              <a:rPr kumimoji="0" lang="fr-FR" altLang="fr-FR" sz="1200" b="0" i="0" u="none" strike="noStrike" cap="none" normalizeH="0" baseline="0" dirty="0">
                 <a:ln>
                   <a:noFill/>
                 </a:ln>
@@ -9341,7 +9266,7 @@
               <a:t>)</a:t>
             </a:r>
             <a:r>
-              <a:rPr kumimoji="0" lang="fr-FR" altLang="fr-FR" sz="1200" b="0" i="0" u="none" strike="noStrike" cap="none" normalizeH="0" baseline="0" dirty="0" smtClean="0">
+              <a:rPr kumimoji="0" lang="fr-FR" altLang="fr-FR" sz="1200" b="0" i="0" u="none" strike="noStrike" cap="none" normalizeH="0" baseline="0" dirty="0">
                 <a:ln>
                   <a:noFill/>
                 </a:ln>
@@ -9355,7 +9280,7 @@
               <a:t>;</a:t>
             </a:r>
             <a:br>
-              <a:rPr kumimoji="0" lang="fr-FR" altLang="fr-FR" sz="1200" b="0" i="0" u="none" strike="noStrike" cap="none" normalizeH="0" baseline="0" dirty="0" smtClean="0">
+              <a:rPr kumimoji="0" lang="fr-FR" altLang="fr-FR" sz="1200" b="0" i="0" u="none" strike="noStrike" cap="none" normalizeH="0" baseline="0" dirty="0">
                 <a:ln>
                   <a:noFill/>
                 </a:ln>
@@ -9368,7 +9293,7 @@
               </a:rPr>
             </a:br>
             <a:r>
-              <a:rPr kumimoji="0" lang="fr-FR" altLang="fr-FR" sz="1200" b="0" i="0" u="none" strike="noStrike" cap="none" normalizeH="0" baseline="0" dirty="0" smtClean="0">
+              <a:rPr kumimoji="0" lang="fr-FR" altLang="fr-FR" sz="1200" b="0" i="0" u="none" strike="noStrike" cap="none" normalizeH="0" baseline="0" dirty="0">
                 <a:ln>
                   <a:noFill/>
                 </a:ln>
@@ -9382,7 +9307,7 @@
               <a:t>        </a:t>
             </a:r>
             <a:r>
-              <a:rPr kumimoji="0" lang="fr-FR" altLang="fr-FR" sz="1200" b="0" i="0" u="none" strike="noStrike" cap="none" normalizeH="0" baseline="0" dirty="0" smtClean="0">
+              <a:rPr kumimoji="0" lang="fr-FR" altLang="fr-FR" sz="1200" b="0" i="0" u="none" strike="noStrike" cap="none" normalizeH="0" baseline="0" dirty="0">
                 <a:ln>
                   <a:noFill/>
                 </a:ln>
@@ -9396,7 +9321,7 @@
               <a:t>File </a:t>
             </a:r>
             <a:r>
-              <a:rPr kumimoji="0" lang="fr-FR" altLang="fr-FR" sz="1200" b="0" i="0" u="none" strike="noStrike" cap="none" normalizeH="0" baseline="0" dirty="0" err="1" smtClean="0">
+              <a:rPr kumimoji="0" lang="fr-FR" altLang="fr-FR" sz="1200" b="0" i="0" u="none" strike="noStrike" cap="none" normalizeH="0" baseline="0" dirty="0" err="1">
                 <a:ln>
                   <a:noFill/>
                 </a:ln>
@@ -9410,7 +9335,7 @@
               <a:t>hardLink</a:t>
             </a:r>
             <a:r>
-              <a:rPr kumimoji="0" lang="fr-FR" altLang="fr-FR" sz="1200" b="0" i="0" u="none" strike="noStrike" cap="none" normalizeH="0" baseline="0" dirty="0" smtClean="0">
+              <a:rPr kumimoji="0" lang="fr-FR" altLang="fr-FR" sz="1200" b="0" i="0" u="none" strike="noStrike" cap="none" normalizeH="0" baseline="0" dirty="0">
                 <a:ln>
                   <a:noFill/>
                 </a:ln>
@@ -9424,7 +9349,7 @@
               <a:t> = </a:t>
             </a:r>
             <a:r>
-              <a:rPr kumimoji="0" lang="fr-FR" altLang="fr-FR" sz="1200" b="0" i="0" u="none" strike="noStrike" cap="none" normalizeH="0" baseline="0" dirty="0" smtClean="0">
+              <a:rPr kumimoji="0" lang="fr-FR" altLang="fr-FR" sz="1200" b="0" i="0" u="none" strike="noStrike" cap="none" normalizeH="0" baseline="0" dirty="0">
                 <a:ln>
                   <a:noFill/>
                 </a:ln>
@@ -9438,7 +9363,7 @@
               <a:t>new </a:t>
             </a:r>
             <a:r>
-              <a:rPr kumimoji="0" lang="fr-FR" altLang="fr-FR" sz="1200" b="0" i="0" u="none" strike="noStrike" cap="none" normalizeH="0" baseline="0" dirty="0" err="1" smtClean="0">
+              <a:rPr kumimoji="0" lang="fr-FR" altLang="fr-FR" sz="1200" b="0" i="0" u="none" strike="noStrike" cap="none" normalizeH="0" baseline="0" dirty="0" err="1">
                 <a:ln>
                   <a:noFill/>
                 </a:ln>
@@ -9452,7 +9377,7 @@
               <a:t>HardLink</a:t>
             </a:r>
             <a:r>
-              <a:rPr kumimoji="0" lang="fr-FR" altLang="fr-FR" sz="1200" b="0" i="0" u="none" strike="noStrike" cap="none" normalizeH="0" baseline="0" dirty="0" smtClean="0">
+              <a:rPr kumimoji="0" lang="fr-FR" altLang="fr-FR" sz="1200" b="0" i="0" u="none" strike="noStrike" cap="none" normalizeH="0" baseline="0" dirty="0">
                 <a:ln>
                   <a:noFill/>
                 </a:ln>
@@ -9466,7 +9391,7 @@
               <a:t>(</a:t>
             </a:r>
             <a:r>
-              <a:rPr kumimoji="0" lang="fr-FR" altLang="fr-FR" sz="1200" b="0" i="0" u="none" strike="noStrike" cap="none" normalizeH="0" baseline="0" dirty="0" smtClean="0">
+              <a:rPr kumimoji="0" lang="fr-FR" altLang="fr-FR" sz="1200" b="0" i="0" u="none" strike="noStrike" cap="none" normalizeH="0" baseline="0" dirty="0">
                 <a:ln>
                   <a:noFill/>
                 </a:ln>
@@ -9480,7 +9405,7 @@
               <a:t>"H1"</a:t>
             </a:r>
             <a:r>
-              <a:rPr kumimoji="0" lang="fr-FR" altLang="fr-FR" sz="1200" b="0" i="0" u="none" strike="noStrike" cap="none" normalizeH="0" baseline="0" dirty="0" smtClean="0">
+              <a:rPr kumimoji="0" lang="fr-FR" altLang="fr-FR" sz="1200" b="0" i="0" u="none" strike="noStrike" cap="none" normalizeH="0" baseline="0" dirty="0">
                 <a:ln>
                   <a:noFill/>
                 </a:ln>
@@ -9494,7 +9419,7 @@
               <a:t>, </a:t>
             </a:r>
             <a:r>
-              <a:rPr kumimoji="0" lang="fr-FR" altLang="fr-FR" sz="1200" b="0" i="0" u="none" strike="noStrike" cap="none" normalizeH="0" baseline="0" dirty="0" smtClean="0">
+              <a:rPr kumimoji="0" lang="fr-FR" altLang="fr-FR" sz="1200" b="0" i="0" u="none" strike="noStrike" cap="none" normalizeH="0" baseline="0" dirty="0">
                 <a:ln>
                   <a:noFill/>
                 </a:ln>
@@ -9508,7 +9433,7 @@
               <a:t>"/home/S1"</a:t>
             </a:r>
             <a:r>
-              <a:rPr kumimoji="0" lang="fr-FR" altLang="fr-FR" sz="1200" b="0" i="0" u="none" strike="noStrike" cap="none" normalizeH="0" baseline="0" dirty="0" smtClean="0">
+              <a:rPr kumimoji="0" lang="fr-FR" altLang="fr-FR" sz="1200" b="0" i="0" u="none" strike="noStrike" cap="none" normalizeH="0" baseline="0" dirty="0">
                 <a:ln>
                   <a:noFill/>
                 </a:ln>
@@ -9522,7 +9447,7 @@
               <a:t>, </a:t>
             </a:r>
             <a:r>
-              <a:rPr kumimoji="0" lang="fr-FR" altLang="fr-FR" sz="1200" b="0" i="0" u="none" strike="noStrike" cap="none" normalizeH="0" baseline="0" dirty="0" smtClean="0">
+              <a:rPr kumimoji="0" lang="fr-FR" altLang="fr-FR" sz="1200" b="0" i="0" u="none" strike="noStrike" cap="none" normalizeH="0" baseline="0" dirty="0">
                 <a:ln>
                   <a:noFill/>
                 </a:ln>
@@ -9536,7 +9461,7 @@
               <a:t>1</a:t>
             </a:r>
             <a:r>
-              <a:rPr kumimoji="0" lang="fr-FR" altLang="fr-FR" sz="1200" b="0" i="0" u="none" strike="noStrike" cap="none" normalizeH="0" baseline="0" dirty="0" smtClean="0">
+              <a:rPr kumimoji="0" lang="fr-FR" altLang="fr-FR" sz="1200" b="0" i="0" u="none" strike="noStrike" cap="none" normalizeH="0" baseline="0" dirty="0">
                 <a:ln>
                   <a:noFill/>
                 </a:ln>
@@ -9550,7 +9475,7 @@
               <a:t>)</a:t>
             </a:r>
             <a:r>
-              <a:rPr kumimoji="0" lang="fr-FR" altLang="fr-FR" sz="1200" b="0" i="0" u="none" strike="noStrike" cap="none" normalizeH="0" baseline="0" dirty="0" smtClean="0">
+              <a:rPr kumimoji="0" lang="fr-FR" altLang="fr-FR" sz="1200" b="0" i="0" u="none" strike="noStrike" cap="none" normalizeH="0" baseline="0" dirty="0">
                 <a:ln>
                   <a:noFill/>
                 </a:ln>
@@ -9564,7 +9489,7 @@
               <a:t>;</a:t>
             </a:r>
             <a:br>
-              <a:rPr kumimoji="0" lang="fr-FR" altLang="fr-FR" sz="1200" b="0" i="0" u="none" strike="noStrike" cap="none" normalizeH="0" baseline="0" dirty="0" smtClean="0">
+              <a:rPr kumimoji="0" lang="fr-FR" altLang="fr-FR" sz="1200" b="0" i="0" u="none" strike="noStrike" cap="none" normalizeH="0" baseline="0" dirty="0">
                 <a:ln>
                   <a:noFill/>
                 </a:ln>
@@ -9576,7 +9501,7 @@
                 <a:cs typeface="Courier New" panose="02070309020205020404" pitchFamily="49" charset="0"/>
               </a:rPr>
             </a:br>
-            <a:endParaRPr kumimoji="0" lang="fr-FR" altLang="fr-FR" sz="1200" b="0" i="0" u="none" strike="noStrike" cap="none" normalizeH="0" baseline="0" dirty="0" smtClean="0">
+            <a:endParaRPr kumimoji="0" lang="fr-FR" altLang="fr-FR" sz="1200" b="0" i="0" u="none" strike="noStrike" cap="none" normalizeH="0" baseline="0" dirty="0">
               <a:ln>
                 <a:noFill/>
               </a:ln>
@@ -9605,8 +9530,8 @@
               <a:buNone/>
               <a:tabLst/>
             </a:pPr>
-            <a:r>
-              <a:rPr kumimoji="0" lang="fr-FR" altLang="fr-FR" sz="1200" b="0" i="0" u="none" strike="noStrike" cap="none" normalizeH="0" baseline="0" dirty="0" smtClean="0">
+            <a:br>
+              <a:rPr kumimoji="0" lang="fr-FR" altLang="fr-FR" sz="1200" b="0" i="0" u="none" strike="noStrike" cap="none" normalizeH="0" baseline="0" dirty="0">
                 <a:ln>
                   <a:noFill/>
                 </a:ln>
@@ -9617,10 +9542,107 @@
                 <a:latin typeface="Courier New" panose="02070309020205020404" pitchFamily="49" charset="0"/>
                 <a:cs typeface="Courier New" panose="02070309020205020404" pitchFamily="49" charset="0"/>
               </a:rPr>
-              <a:t/>
+            </a:br>
+            <a:r>
+              <a:rPr kumimoji="0" lang="fr-FR" altLang="fr-FR" sz="1200" b="0" i="0" u="none" strike="noStrike" cap="none" normalizeH="0" baseline="0" dirty="0">
+                <a:ln>
+                  <a:noFill/>
+                </a:ln>
+                <a:solidFill>
+                  <a:srgbClr val="CC7832"/>
+                </a:solidFill>
+                <a:effectLst/>
+                <a:latin typeface="Courier New" panose="02070309020205020404" pitchFamily="49" charset="0"/>
+                <a:cs typeface="Courier New" panose="02070309020205020404" pitchFamily="49" charset="0"/>
+              </a:rPr>
+              <a:t>        </a:t>
+            </a:r>
+            <a:r>
+              <a:rPr kumimoji="0" lang="fr-FR" altLang="fr-FR" sz="1200" b="0" i="0" u="none" strike="noStrike" cap="none" normalizeH="0" baseline="0" dirty="0">
+                <a:ln>
+                  <a:noFill/>
+                </a:ln>
+                <a:solidFill>
+                  <a:srgbClr val="A9B7C6"/>
+                </a:solidFill>
+                <a:effectLst/>
+                <a:latin typeface="Courier New" panose="02070309020205020404" pitchFamily="49" charset="0"/>
+                <a:cs typeface="Courier New" panose="02070309020205020404" pitchFamily="49" charset="0"/>
+              </a:rPr>
+              <a:t>Printer </a:t>
+            </a:r>
+            <a:r>
+              <a:rPr kumimoji="0" lang="fr-FR" altLang="fr-FR" sz="1200" b="0" i="0" u="none" strike="noStrike" cap="none" normalizeH="0" baseline="0" dirty="0" err="1">
+                <a:ln>
+                  <a:noFill/>
+                </a:ln>
+                <a:solidFill>
+                  <a:srgbClr val="A9B7C6"/>
+                </a:solidFill>
+                <a:effectLst/>
+                <a:latin typeface="Courier New" panose="02070309020205020404" pitchFamily="49" charset="0"/>
+                <a:cs typeface="Courier New" panose="02070309020205020404" pitchFamily="49" charset="0"/>
+              </a:rPr>
+              <a:t>printer</a:t>
+            </a:r>
+            <a:r>
+              <a:rPr kumimoji="0" lang="fr-FR" altLang="fr-FR" sz="1200" b="0" i="0" u="none" strike="noStrike" cap="none" normalizeH="0" baseline="0" dirty="0">
+                <a:ln>
+                  <a:noFill/>
+                </a:ln>
+                <a:solidFill>
+                  <a:srgbClr val="A9B7C6"/>
+                </a:solidFill>
+                <a:effectLst/>
+                <a:latin typeface="Courier New" panose="02070309020205020404" pitchFamily="49" charset="0"/>
+                <a:cs typeface="Courier New" panose="02070309020205020404" pitchFamily="49" charset="0"/>
+              </a:rPr>
+              <a:t> = </a:t>
+            </a:r>
+            <a:r>
+              <a:rPr kumimoji="0" lang="fr-FR" altLang="fr-FR" sz="1200" b="0" i="0" u="none" strike="noStrike" cap="none" normalizeH="0" baseline="0" dirty="0">
+                <a:ln>
+                  <a:noFill/>
+                </a:ln>
+                <a:solidFill>
+                  <a:srgbClr val="CC7832"/>
+                </a:solidFill>
+                <a:effectLst/>
+                <a:latin typeface="Courier New" panose="02070309020205020404" pitchFamily="49" charset="0"/>
+                <a:cs typeface="Courier New" panose="02070309020205020404" pitchFamily="49" charset="0"/>
+              </a:rPr>
+              <a:t>new </a:t>
+            </a:r>
+            <a:r>
+              <a:rPr kumimoji="0" lang="fr-FR" altLang="fr-FR" sz="1200" b="0" i="0" u="none" strike="noStrike" cap="none" normalizeH="0" baseline="0" dirty="0">
+                <a:ln>
+                  <a:noFill/>
+                </a:ln>
+                <a:solidFill>
+                  <a:srgbClr val="A9B7C6"/>
+                </a:solidFill>
+                <a:effectLst/>
+                <a:latin typeface="Courier New" panose="02070309020205020404" pitchFamily="49" charset="0"/>
+                <a:cs typeface="Courier New" panose="02070309020205020404" pitchFamily="49" charset="0"/>
+              </a:rPr>
+              <a:t>Printer()</a:t>
+            </a:r>
+            <a:r>
+              <a:rPr kumimoji="0" lang="fr-FR" altLang="fr-FR" sz="1200" b="0" i="0" u="none" strike="noStrike" cap="none" normalizeH="0" baseline="0" dirty="0">
+                <a:ln>
+                  <a:noFill/>
+                </a:ln>
+                <a:solidFill>
+                  <a:srgbClr val="CC7832"/>
+                </a:solidFill>
+                <a:effectLst/>
+                <a:latin typeface="Courier New" panose="02070309020205020404" pitchFamily="49" charset="0"/>
+                <a:cs typeface="Courier New" panose="02070309020205020404" pitchFamily="49" charset="0"/>
+              </a:rPr>
+              <a:t>;</a:t>
             </a:r>
             <a:br>
-              <a:rPr kumimoji="0" lang="fr-FR" altLang="fr-FR" sz="1200" b="0" i="0" u="none" strike="noStrike" cap="none" normalizeH="0" baseline="0" dirty="0" smtClean="0">
+              <a:rPr kumimoji="0" lang="fr-FR" altLang="fr-FR" sz="1200" b="0" i="0" u="none" strike="noStrike" cap="none" normalizeH="0" baseline="0" dirty="0">
                 <a:ln>
                   <a:noFill/>
                 </a:ln>
@@ -9633,7 +9655,7 @@
               </a:rPr>
             </a:br>
             <a:r>
-              <a:rPr kumimoji="0" lang="fr-FR" altLang="fr-FR" sz="1200" b="0" i="0" u="none" strike="noStrike" cap="none" normalizeH="0" baseline="0" dirty="0" smtClean="0">
+              <a:rPr kumimoji="0" lang="fr-FR" altLang="fr-FR" sz="1200" b="0" i="0" u="none" strike="noStrike" cap="none" normalizeH="0" baseline="0" dirty="0">
                 <a:ln>
                   <a:noFill/>
                 </a:ln>
@@ -9647,49 +9669,35 @@
               <a:t>        </a:t>
             </a:r>
             <a:r>
-              <a:rPr kumimoji="0" lang="fr-FR" altLang="fr-FR" sz="1200" b="0" i="0" u="none" strike="noStrike" cap="none" normalizeH="0" baseline="0" dirty="0" smtClean="0">
-                <a:ln>
-                  <a:noFill/>
-                </a:ln>
-                <a:solidFill>
-                  <a:srgbClr val="A9B7C6"/>
-                </a:solidFill>
-                <a:effectLst/>
-                <a:latin typeface="Courier New" panose="02070309020205020404" pitchFamily="49" charset="0"/>
-                <a:cs typeface="Courier New" panose="02070309020205020404" pitchFamily="49" charset="0"/>
-              </a:rPr>
-              <a:t>Printer </a:t>
-            </a:r>
-            <a:r>
-              <a:rPr kumimoji="0" lang="fr-FR" altLang="fr-FR" sz="1200" b="0" i="0" u="none" strike="noStrike" cap="none" normalizeH="0" baseline="0" dirty="0" err="1" smtClean="0">
-                <a:ln>
-                  <a:noFill/>
-                </a:ln>
-                <a:solidFill>
-                  <a:srgbClr val="A9B7C6"/>
-                </a:solidFill>
-                <a:effectLst/>
-                <a:latin typeface="Courier New" panose="02070309020205020404" pitchFamily="49" charset="0"/>
-                <a:cs typeface="Courier New" panose="02070309020205020404" pitchFamily="49" charset="0"/>
-              </a:rPr>
-              <a:t>printer</a:t>
-            </a:r>
-            <a:r>
-              <a:rPr kumimoji="0" lang="fr-FR" altLang="fr-FR" sz="1200" b="0" i="0" u="none" strike="noStrike" cap="none" normalizeH="0" baseline="0" dirty="0" smtClean="0">
-                <a:ln>
-                  <a:noFill/>
-                </a:ln>
-                <a:solidFill>
-                  <a:srgbClr val="A9B7C6"/>
-                </a:solidFill>
-                <a:effectLst/>
-                <a:latin typeface="Courier New" panose="02070309020205020404" pitchFamily="49" charset="0"/>
-                <a:cs typeface="Courier New" panose="02070309020205020404" pitchFamily="49" charset="0"/>
-              </a:rPr>
-              <a:t> = </a:t>
-            </a:r>
-            <a:r>
-              <a:rPr kumimoji="0" lang="fr-FR" altLang="fr-FR" sz="1200" b="0" i="0" u="none" strike="noStrike" cap="none" normalizeH="0" baseline="0" dirty="0" smtClean="0">
+              <a:rPr kumimoji="0" lang="fr-FR" altLang="fr-FR" sz="1200" b="0" i="0" u="none" strike="noStrike" cap="none" normalizeH="0" baseline="0" dirty="0" err="1">
+                <a:ln>
+                  <a:noFill/>
+                </a:ln>
+                <a:solidFill>
+                  <a:srgbClr val="A9B7C6"/>
+                </a:solidFill>
+                <a:effectLst/>
+                <a:latin typeface="Courier New" panose="02070309020205020404" pitchFamily="49" charset="0"/>
+                <a:cs typeface="Courier New" panose="02070309020205020404" pitchFamily="49" charset="0"/>
+              </a:rPr>
+              <a:t>printer.print</a:t>
+            </a:r>
+            <a:r>
+              <a:rPr kumimoji="0" lang="fr-FR" altLang="fr-FR" sz="1200" b="0" i="0" u="none" strike="noStrike" cap="none" normalizeH="0" baseline="0" dirty="0">
+                <a:ln>
+                  <a:noFill/>
+                </a:ln>
+                <a:solidFill>
+                  <a:srgbClr val="A9B7C6"/>
+                </a:solidFill>
+                <a:effectLst/>
+                <a:latin typeface="Courier New" panose="02070309020205020404" pitchFamily="49" charset="0"/>
+                <a:cs typeface="Courier New" panose="02070309020205020404" pitchFamily="49" charset="0"/>
+              </a:rPr>
+              <a:t>(file)</a:t>
+            </a:r>
+            <a:r>
+              <a:rPr kumimoji="0" lang="fr-FR" altLang="fr-FR" sz="1200" b="0" i="0" u="none" strike="noStrike" cap="none" normalizeH="0" baseline="0" dirty="0">
                 <a:ln>
                   <a:noFill/>
                 </a:ln>
@@ -9700,24 +9708,10 @@
                 <a:latin typeface="Courier New" panose="02070309020205020404" pitchFamily="49" charset="0"/>
                 <a:cs typeface="Courier New" panose="02070309020205020404" pitchFamily="49" charset="0"/>
               </a:rPr>
-              <a:t>new </a:t>
-            </a:r>
-            <a:r>
-              <a:rPr kumimoji="0" lang="fr-FR" altLang="fr-FR" sz="1200" b="0" i="0" u="none" strike="noStrike" cap="none" normalizeH="0" baseline="0" dirty="0" smtClean="0">
-                <a:ln>
-                  <a:noFill/>
-                </a:ln>
-                <a:solidFill>
-                  <a:srgbClr val="A9B7C6"/>
-                </a:solidFill>
-                <a:effectLst/>
-                <a:latin typeface="Courier New" panose="02070309020205020404" pitchFamily="49" charset="0"/>
-                <a:cs typeface="Courier New" panose="02070309020205020404" pitchFamily="49" charset="0"/>
-              </a:rPr>
-              <a:t>Printer()</a:t>
-            </a:r>
-            <a:r>
-              <a:rPr kumimoji="0" lang="fr-FR" altLang="fr-FR" sz="1200" b="0" i="0" u="none" strike="noStrike" cap="none" normalizeH="0" baseline="0" dirty="0" smtClean="0">
+              <a:t>;</a:t>
+            </a:r>
+            <a:br>
+              <a:rPr kumimoji="0" lang="fr-FR" altLang="fr-FR" sz="1200" b="0" i="0" u="none" strike="noStrike" cap="none" normalizeH="0" baseline="0" dirty="0">
                 <a:ln>
                   <a:noFill/>
                 </a:ln>
@@ -9728,10 +9722,93 @@
                 <a:latin typeface="Courier New" panose="02070309020205020404" pitchFamily="49" charset="0"/>
                 <a:cs typeface="Courier New" panose="02070309020205020404" pitchFamily="49" charset="0"/>
               </a:rPr>
+            </a:br>
+            <a:r>
+              <a:rPr kumimoji="0" lang="fr-FR" altLang="fr-FR" sz="1200" b="0" i="0" u="none" strike="noStrike" cap="none" normalizeH="0" baseline="0" dirty="0">
+                <a:ln>
+                  <a:noFill/>
+                </a:ln>
+                <a:solidFill>
+                  <a:srgbClr val="CC7832"/>
+                </a:solidFill>
+                <a:effectLst/>
+                <a:latin typeface="Courier New" panose="02070309020205020404" pitchFamily="49" charset="0"/>
+                <a:cs typeface="Courier New" panose="02070309020205020404" pitchFamily="49" charset="0"/>
+              </a:rPr>
+              <a:t>        </a:t>
+            </a:r>
+            <a:r>
+              <a:rPr kumimoji="0" lang="fr-FR" altLang="fr-FR" sz="1200" b="0" i="0" u="none" strike="noStrike" cap="none" normalizeH="0" baseline="0" dirty="0" err="1">
+                <a:ln>
+                  <a:noFill/>
+                </a:ln>
+                <a:solidFill>
+                  <a:srgbClr val="A9B7C6"/>
+                </a:solidFill>
+                <a:effectLst/>
+                <a:latin typeface="Courier New" panose="02070309020205020404" pitchFamily="49" charset="0"/>
+                <a:cs typeface="Courier New" panose="02070309020205020404" pitchFamily="49" charset="0"/>
+              </a:rPr>
+              <a:t>printer.print</a:t>
+            </a:r>
+            <a:r>
+              <a:rPr kumimoji="0" lang="fr-FR" altLang="fr-FR" sz="1200" b="0" i="0" u="none" strike="noStrike" cap="none" normalizeH="0" baseline="0" dirty="0">
+                <a:ln>
+                  <a:noFill/>
+                </a:ln>
+                <a:solidFill>
+                  <a:srgbClr val="A9B7C6"/>
+                </a:solidFill>
+                <a:effectLst/>
+                <a:latin typeface="Courier New" panose="02070309020205020404" pitchFamily="49" charset="0"/>
+                <a:cs typeface="Courier New" panose="02070309020205020404" pitchFamily="49" charset="0"/>
+              </a:rPr>
+              <a:t>(</a:t>
+            </a:r>
+            <a:r>
+              <a:rPr kumimoji="0" lang="fr-FR" altLang="fr-FR" sz="1200" b="0" i="0" u="none" strike="noStrike" cap="none" normalizeH="0" baseline="0" dirty="0" err="1">
+                <a:ln>
+                  <a:noFill/>
+                </a:ln>
+                <a:solidFill>
+                  <a:srgbClr val="A9B7C6"/>
+                </a:solidFill>
+                <a:effectLst/>
+                <a:latin typeface="Courier New" panose="02070309020205020404" pitchFamily="49" charset="0"/>
+                <a:cs typeface="Courier New" panose="02070309020205020404" pitchFamily="49" charset="0"/>
+              </a:rPr>
+              <a:t>symLink</a:t>
+            </a:r>
+            <a:r>
+              <a:rPr kumimoji="0" lang="fr-FR" altLang="fr-FR" sz="1200" b="0" i="0" u="none" strike="noStrike" cap="none" normalizeH="0" baseline="0" dirty="0">
+                <a:ln>
+                  <a:noFill/>
+                </a:ln>
+                <a:solidFill>
+                  <a:srgbClr val="A9B7C6"/>
+                </a:solidFill>
+                <a:effectLst/>
+                <a:latin typeface="Courier New" panose="02070309020205020404" pitchFamily="49" charset="0"/>
+                <a:cs typeface="Courier New" panose="02070309020205020404" pitchFamily="49" charset="0"/>
+              </a:rPr>
+              <a:t>)</a:t>
+            </a:r>
+            <a:r>
+              <a:rPr kumimoji="0" lang="fr-FR" altLang="fr-FR" sz="1200" b="0" i="0" u="none" strike="noStrike" cap="none" normalizeH="0" baseline="0" dirty="0">
+                <a:ln>
+                  <a:noFill/>
+                </a:ln>
+                <a:solidFill>
+                  <a:srgbClr val="CC7832"/>
+                </a:solidFill>
+                <a:effectLst/>
+                <a:latin typeface="Courier New" panose="02070309020205020404" pitchFamily="49" charset="0"/>
+                <a:cs typeface="Courier New" panose="02070309020205020404" pitchFamily="49" charset="0"/>
+              </a:rPr>
               <a:t>;</a:t>
             </a:r>
             <a:br>
-              <a:rPr kumimoji="0" lang="fr-FR" altLang="fr-FR" sz="1200" b="0" i="0" u="none" strike="noStrike" cap="none" normalizeH="0" baseline="0" dirty="0" smtClean="0">
+              <a:rPr kumimoji="0" lang="fr-FR" altLang="fr-FR" sz="1200" b="0" i="0" u="none" strike="noStrike" cap="none" normalizeH="0" baseline="0" dirty="0">
                 <a:ln>
                   <a:noFill/>
                 </a:ln>
@@ -9744,7 +9821,7 @@
               </a:rPr>
             </a:br>
             <a:r>
-              <a:rPr kumimoji="0" lang="fr-FR" altLang="fr-FR" sz="1200" b="0" i="0" u="none" strike="noStrike" cap="none" normalizeH="0" baseline="0" dirty="0" smtClean="0">
+              <a:rPr kumimoji="0" lang="fr-FR" altLang="fr-FR" sz="1200" b="0" i="0" u="none" strike="noStrike" cap="none" normalizeH="0" baseline="0" dirty="0">
                 <a:ln>
                   <a:noFill/>
                 </a:ln>
@@ -9758,7 +9835,7 @@
               <a:t>        </a:t>
             </a:r>
             <a:r>
-              <a:rPr kumimoji="0" lang="fr-FR" altLang="fr-FR" sz="1200" b="0" i="0" u="none" strike="noStrike" cap="none" normalizeH="0" baseline="0" dirty="0" err="1" smtClean="0">
+              <a:rPr kumimoji="0" lang="fr-FR" altLang="fr-FR" sz="1200" b="0" i="0" u="none" strike="noStrike" cap="none" normalizeH="0" baseline="0" dirty="0" err="1">
                 <a:ln>
                   <a:noFill/>
                 </a:ln>
@@ -9772,21 +9849,49 @@
               <a:t>printer.print</a:t>
             </a:r>
             <a:r>
-              <a:rPr kumimoji="0" lang="fr-FR" altLang="fr-FR" sz="1200" b="0" i="0" u="none" strike="noStrike" cap="none" normalizeH="0" baseline="0" dirty="0" smtClean="0">
-                <a:ln>
-                  <a:noFill/>
-                </a:ln>
-                <a:solidFill>
-                  <a:srgbClr val="A9B7C6"/>
-                </a:solidFill>
-                <a:effectLst/>
-                <a:latin typeface="Courier New" panose="02070309020205020404" pitchFamily="49" charset="0"/>
-                <a:cs typeface="Courier New" panose="02070309020205020404" pitchFamily="49" charset="0"/>
-              </a:rPr>
-              <a:t>(file)</a:t>
-            </a:r>
-            <a:r>
-              <a:rPr kumimoji="0" lang="fr-FR" altLang="fr-FR" sz="1200" b="0" i="0" u="none" strike="noStrike" cap="none" normalizeH="0" baseline="0" dirty="0" smtClean="0">
+              <a:rPr kumimoji="0" lang="fr-FR" altLang="fr-FR" sz="1200" b="0" i="0" u="none" strike="noStrike" cap="none" normalizeH="0" baseline="0" dirty="0">
+                <a:ln>
+                  <a:noFill/>
+                </a:ln>
+                <a:solidFill>
+                  <a:srgbClr val="A9B7C6"/>
+                </a:solidFill>
+                <a:effectLst/>
+                <a:latin typeface="Courier New" panose="02070309020205020404" pitchFamily="49" charset="0"/>
+                <a:cs typeface="Courier New" panose="02070309020205020404" pitchFamily="49" charset="0"/>
+              </a:rPr>
+              <a:t>(</a:t>
+            </a:r>
+            <a:r>
+              <a:rPr kumimoji="0" lang="fr-FR" altLang="fr-FR" sz="1200" b="0" i="0" u="none" strike="noStrike" cap="none" normalizeH="0" baseline="0" dirty="0" err="1">
+                <a:ln>
+                  <a:noFill/>
+                </a:ln>
+                <a:solidFill>
+                  <a:srgbClr val="A9B7C6"/>
+                </a:solidFill>
+                <a:effectLst/>
+                <a:latin typeface="Courier New" panose="02070309020205020404" pitchFamily="49" charset="0"/>
+                <a:cs typeface="Courier New" panose="02070309020205020404" pitchFamily="49" charset="0"/>
+              </a:rPr>
+              <a:t>hardLink</a:t>
+            </a:r>
+            <a:r>
+              <a:rPr kumimoji="0" lang="fr-FR" altLang="fr-FR" sz="1200" b="0" i="0" u="none" strike="noStrike" cap="none" normalizeH="0" baseline="0" dirty="0">
+                <a:ln>
+                  <a:noFill/>
+                </a:ln>
+                <a:solidFill>
+                  <a:srgbClr val="A9B7C6"/>
+                </a:solidFill>
+                <a:effectLst/>
+                <a:latin typeface="Courier New" panose="02070309020205020404" pitchFamily="49" charset="0"/>
+                <a:cs typeface="Courier New" panose="02070309020205020404" pitchFamily="49" charset="0"/>
+              </a:rPr>
+              <a:t>)</a:t>
+            </a:r>
+            <a:r>
+              <a:rPr kumimoji="0" lang="fr-FR" altLang="fr-FR" sz="1200" b="0" i="0" u="none" strike="noStrike" cap="none" normalizeH="0" baseline="0" dirty="0">
                 <a:ln>
                   <a:noFill/>
                 </a:ln>
@@ -9800,7 +9905,7 @@
               <a:t>;</a:t>
             </a:r>
             <a:br>
-              <a:rPr kumimoji="0" lang="fr-FR" altLang="fr-FR" sz="1200" b="0" i="0" u="none" strike="noStrike" cap="none" normalizeH="0" baseline="0" dirty="0" smtClean="0">
+              <a:rPr kumimoji="0" lang="fr-FR" altLang="fr-FR" sz="1200" b="0" i="0" u="none" strike="noStrike" cap="none" normalizeH="0" baseline="0" dirty="0">
                 <a:ln>
                   <a:noFill/>
                 </a:ln>
@@ -9813,7 +9918,7 @@
               </a:rPr>
             </a:br>
             <a:r>
-              <a:rPr kumimoji="0" lang="fr-FR" altLang="fr-FR" sz="1200" b="0" i="0" u="none" strike="noStrike" cap="none" normalizeH="0" baseline="0" dirty="0" smtClean="0">
+              <a:rPr kumimoji="0" lang="fr-FR" altLang="fr-FR" sz="1200" b="0" i="0" u="none" strike="noStrike" cap="none" normalizeH="0" baseline="0" dirty="0">
                 <a:ln>
                   <a:noFill/>
                 </a:ln>
@@ -9824,85 +9929,29 @@
                 <a:latin typeface="Courier New" panose="02070309020205020404" pitchFamily="49" charset="0"/>
                 <a:cs typeface="Courier New" panose="02070309020205020404" pitchFamily="49" charset="0"/>
               </a:rPr>
-              <a:t>        </a:t>
-            </a:r>
-            <a:r>
-              <a:rPr kumimoji="0" lang="fr-FR" altLang="fr-FR" sz="1200" b="0" i="0" u="none" strike="noStrike" cap="none" normalizeH="0" baseline="0" dirty="0" err="1" smtClean="0">
-                <a:ln>
-                  <a:noFill/>
-                </a:ln>
-                <a:solidFill>
-                  <a:srgbClr val="A9B7C6"/>
-                </a:solidFill>
-                <a:effectLst/>
-                <a:latin typeface="Courier New" panose="02070309020205020404" pitchFamily="49" charset="0"/>
-                <a:cs typeface="Courier New" panose="02070309020205020404" pitchFamily="49" charset="0"/>
-              </a:rPr>
-              <a:t>printer.print</a:t>
-            </a:r>
-            <a:r>
-              <a:rPr kumimoji="0" lang="fr-FR" altLang="fr-FR" sz="1200" b="0" i="0" u="none" strike="noStrike" cap="none" normalizeH="0" baseline="0" dirty="0" smtClean="0">
-                <a:ln>
-                  <a:noFill/>
-                </a:ln>
-                <a:solidFill>
-                  <a:srgbClr val="A9B7C6"/>
-                </a:solidFill>
-                <a:effectLst/>
-                <a:latin typeface="Courier New" panose="02070309020205020404" pitchFamily="49" charset="0"/>
-                <a:cs typeface="Courier New" panose="02070309020205020404" pitchFamily="49" charset="0"/>
-              </a:rPr>
-              <a:t>(</a:t>
-            </a:r>
-            <a:r>
-              <a:rPr kumimoji="0" lang="fr-FR" altLang="fr-FR" sz="1200" b="0" i="0" u="none" strike="noStrike" cap="none" normalizeH="0" baseline="0" dirty="0" err="1" smtClean="0">
-                <a:ln>
-                  <a:noFill/>
-                </a:ln>
-                <a:solidFill>
-                  <a:srgbClr val="A9B7C6"/>
-                </a:solidFill>
-                <a:effectLst/>
-                <a:latin typeface="Courier New" panose="02070309020205020404" pitchFamily="49" charset="0"/>
-                <a:cs typeface="Courier New" panose="02070309020205020404" pitchFamily="49" charset="0"/>
-              </a:rPr>
-              <a:t>symLink</a:t>
-            </a:r>
-            <a:r>
-              <a:rPr kumimoji="0" lang="fr-FR" altLang="fr-FR" sz="1200" b="0" i="0" u="none" strike="noStrike" cap="none" normalizeH="0" baseline="0" dirty="0" smtClean="0">
-                <a:ln>
-                  <a:noFill/>
-                </a:ln>
-                <a:solidFill>
-                  <a:srgbClr val="A9B7C6"/>
-                </a:solidFill>
-                <a:effectLst/>
-                <a:latin typeface="Courier New" panose="02070309020205020404" pitchFamily="49" charset="0"/>
-                <a:cs typeface="Courier New" panose="02070309020205020404" pitchFamily="49" charset="0"/>
-              </a:rPr>
-              <a:t>)</a:t>
-            </a:r>
-            <a:r>
-              <a:rPr kumimoji="0" lang="fr-FR" altLang="fr-FR" sz="1200" b="0" i="0" u="none" strike="noStrike" cap="none" normalizeH="0" baseline="0" dirty="0" smtClean="0">
-                <a:ln>
-                  <a:noFill/>
-                </a:ln>
-                <a:solidFill>
-                  <a:srgbClr val="CC7832"/>
-                </a:solidFill>
-                <a:effectLst/>
-                <a:latin typeface="Courier New" panose="02070309020205020404" pitchFamily="49" charset="0"/>
-                <a:cs typeface="Courier New" panose="02070309020205020404" pitchFamily="49" charset="0"/>
-              </a:rPr>
-              <a:t>;</a:t>
+              <a:t>    </a:t>
+            </a:r>
+            <a:r>
+              <a:rPr kumimoji="0" lang="fr-FR" altLang="fr-FR" sz="1200" b="0" i="0" u="none" strike="noStrike" cap="none" normalizeH="0" baseline="0" dirty="0">
+                <a:ln>
+                  <a:noFill/>
+                </a:ln>
+                <a:solidFill>
+                  <a:srgbClr val="A9B7C6"/>
+                </a:solidFill>
+                <a:effectLst/>
+                <a:latin typeface="Courier New" panose="02070309020205020404" pitchFamily="49" charset="0"/>
+                <a:cs typeface="Courier New" panose="02070309020205020404" pitchFamily="49" charset="0"/>
+              </a:rPr>
+              <a:t>}</a:t>
             </a:r>
             <a:br>
-              <a:rPr kumimoji="0" lang="fr-FR" altLang="fr-FR" sz="1200" b="0" i="0" u="none" strike="noStrike" cap="none" normalizeH="0" baseline="0" dirty="0" smtClean="0">
-                <a:ln>
-                  <a:noFill/>
-                </a:ln>
-                <a:solidFill>
-                  <a:srgbClr val="CC7832"/>
+              <a:rPr kumimoji="0" lang="fr-FR" altLang="fr-FR" sz="1200" b="0" i="0" u="none" strike="noStrike" cap="none" normalizeH="0" baseline="0" dirty="0">
+                <a:ln>
+                  <a:noFill/>
+                </a:ln>
+                <a:solidFill>
+                  <a:srgbClr val="A9B7C6"/>
                 </a:solidFill>
                 <a:effectLst/>
                 <a:latin typeface="Courier New" panose="02070309020205020404" pitchFamily="49" charset="0"/>
@@ -9910,118 +9959,7 @@
               </a:rPr>
             </a:br>
             <a:r>
-              <a:rPr kumimoji="0" lang="fr-FR" altLang="fr-FR" sz="1200" b="0" i="0" u="none" strike="noStrike" cap="none" normalizeH="0" baseline="0" dirty="0" smtClean="0">
-                <a:ln>
-                  <a:noFill/>
-                </a:ln>
-                <a:solidFill>
-                  <a:srgbClr val="CC7832"/>
-                </a:solidFill>
-                <a:effectLst/>
-                <a:latin typeface="Courier New" panose="02070309020205020404" pitchFamily="49" charset="0"/>
-                <a:cs typeface="Courier New" panose="02070309020205020404" pitchFamily="49" charset="0"/>
-              </a:rPr>
-              <a:t>        </a:t>
-            </a:r>
-            <a:r>
-              <a:rPr kumimoji="0" lang="fr-FR" altLang="fr-FR" sz="1200" b="0" i="0" u="none" strike="noStrike" cap="none" normalizeH="0" baseline="0" dirty="0" err="1" smtClean="0">
-                <a:ln>
-                  <a:noFill/>
-                </a:ln>
-                <a:solidFill>
-                  <a:srgbClr val="A9B7C6"/>
-                </a:solidFill>
-                <a:effectLst/>
-                <a:latin typeface="Courier New" panose="02070309020205020404" pitchFamily="49" charset="0"/>
-                <a:cs typeface="Courier New" panose="02070309020205020404" pitchFamily="49" charset="0"/>
-              </a:rPr>
-              <a:t>printer.print</a:t>
-            </a:r>
-            <a:r>
-              <a:rPr kumimoji="0" lang="fr-FR" altLang="fr-FR" sz="1200" b="0" i="0" u="none" strike="noStrike" cap="none" normalizeH="0" baseline="0" dirty="0" smtClean="0">
-                <a:ln>
-                  <a:noFill/>
-                </a:ln>
-                <a:solidFill>
-                  <a:srgbClr val="A9B7C6"/>
-                </a:solidFill>
-                <a:effectLst/>
-                <a:latin typeface="Courier New" panose="02070309020205020404" pitchFamily="49" charset="0"/>
-                <a:cs typeface="Courier New" panose="02070309020205020404" pitchFamily="49" charset="0"/>
-              </a:rPr>
-              <a:t>(</a:t>
-            </a:r>
-            <a:r>
-              <a:rPr kumimoji="0" lang="fr-FR" altLang="fr-FR" sz="1200" b="0" i="0" u="none" strike="noStrike" cap="none" normalizeH="0" baseline="0" dirty="0" err="1" smtClean="0">
-                <a:ln>
-                  <a:noFill/>
-                </a:ln>
-                <a:solidFill>
-                  <a:srgbClr val="A9B7C6"/>
-                </a:solidFill>
-                <a:effectLst/>
-                <a:latin typeface="Courier New" panose="02070309020205020404" pitchFamily="49" charset="0"/>
-                <a:cs typeface="Courier New" panose="02070309020205020404" pitchFamily="49" charset="0"/>
-              </a:rPr>
-              <a:t>hardLink</a:t>
-            </a:r>
-            <a:r>
-              <a:rPr kumimoji="0" lang="fr-FR" altLang="fr-FR" sz="1200" b="0" i="0" u="none" strike="noStrike" cap="none" normalizeH="0" baseline="0" dirty="0" smtClean="0">
-                <a:ln>
-                  <a:noFill/>
-                </a:ln>
-                <a:solidFill>
-                  <a:srgbClr val="A9B7C6"/>
-                </a:solidFill>
-                <a:effectLst/>
-                <a:latin typeface="Courier New" panose="02070309020205020404" pitchFamily="49" charset="0"/>
-                <a:cs typeface="Courier New" panose="02070309020205020404" pitchFamily="49" charset="0"/>
-              </a:rPr>
-              <a:t>)</a:t>
-            </a:r>
-            <a:r>
-              <a:rPr kumimoji="0" lang="fr-FR" altLang="fr-FR" sz="1200" b="0" i="0" u="none" strike="noStrike" cap="none" normalizeH="0" baseline="0" dirty="0" smtClean="0">
-                <a:ln>
-                  <a:noFill/>
-                </a:ln>
-                <a:solidFill>
-                  <a:srgbClr val="CC7832"/>
-                </a:solidFill>
-                <a:effectLst/>
-                <a:latin typeface="Courier New" panose="02070309020205020404" pitchFamily="49" charset="0"/>
-                <a:cs typeface="Courier New" panose="02070309020205020404" pitchFamily="49" charset="0"/>
-              </a:rPr>
-              <a:t>;</a:t>
-            </a:r>
-            <a:br>
-              <a:rPr kumimoji="0" lang="fr-FR" altLang="fr-FR" sz="1200" b="0" i="0" u="none" strike="noStrike" cap="none" normalizeH="0" baseline="0" dirty="0" smtClean="0">
-                <a:ln>
-                  <a:noFill/>
-                </a:ln>
-                <a:solidFill>
-                  <a:srgbClr val="CC7832"/>
-                </a:solidFill>
-                <a:effectLst/>
-                <a:latin typeface="Courier New" panose="02070309020205020404" pitchFamily="49" charset="0"/>
-                <a:cs typeface="Courier New" panose="02070309020205020404" pitchFamily="49" charset="0"/>
-              </a:rPr>
-            </a:br>
-            <a:r>
-              <a:rPr kumimoji="0" lang="fr-FR" altLang="fr-FR" sz="1200" b="0" i="0" u="none" strike="noStrike" cap="none" normalizeH="0" baseline="0" dirty="0" smtClean="0">
-                <a:ln>
-                  <a:noFill/>
-                </a:ln>
-                <a:solidFill>
-                  <a:srgbClr val="CC7832"/>
-                </a:solidFill>
-                <a:effectLst/>
-                <a:latin typeface="Courier New" panose="02070309020205020404" pitchFamily="49" charset="0"/>
-                <a:cs typeface="Courier New" panose="02070309020205020404" pitchFamily="49" charset="0"/>
-              </a:rPr>
-              <a:t>    </a:t>
-            </a:r>
-            <a:r>
-              <a:rPr kumimoji="0" lang="fr-FR" altLang="fr-FR" sz="1200" b="0" i="0" u="none" strike="noStrike" cap="none" normalizeH="0" baseline="0" dirty="0" smtClean="0">
+              <a:rPr kumimoji="0" lang="fr-FR" altLang="fr-FR" sz="1200" b="0" i="0" u="none" strike="noStrike" cap="none" normalizeH="0" baseline="0" dirty="0">
                 <a:ln>
                   <a:noFill/>
                 </a:ln>
@@ -10034,34 +9972,7 @@
               </a:rPr>
               <a:t>}</a:t>
             </a:r>
-            <a:br>
-              <a:rPr kumimoji="0" lang="fr-FR" altLang="fr-FR" sz="1200" b="0" i="0" u="none" strike="noStrike" cap="none" normalizeH="0" baseline="0" dirty="0" smtClean="0">
-                <a:ln>
-                  <a:noFill/>
-                </a:ln>
-                <a:solidFill>
-                  <a:srgbClr val="A9B7C6"/>
-                </a:solidFill>
-                <a:effectLst/>
-                <a:latin typeface="Courier New" panose="02070309020205020404" pitchFamily="49" charset="0"/>
-                <a:cs typeface="Courier New" panose="02070309020205020404" pitchFamily="49" charset="0"/>
-              </a:rPr>
-            </a:br>
-            <a:r>
-              <a:rPr kumimoji="0" lang="fr-FR" altLang="fr-FR" sz="1200" b="0" i="0" u="none" strike="noStrike" cap="none" normalizeH="0" baseline="0" dirty="0" smtClean="0">
-                <a:ln>
-                  <a:noFill/>
-                </a:ln>
-                <a:solidFill>
-                  <a:srgbClr val="A9B7C6"/>
-                </a:solidFill>
-                <a:effectLst/>
-                <a:latin typeface="Courier New" panose="02070309020205020404" pitchFamily="49" charset="0"/>
-                <a:cs typeface="Courier New" panose="02070309020205020404" pitchFamily="49" charset="0"/>
-              </a:rPr>
-              <a:t>}</a:t>
-            </a:r>
-            <a:endParaRPr kumimoji="0" lang="fr-FR" altLang="fr-FR" sz="1200" b="0" i="0" u="none" strike="noStrike" cap="none" normalizeH="0" baseline="0" dirty="0" smtClean="0">
+            <a:endParaRPr kumimoji="0" lang="fr-FR" altLang="fr-FR" sz="1200" b="0" i="0" u="none" strike="noStrike" cap="none" normalizeH="0" baseline="0" dirty="0">
               <a:ln>
                 <a:noFill/>
               </a:ln>
@@ -10074,6 +9985,53 @@
           </a:p>
         </p:txBody>
       </p:sp>
+      <p:pic>
+        <p:nvPicPr>
+          <p:cNvPr id="8" name="Picture 2" descr="PlantUML Diagram">
+            <a:extLst>
+              <a:ext uri="{FF2B5EF4-FFF2-40B4-BE49-F238E27FC236}">
+                <a16:creationId xmlns:a16="http://schemas.microsoft.com/office/drawing/2014/main" id="{23BA3A78-8A36-49DC-ADC4-179453D1DECC}"/>
+              </a:ext>
+            </a:extLst>
+          </p:cNvPr>
+          <p:cNvPicPr>
+            <a:picLocks noChangeAspect="1" noChangeArrowheads="1"/>
+          </p:cNvPicPr>
+          <p:nvPr/>
+        </p:nvPicPr>
+        <p:blipFill>
+          <a:blip r:embed="rId3">
+            <a:extLst>
+              <a:ext uri="{28A0092B-C50C-407E-A947-70E740481C1C}">
+                <a14:useLocalDpi xmlns:a14="http://schemas.microsoft.com/office/drawing/2010/main" val="0"/>
+              </a:ext>
+            </a:extLst>
+          </a:blip>
+          <a:srcRect/>
+          <a:stretch>
+            <a:fillRect/>
+          </a:stretch>
+        </p:blipFill>
+        <p:spPr bwMode="auto">
+          <a:xfrm>
+            <a:off x="6122513" y="618481"/>
+            <a:ext cx="4724400" cy="3233083"/>
+          </a:xfrm>
+          <a:prstGeom prst="rect">
+            <a:avLst/>
+          </a:prstGeom>
+          <a:noFill/>
+          <a:extLst>
+            <a:ext uri="{909E8E84-426E-40DD-AFC4-6F175D3DCCD1}">
+              <a14:hiddenFill xmlns:a14="http://schemas.microsoft.com/office/drawing/2010/main">
+                <a:solidFill>
+                  <a:srgbClr val="FFFFFF"/>
+                </a:solidFill>
+              </a14:hiddenFill>
+            </a:ext>
+          </a:extLst>
+        </p:spPr>
+      </p:pic>
     </p:spTree>
     <p:extLst>
       <p:ext uri="{BB962C8B-B14F-4D97-AF65-F5344CB8AC3E}">
@@ -10096,13 +10054,6 @@
       </p:transition>
     </mc:Fallback>
   </mc:AlternateContent>
-  <p:timing>
-    <p:tnLst>
-      <p:par>
-        <p:cTn id="1" dur="indefinite" restart="never" nodeType="tmRoot"/>
-      </p:par>
-    </p:tnLst>
-  </p:timing>
 </p:sld>
 </file>
 
@@ -10140,10 +10091,9 @@
           <a:p>
             <a:pPr rtl="0"/>
             <a:r>
-              <a:rPr lang="fr-FR" dirty="0" smtClean="0"/>
+              <a:rPr lang="fr-FR" dirty="0"/>
               <a:t>Résultat</a:t>
             </a:r>
-            <a:endParaRPr lang="fr-FR" dirty="0"/>
           </a:p>
         </p:txBody>
       </p:sp>
@@ -10440,20 +10390,20 @@
             </a:lvl9pPr>
           </a:lstStyle>
           <a:p>
-            <a:endParaRPr lang="fr-FR" dirty="0" smtClean="0"/>
-          </a:p>
-          <a:p>
-            <a:r>
-              <a:rPr lang="fr-FR" sz="4000" dirty="0" smtClean="0"/>
+            <a:endParaRPr lang="fr-FR" dirty="0"/>
+          </a:p>
+          <a:p>
+            <a:r>
+              <a:rPr lang="fr-FR" sz="4000" dirty="0"/>
               <a:t>Les paramètres sont résolus à la compilation</a:t>
             </a:r>
-            <a:endParaRPr lang="fr-FR" sz="4000" b="1" dirty="0" smtClean="0"/>
-          </a:p>
-          <a:p>
-            <a:endParaRPr lang="fr-FR" b="1" dirty="0" smtClean="0"/>
-          </a:p>
-          <a:p>
-            <a:endParaRPr lang="fr-FR" b="1" dirty="0" smtClean="0"/>
+            <a:endParaRPr lang="fr-FR" sz="4000" b="1" dirty="0"/>
+          </a:p>
+          <a:p>
+            <a:endParaRPr lang="fr-FR" b="1" dirty="0"/>
+          </a:p>
+          <a:p>
+            <a:endParaRPr lang="fr-FR" b="1" dirty="0"/>
           </a:p>
         </p:txBody>
       </p:sp>
@@ -10479,13 +10429,6 @@
       </p:transition>
     </mc:Fallback>
   </mc:AlternateContent>
-  <p:timing>
-    <p:tnLst>
-      <p:par>
-        <p:cTn id="1" dur="indefinite" restart="never" nodeType="tmRoot"/>
-      </p:par>
-    </p:tnLst>
-  </p:timing>
 </p:sld>
 </file>
 
@@ -10506,36 +10449,6 @@
           <a:chExt cx="0" cy="0"/>
         </a:xfrm>
       </p:grpSpPr>
-      <p:pic>
-        <p:nvPicPr>
-          <p:cNvPr id="3" name="Image 2"/>
-          <p:cNvPicPr>
-            <a:picLocks noChangeAspect="1"/>
-          </p:cNvPicPr>
-          <p:nvPr/>
-        </p:nvPicPr>
-        <p:blipFill>
-          <a:blip r:embed="rId3">
-            <a:extLst>
-              <a:ext uri="{28A0092B-C50C-407E-A947-70E740481C1C}">
-                <a14:useLocalDpi xmlns:a14="http://schemas.microsoft.com/office/drawing/2010/main" val="0"/>
-              </a:ext>
-            </a:extLst>
-          </a:blip>
-          <a:stretch>
-            <a:fillRect/>
-          </a:stretch>
-        </p:blipFill>
-        <p:spPr>
-          <a:xfrm>
-            <a:off x="4113212" y="685800"/>
-            <a:ext cx="7591425" cy="4438650"/>
-          </a:xfrm>
-          <a:prstGeom prst="rect">
-            <a:avLst/>
-          </a:prstGeom>
-        </p:spPr>
-      </p:pic>
       <p:sp>
         <p:nvSpPr>
           <p:cNvPr id="2" name="Titre 1"/>
@@ -10556,10 +10469,9 @@
               <a:buAutoNum type="arabicPeriod"/>
             </a:pPr>
             <a:r>
-              <a:rPr lang="fr-FR" dirty="0" smtClean="0"/>
+              <a:rPr lang="fr-FR" dirty="0"/>
               <a:t>Première solution</a:t>
             </a:r>
-            <a:endParaRPr lang="fr-FR" dirty="0"/>
           </a:p>
         </p:txBody>
       </p:sp>
@@ -10636,7 +10548,7 @@
               <a:tabLst/>
             </a:pPr>
             <a:r>
-              <a:rPr kumimoji="0" lang="fr-FR" altLang="fr-FR" sz="900" b="0" i="0" u="none" strike="noStrike" cap="none" normalizeH="0" baseline="0" smtClean="0">
+              <a:rPr kumimoji="0" lang="fr-FR" altLang="fr-FR" sz="900" b="0" i="0" u="none" strike="noStrike" cap="none" normalizeH="0" baseline="0">
                 <a:ln>
                   <a:noFill/>
                 </a:ln>
@@ -10650,7 +10562,7 @@
               <a:t>public class </a:t>
             </a:r>
             <a:r>
-              <a:rPr kumimoji="0" lang="fr-FR" altLang="fr-FR" sz="900" b="0" i="0" u="none" strike="noStrike" cap="none" normalizeH="0" baseline="0" smtClean="0">
+              <a:rPr kumimoji="0" lang="fr-FR" altLang="fr-FR" sz="900" b="0" i="0" u="none" strike="noStrike" cap="none" normalizeH="0" baseline="0">
                 <a:ln>
                   <a:noFill/>
                 </a:ln>
@@ -10664,7 +10576,7 @@
               <a:t>SymLink </a:t>
             </a:r>
             <a:r>
-              <a:rPr kumimoji="0" lang="fr-FR" altLang="fr-FR" sz="900" b="0" i="0" u="none" strike="noStrike" cap="none" normalizeH="0" baseline="0" smtClean="0">
+              <a:rPr kumimoji="0" lang="fr-FR" altLang="fr-FR" sz="900" b="0" i="0" u="none" strike="noStrike" cap="none" normalizeH="0" baseline="0">
                 <a:ln>
                   <a:noFill/>
                 </a:ln>
@@ -10678,7 +10590,7 @@
               <a:t>extends </a:t>
             </a:r>
             <a:r>
-              <a:rPr kumimoji="0" lang="fr-FR" altLang="fr-FR" sz="900" b="0" i="0" u="none" strike="noStrike" cap="none" normalizeH="0" baseline="0" smtClean="0">
+              <a:rPr kumimoji="0" lang="fr-FR" altLang="fr-FR" sz="900" b="0" i="0" u="none" strike="noStrike" cap="none" normalizeH="0" baseline="0">
                 <a:ln>
                   <a:noFill/>
                 </a:ln>
@@ -10692,7 +10604,7 @@
               <a:t>File {</a:t>
             </a:r>
             <a:br>
-              <a:rPr kumimoji="0" lang="fr-FR" altLang="fr-FR" sz="900" b="0" i="0" u="none" strike="noStrike" cap="none" normalizeH="0" baseline="0" smtClean="0">
+              <a:rPr kumimoji="0" lang="fr-FR" altLang="fr-FR" sz="900" b="0" i="0" u="none" strike="noStrike" cap="none" normalizeH="0" baseline="0">
                 <a:ln>
                   <a:noFill/>
                 </a:ln>
@@ -10705,7 +10617,7 @@
               </a:rPr>
             </a:br>
             <a:r>
-              <a:rPr kumimoji="0" lang="fr-FR" altLang="fr-FR" sz="900" b="0" i="0" u="none" strike="noStrike" cap="none" normalizeH="0" baseline="0" smtClean="0">
+              <a:rPr kumimoji="0" lang="fr-FR" altLang="fr-FR" sz="900" b="0" i="0" u="none" strike="noStrike" cap="none" normalizeH="0" baseline="0">
                 <a:ln>
                   <a:noFill/>
                 </a:ln>
@@ -10719,7 +10631,7 @@
               <a:t>    </a:t>
             </a:r>
             <a:r>
-              <a:rPr kumimoji="0" lang="fr-FR" altLang="fr-FR" sz="900" b="0" i="0" u="none" strike="noStrike" cap="none" normalizeH="0" baseline="0" smtClean="0">
+              <a:rPr kumimoji="0" lang="fr-FR" altLang="fr-FR" sz="900" b="0" i="0" u="none" strike="noStrike" cap="none" normalizeH="0" baseline="0">
                 <a:ln>
                   <a:noFill/>
                 </a:ln>
@@ -10733,7 +10645,7 @@
               <a:t>private </a:t>
             </a:r>
             <a:r>
-              <a:rPr kumimoji="0" lang="fr-FR" altLang="fr-FR" sz="900" b="0" i="0" u="none" strike="noStrike" cap="none" normalizeH="0" baseline="0" smtClean="0">
+              <a:rPr kumimoji="0" lang="fr-FR" altLang="fr-FR" sz="900" b="0" i="0" u="none" strike="noStrike" cap="none" normalizeH="0" baseline="0">
                 <a:ln>
                   <a:noFill/>
                 </a:ln>
@@ -10747,7 +10659,7 @@
               <a:t>String </a:t>
             </a:r>
             <a:r>
-              <a:rPr kumimoji="0" lang="fr-FR" altLang="fr-FR" sz="900" b="0" i="0" u="none" strike="noStrike" cap="none" normalizeH="0" baseline="0" smtClean="0">
+              <a:rPr kumimoji="0" lang="fr-FR" altLang="fr-FR" sz="900" b="0" i="0" u="none" strike="noStrike" cap="none" normalizeH="0" baseline="0">
                 <a:ln>
                   <a:noFill/>
                 </a:ln>
@@ -10761,7 +10673,7 @@
               <a:t>path</a:t>
             </a:r>
             <a:r>
-              <a:rPr kumimoji="0" lang="fr-FR" altLang="fr-FR" sz="900" b="0" i="0" u="none" strike="noStrike" cap="none" normalizeH="0" baseline="0" smtClean="0">
+              <a:rPr kumimoji="0" lang="fr-FR" altLang="fr-FR" sz="900" b="0" i="0" u="none" strike="noStrike" cap="none" normalizeH="0" baseline="0">
                 <a:ln>
                   <a:noFill/>
                 </a:ln>
@@ -10775,7 +10687,7 @@
               <a:t>;</a:t>
             </a:r>
             <a:br>
-              <a:rPr kumimoji="0" lang="fr-FR" altLang="fr-FR" sz="900" b="0" i="0" u="none" strike="noStrike" cap="none" normalizeH="0" baseline="0" smtClean="0">
+              <a:rPr kumimoji="0" lang="fr-FR" altLang="fr-FR" sz="900" b="0" i="0" u="none" strike="noStrike" cap="none" normalizeH="0" baseline="0">
                 <a:ln>
                   <a:noFill/>
                 </a:ln>
@@ -10787,8 +10699,8 @@
                 <a:cs typeface="Courier New" panose="02070309020205020404" pitchFamily="49" charset="0"/>
               </a:rPr>
             </a:br>
-            <a:r>
-              <a:rPr kumimoji="0" lang="fr-FR" altLang="fr-FR" sz="900" b="0" i="0" u="none" strike="noStrike" cap="none" normalizeH="0" baseline="0" smtClean="0">
+            <a:br>
+              <a:rPr kumimoji="0" lang="fr-FR" altLang="fr-FR" sz="900" b="0" i="0" u="none" strike="noStrike" cap="none" normalizeH="0" baseline="0">
                 <a:ln>
                   <a:noFill/>
                 </a:ln>
@@ -10799,10 +10711,134 @@
                 <a:latin typeface="Courier New" panose="02070309020205020404" pitchFamily="49" charset="0"/>
                 <a:cs typeface="Courier New" panose="02070309020205020404" pitchFamily="49" charset="0"/>
               </a:rPr>
-              <a:t/>
+            </a:br>
+            <a:r>
+              <a:rPr kumimoji="0" lang="fr-FR" altLang="fr-FR" sz="900" b="0" i="0" u="none" strike="noStrike" cap="none" normalizeH="0" baseline="0">
+                <a:ln>
+                  <a:noFill/>
+                </a:ln>
+                <a:solidFill>
+                  <a:srgbClr val="CC7832"/>
+                </a:solidFill>
+                <a:effectLst/>
+                <a:latin typeface="Courier New" panose="02070309020205020404" pitchFamily="49" charset="0"/>
+                <a:cs typeface="Courier New" panose="02070309020205020404" pitchFamily="49" charset="0"/>
+              </a:rPr>
+              <a:t>    public </a:t>
+            </a:r>
+            <a:r>
+              <a:rPr kumimoji="0" lang="fr-FR" altLang="fr-FR" sz="900" b="0" i="0" u="none" strike="noStrike" cap="none" normalizeH="0" baseline="0">
+                <a:ln>
+                  <a:noFill/>
+                </a:ln>
+                <a:solidFill>
+                  <a:srgbClr val="FFC66D"/>
+                </a:solidFill>
+                <a:effectLst/>
+                <a:latin typeface="Courier New" panose="02070309020205020404" pitchFamily="49" charset="0"/>
+                <a:cs typeface="Courier New" panose="02070309020205020404" pitchFamily="49" charset="0"/>
+              </a:rPr>
+              <a:t>SymLink</a:t>
+            </a:r>
+            <a:r>
+              <a:rPr kumimoji="0" lang="fr-FR" altLang="fr-FR" sz="900" b="0" i="0" u="none" strike="noStrike" cap="none" normalizeH="0" baseline="0">
+                <a:ln>
+                  <a:noFill/>
+                </a:ln>
+                <a:solidFill>
+                  <a:srgbClr val="A9B7C6"/>
+                </a:solidFill>
+                <a:effectLst/>
+                <a:latin typeface="Courier New" panose="02070309020205020404" pitchFamily="49" charset="0"/>
+                <a:cs typeface="Courier New" panose="02070309020205020404" pitchFamily="49" charset="0"/>
+              </a:rPr>
+              <a:t>(String name</a:t>
+            </a:r>
+            <a:r>
+              <a:rPr kumimoji="0" lang="fr-FR" altLang="fr-FR" sz="900" b="0" i="0" u="none" strike="noStrike" cap="none" normalizeH="0" baseline="0">
+                <a:ln>
+                  <a:noFill/>
+                </a:ln>
+                <a:solidFill>
+                  <a:srgbClr val="CC7832"/>
+                </a:solidFill>
+                <a:effectLst/>
+                <a:latin typeface="Courier New" panose="02070309020205020404" pitchFamily="49" charset="0"/>
+                <a:cs typeface="Courier New" panose="02070309020205020404" pitchFamily="49" charset="0"/>
+              </a:rPr>
+              <a:t>, </a:t>
+            </a:r>
+            <a:r>
+              <a:rPr kumimoji="0" lang="fr-FR" altLang="fr-FR" sz="900" b="0" i="0" u="none" strike="noStrike" cap="none" normalizeH="0" baseline="0">
+                <a:ln>
+                  <a:noFill/>
+                </a:ln>
+                <a:solidFill>
+                  <a:srgbClr val="A9B7C6"/>
+                </a:solidFill>
+                <a:effectLst/>
+                <a:latin typeface="Courier New" panose="02070309020205020404" pitchFamily="49" charset="0"/>
+                <a:cs typeface="Courier New" panose="02070309020205020404" pitchFamily="49" charset="0"/>
+              </a:rPr>
+              <a:t>String path</a:t>
+            </a:r>
+            <a:r>
+              <a:rPr kumimoji="0" lang="fr-FR" altLang="fr-FR" sz="900" b="0" i="0" u="none" strike="noStrike" cap="none" normalizeH="0" baseline="0">
+                <a:ln>
+                  <a:noFill/>
+                </a:ln>
+                <a:solidFill>
+                  <a:srgbClr val="CC7832"/>
+                </a:solidFill>
+                <a:effectLst/>
+                <a:latin typeface="Courier New" panose="02070309020205020404" pitchFamily="49" charset="0"/>
+                <a:cs typeface="Courier New" panose="02070309020205020404" pitchFamily="49" charset="0"/>
+              </a:rPr>
+              <a:t>, </a:t>
+            </a:r>
+            <a:r>
+              <a:rPr kumimoji="0" lang="fr-FR" altLang="fr-FR" sz="900" b="0" i="0" u="none" strike="noStrike" cap="none" normalizeH="0" baseline="0">
+                <a:ln>
+                  <a:noFill/>
+                </a:ln>
+                <a:solidFill>
+                  <a:srgbClr val="A9B7C6"/>
+                </a:solidFill>
+                <a:effectLst/>
+                <a:latin typeface="Courier New" panose="02070309020205020404" pitchFamily="49" charset="0"/>
+                <a:cs typeface="Courier New" panose="02070309020205020404" pitchFamily="49" charset="0"/>
+              </a:rPr>
+              <a:t>Printer printer) {</a:t>
             </a:r>
             <a:br>
-              <a:rPr kumimoji="0" lang="fr-FR" altLang="fr-FR" sz="900" b="0" i="0" u="none" strike="noStrike" cap="none" normalizeH="0" baseline="0" smtClean="0">
+              <a:rPr kumimoji="0" lang="fr-FR" altLang="fr-FR" sz="900" b="0" i="0" u="none" strike="noStrike" cap="none" normalizeH="0" baseline="0">
+                <a:ln>
+                  <a:noFill/>
+                </a:ln>
+                <a:solidFill>
+                  <a:srgbClr val="A9B7C6"/>
+                </a:solidFill>
+                <a:effectLst/>
+                <a:latin typeface="Courier New" panose="02070309020205020404" pitchFamily="49" charset="0"/>
+                <a:cs typeface="Courier New" panose="02070309020205020404" pitchFamily="49" charset="0"/>
+              </a:rPr>
+            </a:br>
+            <a:r>
+              <a:rPr kumimoji="0" lang="fr-FR" altLang="fr-FR" sz="900" b="0" i="0" u="none" strike="noStrike" cap="none" normalizeH="0" baseline="0">
+                <a:ln>
+                  <a:noFill/>
+                </a:ln>
+                <a:solidFill>
+                  <a:srgbClr val="A9B7C6"/>
+                </a:solidFill>
+                <a:effectLst/>
+                <a:latin typeface="Courier New" panose="02070309020205020404" pitchFamily="49" charset="0"/>
+                <a:cs typeface="Courier New" panose="02070309020205020404" pitchFamily="49" charset="0"/>
+              </a:rPr>
+              <a:t>        </a:t>
+            </a:r>
+            <a:r>
+              <a:rPr kumimoji="0" lang="fr-FR" altLang="fr-FR" sz="900" b="0" i="0" u="none" strike="noStrike" cap="none" normalizeH="0" baseline="0">
                 <a:ln>
                   <a:noFill/>
                 </a:ln>
@@ -10813,9 +10849,79 @@
                 <a:latin typeface="Courier New" panose="02070309020205020404" pitchFamily="49" charset="0"/>
                 <a:cs typeface="Courier New" panose="02070309020205020404" pitchFamily="49" charset="0"/>
               </a:rPr>
+              <a:t>super</a:t>
+            </a:r>
+            <a:r>
+              <a:rPr kumimoji="0" lang="fr-FR" altLang="fr-FR" sz="900" b="0" i="0" u="none" strike="noStrike" cap="none" normalizeH="0" baseline="0">
+                <a:ln>
+                  <a:noFill/>
+                </a:ln>
+                <a:solidFill>
+                  <a:srgbClr val="A9B7C6"/>
+                </a:solidFill>
+                <a:effectLst/>
+                <a:latin typeface="Courier New" panose="02070309020205020404" pitchFamily="49" charset="0"/>
+                <a:cs typeface="Courier New" panose="02070309020205020404" pitchFamily="49" charset="0"/>
+              </a:rPr>
+              <a:t>(name</a:t>
+            </a:r>
+            <a:r>
+              <a:rPr kumimoji="0" lang="fr-FR" altLang="fr-FR" sz="900" b="0" i="0" u="none" strike="noStrike" cap="none" normalizeH="0" baseline="0">
+                <a:ln>
+                  <a:noFill/>
+                </a:ln>
+                <a:solidFill>
+                  <a:srgbClr val="CC7832"/>
+                </a:solidFill>
+                <a:effectLst/>
+                <a:latin typeface="Courier New" panose="02070309020205020404" pitchFamily="49" charset="0"/>
+                <a:cs typeface="Courier New" panose="02070309020205020404" pitchFamily="49" charset="0"/>
+              </a:rPr>
+              <a:t>, </a:t>
+            </a:r>
+            <a:r>
+              <a:rPr kumimoji="0" lang="fr-FR" altLang="fr-FR" sz="900" b="0" i="0" u="none" strike="noStrike" cap="none" normalizeH="0" baseline="0">
+                <a:ln>
+                  <a:noFill/>
+                </a:ln>
+                <a:solidFill>
+                  <a:srgbClr val="A9B7C6"/>
+                </a:solidFill>
+                <a:effectLst/>
+                <a:latin typeface="Courier New" panose="02070309020205020404" pitchFamily="49" charset="0"/>
+                <a:cs typeface="Courier New" panose="02070309020205020404" pitchFamily="49" charset="0"/>
+              </a:rPr>
+              <a:t>printer)</a:t>
+            </a:r>
+            <a:r>
+              <a:rPr kumimoji="0" lang="fr-FR" altLang="fr-FR" sz="900" b="0" i="0" u="none" strike="noStrike" cap="none" normalizeH="0" baseline="0">
+                <a:ln>
+                  <a:noFill/>
+                </a:ln>
+                <a:solidFill>
+                  <a:srgbClr val="CC7832"/>
+                </a:solidFill>
+                <a:effectLst/>
+                <a:latin typeface="Courier New" panose="02070309020205020404" pitchFamily="49" charset="0"/>
+                <a:cs typeface="Courier New" panose="02070309020205020404" pitchFamily="49" charset="0"/>
+              </a:rPr>
+              <a:t>;</a:t>
+            </a:r>
+            <a:br>
+              <a:rPr kumimoji="0" lang="fr-FR" altLang="fr-FR" sz="900" b="0" i="0" u="none" strike="noStrike" cap="none" normalizeH="0" baseline="0">
+                <a:ln>
+                  <a:noFill/>
+                </a:ln>
+                <a:solidFill>
+                  <a:srgbClr val="CC7832"/>
+                </a:solidFill>
+                <a:effectLst/>
+                <a:latin typeface="Courier New" panose="02070309020205020404" pitchFamily="49" charset="0"/>
+                <a:cs typeface="Courier New" panose="02070309020205020404" pitchFamily="49" charset="0"/>
+              </a:rPr>
             </a:br>
             <a:r>
-              <a:rPr kumimoji="0" lang="fr-FR" altLang="fr-FR" sz="900" b="0" i="0" u="none" strike="noStrike" cap="none" normalizeH="0" baseline="0" smtClean="0">
+              <a:rPr kumimoji="0" lang="fr-FR" altLang="fr-FR" sz="900" b="0" i="0" u="none" strike="noStrike" cap="none" normalizeH="0" baseline="0">
                 <a:ln>
                   <a:noFill/>
                 </a:ln>
@@ -10826,10 +10932,175 @@
                 <a:latin typeface="Courier New" panose="02070309020205020404" pitchFamily="49" charset="0"/>
                 <a:cs typeface="Courier New" panose="02070309020205020404" pitchFamily="49" charset="0"/>
               </a:rPr>
-              <a:t>    public </a:t>
-            </a:r>
-            <a:r>
-              <a:rPr kumimoji="0" lang="fr-FR" altLang="fr-FR" sz="900" b="0" i="0" u="none" strike="noStrike" cap="none" normalizeH="0" baseline="0" smtClean="0">
+              <a:t>        this</a:t>
+            </a:r>
+            <a:r>
+              <a:rPr kumimoji="0" lang="fr-FR" altLang="fr-FR" sz="900" b="0" i="0" u="none" strike="noStrike" cap="none" normalizeH="0" baseline="0">
+                <a:ln>
+                  <a:noFill/>
+                </a:ln>
+                <a:solidFill>
+                  <a:srgbClr val="A9B7C6"/>
+                </a:solidFill>
+                <a:effectLst/>
+                <a:latin typeface="Courier New" panose="02070309020205020404" pitchFamily="49" charset="0"/>
+                <a:cs typeface="Courier New" panose="02070309020205020404" pitchFamily="49" charset="0"/>
+              </a:rPr>
+              <a:t>.</a:t>
+            </a:r>
+            <a:r>
+              <a:rPr kumimoji="0" lang="fr-FR" altLang="fr-FR" sz="900" b="0" i="0" u="none" strike="noStrike" cap="none" normalizeH="0" baseline="0">
+                <a:ln>
+                  <a:noFill/>
+                </a:ln>
+                <a:solidFill>
+                  <a:srgbClr val="9876AA"/>
+                </a:solidFill>
+                <a:effectLst/>
+                <a:latin typeface="Courier New" panose="02070309020205020404" pitchFamily="49" charset="0"/>
+                <a:cs typeface="Courier New" panose="02070309020205020404" pitchFamily="49" charset="0"/>
+              </a:rPr>
+              <a:t>path </a:t>
+            </a:r>
+            <a:r>
+              <a:rPr kumimoji="0" lang="fr-FR" altLang="fr-FR" sz="900" b="0" i="0" u="none" strike="noStrike" cap="none" normalizeH="0" baseline="0">
+                <a:ln>
+                  <a:noFill/>
+                </a:ln>
+                <a:solidFill>
+                  <a:srgbClr val="A9B7C6"/>
+                </a:solidFill>
+                <a:effectLst/>
+                <a:latin typeface="Courier New" panose="02070309020205020404" pitchFamily="49" charset="0"/>
+                <a:cs typeface="Courier New" panose="02070309020205020404" pitchFamily="49" charset="0"/>
+              </a:rPr>
+              <a:t>= path</a:t>
+            </a:r>
+            <a:r>
+              <a:rPr kumimoji="0" lang="fr-FR" altLang="fr-FR" sz="900" b="0" i="0" u="none" strike="noStrike" cap="none" normalizeH="0" baseline="0">
+                <a:ln>
+                  <a:noFill/>
+                </a:ln>
+                <a:solidFill>
+                  <a:srgbClr val="CC7832"/>
+                </a:solidFill>
+                <a:effectLst/>
+                <a:latin typeface="Courier New" panose="02070309020205020404" pitchFamily="49" charset="0"/>
+                <a:cs typeface="Courier New" panose="02070309020205020404" pitchFamily="49" charset="0"/>
+              </a:rPr>
+              <a:t>;</a:t>
+            </a:r>
+            <a:br>
+              <a:rPr kumimoji="0" lang="fr-FR" altLang="fr-FR" sz="900" b="0" i="0" u="none" strike="noStrike" cap="none" normalizeH="0" baseline="0">
+                <a:ln>
+                  <a:noFill/>
+                </a:ln>
+                <a:solidFill>
+                  <a:srgbClr val="CC7832"/>
+                </a:solidFill>
+                <a:effectLst/>
+                <a:latin typeface="Courier New" panose="02070309020205020404" pitchFamily="49" charset="0"/>
+                <a:cs typeface="Courier New" panose="02070309020205020404" pitchFamily="49" charset="0"/>
+              </a:rPr>
+            </a:br>
+            <a:r>
+              <a:rPr kumimoji="0" lang="fr-FR" altLang="fr-FR" sz="900" b="0" i="0" u="none" strike="noStrike" cap="none" normalizeH="0" baseline="0">
+                <a:ln>
+                  <a:noFill/>
+                </a:ln>
+                <a:solidFill>
+                  <a:srgbClr val="CC7832"/>
+                </a:solidFill>
+                <a:effectLst/>
+                <a:latin typeface="Courier New" panose="02070309020205020404" pitchFamily="49" charset="0"/>
+                <a:cs typeface="Courier New" panose="02070309020205020404" pitchFamily="49" charset="0"/>
+              </a:rPr>
+              <a:t>    </a:t>
+            </a:r>
+            <a:r>
+              <a:rPr kumimoji="0" lang="fr-FR" altLang="fr-FR" sz="900" b="0" i="0" u="none" strike="noStrike" cap="none" normalizeH="0" baseline="0">
+                <a:ln>
+                  <a:noFill/>
+                </a:ln>
+                <a:solidFill>
+                  <a:srgbClr val="A9B7C6"/>
+                </a:solidFill>
+                <a:effectLst/>
+                <a:latin typeface="Courier New" panose="02070309020205020404" pitchFamily="49" charset="0"/>
+                <a:cs typeface="Courier New" panose="02070309020205020404" pitchFamily="49" charset="0"/>
+              </a:rPr>
+              <a:t>}</a:t>
+            </a:r>
+            <a:br>
+              <a:rPr kumimoji="0" lang="fr-FR" altLang="fr-FR" sz="900" b="0" i="0" u="none" strike="noStrike" cap="none" normalizeH="0" baseline="0">
+                <a:ln>
+                  <a:noFill/>
+                </a:ln>
+                <a:solidFill>
+                  <a:srgbClr val="A9B7C6"/>
+                </a:solidFill>
+                <a:effectLst/>
+                <a:latin typeface="Courier New" panose="02070309020205020404" pitchFamily="49" charset="0"/>
+                <a:cs typeface="Courier New" panose="02070309020205020404" pitchFamily="49" charset="0"/>
+              </a:rPr>
+            </a:br>
+            <a:br>
+              <a:rPr kumimoji="0" lang="fr-FR" altLang="fr-FR" sz="900" b="0" i="0" u="none" strike="noStrike" cap="none" normalizeH="0" baseline="0">
+                <a:ln>
+                  <a:noFill/>
+                </a:ln>
+                <a:solidFill>
+                  <a:srgbClr val="A9B7C6"/>
+                </a:solidFill>
+                <a:effectLst/>
+                <a:latin typeface="Courier New" panose="02070309020205020404" pitchFamily="49" charset="0"/>
+                <a:cs typeface="Courier New" panose="02070309020205020404" pitchFamily="49" charset="0"/>
+              </a:rPr>
+            </a:br>
+            <a:r>
+              <a:rPr kumimoji="0" lang="fr-FR" altLang="fr-FR" sz="900" b="0" i="0" u="none" strike="noStrike" cap="none" normalizeH="0" baseline="0">
+                <a:ln>
+                  <a:noFill/>
+                </a:ln>
+                <a:solidFill>
+                  <a:srgbClr val="A9B7C6"/>
+                </a:solidFill>
+                <a:effectLst/>
+                <a:latin typeface="Courier New" panose="02070309020205020404" pitchFamily="49" charset="0"/>
+                <a:cs typeface="Courier New" panose="02070309020205020404" pitchFamily="49" charset="0"/>
+              </a:rPr>
+              <a:t>    </a:t>
+            </a:r>
+            <a:r>
+              <a:rPr kumimoji="0" lang="fr-FR" altLang="fr-FR" sz="900" b="0" i="0" u="none" strike="noStrike" cap="none" normalizeH="0" baseline="0">
+                <a:ln>
+                  <a:noFill/>
+                </a:ln>
+                <a:solidFill>
+                  <a:srgbClr val="CC7832"/>
+                </a:solidFill>
+                <a:effectLst/>
+                <a:latin typeface="Courier New" panose="02070309020205020404" pitchFamily="49" charset="0"/>
+                <a:cs typeface="Courier New" panose="02070309020205020404" pitchFamily="49" charset="0"/>
+              </a:rPr>
+              <a:t>public </a:t>
+            </a:r>
+            <a:r>
+              <a:rPr kumimoji="0" lang="fr-FR" altLang="fr-FR" sz="900" b="0" i="0" u="none" strike="noStrike" cap="none" normalizeH="0" baseline="0">
+                <a:ln>
+                  <a:noFill/>
+                </a:ln>
+                <a:solidFill>
+                  <a:srgbClr val="A9B7C6"/>
+                </a:solidFill>
+                <a:effectLst/>
+                <a:latin typeface="Courier New" panose="02070309020205020404" pitchFamily="49" charset="0"/>
+                <a:cs typeface="Courier New" panose="02070309020205020404" pitchFamily="49" charset="0"/>
+              </a:rPr>
+              <a:t>String </a:t>
+            </a:r>
+            <a:r>
+              <a:rPr kumimoji="0" lang="fr-FR" altLang="fr-FR" sz="900" b="0" i="0" u="none" strike="noStrike" cap="none" normalizeH="0" baseline="0">
                 <a:ln>
                   <a:noFill/>
                 </a:ln>
@@ -10840,24 +11111,51 @@
                 <a:latin typeface="Courier New" panose="02070309020205020404" pitchFamily="49" charset="0"/>
                 <a:cs typeface="Courier New" panose="02070309020205020404" pitchFamily="49" charset="0"/>
               </a:rPr>
-              <a:t>SymLink</a:t>
-            </a:r>
-            <a:r>
-              <a:rPr kumimoji="0" lang="fr-FR" altLang="fr-FR" sz="900" b="0" i="0" u="none" strike="noStrike" cap="none" normalizeH="0" baseline="0" smtClean="0">
-                <a:ln>
-                  <a:noFill/>
-                </a:ln>
-                <a:solidFill>
-                  <a:srgbClr val="A9B7C6"/>
-                </a:solidFill>
-                <a:effectLst/>
-                <a:latin typeface="Courier New" panose="02070309020205020404" pitchFamily="49" charset="0"/>
-                <a:cs typeface="Courier New" panose="02070309020205020404" pitchFamily="49" charset="0"/>
-              </a:rPr>
-              <a:t>(String name</a:t>
-            </a:r>
-            <a:r>
-              <a:rPr kumimoji="0" lang="fr-FR" altLang="fr-FR" sz="900" b="0" i="0" u="none" strike="noStrike" cap="none" normalizeH="0" baseline="0" smtClean="0">
+              <a:t>getPath</a:t>
+            </a:r>
+            <a:r>
+              <a:rPr kumimoji="0" lang="fr-FR" altLang="fr-FR" sz="900" b="0" i="0" u="none" strike="noStrike" cap="none" normalizeH="0" baseline="0">
+                <a:ln>
+                  <a:noFill/>
+                </a:ln>
+                <a:solidFill>
+                  <a:srgbClr val="A9B7C6"/>
+                </a:solidFill>
+                <a:effectLst/>
+                <a:latin typeface="Courier New" panose="02070309020205020404" pitchFamily="49" charset="0"/>
+                <a:cs typeface="Courier New" panose="02070309020205020404" pitchFamily="49" charset="0"/>
+              </a:rPr>
+              <a:t>() {</a:t>
+            </a:r>
+            <a:br>
+              <a:rPr kumimoji="0" lang="fr-FR" altLang="fr-FR" sz="900" b="0" i="0" u="none" strike="noStrike" cap="none" normalizeH="0" baseline="0">
+                <a:ln>
+                  <a:noFill/>
+                </a:ln>
+                <a:solidFill>
+                  <a:srgbClr val="A9B7C6"/>
+                </a:solidFill>
+                <a:effectLst/>
+                <a:latin typeface="Courier New" panose="02070309020205020404" pitchFamily="49" charset="0"/>
+                <a:cs typeface="Courier New" panose="02070309020205020404" pitchFamily="49" charset="0"/>
+              </a:rPr>
+            </a:br>
+            <a:r>
+              <a:rPr kumimoji="0" lang="fr-FR" altLang="fr-FR" sz="900" b="0" i="0" u="none" strike="noStrike" cap="none" normalizeH="0" baseline="0">
+                <a:ln>
+                  <a:noFill/>
+                </a:ln>
+                <a:solidFill>
+                  <a:srgbClr val="A9B7C6"/>
+                </a:solidFill>
+                <a:effectLst/>
+                <a:latin typeface="Courier New" panose="02070309020205020404" pitchFamily="49" charset="0"/>
+                <a:cs typeface="Courier New" panose="02070309020205020404" pitchFamily="49" charset="0"/>
+              </a:rPr>
+              <a:t>        </a:t>
+            </a:r>
+            <a:r>
+              <a:rPr kumimoji="0" lang="fr-FR" altLang="fr-FR" sz="900" b="0" i="0" u="none" strike="noStrike" cap="none" normalizeH="0" baseline="0">
                 <a:ln>
                   <a:noFill/>
                 </a:ln>
@@ -10868,24 +11166,24 @@
                 <a:latin typeface="Courier New" panose="02070309020205020404" pitchFamily="49" charset="0"/>
                 <a:cs typeface="Courier New" panose="02070309020205020404" pitchFamily="49" charset="0"/>
               </a:rPr>
-              <a:t>, </a:t>
-            </a:r>
-            <a:r>
-              <a:rPr kumimoji="0" lang="fr-FR" altLang="fr-FR" sz="900" b="0" i="0" u="none" strike="noStrike" cap="none" normalizeH="0" baseline="0" smtClean="0">
-                <a:ln>
-                  <a:noFill/>
-                </a:ln>
-                <a:solidFill>
-                  <a:srgbClr val="A9B7C6"/>
-                </a:solidFill>
-                <a:effectLst/>
-                <a:latin typeface="Courier New" panose="02070309020205020404" pitchFamily="49" charset="0"/>
-                <a:cs typeface="Courier New" panose="02070309020205020404" pitchFamily="49" charset="0"/>
-              </a:rPr>
-              <a:t>String path</a:t>
-            </a:r>
-            <a:r>
-              <a:rPr kumimoji="0" lang="fr-FR" altLang="fr-FR" sz="900" b="0" i="0" u="none" strike="noStrike" cap="none" normalizeH="0" baseline="0" smtClean="0">
+              <a:t>return </a:t>
+            </a:r>
+            <a:r>
+              <a:rPr kumimoji="0" lang="fr-FR" altLang="fr-FR" sz="900" b="0" i="0" u="none" strike="noStrike" cap="none" normalizeH="0" baseline="0">
+                <a:ln>
+                  <a:noFill/>
+                </a:ln>
+                <a:solidFill>
+                  <a:srgbClr val="9876AA"/>
+                </a:solidFill>
+                <a:effectLst/>
+                <a:latin typeface="Courier New" panose="02070309020205020404" pitchFamily="49" charset="0"/>
+                <a:cs typeface="Courier New" panose="02070309020205020404" pitchFamily="49" charset="0"/>
+              </a:rPr>
+              <a:t>path</a:t>
+            </a:r>
+            <a:r>
+              <a:rPr kumimoji="0" lang="fr-FR" altLang="fr-FR" sz="900" b="0" i="0" u="none" strike="noStrike" cap="none" normalizeH="0" baseline="0">
                 <a:ln>
                   <a:noFill/>
                 </a:ln>
@@ -10896,29 +11194,15 @@
                 <a:latin typeface="Courier New" panose="02070309020205020404" pitchFamily="49" charset="0"/>
                 <a:cs typeface="Courier New" panose="02070309020205020404" pitchFamily="49" charset="0"/>
               </a:rPr>
-              <a:t>, </a:t>
-            </a:r>
-            <a:r>
-              <a:rPr kumimoji="0" lang="fr-FR" altLang="fr-FR" sz="900" b="0" i="0" u="none" strike="noStrike" cap="none" normalizeH="0" baseline="0" smtClean="0">
-                <a:ln>
-                  <a:noFill/>
-                </a:ln>
-                <a:solidFill>
-                  <a:srgbClr val="A9B7C6"/>
-                </a:solidFill>
-                <a:effectLst/>
-                <a:latin typeface="Courier New" panose="02070309020205020404" pitchFamily="49" charset="0"/>
-                <a:cs typeface="Courier New" panose="02070309020205020404" pitchFamily="49" charset="0"/>
-              </a:rPr>
-              <a:t>Printer printer) {</a:t>
+              <a:t>;</a:t>
             </a:r>
             <a:br>
-              <a:rPr kumimoji="0" lang="fr-FR" altLang="fr-FR" sz="900" b="0" i="0" u="none" strike="noStrike" cap="none" normalizeH="0" baseline="0" smtClean="0">
-                <a:ln>
-                  <a:noFill/>
-                </a:ln>
-                <a:solidFill>
-                  <a:srgbClr val="A9B7C6"/>
+              <a:rPr kumimoji="0" lang="fr-FR" altLang="fr-FR" sz="900" b="0" i="0" u="none" strike="noStrike" cap="none" normalizeH="0" baseline="0">
+                <a:ln>
+                  <a:noFill/>
+                </a:ln>
+                <a:solidFill>
+                  <a:srgbClr val="CC7832"/>
                 </a:solidFill>
                 <a:effectLst/>
                 <a:latin typeface="Courier New" panose="02070309020205020404" pitchFamily="49" charset="0"/>
@@ -10926,7 +11210,171 @@
               </a:rPr>
             </a:br>
             <a:r>
-              <a:rPr kumimoji="0" lang="fr-FR" altLang="fr-FR" sz="900" b="0" i="0" u="none" strike="noStrike" cap="none" normalizeH="0" baseline="0" smtClean="0">
+              <a:rPr kumimoji="0" lang="fr-FR" altLang="fr-FR" sz="900" b="0" i="0" u="none" strike="noStrike" cap="none" normalizeH="0" baseline="0">
+                <a:ln>
+                  <a:noFill/>
+                </a:ln>
+                <a:solidFill>
+                  <a:srgbClr val="CC7832"/>
+                </a:solidFill>
+                <a:effectLst/>
+                <a:latin typeface="Courier New" panose="02070309020205020404" pitchFamily="49" charset="0"/>
+                <a:cs typeface="Courier New" panose="02070309020205020404" pitchFamily="49" charset="0"/>
+              </a:rPr>
+              <a:t>    </a:t>
+            </a:r>
+            <a:r>
+              <a:rPr kumimoji="0" lang="fr-FR" altLang="fr-FR" sz="900" b="0" i="0" u="none" strike="noStrike" cap="none" normalizeH="0" baseline="0">
+                <a:ln>
+                  <a:noFill/>
+                </a:ln>
+                <a:solidFill>
+                  <a:srgbClr val="A9B7C6"/>
+                </a:solidFill>
+                <a:effectLst/>
+                <a:latin typeface="Courier New" panose="02070309020205020404" pitchFamily="49" charset="0"/>
+                <a:cs typeface="Courier New" panose="02070309020205020404" pitchFamily="49" charset="0"/>
+              </a:rPr>
+              <a:t>}</a:t>
+            </a:r>
+            <a:br>
+              <a:rPr kumimoji="0" lang="fr-FR" altLang="fr-FR" sz="900" b="0" i="0" u="none" strike="noStrike" cap="none" normalizeH="0" baseline="0">
+                <a:ln>
+                  <a:noFill/>
+                </a:ln>
+                <a:solidFill>
+                  <a:srgbClr val="A9B7C6"/>
+                </a:solidFill>
+                <a:effectLst/>
+                <a:latin typeface="Courier New" panose="02070309020205020404" pitchFamily="49" charset="0"/>
+                <a:cs typeface="Courier New" panose="02070309020205020404" pitchFamily="49" charset="0"/>
+              </a:rPr>
+            </a:br>
+            <a:br>
+              <a:rPr kumimoji="0" lang="fr-FR" altLang="fr-FR" sz="900" b="0" i="0" u="none" strike="noStrike" cap="none" normalizeH="0" baseline="0">
+                <a:ln>
+                  <a:noFill/>
+                </a:ln>
+                <a:solidFill>
+                  <a:srgbClr val="A9B7C6"/>
+                </a:solidFill>
+                <a:effectLst/>
+                <a:latin typeface="Courier New" panose="02070309020205020404" pitchFamily="49" charset="0"/>
+                <a:cs typeface="Courier New" panose="02070309020205020404" pitchFamily="49" charset="0"/>
+              </a:rPr>
+            </a:br>
+            <a:r>
+              <a:rPr kumimoji="0" lang="fr-FR" altLang="fr-FR" sz="900" b="0" i="0" u="none" strike="noStrike" cap="none" normalizeH="0" baseline="0">
+                <a:ln>
+                  <a:noFill/>
+                </a:ln>
+                <a:solidFill>
+                  <a:srgbClr val="A9B7C6"/>
+                </a:solidFill>
+                <a:effectLst/>
+                <a:latin typeface="Courier New" panose="02070309020205020404" pitchFamily="49" charset="0"/>
+                <a:cs typeface="Courier New" panose="02070309020205020404" pitchFamily="49" charset="0"/>
+              </a:rPr>
+              <a:t>    </a:t>
+            </a:r>
+            <a:r>
+              <a:rPr kumimoji="0" lang="fr-FR" altLang="fr-FR" sz="900" b="0" i="0" u="none" strike="noStrike" cap="none" normalizeH="0" baseline="0">
+                <a:ln>
+                  <a:noFill/>
+                </a:ln>
+                <a:solidFill>
+                  <a:srgbClr val="BBB529"/>
+                </a:solidFill>
+                <a:effectLst/>
+                <a:latin typeface="Courier New" panose="02070309020205020404" pitchFamily="49" charset="0"/>
+                <a:cs typeface="Courier New" panose="02070309020205020404" pitchFamily="49" charset="0"/>
+              </a:rPr>
+              <a:t>@Override</a:t>
+            </a:r>
+            <a:br>
+              <a:rPr kumimoji="0" lang="fr-FR" altLang="fr-FR" sz="900" b="0" i="0" u="none" strike="noStrike" cap="none" normalizeH="0" baseline="0">
+                <a:ln>
+                  <a:noFill/>
+                </a:ln>
+                <a:solidFill>
+                  <a:srgbClr val="BBB529"/>
+                </a:solidFill>
+                <a:effectLst/>
+                <a:latin typeface="Courier New" panose="02070309020205020404" pitchFamily="49" charset="0"/>
+                <a:cs typeface="Courier New" panose="02070309020205020404" pitchFamily="49" charset="0"/>
+              </a:rPr>
+            </a:br>
+            <a:r>
+              <a:rPr kumimoji="0" lang="fr-FR" altLang="fr-FR" sz="900" b="0" i="0" u="none" strike="noStrike" cap="none" normalizeH="0" baseline="0">
+                <a:ln>
+                  <a:noFill/>
+                </a:ln>
+                <a:solidFill>
+                  <a:srgbClr val="BBB529"/>
+                </a:solidFill>
+                <a:effectLst/>
+                <a:latin typeface="Courier New" panose="02070309020205020404" pitchFamily="49" charset="0"/>
+                <a:cs typeface="Courier New" panose="02070309020205020404" pitchFamily="49" charset="0"/>
+              </a:rPr>
+              <a:t>    </a:t>
+            </a:r>
+            <a:r>
+              <a:rPr kumimoji="0" lang="fr-FR" altLang="fr-FR" sz="900" b="0" i="0" u="none" strike="noStrike" cap="none" normalizeH="0" baseline="0">
+                <a:ln>
+                  <a:noFill/>
+                </a:ln>
+                <a:solidFill>
+                  <a:srgbClr val="CC7832"/>
+                </a:solidFill>
+                <a:effectLst/>
+                <a:latin typeface="Courier New" panose="02070309020205020404" pitchFamily="49" charset="0"/>
+                <a:cs typeface="Courier New" panose="02070309020205020404" pitchFamily="49" charset="0"/>
+              </a:rPr>
+              <a:t>public void </a:t>
+            </a:r>
+            <a:r>
+              <a:rPr kumimoji="0" lang="fr-FR" altLang="fr-FR" sz="900" b="0" i="0" u="none" strike="noStrike" cap="none" normalizeH="0" baseline="0">
+                <a:ln>
+                  <a:noFill/>
+                </a:ln>
+                <a:solidFill>
+                  <a:srgbClr val="FFC66D"/>
+                </a:solidFill>
+                <a:effectLst/>
+                <a:latin typeface="Courier New" panose="02070309020205020404" pitchFamily="49" charset="0"/>
+                <a:cs typeface="Courier New" panose="02070309020205020404" pitchFamily="49" charset="0"/>
+              </a:rPr>
+              <a:t>print</a:t>
+            </a:r>
+            <a:r>
+              <a:rPr kumimoji="0" lang="fr-FR" altLang="fr-FR" sz="900" b="0" i="0" u="none" strike="noStrike" cap="none" normalizeH="0" baseline="0">
+                <a:ln>
+                  <a:noFill/>
+                </a:ln>
+                <a:solidFill>
+                  <a:srgbClr val="A9B7C6"/>
+                </a:solidFill>
+                <a:effectLst/>
+                <a:latin typeface="Courier New" panose="02070309020205020404" pitchFamily="49" charset="0"/>
+                <a:cs typeface="Courier New" panose="02070309020205020404" pitchFamily="49" charset="0"/>
+              </a:rPr>
+              <a:t>() {</a:t>
+            </a:r>
+            <a:br>
+              <a:rPr kumimoji="0" lang="fr-FR" altLang="fr-FR" sz="900" b="0" i="0" u="none" strike="noStrike" cap="none" normalizeH="0" baseline="0">
+                <a:ln>
+                  <a:noFill/>
+                </a:ln>
+                <a:solidFill>
+                  <a:srgbClr val="A9B7C6"/>
+                </a:solidFill>
+                <a:effectLst/>
+                <a:latin typeface="Courier New" panose="02070309020205020404" pitchFamily="49" charset="0"/>
+                <a:cs typeface="Courier New" panose="02070309020205020404" pitchFamily="49" charset="0"/>
+              </a:rPr>
+            </a:br>
+            <a:r>
+              <a:rPr kumimoji="0" lang="fr-FR" altLang="fr-FR" sz="900" b="0" i="0" u="none" strike="noStrike" cap="none" normalizeH="0" baseline="0">
                 <a:ln>
                   <a:noFill/>
                 </a:ln>
@@ -10940,7 +11388,35 @@
               <a:t>        </a:t>
             </a:r>
             <a:r>
-              <a:rPr kumimoji="0" lang="fr-FR" altLang="fr-FR" sz="900" b="0" i="0" u="none" strike="noStrike" cap="none" normalizeH="0" baseline="0" smtClean="0">
+              <a:rPr kumimoji="0" lang="fr-FR" altLang="fr-FR" sz="900" b="0" i="0" u="none" strike="noStrike" cap="none" normalizeH="0" baseline="0">
+                <a:ln>
+                  <a:noFill/>
+                </a:ln>
+                <a:solidFill>
+                  <a:srgbClr val="9876AA"/>
+                </a:solidFill>
+                <a:effectLst/>
+                <a:latin typeface="Courier New" panose="02070309020205020404" pitchFamily="49" charset="0"/>
+                <a:cs typeface="Courier New" panose="02070309020205020404" pitchFamily="49" charset="0"/>
+              </a:rPr>
+              <a:t>printer</a:t>
+            </a:r>
+            <a:r>
+              <a:rPr kumimoji="0" lang="fr-FR" altLang="fr-FR" sz="900" b="0" i="0" u="none" strike="noStrike" cap="none" normalizeH="0" baseline="0">
+                <a:ln>
+                  <a:noFill/>
+                </a:ln>
+                <a:solidFill>
+                  <a:srgbClr val="A9B7C6"/>
+                </a:solidFill>
+                <a:effectLst/>
+                <a:latin typeface="Courier New" panose="02070309020205020404" pitchFamily="49" charset="0"/>
+                <a:cs typeface="Courier New" panose="02070309020205020404" pitchFamily="49" charset="0"/>
+              </a:rPr>
+              <a:t>.print(</a:t>
+            </a:r>
+            <a:r>
+              <a:rPr kumimoji="0" lang="fr-FR" altLang="fr-FR" sz="900" b="0" i="0" u="none" strike="noStrike" cap="none" normalizeH="0" baseline="0">
                 <a:ln>
                   <a:noFill/>
                 </a:ln>
@@ -10951,24 +11427,24 @@
                 <a:latin typeface="Courier New" panose="02070309020205020404" pitchFamily="49" charset="0"/>
                 <a:cs typeface="Courier New" panose="02070309020205020404" pitchFamily="49" charset="0"/>
               </a:rPr>
-              <a:t>super</a:t>
-            </a:r>
-            <a:r>
-              <a:rPr kumimoji="0" lang="fr-FR" altLang="fr-FR" sz="900" b="0" i="0" u="none" strike="noStrike" cap="none" normalizeH="0" baseline="0" smtClean="0">
-                <a:ln>
-                  <a:noFill/>
-                </a:ln>
-                <a:solidFill>
-                  <a:srgbClr val="A9B7C6"/>
-                </a:solidFill>
-                <a:effectLst/>
-                <a:latin typeface="Courier New" panose="02070309020205020404" pitchFamily="49" charset="0"/>
-                <a:cs typeface="Courier New" panose="02070309020205020404" pitchFamily="49" charset="0"/>
-              </a:rPr>
-              <a:t>(name</a:t>
-            </a:r>
-            <a:r>
-              <a:rPr kumimoji="0" lang="fr-FR" altLang="fr-FR" sz="900" b="0" i="0" u="none" strike="noStrike" cap="none" normalizeH="0" baseline="0" smtClean="0">
+              <a:t>this</a:t>
+            </a:r>
+            <a:r>
+              <a:rPr kumimoji="0" lang="fr-FR" altLang="fr-FR" sz="900" b="0" i="0" u="none" strike="noStrike" cap="none" normalizeH="0" baseline="0">
+                <a:ln>
+                  <a:noFill/>
+                </a:ln>
+                <a:solidFill>
+                  <a:srgbClr val="A9B7C6"/>
+                </a:solidFill>
+                <a:effectLst/>
+                <a:latin typeface="Courier New" panose="02070309020205020404" pitchFamily="49" charset="0"/>
+                <a:cs typeface="Courier New" panose="02070309020205020404" pitchFamily="49" charset="0"/>
+              </a:rPr>
+              <a:t>)</a:t>
+            </a:r>
+            <a:r>
+              <a:rPr kumimoji="0" lang="fr-FR" altLang="fr-FR" sz="900" b="0" i="0" u="none" strike="noStrike" cap="none" normalizeH="0" baseline="0">
                 <a:ln>
                   <a:noFill/>
                 </a:ln>
@@ -10979,24 +11455,10 @@
                 <a:latin typeface="Courier New" panose="02070309020205020404" pitchFamily="49" charset="0"/>
                 <a:cs typeface="Courier New" panose="02070309020205020404" pitchFamily="49" charset="0"/>
               </a:rPr>
-              <a:t>, </a:t>
-            </a:r>
-            <a:r>
-              <a:rPr kumimoji="0" lang="fr-FR" altLang="fr-FR" sz="900" b="0" i="0" u="none" strike="noStrike" cap="none" normalizeH="0" baseline="0" smtClean="0">
-                <a:ln>
-                  <a:noFill/>
-                </a:ln>
-                <a:solidFill>
-                  <a:srgbClr val="A9B7C6"/>
-                </a:solidFill>
-                <a:effectLst/>
-                <a:latin typeface="Courier New" panose="02070309020205020404" pitchFamily="49" charset="0"/>
-                <a:cs typeface="Courier New" panose="02070309020205020404" pitchFamily="49" charset="0"/>
-              </a:rPr>
-              <a:t>printer)</a:t>
-            </a:r>
-            <a:r>
-              <a:rPr kumimoji="0" lang="fr-FR" altLang="fr-FR" sz="900" b="0" i="0" u="none" strike="noStrike" cap="none" normalizeH="0" baseline="0" smtClean="0">
+              <a:t>;</a:t>
+            </a:r>
+            <a:br>
+              <a:rPr kumimoji="0" lang="fr-FR" altLang="fr-FR" sz="900" b="0" i="0" u="none" strike="noStrike" cap="none" normalizeH="0" baseline="0">
                 <a:ln>
                   <a:noFill/>
                 </a:ln>
@@ -11007,15 +11469,42 @@
                 <a:latin typeface="Courier New" panose="02070309020205020404" pitchFamily="49" charset="0"/>
                 <a:cs typeface="Courier New" panose="02070309020205020404" pitchFamily="49" charset="0"/>
               </a:rPr>
-              <a:t>;</a:t>
+            </a:br>
+            <a:r>
+              <a:rPr kumimoji="0" lang="fr-FR" altLang="fr-FR" sz="900" b="0" i="0" u="none" strike="noStrike" cap="none" normalizeH="0" baseline="0">
+                <a:ln>
+                  <a:noFill/>
+                </a:ln>
+                <a:solidFill>
+                  <a:srgbClr val="CC7832"/>
+                </a:solidFill>
+                <a:effectLst/>
+                <a:latin typeface="Courier New" panose="02070309020205020404" pitchFamily="49" charset="0"/>
+                <a:cs typeface="Courier New" panose="02070309020205020404" pitchFamily="49" charset="0"/>
+              </a:rPr>
+              <a:t>    </a:t>
+            </a:r>
+            <a:r>
+              <a:rPr kumimoji="0" lang="fr-FR" altLang="fr-FR" sz="900" b="0" i="0" u="none" strike="noStrike" cap="none" normalizeH="0" baseline="0">
+                <a:ln>
+                  <a:noFill/>
+                </a:ln>
+                <a:solidFill>
+                  <a:srgbClr val="A9B7C6"/>
+                </a:solidFill>
+                <a:effectLst/>
+                <a:latin typeface="Courier New" panose="02070309020205020404" pitchFamily="49" charset="0"/>
+                <a:cs typeface="Courier New" panose="02070309020205020404" pitchFamily="49" charset="0"/>
+              </a:rPr>
+              <a:t>}</a:t>
             </a:r>
             <a:br>
-              <a:rPr kumimoji="0" lang="fr-FR" altLang="fr-FR" sz="900" b="0" i="0" u="none" strike="noStrike" cap="none" normalizeH="0" baseline="0" smtClean="0">
-                <a:ln>
-                  <a:noFill/>
-                </a:ln>
-                <a:solidFill>
-                  <a:srgbClr val="CC7832"/>
+              <a:rPr kumimoji="0" lang="fr-FR" altLang="fr-FR" sz="900" b="0" i="0" u="none" strike="noStrike" cap="none" normalizeH="0" baseline="0">
+                <a:ln>
+                  <a:noFill/>
+                </a:ln>
+                <a:solidFill>
+                  <a:srgbClr val="A9B7C6"/>
                 </a:solidFill>
                 <a:effectLst/>
                 <a:latin typeface="Courier New" panose="02070309020205020404" pitchFamily="49" charset="0"/>
@@ -11023,104 +11512,7 @@
               </a:rPr>
             </a:br>
             <a:r>
-              <a:rPr kumimoji="0" lang="fr-FR" altLang="fr-FR" sz="900" b="0" i="0" u="none" strike="noStrike" cap="none" normalizeH="0" baseline="0" smtClean="0">
-                <a:ln>
-                  <a:noFill/>
-                </a:ln>
-                <a:solidFill>
-                  <a:srgbClr val="CC7832"/>
-                </a:solidFill>
-                <a:effectLst/>
-                <a:latin typeface="Courier New" panose="02070309020205020404" pitchFamily="49" charset="0"/>
-                <a:cs typeface="Courier New" panose="02070309020205020404" pitchFamily="49" charset="0"/>
-              </a:rPr>
-              <a:t>        this</a:t>
-            </a:r>
-            <a:r>
-              <a:rPr kumimoji="0" lang="fr-FR" altLang="fr-FR" sz="900" b="0" i="0" u="none" strike="noStrike" cap="none" normalizeH="0" baseline="0" smtClean="0">
-                <a:ln>
-                  <a:noFill/>
-                </a:ln>
-                <a:solidFill>
-                  <a:srgbClr val="A9B7C6"/>
-                </a:solidFill>
-                <a:effectLst/>
-                <a:latin typeface="Courier New" panose="02070309020205020404" pitchFamily="49" charset="0"/>
-                <a:cs typeface="Courier New" panose="02070309020205020404" pitchFamily="49" charset="0"/>
-              </a:rPr>
-              <a:t>.</a:t>
-            </a:r>
-            <a:r>
-              <a:rPr kumimoji="0" lang="fr-FR" altLang="fr-FR" sz="900" b="0" i="0" u="none" strike="noStrike" cap="none" normalizeH="0" baseline="0" smtClean="0">
-                <a:ln>
-                  <a:noFill/>
-                </a:ln>
-                <a:solidFill>
-                  <a:srgbClr val="9876AA"/>
-                </a:solidFill>
-                <a:effectLst/>
-                <a:latin typeface="Courier New" panose="02070309020205020404" pitchFamily="49" charset="0"/>
-                <a:cs typeface="Courier New" panose="02070309020205020404" pitchFamily="49" charset="0"/>
-              </a:rPr>
-              <a:t>path </a:t>
-            </a:r>
-            <a:r>
-              <a:rPr kumimoji="0" lang="fr-FR" altLang="fr-FR" sz="900" b="0" i="0" u="none" strike="noStrike" cap="none" normalizeH="0" baseline="0" smtClean="0">
-                <a:ln>
-                  <a:noFill/>
-                </a:ln>
-                <a:solidFill>
-                  <a:srgbClr val="A9B7C6"/>
-                </a:solidFill>
-                <a:effectLst/>
-                <a:latin typeface="Courier New" panose="02070309020205020404" pitchFamily="49" charset="0"/>
-                <a:cs typeface="Courier New" panose="02070309020205020404" pitchFamily="49" charset="0"/>
-              </a:rPr>
-              <a:t>= path</a:t>
-            </a:r>
-            <a:r>
-              <a:rPr kumimoji="0" lang="fr-FR" altLang="fr-FR" sz="900" b="0" i="0" u="none" strike="noStrike" cap="none" normalizeH="0" baseline="0" smtClean="0">
-                <a:ln>
-                  <a:noFill/>
-                </a:ln>
-                <a:solidFill>
-                  <a:srgbClr val="CC7832"/>
-                </a:solidFill>
-                <a:effectLst/>
-                <a:latin typeface="Courier New" panose="02070309020205020404" pitchFamily="49" charset="0"/>
-                <a:cs typeface="Courier New" panose="02070309020205020404" pitchFamily="49" charset="0"/>
-              </a:rPr>
-              <a:t>;</a:t>
-            </a:r>
-            <a:br>
-              <a:rPr kumimoji="0" lang="fr-FR" altLang="fr-FR" sz="900" b="0" i="0" u="none" strike="noStrike" cap="none" normalizeH="0" baseline="0" smtClean="0">
-                <a:ln>
-                  <a:noFill/>
-                </a:ln>
-                <a:solidFill>
-                  <a:srgbClr val="CC7832"/>
-                </a:solidFill>
-                <a:effectLst/>
-                <a:latin typeface="Courier New" panose="02070309020205020404" pitchFamily="49" charset="0"/>
-                <a:cs typeface="Courier New" panose="02070309020205020404" pitchFamily="49" charset="0"/>
-              </a:rPr>
-            </a:br>
-            <a:r>
-              <a:rPr kumimoji="0" lang="fr-FR" altLang="fr-FR" sz="900" b="0" i="0" u="none" strike="noStrike" cap="none" normalizeH="0" baseline="0" smtClean="0">
-                <a:ln>
-                  <a:noFill/>
-                </a:ln>
-                <a:solidFill>
-                  <a:srgbClr val="CC7832"/>
-                </a:solidFill>
-                <a:effectLst/>
-                <a:latin typeface="Courier New" panose="02070309020205020404" pitchFamily="49" charset="0"/>
-                <a:cs typeface="Courier New" panose="02070309020205020404" pitchFamily="49" charset="0"/>
-              </a:rPr>
-              <a:t>    </a:t>
-            </a:r>
-            <a:r>
-              <a:rPr kumimoji="0" lang="fr-FR" altLang="fr-FR" sz="900" b="0" i="0" u="none" strike="noStrike" cap="none" normalizeH="0" baseline="0" smtClean="0">
+              <a:rPr kumimoji="0" lang="fr-FR" altLang="fr-FR" sz="900" b="0" i="0" u="none" strike="noStrike" cap="none" normalizeH="0" baseline="0">
                 <a:ln>
                   <a:noFill/>
                 </a:ln>
@@ -11133,529 +11525,7 @@
               </a:rPr>
               <a:t>}</a:t>
             </a:r>
-            <a:br>
-              <a:rPr kumimoji="0" lang="fr-FR" altLang="fr-FR" sz="900" b="0" i="0" u="none" strike="noStrike" cap="none" normalizeH="0" baseline="0" smtClean="0">
-                <a:ln>
-                  <a:noFill/>
-                </a:ln>
-                <a:solidFill>
-                  <a:srgbClr val="A9B7C6"/>
-                </a:solidFill>
-                <a:effectLst/>
-                <a:latin typeface="Courier New" panose="02070309020205020404" pitchFamily="49" charset="0"/>
-                <a:cs typeface="Courier New" panose="02070309020205020404" pitchFamily="49" charset="0"/>
-              </a:rPr>
-            </a:br>
-            <a:r>
-              <a:rPr kumimoji="0" lang="fr-FR" altLang="fr-FR" sz="900" b="0" i="0" u="none" strike="noStrike" cap="none" normalizeH="0" baseline="0" smtClean="0">
-                <a:ln>
-                  <a:noFill/>
-                </a:ln>
-                <a:solidFill>
-                  <a:srgbClr val="A9B7C6"/>
-                </a:solidFill>
-                <a:effectLst/>
-                <a:latin typeface="Courier New" panose="02070309020205020404" pitchFamily="49" charset="0"/>
-                <a:cs typeface="Courier New" panose="02070309020205020404" pitchFamily="49" charset="0"/>
-              </a:rPr>
-              <a:t/>
-            </a:r>
-            <a:br>
-              <a:rPr kumimoji="0" lang="fr-FR" altLang="fr-FR" sz="900" b="0" i="0" u="none" strike="noStrike" cap="none" normalizeH="0" baseline="0" smtClean="0">
-                <a:ln>
-                  <a:noFill/>
-                </a:ln>
-                <a:solidFill>
-                  <a:srgbClr val="A9B7C6"/>
-                </a:solidFill>
-                <a:effectLst/>
-                <a:latin typeface="Courier New" panose="02070309020205020404" pitchFamily="49" charset="0"/>
-                <a:cs typeface="Courier New" panose="02070309020205020404" pitchFamily="49" charset="0"/>
-              </a:rPr>
-            </a:br>
-            <a:r>
-              <a:rPr kumimoji="0" lang="fr-FR" altLang="fr-FR" sz="900" b="0" i="0" u="none" strike="noStrike" cap="none" normalizeH="0" baseline="0" smtClean="0">
-                <a:ln>
-                  <a:noFill/>
-                </a:ln>
-                <a:solidFill>
-                  <a:srgbClr val="A9B7C6"/>
-                </a:solidFill>
-                <a:effectLst/>
-                <a:latin typeface="Courier New" panose="02070309020205020404" pitchFamily="49" charset="0"/>
-                <a:cs typeface="Courier New" panose="02070309020205020404" pitchFamily="49" charset="0"/>
-              </a:rPr>
-              <a:t>    </a:t>
-            </a:r>
-            <a:r>
-              <a:rPr kumimoji="0" lang="fr-FR" altLang="fr-FR" sz="900" b="0" i="0" u="none" strike="noStrike" cap="none" normalizeH="0" baseline="0" smtClean="0">
-                <a:ln>
-                  <a:noFill/>
-                </a:ln>
-                <a:solidFill>
-                  <a:srgbClr val="CC7832"/>
-                </a:solidFill>
-                <a:effectLst/>
-                <a:latin typeface="Courier New" panose="02070309020205020404" pitchFamily="49" charset="0"/>
-                <a:cs typeface="Courier New" panose="02070309020205020404" pitchFamily="49" charset="0"/>
-              </a:rPr>
-              <a:t>public </a:t>
-            </a:r>
-            <a:r>
-              <a:rPr kumimoji="0" lang="fr-FR" altLang="fr-FR" sz="900" b="0" i="0" u="none" strike="noStrike" cap="none" normalizeH="0" baseline="0" smtClean="0">
-                <a:ln>
-                  <a:noFill/>
-                </a:ln>
-                <a:solidFill>
-                  <a:srgbClr val="A9B7C6"/>
-                </a:solidFill>
-                <a:effectLst/>
-                <a:latin typeface="Courier New" panose="02070309020205020404" pitchFamily="49" charset="0"/>
-                <a:cs typeface="Courier New" panose="02070309020205020404" pitchFamily="49" charset="0"/>
-              </a:rPr>
-              <a:t>String </a:t>
-            </a:r>
-            <a:r>
-              <a:rPr kumimoji="0" lang="fr-FR" altLang="fr-FR" sz="900" b="0" i="0" u="none" strike="noStrike" cap="none" normalizeH="0" baseline="0" smtClean="0">
-                <a:ln>
-                  <a:noFill/>
-                </a:ln>
-                <a:solidFill>
-                  <a:srgbClr val="FFC66D"/>
-                </a:solidFill>
-                <a:effectLst/>
-                <a:latin typeface="Courier New" panose="02070309020205020404" pitchFamily="49" charset="0"/>
-                <a:cs typeface="Courier New" panose="02070309020205020404" pitchFamily="49" charset="0"/>
-              </a:rPr>
-              <a:t>getPath</a:t>
-            </a:r>
-            <a:r>
-              <a:rPr kumimoji="0" lang="fr-FR" altLang="fr-FR" sz="900" b="0" i="0" u="none" strike="noStrike" cap="none" normalizeH="0" baseline="0" smtClean="0">
-                <a:ln>
-                  <a:noFill/>
-                </a:ln>
-                <a:solidFill>
-                  <a:srgbClr val="A9B7C6"/>
-                </a:solidFill>
-                <a:effectLst/>
-                <a:latin typeface="Courier New" panose="02070309020205020404" pitchFamily="49" charset="0"/>
-                <a:cs typeface="Courier New" panose="02070309020205020404" pitchFamily="49" charset="0"/>
-              </a:rPr>
-              <a:t>() {</a:t>
-            </a:r>
-            <a:br>
-              <a:rPr kumimoji="0" lang="fr-FR" altLang="fr-FR" sz="900" b="0" i="0" u="none" strike="noStrike" cap="none" normalizeH="0" baseline="0" smtClean="0">
-                <a:ln>
-                  <a:noFill/>
-                </a:ln>
-                <a:solidFill>
-                  <a:srgbClr val="A9B7C6"/>
-                </a:solidFill>
-                <a:effectLst/>
-                <a:latin typeface="Courier New" panose="02070309020205020404" pitchFamily="49" charset="0"/>
-                <a:cs typeface="Courier New" panose="02070309020205020404" pitchFamily="49" charset="0"/>
-              </a:rPr>
-            </a:br>
-            <a:r>
-              <a:rPr kumimoji="0" lang="fr-FR" altLang="fr-FR" sz="900" b="0" i="0" u="none" strike="noStrike" cap="none" normalizeH="0" baseline="0" smtClean="0">
-                <a:ln>
-                  <a:noFill/>
-                </a:ln>
-                <a:solidFill>
-                  <a:srgbClr val="A9B7C6"/>
-                </a:solidFill>
-                <a:effectLst/>
-                <a:latin typeface="Courier New" panose="02070309020205020404" pitchFamily="49" charset="0"/>
-                <a:cs typeface="Courier New" panose="02070309020205020404" pitchFamily="49" charset="0"/>
-              </a:rPr>
-              <a:t>        </a:t>
-            </a:r>
-            <a:r>
-              <a:rPr kumimoji="0" lang="fr-FR" altLang="fr-FR" sz="900" b="0" i="0" u="none" strike="noStrike" cap="none" normalizeH="0" baseline="0" smtClean="0">
-                <a:ln>
-                  <a:noFill/>
-                </a:ln>
-                <a:solidFill>
-                  <a:srgbClr val="CC7832"/>
-                </a:solidFill>
-                <a:effectLst/>
-                <a:latin typeface="Courier New" panose="02070309020205020404" pitchFamily="49" charset="0"/>
-                <a:cs typeface="Courier New" panose="02070309020205020404" pitchFamily="49" charset="0"/>
-              </a:rPr>
-              <a:t>return </a:t>
-            </a:r>
-            <a:r>
-              <a:rPr kumimoji="0" lang="fr-FR" altLang="fr-FR" sz="900" b="0" i="0" u="none" strike="noStrike" cap="none" normalizeH="0" baseline="0" smtClean="0">
-                <a:ln>
-                  <a:noFill/>
-                </a:ln>
-                <a:solidFill>
-                  <a:srgbClr val="9876AA"/>
-                </a:solidFill>
-                <a:effectLst/>
-                <a:latin typeface="Courier New" panose="02070309020205020404" pitchFamily="49" charset="0"/>
-                <a:cs typeface="Courier New" panose="02070309020205020404" pitchFamily="49" charset="0"/>
-              </a:rPr>
-              <a:t>path</a:t>
-            </a:r>
-            <a:r>
-              <a:rPr kumimoji="0" lang="fr-FR" altLang="fr-FR" sz="900" b="0" i="0" u="none" strike="noStrike" cap="none" normalizeH="0" baseline="0" smtClean="0">
-                <a:ln>
-                  <a:noFill/>
-                </a:ln>
-                <a:solidFill>
-                  <a:srgbClr val="CC7832"/>
-                </a:solidFill>
-                <a:effectLst/>
-                <a:latin typeface="Courier New" panose="02070309020205020404" pitchFamily="49" charset="0"/>
-                <a:cs typeface="Courier New" panose="02070309020205020404" pitchFamily="49" charset="0"/>
-              </a:rPr>
-              <a:t>;</a:t>
-            </a:r>
-            <a:br>
-              <a:rPr kumimoji="0" lang="fr-FR" altLang="fr-FR" sz="900" b="0" i="0" u="none" strike="noStrike" cap="none" normalizeH="0" baseline="0" smtClean="0">
-                <a:ln>
-                  <a:noFill/>
-                </a:ln>
-                <a:solidFill>
-                  <a:srgbClr val="CC7832"/>
-                </a:solidFill>
-                <a:effectLst/>
-                <a:latin typeface="Courier New" panose="02070309020205020404" pitchFamily="49" charset="0"/>
-                <a:cs typeface="Courier New" panose="02070309020205020404" pitchFamily="49" charset="0"/>
-              </a:rPr>
-            </a:br>
-            <a:r>
-              <a:rPr kumimoji="0" lang="fr-FR" altLang="fr-FR" sz="900" b="0" i="0" u="none" strike="noStrike" cap="none" normalizeH="0" baseline="0" smtClean="0">
-                <a:ln>
-                  <a:noFill/>
-                </a:ln>
-                <a:solidFill>
-                  <a:srgbClr val="CC7832"/>
-                </a:solidFill>
-                <a:effectLst/>
-                <a:latin typeface="Courier New" panose="02070309020205020404" pitchFamily="49" charset="0"/>
-                <a:cs typeface="Courier New" panose="02070309020205020404" pitchFamily="49" charset="0"/>
-              </a:rPr>
-              <a:t>    </a:t>
-            </a:r>
-            <a:r>
-              <a:rPr kumimoji="0" lang="fr-FR" altLang="fr-FR" sz="900" b="0" i="0" u="none" strike="noStrike" cap="none" normalizeH="0" baseline="0" smtClean="0">
-                <a:ln>
-                  <a:noFill/>
-                </a:ln>
-                <a:solidFill>
-                  <a:srgbClr val="A9B7C6"/>
-                </a:solidFill>
-                <a:effectLst/>
-                <a:latin typeface="Courier New" panose="02070309020205020404" pitchFamily="49" charset="0"/>
-                <a:cs typeface="Courier New" panose="02070309020205020404" pitchFamily="49" charset="0"/>
-              </a:rPr>
-              <a:t>}</a:t>
-            </a:r>
-            <a:br>
-              <a:rPr kumimoji="0" lang="fr-FR" altLang="fr-FR" sz="900" b="0" i="0" u="none" strike="noStrike" cap="none" normalizeH="0" baseline="0" smtClean="0">
-                <a:ln>
-                  <a:noFill/>
-                </a:ln>
-                <a:solidFill>
-                  <a:srgbClr val="A9B7C6"/>
-                </a:solidFill>
-                <a:effectLst/>
-                <a:latin typeface="Courier New" panose="02070309020205020404" pitchFamily="49" charset="0"/>
-                <a:cs typeface="Courier New" panose="02070309020205020404" pitchFamily="49" charset="0"/>
-              </a:rPr>
-            </a:br>
-            <a:r>
-              <a:rPr kumimoji="0" lang="fr-FR" altLang="fr-FR" sz="900" b="0" i="0" u="none" strike="noStrike" cap="none" normalizeH="0" baseline="0" smtClean="0">
-                <a:ln>
-                  <a:noFill/>
-                </a:ln>
-                <a:solidFill>
-                  <a:srgbClr val="A9B7C6"/>
-                </a:solidFill>
-                <a:effectLst/>
-                <a:latin typeface="Courier New" panose="02070309020205020404" pitchFamily="49" charset="0"/>
-                <a:cs typeface="Courier New" panose="02070309020205020404" pitchFamily="49" charset="0"/>
-              </a:rPr>
-              <a:t/>
-            </a:r>
-            <a:br>
-              <a:rPr kumimoji="0" lang="fr-FR" altLang="fr-FR" sz="900" b="0" i="0" u="none" strike="noStrike" cap="none" normalizeH="0" baseline="0" smtClean="0">
-                <a:ln>
-                  <a:noFill/>
-                </a:ln>
-                <a:solidFill>
-                  <a:srgbClr val="A9B7C6"/>
-                </a:solidFill>
-                <a:effectLst/>
-                <a:latin typeface="Courier New" panose="02070309020205020404" pitchFamily="49" charset="0"/>
-                <a:cs typeface="Courier New" panose="02070309020205020404" pitchFamily="49" charset="0"/>
-              </a:rPr>
-            </a:br>
-            <a:r>
-              <a:rPr kumimoji="0" lang="fr-FR" altLang="fr-FR" sz="900" b="0" i="0" u="none" strike="noStrike" cap="none" normalizeH="0" baseline="0" smtClean="0">
-                <a:ln>
-                  <a:noFill/>
-                </a:ln>
-                <a:solidFill>
-                  <a:srgbClr val="A9B7C6"/>
-                </a:solidFill>
-                <a:effectLst/>
-                <a:latin typeface="Courier New" panose="02070309020205020404" pitchFamily="49" charset="0"/>
-                <a:cs typeface="Courier New" panose="02070309020205020404" pitchFamily="49" charset="0"/>
-              </a:rPr>
-              <a:t>    </a:t>
-            </a:r>
-            <a:r>
-              <a:rPr kumimoji="0" lang="fr-FR" altLang="fr-FR" sz="900" b="0" i="0" u="none" strike="noStrike" cap="none" normalizeH="0" baseline="0" smtClean="0">
-                <a:ln>
-                  <a:noFill/>
-                </a:ln>
-                <a:solidFill>
-                  <a:srgbClr val="BBB529"/>
-                </a:solidFill>
-                <a:effectLst/>
-                <a:latin typeface="Courier New" panose="02070309020205020404" pitchFamily="49" charset="0"/>
-                <a:cs typeface="Courier New" panose="02070309020205020404" pitchFamily="49" charset="0"/>
-              </a:rPr>
-              <a:t>@Override</a:t>
-            </a:r>
-            <a:br>
-              <a:rPr kumimoji="0" lang="fr-FR" altLang="fr-FR" sz="900" b="0" i="0" u="none" strike="noStrike" cap="none" normalizeH="0" baseline="0" smtClean="0">
-                <a:ln>
-                  <a:noFill/>
-                </a:ln>
-                <a:solidFill>
-                  <a:srgbClr val="BBB529"/>
-                </a:solidFill>
-                <a:effectLst/>
-                <a:latin typeface="Courier New" panose="02070309020205020404" pitchFamily="49" charset="0"/>
-                <a:cs typeface="Courier New" panose="02070309020205020404" pitchFamily="49" charset="0"/>
-              </a:rPr>
-            </a:br>
-            <a:r>
-              <a:rPr kumimoji="0" lang="fr-FR" altLang="fr-FR" sz="900" b="0" i="0" u="none" strike="noStrike" cap="none" normalizeH="0" baseline="0" smtClean="0">
-                <a:ln>
-                  <a:noFill/>
-                </a:ln>
-                <a:solidFill>
-                  <a:srgbClr val="BBB529"/>
-                </a:solidFill>
-                <a:effectLst/>
-                <a:latin typeface="Courier New" panose="02070309020205020404" pitchFamily="49" charset="0"/>
-                <a:cs typeface="Courier New" panose="02070309020205020404" pitchFamily="49" charset="0"/>
-              </a:rPr>
-              <a:t>    </a:t>
-            </a:r>
-            <a:r>
-              <a:rPr kumimoji="0" lang="fr-FR" altLang="fr-FR" sz="900" b="0" i="0" u="none" strike="noStrike" cap="none" normalizeH="0" baseline="0" smtClean="0">
-                <a:ln>
-                  <a:noFill/>
-                </a:ln>
-                <a:solidFill>
-                  <a:srgbClr val="CC7832"/>
-                </a:solidFill>
-                <a:effectLst/>
-                <a:latin typeface="Courier New" panose="02070309020205020404" pitchFamily="49" charset="0"/>
-                <a:cs typeface="Courier New" panose="02070309020205020404" pitchFamily="49" charset="0"/>
-              </a:rPr>
-              <a:t>public void </a:t>
-            </a:r>
-            <a:r>
-              <a:rPr kumimoji="0" lang="fr-FR" altLang="fr-FR" sz="900" b="0" i="0" u="none" strike="noStrike" cap="none" normalizeH="0" baseline="0" smtClean="0">
-                <a:ln>
-                  <a:noFill/>
-                </a:ln>
-                <a:solidFill>
-                  <a:srgbClr val="FFC66D"/>
-                </a:solidFill>
-                <a:effectLst/>
-                <a:latin typeface="Courier New" panose="02070309020205020404" pitchFamily="49" charset="0"/>
-                <a:cs typeface="Courier New" panose="02070309020205020404" pitchFamily="49" charset="0"/>
-              </a:rPr>
-              <a:t>print</a:t>
-            </a:r>
-            <a:r>
-              <a:rPr kumimoji="0" lang="fr-FR" altLang="fr-FR" sz="900" b="0" i="0" u="none" strike="noStrike" cap="none" normalizeH="0" baseline="0" smtClean="0">
-                <a:ln>
-                  <a:noFill/>
-                </a:ln>
-                <a:solidFill>
-                  <a:srgbClr val="A9B7C6"/>
-                </a:solidFill>
-                <a:effectLst/>
-                <a:latin typeface="Courier New" panose="02070309020205020404" pitchFamily="49" charset="0"/>
-                <a:cs typeface="Courier New" panose="02070309020205020404" pitchFamily="49" charset="0"/>
-              </a:rPr>
-              <a:t>() {</a:t>
-            </a:r>
-            <a:br>
-              <a:rPr kumimoji="0" lang="fr-FR" altLang="fr-FR" sz="900" b="0" i="0" u="none" strike="noStrike" cap="none" normalizeH="0" baseline="0" smtClean="0">
-                <a:ln>
-                  <a:noFill/>
-                </a:ln>
-                <a:solidFill>
-                  <a:srgbClr val="A9B7C6"/>
-                </a:solidFill>
-                <a:effectLst/>
-                <a:latin typeface="Courier New" panose="02070309020205020404" pitchFamily="49" charset="0"/>
-                <a:cs typeface="Courier New" panose="02070309020205020404" pitchFamily="49" charset="0"/>
-              </a:rPr>
-            </a:br>
-            <a:r>
-              <a:rPr kumimoji="0" lang="fr-FR" altLang="fr-FR" sz="900" b="0" i="0" u="none" strike="noStrike" cap="none" normalizeH="0" baseline="0" smtClean="0">
-                <a:ln>
-                  <a:noFill/>
-                </a:ln>
-                <a:solidFill>
-                  <a:srgbClr val="A9B7C6"/>
-                </a:solidFill>
-                <a:effectLst/>
-                <a:latin typeface="Courier New" panose="02070309020205020404" pitchFamily="49" charset="0"/>
-                <a:cs typeface="Courier New" panose="02070309020205020404" pitchFamily="49" charset="0"/>
-              </a:rPr>
-              <a:t>        </a:t>
-            </a:r>
-            <a:r>
-              <a:rPr kumimoji="0" lang="fr-FR" altLang="fr-FR" sz="900" b="0" i="0" u="none" strike="noStrike" cap="none" normalizeH="0" baseline="0" smtClean="0">
-                <a:ln>
-                  <a:noFill/>
-                </a:ln>
-                <a:solidFill>
-                  <a:srgbClr val="9876AA"/>
-                </a:solidFill>
-                <a:effectLst/>
-                <a:latin typeface="Courier New" panose="02070309020205020404" pitchFamily="49" charset="0"/>
-                <a:cs typeface="Courier New" panose="02070309020205020404" pitchFamily="49" charset="0"/>
-              </a:rPr>
-              <a:t>printer</a:t>
-            </a:r>
-            <a:r>
-              <a:rPr kumimoji="0" lang="fr-FR" altLang="fr-FR" sz="900" b="0" i="0" u="none" strike="noStrike" cap="none" normalizeH="0" baseline="0" smtClean="0">
-                <a:ln>
-                  <a:noFill/>
-                </a:ln>
-                <a:solidFill>
-                  <a:srgbClr val="A9B7C6"/>
-                </a:solidFill>
-                <a:effectLst/>
-                <a:latin typeface="Courier New" panose="02070309020205020404" pitchFamily="49" charset="0"/>
-                <a:cs typeface="Courier New" panose="02070309020205020404" pitchFamily="49" charset="0"/>
-              </a:rPr>
-              <a:t>.print(</a:t>
-            </a:r>
-            <a:r>
-              <a:rPr kumimoji="0" lang="fr-FR" altLang="fr-FR" sz="900" b="0" i="0" u="none" strike="noStrike" cap="none" normalizeH="0" baseline="0" smtClean="0">
-                <a:ln>
-                  <a:noFill/>
-                </a:ln>
-                <a:solidFill>
-                  <a:srgbClr val="CC7832"/>
-                </a:solidFill>
-                <a:effectLst/>
-                <a:latin typeface="Courier New" panose="02070309020205020404" pitchFamily="49" charset="0"/>
-                <a:cs typeface="Courier New" panose="02070309020205020404" pitchFamily="49" charset="0"/>
-              </a:rPr>
-              <a:t>this</a:t>
-            </a:r>
-            <a:r>
-              <a:rPr kumimoji="0" lang="fr-FR" altLang="fr-FR" sz="900" b="0" i="0" u="none" strike="noStrike" cap="none" normalizeH="0" baseline="0" smtClean="0">
-                <a:ln>
-                  <a:noFill/>
-                </a:ln>
-                <a:solidFill>
-                  <a:srgbClr val="A9B7C6"/>
-                </a:solidFill>
-                <a:effectLst/>
-                <a:latin typeface="Courier New" panose="02070309020205020404" pitchFamily="49" charset="0"/>
-                <a:cs typeface="Courier New" panose="02070309020205020404" pitchFamily="49" charset="0"/>
-              </a:rPr>
-              <a:t>)</a:t>
-            </a:r>
-            <a:r>
-              <a:rPr kumimoji="0" lang="fr-FR" altLang="fr-FR" sz="900" b="0" i="0" u="none" strike="noStrike" cap="none" normalizeH="0" baseline="0" smtClean="0">
-                <a:ln>
-                  <a:noFill/>
-                </a:ln>
-                <a:solidFill>
-                  <a:srgbClr val="CC7832"/>
-                </a:solidFill>
-                <a:effectLst/>
-                <a:latin typeface="Courier New" panose="02070309020205020404" pitchFamily="49" charset="0"/>
-                <a:cs typeface="Courier New" panose="02070309020205020404" pitchFamily="49" charset="0"/>
-              </a:rPr>
-              <a:t>;</a:t>
-            </a:r>
-            <a:br>
-              <a:rPr kumimoji="0" lang="fr-FR" altLang="fr-FR" sz="900" b="0" i="0" u="none" strike="noStrike" cap="none" normalizeH="0" baseline="0" smtClean="0">
-                <a:ln>
-                  <a:noFill/>
-                </a:ln>
-                <a:solidFill>
-                  <a:srgbClr val="CC7832"/>
-                </a:solidFill>
-                <a:effectLst/>
-                <a:latin typeface="Courier New" panose="02070309020205020404" pitchFamily="49" charset="0"/>
-                <a:cs typeface="Courier New" panose="02070309020205020404" pitchFamily="49" charset="0"/>
-              </a:rPr>
-            </a:br>
-            <a:r>
-              <a:rPr kumimoji="0" lang="fr-FR" altLang="fr-FR" sz="900" b="0" i="0" u="none" strike="noStrike" cap="none" normalizeH="0" baseline="0" smtClean="0">
-                <a:ln>
-                  <a:noFill/>
-                </a:ln>
-                <a:solidFill>
-                  <a:srgbClr val="CC7832"/>
-                </a:solidFill>
-                <a:effectLst/>
-                <a:latin typeface="Courier New" panose="02070309020205020404" pitchFamily="49" charset="0"/>
-                <a:cs typeface="Courier New" panose="02070309020205020404" pitchFamily="49" charset="0"/>
-              </a:rPr>
-              <a:t>    </a:t>
-            </a:r>
-            <a:r>
-              <a:rPr kumimoji="0" lang="fr-FR" altLang="fr-FR" sz="900" b="0" i="0" u="none" strike="noStrike" cap="none" normalizeH="0" baseline="0" smtClean="0">
-                <a:ln>
-                  <a:noFill/>
-                </a:ln>
-                <a:solidFill>
-                  <a:srgbClr val="A9B7C6"/>
-                </a:solidFill>
-                <a:effectLst/>
-                <a:latin typeface="Courier New" panose="02070309020205020404" pitchFamily="49" charset="0"/>
-                <a:cs typeface="Courier New" panose="02070309020205020404" pitchFamily="49" charset="0"/>
-              </a:rPr>
-              <a:t>}</a:t>
-            </a:r>
-            <a:br>
-              <a:rPr kumimoji="0" lang="fr-FR" altLang="fr-FR" sz="900" b="0" i="0" u="none" strike="noStrike" cap="none" normalizeH="0" baseline="0" smtClean="0">
-                <a:ln>
-                  <a:noFill/>
-                </a:ln>
-                <a:solidFill>
-                  <a:srgbClr val="A9B7C6"/>
-                </a:solidFill>
-                <a:effectLst/>
-                <a:latin typeface="Courier New" panose="02070309020205020404" pitchFamily="49" charset="0"/>
-                <a:cs typeface="Courier New" panose="02070309020205020404" pitchFamily="49" charset="0"/>
-              </a:rPr>
-            </a:br>
-            <a:r>
-              <a:rPr kumimoji="0" lang="fr-FR" altLang="fr-FR" sz="900" b="0" i="0" u="none" strike="noStrike" cap="none" normalizeH="0" baseline="0" smtClean="0">
-                <a:ln>
-                  <a:noFill/>
-                </a:ln>
-                <a:solidFill>
-                  <a:srgbClr val="A9B7C6"/>
-                </a:solidFill>
-                <a:effectLst/>
-                <a:latin typeface="Courier New" panose="02070309020205020404" pitchFamily="49" charset="0"/>
-                <a:cs typeface="Courier New" panose="02070309020205020404" pitchFamily="49" charset="0"/>
-              </a:rPr>
-              <a:t>}</a:t>
-            </a:r>
-            <a:endParaRPr kumimoji="0" lang="fr-FR" altLang="fr-FR" sz="1800" b="0" i="0" u="none" strike="noStrike" cap="none" normalizeH="0" baseline="0" smtClean="0">
+            <a:endParaRPr kumimoji="0" lang="fr-FR" altLang="fr-FR" sz="1800" b="0" i="0" u="none" strike="noStrike" cap="none" normalizeH="0" baseline="0">
               <a:ln>
                 <a:noFill/>
               </a:ln>
@@ -11739,7 +11609,7 @@
               <a:tabLst/>
             </a:pPr>
             <a:r>
-              <a:rPr kumimoji="0" lang="fr-FR" altLang="fr-FR" sz="900" b="0" i="0" u="none" strike="noStrike" cap="none" normalizeH="0" baseline="0" smtClean="0">
+              <a:rPr kumimoji="0" lang="fr-FR" altLang="fr-FR" sz="900" b="0" i="0" u="none" strike="noStrike" cap="none" normalizeH="0" baseline="0">
                 <a:ln>
                   <a:noFill/>
                 </a:ln>
@@ -11753,7 +11623,7 @@
               <a:t>public class </a:t>
             </a:r>
             <a:r>
-              <a:rPr kumimoji="0" lang="fr-FR" altLang="fr-FR" sz="900" b="0" i="0" u="none" strike="noStrike" cap="none" normalizeH="0" baseline="0" smtClean="0">
+              <a:rPr kumimoji="0" lang="fr-FR" altLang="fr-FR" sz="900" b="0" i="0" u="none" strike="noStrike" cap="none" normalizeH="0" baseline="0">
                 <a:ln>
                   <a:noFill/>
                 </a:ln>
@@ -11767,7 +11637,7 @@
               <a:t>MainPrinter2 {</a:t>
             </a:r>
             <a:br>
-              <a:rPr kumimoji="0" lang="fr-FR" altLang="fr-FR" sz="900" b="0" i="0" u="none" strike="noStrike" cap="none" normalizeH="0" baseline="0" smtClean="0">
+              <a:rPr kumimoji="0" lang="fr-FR" altLang="fr-FR" sz="900" b="0" i="0" u="none" strike="noStrike" cap="none" normalizeH="0" baseline="0">
                 <a:ln>
                   <a:noFill/>
                 </a:ln>
@@ -11780,7 +11650,7 @@
               </a:rPr>
             </a:br>
             <a:r>
-              <a:rPr kumimoji="0" lang="fr-FR" altLang="fr-FR" sz="900" b="0" i="0" u="none" strike="noStrike" cap="none" normalizeH="0" baseline="0" smtClean="0">
+              <a:rPr kumimoji="0" lang="fr-FR" altLang="fr-FR" sz="900" b="0" i="0" u="none" strike="noStrike" cap="none" normalizeH="0" baseline="0">
                 <a:ln>
                   <a:noFill/>
                 </a:ln>
@@ -11794,7 +11664,7 @@
               <a:t>    </a:t>
             </a:r>
             <a:r>
-              <a:rPr kumimoji="0" lang="fr-FR" altLang="fr-FR" sz="900" b="0" i="0" u="none" strike="noStrike" cap="none" normalizeH="0" baseline="0" smtClean="0">
+              <a:rPr kumimoji="0" lang="fr-FR" altLang="fr-FR" sz="900" b="0" i="0" u="none" strike="noStrike" cap="none" normalizeH="0" baseline="0">
                 <a:ln>
                   <a:noFill/>
                 </a:ln>
@@ -11808,7 +11678,7 @@
               <a:t>public static void </a:t>
             </a:r>
             <a:r>
-              <a:rPr kumimoji="0" lang="fr-FR" altLang="fr-FR" sz="900" b="0" i="0" u="none" strike="noStrike" cap="none" normalizeH="0" baseline="0" smtClean="0">
+              <a:rPr kumimoji="0" lang="fr-FR" altLang="fr-FR" sz="900" b="0" i="0" u="none" strike="noStrike" cap="none" normalizeH="0" baseline="0">
                 <a:ln>
                   <a:noFill/>
                 </a:ln>
@@ -11822,7 +11692,7 @@
               <a:t>main</a:t>
             </a:r>
             <a:r>
-              <a:rPr kumimoji="0" lang="fr-FR" altLang="fr-FR" sz="900" b="0" i="0" u="none" strike="noStrike" cap="none" normalizeH="0" baseline="0" smtClean="0">
+              <a:rPr kumimoji="0" lang="fr-FR" altLang="fr-FR" sz="900" b="0" i="0" u="none" strike="noStrike" cap="none" normalizeH="0" baseline="0">
                 <a:ln>
                   <a:noFill/>
                 </a:ln>
@@ -11836,7 +11706,7 @@
               <a:t>(String[] args) {</a:t>
             </a:r>
             <a:br>
-              <a:rPr kumimoji="0" lang="fr-FR" altLang="fr-FR" sz="900" b="0" i="0" u="none" strike="noStrike" cap="none" normalizeH="0" baseline="0" smtClean="0">
+              <a:rPr kumimoji="0" lang="fr-FR" altLang="fr-FR" sz="900" b="0" i="0" u="none" strike="noStrike" cap="none" normalizeH="0" baseline="0">
                 <a:ln>
                   <a:noFill/>
                 </a:ln>
@@ -11849,7 +11719,7 @@
               </a:rPr>
             </a:br>
             <a:r>
-              <a:rPr kumimoji="0" lang="fr-FR" altLang="fr-FR" sz="900" b="0" i="0" u="none" strike="noStrike" cap="none" normalizeH="0" baseline="0" smtClean="0">
+              <a:rPr kumimoji="0" lang="fr-FR" altLang="fr-FR" sz="900" b="0" i="0" u="none" strike="noStrike" cap="none" normalizeH="0" baseline="0">
                 <a:ln>
                   <a:noFill/>
                 </a:ln>
@@ -11863,7 +11733,7 @@
               <a:t>        Printer printer = </a:t>
             </a:r>
             <a:r>
-              <a:rPr kumimoji="0" lang="fr-FR" altLang="fr-FR" sz="900" b="0" i="0" u="none" strike="noStrike" cap="none" normalizeH="0" baseline="0" smtClean="0">
+              <a:rPr kumimoji="0" lang="fr-FR" altLang="fr-FR" sz="900" b="0" i="0" u="none" strike="noStrike" cap="none" normalizeH="0" baseline="0">
                 <a:ln>
                   <a:noFill/>
                 </a:ln>
@@ -11877,7 +11747,7 @@
               <a:t>new </a:t>
             </a:r>
             <a:r>
-              <a:rPr kumimoji="0" lang="fr-FR" altLang="fr-FR" sz="900" b="0" i="0" u="none" strike="noStrike" cap="none" normalizeH="0" baseline="0" smtClean="0">
+              <a:rPr kumimoji="0" lang="fr-FR" altLang="fr-FR" sz="900" b="0" i="0" u="none" strike="noStrike" cap="none" normalizeH="0" baseline="0">
                 <a:ln>
                   <a:noFill/>
                 </a:ln>
@@ -11891,7 +11761,7 @@
               <a:t>Printer()</a:t>
             </a:r>
             <a:r>
-              <a:rPr kumimoji="0" lang="fr-FR" altLang="fr-FR" sz="900" b="0" i="0" u="none" strike="noStrike" cap="none" normalizeH="0" baseline="0" smtClean="0">
+              <a:rPr kumimoji="0" lang="fr-FR" altLang="fr-FR" sz="900" b="0" i="0" u="none" strike="noStrike" cap="none" normalizeH="0" baseline="0">
                 <a:ln>
                   <a:noFill/>
                 </a:ln>
@@ -11905,7 +11775,7 @@
               <a:t>;</a:t>
             </a:r>
             <a:br>
-              <a:rPr kumimoji="0" lang="fr-FR" altLang="fr-FR" sz="900" b="0" i="0" u="none" strike="noStrike" cap="none" normalizeH="0" baseline="0" smtClean="0">
+              <a:rPr kumimoji="0" lang="fr-FR" altLang="fr-FR" sz="900" b="0" i="0" u="none" strike="noStrike" cap="none" normalizeH="0" baseline="0">
                 <a:ln>
                   <a:noFill/>
                 </a:ln>
@@ -11917,8 +11787,8 @@
                 <a:cs typeface="Courier New" panose="02070309020205020404" pitchFamily="49" charset="0"/>
               </a:rPr>
             </a:br>
-            <a:r>
-              <a:rPr kumimoji="0" lang="fr-FR" altLang="fr-FR" sz="900" b="0" i="0" u="none" strike="noStrike" cap="none" normalizeH="0" baseline="0" smtClean="0">
+            <a:br>
+              <a:rPr kumimoji="0" lang="fr-FR" altLang="fr-FR" sz="900" b="0" i="0" u="none" strike="noStrike" cap="none" normalizeH="0" baseline="0">
                 <a:ln>
                   <a:noFill/>
                 </a:ln>
@@ -11929,10 +11799,121 @@
                 <a:latin typeface="Courier New" panose="02070309020205020404" pitchFamily="49" charset="0"/>
                 <a:cs typeface="Courier New" panose="02070309020205020404" pitchFamily="49" charset="0"/>
               </a:rPr>
-              <a:t/>
+            </a:br>
+            <a:r>
+              <a:rPr kumimoji="0" lang="fr-FR" altLang="fr-FR" sz="900" b="0" i="0" u="none" strike="noStrike" cap="none" normalizeH="0" baseline="0">
+                <a:ln>
+                  <a:noFill/>
+                </a:ln>
+                <a:solidFill>
+                  <a:srgbClr val="CC7832"/>
+                </a:solidFill>
+                <a:effectLst/>
+                <a:latin typeface="Courier New" panose="02070309020205020404" pitchFamily="49" charset="0"/>
+                <a:cs typeface="Courier New" panose="02070309020205020404" pitchFamily="49" charset="0"/>
+              </a:rPr>
+              <a:t>        </a:t>
+            </a:r>
+            <a:r>
+              <a:rPr kumimoji="0" lang="fr-FR" altLang="fr-FR" sz="900" b="0" i="0" u="none" strike="noStrike" cap="none" normalizeH="0" baseline="0">
+                <a:ln>
+                  <a:noFill/>
+                </a:ln>
+                <a:solidFill>
+                  <a:srgbClr val="A9B7C6"/>
+                </a:solidFill>
+                <a:effectLst/>
+                <a:latin typeface="Courier New" panose="02070309020205020404" pitchFamily="49" charset="0"/>
+                <a:cs typeface="Courier New" panose="02070309020205020404" pitchFamily="49" charset="0"/>
+              </a:rPr>
+              <a:t>File file = </a:t>
+            </a:r>
+            <a:r>
+              <a:rPr kumimoji="0" lang="fr-FR" altLang="fr-FR" sz="900" b="0" i="0" u="none" strike="noStrike" cap="none" normalizeH="0" baseline="0">
+                <a:ln>
+                  <a:noFill/>
+                </a:ln>
+                <a:solidFill>
+                  <a:srgbClr val="CC7832"/>
+                </a:solidFill>
+                <a:effectLst/>
+                <a:latin typeface="Courier New" panose="02070309020205020404" pitchFamily="49" charset="0"/>
+                <a:cs typeface="Courier New" panose="02070309020205020404" pitchFamily="49" charset="0"/>
+              </a:rPr>
+              <a:t>new </a:t>
+            </a:r>
+            <a:r>
+              <a:rPr kumimoji="0" lang="fr-FR" altLang="fr-FR" sz="900" b="0" i="0" u="none" strike="noStrike" cap="none" normalizeH="0" baseline="0">
+                <a:ln>
+                  <a:noFill/>
+                </a:ln>
+                <a:solidFill>
+                  <a:srgbClr val="A9B7C6"/>
+                </a:solidFill>
+                <a:effectLst/>
+                <a:latin typeface="Courier New" panose="02070309020205020404" pitchFamily="49" charset="0"/>
+                <a:cs typeface="Courier New" panose="02070309020205020404" pitchFamily="49" charset="0"/>
+              </a:rPr>
+              <a:t>File(</a:t>
+            </a:r>
+            <a:r>
+              <a:rPr kumimoji="0" lang="fr-FR" altLang="fr-FR" sz="900" b="0" i="0" u="none" strike="noStrike" cap="none" normalizeH="0" baseline="0">
+                <a:ln>
+                  <a:noFill/>
+                </a:ln>
+                <a:solidFill>
+                  <a:srgbClr val="6A8759"/>
+                </a:solidFill>
+                <a:effectLst/>
+                <a:latin typeface="Courier New" panose="02070309020205020404" pitchFamily="49" charset="0"/>
+                <a:cs typeface="Courier New" panose="02070309020205020404" pitchFamily="49" charset="0"/>
+              </a:rPr>
+              <a:t>"F1"</a:t>
+            </a:r>
+            <a:r>
+              <a:rPr kumimoji="0" lang="fr-FR" altLang="fr-FR" sz="900" b="0" i="0" u="none" strike="noStrike" cap="none" normalizeH="0" baseline="0">
+                <a:ln>
+                  <a:noFill/>
+                </a:ln>
+                <a:solidFill>
+                  <a:srgbClr val="CC7832"/>
+                </a:solidFill>
+                <a:effectLst/>
+                <a:latin typeface="Courier New" panose="02070309020205020404" pitchFamily="49" charset="0"/>
+                <a:cs typeface="Courier New" panose="02070309020205020404" pitchFamily="49" charset="0"/>
+              </a:rPr>
+              <a:t>, </a:t>
+            </a:r>
+            <a:r>
+              <a:rPr kumimoji="0" lang="fr-FR" altLang="fr-FR" sz="900" b="0" i="0" u="none" strike="noStrike" cap="none" normalizeH="0" baseline="0">
+                <a:ln>
+                  <a:noFill/>
+                </a:ln>
+                <a:solidFill>
+                  <a:srgbClr val="A9B7C6"/>
+                </a:solidFill>
+                <a:effectLst/>
+                <a:latin typeface="Courier New" panose="02070309020205020404" pitchFamily="49" charset="0"/>
+                <a:cs typeface="Courier New" panose="02070309020205020404" pitchFamily="49" charset="0"/>
+              </a:rPr>
+              <a:t>printer)</a:t>
+            </a:r>
+            <a:r>
+              <a:rPr kumimoji="0" lang="fr-FR" altLang="fr-FR" sz="900" b="0" i="0" u="none" strike="noStrike" cap="none" normalizeH="0" baseline="0">
+                <a:ln>
+                  <a:noFill/>
+                </a:ln>
+                <a:solidFill>
+                  <a:srgbClr val="CC7832"/>
+                </a:solidFill>
+                <a:effectLst/>
+                <a:latin typeface="Courier New" panose="02070309020205020404" pitchFamily="49" charset="0"/>
+                <a:cs typeface="Courier New" panose="02070309020205020404" pitchFamily="49" charset="0"/>
+              </a:rPr>
+              <a:t>;</a:t>
             </a:r>
             <a:br>
-              <a:rPr kumimoji="0" lang="fr-FR" altLang="fr-FR" sz="900" b="0" i="0" u="none" strike="noStrike" cap="none" normalizeH="0" baseline="0" smtClean="0">
+              <a:rPr kumimoji="0" lang="fr-FR" altLang="fr-FR" sz="900" b="0" i="0" u="none" strike="noStrike" cap="none" normalizeH="0" baseline="0">
                 <a:ln>
                   <a:noFill/>
                 </a:ln>
@@ -11945,7 +11926,7 @@
               </a:rPr>
             </a:br>
             <a:r>
-              <a:rPr kumimoji="0" lang="fr-FR" altLang="fr-FR" sz="900" b="0" i="0" u="none" strike="noStrike" cap="none" normalizeH="0" baseline="0" smtClean="0">
+              <a:rPr kumimoji="0" lang="fr-FR" altLang="fr-FR" sz="900" b="0" i="0" u="none" strike="noStrike" cap="none" normalizeH="0" baseline="0">
                 <a:ln>
                   <a:noFill/>
                 </a:ln>
@@ -11959,21 +11940,21 @@
               <a:t>        </a:t>
             </a:r>
             <a:r>
-              <a:rPr kumimoji="0" lang="fr-FR" altLang="fr-FR" sz="900" b="0" i="0" u="none" strike="noStrike" cap="none" normalizeH="0" baseline="0" smtClean="0">
-                <a:ln>
-                  <a:noFill/>
-                </a:ln>
-                <a:solidFill>
-                  <a:srgbClr val="A9B7C6"/>
-                </a:solidFill>
-                <a:effectLst/>
-                <a:latin typeface="Courier New" panose="02070309020205020404" pitchFamily="49" charset="0"/>
-                <a:cs typeface="Courier New" panose="02070309020205020404" pitchFamily="49" charset="0"/>
-              </a:rPr>
-              <a:t>File file = </a:t>
-            </a:r>
-            <a:r>
-              <a:rPr kumimoji="0" lang="fr-FR" altLang="fr-FR" sz="900" b="0" i="0" u="none" strike="noStrike" cap="none" normalizeH="0" baseline="0" smtClean="0">
+              <a:rPr kumimoji="0" lang="fr-FR" altLang="fr-FR" sz="900" b="0" i="0" u="none" strike="noStrike" cap="none" normalizeH="0" baseline="0">
+                <a:ln>
+                  <a:noFill/>
+                </a:ln>
+                <a:solidFill>
+                  <a:srgbClr val="A9B7C6"/>
+                </a:solidFill>
+                <a:effectLst/>
+                <a:latin typeface="Courier New" panose="02070309020205020404" pitchFamily="49" charset="0"/>
+                <a:cs typeface="Courier New" panose="02070309020205020404" pitchFamily="49" charset="0"/>
+              </a:rPr>
+              <a:t>File symLink = </a:t>
+            </a:r>
+            <a:r>
+              <a:rPr kumimoji="0" lang="fr-FR" altLang="fr-FR" sz="900" b="0" i="0" u="none" strike="noStrike" cap="none" normalizeH="0" baseline="0">
                 <a:ln>
                   <a:noFill/>
                 </a:ln>
@@ -11987,21 +11968,21 @@
               <a:t>new </a:t>
             </a:r>
             <a:r>
-              <a:rPr kumimoji="0" lang="fr-FR" altLang="fr-FR" sz="900" b="0" i="0" u="none" strike="noStrike" cap="none" normalizeH="0" baseline="0" smtClean="0">
-                <a:ln>
-                  <a:noFill/>
-                </a:ln>
-                <a:solidFill>
-                  <a:srgbClr val="A9B7C6"/>
-                </a:solidFill>
-                <a:effectLst/>
-                <a:latin typeface="Courier New" panose="02070309020205020404" pitchFamily="49" charset="0"/>
-                <a:cs typeface="Courier New" panose="02070309020205020404" pitchFamily="49" charset="0"/>
-              </a:rPr>
-              <a:t>File(</a:t>
-            </a:r>
-            <a:r>
-              <a:rPr kumimoji="0" lang="fr-FR" altLang="fr-FR" sz="900" b="0" i="0" u="none" strike="noStrike" cap="none" normalizeH="0" baseline="0" smtClean="0">
+              <a:rPr kumimoji="0" lang="fr-FR" altLang="fr-FR" sz="900" b="0" i="0" u="none" strike="noStrike" cap="none" normalizeH="0" baseline="0">
+                <a:ln>
+                  <a:noFill/>
+                </a:ln>
+                <a:solidFill>
+                  <a:srgbClr val="A9B7C6"/>
+                </a:solidFill>
+                <a:effectLst/>
+                <a:latin typeface="Courier New" panose="02070309020205020404" pitchFamily="49" charset="0"/>
+                <a:cs typeface="Courier New" panose="02070309020205020404" pitchFamily="49" charset="0"/>
+              </a:rPr>
+              <a:t>SymLink(</a:t>
+            </a:r>
+            <a:r>
+              <a:rPr kumimoji="0" lang="fr-FR" altLang="fr-FR" sz="900" b="0" i="0" u="none" strike="noStrike" cap="none" normalizeH="0" baseline="0">
                 <a:ln>
                   <a:noFill/>
                 </a:ln>
@@ -12012,10 +11993,10 @@
                 <a:latin typeface="Courier New" panose="02070309020205020404" pitchFamily="49" charset="0"/>
                 <a:cs typeface="Courier New" panose="02070309020205020404" pitchFamily="49" charset="0"/>
               </a:rPr>
-              <a:t>"F1"</a:t>
-            </a:r>
-            <a:r>
-              <a:rPr kumimoji="0" lang="fr-FR" altLang="fr-FR" sz="900" b="0" i="0" u="none" strike="noStrike" cap="none" normalizeH="0" baseline="0" smtClean="0">
+              <a:t>"S1"</a:t>
+            </a:r>
+            <a:r>
+              <a:rPr kumimoji="0" lang="fr-FR" altLang="fr-FR" sz="900" b="0" i="0" u="none" strike="noStrike" cap="none" normalizeH="0" baseline="0">
                 <a:ln>
                   <a:noFill/>
                 </a:ln>
@@ -12029,7 +12010,35 @@
               <a:t>, </a:t>
             </a:r>
             <a:r>
-              <a:rPr kumimoji="0" lang="fr-FR" altLang="fr-FR" sz="900" b="0" i="0" u="none" strike="noStrike" cap="none" normalizeH="0" baseline="0" smtClean="0">
+              <a:rPr kumimoji="0" lang="fr-FR" altLang="fr-FR" sz="900" b="0" i="0" u="none" strike="noStrike" cap="none" normalizeH="0" baseline="0">
+                <a:ln>
+                  <a:noFill/>
+                </a:ln>
+                <a:solidFill>
+                  <a:srgbClr val="6A8759"/>
+                </a:solidFill>
+                <a:effectLst/>
+                <a:latin typeface="Courier New" panose="02070309020205020404" pitchFamily="49" charset="0"/>
+                <a:cs typeface="Courier New" panose="02070309020205020404" pitchFamily="49" charset="0"/>
+              </a:rPr>
+              <a:t>"/home/F1"</a:t>
+            </a:r>
+            <a:r>
+              <a:rPr kumimoji="0" lang="fr-FR" altLang="fr-FR" sz="900" b="0" i="0" u="none" strike="noStrike" cap="none" normalizeH="0" baseline="0">
+                <a:ln>
+                  <a:noFill/>
+                </a:ln>
+                <a:solidFill>
+                  <a:srgbClr val="CC7832"/>
+                </a:solidFill>
+                <a:effectLst/>
+                <a:latin typeface="Courier New" panose="02070309020205020404" pitchFamily="49" charset="0"/>
+                <a:cs typeface="Courier New" panose="02070309020205020404" pitchFamily="49" charset="0"/>
+              </a:rPr>
+              <a:t>, </a:t>
+            </a:r>
+            <a:r>
+              <a:rPr kumimoji="0" lang="fr-FR" altLang="fr-FR" sz="900" b="0" i="0" u="none" strike="noStrike" cap="none" normalizeH="0" baseline="0">
                 <a:ln>
                   <a:noFill/>
                 </a:ln>
@@ -12043,7 +12052,7 @@
               <a:t>printer)</a:t>
             </a:r>
             <a:r>
-              <a:rPr kumimoji="0" lang="fr-FR" altLang="fr-FR" sz="900" b="0" i="0" u="none" strike="noStrike" cap="none" normalizeH="0" baseline="0" smtClean="0">
+              <a:rPr kumimoji="0" lang="fr-FR" altLang="fr-FR" sz="900" b="0" i="0" u="none" strike="noStrike" cap="none" normalizeH="0" baseline="0">
                 <a:ln>
                   <a:noFill/>
                 </a:ln>
@@ -12057,7 +12066,7 @@
               <a:t>;</a:t>
             </a:r>
             <a:br>
-              <a:rPr kumimoji="0" lang="fr-FR" altLang="fr-FR" sz="900" b="0" i="0" u="none" strike="noStrike" cap="none" normalizeH="0" baseline="0" smtClean="0">
+              <a:rPr kumimoji="0" lang="fr-FR" altLang="fr-FR" sz="900" b="0" i="0" u="none" strike="noStrike" cap="none" normalizeH="0" baseline="0">
                 <a:ln>
                   <a:noFill/>
                 </a:ln>
@@ -12070,7 +12079,7 @@
               </a:rPr>
             </a:br>
             <a:r>
-              <a:rPr kumimoji="0" lang="fr-FR" altLang="fr-FR" sz="900" b="0" i="0" u="none" strike="noStrike" cap="none" normalizeH="0" baseline="0" smtClean="0">
+              <a:rPr kumimoji="0" lang="fr-FR" altLang="fr-FR" sz="900" b="0" i="0" u="none" strike="noStrike" cap="none" normalizeH="0" baseline="0">
                 <a:ln>
                   <a:noFill/>
                 </a:ln>
@@ -12084,21 +12093,21 @@
               <a:t>        </a:t>
             </a:r>
             <a:r>
-              <a:rPr kumimoji="0" lang="fr-FR" altLang="fr-FR" sz="900" b="0" i="0" u="none" strike="noStrike" cap="none" normalizeH="0" baseline="0" smtClean="0">
-                <a:ln>
-                  <a:noFill/>
-                </a:ln>
-                <a:solidFill>
-                  <a:srgbClr val="A9B7C6"/>
-                </a:solidFill>
-                <a:effectLst/>
-                <a:latin typeface="Courier New" panose="02070309020205020404" pitchFamily="49" charset="0"/>
-                <a:cs typeface="Courier New" panose="02070309020205020404" pitchFamily="49" charset="0"/>
-              </a:rPr>
-              <a:t>File symLink = </a:t>
-            </a:r>
-            <a:r>
-              <a:rPr kumimoji="0" lang="fr-FR" altLang="fr-FR" sz="900" b="0" i="0" u="none" strike="noStrike" cap="none" normalizeH="0" baseline="0" smtClean="0">
+              <a:rPr kumimoji="0" lang="fr-FR" altLang="fr-FR" sz="900" b="0" i="0" u="none" strike="noStrike" cap="none" normalizeH="0" baseline="0">
+                <a:ln>
+                  <a:noFill/>
+                </a:ln>
+                <a:solidFill>
+                  <a:srgbClr val="A9B7C6"/>
+                </a:solidFill>
+                <a:effectLst/>
+                <a:latin typeface="Courier New" panose="02070309020205020404" pitchFamily="49" charset="0"/>
+                <a:cs typeface="Courier New" panose="02070309020205020404" pitchFamily="49" charset="0"/>
+              </a:rPr>
+              <a:t>File hardLink = </a:t>
+            </a:r>
+            <a:r>
+              <a:rPr kumimoji="0" lang="fr-FR" altLang="fr-FR" sz="900" b="0" i="0" u="none" strike="noStrike" cap="none" normalizeH="0" baseline="0">
                 <a:ln>
                   <a:noFill/>
                 </a:ln>
@@ -12112,21 +12121,21 @@
               <a:t>new </a:t>
             </a:r>
             <a:r>
-              <a:rPr kumimoji="0" lang="fr-FR" altLang="fr-FR" sz="900" b="0" i="0" u="none" strike="noStrike" cap="none" normalizeH="0" baseline="0" smtClean="0">
-                <a:ln>
-                  <a:noFill/>
-                </a:ln>
-                <a:solidFill>
-                  <a:srgbClr val="A9B7C6"/>
-                </a:solidFill>
-                <a:effectLst/>
-                <a:latin typeface="Courier New" panose="02070309020205020404" pitchFamily="49" charset="0"/>
-                <a:cs typeface="Courier New" panose="02070309020205020404" pitchFamily="49" charset="0"/>
-              </a:rPr>
-              <a:t>SymLink(</a:t>
-            </a:r>
-            <a:r>
-              <a:rPr kumimoji="0" lang="fr-FR" altLang="fr-FR" sz="900" b="0" i="0" u="none" strike="noStrike" cap="none" normalizeH="0" baseline="0" smtClean="0">
+              <a:rPr kumimoji="0" lang="fr-FR" altLang="fr-FR" sz="900" b="0" i="0" u="none" strike="noStrike" cap="none" normalizeH="0" baseline="0">
+                <a:ln>
+                  <a:noFill/>
+                </a:ln>
+                <a:solidFill>
+                  <a:srgbClr val="A9B7C6"/>
+                </a:solidFill>
+                <a:effectLst/>
+                <a:latin typeface="Courier New" panose="02070309020205020404" pitchFamily="49" charset="0"/>
+                <a:cs typeface="Courier New" panose="02070309020205020404" pitchFamily="49" charset="0"/>
+              </a:rPr>
+              <a:t>HardLink(</a:t>
+            </a:r>
+            <a:r>
+              <a:rPr kumimoji="0" lang="fr-FR" altLang="fr-FR" sz="900" b="0" i="0" u="none" strike="noStrike" cap="none" normalizeH="0" baseline="0">
                 <a:ln>
                   <a:noFill/>
                 </a:ln>
@@ -12137,10 +12146,10 @@
                 <a:latin typeface="Courier New" panose="02070309020205020404" pitchFamily="49" charset="0"/>
                 <a:cs typeface="Courier New" panose="02070309020205020404" pitchFamily="49" charset="0"/>
               </a:rPr>
-              <a:t>"S1"</a:t>
-            </a:r>
-            <a:r>
-              <a:rPr kumimoji="0" lang="fr-FR" altLang="fr-FR" sz="900" b="0" i="0" u="none" strike="noStrike" cap="none" normalizeH="0" baseline="0" smtClean="0">
+              <a:t>"H1"</a:t>
+            </a:r>
+            <a:r>
+              <a:rPr kumimoji="0" lang="fr-FR" altLang="fr-FR" sz="900" b="0" i="0" u="none" strike="noStrike" cap="none" normalizeH="0" baseline="0">
                 <a:ln>
                   <a:noFill/>
                 </a:ln>
@@ -12154,7 +12163,7 @@
               <a:t>, </a:t>
             </a:r>
             <a:r>
-              <a:rPr kumimoji="0" lang="fr-FR" altLang="fr-FR" sz="900" b="0" i="0" u="none" strike="noStrike" cap="none" normalizeH="0" baseline="0" smtClean="0">
+              <a:rPr kumimoji="0" lang="fr-FR" altLang="fr-FR" sz="900" b="0" i="0" u="none" strike="noStrike" cap="none" normalizeH="0" baseline="0">
                 <a:ln>
                   <a:noFill/>
                 </a:ln>
@@ -12165,10 +12174,10 @@
                 <a:latin typeface="Courier New" panose="02070309020205020404" pitchFamily="49" charset="0"/>
                 <a:cs typeface="Courier New" panose="02070309020205020404" pitchFamily="49" charset="0"/>
               </a:rPr>
-              <a:t>"/home/F1"</a:t>
-            </a:r>
-            <a:r>
-              <a:rPr kumimoji="0" lang="fr-FR" altLang="fr-FR" sz="900" b="0" i="0" u="none" strike="noStrike" cap="none" normalizeH="0" baseline="0" smtClean="0">
+              <a:t>"/home/S1"</a:t>
+            </a:r>
+            <a:r>
+              <a:rPr kumimoji="0" lang="fr-FR" altLang="fr-FR" sz="900" b="0" i="0" u="none" strike="noStrike" cap="none" normalizeH="0" baseline="0">
                 <a:ln>
                   <a:noFill/>
                 </a:ln>
@@ -12182,7 +12191,35 @@
               <a:t>, </a:t>
             </a:r>
             <a:r>
-              <a:rPr kumimoji="0" lang="fr-FR" altLang="fr-FR" sz="900" b="0" i="0" u="none" strike="noStrike" cap="none" normalizeH="0" baseline="0" smtClean="0">
+              <a:rPr kumimoji="0" lang="fr-FR" altLang="fr-FR" sz="900" b="0" i="0" u="none" strike="noStrike" cap="none" normalizeH="0" baseline="0">
+                <a:ln>
+                  <a:noFill/>
+                </a:ln>
+                <a:solidFill>
+                  <a:srgbClr val="6897BB"/>
+                </a:solidFill>
+                <a:effectLst/>
+                <a:latin typeface="Courier New" panose="02070309020205020404" pitchFamily="49" charset="0"/>
+                <a:cs typeface="Courier New" panose="02070309020205020404" pitchFamily="49" charset="0"/>
+              </a:rPr>
+              <a:t>1</a:t>
+            </a:r>
+            <a:r>
+              <a:rPr kumimoji="0" lang="fr-FR" altLang="fr-FR" sz="900" b="0" i="0" u="none" strike="noStrike" cap="none" normalizeH="0" baseline="0">
+                <a:ln>
+                  <a:noFill/>
+                </a:ln>
+                <a:solidFill>
+                  <a:srgbClr val="CC7832"/>
+                </a:solidFill>
+                <a:effectLst/>
+                <a:latin typeface="Courier New" panose="02070309020205020404" pitchFamily="49" charset="0"/>
+                <a:cs typeface="Courier New" panose="02070309020205020404" pitchFamily="49" charset="0"/>
+              </a:rPr>
+              <a:t>, </a:t>
+            </a:r>
+            <a:r>
+              <a:rPr kumimoji="0" lang="fr-FR" altLang="fr-FR" sz="900" b="0" i="0" u="none" strike="noStrike" cap="none" normalizeH="0" baseline="0">
                 <a:ln>
                   <a:noFill/>
                 </a:ln>
@@ -12196,7 +12233,7 @@
               <a:t>printer)</a:t>
             </a:r>
             <a:r>
-              <a:rPr kumimoji="0" lang="fr-FR" altLang="fr-FR" sz="900" b="0" i="0" u="none" strike="noStrike" cap="none" normalizeH="0" baseline="0" smtClean="0">
+              <a:rPr kumimoji="0" lang="fr-FR" altLang="fr-FR" sz="900" b="0" i="0" u="none" strike="noStrike" cap="none" normalizeH="0" baseline="0">
                 <a:ln>
                   <a:noFill/>
                 </a:ln>
@@ -12210,7 +12247,7 @@
               <a:t>;</a:t>
             </a:r>
             <a:br>
-              <a:rPr kumimoji="0" lang="fr-FR" altLang="fr-FR" sz="900" b="0" i="0" u="none" strike="noStrike" cap="none" normalizeH="0" baseline="0" smtClean="0">
+              <a:rPr kumimoji="0" lang="fr-FR" altLang="fr-FR" sz="900" b="0" i="0" u="none" strike="noStrike" cap="none" normalizeH="0" baseline="0">
                 <a:ln>
                   <a:noFill/>
                 </a:ln>
@@ -12222,8 +12259,8 @@
                 <a:cs typeface="Courier New" panose="02070309020205020404" pitchFamily="49" charset="0"/>
               </a:rPr>
             </a:br>
-            <a:r>
-              <a:rPr kumimoji="0" lang="fr-FR" altLang="fr-FR" sz="900" b="0" i="0" u="none" strike="noStrike" cap="none" normalizeH="0" baseline="0" smtClean="0">
+            <a:br>
+              <a:rPr kumimoji="0" lang="fr-FR" altLang="fr-FR" sz="900" b="0" i="0" u="none" strike="noStrike" cap="none" normalizeH="0" baseline="0">
                 <a:ln>
                   <a:noFill/>
                 </a:ln>
@@ -12234,24 +12271,9 @@
                 <a:latin typeface="Courier New" panose="02070309020205020404" pitchFamily="49" charset="0"/>
                 <a:cs typeface="Courier New" panose="02070309020205020404" pitchFamily="49" charset="0"/>
               </a:rPr>
-              <a:t>        </a:t>
-            </a:r>
-            <a:r>
-              <a:rPr kumimoji="0" lang="fr-FR" altLang="fr-FR" sz="900" b="0" i="0" u="none" strike="noStrike" cap="none" normalizeH="0" baseline="0" smtClean="0">
-                <a:ln>
-                  <a:noFill/>
-                </a:ln>
-                <a:solidFill>
-                  <a:srgbClr val="A9B7C6"/>
-                </a:solidFill>
-                <a:effectLst/>
-                <a:latin typeface="Courier New" panose="02070309020205020404" pitchFamily="49" charset="0"/>
-                <a:cs typeface="Courier New" panose="02070309020205020404" pitchFamily="49" charset="0"/>
-              </a:rPr>
-              <a:t>File hardLink = </a:t>
-            </a:r>
-            <a:r>
-              <a:rPr kumimoji="0" lang="fr-FR" altLang="fr-FR" sz="900" b="0" i="0" u="none" strike="noStrike" cap="none" normalizeH="0" baseline="0" smtClean="0">
+            </a:br>
+            <a:br>
+              <a:rPr kumimoji="0" lang="fr-FR" altLang="fr-FR" sz="900" b="0" i="0" u="none" strike="noStrike" cap="none" normalizeH="0" baseline="0">
                 <a:ln>
                   <a:noFill/>
                 </a:ln>
@@ -12262,38 +12284,9 @@
                 <a:latin typeface="Courier New" panose="02070309020205020404" pitchFamily="49" charset="0"/>
                 <a:cs typeface="Courier New" panose="02070309020205020404" pitchFamily="49" charset="0"/>
               </a:rPr>
-              <a:t>new </a:t>
-            </a:r>
-            <a:r>
-              <a:rPr kumimoji="0" lang="fr-FR" altLang="fr-FR" sz="900" b="0" i="0" u="none" strike="noStrike" cap="none" normalizeH="0" baseline="0" smtClean="0">
-                <a:ln>
-                  <a:noFill/>
-                </a:ln>
-                <a:solidFill>
-                  <a:srgbClr val="A9B7C6"/>
-                </a:solidFill>
-                <a:effectLst/>
-                <a:latin typeface="Courier New" panose="02070309020205020404" pitchFamily="49" charset="0"/>
-                <a:cs typeface="Courier New" panose="02070309020205020404" pitchFamily="49" charset="0"/>
-              </a:rPr>
-              <a:t>HardLink(</a:t>
-            </a:r>
-            <a:r>
-              <a:rPr kumimoji="0" lang="fr-FR" altLang="fr-FR" sz="900" b="0" i="0" u="none" strike="noStrike" cap="none" normalizeH="0" baseline="0" smtClean="0">
-                <a:ln>
-                  <a:noFill/>
-                </a:ln>
-                <a:solidFill>
-                  <a:srgbClr val="6A8759"/>
-                </a:solidFill>
-                <a:effectLst/>
-                <a:latin typeface="Courier New" panose="02070309020205020404" pitchFamily="49" charset="0"/>
-                <a:cs typeface="Courier New" panose="02070309020205020404" pitchFamily="49" charset="0"/>
-              </a:rPr>
-              <a:t>"H1"</a:t>
-            </a:r>
-            <a:r>
-              <a:rPr kumimoji="0" lang="fr-FR" altLang="fr-FR" sz="900" b="0" i="0" u="none" strike="noStrike" cap="none" normalizeH="0" baseline="0" smtClean="0">
+            </a:br>
+            <a:r>
+              <a:rPr kumimoji="0" lang="fr-FR" altLang="fr-FR" sz="900" b="0" i="0" u="none" strike="noStrike" cap="none" normalizeH="0" baseline="0">
                 <a:ln>
                   <a:noFill/>
                 </a:ln>
@@ -12304,24 +12297,24 @@
                 <a:latin typeface="Courier New" panose="02070309020205020404" pitchFamily="49" charset="0"/>
                 <a:cs typeface="Courier New" panose="02070309020205020404" pitchFamily="49" charset="0"/>
               </a:rPr>
-              <a:t>, </a:t>
-            </a:r>
-            <a:r>
-              <a:rPr kumimoji="0" lang="fr-FR" altLang="fr-FR" sz="900" b="0" i="0" u="none" strike="noStrike" cap="none" normalizeH="0" baseline="0" smtClean="0">
-                <a:ln>
-                  <a:noFill/>
-                </a:ln>
-                <a:solidFill>
-                  <a:srgbClr val="6A8759"/>
-                </a:solidFill>
-                <a:effectLst/>
-                <a:latin typeface="Courier New" panose="02070309020205020404" pitchFamily="49" charset="0"/>
-                <a:cs typeface="Courier New" panose="02070309020205020404" pitchFamily="49" charset="0"/>
-              </a:rPr>
-              <a:t>"/home/S1"</a:t>
-            </a:r>
-            <a:r>
-              <a:rPr kumimoji="0" lang="fr-FR" altLang="fr-FR" sz="900" b="0" i="0" u="none" strike="noStrike" cap="none" normalizeH="0" baseline="0" smtClean="0">
+              <a:t>       </a:t>
+            </a:r>
+            <a:r>
+              <a:rPr kumimoji="0" lang="fr-FR" altLang="fr-FR" sz="900" b="0" i="0" u="none" strike="noStrike" cap="none" normalizeH="0" baseline="0">
+                <a:ln>
+                  <a:noFill/>
+                </a:ln>
+                <a:solidFill>
+                  <a:srgbClr val="A9B7C6"/>
+                </a:solidFill>
+                <a:effectLst/>
+                <a:latin typeface="Courier New" panose="02070309020205020404" pitchFamily="49" charset="0"/>
+                <a:cs typeface="Courier New" panose="02070309020205020404" pitchFamily="49" charset="0"/>
+              </a:rPr>
+              <a:t>file.print()</a:t>
+            </a:r>
+            <a:r>
+              <a:rPr kumimoji="0" lang="fr-FR" altLang="fr-FR" sz="900" b="0" i="0" u="none" strike="noStrike" cap="none" normalizeH="0" baseline="0">
                 <a:ln>
                   <a:noFill/>
                 </a:ln>
@@ -12332,24 +12325,10 @@
                 <a:latin typeface="Courier New" panose="02070309020205020404" pitchFamily="49" charset="0"/>
                 <a:cs typeface="Courier New" panose="02070309020205020404" pitchFamily="49" charset="0"/>
               </a:rPr>
-              <a:t>, </a:t>
-            </a:r>
-            <a:r>
-              <a:rPr kumimoji="0" lang="fr-FR" altLang="fr-FR" sz="900" b="0" i="0" u="none" strike="noStrike" cap="none" normalizeH="0" baseline="0" smtClean="0">
-                <a:ln>
-                  <a:noFill/>
-                </a:ln>
-                <a:solidFill>
-                  <a:srgbClr val="6897BB"/>
-                </a:solidFill>
-                <a:effectLst/>
-                <a:latin typeface="Courier New" panose="02070309020205020404" pitchFamily="49" charset="0"/>
-                <a:cs typeface="Courier New" panose="02070309020205020404" pitchFamily="49" charset="0"/>
-              </a:rPr>
-              <a:t>1</a:t>
-            </a:r>
-            <a:r>
-              <a:rPr kumimoji="0" lang="fr-FR" altLang="fr-FR" sz="900" b="0" i="0" u="none" strike="noStrike" cap="none" normalizeH="0" baseline="0" smtClean="0">
+              <a:t>;</a:t>
+            </a:r>
+            <a:br>
+              <a:rPr kumimoji="0" lang="fr-FR" altLang="fr-FR" sz="900" b="0" i="0" u="none" strike="noStrike" cap="none" normalizeH="0" baseline="0">
                 <a:ln>
                   <a:noFill/>
                 </a:ln>
@@ -12360,24 +12339,9 @@
                 <a:latin typeface="Courier New" panose="02070309020205020404" pitchFamily="49" charset="0"/>
                 <a:cs typeface="Courier New" panose="02070309020205020404" pitchFamily="49" charset="0"/>
               </a:rPr>
-              <a:t>, </a:t>
-            </a:r>
-            <a:r>
-              <a:rPr kumimoji="0" lang="fr-FR" altLang="fr-FR" sz="900" b="0" i="0" u="none" strike="noStrike" cap="none" normalizeH="0" baseline="0" smtClean="0">
-                <a:ln>
-                  <a:noFill/>
-                </a:ln>
-                <a:solidFill>
-                  <a:srgbClr val="A9B7C6"/>
-                </a:solidFill>
-                <a:effectLst/>
-                <a:latin typeface="Courier New" panose="02070309020205020404" pitchFamily="49" charset="0"/>
-                <a:cs typeface="Courier New" panose="02070309020205020404" pitchFamily="49" charset="0"/>
-              </a:rPr>
-              <a:t>printer)</a:t>
-            </a:r>
-            <a:r>
-              <a:rPr kumimoji="0" lang="fr-FR" altLang="fr-FR" sz="900" b="0" i="0" u="none" strike="noStrike" cap="none" normalizeH="0" baseline="0" smtClean="0">
+            </a:br>
+            <a:r>
+              <a:rPr kumimoji="0" lang="fr-FR" altLang="fr-FR" sz="900" b="0" i="0" u="none" strike="noStrike" cap="none" normalizeH="0" baseline="0">
                 <a:ln>
                   <a:noFill/>
                 </a:ln>
@@ -12388,10 +12352,38 @@
                 <a:latin typeface="Courier New" panose="02070309020205020404" pitchFamily="49" charset="0"/>
                 <a:cs typeface="Courier New" panose="02070309020205020404" pitchFamily="49" charset="0"/>
               </a:rPr>
+              <a:t>       </a:t>
+            </a:r>
+            <a:r>
+              <a:rPr kumimoji="0" lang="fr-FR" altLang="fr-FR" sz="900" b="0" i="0" u="none" strike="noStrike" cap="none" normalizeH="0" baseline="0">
+                <a:ln>
+                  <a:noFill/>
+                </a:ln>
+                <a:solidFill>
+                  <a:srgbClr val="A9B7C6"/>
+                </a:solidFill>
+                <a:effectLst/>
+                <a:latin typeface="Courier New" panose="02070309020205020404" pitchFamily="49" charset="0"/>
+                <a:cs typeface="Courier New" panose="02070309020205020404" pitchFamily="49" charset="0"/>
+              </a:rPr>
+              <a:t>symLink.print()</a:t>
+            </a:r>
+            <a:r>
+              <a:rPr kumimoji="0" lang="fr-FR" altLang="fr-FR" sz="900" b="0" i="0" u="none" strike="noStrike" cap="none" normalizeH="0" baseline="0">
+                <a:ln>
+                  <a:noFill/>
+                </a:ln>
+                <a:solidFill>
+                  <a:srgbClr val="CC7832"/>
+                </a:solidFill>
+                <a:effectLst/>
+                <a:latin typeface="Courier New" panose="02070309020205020404" pitchFamily="49" charset="0"/>
+                <a:cs typeface="Courier New" panose="02070309020205020404" pitchFamily="49" charset="0"/>
+              </a:rPr>
               <a:t>;</a:t>
             </a:r>
             <a:br>
-              <a:rPr kumimoji="0" lang="fr-FR" altLang="fr-FR" sz="900" b="0" i="0" u="none" strike="noStrike" cap="none" normalizeH="0" baseline="0" smtClean="0">
+              <a:rPr kumimoji="0" lang="fr-FR" altLang="fr-FR" sz="900" b="0" i="0" u="none" strike="noStrike" cap="none" normalizeH="0" baseline="0">
                 <a:ln>
                   <a:noFill/>
                 </a:ln>
@@ -12404,7 +12396,7 @@
               </a:rPr>
             </a:br>
             <a:r>
-              <a:rPr kumimoji="0" lang="fr-FR" altLang="fr-FR" sz="900" b="0" i="0" u="none" strike="noStrike" cap="none" normalizeH="0" baseline="0" smtClean="0">
+              <a:rPr kumimoji="0" lang="fr-FR" altLang="fr-FR" sz="900" b="0" i="0" u="none" strike="noStrike" cap="none" normalizeH="0" baseline="0">
                 <a:ln>
                   <a:noFill/>
                 </a:ln>
@@ -12415,10 +12407,38 @@
                 <a:latin typeface="Courier New" panose="02070309020205020404" pitchFamily="49" charset="0"/>
                 <a:cs typeface="Courier New" panose="02070309020205020404" pitchFamily="49" charset="0"/>
               </a:rPr>
-              <a:t/>
+              <a:t>       </a:t>
+            </a:r>
+            <a:r>
+              <a:rPr kumimoji="0" lang="fr-FR" altLang="fr-FR" sz="900" b="0" i="0" u="none" strike="noStrike" cap="none" normalizeH="0" baseline="0">
+                <a:ln>
+                  <a:noFill/>
+                </a:ln>
+                <a:solidFill>
+                  <a:srgbClr val="A9B7C6"/>
+                </a:solidFill>
+                <a:effectLst/>
+                <a:latin typeface="Courier New" panose="02070309020205020404" pitchFamily="49" charset="0"/>
+                <a:cs typeface="Courier New" panose="02070309020205020404" pitchFamily="49" charset="0"/>
+              </a:rPr>
+              <a:t>hardLink.print()</a:t>
+            </a:r>
+            <a:r>
+              <a:rPr kumimoji="0" lang="fr-FR" altLang="fr-FR" sz="900" b="0" i="0" u="none" strike="noStrike" cap="none" normalizeH="0" baseline="0">
+                <a:ln>
+                  <a:noFill/>
+                </a:ln>
+                <a:solidFill>
+                  <a:srgbClr val="CC7832"/>
+                </a:solidFill>
+                <a:effectLst/>
+                <a:latin typeface="Courier New" panose="02070309020205020404" pitchFamily="49" charset="0"/>
+                <a:cs typeface="Courier New" panose="02070309020205020404" pitchFamily="49" charset="0"/>
+              </a:rPr>
+              <a:t>;</a:t>
             </a:r>
             <a:br>
-              <a:rPr kumimoji="0" lang="fr-FR" altLang="fr-FR" sz="900" b="0" i="0" u="none" strike="noStrike" cap="none" normalizeH="0" baseline="0" smtClean="0">
+              <a:rPr kumimoji="0" lang="fr-FR" altLang="fr-FR" sz="900" b="0" i="0" u="none" strike="noStrike" cap="none" normalizeH="0" baseline="0">
                 <a:ln>
                   <a:noFill/>
                 </a:ln>
@@ -12431,7 +12451,7 @@
               </a:rPr>
             </a:br>
             <a:r>
-              <a:rPr kumimoji="0" lang="fr-FR" altLang="fr-FR" sz="900" b="0" i="0" u="none" strike="noStrike" cap="none" normalizeH="0" baseline="0" smtClean="0">
+              <a:rPr kumimoji="0" lang="fr-FR" altLang="fr-FR" sz="900" b="0" i="0" u="none" strike="noStrike" cap="none" normalizeH="0" baseline="0">
                 <a:ln>
                   <a:noFill/>
                 </a:ln>
@@ -12442,15 +12462,29 @@
                 <a:latin typeface="Courier New" panose="02070309020205020404" pitchFamily="49" charset="0"/>
                 <a:cs typeface="Courier New" panose="02070309020205020404" pitchFamily="49" charset="0"/>
               </a:rPr>
-              <a:t/>
+              <a:t>    </a:t>
+            </a:r>
+            <a:r>
+              <a:rPr kumimoji="0" lang="fr-FR" altLang="fr-FR" sz="900" b="0" i="0" u="none" strike="noStrike" cap="none" normalizeH="0" baseline="0">
+                <a:ln>
+                  <a:noFill/>
+                </a:ln>
+                <a:solidFill>
+                  <a:srgbClr val="A9B7C6"/>
+                </a:solidFill>
+                <a:effectLst/>
+                <a:latin typeface="Courier New" panose="02070309020205020404" pitchFamily="49" charset="0"/>
+                <a:cs typeface="Courier New" panose="02070309020205020404" pitchFamily="49" charset="0"/>
+              </a:rPr>
+              <a:t>}</a:t>
             </a:r>
             <a:br>
-              <a:rPr kumimoji="0" lang="fr-FR" altLang="fr-FR" sz="900" b="0" i="0" u="none" strike="noStrike" cap="none" normalizeH="0" baseline="0" smtClean="0">
-                <a:ln>
-                  <a:noFill/>
-                </a:ln>
-                <a:solidFill>
-                  <a:srgbClr val="CC7832"/>
+              <a:rPr kumimoji="0" lang="fr-FR" altLang="fr-FR" sz="900" b="0" i="0" u="none" strike="noStrike" cap="none" normalizeH="0" baseline="0">
+                <a:ln>
+                  <a:noFill/>
+                </a:ln>
+                <a:solidFill>
+                  <a:srgbClr val="A9B7C6"/>
                 </a:solidFill>
                 <a:effectLst/>
                 <a:latin typeface="Courier New" panose="02070309020205020404" pitchFamily="49" charset="0"/>
@@ -12458,186 +12492,7 @@
               </a:rPr>
             </a:br>
             <a:r>
-              <a:rPr kumimoji="0" lang="fr-FR" altLang="fr-FR" sz="900" b="0" i="0" u="none" strike="noStrike" cap="none" normalizeH="0" baseline="0" smtClean="0">
-                <a:ln>
-                  <a:noFill/>
-                </a:ln>
-                <a:solidFill>
-                  <a:srgbClr val="CC7832"/>
-                </a:solidFill>
-                <a:effectLst/>
-                <a:latin typeface="Courier New" panose="02070309020205020404" pitchFamily="49" charset="0"/>
-                <a:cs typeface="Courier New" panose="02070309020205020404" pitchFamily="49" charset="0"/>
-              </a:rPr>
-              <a:t>       </a:t>
-            </a:r>
-            <a:r>
-              <a:rPr kumimoji="0" lang="fr-FR" altLang="fr-FR" sz="900" b="0" i="0" u="none" strike="noStrike" cap="none" normalizeH="0" baseline="0" smtClean="0">
-                <a:ln>
-                  <a:noFill/>
-                </a:ln>
-                <a:solidFill>
-                  <a:srgbClr val="A9B7C6"/>
-                </a:solidFill>
-                <a:effectLst/>
-                <a:latin typeface="Courier New" panose="02070309020205020404" pitchFamily="49" charset="0"/>
-                <a:cs typeface="Courier New" panose="02070309020205020404" pitchFamily="49" charset="0"/>
-              </a:rPr>
-              <a:t>file.print()</a:t>
-            </a:r>
-            <a:r>
-              <a:rPr kumimoji="0" lang="fr-FR" altLang="fr-FR" sz="900" b="0" i="0" u="none" strike="noStrike" cap="none" normalizeH="0" baseline="0" smtClean="0">
-                <a:ln>
-                  <a:noFill/>
-                </a:ln>
-                <a:solidFill>
-                  <a:srgbClr val="CC7832"/>
-                </a:solidFill>
-                <a:effectLst/>
-                <a:latin typeface="Courier New" panose="02070309020205020404" pitchFamily="49" charset="0"/>
-                <a:cs typeface="Courier New" panose="02070309020205020404" pitchFamily="49" charset="0"/>
-              </a:rPr>
-              <a:t>;</a:t>
-            </a:r>
-            <a:br>
-              <a:rPr kumimoji="0" lang="fr-FR" altLang="fr-FR" sz="900" b="0" i="0" u="none" strike="noStrike" cap="none" normalizeH="0" baseline="0" smtClean="0">
-                <a:ln>
-                  <a:noFill/>
-                </a:ln>
-                <a:solidFill>
-                  <a:srgbClr val="CC7832"/>
-                </a:solidFill>
-                <a:effectLst/>
-                <a:latin typeface="Courier New" panose="02070309020205020404" pitchFamily="49" charset="0"/>
-                <a:cs typeface="Courier New" panose="02070309020205020404" pitchFamily="49" charset="0"/>
-              </a:rPr>
-            </a:br>
-            <a:r>
-              <a:rPr kumimoji="0" lang="fr-FR" altLang="fr-FR" sz="900" b="0" i="0" u="none" strike="noStrike" cap="none" normalizeH="0" baseline="0" smtClean="0">
-                <a:ln>
-                  <a:noFill/>
-                </a:ln>
-                <a:solidFill>
-                  <a:srgbClr val="CC7832"/>
-                </a:solidFill>
-                <a:effectLst/>
-                <a:latin typeface="Courier New" panose="02070309020205020404" pitchFamily="49" charset="0"/>
-                <a:cs typeface="Courier New" panose="02070309020205020404" pitchFamily="49" charset="0"/>
-              </a:rPr>
-              <a:t>       </a:t>
-            </a:r>
-            <a:r>
-              <a:rPr kumimoji="0" lang="fr-FR" altLang="fr-FR" sz="900" b="0" i="0" u="none" strike="noStrike" cap="none" normalizeH="0" baseline="0" smtClean="0">
-                <a:ln>
-                  <a:noFill/>
-                </a:ln>
-                <a:solidFill>
-                  <a:srgbClr val="A9B7C6"/>
-                </a:solidFill>
-                <a:effectLst/>
-                <a:latin typeface="Courier New" panose="02070309020205020404" pitchFamily="49" charset="0"/>
-                <a:cs typeface="Courier New" panose="02070309020205020404" pitchFamily="49" charset="0"/>
-              </a:rPr>
-              <a:t>symLink.print()</a:t>
-            </a:r>
-            <a:r>
-              <a:rPr kumimoji="0" lang="fr-FR" altLang="fr-FR" sz="900" b="0" i="0" u="none" strike="noStrike" cap="none" normalizeH="0" baseline="0" smtClean="0">
-                <a:ln>
-                  <a:noFill/>
-                </a:ln>
-                <a:solidFill>
-                  <a:srgbClr val="CC7832"/>
-                </a:solidFill>
-                <a:effectLst/>
-                <a:latin typeface="Courier New" panose="02070309020205020404" pitchFamily="49" charset="0"/>
-                <a:cs typeface="Courier New" panose="02070309020205020404" pitchFamily="49" charset="0"/>
-              </a:rPr>
-              <a:t>;</a:t>
-            </a:r>
-            <a:br>
-              <a:rPr kumimoji="0" lang="fr-FR" altLang="fr-FR" sz="900" b="0" i="0" u="none" strike="noStrike" cap="none" normalizeH="0" baseline="0" smtClean="0">
-                <a:ln>
-                  <a:noFill/>
-                </a:ln>
-                <a:solidFill>
-                  <a:srgbClr val="CC7832"/>
-                </a:solidFill>
-                <a:effectLst/>
-                <a:latin typeface="Courier New" panose="02070309020205020404" pitchFamily="49" charset="0"/>
-                <a:cs typeface="Courier New" panose="02070309020205020404" pitchFamily="49" charset="0"/>
-              </a:rPr>
-            </a:br>
-            <a:r>
-              <a:rPr kumimoji="0" lang="fr-FR" altLang="fr-FR" sz="900" b="0" i="0" u="none" strike="noStrike" cap="none" normalizeH="0" baseline="0" smtClean="0">
-                <a:ln>
-                  <a:noFill/>
-                </a:ln>
-                <a:solidFill>
-                  <a:srgbClr val="CC7832"/>
-                </a:solidFill>
-                <a:effectLst/>
-                <a:latin typeface="Courier New" panose="02070309020205020404" pitchFamily="49" charset="0"/>
-                <a:cs typeface="Courier New" panose="02070309020205020404" pitchFamily="49" charset="0"/>
-              </a:rPr>
-              <a:t>       </a:t>
-            </a:r>
-            <a:r>
-              <a:rPr kumimoji="0" lang="fr-FR" altLang="fr-FR" sz="900" b="0" i="0" u="none" strike="noStrike" cap="none" normalizeH="0" baseline="0" smtClean="0">
-                <a:ln>
-                  <a:noFill/>
-                </a:ln>
-                <a:solidFill>
-                  <a:srgbClr val="A9B7C6"/>
-                </a:solidFill>
-                <a:effectLst/>
-                <a:latin typeface="Courier New" panose="02070309020205020404" pitchFamily="49" charset="0"/>
-                <a:cs typeface="Courier New" panose="02070309020205020404" pitchFamily="49" charset="0"/>
-              </a:rPr>
-              <a:t>hardLink.print()</a:t>
-            </a:r>
-            <a:r>
-              <a:rPr kumimoji="0" lang="fr-FR" altLang="fr-FR" sz="900" b="0" i="0" u="none" strike="noStrike" cap="none" normalizeH="0" baseline="0" smtClean="0">
-                <a:ln>
-                  <a:noFill/>
-                </a:ln>
-                <a:solidFill>
-                  <a:srgbClr val="CC7832"/>
-                </a:solidFill>
-                <a:effectLst/>
-                <a:latin typeface="Courier New" panose="02070309020205020404" pitchFamily="49" charset="0"/>
-                <a:cs typeface="Courier New" panose="02070309020205020404" pitchFamily="49" charset="0"/>
-              </a:rPr>
-              <a:t>;</a:t>
-            </a:r>
-            <a:br>
-              <a:rPr kumimoji="0" lang="fr-FR" altLang="fr-FR" sz="900" b="0" i="0" u="none" strike="noStrike" cap="none" normalizeH="0" baseline="0" smtClean="0">
-                <a:ln>
-                  <a:noFill/>
-                </a:ln>
-                <a:solidFill>
-                  <a:srgbClr val="CC7832"/>
-                </a:solidFill>
-                <a:effectLst/>
-                <a:latin typeface="Courier New" panose="02070309020205020404" pitchFamily="49" charset="0"/>
-                <a:cs typeface="Courier New" panose="02070309020205020404" pitchFamily="49" charset="0"/>
-              </a:rPr>
-            </a:br>
-            <a:r>
-              <a:rPr kumimoji="0" lang="fr-FR" altLang="fr-FR" sz="900" b="0" i="0" u="none" strike="noStrike" cap="none" normalizeH="0" baseline="0" smtClean="0">
-                <a:ln>
-                  <a:noFill/>
-                </a:ln>
-                <a:solidFill>
-                  <a:srgbClr val="CC7832"/>
-                </a:solidFill>
-                <a:effectLst/>
-                <a:latin typeface="Courier New" panose="02070309020205020404" pitchFamily="49" charset="0"/>
-                <a:cs typeface="Courier New" panose="02070309020205020404" pitchFamily="49" charset="0"/>
-              </a:rPr>
-              <a:t>    </a:t>
-            </a:r>
-            <a:r>
-              <a:rPr kumimoji="0" lang="fr-FR" altLang="fr-FR" sz="900" b="0" i="0" u="none" strike="noStrike" cap="none" normalizeH="0" baseline="0" smtClean="0">
+              <a:rPr kumimoji="0" lang="fr-FR" altLang="fr-FR" sz="900" b="0" i="0" u="none" strike="noStrike" cap="none" normalizeH="0" baseline="0">
                 <a:ln>
                   <a:noFill/>
                 </a:ln>
@@ -12650,34 +12505,7 @@
               </a:rPr>
               <a:t>}</a:t>
             </a:r>
-            <a:br>
-              <a:rPr kumimoji="0" lang="fr-FR" altLang="fr-FR" sz="900" b="0" i="0" u="none" strike="noStrike" cap="none" normalizeH="0" baseline="0" smtClean="0">
-                <a:ln>
-                  <a:noFill/>
-                </a:ln>
-                <a:solidFill>
-                  <a:srgbClr val="A9B7C6"/>
-                </a:solidFill>
-                <a:effectLst/>
-                <a:latin typeface="Courier New" panose="02070309020205020404" pitchFamily="49" charset="0"/>
-                <a:cs typeface="Courier New" panose="02070309020205020404" pitchFamily="49" charset="0"/>
-              </a:rPr>
-            </a:br>
-            <a:r>
-              <a:rPr kumimoji="0" lang="fr-FR" altLang="fr-FR" sz="900" b="0" i="0" u="none" strike="noStrike" cap="none" normalizeH="0" baseline="0" smtClean="0">
-                <a:ln>
-                  <a:noFill/>
-                </a:ln>
-                <a:solidFill>
-                  <a:srgbClr val="A9B7C6"/>
-                </a:solidFill>
-                <a:effectLst/>
-                <a:latin typeface="Courier New" panose="02070309020205020404" pitchFamily="49" charset="0"/>
-                <a:cs typeface="Courier New" panose="02070309020205020404" pitchFamily="49" charset="0"/>
-              </a:rPr>
-              <a:t>}</a:t>
-            </a:r>
-            <a:endParaRPr kumimoji="0" lang="fr-FR" altLang="fr-FR" sz="1800" b="0" i="0" u="none" strike="noStrike" cap="none" normalizeH="0" baseline="0" smtClean="0">
+            <a:endParaRPr kumimoji="0" lang="fr-FR" altLang="fr-FR" sz="1800" b="0" i="0" u="none" strike="noStrike" cap="none" normalizeH="0" baseline="0">
               <a:ln>
                 <a:noFill/>
               </a:ln>
@@ -12690,6 +12518,53 @@
           </a:p>
         </p:txBody>
       </p:sp>
+      <p:pic>
+        <p:nvPicPr>
+          <p:cNvPr id="6146" name="Picture 2" descr="PlantUML Diagram">
+            <a:extLst>
+              <a:ext uri="{FF2B5EF4-FFF2-40B4-BE49-F238E27FC236}">
+                <a16:creationId xmlns:a16="http://schemas.microsoft.com/office/drawing/2014/main" id="{33990775-F671-43F0-8E32-9318C806DC2D}"/>
+              </a:ext>
+            </a:extLst>
+          </p:cNvPr>
+          <p:cNvPicPr>
+            <a:picLocks noChangeAspect="1" noChangeArrowheads="1"/>
+          </p:cNvPicPr>
+          <p:nvPr/>
+        </p:nvPicPr>
+        <p:blipFill>
+          <a:blip r:embed="rId3">
+            <a:extLst>
+              <a:ext uri="{28A0092B-C50C-407E-A947-70E740481C1C}">
+                <a14:useLocalDpi xmlns:a14="http://schemas.microsoft.com/office/drawing/2010/main" val="0"/>
+              </a:ext>
+            </a:extLst>
+          </a:blip>
+          <a:srcRect/>
+          <a:stretch>
+            <a:fillRect/>
+          </a:stretch>
+        </p:blipFill>
+        <p:spPr bwMode="auto">
+          <a:xfrm>
+            <a:off x="5949093" y="381000"/>
+            <a:ext cx="5403120" cy="3853792"/>
+          </a:xfrm>
+          <a:prstGeom prst="rect">
+            <a:avLst/>
+          </a:prstGeom>
+          <a:noFill/>
+          <a:extLst>
+            <a:ext uri="{909E8E84-426E-40DD-AFC4-6F175D3DCCD1}">
+              <a14:hiddenFill xmlns:a14="http://schemas.microsoft.com/office/drawing/2010/main">
+                <a:solidFill>
+                  <a:srgbClr val="FFFFFF"/>
+                </a:solidFill>
+              </a14:hiddenFill>
+            </a:ext>
+          </a:extLst>
+        </p:spPr>
+      </p:pic>
     </p:spTree>
     <p:extLst>
       <p:ext uri="{BB962C8B-B14F-4D97-AF65-F5344CB8AC3E}">
@@ -12712,13 +12587,6 @@
       </p:transition>
     </mc:Fallback>
   </mc:AlternateContent>
-  <p:timing>
-    <p:tnLst>
-      <p:par>
-        <p:cTn id="1" dur="indefinite" restart="never" nodeType="tmRoot"/>
-      </p:par>
-    </p:tnLst>
-  </p:timing>
 </p:sld>
 </file>
 
@@ -12759,10 +12627,9 @@
               <a:buAutoNum type="arabicPeriod"/>
             </a:pPr>
             <a:r>
-              <a:rPr lang="fr-FR" dirty="0" smtClean="0"/>
+              <a:rPr lang="fr-FR" dirty="0"/>
               <a:t>Première solution</a:t>
             </a:r>
-            <a:endParaRPr lang="fr-FR" dirty="0"/>
           </a:p>
         </p:txBody>
       </p:sp>
@@ -12811,27 +12678,27 @@
           <a:bodyPr/>
           <a:lstStyle/>
           <a:p>
-            <a:endParaRPr lang="fr-FR" dirty="0" smtClean="0"/>
-          </a:p>
-          <a:p>
             <a:endParaRPr lang="fr-FR" dirty="0"/>
           </a:p>
           <a:p>
-            <a:endParaRPr lang="fr-FR" dirty="0" smtClean="0"/>
-          </a:p>
-          <a:p>
             <a:endParaRPr lang="fr-FR" dirty="0"/>
           </a:p>
           <a:p>
-            <a:endParaRPr lang="fr-FR" dirty="0" smtClean="0"/>
-          </a:p>
-          <a:p>
-            <a:r>
-              <a:rPr lang="fr-FR" dirty="0" smtClean="0"/>
+            <a:endParaRPr lang="fr-FR" dirty="0"/>
+          </a:p>
+          <a:p>
+            <a:endParaRPr lang="fr-FR" dirty="0"/>
+          </a:p>
+          <a:p>
+            <a:endParaRPr lang="fr-FR" dirty="0"/>
+          </a:p>
+          <a:p>
+            <a:r>
+              <a:rPr lang="fr-FR" dirty="0"/>
               <a:t>Cette technique est le </a:t>
             </a:r>
             <a:r>
-              <a:rPr lang="fr-FR" dirty="0" smtClean="0">
+              <a:rPr lang="fr-FR" dirty="0">
                 <a:solidFill>
                   <a:schemeClr val="accent6"/>
                 </a:solidFill>
@@ -12839,7 +12706,7 @@
               <a:t>double </a:t>
             </a:r>
             <a:r>
-              <a:rPr lang="fr-FR" dirty="0" err="1" smtClean="0">
+              <a:rPr lang="fr-FR" dirty="0" err="1">
                 <a:solidFill>
                   <a:schemeClr val="accent6"/>
                 </a:solidFill>
@@ -12876,13 +12743,6 @@
       </p:transition>
     </mc:Fallback>
   </mc:AlternateContent>
-  <p:timing>
-    <p:tnLst>
-      <p:par>
-        <p:cTn id="1" dur="indefinite" restart="never" nodeType="tmRoot"/>
-      </p:par>
-    </p:tnLst>
-  </p:timing>
 </p:sld>
 </file>
 
@@ -12903,6 +12763,53 @@
           <a:chExt cx="0" cy="0"/>
         </a:xfrm>
       </p:grpSpPr>
+      <p:pic>
+        <p:nvPicPr>
+          <p:cNvPr id="1026" name="Picture 2" descr="PlantUML Diagram">
+            <a:extLst>
+              <a:ext uri="{FF2B5EF4-FFF2-40B4-BE49-F238E27FC236}">
+                <a16:creationId xmlns:a16="http://schemas.microsoft.com/office/drawing/2014/main" id="{6091BF8A-DB6C-41EB-A023-F079D46A0221}"/>
+              </a:ext>
+            </a:extLst>
+          </p:cNvPr>
+          <p:cNvPicPr>
+            <a:picLocks noChangeAspect="1" noChangeArrowheads="1"/>
+          </p:cNvPicPr>
+          <p:nvPr/>
+        </p:nvPicPr>
+        <p:blipFill>
+          <a:blip r:embed="rId3">
+            <a:extLst>
+              <a:ext uri="{28A0092B-C50C-407E-A947-70E740481C1C}">
+                <a14:useLocalDpi xmlns:a14="http://schemas.microsoft.com/office/drawing/2010/main" val="0"/>
+              </a:ext>
+            </a:extLst>
+          </a:blip>
+          <a:srcRect/>
+          <a:stretch>
+            <a:fillRect/>
+          </a:stretch>
+        </p:blipFill>
+        <p:spPr bwMode="auto">
+          <a:xfrm>
+            <a:off x="4564799" y="1447800"/>
+            <a:ext cx="7543800" cy="3629025"/>
+          </a:xfrm>
+          <a:prstGeom prst="rect">
+            <a:avLst/>
+          </a:prstGeom>
+          <a:noFill/>
+          <a:extLst>
+            <a:ext uri="{909E8E84-426E-40DD-AFC4-6F175D3DCCD1}">
+              <a14:hiddenFill xmlns:a14="http://schemas.microsoft.com/office/drawing/2010/main">
+                <a:solidFill>
+                  <a:srgbClr val="FFFFFF"/>
+                </a:solidFill>
+              </a14:hiddenFill>
+            </a:ext>
+          </a:extLst>
+        </p:spPr>
+      </p:pic>
       <p:sp>
         <p:nvSpPr>
           <p:cNvPr id="2" name="Titre 1"/>
@@ -12923,47 +12830,68 @@
               <a:buAutoNum type="arabicPeriod" startAt="2"/>
             </a:pPr>
             <a:r>
-              <a:rPr lang="fr-FR" dirty="0" smtClean="0"/>
+              <a:rPr lang="fr-FR" dirty="0"/>
               <a:t>Généralisation de la solution</a:t>
             </a:r>
-            <a:endParaRPr lang="fr-FR" dirty="0"/>
+          </a:p>
+        </p:txBody>
+      </p:sp>
+      <p:sp>
+        <p:nvSpPr>
+          <p:cNvPr id="10" name="TextBox 9"/>
+          <p:cNvSpPr txBox="1"/>
+          <p:nvPr/>
+        </p:nvSpPr>
+        <p:spPr>
+          <a:xfrm>
+            <a:off x="3839442" y="5267437"/>
+            <a:ext cx="3270254" cy="461665"/>
+          </a:xfrm>
+          <a:prstGeom prst="rect">
+            <a:avLst/>
+          </a:prstGeom>
+          <a:noFill/>
+        </p:spPr>
+        <p:txBody>
+          <a:bodyPr wrap="none" rtlCol="0">
+            <a:spAutoFit/>
+          </a:bodyPr>
+          <a:lstStyle/>
+          <a:p>
+            <a:r>
+              <a:rPr lang="en-US" dirty="0" err="1"/>
+              <a:t>C’est</a:t>
+            </a:r>
+            <a:r>
+              <a:rPr lang="en-US" dirty="0"/>
+              <a:t> le pattern </a:t>
+            </a:r>
+            <a:r>
+              <a:rPr lang="en-US" dirty="0">
+                <a:solidFill>
+                  <a:schemeClr val="accent6"/>
+                </a:solidFill>
+              </a:rPr>
+              <a:t>Visitor </a:t>
+            </a:r>
+            <a:r>
+              <a:rPr lang="en-US" dirty="0"/>
+              <a:t>!</a:t>
+            </a:r>
           </a:p>
         </p:txBody>
       </p:sp>
       <p:pic>
         <p:nvPicPr>
-          <p:cNvPr id="6" name="Content Placeholder 5"/>
-          <p:cNvPicPr>
-            <a:picLocks noGrp="1" noChangeAspect="1"/>
-          </p:cNvPicPr>
-          <p:nvPr>
-            <p:ph sz="half" idx="1"/>
-          </p:nvPr>
-        </p:nvPicPr>
-        <p:blipFill>
-          <a:blip r:embed="rId3">
+          <p:cNvPr id="12" name="Picture 2" descr="PlantUML Diagram">
             <a:extLst>
-              <a:ext uri="{28A0092B-C50C-407E-A947-70E740481C1C}">
-                <a14:useLocalDpi xmlns:a14="http://schemas.microsoft.com/office/drawing/2010/main" val="0"/>
+              <a:ext uri="{FF2B5EF4-FFF2-40B4-BE49-F238E27FC236}">
+                <a16:creationId xmlns:a16="http://schemas.microsoft.com/office/drawing/2014/main" id="{8BB2D1BB-5A30-4AD9-B0C2-C2AED90890FF}"/>
               </a:ext>
             </a:extLst>
-          </a:blip>
-          <a:stretch>
-            <a:fillRect/>
-          </a:stretch>
-        </p:blipFill>
-        <p:spPr>
-          <a:xfrm>
-            <a:off x="5865812" y="1600199"/>
-            <a:ext cx="5943600" cy="4166509"/>
-          </a:xfrm>
-        </p:spPr>
-      </p:pic>
-      <p:pic>
-        <p:nvPicPr>
-          <p:cNvPr id="8" name="Image 2"/>
+          </p:cNvPr>
           <p:cNvPicPr>
-            <a:picLocks noChangeAspect="1"/>
+            <a:picLocks noChangeAspect="1" noChangeArrowheads="1"/>
           </p:cNvPicPr>
           <p:nvPr/>
         </p:nvPicPr>
@@ -12975,18 +12903,29 @@
               </a:ext>
             </a:extLst>
           </a:blip>
+          <a:srcRect/>
           <a:stretch>
             <a:fillRect/>
           </a:stretch>
         </p:blipFill>
-        <p:spPr>
+        <p:spPr bwMode="auto">
           <a:xfrm>
-            <a:off x="150812" y="1981200"/>
-            <a:ext cx="5323757" cy="3112761"/>
+            <a:off x="0" y="2040501"/>
+            <a:ext cx="3993299" cy="3055176"/>
           </a:xfrm>
           <a:prstGeom prst="rect">
             <a:avLst/>
           </a:prstGeom>
+          <a:noFill/>
+          <a:extLst>
+            <a:ext uri="{909E8E84-426E-40DD-AFC4-6F175D3DCCD1}">
+              <a14:hiddenFill xmlns:a14="http://schemas.microsoft.com/office/drawing/2010/main">
+                <a:solidFill>
+                  <a:srgbClr val="FFFFFF"/>
+                </a:solidFill>
+              </a14:hiddenFill>
+            </a:ext>
+          </a:extLst>
         </p:spPr>
       </p:pic>
       <p:sp>
@@ -12997,7 +12936,7 @@
         </p:nvSpPr>
         <p:spPr>
           <a:xfrm>
-            <a:off x="4722812" y="2590800"/>
+            <a:off x="3421799" y="3357618"/>
             <a:ext cx="1143000" cy="685800"/>
           </a:xfrm>
           <a:prstGeom prst="rightArrow">
@@ -13029,52 +12968,6 @@
           </a:p>
         </p:txBody>
       </p:sp>
-      <p:sp>
-        <p:nvSpPr>
-          <p:cNvPr id="10" name="TextBox 9"/>
-          <p:cNvSpPr txBox="1"/>
-          <p:nvPr/>
-        </p:nvSpPr>
-        <p:spPr>
-          <a:xfrm>
-            <a:off x="3839442" y="5267437"/>
-            <a:ext cx="3270254" cy="461665"/>
-          </a:xfrm>
-          <a:prstGeom prst="rect">
-            <a:avLst/>
-          </a:prstGeom>
-          <a:noFill/>
-        </p:spPr>
-        <p:txBody>
-          <a:bodyPr wrap="none" rtlCol="0">
-            <a:spAutoFit/>
-          </a:bodyPr>
-          <a:lstStyle/>
-          <a:p>
-            <a:r>
-              <a:rPr lang="en-US" dirty="0" err="1" smtClean="0"/>
-              <a:t>C’est</a:t>
-            </a:r>
-            <a:r>
-              <a:rPr lang="en-US" dirty="0" smtClean="0"/>
-              <a:t> le pattern </a:t>
-            </a:r>
-            <a:r>
-              <a:rPr lang="en-US" dirty="0" smtClean="0">
-                <a:solidFill>
-                  <a:schemeClr val="accent6"/>
-                </a:solidFill>
-              </a:rPr>
-              <a:t>Visitor </a:t>
-            </a:r>
-            <a:r>
-              <a:rPr lang="en-US" dirty="0" smtClean="0"/>
-              <a:t>!</a:t>
-            </a:r>
-            <a:endParaRPr lang="en-US" dirty="0"/>
-          </a:p>
-        </p:txBody>
-      </p:sp>
     </p:spTree>
     <p:extLst>
       <p:ext uri="{BB962C8B-B14F-4D97-AF65-F5344CB8AC3E}">
@@ -13097,13 +12990,6 @@
       </p:transition>
     </mc:Fallback>
   </mc:AlternateContent>
-  <p:timing>
-    <p:tnLst>
-      <p:par>
-        <p:cTn id="1" dur="indefinite" restart="never" nodeType="tmRoot"/>
-      </p:par>
-    </p:tnLst>
-  </p:timing>
 </p:sld>
 </file>
 
@@ -13141,10 +13027,9 @@
           <a:p>
             <a:pPr rtl="0"/>
             <a:r>
-              <a:rPr lang="fr-FR" dirty="0" smtClean="0"/>
+              <a:rPr lang="fr-FR" dirty="0"/>
               <a:t>Qui suis-je ?</a:t>
             </a:r>
-            <a:endParaRPr lang="fr-FR" dirty="0"/>
           </a:p>
         </p:txBody>
       </p:sp>
@@ -13165,15 +13050,14 @@
           <a:p>
             <a:pPr rtl="0"/>
             <a:r>
-              <a:rPr lang="fr-FR" dirty="0" smtClean="0"/>
+              <a:rPr lang="fr-FR" dirty="0"/>
               <a:t>Omar MEBARKI</a:t>
             </a:r>
-            <a:endParaRPr lang="fr-FR" dirty="0"/>
           </a:p>
           <a:p>
             <a:pPr rtl="0"/>
             <a:r>
-              <a:rPr lang="fr-FR" dirty="0" smtClean="0"/>
+              <a:rPr lang="fr-FR" dirty="0"/>
               <a:t>Développeur/Architecte Java</a:t>
             </a:r>
           </a:p>
@@ -13211,13 +13095,6 @@
       </p:transition>
     </mc:Fallback>
   </mc:AlternateContent>
-  <p:timing>
-    <p:tnLst>
-      <p:par>
-        <p:cTn id="1" dur="indefinite" restart="never" nodeType="tmRoot"/>
-      </p:par>
-    </p:tnLst>
-  </p:timing>
 </p:sld>
 </file>
 
@@ -13255,10 +13132,9 @@
           <a:p>
             <a:pPr rtl="0"/>
             <a:r>
-              <a:rPr lang="fr-FR" dirty="0" smtClean="0"/>
+              <a:rPr lang="fr-FR" dirty="0"/>
               <a:t>Sommaire</a:t>
             </a:r>
-            <a:endParaRPr lang="fr-FR" dirty="0"/>
           </a:p>
         </p:txBody>
       </p:sp>
@@ -13279,26 +13155,21 @@
           <a:p>
             <a:pPr rtl="0"/>
             <a:r>
-              <a:rPr lang="fr-FR" dirty="0" smtClean="0"/>
+              <a:rPr lang="fr-FR" dirty="0"/>
               <a:t>Pattern Bridge</a:t>
             </a:r>
+          </a:p>
+          <a:p>
+            <a:pPr rtl="0"/>
+            <a:r>
+              <a:rPr lang="fr-FR" dirty="0"/>
+              <a:t>Pattern </a:t>
+            </a:r>
+            <a:r>
+              <a:rPr lang="fr-FR" dirty="0" err="1"/>
+              <a:t>Visitor</a:t>
+            </a:r>
             <a:endParaRPr lang="fr-FR" dirty="0"/>
-          </a:p>
-          <a:p>
-            <a:pPr rtl="0"/>
-            <a:r>
-              <a:rPr lang="fr-FR" dirty="0" smtClean="0"/>
-              <a:t>Pattern </a:t>
-            </a:r>
-            <a:r>
-              <a:rPr lang="fr-FR" dirty="0" err="1"/>
-              <a:t>V</a:t>
-            </a:r>
-            <a:r>
-              <a:rPr lang="fr-FR" dirty="0" err="1" smtClean="0"/>
-              <a:t>isitor</a:t>
-            </a:r>
-            <a:endParaRPr lang="fr-FR" dirty="0" smtClean="0"/>
           </a:p>
           <a:p>
             <a:pPr rtl="0"/>
@@ -13328,13 +13199,6 @@
       </p:transition>
     </mc:Fallback>
   </mc:AlternateContent>
-  <p:timing>
-    <p:tnLst>
-      <p:par>
-        <p:cTn id="1" dur="indefinite" restart="never" nodeType="tmRoot"/>
-      </p:par>
-    </p:tnLst>
-  </p:timing>
 </p:sld>
 </file>
 
@@ -13375,10 +13239,9 @@
               <a:buAutoNum type="romanUcPeriod"/>
             </a:pPr>
             <a:r>
-              <a:rPr lang="fr-FR" dirty="0" smtClean="0"/>
+              <a:rPr lang="fr-FR" dirty="0"/>
               <a:t>Pattern Bridge</a:t>
             </a:r>
-            <a:endParaRPr lang="fr-FR" dirty="0"/>
           </a:p>
         </p:txBody>
       </p:sp>
@@ -13460,13 +13323,6 @@
       </p:transition>
     </mc:Fallback>
   </mc:AlternateContent>
-  <p:timing>
-    <p:tnLst>
-      <p:par>
-        <p:cTn id="1" dur="indefinite" restart="never" nodeType="tmRoot"/>
-      </p:par>
-    </p:tnLst>
-  </p:timing>
 </p:sld>
 </file>
 
@@ -13504,10 +13360,9 @@
           <a:p>
             <a:pPr rtl="0"/>
             <a:r>
-              <a:rPr lang="fr-FR" dirty="0" smtClean="0"/>
+              <a:rPr lang="fr-FR" dirty="0"/>
               <a:t>Problème</a:t>
             </a:r>
-            <a:endParaRPr lang="fr-FR" dirty="0"/>
           </a:p>
         </p:txBody>
       </p:sp>
@@ -13528,7 +13383,7 @@
           <a:p>
             <a:pPr rtl="0"/>
             <a:r>
-              <a:rPr lang="fr-FR" dirty="0" smtClean="0"/>
+              <a:rPr lang="fr-FR" dirty="0"/>
               <a:t>Faire un cache de données provenant de plusieurs référentiels</a:t>
             </a:r>
           </a:p>
@@ -13593,10 +13448,9 @@
             <a:p>
               <a:pPr algn="ctr"/>
               <a:r>
-                <a:rPr lang="fr-FR" dirty="0" smtClean="0"/>
+                <a:rPr lang="fr-FR" dirty="0"/>
                 <a:t>Clients</a:t>
               </a:r>
-              <a:endParaRPr lang="fr-FR" dirty="0"/>
             </a:p>
           </p:txBody>
         </p:sp>
@@ -13653,7 +13507,7 @@
             <a:lstStyle/>
             <a:p>
               <a:r>
-                <a:rPr lang="fr-FR" dirty="0" smtClean="0">
+                <a:rPr lang="fr-FR" dirty="0">
                   <a:solidFill>
                     <a:schemeClr val="tx1">
                       <a:lumMod val="95000"/>
@@ -13663,14 +13517,6 @@
                 </a:rPr>
                 <a:t>Clients</a:t>
               </a:r>
-              <a:endParaRPr lang="fr-FR" dirty="0">
-                <a:solidFill>
-                  <a:schemeClr val="tx1">
-                    <a:lumMod val="95000"/>
-                    <a:lumOff val="5000"/>
-                  </a:schemeClr>
-                </a:solidFill>
-              </a:endParaRPr>
             </a:p>
           </p:txBody>
         </p:sp>
@@ -13711,10 +13557,9 @@
             <a:p>
               <a:pPr algn="ctr"/>
               <a:r>
-                <a:rPr lang="fr-FR" dirty="0" smtClean="0"/>
+                <a:rPr lang="fr-FR" dirty="0"/>
                 <a:t>Cache</a:t>
               </a:r>
-              <a:endParaRPr lang="fr-FR" dirty="0"/>
             </a:p>
           </p:txBody>
         </p:sp>
@@ -13807,13 +13652,6 @@
       </p:transition>
     </mc:Fallback>
   </mc:AlternateContent>
-  <p:timing>
-    <p:tnLst>
-      <p:par>
-        <p:cTn id="1" dur="indefinite" restart="never" nodeType="tmRoot"/>
-      </p:par>
-    </p:tnLst>
-  </p:timing>
 </p:sld>
 </file>
 
@@ -13834,36 +13672,6 @@
           <a:chExt cx="0" cy="0"/>
         </a:xfrm>
       </p:grpSpPr>
-      <p:pic>
-        <p:nvPicPr>
-          <p:cNvPr id="5" name="Image 4"/>
-          <p:cNvPicPr>
-            <a:picLocks noChangeAspect="1"/>
-          </p:cNvPicPr>
-          <p:nvPr/>
-        </p:nvPicPr>
-        <p:blipFill>
-          <a:blip r:embed="rId3">
-            <a:extLst>
-              <a:ext uri="{28A0092B-C50C-407E-A947-70E740481C1C}">
-                <a14:useLocalDpi xmlns:a14="http://schemas.microsoft.com/office/drawing/2010/main" val="0"/>
-              </a:ext>
-            </a:extLst>
-          </a:blip>
-          <a:stretch>
-            <a:fillRect/>
-          </a:stretch>
-        </p:blipFill>
-        <p:spPr>
-          <a:xfrm>
-            <a:off x="2589212" y="1371600"/>
-            <a:ext cx="6987592" cy="3048000"/>
-          </a:xfrm>
-          <a:prstGeom prst="rect">
-            <a:avLst/>
-          </a:prstGeom>
-        </p:spPr>
-      </p:pic>
       <p:sp>
         <p:nvSpPr>
           <p:cNvPr id="2" name="Titre 1"/>
@@ -13884,10 +13692,9 @@
               <a:buAutoNum type="arabicPeriod"/>
             </a:pPr>
             <a:r>
-              <a:rPr lang="fr-FR" dirty="0" smtClean="0"/>
+              <a:rPr lang="fr-FR" dirty="0"/>
               <a:t>Première implémentation</a:t>
             </a:r>
-            <a:endParaRPr lang="fr-FR" dirty="0"/>
           </a:p>
         </p:txBody>
       </p:sp>
@@ -13915,35 +13722,30 @@
           <a:p>
             <a:pPr rtl="0"/>
             <a:r>
-              <a:rPr lang="fr-FR" dirty="0" smtClean="0"/>
+              <a:rPr lang="fr-FR" dirty="0"/>
               <a:t>Les deux Classes ont une </a:t>
             </a:r>
             <a:r>
               <a:rPr lang="fr-FR" dirty="0" err="1"/>
-              <a:t>M</a:t>
-            </a:r>
-            <a:r>
-              <a:rPr lang="fr-FR" dirty="0" err="1" smtClean="0"/>
-              <a:t>ap</a:t>
-            </a:r>
-            <a:endParaRPr lang="fr-FR" dirty="0" smtClean="0"/>
+              <a:t>Map</a:t>
+            </a:r>
+            <a:endParaRPr lang="fr-FR" dirty="0"/>
           </a:p>
           <a:p>
             <a:pPr rtl="0"/>
             <a:r>
-              <a:rPr lang="fr-FR" dirty="0" err="1" smtClean="0"/>
+              <a:rPr lang="fr-FR" dirty="0" err="1"/>
               <a:t>loadAll</a:t>
             </a:r>
             <a:r>
-              <a:rPr lang="fr-FR" dirty="0" smtClean="0"/>
+              <a:rPr lang="fr-FR" dirty="0"/>
               <a:t>(): deux implémentations différentes</a:t>
             </a:r>
-            <a:endParaRPr lang="fr-FR" dirty="0"/>
           </a:p>
           <a:p>
             <a:pPr rtl="0"/>
             <a:r>
-              <a:rPr lang="fr-FR" dirty="0" smtClean="0"/>
+              <a:rPr lang="fr-FR" dirty="0"/>
               <a:t>Elles ont les mêmes méthodes (retour différent)</a:t>
             </a:r>
           </a:p>
@@ -13951,18 +13753,64 @@
             <a:pPr marL="0" indent="0" rtl="0">
               <a:buNone/>
             </a:pPr>
-            <a:endParaRPr lang="fr-FR" dirty="0" smtClean="0"/>
+            <a:endParaRPr lang="fr-FR" dirty="0"/>
           </a:p>
           <a:p>
             <a:pPr rtl="0"/>
             <a:r>
-              <a:rPr lang="fr-FR" dirty="0" smtClean="0"/>
+              <a:rPr lang="fr-FR" dirty="0"/>
               <a:t>Et si l’on factorisait un peu tout ça?</a:t>
             </a:r>
-            <a:endParaRPr lang="fr-FR" dirty="0"/>
           </a:p>
         </p:txBody>
       </p:sp>
+      <p:pic>
+        <p:nvPicPr>
+          <p:cNvPr id="1028" name="Picture 4" descr="PlantUML Diagram">
+            <a:extLst>
+              <a:ext uri="{FF2B5EF4-FFF2-40B4-BE49-F238E27FC236}">
+                <a16:creationId xmlns:a16="http://schemas.microsoft.com/office/drawing/2014/main" id="{40B58331-CE09-4A3D-83B4-567D1A06E2B2}"/>
+              </a:ext>
+            </a:extLst>
+          </p:cNvPr>
+          <p:cNvPicPr>
+            <a:picLocks noChangeAspect="1" noChangeArrowheads="1"/>
+          </p:cNvPicPr>
+          <p:nvPr/>
+        </p:nvPicPr>
+        <p:blipFill>
+          <a:blip r:embed="rId3">
+            <a:extLst>
+              <a:ext uri="{28A0092B-C50C-407E-A947-70E740481C1C}">
+                <a14:useLocalDpi xmlns:a14="http://schemas.microsoft.com/office/drawing/2010/main" val="0"/>
+              </a:ext>
+            </a:extLst>
+          </a:blip>
+          <a:srcRect/>
+          <a:stretch>
+            <a:fillRect/>
+          </a:stretch>
+        </p:blipFill>
+        <p:spPr bwMode="auto">
+          <a:xfrm>
+            <a:off x="4799012" y="1443842"/>
+            <a:ext cx="4840073" cy="1662113"/>
+          </a:xfrm>
+          <a:prstGeom prst="rect">
+            <a:avLst/>
+          </a:prstGeom>
+          <a:noFill/>
+          <a:extLst>
+            <a:ext uri="{909E8E84-426E-40DD-AFC4-6F175D3DCCD1}">
+              <a14:hiddenFill xmlns:a14="http://schemas.microsoft.com/office/drawing/2010/main">
+                <a:solidFill>
+                  <a:srgbClr val="FFFFFF"/>
+                </a:solidFill>
+              </a14:hiddenFill>
+            </a:ext>
+          </a:extLst>
+        </p:spPr>
+      </p:pic>
     </p:spTree>
     <p:extLst>
       <p:ext uri="{BB962C8B-B14F-4D97-AF65-F5344CB8AC3E}">
@@ -13985,13 +13833,6 @@
       </p:transition>
     </mc:Fallback>
   </mc:AlternateContent>
-  <p:timing>
-    <p:tnLst>
-      <p:par>
-        <p:cTn id="1" dur="indefinite" restart="never" nodeType="tmRoot"/>
-      </p:par>
-    </p:tnLst>
-  </p:timing>
 </p:sld>
 </file>
 
@@ -14014,9 +13855,15 @@
       </p:grpSpPr>
       <p:pic>
         <p:nvPicPr>
-          <p:cNvPr id="3" name="Image 2"/>
+          <p:cNvPr id="2050" name="Picture 2" descr="PlantUML Diagram">
+            <a:extLst>
+              <a:ext uri="{FF2B5EF4-FFF2-40B4-BE49-F238E27FC236}">
+                <a16:creationId xmlns:a16="http://schemas.microsoft.com/office/drawing/2014/main" id="{BB6A48FC-5EBB-40E4-965F-72498E12EF49}"/>
+              </a:ext>
+            </a:extLst>
+          </p:cNvPr>
           <p:cNvPicPr>
-            <a:picLocks noChangeAspect="1"/>
+            <a:picLocks noChangeAspect="1" noChangeArrowheads="1"/>
           </p:cNvPicPr>
           <p:nvPr/>
         </p:nvPicPr>
@@ -14028,18 +13875,29 @@
               </a:ext>
             </a:extLst>
           </a:blip>
+          <a:srcRect/>
           <a:stretch>
             <a:fillRect/>
           </a:stretch>
         </p:blipFill>
-        <p:spPr>
+        <p:spPr bwMode="auto">
           <a:xfrm>
-            <a:off x="2665412" y="895350"/>
-            <a:ext cx="7067550" cy="4133850"/>
+            <a:off x="5637212" y="395708"/>
+            <a:ext cx="5611080" cy="3280942"/>
           </a:xfrm>
           <a:prstGeom prst="rect">
             <a:avLst/>
           </a:prstGeom>
+          <a:noFill/>
+          <a:extLst>
+            <a:ext uri="{909E8E84-426E-40DD-AFC4-6F175D3DCCD1}">
+              <a14:hiddenFill xmlns:a14="http://schemas.microsoft.com/office/drawing/2010/main">
+                <a:solidFill>
+                  <a:srgbClr val="FFFFFF"/>
+                </a:solidFill>
+              </a14:hiddenFill>
+            </a:ext>
+          </a:extLst>
         </p:spPr>
       </p:pic>
       <p:sp>
@@ -14062,10 +13920,9 @@
               <a:buAutoNum type="arabicPeriod" startAt="2"/>
             </a:pPr>
             <a:r>
-              <a:rPr lang="fr-FR" dirty="0" smtClean="0"/>
+              <a:rPr lang="fr-FR" dirty="0"/>
               <a:t>Deuxième implémentation</a:t>
             </a:r>
-            <a:endParaRPr lang="fr-FR" dirty="0"/>
           </a:p>
         </p:txBody>
       </p:sp>
@@ -14092,19 +13949,19 @@
           <a:lstStyle/>
           <a:p>
             <a:pPr rtl="0"/>
-            <a:endParaRPr lang="fr-FR" dirty="0" smtClean="0"/>
+            <a:endParaRPr lang="fr-FR" dirty="0"/>
           </a:p>
           <a:p>
             <a:pPr rtl="0"/>
             <a:r>
-              <a:rPr lang="fr-FR" dirty="0" smtClean="0"/>
+              <a:rPr lang="fr-FR" dirty="0"/>
               <a:t>Plutôt pas mal! On a factorisé ce qui est en commun</a:t>
             </a:r>
           </a:p>
           <a:p>
             <a:pPr rtl="0"/>
             <a:r>
-              <a:rPr lang="fr-FR" dirty="0" smtClean="0">
+              <a:rPr lang="fr-FR" dirty="0">
                 <a:solidFill>
                   <a:srgbClr val="FF0000"/>
                 </a:solidFill>
@@ -14115,7 +13972,7 @@
           <a:p>
             <a:pPr rtl="0"/>
             <a:r>
-              <a:rPr lang="fr-FR" dirty="0" smtClean="0">
+              <a:rPr lang="fr-FR" dirty="0">
                 <a:solidFill>
                   <a:srgbClr val="FF0000"/>
                 </a:solidFill>
@@ -14123,14 +13980,14 @@
               <a:t>On ne peux pas injecter de </a:t>
             </a:r>
             <a:r>
-              <a:rPr lang="fr-FR" dirty="0" err="1" smtClean="0">
+              <a:rPr lang="fr-FR" dirty="0" err="1">
                 <a:solidFill>
                   <a:srgbClr val="FF0000"/>
                 </a:solidFill>
               </a:rPr>
               <a:t>mock</a:t>
             </a:r>
-            <a:endParaRPr lang="fr-FR" dirty="0" smtClean="0">
+            <a:endParaRPr lang="fr-FR" dirty="0">
               <a:solidFill>
                 <a:srgbClr val="FF0000"/>
               </a:solidFill>
@@ -14139,10 +13996,9 @@
           <a:p>
             <a:pPr rtl="0"/>
             <a:r>
-              <a:rPr lang="fr-FR" dirty="0" smtClean="0"/>
+              <a:rPr lang="fr-FR" dirty="0"/>
               <a:t>Préférer la composition à l’héritage</a:t>
             </a:r>
-            <a:endParaRPr lang="fr-FR" dirty="0"/>
           </a:p>
         </p:txBody>
       </p:sp>
@@ -14168,13 +14024,6 @@
       </p:transition>
     </mc:Fallback>
   </mc:AlternateContent>
-  <p:timing>
-    <p:tnLst>
-      <p:par>
-        <p:cTn id="1" dur="indefinite" restart="never" nodeType="tmRoot"/>
-      </p:par>
-    </p:tnLst>
-  </p:timing>
 </p:sld>
 </file>
 
@@ -14195,36 +14044,6 @@
           <a:chExt cx="0" cy="0"/>
         </a:xfrm>
       </p:grpSpPr>
-      <p:pic>
-        <p:nvPicPr>
-          <p:cNvPr id="4" name="Image 3"/>
-          <p:cNvPicPr>
-            <a:picLocks noChangeAspect="1"/>
-          </p:cNvPicPr>
-          <p:nvPr/>
-        </p:nvPicPr>
-        <p:blipFill>
-          <a:blip r:embed="rId3">
-            <a:extLst>
-              <a:ext uri="{28A0092B-C50C-407E-A947-70E740481C1C}">
-                <a14:useLocalDpi xmlns:a14="http://schemas.microsoft.com/office/drawing/2010/main" val="0"/>
-              </a:ext>
-            </a:extLst>
-          </a:blip>
-          <a:stretch>
-            <a:fillRect/>
-          </a:stretch>
-        </p:blipFill>
-        <p:spPr>
-          <a:xfrm>
-            <a:off x="1889125" y="731628"/>
-            <a:ext cx="8410575" cy="4248150"/>
-          </a:xfrm>
-          <a:prstGeom prst="rect">
-            <a:avLst/>
-          </a:prstGeom>
-        </p:spPr>
-      </p:pic>
       <p:sp>
         <p:nvSpPr>
           <p:cNvPr id="2" name="Titre 1"/>
@@ -14245,10 +14064,9 @@
               <a:buAutoNum type="arabicPeriod" startAt="3"/>
             </a:pPr>
             <a:r>
-              <a:rPr lang="fr-FR" dirty="0" smtClean="0"/>
+              <a:rPr lang="fr-FR" dirty="0"/>
               <a:t>Troisième implémentation</a:t>
             </a:r>
-            <a:endParaRPr lang="fr-FR" dirty="0"/>
           </a:p>
         </p:txBody>
       </p:sp>
@@ -14325,7 +14143,7 @@
               <a:tabLst/>
             </a:pPr>
             <a:r>
-              <a:rPr kumimoji="0" lang="fr-FR" altLang="fr-FR" sz="900" b="0" i="0" u="none" strike="noStrike" cap="none" normalizeH="0" baseline="0" smtClean="0">
+              <a:rPr kumimoji="0" lang="fr-FR" altLang="fr-FR" sz="900" b="0" i="0" u="none" strike="noStrike" cap="none" normalizeH="0" baseline="0">
                 <a:ln>
                   <a:noFill/>
                 </a:ln>
@@ -14339,7 +14157,7 @@
               <a:t>public class </a:t>
             </a:r>
             <a:r>
-              <a:rPr kumimoji="0" lang="fr-FR" altLang="fr-FR" sz="900" b="0" i="0" u="none" strike="noStrike" cap="none" normalizeH="0" baseline="0" smtClean="0">
+              <a:rPr kumimoji="0" lang="fr-FR" altLang="fr-FR" sz="900" b="0" i="0" u="none" strike="noStrike" cap="none" normalizeH="0" baseline="0">
                 <a:ln>
                   <a:noFill/>
                 </a:ln>
@@ -14353,7 +14171,7 @@
               <a:t>Cache&lt;</a:t>
             </a:r>
             <a:r>
-              <a:rPr kumimoji="0" lang="fr-FR" altLang="fr-FR" sz="900" b="0" i="0" u="none" strike="noStrike" cap="none" normalizeH="0" baseline="0" smtClean="0">
+              <a:rPr kumimoji="0" lang="fr-FR" altLang="fr-FR" sz="900" b="0" i="0" u="none" strike="noStrike" cap="none" normalizeH="0" baseline="0">
                 <a:ln>
                   <a:noFill/>
                 </a:ln>
@@ -14367,7 +14185,7 @@
               <a:t>I</a:t>
             </a:r>
             <a:r>
-              <a:rPr kumimoji="0" lang="fr-FR" altLang="fr-FR" sz="900" b="0" i="0" u="none" strike="noStrike" cap="none" normalizeH="0" baseline="0" smtClean="0">
+              <a:rPr kumimoji="0" lang="fr-FR" altLang="fr-FR" sz="900" b="0" i="0" u="none" strike="noStrike" cap="none" normalizeH="0" baseline="0">
                 <a:ln>
                   <a:noFill/>
                 </a:ln>
@@ -14381,7 +14199,7 @@
               <a:t>, </a:t>
             </a:r>
             <a:r>
-              <a:rPr kumimoji="0" lang="fr-FR" altLang="fr-FR" sz="900" b="0" i="0" u="none" strike="noStrike" cap="none" normalizeH="0" baseline="0" smtClean="0">
+              <a:rPr kumimoji="0" lang="fr-FR" altLang="fr-FR" sz="900" b="0" i="0" u="none" strike="noStrike" cap="none" normalizeH="0" baseline="0">
                 <a:ln>
                   <a:noFill/>
                 </a:ln>
@@ -14395,7 +14213,7 @@
               <a:t>T</a:t>
             </a:r>
             <a:r>
-              <a:rPr kumimoji="0" lang="fr-FR" altLang="fr-FR" sz="900" b="0" i="0" u="none" strike="noStrike" cap="none" normalizeH="0" baseline="0" smtClean="0">
+              <a:rPr kumimoji="0" lang="fr-FR" altLang="fr-FR" sz="900" b="0" i="0" u="none" strike="noStrike" cap="none" normalizeH="0" baseline="0">
                 <a:ln>
                   <a:noFill/>
                 </a:ln>
@@ -14409,7 +14227,7 @@
               <a:t>&gt; {</a:t>
             </a:r>
             <a:br>
-              <a:rPr kumimoji="0" lang="fr-FR" altLang="fr-FR" sz="900" b="0" i="0" u="none" strike="noStrike" cap="none" normalizeH="0" baseline="0" smtClean="0">
+              <a:rPr kumimoji="0" lang="fr-FR" altLang="fr-FR" sz="900" b="0" i="0" u="none" strike="noStrike" cap="none" normalizeH="0" baseline="0">
                 <a:ln>
                   <a:noFill/>
                 </a:ln>
@@ -14422,7 +14240,7 @@
               </a:rPr>
             </a:br>
             <a:r>
-              <a:rPr kumimoji="0" lang="fr-FR" altLang="fr-FR" sz="900" b="0" i="0" u="none" strike="noStrike" cap="none" normalizeH="0" baseline="0" smtClean="0">
+              <a:rPr kumimoji="0" lang="fr-FR" altLang="fr-FR" sz="900" b="0" i="0" u="none" strike="noStrike" cap="none" normalizeH="0" baseline="0">
                 <a:ln>
                   <a:noFill/>
                 </a:ln>
@@ -14436,7 +14254,7 @@
               <a:t>    </a:t>
             </a:r>
             <a:r>
-              <a:rPr kumimoji="0" lang="fr-FR" altLang="fr-FR" sz="900" b="0" i="0" u="none" strike="noStrike" cap="none" normalizeH="0" baseline="0" smtClean="0">
+              <a:rPr kumimoji="0" lang="fr-FR" altLang="fr-FR" sz="900" b="0" i="0" u="none" strike="noStrike" cap="none" normalizeH="0" baseline="0">
                 <a:ln>
                   <a:noFill/>
                 </a:ln>
@@ -14450,7 +14268,7 @@
               <a:t>private </a:t>
             </a:r>
             <a:r>
-              <a:rPr kumimoji="0" lang="fr-FR" altLang="fr-FR" sz="900" b="0" i="0" u="none" strike="noStrike" cap="none" normalizeH="0" baseline="0" smtClean="0">
+              <a:rPr kumimoji="0" lang="fr-FR" altLang="fr-FR" sz="900" b="0" i="0" u="none" strike="noStrike" cap="none" normalizeH="0" baseline="0">
                 <a:ln>
                   <a:noFill/>
                 </a:ln>
@@ -14464,7 +14282,7 @@
               <a:t>Map&lt;</a:t>
             </a:r>
             <a:r>
-              <a:rPr kumimoji="0" lang="fr-FR" altLang="fr-FR" sz="900" b="0" i="0" u="none" strike="noStrike" cap="none" normalizeH="0" baseline="0" smtClean="0">
+              <a:rPr kumimoji="0" lang="fr-FR" altLang="fr-FR" sz="900" b="0" i="0" u="none" strike="noStrike" cap="none" normalizeH="0" baseline="0">
                 <a:ln>
                   <a:noFill/>
                 </a:ln>
@@ -14478,7 +14296,7 @@
               <a:t>I</a:t>
             </a:r>
             <a:r>
-              <a:rPr kumimoji="0" lang="fr-FR" altLang="fr-FR" sz="900" b="0" i="0" u="none" strike="noStrike" cap="none" normalizeH="0" baseline="0" smtClean="0">
+              <a:rPr kumimoji="0" lang="fr-FR" altLang="fr-FR" sz="900" b="0" i="0" u="none" strike="noStrike" cap="none" normalizeH="0" baseline="0">
                 <a:ln>
                   <a:noFill/>
                 </a:ln>
@@ -14492,7 +14310,7 @@
               <a:t>, </a:t>
             </a:r>
             <a:r>
-              <a:rPr kumimoji="0" lang="fr-FR" altLang="fr-FR" sz="900" b="0" i="0" u="none" strike="noStrike" cap="none" normalizeH="0" baseline="0" smtClean="0">
+              <a:rPr kumimoji="0" lang="fr-FR" altLang="fr-FR" sz="900" b="0" i="0" u="none" strike="noStrike" cap="none" normalizeH="0" baseline="0">
                 <a:ln>
                   <a:noFill/>
                 </a:ln>
@@ -14506,7 +14324,7 @@
               <a:t>T</a:t>
             </a:r>
             <a:r>
-              <a:rPr kumimoji="0" lang="fr-FR" altLang="fr-FR" sz="900" b="0" i="0" u="none" strike="noStrike" cap="none" normalizeH="0" baseline="0" smtClean="0">
+              <a:rPr kumimoji="0" lang="fr-FR" altLang="fr-FR" sz="900" b="0" i="0" u="none" strike="noStrike" cap="none" normalizeH="0" baseline="0">
                 <a:ln>
                   <a:noFill/>
                 </a:ln>
@@ -14520,7 +14338,7 @@
               <a:t>&gt; </a:t>
             </a:r>
             <a:r>
-              <a:rPr kumimoji="0" lang="fr-FR" altLang="fr-FR" sz="900" b="0" i="0" u="none" strike="noStrike" cap="none" normalizeH="0" baseline="0" smtClean="0">
+              <a:rPr kumimoji="0" lang="fr-FR" altLang="fr-FR" sz="900" b="0" i="0" u="none" strike="noStrike" cap="none" normalizeH="0" baseline="0">
                 <a:ln>
                   <a:noFill/>
                 </a:ln>
@@ -14534,7 +14352,7 @@
               <a:t>cache</a:t>
             </a:r>
             <a:r>
-              <a:rPr kumimoji="0" lang="fr-FR" altLang="fr-FR" sz="900" b="0" i="0" u="none" strike="noStrike" cap="none" normalizeH="0" baseline="0" smtClean="0">
+              <a:rPr kumimoji="0" lang="fr-FR" altLang="fr-FR" sz="900" b="0" i="0" u="none" strike="noStrike" cap="none" normalizeH="0" baseline="0">
                 <a:ln>
                   <a:noFill/>
                 </a:ln>
@@ -14548,7 +14366,7 @@
               <a:t>;</a:t>
             </a:r>
             <a:br>
-              <a:rPr kumimoji="0" lang="fr-FR" altLang="fr-FR" sz="900" b="0" i="0" u="none" strike="noStrike" cap="none" normalizeH="0" baseline="0" smtClean="0">
+              <a:rPr kumimoji="0" lang="fr-FR" altLang="fr-FR" sz="900" b="0" i="0" u="none" strike="noStrike" cap="none" normalizeH="0" baseline="0">
                 <a:ln>
                   <a:noFill/>
                 </a:ln>
@@ -14561,7 +14379,7 @@
               </a:rPr>
             </a:br>
             <a:r>
-              <a:rPr kumimoji="0" lang="fr-FR" altLang="fr-FR" sz="900" b="0" i="0" u="none" strike="noStrike" cap="none" normalizeH="0" baseline="0" smtClean="0">
+              <a:rPr kumimoji="0" lang="fr-FR" altLang="fr-FR" sz="900" b="0" i="0" u="none" strike="noStrike" cap="none" normalizeH="0" baseline="0">
                 <a:ln>
                   <a:noFill/>
                 </a:ln>
@@ -14575,7 +14393,7 @@
               <a:t>    private </a:t>
             </a:r>
             <a:r>
-              <a:rPr kumimoji="0" lang="fr-FR" altLang="fr-FR" sz="900" b="0" i="0" u="none" strike="noStrike" cap="none" normalizeH="0" baseline="0" smtClean="0">
+              <a:rPr kumimoji="0" lang="fr-FR" altLang="fr-FR" sz="900" b="0" i="0" u="none" strike="noStrike" cap="none" normalizeH="0" baseline="0">
                 <a:ln>
                   <a:noFill/>
                 </a:ln>
@@ -14589,7 +14407,7 @@
               <a:t>EntityLoader&lt;</a:t>
             </a:r>
             <a:r>
-              <a:rPr kumimoji="0" lang="fr-FR" altLang="fr-FR" sz="900" b="0" i="0" u="none" strike="noStrike" cap="none" normalizeH="0" baseline="0" smtClean="0">
+              <a:rPr kumimoji="0" lang="fr-FR" altLang="fr-FR" sz="900" b="0" i="0" u="none" strike="noStrike" cap="none" normalizeH="0" baseline="0">
                 <a:ln>
                   <a:noFill/>
                 </a:ln>
@@ -14603,7 +14421,7 @@
               <a:t>I</a:t>
             </a:r>
             <a:r>
-              <a:rPr kumimoji="0" lang="fr-FR" altLang="fr-FR" sz="900" b="0" i="0" u="none" strike="noStrike" cap="none" normalizeH="0" baseline="0" smtClean="0">
+              <a:rPr kumimoji="0" lang="fr-FR" altLang="fr-FR" sz="900" b="0" i="0" u="none" strike="noStrike" cap="none" normalizeH="0" baseline="0">
                 <a:ln>
                   <a:noFill/>
                 </a:ln>
@@ -14617,7 +14435,7 @@
               <a:t>, </a:t>
             </a:r>
             <a:r>
-              <a:rPr kumimoji="0" lang="fr-FR" altLang="fr-FR" sz="900" b="0" i="0" u="none" strike="noStrike" cap="none" normalizeH="0" baseline="0" smtClean="0">
+              <a:rPr kumimoji="0" lang="fr-FR" altLang="fr-FR" sz="900" b="0" i="0" u="none" strike="noStrike" cap="none" normalizeH="0" baseline="0">
                 <a:ln>
                   <a:noFill/>
                 </a:ln>
@@ -14631,7 +14449,7 @@
               <a:t>T</a:t>
             </a:r>
             <a:r>
-              <a:rPr kumimoji="0" lang="fr-FR" altLang="fr-FR" sz="900" b="0" i="0" u="none" strike="noStrike" cap="none" normalizeH="0" baseline="0" smtClean="0">
+              <a:rPr kumimoji="0" lang="fr-FR" altLang="fr-FR" sz="900" b="0" i="0" u="none" strike="noStrike" cap="none" normalizeH="0" baseline="0">
                 <a:ln>
                   <a:noFill/>
                 </a:ln>
@@ -14645,7 +14463,7 @@
               <a:t>&gt; </a:t>
             </a:r>
             <a:r>
-              <a:rPr kumimoji="0" lang="fr-FR" altLang="fr-FR" sz="900" b="0" i="0" u="none" strike="noStrike" cap="none" normalizeH="0" baseline="0" smtClean="0">
+              <a:rPr kumimoji="0" lang="fr-FR" altLang="fr-FR" sz="900" b="0" i="0" u="none" strike="noStrike" cap="none" normalizeH="0" baseline="0">
                 <a:ln>
                   <a:noFill/>
                 </a:ln>
@@ -14659,7 +14477,7 @@
               <a:t>entityLoader</a:t>
             </a:r>
             <a:r>
-              <a:rPr kumimoji="0" lang="fr-FR" altLang="fr-FR" sz="900" b="0" i="0" u="none" strike="noStrike" cap="none" normalizeH="0" baseline="0" smtClean="0">
+              <a:rPr kumimoji="0" lang="fr-FR" altLang="fr-FR" sz="900" b="0" i="0" u="none" strike="noStrike" cap="none" normalizeH="0" baseline="0">
                 <a:ln>
                   <a:noFill/>
                 </a:ln>
@@ -14673,7 +14491,7 @@
               <a:t>;</a:t>
             </a:r>
             <a:br>
-              <a:rPr kumimoji="0" lang="fr-FR" altLang="fr-FR" sz="900" b="0" i="0" u="none" strike="noStrike" cap="none" normalizeH="0" baseline="0" smtClean="0">
+              <a:rPr kumimoji="0" lang="fr-FR" altLang="fr-FR" sz="900" b="0" i="0" u="none" strike="noStrike" cap="none" normalizeH="0" baseline="0">
                 <a:ln>
                   <a:noFill/>
                 </a:ln>
@@ -14685,8 +14503,8 @@
                 <a:cs typeface="Courier New" panose="02070309020205020404" pitchFamily="49" charset="0"/>
               </a:rPr>
             </a:br>
-            <a:r>
-              <a:rPr kumimoji="0" lang="fr-FR" altLang="fr-FR" sz="900" b="0" i="0" u="none" strike="noStrike" cap="none" normalizeH="0" baseline="0" smtClean="0">
+            <a:br>
+              <a:rPr kumimoji="0" lang="fr-FR" altLang="fr-FR" sz="900" b="0" i="0" u="none" strike="noStrike" cap="none" normalizeH="0" baseline="0">
                 <a:ln>
                   <a:noFill/>
                 </a:ln>
@@ -14697,10 +14515,134 @@
                 <a:latin typeface="Courier New" panose="02070309020205020404" pitchFamily="49" charset="0"/>
                 <a:cs typeface="Courier New" panose="02070309020205020404" pitchFamily="49" charset="0"/>
               </a:rPr>
-              <a:t/>
+            </a:br>
+            <a:r>
+              <a:rPr kumimoji="0" lang="fr-FR" altLang="fr-FR" sz="900" b="0" i="0" u="none" strike="noStrike" cap="none" normalizeH="0" baseline="0">
+                <a:ln>
+                  <a:noFill/>
+                </a:ln>
+                <a:solidFill>
+                  <a:srgbClr val="CC7832"/>
+                </a:solidFill>
+                <a:effectLst/>
+                <a:latin typeface="Courier New" panose="02070309020205020404" pitchFamily="49" charset="0"/>
+                <a:cs typeface="Courier New" panose="02070309020205020404" pitchFamily="49" charset="0"/>
+              </a:rPr>
+              <a:t>    public </a:t>
+            </a:r>
+            <a:r>
+              <a:rPr kumimoji="0" lang="fr-FR" altLang="fr-FR" sz="900" b="0" i="0" u="none" strike="noStrike" cap="none" normalizeH="0" baseline="0">
+                <a:ln>
+                  <a:noFill/>
+                </a:ln>
+                <a:solidFill>
+                  <a:srgbClr val="FFC66D"/>
+                </a:solidFill>
+                <a:effectLst/>
+                <a:latin typeface="Courier New" panose="02070309020205020404" pitchFamily="49" charset="0"/>
+                <a:cs typeface="Courier New" panose="02070309020205020404" pitchFamily="49" charset="0"/>
+              </a:rPr>
+              <a:t>Cache</a:t>
+            </a:r>
+            <a:r>
+              <a:rPr kumimoji="0" lang="fr-FR" altLang="fr-FR" sz="900" b="0" i="0" u="none" strike="noStrike" cap="none" normalizeH="0" baseline="0">
+                <a:ln>
+                  <a:noFill/>
+                </a:ln>
+                <a:solidFill>
+                  <a:srgbClr val="A9B7C6"/>
+                </a:solidFill>
+                <a:effectLst/>
+                <a:latin typeface="Courier New" panose="02070309020205020404" pitchFamily="49" charset="0"/>
+                <a:cs typeface="Courier New" panose="02070309020205020404" pitchFamily="49" charset="0"/>
+              </a:rPr>
+              <a:t>(EntityLoader&lt;</a:t>
+            </a:r>
+            <a:r>
+              <a:rPr kumimoji="0" lang="fr-FR" altLang="fr-FR" sz="900" b="0" i="0" u="none" strike="noStrike" cap="none" normalizeH="0" baseline="0">
+                <a:ln>
+                  <a:noFill/>
+                </a:ln>
+                <a:solidFill>
+                  <a:srgbClr val="507874"/>
+                </a:solidFill>
+                <a:effectLst/>
+                <a:latin typeface="Courier New" panose="02070309020205020404" pitchFamily="49" charset="0"/>
+                <a:cs typeface="Courier New" panose="02070309020205020404" pitchFamily="49" charset="0"/>
+              </a:rPr>
+              <a:t>I</a:t>
+            </a:r>
+            <a:r>
+              <a:rPr kumimoji="0" lang="fr-FR" altLang="fr-FR" sz="900" b="0" i="0" u="none" strike="noStrike" cap="none" normalizeH="0" baseline="0">
+                <a:ln>
+                  <a:noFill/>
+                </a:ln>
+                <a:solidFill>
+                  <a:srgbClr val="CC7832"/>
+                </a:solidFill>
+                <a:effectLst/>
+                <a:latin typeface="Courier New" panose="02070309020205020404" pitchFamily="49" charset="0"/>
+                <a:cs typeface="Courier New" panose="02070309020205020404" pitchFamily="49" charset="0"/>
+              </a:rPr>
+              <a:t>, </a:t>
+            </a:r>
+            <a:r>
+              <a:rPr kumimoji="0" lang="fr-FR" altLang="fr-FR" sz="900" b="0" i="0" u="none" strike="noStrike" cap="none" normalizeH="0" baseline="0">
+                <a:ln>
+                  <a:noFill/>
+                </a:ln>
+                <a:solidFill>
+                  <a:srgbClr val="507874"/>
+                </a:solidFill>
+                <a:effectLst/>
+                <a:latin typeface="Courier New" panose="02070309020205020404" pitchFamily="49" charset="0"/>
+                <a:cs typeface="Courier New" panose="02070309020205020404" pitchFamily="49" charset="0"/>
+              </a:rPr>
+              <a:t>T</a:t>
+            </a:r>
+            <a:r>
+              <a:rPr kumimoji="0" lang="fr-FR" altLang="fr-FR" sz="900" b="0" i="0" u="none" strike="noStrike" cap="none" normalizeH="0" baseline="0">
+                <a:ln>
+                  <a:noFill/>
+                </a:ln>
+                <a:solidFill>
+                  <a:srgbClr val="A9B7C6"/>
+                </a:solidFill>
+                <a:effectLst/>
+                <a:latin typeface="Courier New" panose="02070309020205020404" pitchFamily="49" charset="0"/>
+                <a:cs typeface="Courier New" panose="02070309020205020404" pitchFamily="49" charset="0"/>
+              </a:rPr>
+              <a:t>&gt; entityLoader) {</a:t>
             </a:r>
             <a:br>
-              <a:rPr kumimoji="0" lang="fr-FR" altLang="fr-FR" sz="900" b="0" i="0" u="none" strike="noStrike" cap="none" normalizeH="0" baseline="0" smtClean="0">
+              <a:rPr kumimoji="0" lang="fr-FR" altLang="fr-FR" sz="900" b="0" i="0" u="none" strike="noStrike" cap="none" normalizeH="0" baseline="0">
+                <a:ln>
+                  <a:noFill/>
+                </a:ln>
+                <a:solidFill>
+                  <a:srgbClr val="A9B7C6"/>
+                </a:solidFill>
+                <a:effectLst/>
+                <a:latin typeface="Courier New" panose="02070309020205020404" pitchFamily="49" charset="0"/>
+                <a:cs typeface="Courier New" panose="02070309020205020404" pitchFamily="49" charset="0"/>
+              </a:rPr>
+            </a:br>
+            <a:r>
+              <a:rPr kumimoji="0" lang="fr-FR" altLang="fr-FR" sz="900" b="0" i="0" u="none" strike="noStrike" cap="none" normalizeH="0" baseline="0">
+                <a:ln>
+                  <a:noFill/>
+                </a:ln>
+                <a:solidFill>
+                  <a:srgbClr val="A9B7C6"/>
+                </a:solidFill>
+                <a:effectLst/>
+                <a:latin typeface="Courier New" panose="02070309020205020404" pitchFamily="49" charset="0"/>
+                <a:cs typeface="Courier New" panose="02070309020205020404" pitchFamily="49" charset="0"/>
+              </a:rPr>
+              <a:t>        </a:t>
+            </a:r>
+            <a:r>
+              <a:rPr kumimoji="0" lang="fr-FR" altLang="fr-FR" sz="900" b="0" i="0" u="none" strike="noStrike" cap="none" normalizeH="0" baseline="0">
                 <a:ln>
                   <a:noFill/>
                 </a:ln>
@@ -14711,9 +14653,79 @@
                 <a:latin typeface="Courier New" panose="02070309020205020404" pitchFamily="49" charset="0"/>
                 <a:cs typeface="Courier New" panose="02070309020205020404" pitchFamily="49" charset="0"/>
               </a:rPr>
+              <a:t>this</a:t>
+            </a:r>
+            <a:r>
+              <a:rPr kumimoji="0" lang="fr-FR" altLang="fr-FR" sz="900" b="0" i="0" u="none" strike="noStrike" cap="none" normalizeH="0" baseline="0">
+                <a:ln>
+                  <a:noFill/>
+                </a:ln>
+                <a:solidFill>
+                  <a:srgbClr val="A9B7C6"/>
+                </a:solidFill>
+                <a:effectLst/>
+                <a:latin typeface="Courier New" panose="02070309020205020404" pitchFamily="49" charset="0"/>
+                <a:cs typeface="Courier New" panose="02070309020205020404" pitchFamily="49" charset="0"/>
+              </a:rPr>
+              <a:t>.</a:t>
+            </a:r>
+            <a:r>
+              <a:rPr kumimoji="0" lang="fr-FR" altLang="fr-FR" sz="900" b="0" i="0" u="none" strike="noStrike" cap="none" normalizeH="0" baseline="0">
+                <a:ln>
+                  <a:noFill/>
+                </a:ln>
+                <a:solidFill>
+                  <a:srgbClr val="9876AA"/>
+                </a:solidFill>
+                <a:effectLst/>
+                <a:latin typeface="Courier New" panose="02070309020205020404" pitchFamily="49" charset="0"/>
+                <a:cs typeface="Courier New" panose="02070309020205020404" pitchFamily="49" charset="0"/>
+              </a:rPr>
+              <a:t>entityLoader </a:t>
+            </a:r>
+            <a:r>
+              <a:rPr kumimoji="0" lang="fr-FR" altLang="fr-FR" sz="900" b="0" i="0" u="none" strike="noStrike" cap="none" normalizeH="0" baseline="0">
+                <a:ln>
+                  <a:noFill/>
+                </a:ln>
+                <a:solidFill>
+                  <a:srgbClr val="A9B7C6"/>
+                </a:solidFill>
+                <a:effectLst/>
+                <a:latin typeface="Courier New" panose="02070309020205020404" pitchFamily="49" charset="0"/>
+                <a:cs typeface="Courier New" panose="02070309020205020404" pitchFamily="49" charset="0"/>
+              </a:rPr>
+              <a:t>= entityLoader</a:t>
+            </a:r>
+            <a:r>
+              <a:rPr kumimoji="0" lang="fr-FR" altLang="fr-FR" sz="900" b="0" i="0" u="none" strike="noStrike" cap="none" normalizeH="0" baseline="0">
+                <a:ln>
+                  <a:noFill/>
+                </a:ln>
+                <a:solidFill>
+                  <a:srgbClr val="CC7832"/>
+                </a:solidFill>
+                <a:effectLst/>
+                <a:latin typeface="Courier New" panose="02070309020205020404" pitchFamily="49" charset="0"/>
+                <a:cs typeface="Courier New" panose="02070309020205020404" pitchFamily="49" charset="0"/>
+              </a:rPr>
+              <a:t>;</a:t>
+            </a:r>
+            <a:br>
+              <a:rPr kumimoji="0" lang="fr-FR" altLang="fr-FR" sz="900" b="0" i="0" u="none" strike="noStrike" cap="none" normalizeH="0" baseline="0">
+                <a:ln>
+                  <a:noFill/>
+                </a:ln>
+                <a:solidFill>
+                  <a:srgbClr val="CC7832"/>
+                </a:solidFill>
+                <a:effectLst/>
+                <a:latin typeface="Courier New" panose="02070309020205020404" pitchFamily="49" charset="0"/>
+                <a:cs typeface="Courier New" panose="02070309020205020404" pitchFamily="49" charset="0"/>
+              </a:rPr>
             </a:br>
             <a:r>
-              <a:rPr kumimoji="0" lang="fr-FR" altLang="fr-FR" sz="900" b="0" i="0" u="none" strike="noStrike" cap="none" normalizeH="0" baseline="0" smtClean="0">
+              <a:rPr kumimoji="0" lang="fr-FR" altLang="fr-FR" sz="900" b="0" i="0" u="none" strike="noStrike" cap="none" normalizeH="0" baseline="0">
                 <a:ln>
                   <a:noFill/>
                 </a:ln>
@@ -14724,10 +14736,65 @@
                 <a:latin typeface="Courier New" panose="02070309020205020404" pitchFamily="49" charset="0"/>
                 <a:cs typeface="Courier New" panose="02070309020205020404" pitchFamily="49" charset="0"/>
               </a:rPr>
-              <a:t>    public </a:t>
-            </a:r>
-            <a:r>
-              <a:rPr kumimoji="0" lang="fr-FR" altLang="fr-FR" sz="900" b="0" i="0" u="none" strike="noStrike" cap="none" normalizeH="0" baseline="0" smtClean="0">
+              <a:t>    </a:t>
+            </a:r>
+            <a:r>
+              <a:rPr kumimoji="0" lang="fr-FR" altLang="fr-FR" sz="900" b="0" i="0" u="none" strike="noStrike" cap="none" normalizeH="0" baseline="0">
+                <a:ln>
+                  <a:noFill/>
+                </a:ln>
+                <a:solidFill>
+                  <a:srgbClr val="A9B7C6"/>
+                </a:solidFill>
+                <a:effectLst/>
+                <a:latin typeface="Courier New" panose="02070309020205020404" pitchFamily="49" charset="0"/>
+                <a:cs typeface="Courier New" panose="02070309020205020404" pitchFamily="49" charset="0"/>
+              </a:rPr>
+              <a:t>}</a:t>
+            </a:r>
+            <a:br>
+              <a:rPr kumimoji="0" lang="fr-FR" altLang="fr-FR" sz="900" b="0" i="0" u="none" strike="noStrike" cap="none" normalizeH="0" baseline="0">
+                <a:ln>
+                  <a:noFill/>
+                </a:ln>
+                <a:solidFill>
+                  <a:srgbClr val="A9B7C6"/>
+                </a:solidFill>
+                <a:effectLst/>
+                <a:latin typeface="Courier New" panose="02070309020205020404" pitchFamily="49" charset="0"/>
+                <a:cs typeface="Courier New" panose="02070309020205020404" pitchFamily="49" charset="0"/>
+              </a:rPr>
+            </a:br>
+            <a:r>
+              <a:rPr kumimoji="0" lang="fr-FR" altLang="fr-FR" sz="900" b="0" i="0" u="none" strike="noStrike" cap="none" normalizeH="0" baseline="0">
+                <a:ln>
+                  <a:noFill/>
+                </a:ln>
+                <a:solidFill>
+                  <a:srgbClr val="A9B7C6"/>
+                </a:solidFill>
+                <a:effectLst/>
+                <a:latin typeface="Courier New" panose="02070309020205020404" pitchFamily="49" charset="0"/>
+                <a:cs typeface="Courier New" panose="02070309020205020404" pitchFamily="49" charset="0"/>
+              </a:rPr>
+              <a:t>    </a:t>
+            </a:r>
+            <a:r>
+              <a:rPr kumimoji="0" lang="fr-FR" altLang="fr-FR" sz="900" b="0" i="0" u="none" strike="noStrike" cap="none" normalizeH="0" baseline="0">
+                <a:ln>
+                  <a:noFill/>
+                </a:ln>
+                <a:solidFill>
+                  <a:srgbClr val="CC7832"/>
+                </a:solidFill>
+                <a:effectLst/>
+                <a:latin typeface="Courier New" panose="02070309020205020404" pitchFamily="49" charset="0"/>
+                <a:cs typeface="Courier New" panose="02070309020205020404" pitchFamily="49" charset="0"/>
+              </a:rPr>
+              <a:t>public void </a:t>
+            </a:r>
+            <a:r>
+              <a:rPr kumimoji="0" lang="fr-FR" altLang="fr-FR" sz="900" b="0" i="0" u="none" strike="noStrike" cap="none" normalizeH="0" baseline="0">
                 <a:ln>
                   <a:noFill/>
                 </a:ln>
@@ -14738,24 +14805,231 @@
                 <a:latin typeface="Courier New" panose="02070309020205020404" pitchFamily="49" charset="0"/>
                 <a:cs typeface="Courier New" panose="02070309020205020404" pitchFamily="49" charset="0"/>
               </a:rPr>
-              <a:t>Cache</a:t>
-            </a:r>
-            <a:r>
-              <a:rPr kumimoji="0" lang="fr-FR" altLang="fr-FR" sz="900" b="0" i="0" u="none" strike="noStrike" cap="none" normalizeH="0" baseline="0" smtClean="0">
-                <a:ln>
-                  <a:noFill/>
-                </a:ln>
-                <a:solidFill>
-                  <a:srgbClr val="A9B7C6"/>
-                </a:solidFill>
-                <a:effectLst/>
-                <a:latin typeface="Courier New" panose="02070309020205020404" pitchFamily="49" charset="0"/>
-                <a:cs typeface="Courier New" panose="02070309020205020404" pitchFamily="49" charset="0"/>
-              </a:rPr>
-              <a:t>(EntityLoader&lt;</a:t>
-            </a:r>
-            <a:r>
-              <a:rPr kumimoji="0" lang="fr-FR" altLang="fr-FR" sz="900" b="0" i="0" u="none" strike="noStrike" cap="none" normalizeH="0" baseline="0" smtClean="0">
+              <a:t>loadAll</a:t>
+            </a:r>
+            <a:r>
+              <a:rPr kumimoji="0" lang="fr-FR" altLang="fr-FR" sz="900" b="0" i="0" u="none" strike="noStrike" cap="none" normalizeH="0" baseline="0">
+                <a:ln>
+                  <a:noFill/>
+                </a:ln>
+                <a:solidFill>
+                  <a:srgbClr val="A9B7C6"/>
+                </a:solidFill>
+                <a:effectLst/>
+                <a:latin typeface="Courier New" panose="02070309020205020404" pitchFamily="49" charset="0"/>
+                <a:cs typeface="Courier New" panose="02070309020205020404" pitchFamily="49" charset="0"/>
+              </a:rPr>
+              <a:t>() {</a:t>
+            </a:r>
+            <a:br>
+              <a:rPr kumimoji="0" lang="fr-FR" altLang="fr-FR" sz="900" b="0" i="0" u="none" strike="noStrike" cap="none" normalizeH="0" baseline="0">
+                <a:ln>
+                  <a:noFill/>
+                </a:ln>
+                <a:solidFill>
+                  <a:srgbClr val="A9B7C6"/>
+                </a:solidFill>
+                <a:effectLst/>
+                <a:latin typeface="Courier New" panose="02070309020205020404" pitchFamily="49" charset="0"/>
+                <a:cs typeface="Courier New" panose="02070309020205020404" pitchFamily="49" charset="0"/>
+              </a:rPr>
+            </a:br>
+            <a:r>
+              <a:rPr kumimoji="0" lang="fr-FR" altLang="fr-FR" sz="900" b="0" i="0" u="none" strike="noStrike" cap="none" normalizeH="0" baseline="0">
+                <a:ln>
+                  <a:noFill/>
+                </a:ln>
+                <a:solidFill>
+                  <a:srgbClr val="A9B7C6"/>
+                </a:solidFill>
+                <a:effectLst/>
+                <a:latin typeface="Courier New" panose="02070309020205020404" pitchFamily="49" charset="0"/>
+                <a:cs typeface="Courier New" panose="02070309020205020404" pitchFamily="49" charset="0"/>
+              </a:rPr>
+              <a:t>        </a:t>
+            </a:r>
+            <a:r>
+              <a:rPr kumimoji="0" lang="fr-FR" altLang="fr-FR" sz="900" b="0" i="0" u="none" strike="noStrike" cap="none" normalizeH="0" baseline="0">
+                <a:ln>
+                  <a:noFill/>
+                </a:ln>
+                <a:solidFill>
+                  <a:srgbClr val="CC7832"/>
+                </a:solidFill>
+                <a:effectLst/>
+                <a:latin typeface="Courier New" panose="02070309020205020404" pitchFamily="49" charset="0"/>
+                <a:cs typeface="Courier New" panose="02070309020205020404" pitchFamily="49" charset="0"/>
+              </a:rPr>
+              <a:t>this</a:t>
+            </a:r>
+            <a:r>
+              <a:rPr kumimoji="0" lang="fr-FR" altLang="fr-FR" sz="900" b="0" i="0" u="none" strike="noStrike" cap="none" normalizeH="0" baseline="0">
+                <a:ln>
+                  <a:noFill/>
+                </a:ln>
+                <a:solidFill>
+                  <a:srgbClr val="A9B7C6"/>
+                </a:solidFill>
+                <a:effectLst/>
+                <a:latin typeface="Courier New" panose="02070309020205020404" pitchFamily="49" charset="0"/>
+                <a:cs typeface="Courier New" panose="02070309020205020404" pitchFamily="49" charset="0"/>
+              </a:rPr>
+              <a:t>.</a:t>
+            </a:r>
+            <a:r>
+              <a:rPr kumimoji="0" lang="fr-FR" altLang="fr-FR" sz="900" b="0" i="0" u="none" strike="noStrike" cap="none" normalizeH="0" baseline="0">
+                <a:ln>
+                  <a:noFill/>
+                </a:ln>
+                <a:solidFill>
+                  <a:srgbClr val="9876AA"/>
+                </a:solidFill>
+                <a:effectLst/>
+                <a:latin typeface="Courier New" panose="02070309020205020404" pitchFamily="49" charset="0"/>
+                <a:cs typeface="Courier New" panose="02070309020205020404" pitchFamily="49" charset="0"/>
+              </a:rPr>
+              <a:t>cache </a:t>
+            </a:r>
+            <a:r>
+              <a:rPr kumimoji="0" lang="fr-FR" altLang="fr-FR" sz="900" b="0" i="0" u="none" strike="noStrike" cap="none" normalizeH="0" baseline="0">
+                <a:ln>
+                  <a:noFill/>
+                </a:ln>
+                <a:solidFill>
+                  <a:srgbClr val="A9B7C6"/>
+                </a:solidFill>
+                <a:effectLst/>
+                <a:latin typeface="Courier New" panose="02070309020205020404" pitchFamily="49" charset="0"/>
+                <a:cs typeface="Courier New" panose="02070309020205020404" pitchFamily="49" charset="0"/>
+              </a:rPr>
+              <a:t>= </a:t>
+            </a:r>
+            <a:r>
+              <a:rPr kumimoji="0" lang="fr-FR" altLang="fr-FR" sz="900" b="0" i="0" u="none" strike="noStrike" cap="none" normalizeH="0" baseline="0">
+                <a:ln>
+                  <a:noFill/>
+                </a:ln>
+                <a:solidFill>
+                  <a:srgbClr val="9876AA"/>
+                </a:solidFill>
+                <a:effectLst/>
+                <a:latin typeface="Courier New" panose="02070309020205020404" pitchFamily="49" charset="0"/>
+                <a:cs typeface="Courier New" panose="02070309020205020404" pitchFamily="49" charset="0"/>
+              </a:rPr>
+              <a:t>entityLoader</a:t>
+            </a:r>
+            <a:r>
+              <a:rPr kumimoji="0" lang="fr-FR" altLang="fr-FR" sz="900" b="0" i="0" u="none" strike="noStrike" cap="none" normalizeH="0" baseline="0">
+                <a:ln>
+                  <a:noFill/>
+                </a:ln>
+                <a:solidFill>
+                  <a:srgbClr val="A9B7C6"/>
+                </a:solidFill>
+                <a:effectLst/>
+                <a:latin typeface="Courier New" panose="02070309020205020404" pitchFamily="49" charset="0"/>
+                <a:cs typeface="Courier New" panose="02070309020205020404" pitchFamily="49" charset="0"/>
+              </a:rPr>
+              <a:t>.loadAll()</a:t>
+            </a:r>
+            <a:r>
+              <a:rPr kumimoji="0" lang="fr-FR" altLang="fr-FR" sz="900" b="0" i="0" u="none" strike="noStrike" cap="none" normalizeH="0" baseline="0">
+                <a:ln>
+                  <a:noFill/>
+                </a:ln>
+                <a:solidFill>
+                  <a:srgbClr val="CC7832"/>
+                </a:solidFill>
+                <a:effectLst/>
+                <a:latin typeface="Courier New" panose="02070309020205020404" pitchFamily="49" charset="0"/>
+                <a:cs typeface="Courier New" panose="02070309020205020404" pitchFamily="49" charset="0"/>
+              </a:rPr>
+              <a:t>;</a:t>
+            </a:r>
+            <a:br>
+              <a:rPr kumimoji="0" lang="fr-FR" altLang="fr-FR" sz="900" b="0" i="0" u="none" strike="noStrike" cap="none" normalizeH="0" baseline="0">
+                <a:ln>
+                  <a:noFill/>
+                </a:ln>
+                <a:solidFill>
+                  <a:srgbClr val="CC7832"/>
+                </a:solidFill>
+                <a:effectLst/>
+                <a:latin typeface="Courier New" panose="02070309020205020404" pitchFamily="49" charset="0"/>
+                <a:cs typeface="Courier New" panose="02070309020205020404" pitchFamily="49" charset="0"/>
+              </a:rPr>
+            </a:br>
+            <a:r>
+              <a:rPr kumimoji="0" lang="fr-FR" altLang="fr-FR" sz="900" b="0" i="0" u="none" strike="noStrike" cap="none" normalizeH="0" baseline="0">
+                <a:ln>
+                  <a:noFill/>
+                </a:ln>
+                <a:solidFill>
+                  <a:srgbClr val="CC7832"/>
+                </a:solidFill>
+                <a:effectLst/>
+                <a:latin typeface="Courier New" panose="02070309020205020404" pitchFamily="49" charset="0"/>
+                <a:cs typeface="Courier New" panose="02070309020205020404" pitchFamily="49" charset="0"/>
+              </a:rPr>
+              <a:t>    </a:t>
+            </a:r>
+            <a:r>
+              <a:rPr kumimoji="0" lang="fr-FR" altLang="fr-FR" sz="900" b="0" i="0" u="none" strike="noStrike" cap="none" normalizeH="0" baseline="0">
+                <a:ln>
+                  <a:noFill/>
+                </a:ln>
+                <a:solidFill>
+                  <a:srgbClr val="A9B7C6"/>
+                </a:solidFill>
+                <a:effectLst/>
+                <a:latin typeface="Courier New" panose="02070309020205020404" pitchFamily="49" charset="0"/>
+                <a:cs typeface="Courier New" panose="02070309020205020404" pitchFamily="49" charset="0"/>
+              </a:rPr>
+              <a:t>}</a:t>
+            </a:r>
+            <a:br>
+              <a:rPr kumimoji="0" lang="fr-FR" altLang="fr-FR" sz="900" b="0" i="0" u="none" strike="noStrike" cap="none" normalizeH="0" baseline="0">
+                <a:ln>
+                  <a:noFill/>
+                </a:ln>
+                <a:solidFill>
+                  <a:srgbClr val="A9B7C6"/>
+                </a:solidFill>
+                <a:effectLst/>
+                <a:latin typeface="Courier New" panose="02070309020205020404" pitchFamily="49" charset="0"/>
+                <a:cs typeface="Courier New" panose="02070309020205020404" pitchFamily="49" charset="0"/>
+              </a:rPr>
+            </a:br>
+            <a:r>
+              <a:rPr kumimoji="0" lang="fr-FR" altLang="fr-FR" sz="900" b="0" i="0" u="none" strike="noStrike" cap="none" normalizeH="0" baseline="0">
+                <a:ln>
+                  <a:noFill/>
+                </a:ln>
+                <a:solidFill>
+                  <a:srgbClr val="A9B7C6"/>
+                </a:solidFill>
+                <a:effectLst/>
+                <a:latin typeface="Courier New" panose="02070309020205020404" pitchFamily="49" charset="0"/>
+                <a:cs typeface="Courier New" panose="02070309020205020404" pitchFamily="49" charset="0"/>
+              </a:rPr>
+              <a:t>    </a:t>
+            </a:r>
+            <a:r>
+              <a:rPr kumimoji="0" lang="fr-FR" altLang="fr-FR" sz="900" b="0" i="0" u="none" strike="noStrike" cap="none" normalizeH="0" baseline="0">
+                <a:ln>
+                  <a:noFill/>
+                </a:ln>
+                <a:solidFill>
+                  <a:srgbClr val="CC7832"/>
+                </a:solidFill>
+                <a:effectLst/>
+                <a:latin typeface="Courier New" panose="02070309020205020404" pitchFamily="49" charset="0"/>
+                <a:cs typeface="Courier New" panose="02070309020205020404" pitchFamily="49" charset="0"/>
+              </a:rPr>
+              <a:t>public </a:t>
+            </a:r>
+            <a:r>
+              <a:rPr kumimoji="0" lang="fr-FR" altLang="fr-FR" sz="900" b="0" i="0" u="none" strike="noStrike" cap="none" normalizeH="0" baseline="0">
                 <a:ln>
                   <a:noFill/>
                 </a:ln>
@@ -14766,10 +15040,93 @@
                 <a:latin typeface="Courier New" panose="02070309020205020404" pitchFamily="49" charset="0"/>
                 <a:cs typeface="Courier New" panose="02070309020205020404" pitchFamily="49" charset="0"/>
               </a:rPr>
-              <a:t>I</a:t>
-            </a:r>
-            <a:r>
-              <a:rPr kumimoji="0" lang="fr-FR" altLang="fr-FR" sz="900" b="0" i="0" u="none" strike="noStrike" cap="none" normalizeH="0" baseline="0" smtClean="0">
+              <a:t>T </a:t>
+            </a:r>
+            <a:r>
+              <a:rPr kumimoji="0" lang="fr-FR" altLang="fr-FR" sz="900" b="0" i="0" u="none" strike="noStrike" cap="none" normalizeH="0" baseline="0">
+                <a:ln>
+                  <a:noFill/>
+                </a:ln>
+                <a:solidFill>
+                  <a:srgbClr val="FFC66D"/>
+                </a:solidFill>
+                <a:effectLst/>
+                <a:latin typeface="Courier New" panose="02070309020205020404" pitchFamily="49" charset="0"/>
+                <a:cs typeface="Courier New" panose="02070309020205020404" pitchFamily="49" charset="0"/>
+              </a:rPr>
+              <a:t>get</a:t>
+            </a:r>
+            <a:r>
+              <a:rPr kumimoji="0" lang="fr-FR" altLang="fr-FR" sz="900" b="0" i="0" u="none" strike="noStrike" cap="none" normalizeH="0" baseline="0">
+                <a:ln>
+                  <a:noFill/>
+                </a:ln>
+                <a:solidFill>
+                  <a:srgbClr val="A9B7C6"/>
+                </a:solidFill>
+                <a:effectLst/>
+                <a:latin typeface="Courier New" panose="02070309020205020404" pitchFamily="49" charset="0"/>
+                <a:cs typeface="Courier New" panose="02070309020205020404" pitchFamily="49" charset="0"/>
+              </a:rPr>
+              <a:t>(</a:t>
+            </a:r>
+            <a:r>
+              <a:rPr kumimoji="0" lang="fr-FR" altLang="fr-FR" sz="900" b="0" i="0" u="none" strike="noStrike" cap="none" normalizeH="0" baseline="0">
+                <a:ln>
+                  <a:noFill/>
+                </a:ln>
+                <a:solidFill>
+                  <a:srgbClr val="507874"/>
+                </a:solidFill>
+                <a:effectLst/>
+                <a:latin typeface="Courier New" panose="02070309020205020404" pitchFamily="49" charset="0"/>
+                <a:cs typeface="Courier New" panose="02070309020205020404" pitchFamily="49" charset="0"/>
+              </a:rPr>
+              <a:t>I </a:t>
+            </a:r>
+            <a:r>
+              <a:rPr kumimoji="0" lang="fr-FR" altLang="fr-FR" sz="900" b="0" i="0" u="none" strike="noStrike" cap="none" normalizeH="0" baseline="0">
+                <a:ln>
+                  <a:noFill/>
+                </a:ln>
+                <a:solidFill>
+                  <a:srgbClr val="A9B7C6"/>
+                </a:solidFill>
+                <a:effectLst/>
+                <a:latin typeface="Courier New" panose="02070309020205020404" pitchFamily="49" charset="0"/>
+                <a:cs typeface="Courier New" panose="02070309020205020404" pitchFamily="49" charset="0"/>
+              </a:rPr>
+              <a:t>id) {</a:t>
+            </a:r>
+            <a:br>
+              <a:rPr kumimoji="0" lang="fr-FR" altLang="fr-FR" sz="900" b="0" i="0" u="none" strike="noStrike" cap="none" normalizeH="0" baseline="0">
+                <a:ln>
+                  <a:noFill/>
+                </a:ln>
+                <a:solidFill>
+                  <a:srgbClr val="A9B7C6"/>
+                </a:solidFill>
+                <a:effectLst/>
+                <a:latin typeface="Courier New" panose="02070309020205020404" pitchFamily="49" charset="0"/>
+                <a:cs typeface="Courier New" panose="02070309020205020404" pitchFamily="49" charset="0"/>
+              </a:rPr>
+            </a:br>
+            <a:r>
+              <a:rPr kumimoji="0" lang="fr-FR" altLang="fr-FR" sz="900" b="0" i="0" u="none" strike="noStrike" cap="none" normalizeH="0" baseline="0">
+                <a:ln>
+                  <a:noFill/>
+                </a:ln>
+                <a:solidFill>
+                  <a:srgbClr val="A9B7C6"/>
+                </a:solidFill>
+                <a:effectLst/>
+                <a:latin typeface="Courier New" panose="02070309020205020404" pitchFamily="49" charset="0"/>
+                <a:cs typeface="Courier New" panose="02070309020205020404" pitchFamily="49" charset="0"/>
+              </a:rPr>
+              <a:t>        </a:t>
+            </a:r>
+            <a:r>
+              <a:rPr kumimoji="0" lang="fr-FR" altLang="fr-FR" sz="900" b="0" i="0" u="none" strike="noStrike" cap="none" normalizeH="0" baseline="0">
                 <a:ln>
                   <a:noFill/>
                 </a:ln>
@@ -14780,43 +15137,57 @@
                 <a:latin typeface="Courier New" panose="02070309020205020404" pitchFamily="49" charset="0"/>
                 <a:cs typeface="Courier New" panose="02070309020205020404" pitchFamily="49" charset="0"/>
               </a:rPr>
-              <a:t>, </a:t>
-            </a:r>
-            <a:r>
-              <a:rPr kumimoji="0" lang="fr-FR" altLang="fr-FR" sz="900" b="0" i="0" u="none" strike="noStrike" cap="none" normalizeH="0" baseline="0" smtClean="0">
-                <a:ln>
-                  <a:noFill/>
-                </a:ln>
-                <a:solidFill>
-                  <a:srgbClr val="507874"/>
-                </a:solidFill>
-                <a:effectLst/>
-                <a:latin typeface="Courier New" panose="02070309020205020404" pitchFamily="49" charset="0"/>
-                <a:cs typeface="Courier New" panose="02070309020205020404" pitchFamily="49" charset="0"/>
-              </a:rPr>
-              <a:t>T</a:t>
-            </a:r>
-            <a:r>
-              <a:rPr kumimoji="0" lang="fr-FR" altLang="fr-FR" sz="900" b="0" i="0" u="none" strike="noStrike" cap="none" normalizeH="0" baseline="0" smtClean="0">
-                <a:ln>
-                  <a:noFill/>
-                </a:ln>
-                <a:solidFill>
-                  <a:srgbClr val="A9B7C6"/>
-                </a:solidFill>
-                <a:effectLst/>
-                <a:latin typeface="Courier New" panose="02070309020205020404" pitchFamily="49" charset="0"/>
-                <a:cs typeface="Courier New" panose="02070309020205020404" pitchFamily="49" charset="0"/>
-              </a:rPr>
-              <a:t>&gt; entityLoader) {</a:t>
+              <a:t>return </a:t>
+            </a:r>
+            <a:r>
+              <a:rPr kumimoji="0" lang="fr-FR" altLang="fr-FR" sz="900" b="0" i="0" u="none" strike="noStrike" cap="none" normalizeH="0" baseline="0">
+                <a:ln>
+                  <a:noFill/>
+                </a:ln>
+                <a:solidFill>
+                  <a:srgbClr val="9876AA"/>
+                </a:solidFill>
+                <a:effectLst/>
+                <a:latin typeface="Courier New" panose="02070309020205020404" pitchFamily="49" charset="0"/>
+                <a:cs typeface="Courier New" panose="02070309020205020404" pitchFamily="49" charset="0"/>
+              </a:rPr>
+              <a:t>cache</a:t>
+            </a:r>
+            <a:r>
+              <a:rPr kumimoji="0" lang="fr-FR" altLang="fr-FR" sz="900" b="0" i="0" u="none" strike="noStrike" cap="none" normalizeH="0" baseline="0">
+                <a:ln>
+                  <a:noFill/>
+                </a:ln>
+                <a:solidFill>
+                  <a:srgbClr val="A9B7C6"/>
+                </a:solidFill>
+                <a:effectLst/>
+                <a:latin typeface="Courier New" panose="02070309020205020404" pitchFamily="49" charset="0"/>
+                <a:cs typeface="Courier New" panose="02070309020205020404" pitchFamily="49" charset="0"/>
+              </a:rPr>
+              <a:t>.get(id)</a:t>
+            </a:r>
+            <a:r>
+              <a:rPr kumimoji="0" lang="fr-FR" altLang="fr-FR" sz="900" b="0" i="0" u="none" strike="noStrike" cap="none" normalizeH="0" baseline="0">
+                <a:ln>
+                  <a:noFill/>
+                </a:ln>
+                <a:solidFill>
+                  <a:srgbClr val="CC7832"/>
+                </a:solidFill>
+                <a:effectLst/>
+                <a:latin typeface="Courier New" panose="02070309020205020404" pitchFamily="49" charset="0"/>
+                <a:cs typeface="Courier New" panose="02070309020205020404" pitchFamily="49" charset="0"/>
+              </a:rPr>
+              <a:t>;</a:t>
             </a:r>
             <a:br>
-              <a:rPr kumimoji="0" lang="fr-FR" altLang="fr-FR" sz="900" b="0" i="0" u="none" strike="noStrike" cap="none" normalizeH="0" baseline="0" smtClean="0">
-                <a:ln>
-                  <a:noFill/>
-                </a:ln>
-                <a:solidFill>
-                  <a:srgbClr val="A9B7C6"/>
+              <a:rPr kumimoji="0" lang="fr-FR" altLang="fr-FR" sz="900" b="0" i="0" u="none" strike="noStrike" cap="none" normalizeH="0" baseline="0">
+                <a:ln>
+                  <a:noFill/>
+                </a:ln>
+                <a:solidFill>
+                  <a:srgbClr val="CC7832"/>
                 </a:solidFill>
                 <a:effectLst/>
                 <a:latin typeface="Courier New" panose="02070309020205020404" pitchFamily="49" charset="0"/>
@@ -14824,21 +15195,7 @@
               </a:rPr>
             </a:br>
             <a:r>
-              <a:rPr kumimoji="0" lang="fr-FR" altLang="fr-FR" sz="900" b="0" i="0" u="none" strike="noStrike" cap="none" normalizeH="0" baseline="0" smtClean="0">
-                <a:ln>
-                  <a:noFill/>
-                </a:ln>
-                <a:solidFill>
-                  <a:srgbClr val="A9B7C6"/>
-                </a:solidFill>
-                <a:effectLst/>
-                <a:latin typeface="Courier New" panose="02070309020205020404" pitchFamily="49" charset="0"/>
-                <a:cs typeface="Courier New" panose="02070309020205020404" pitchFamily="49" charset="0"/>
-              </a:rPr>
-              <a:t>        </a:t>
-            </a:r>
-            <a:r>
-              <a:rPr kumimoji="0" lang="fr-FR" altLang="fr-FR" sz="900" b="0" i="0" u="none" strike="noStrike" cap="none" normalizeH="0" baseline="0" smtClean="0">
+              <a:rPr kumimoji="0" lang="fr-FR" altLang="fr-FR" sz="900" b="0" i="0" u="none" strike="noStrike" cap="none" normalizeH="0" baseline="0">
                 <a:ln>
                   <a:noFill/>
                 </a:ln>
@@ -14849,71 +15206,29 @@
                 <a:latin typeface="Courier New" panose="02070309020205020404" pitchFamily="49" charset="0"/>
                 <a:cs typeface="Courier New" panose="02070309020205020404" pitchFamily="49" charset="0"/>
               </a:rPr>
-              <a:t>this</a:t>
-            </a:r>
-            <a:r>
-              <a:rPr kumimoji="0" lang="fr-FR" altLang="fr-FR" sz="900" b="0" i="0" u="none" strike="noStrike" cap="none" normalizeH="0" baseline="0" smtClean="0">
-                <a:ln>
-                  <a:noFill/>
-                </a:ln>
-                <a:solidFill>
-                  <a:srgbClr val="A9B7C6"/>
-                </a:solidFill>
-                <a:effectLst/>
-                <a:latin typeface="Courier New" panose="02070309020205020404" pitchFamily="49" charset="0"/>
-                <a:cs typeface="Courier New" panose="02070309020205020404" pitchFamily="49" charset="0"/>
-              </a:rPr>
-              <a:t>.</a:t>
-            </a:r>
-            <a:r>
-              <a:rPr kumimoji="0" lang="fr-FR" altLang="fr-FR" sz="900" b="0" i="0" u="none" strike="noStrike" cap="none" normalizeH="0" baseline="0" smtClean="0">
-                <a:ln>
-                  <a:noFill/>
-                </a:ln>
-                <a:solidFill>
-                  <a:srgbClr val="9876AA"/>
-                </a:solidFill>
-                <a:effectLst/>
-                <a:latin typeface="Courier New" panose="02070309020205020404" pitchFamily="49" charset="0"/>
-                <a:cs typeface="Courier New" panose="02070309020205020404" pitchFamily="49" charset="0"/>
-              </a:rPr>
-              <a:t>entityLoader </a:t>
-            </a:r>
-            <a:r>
-              <a:rPr kumimoji="0" lang="fr-FR" altLang="fr-FR" sz="900" b="0" i="0" u="none" strike="noStrike" cap="none" normalizeH="0" baseline="0" smtClean="0">
-                <a:ln>
-                  <a:noFill/>
-                </a:ln>
-                <a:solidFill>
-                  <a:srgbClr val="A9B7C6"/>
-                </a:solidFill>
-                <a:effectLst/>
-                <a:latin typeface="Courier New" panose="02070309020205020404" pitchFamily="49" charset="0"/>
-                <a:cs typeface="Courier New" panose="02070309020205020404" pitchFamily="49" charset="0"/>
-              </a:rPr>
-              <a:t>= entityLoader</a:t>
-            </a:r>
-            <a:r>
-              <a:rPr kumimoji="0" lang="fr-FR" altLang="fr-FR" sz="900" b="0" i="0" u="none" strike="noStrike" cap="none" normalizeH="0" baseline="0" smtClean="0">
-                <a:ln>
-                  <a:noFill/>
-                </a:ln>
-                <a:solidFill>
-                  <a:srgbClr val="CC7832"/>
-                </a:solidFill>
-                <a:effectLst/>
-                <a:latin typeface="Courier New" panose="02070309020205020404" pitchFamily="49" charset="0"/>
-                <a:cs typeface="Courier New" panose="02070309020205020404" pitchFamily="49" charset="0"/>
-              </a:rPr>
-              <a:t>;</a:t>
+              <a:t>    </a:t>
+            </a:r>
+            <a:r>
+              <a:rPr kumimoji="0" lang="fr-FR" altLang="fr-FR" sz="900" b="0" i="0" u="none" strike="noStrike" cap="none" normalizeH="0" baseline="0">
+                <a:ln>
+                  <a:noFill/>
+                </a:ln>
+                <a:solidFill>
+                  <a:srgbClr val="A9B7C6"/>
+                </a:solidFill>
+                <a:effectLst/>
+                <a:latin typeface="Courier New" panose="02070309020205020404" pitchFamily="49" charset="0"/>
+                <a:cs typeface="Courier New" panose="02070309020205020404" pitchFamily="49" charset="0"/>
+              </a:rPr>
+              <a:t>}</a:t>
             </a:r>
             <a:br>
-              <a:rPr kumimoji="0" lang="fr-FR" altLang="fr-FR" sz="900" b="0" i="0" u="none" strike="noStrike" cap="none" normalizeH="0" baseline="0" smtClean="0">
-                <a:ln>
-                  <a:noFill/>
-                </a:ln>
-                <a:solidFill>
-                  <a:srgbClr val="CC7832"/>
+              <a:rPr kumimoji="0" lang="fr-FR" altLang="fr-FR" sz="900" b="0" i="0" u="none" strike="noStrike" cap="none" normalizeH="0" baseline="0">
+                <a:ln>
+                  <a:noFill/>
+                </a:ln>
+                <a:solidFill>
+                  <a:srgbClr val="A9B7C6"/>
                 </a:solidFill>
                 <a:effectLst/>
                 <a:latin typeface="Courier New" panose="02070309020205020404" pitchFamily="49" charset="0"/>
@@ -14921,21 +15236,7 @@
               </a:rPr>
             </a:br>
             <a:r>
-              <a:rPr kumimoji="0" lang="fr-FR" altLang="fr-FR" sz="900" b="0" i="0" u="none" strike="noStrike" cap="none" normalizeH="0" baseline="0" smtClean="0">
-                <a:ln>
-                  <a:noFill/>
-                </a:ln>
-                <a:solidFill>
-                  <a:srgbClr val="CC7832"/>
-                </a:solidFill>
-                <a:effectLst/>
-                <a:latin typeface="Courier New" panose="02070309020205020404" pitchFamily="49" charset="0"/>
-                <a:cs typeface="Courier New" panose="02070309020205020404" pitchFamily="49" charset="0"/>
-              </a:rPr>
-              <a:t>    </a:t>
-            </a:r>
-            <a:r>
-              <a:rPr kumimoji="0" lang="fr-FR" altLang="fr-FR" sz="900" b="0" i="0" u="none" strike="noStrike" cap="none" normalizeH="0" baseline="0" smtClean="0">
+              <a:rPr kumimoji="0" lang="fr-FR" altLang="fr-FR" sz="900" b="0" i="0" u="none" strike="noStrike" cap="none" normalizeH="0" baseline="0">
                 <a:ln>
                   <a:noFill/>
                 </a:ln>
@@ -14948,504 +15249,7 @@
               </a:rPr>
               <a:t>}</a:t>
             </a:r>
-            <a:br>
-              <a:rPr kumimoji="0" lang="fr-FR" altLang="fr-FR" sz="900" b="0" i="0" u="none" strike="noStrike" cap="none" normalizeH="0" baseline="0" smtClean="0">
-                <a:ln>
-                  <a:noFill/>
-                </a:ln>
-                <a:solidFill>
-                  <a:srgbClr val="A9B7C6"/>
-                </a:solidFill>
-                <a:effectLst/>
-                <a:latin typeface="Courier New" panose="02070309020205020404" pitchFamily="49" charset="0"/>
-                <a:cs typeface="Courier New" panose="02070309020205020404" pitchFamily="49" charset="0"/>
-              </a:rPr>
-            </a:br>
-            <a:r>
-              <a:rPr kumimoji="0" lang="fr-FR" altLang="fr-FR" sz="900" b="0" i="0" u="none" strike="noStrike" cap="none" normalizeH="0" baseline="0" smtClean="0">
-                <a:ln>
-                  <a:noFill/>
-                </a:ln>
-                <a:solidFill>
-                  <a:srgbClr val="A9B7C6"/>
-                </a:solidFill>
-                <a:effectLst/>
-                <a:latin typeface="Courier New" panose="02070309020205020404" pitchFamily="49" charset="0"/>
-                <a:cs typeface="Courier New" panose="02070309020205020404" pitchFamily="49" charset="0"/>
-              </a:rPr>
-              <a:t>    </a:t>
-            </a:r>
-            <a:r>
-              <a:rPr kumimoji="0" lang="fr-FR" altLang="fr-FR" sz="900" b="0" i="0" u="none" strike="noStrike" cap="none" normalizeH="0" baseline="0" smtClean="0">
-                <a:ln>
-                  <a:noFill/>
-                </a:ln>
-                <a:solidFill>
-                  <a:srgbClr val="CC7832"/>
-                </a:solidFill>
-                <a:effectLst/>
-                <a:latin typeface="Courier New" panose="02070309020205020404" pitchFamily="49" charset="0"/>
-                <a:cs typeface="Courier New" panose="02070309020205020404" pitchFamily="49" charset="0"/>
-              </a:rPr>
-              <a:t>public void </a:t>
-            </a:r>
-            <a:r>
-              <a:rPr kumimoji="0" lang="fr-FR" altLang="fr-FR" sz="900" b="0" i="0" u="none" strike="noStrike" cap="none" normalizeH="0" baseline="0" smtClean="0">
-                <a:ln>
-                  <a:noFill/>
-                </a:ln>
-                <a:solidFill>
-                  <a:srgbClr val="FFC66D"/>
-                </a:solidFill>
-                <a:effectLst/>
-                <a:latin typeface="Courier New" panose="02070309020205020404" pitchFamily="49" charset="0"/>
-                <a:cs typeface="Courier New" panose="02070309020205020404" pitchFamily="49" charset="0"/>
-              </a:rPr>
-              <a:t>loadAll</a:t>
-            </a:r>
-            <a:r>
-              <a:rPr kumimoji="0" lang="fr-FR" altLang="fr-FR" sz="900" b="0" i="0" u="none" strike="noStrike" cap="none" normalizeH="0" baseline="0" smtClean="0">
-                <a:ln>
-                  <a:noFill/>
-                </a:ln>
-                <a:solidFill>
-                  <a:srgbClr val="A9B7C6"/>
-                </a:solidFill>
-                <a:effectLst/>
-                <a:latin typeface="Courier New" panose="02070309020205020404" pitchFamily="49" charset="0"/>
-                <a:cs typeface="Courier New" panose="02070309020205020404" pitchFamily="49" charset="0"/>
-              </a:rPr>
-              <a:t>() {</a:t>
-            </a:r>
-            <a:br>
-              <a:rPr kumimoji="0" lang="fr-FR" altLang="fr-FR" sz="900" b="0" i="0" u="none" strike="noStrike" cap="none" normalizeH="0" baseline="0" smtClean="0">
-                <a:ln>
-                  <a:noFill/>
-                </a:ln>
-                <a:solidFill>
-                  <a:srgbClr val="A9B7C6"/>
-                </a:solidFill>
-                <a:effectLst/>
-                <a:latin typeface="Courier New" panose="02070309020205020404" pitchFamily="49" charset="0"/>
-                <a:cs typeface="Courier New" panose="02070309020205020404" pitchFamily="49" charset="0"/>
-              </a:rPr>
-            </a:br>
-            <a:r>
-              <a:rPr kumimoji="0" lang="fr-FR" altLang="fr-FR" sz="900" b="0" i="0" u="none" strike="noStrike" cap="none" normalizeH="0" baseline="0" smtClean="0">
-                <a:ln>
-                  <a:noFill/>
-                </a:ln>
-                <a:solidFill>
-                  <a:srgbClr val="A9B7C6"/>
-                </a:solidFill>
-                <a:effectLst/>
-                <a:latin typeface="Courier New" panose="02070309020205020404" pitchFamily="49" charset="0"/>
-                <a:cs typeface="Courier New" panose="02070309020205020404" pitchFamily="49" charset="0"/>
-              </a:rPr>
-              <a:t>        </a:t>
-            </a:r>
-            <a:r>
-              <a:rPr kumimoji="0" lang="fr-FR" altLang="fr-FR" sz="900" b="0" i="0" u="none" strike="noStrike" cap="none" normalizeH="0" baseline="0" smtClean="0">
-                <a:ln>
-                  <a:noFill/>
-                </a:ln>
-                <a:solidFill>
-                  <a:srgbClr val="CC7832"/>
-                </a:solidFill>
-                <a:effectLst/>
-                <a:latin typeface="Courier New" panose="02070309020205020404" pitchFamily="49" charset="0"/>
-                <a:cs typeface="Courier New" panose="02070309020205020404" pitchFamily="49" charset="0"/>
-              </a:rPr>
-              <a:t>this</a:t>
-            </a:r>
-            <a:r>
-              <a:rPr kumimoji="0" lang="fr-FR" altLang="fr-FR" sz="900" b="0" i="0" u="none" strike="noStrike" cap="none" normalizeH="0" baseline="0" smtClean="0">
-                <a:ln>
-                  <a:noFill/>
-                </a:ln>
-                <a:solidFill>
-                  <a:srgbClr val="A9B7C6"/>
-                </a:solidFill>
-                <a:effectLst/>
-                <a:latin typeface="Courier New" panose="02070309020205020404" pitchFamily="49" charset="0"/>
-                <a:cs typeface="Courier New" panose="02070309020205020404" pitchFamily="49" charset="0"/>
-              </a:rPr>
-              <a:t>.</a:t>
-            </a:r>
-            <a:r>
-              <a:rPr kumimoji="0" lang="fr-FR" altLang="fr-FR" sz="900" b="0" i="0" u="none" strike="noStrike" cap="none" normalizeH="0" baseline="0" smtClean="0">
-                <a:ln>
-                  <a:noFill/>
-                </a:ln>
-                <a:solidFill>
-                  <a:srgbClr val="9876AA"/>
-                </a:solidFill>
-                <a:effectLst/>
-                <a:latin typeface="Courier New" panose="02070309020205020404" pitchFamily="49" charset="0"/>
-                <a:cs typeface="Courier New" panose="02070309020205020404" pitchFamily="49" charset="0"/>
-              </a:rPr>
-              <a:t>cache </a:t>
-            </a:r>
-            <a:r>
-              <a:rPr kumimoji="0" lang="fr-FR" altLang="fr-FR" sz="900" b="0" i="0" u="none" strike="noStrike" cap="none" normalizeH="0" baseline="0" smtClean="0">
-                <a:ln>
-                  <a:noFill/>
-                </a:ln>
-                <a:solidFill>
-                  <a:srgbClr val="A9B7C6"/>
-                </a:solidFill>
-                <a:effectLst/>
-                <a:latin typeface="Courier New" panose="02070309020205020404" pitchFamily="49" charset="0"/>
-                <a:cs typeface="Courier New" panose="02070309020205020404" pitchFamily="49" charset="0"/>
-              </a:rPr>
-              <a:t>= </a:t>
-            </a:r>
-            <a:r>
-              <a:rPr kumimoji="0" lang="fr-FR" altLang="fr-FR" sz="900" b="0" i="0" u="none" strike="noStrike" cap="none" normalizeH="0" baseline="0" smtClean="0">
-                <a:ln>
-                  <a:noFill/>
-                </a:ln>
-                <a:solidFill>
-                  <a:srgbClr val="9876AA"/>
-                </a:solidFill>
-                <a:effectLst/>
-                <a:latin typeface="Courier New" panose="02070309020205020404" pitchFamily="49" charset="0"/>
-                <a:cs typeface="Courier New" panose="02070309020205020404" pitchFamily="49" charset="0"/>
-              </a:rPr>
-              <a:t>entityLoader</a:t>
-            </a:r>
-            <a:r>
-              <a:rPr kumimoji="0" lang="fr-FR" altLang="fr-FR" sz="900" b="0" i="0" u="none" strike="noStrike" cap="none" normalizeH="0" baseline="0" smtClean="0">
-                <a:ln>
-                  <a:noFill/>
-                </a:ln>
-                <a:solidFill>
-                  <a:srgbClr val="A9B7C6"/>
-                </a:solidFill>
-                <a:effectLst/>
-                <a:latin typeface="Courier New" panose="02070309020205020404" pitchFamily="49" charset="0"/>
-                <a:cs typeface="Courier New" panose="02070309020205020404" pitchFamily="49" charset="0"/>
-              </a:rPr>
-              <a:t>.loadAll()</a:t>
-            </a:r>
-            <a:r>
-              <a:rPr kumimoji="0" lang="fr-FR" altLang="fr-FR" sz="900" b="0" i="0" u="none" strike="noStrike" cap="none" normalizeH="0" baseline="0" smtClean="0">
-                <a:ln>
-                  <a:noFill/>
-                </a:ln>
-                <a:solidFill>
-                  <a:srgbClr val="CC7832"/>
-                </a:solidFill>
-                <a:effectLst/>
-                <a:latin typeface="Courier New" panose="02070309020205020404" pitchFamily="49" charset="0"/>
-                <a:cs typeface="Courier New" panose="02070309020205020404" pitchFamily="49" charset="0"/>
-              </a:rPr>
-              <a:t>;</a:t>
-            </a:r>
-            <a:br>
-              <a:rPr kumimoji="0" lang="fr-FR" altLang="fr-FR" sz="900" b="0" i="0" u="none" strike="noStrike" cap="none" normalizeH="0" baseline="0" smtClean="0">
-                <a:ln>
-                  <a:noFill/>
-                </a:ln>
-                <a:solidFill>
-                  <a:srgbClr val="CC7832"/>
-                </a:solidFill>
-                <a:effectLst/>
-                <a:latin typeface="Courier New" panose="02070309020205020404" pitchFamily="49" charset="0"/>
-                <a:cs typeface="Courier New" panose="02070309020205020404" pitchFamily="49" charset="0"/>
-              </a:rPr>
-            </a:br>
-            <a:r>
-              <a:rPr kumimoji="0" lang="fr-FR" altLang="fr-FR" sz="900" b="0" i="0" u="none" strike="noStrike" cap="none" normalizeH="0" baseline="0" smtClean="0">
-                <a:ln>
-                  <a:noFill/>
-                </a:ln>
-                <a:solidFill>
-                  <a:srgbClr val="CC7832"/>
-                </a:solidFill>
-                <a:effectLst/>
-                <a:latin typeface="Courier New" panose="02070309020205020404" pitchFamily="49" charset="0"/>
-                <a:cs typeface="Courier New" panose="02070309020205020404" pitchFamily="49" charset="0"/>
-              </a:rPr>
-              <a:t>    </a:t>
-            </a:r>
-            <a:r>
-              <a:rPr kumimoji="0" lang="fr-FR" altLang="fr-FR" sz="900" b="0" i="0" u="none" strike="noStrike" cap="none" normalizeH="0" baseline="0" smtClean="0">
-                <a:ln>
-                  <a:noFill/>
-                </a:ln>
-                <a:solidFill>
-                  <a:srgbClr val="A9B7C6"/>
-                </a:solidFill>
-                <a:effectLst/>
-                <a:latin typeface="Courier New" panose="02070309020205020404" pitchFamily="49" charset="0"/>
-                <a:cs typeface="Courier New" panose="02070309020205020404" pitchFamily="49" charset="0"/>
-              </a:rPr>
-              <a:t>}</a:t>
-            </a:r>
-            <a:br>
-              <a:rPr kumimoji="0" lang="fr-FR" altLang="fr-FR" sz="900" b="0" i="0" u="none" strike="noStrike" cap="none" normalizeH="0" baseline="0" smtClean="0">
-                <a:ln>
-                  <a:noFill/>
-                </a:ln>
-                <a:solidFill>
-                  <a:srgbClr val="A9B7C6"/>
-                </a:solidFill>
-                <a:effectLst/>
-                <a:latin typeface="Courier New" panose="02070309020205020404" pitchFamily="49" charset="0"/>
-                <a:cs typeface="Courier New" panose="02070309020205020404" pitchFamily="49" charset="0"/>
-              </a:rPr>
-            </a:br>
-            <a:r>
-              <a:rPr kumimoji="0" lang="fr-FR" altLang="fr-FR" sz="900" b="0" i="0" u="none" strike="noStrike" cap="none" normalizeH="0" baseline="0" smtClean="0">
-                <a:ln>
-                  <a:noFill/>
-                </a:ln>
-                <a:solidFill>
-                  <a:srgbClr val="A9B7C6"/>
-                </a:solidFill>
-                <a:effectLst/>
-                <a:latin typeface="Courier New" panose="02070309020205020404" pitchFamily="49" charset="0"/>
-                <a:cs typeface="Courier New" panose="02070309020205020404" pitchFamily="49" charset="0"/>
-              </a:rPr>
-              <a:t>    </a:t>
-            </a:r>
-            <a:r>
-              <a:rPr kumimoji="0" lang="fr-FR" altLang="fr-FR" sz="900" b="0" i="0" u="none" strike="noStrike" cap="none" normalizeH="0" baseline="0" smtClean="0">
-                <a:ln>
-                  <a:noFill/>
-                </a:ln>
-                <a:solidFill>
-                  <a:srgbClr val="CC7832"/>
-                </a:solidFill>
-                <a:effectLst/>
-                <a:latin typeface="Courier New" panose="02070309020205020404" pitchFamily="49" charset="0"/>
-                <a:cs typeface="Courier New" panose="02070309020205020404" pitchFamily="49" charset="0"/>
-              </a:rPr>
-              <a:t>public </a:t>
-            </a:r>
-            <a:r>
-              <a:rPr kumimoji="0" lang="fr-FR" altLang="fr-FR" sz="900" b="0" i="0" u="none" strike="noStrike" cap="none" normalizeH="0" baseline="0" smtClean="0">
-                <a:ln>
-                  <a:noFill/>
-                </a:ln>
-                <a:solidFill>
-                  <a:srgbClr val="507874"/>
-                </a:solidFill>
-                <a:effectLst/>
-                <a:latin typeface="Courier New" panose="02070309020205020404" pitchFamily="49" charset="0"/>
-                <a:cs typeface="Courier New" panose="02070309020205020404" pitchFamily="49" charset="0"/>
-              </a:rPr>
-              <a:t>T </a:t>
-            </a:r>
-            <a:r>
-              <a:rPr kumimoji="0" lang="fr-FR" altLang="fr-FR" sz="900" b="0" i="0" u="none" strike="noStrike" cap="none" normalizeH="0" baseline="0" smtClean="0">
-                <a:ln>
-                  <a:noFill/>
-                </a:ln>
-                <a:solidFill>
-                  <a:srgbClr val="FFC66D"/>
-                </a:solidFill>
-                <a:effectLst/>
-                <a:latin typeface="Courier New" panose="02070309020205020404" pitchFamily="49" charset="0"/>
-                <a:cs typeface="Courier New" panose="02070309020205020404" pitchFamily="49" charset="0"/>
-              </a:rPr>
-              <a:t>get</a:t>
-            </a:r>
-            <a:r>
-              <a:rPr kumimoji="0" lang="fr-FR" altLang="fr-FR" sz="900" b="0" i="0" u="none" strike="noStrike" cap="none" normalizeH="0" baseline="0" smtClean="0">
-                <a:ln>
-                  <a:noFill/>
-                </a:ln>
-                <a:solidFill>
-                  <a:srgbClr val="A9B7C6"/>
-                </a:solidFill>
-                <a:effectLst/>
-                <a:latin typeface="Courier New" panose="02070309020205020404" pitchFamily="49" charset="0"/>
-                <a:cs typeface="Courier New" panose="02070309020205020404" pitchFamily="49" charset="0"/>
-              </a:rPr>
-              <a:t>(</a:t>
-            </a:r>
-            <a:r>
-              <a:rPr kumimoji="0" lang="fr-FR" altLang="fr-FR" sz="900" b="0" i="0" u="none" strike="noStrike" cap="none" normalizeH="0" baseline="0" smtClean="0">
-                <a:ln>
-                  <a:noFill/>
-                </a:ln>
-                <a:solidFill>
-                  <a:srgbClr val="507874"/>
-                </a:solidFill>
-                <a:effectLst/>
-                <a:latin typeface="Courier New" panose="02070309020205020404" pitchFamily="49" charset="0"/>
-                <a:cs typeface="Courier New" panose="02070309020205020404" pitchFamily="49" charset="0"/>
-              </a:rPr>
-              <a:t>I </a:t>
-            </a:r>
-            <a:r>
-              <a:rPr kumimoji="0" lang="fr-FR" altLang="fr-FR" sz="900" b="0" i="0" u="none" strike="noStrike" cap="none" normalizeH="0" baseline="0" smtClean="0">
-                <a:ln>
-                  <a:noFill/>
-                </a:ln>
-                <a:solidFill>
-                  <a:srgbClr val="A9B7C6"/>
-                </a:solidFill>
-                <a:effectLst/>
-                <a:latin typeface="Courier New" panose="02070309020205020404" pitchFamily="49" charset="0"/>
-                <a:cs typeface="Courier New" panose="02070309020205020404" pitchFamily="49" charset="0"/>
-              </a:rPr>
-              <a:t>id) {</a:t>
-            </a:r>
-            <a:br>
-              <a:rPr kumimoji="0" lang="fr-FR" altLang="fr-FR" sz="900" b="0" i="0" u="none" strike="noStrike" cap="none" normalizeH="0" baseline="0" smtClean="0">
-                <a:ln>
-                  <a:noFill/>
-                </a:ln>
-                <a:solidFill>
-                  <a:srgbClr val="A9B7C6"/>
-                </a:solidFill>
-                <a:effectLst/>
-                <a:latin typeface="Courier New" panose="02070309020205020404" pitchFamily="49" charset="0"/>
-                <a:cs typeface="Courier New" panose="02070309020205020404" pitchFamily="49" charset="0"/>
-              </a:rPr>
-            </a:br>
-            <a:r>
-              <a:rPr kumimoji="0" lang="fr-FR" altLang="fr-FR" sz="900" b="0" i="0" u="none" strike="noStrike" cap="none" normalizeH="0" baseline="0" smtClean="0">
-                <a:ln>
-                  <a:noFill/>
-                </a:ln>
-                <a:solidFill>
-                  <a:srgbClr val="A9B7C6"/>
-                </a:solidFill>
-                <a:effectLst/>
-                <a:latin typeface="Courier New" panose="02070309020205020404" pitchFamily="49" charset="0"/>
-                <a:cs typeface="Courier New" panose="02070309020205020404" pitchFamily="49" charset="0"/>
-              </a:rPr>
-              <a:t>        </a:t>
-            </a:r>
-            <a:r>
-              <a:rPr kumimoji="0" lang="fr-FR" altLang="fr-FR" sz="900" b="0" i="0" u="none" strike="noStrike" cap="none" normalizeH="0" baseline="0" smtClean="0">
-                <a:ln>
-                  <a:noFill/>
-                </a:ln>
-                <a:solidFill>
-                  <a:srgbClr val="CC7832"/>
-                </a:solidFill>
-                <a:effectLst/>
-                <a:latin typeface="Courier New" panose="02070309020205020404" pitchFamily="49" charset="0"/>
-                <a:cs typeface="Courier New" panose="02070309020205020404" pitchFamily="49" charset="0"/>
-              </a:rPr>
-              <a:t>return </a:t>
-            </a:r>
-            <a:r>
-              <a:rPr kumimoji="0" lang="fr-FR" altLang="fr-FR" sz="900" b="0" i="0" u="none" strike="noStrike" cap="none" normalizeH="0" baseline="0" smtClean="0">
-                <a:ln>
-                  <a:noFill/>
-                </a:ln>
-                <a:solidFill>
-                  <a:srgbClr val="9876AA"/>
-                </a:solidFill>
-                <a:effectLst/>
-                <a:latin typeface="Courier New" panose="02070309020205020404" pitchFamily="49" charset="0"/>
-                <a:cs typeface="Courier New" panose="02070309020205020404" pitchFamily="49" charset="0"/>
-              </a:rPr>
-              <a:t>cache</a:t>
-            </a:r>
-            <a:r>
-              <a:rPr kumimoji="0" lang="fr-FR" altLang="fr-FR" sz="900" b="0" i="0" u="none" strike="noStrike" cap="none" normalizeH="0" baseline="0" smtClean="0">
-                <a:ln>
-                  <a:noFill/>
-                </a:ln>
-                <a:solidFill>
-                  <a:srgbClr val="A9B7C6"/>
-                </a:solidFill>
-                <a:effectLst/>
-                <a:latin typeface="Courier New" panose="02070309020205020404" pitchFamily="49" charset="0"/>
-                <a:cs typeface="Courier New" panose="02070309020205020404" pitchFamily="49" charset="0"/>
-              </a:rPr>
-              <a:t>.get(id)</a:t>
-            </a:r>
-            <a:r>
-              <a:rPr kumimoji="0" lang="fr-FR" altLang="fr-FR" sz="900" b="0" i="0" u="none" strike="noStrike" cap="none" normalizeH="0" baseline="0" smtClean="0">
-                <a:ln>
-                  <a:noFill/>
-                </a:ln>
-                <a:solidFill>
-                  <a:srgbClr val="CC7832"/>
-                </a:solidFill>
-                <a:effectLst/>
-                <a:latin typeface="Courier New" panose="02070309020205020404" pitchFamily="49" charset="0"/>
-                <a:cs typeface="Courier New" panose="02070309020205020404" pitchFamily="49" charset="0"/>
-              </a:rPr>
-              <a:t>;</a:t>
-            </a:r>
-            <a:br>
-              <a:rPr kumimoji="0" lang="fr-FR" altLang="fr-FR" sz="900" b="0" i="0" u="none" strike="noStrike" cap="none" normalizeH="0" baseline="0" smtClean="0">
-                <a:ln>
-                  <a:noFill/>
-                </a:ln>
-                <a:solidFill>
-                  <a:srgbClr val="CC7832"/>
-                </a:solidFill>
-                <a:effectLst/>
-                <a:latin typeface="Courier New" panose="02070309020205020404" pitchFamily="49" charset="0"/>
-                <a:cs typeface="Courier New" panose="02070309020205020404" pitchFamily="49" charset="0"/>
-              </a:rPr>
-            </a:br>
-            <a:r>
-              <a:rPr kumimoji="0" lang="fr-FR" altLang="fr-FR" sz="900" b="0" i="0" u="none" strike="noStrike" cap="none" normalizeH="0" baseline="0" smtClean="0">
-                <a:ln>
-                  <a:noFill/>
-                </a:ln>
-                <a:solidFill>
-                  <a:srgbClr val="CC7832"/>
-                </a:solidFill>
-                <a:effectLst/>
-                <a:latin typeface="Courier New" panose="02070309020205020404" pitchFamily="49" charset="0"/>
-                <a:cs typeface="Courier New" panose="02070309020205020404" pitchFamily="49" charset="0"/>
-              </a:rPr>
-              <a:t>    </a:t>
-            </a:r>
-            <a:r>
-              <a:rPr kumimoji="0" lang="fr-FR" altLang="fr-FR" sz="900" b="0" i="0" u="none" strike="noStrike" cap="none" normalizeH="0" baseline="0" smtClean="0">
-                <a:ln>
-                  <a:noFill/>
-                </a:ln>
-                <a:solidFill>
-                  <a:srgbClr val="A9B7C6"/>
-                </a:solidFill>
-                <a:effectLst/>
-                <a:latin typeface="Courier New" panose="02070309020205020404" pitchFamily="49" charset="0"/>
-                <a:cs typeface="Courier New" panose="02070309020205020404" pitchFamily="49" charset="0"/>
-              </a:rPr>
-              <a:t>}</a:t>
-            </a:r>
-            <a:br>
-              <a:rPr kumimoji="0" lang="fr-FR" altLang="fr-FR" sz="900" b="0" i="0" u="none" strike="noStrike" cap="none" normalizeH="0" baseline="0" smtClean="0">
-                <a:ln>
-                  <a:noFill/>
-                </a:ln>
-                <a:solidFill>
-                  <a:srgbClr val="A9B7C6"/>
-                </a:solidFill>
-                <a:effectLst/>
-                <a:latin typeface="Courier New" panose="02070309020205020404" pitchFamily="49" charset="0"/>
-                <a:cs typeface="Courier New" panose="02070309020205020404" pitchFamily="49" charset="0"/>
-              </a:rPr>
-            </a:br>
-            <a:r>
-              <a:rPr kumimoji="0" lang="fr-FR" altLang="fr-FR" sz="900" b="0" i="0" u="none" strike="noStrike" cap="none" normalizeH="0" baseline="0" smtClean="0">
-                <a:ln>
-                  <a:noFill/>
-                </a:ln>
-                <a:solidFill>
-                  <a:srgbClr val="A9B7C6"/>
-                </a:solidFill>
-                <a:effectLst/>
-                <a:latin typeface="Courier New" panose="02070309020205020404" pitchFamily="49" charset="0"/>
-                <a:cs typeface="Courier New" panose="02070309020205020404" pitchFamily="49" charset="0"/>
-              </a:rPr>
-              <a:t>}</a:t>
-            </a:r>
-            <a:endParaRPr kumimoji="0" lang="fr-FR" altLang="fr-FR" sz="1800" b="0" i="0" u="none" strike="noStrike" cap="none" normalizeH="0" baseline="0" smtClean="0">
+            <a:endParaRPr kumimoji="0" lang="fr-FR" altLang="fr-FR" sz="1800" b="0" i="0" u="none" strike="noStrike" cap="none" normalizeH="0" baseline="0">
               <a:ln>
                 <a:noFill/>
               </a:ln>
@@ -15458,6 +15262,53 @@
           </a:p>
         </p:txBody>
       </p:sp>
+      <p:pic>
+        <p:nvPicPr>
+          <p:cNvPr id="3074" name="Picture 2" descr="PlantUML Diagram">
+            <a:extLst>
+              <a:ext uri="{FF2B5EF4-FFF2-40B4-BE49-F238E27FC236}">
+                <a16:creationId xmlns:a16="http://schemas.microsoft.com/office/drawing/2014/main" id="{B2CC0E40-22EE-4B73-963D-76771D32546F}"/>
+              </a:ext>
+            </a:extLst>
+          </p:cNvPr>
+          <p:cNvPicPr>
+            <a:picLocks noChangeAspect="1" noChangeArrowheads="1"/>
+          </p:cNvPicPr>
+          <p:nvPr/>
+        </p:nvPicPr>
+        <p:blipFill>
+          <a:blip r:embed="rId3">
+            <a:extLst>
+              <a:ext uri="{28A0092B-C50C-407E-A947-70E740481C1C}">
+                <a14:useLocalDpi xmlns:a14="http://schemas.microsoft.com/office/drawing/2010/main" val="0"/>
+              </a:ext>
+            </a:extLst>
+          </a:blip>
+          <a:srcRect/>
+          <a:stretch>
+            <a:fillRect/>
+          </a:stretch>
+        </p:blipFill>
+        <p:spPr bwMode="auto">
+          <a:xfrm>
+            <a:off x="5332412" y="1404200"/>
+            <a:ext cx="5724623" cy="3224213"/>
+          </a:xfrm>
+          <a:prstGeom prst="rect">
+            <a:avLst/>
+          </a:prstGeom>
+          <a:noFill/>
+          <a:extLst>
+            <a:ext uri="{909E8E84-426E-40DD-AFC4-6F175D3DCCD1}">
+              <a14:hiddenFill xmlns:a14="http://schemas.microsoft.com/office/drawing/2010/main">
+                <a:solidFill>
+                  <a:srgbClr val="FFFFFF"/>
+                </a:solidFill>
+              </a14:hiddenFill>
+            </a:ext>
+          </a:extLst>
+        </p:spPr>
+      </p:pic>
     </p:spTree>
     <p:extLst>
       <p:ext uri="{BB962C8B-B14F-4D97-AF65-F5344CB8AC3E}">
@@ -15480,13 +15331,6 @@
       </p:transition>
     </mc:Fallback>
   </mc:AlternateContent>
-  <p:timing>
-    <p:tnLst>
-      <p:par>
-        <p:cTn id="1" dur="indefinite" restart="never" nodeType="tmRoot"/>
-      </p:par>
-    </p:tnLst>
-  </p:timing>
 </p:sld>
 </file>
 
@@ -15507,36 +15351,6 @@
           <a:chExt cx="0" cy="0"/>
         </a:xfrm>
       </p:grpSpPr>
-      <p:pic>
-        <p:nvPicPr>
-          <p:cNvPr id="3" name="Image 2"/>
-          <p:cNvPicPr>
-            <a:picLocks noChangeAspect="1"/>
-          </p:cNvPicPr>
-          <p:nvPr/>
-        </p:nvPicPr>
-        <p:blipFill>
-          <a:blip r:embed="rId3">
-            <a:extLst>
-              <a:ext uri="{28A0092B-C50C-407E-A947-70E740481C1C}">
-                <a14:useLocalDpi xmlns:a14="http://schemas.microsoft.com/office/drawing/2010/main" val="0"/>
-              </a:ext>
-            </a:extLst>
-          </a:blip>
-          <a:stretch>
-            <a:fillRect/>
-          </a:stretch>
-        </p:blipFill>
-        <p:spPr>
-          <a:xfrm>
-            <a:off x="1522412" y="685800"/>
-            <a:ext cx="8410575" cy="4248150"/>
-          </a:xfrm>
-          <a:prstGeom prst="rect">
-            <a:avLst/>
-          </a:prstGeom>
-        </p:spPr>
-      </p:pic>
       <p:sp>
         <p:nvSpPr>
           <p:cNvPr id="2" name="Titre 1"/>
@@ -15557,10 +15371,9 @@
               <a:buAutoNum type="arabicPeriod" startAt="3"/>
             </a:pPr>
             <a:r>
-              <a:rPr lang="fr-FR" dirty="0" smtClean="0"/>
+              <a:rPr lang="fr-FR" dirty="0"/>
               <a:t>Troisième implémentation</a:t>
             </a:r>
-            <a:endParaRPr lang="fr-FR" dirty="0"/>
           </a:p>
         </p:txBody>
       </p:sp>
@@ -15587,11 +15400,11 @@
           <a:lstStyle/>
           <a:p>
             <a:pPr rtl="0"/>
-            <a:endParaRPr lang="fr-FR" dirty="0" smtClean="0"/>
-          </a:p>
-          <a:p>
-            <a:r>
-              <a:rPr lang="fr-FR" dirty="0" smtClean="0"/>
+            <a:endParaRPr lang="fr-FR" dirty="0"/>
+          </a:p>
+          <a:p>
+            <a:r>
+              <a:rPr lang="fr-FR" dirty="0"/>
               <a:t>La notion de cache est fixe (stable) </a:t>
             </a:r>
             <a:r>
@@ -15601,13 +15414,13 @@
               <a:t></a:t>
             </a:r>
             <a:r>
-              <a:rPr lang="fr-FR" dirty="0" smtClean="0"/>
+              <a:rPr lang="fr-FR" dirty="0"/>
               <a:t> ①</a:t>
             </a:r>
           </a:p>
           <a:p>
             <a:r>
-              <a:rPr lang="fr-FR" dirty="0" smtClean="0"/>
+              <a:rPr lang="fr-FR" dirty="0"/>
               <a:t>Le chargement est variable </a:t>
             </a:r>
             <a:r>
@@ -15617,73 +15430,120 @@
               <a:t></a:t>
             </a:r>
             <a:r>
-              <a:rPr lang="fr-FR" dirty="0" smtClean="0"/>
+              <a:rPr lang="fr-FR" dirty="0"/>
               <a:t>  ②</a:t>
             </a:r>
           </a:p>
           <a:p>
             <a:r>
-              <a:rPr lang="fr-FR" dirty="0" smtClean="0"/>
+              <a:rPr lang="fr-FR" dirty="0"/>
               <a:t>① C’est la structure ou l’</a:t>
             </a:r>
             <a:r>
-              <a:rPr lang="fr-FR" b="1" dirty="0" smtClean="0"/>
+              <a:rPr lang="fr-FR" b="1" dirty="0"/>
               <a:t>abstraction</a:t>
             </a:r>
           </a:p>
           <a:p>
             <a:r>
-              <a:rPr lang="fr-FR" dirty="0" smtClean="0"/>
+              <a:rPr lang="fr-FR" dirty="0"/>
               <a:t>② C’est le comportement ou l’</a:t>
             </a:r>
             <a:r>
-              <a:rPr lang="fr-FR" b="1" dirty="0" smtClean="0"/>
+              <a:rPr lang="fr-FR" b="1" dirty="0"/>
               <a:t>implémentation</a:t>
             </a:r>
           </a:p>
           <a:p>
             <a:r>
-              <a:rPr lang="fr-FR" sz="4000" dirty="0" smtClean="0"/>
+              <a:rPr lang="fr-FR" sz="4000" dirty="0"/>
               <a:t>Séparer </a:t>
             </a:r>
             <a:r>
-              <a:rPr lang="fr-FR" sz="4000" b="1" dirty="0" smtClean="0"/>
+              <a:rPr lang="fr-FR" sz="4000" b="1" dirty="0"/>
               <a:t>l’abstraction</a:t>
             </a:r>
             <a:r>
-              <a:rPr lang="fr-FR" sz="4000" dirty="0" smtClean="0"/>
+              <a:rPr lang="fr-FR" sz="4000" dirty="0"/>
               <a:t> et </a:t>
             </a:r>
             <a:r>
-              <a:rPr lang="fr-FR" sz="4000" b="1" dirty="0" smtClean="0"/>
+              <a:rPr lang="fr-FR" sz="4000" b="1" dirty="0"/>
               <a:t>l’implémentation</a:t>
             </a:r>
             <a:r>
-              <a:rPr lang="fr-FR" sz="4000" dirty="0" smtClean="0"/>
+              <a:rPr lang="fr-FR" sz="4000" dirty="0"/>
               <a:t> </a:t>
             </a:r>
             <a:r>
-              <a:rPr lang="fr-FR" sz="4000" dirty="0" smtClean="0">
+              <a:rPr lang="fr-FR" sz="4000" dirty="0">
                 <a:sym typeface="Wingdings" panose="05000000000000000000" pitchFamily="2" charset="2"/>
               </a:rPr>
               <a:t> </a:t>
             </a:r>
             <a:r>
-              <a:rPr lang="fr-FR" sz="4000" b="1" dirty="0" smtClean="0">
+              <a:rPr lang="fr-FR" sz="4000" b="1" dirty="0">
                 <a:sym typeface="Wingdings" panose="05000000000000000000" pitchFamily="2" charset="2"/>
               </a:rPr>
               <a:t>Pattern Bridge</a:t>
             </a:r>
-            <a:endParaRPr lang="fr-FR" sz="4000" b="1" dirty="0" smtClean="0"/>
+            <a:endParaRPr lang="fr-FR" sz="4000" b="1" dirty="0"/>
           </a:p>
           <a:p>
             <a:endParaRPr lang="fr-FR" b="1" dirty="0"/>
           </a:p>
           <a:p>
-            <a:endParaRPr lang="fr-FR" b="1" dirty="0" smtClean="0"/>
+            <a:endParaRPr lang="fr-FR" b="1" dirty="0"/>
           </a:p>
         </p:txBody>
       </p:sp>
+      <p:pic>
+        <p:nvPicPr>
+          <p:cNvPr id="5" name="Picture 2" descr="PlantUML Diagram">
+            <a:extLst>
+              <a:ext uri="{FF2B5EF4-FFF2-40B4-BE49-F238E27FC236}">
+                <a16:creationId xmlns:a16="http://schemas.microsoft.com/office/drawing/2014/main" id="{A5A7006E-35C1-41C5-8E00-807A3D154FA4}"/>
+              </a:ext>
+            </a:extLst>
+          </p:cNvPr>
+          <p:cNvPicPr>
+            <a:picLocks noChangeAspect="1" noChangeArrowheads="1"/>
+          </p:cNvPicPr>
+          <p:nvPr/>
+        </p:nvPicPr>
+        <p:blipFill>
+          <a:blip r:embed="rId3">
+            <a:extLst>
+              <a:ext uri="{28A0092B-C50C-407E-A947-70E740481C1C}">
+                <a14:useLocalDpi xmlns:a14="http://schemas.microsoft.com/office/drawing/2010/main" val="0"/>
+              </a:ext>
+            </a:extLst>
+          </a:blip>
+          <a:srcRect/>
+          <a:stretch>
+            <a:fillRect/>
+          </a:stretch>
+        </p:blipFill>
+        <p:spPr bwMode="auto">
+          <a:xfrm>
+            <a:off x="5789612" y="1447800"/>
+            <a:ext cx="5724623" cy="3224213"/>
+          </a:xfrm>
+          <a:prstGeom prst="rect">
+            <a:avLst/>
+          </a:prstGeom>
+          <a:noFill/>
+          <a:extLst>
+            <a:ext uri="{909E8E84-426E-40DD-AFC4-6F175D3DCCD1}">
+              <a14:hiddenFill xmlns:a14="http://schemas.microsoft.com/office/drawing/2010/main">
+                <a:solidFill>
+                  <a:srgbClr val="FFFFFF"/>
+                </a:solidFill>
+              </a14:hiddenFill>
+            </a:ext>
+          </a:extLst>
+        </p:spPr>
+      </p:pic>
     </p:spTree>
     <p:extLst>
       <p:ext uri="{BB962C8B-B14F-4D97-AF65-F5344CB8AC3E}">
@@ -15706,13 +15566,6 @@
       </p:transition>
     </mc:Fallback>
   </mc:AlternateContent>
-  <p:timing>
-    <p:tnLst>
-      <p:par>
-        <p:cTn id="1" dur="indefinite" restart="never" nodeType="tmRoot"/>
-      </p:par>
-    </p:tnLst>
-  </p:timing>
 </p:sld>
 </file>
 
